--- a/rbc_sab-berlin_2016/Poster_deNBI-epi_SAB-Meeting_2016.pptx
+++ b/rbc_sab-berlin_2016/Poster_deNBI-epi_SAB-Meeting_2016.pptx
@@ -53,7 +53,7 @@
       </p:grpSpPr>
       <p:sp>
         <p:nvSpPr>
-          <p:cNvPr id="23" name="PlaceHolder 1"/>
+          <p:cNvPr id="21" name="PlaceHolder 1"/>
           <p:cNvSpPr>
             <a:spLocks noGrp="1"/>
           </p:cNvSpPr>
@@ -63,8 +63,8 @@
         </p:nvSpPr>
         <p:spPr>
           <a:xfrm>
-            <a:off x="2270520" y="13299480"/>
-            <a:ext cx="25733160" cy="9176040"/>
+            <a:off x="1513440" y="1707840"/>
+            <a:ext cx="27247320" cy="7148880"/>
           </a:xfrm>
           <a:prstGeom prst="rect">
             <a:avLst/>
@@ -90,7 +90,7 @@
       </p:sp>
       <p:sp>
         <p:nvSpPr>
-          <p:cNvPr id="24" name="PlaceHolder 2"/>
+          <p:cNvPr id="22" name="PlaceHolder 2"/>
           <p:cNvSpPr>
             <a:spLocks noGrp="1"/>
           </p:cNvSpPr>
@@ -126,7 +126,7 @@
       </p:sp>
       <p:sp>
         <p:nvSpPr>
-          <p:cNvPr id="25" name="PlaceHolder 3"/>
+          <p:cNvPr id="23" name="PlaceHolder 3"/>
           <p:cNvSpPr>
             <a:spLocks noGrp="1"/>
           </p:cNvSpPr>
@@ -184,7 +184,7 @@
       </p:grpSpPr>
       <p:sp>
         <p:nvSpPr>
-          <p:cNvPr id="26" name="PlaceHolder 1"/>
+          <p:cNvPr id="24" name="PlaceHolder 1"/>
           <p:cNvSpPr>
             <a:spLocks noGrp="1"/>
           </p:cNvSpPr>
@@ -194,8 +194,8 @@
         </p:nvSpPr>
         <p:spPr>
           <a:xfrm>
-            <a:off x="2270520" y="13299480"/>
-            <a:ext cx="25733160" cy="9176040"/>
+            <a:off x="1513440" y="1707840"/>
+            <a:ext cx="27247320" cy="7148880"/>
           </a:xfrm>
           <a:prstGeom prst="rect">
             <a:avLst/>
@@ -221,7 +221,7 @@
       </p:sp>
       <p:sp>
         <p:nvSpPr>
-          <p:cNvPr id="27" name="PlaceHolder 2"/>
+          <p:cNvPr id="25" name="PlaceHolder 2"/>
           <p:cNvSpPr>
             <a:spLocks noGrp="1"/>
           </p:cNvSpPr>
@@ -257,7 +257,7 @@
       </p:sp>
       <p:sp>
         <p:nvSpPr>
-          <p:cNvPr id="28" name="PlaceHolder 3"/>
+          <p:cNvPr id="26" name="PlaceHolder 3"/>
           <p:cNvSpPr>
             <a:spLocks noGrp="1"/>
           </p:cNvSpPr>
@@ -293,7 +293,7 @@
       </p:sp>
       <p:sp>
         <p:nvSpPr>
-          <p:cNvPr id="29" name="PlaceHolder 4"/>
+          <p:cNvPr id="27" name="PlaceHolder 4"/>
           <p:cNvSpPr>
             <a:spLocks noGrp="1"/>
           </p:cNvSpPr>
@@ -329,7 +329,7 @@
       </p:sp>
       <p:sp>
         <p:nvSpPr>
-          <p:cNvPr id="30" name="PlaceHolder 5"/>
+          <p:cNvPr id="28" name="PlaceHolder 5"/>
           <p:cNvSpPr>
             <a:spLocks noGrp="1"/>
           </p:cNvSpPr>
@@ -387,7 +387,7 @@
       </p:grpSpPr>
       <p:sp>
         <p:nvSpPr>
-          <p:cNvPr id="31" name="PlaceHolder 1"/>
+          <p:cNvPr id="29" name="PlaceHolder 1"/>
           <p:cNvSpPr>
             <a:spLocks noGrp="1"/>
           </p:cNvSpPr>
@@ -397,8 +397,8 @@
         </p:nvSpPr>
         <p:spPr>
           <a:xfrm>
-            <a:off x="2270520" y="13299480"/>
-            <a:ext cx="25733160" cy="9176040"/>
+            <a:off x="1513440" y="1707840"/>
+            <a:ext cx="27247320" cy="7148880"/>
           </a:xfrm>
           <a:prstGeom prst="rect">
             <a:avLst/>
@@ -424,7 +424,7 @@
       </p:sp>
       <p:sp>
         <p:nvSpPr>
-          <p:cNvPr id="32" name="PlaceHolder 2"/>
+          <p:cNvPr id="30" name="PlaceHolder 2"/>
           <p:cNvSpPr>
             <a:spLocks noGrp="1"/>
           </p:cNvSpPr>
@@ -460,7 +460,7 @@
       </p:sp>
       <p:sp>
         <p:nvSpPr>
-          <p:cNvPr id="33" name="PlaceHolder 3"/>
+          <p:cNvPr id="31" name="PlaceHolder 3"/>
           <p:cNvSpPr>
             <a:spLocks noGrp="1"/>
           </p:cNvSpPr>
@@ -496,7 +496,7 @@
       </p:sp>
       <p:pic>
         <p:nvPicPr>
-          <p:cNvPr id="34" name="" descr=""/>
+          <p:cNvPr id="32" name="" descr=""/>
           <p:cNvPicPr/>
           <p:nvPr/>
         </p:nvPicPr>
@@ -519,7 +519,7 @@
       </p:pic>
       <p:pic>
         <p:nvPicPr>
-          <p:cNvPr id="35" name="" descr=""/>
+          <p:cNvPr id="33" name="" descr=""/>
           <p:cNvPicPr/>
           <p:nvPr/>
         </p:nvPicPr>
@@ -564,7 +564,7 @@
       </p:grpSpPr>
       <p:sp>
         <p:nvSpPr>
-          <p:cNvPr id="2" name="PlaceHolder 1"/>
+          <p:cNvPr id="0" name="PlaceHolder 1"/>
           <p:cNvSpPr>
             <a:spLocks noGrp="1"/>
           </p:cNvSpPr>
@@ -574,8 +574,8 @@
         </p:nvSpPr>
         <p:spPr>
           <a:xfrm>
-            <a:off x="2270520" y="13299480"/>
-            <a:ext cx="25733160" cy="9176040"/>
+            <a:off x="1513440" y="1707840"/>
+            <a:ext cx="27247320" cy="7148880"/>
           </a:xfrm>
           <a:prstGeom prst="rect">
             <a:avLst/>
@@ -601,7 +601,7 @@
       </p:sp>
       <p:sp>
         <p:nvSpPr>
-          <p:cNvPr id="3" name="PlaceHolder 2"/>
+          <p:cNvPr id="1" name="PlaceHolder 2"/>
           <p:cNvSpPr>
             <a:spLocks noGrp="1"/>
           </p:cNvSpPr>
@@ -660,7 +660,7 @@
       </p:grpSpPr>
       <p:sp>
         <p:nvSpPr>
-          <p:cNvPr id="4" name="PlaceHolder 1"/>
+          <p:cNvPr id="2" name="PlaceHolder 1"/>
           <p:cNvSpPr>
             <a:spLocks noGrp="1"/>
           </p:cNvSpPr>
@@ -670,8 +670,8 @@
         </p:nvSpPr>
         <p:spPr>
           <a:xfrm>
-            <a:off x="2270520" y="13299480"/>
-            <a:ext cx="25733160" cy="9176040"/>
+            <a:off x="1513440" y="1707840"/>
+            <a:ext cx="27247320" cy="7148880"/>
           </a:xfrm>
           <a:prstGeom prst="rect">
             <a:avLst/>
@@ -697,7 +697,7 @@
       </p:sp>
       <p:sp>
         <p:nvSpPr>
-          <p:cNvPr id="5" name="PlaceHolder 2"/>
+          <p:cNvPr id="3" name="PlaceHolder 2"/>
           <p:cNvSpPr>
             <a:spLocks noGrp="1"/>
           </p:cNvSpPr>
@@ -755,7 +755,7 @@
       </p:grpSpPr>
       <p:sp>
         <p:nvSpPr>
-          <p:cNvPr id="6" name="PlaceHolder 1"/>
+          <p:cNvPr id="4" name="PlaceHolder 1"/>
           <p:cNvSpPr>
             <a:spLocks noGrp="1"/>
           </p:cNvSpPr>
@@ -765,8 +765,8 @@
         </p:nvSpPr>
         <p:spPr>
           <a:xfrm>
-            <a:off x="2270520" y="13299480"/>
-            <a:ext cx="25733160" cy="9176040"/>
+            <a:off x="1513440" y="1707840"/>
+            <a:ext cx="27247320" cy="7148880"/>
           </a:xfrm>
           <a:prstGeom prst="rect">
             <a:avLst/>
@@ -792,7 +792,7 @@
       </p:sp>
       <p:sp>
         <p:nvSpPr>
-          <p:cNvPr id="7" name="PlaceHolder 2"/>
+          <p:cNvPr id="5" name="PlaceHolder 2"/>
           <p:cNvSpPr>
             <a:spLocks noGrp="1"/>
           </p:cNvSpPr>
@@ -828,7 +828,7 @@
       </p:sp>
       <p:sp>
         <p:nvSpPr>
-          <p:cNvPr id="8" name="PlaceHolder 3"/>
+          <p:cNvPr id="6" name="PlaceHolder 3"/>
           <p:cNvSpPr>
             <a:spLocks noGrp="1"/>
           </p:cNvSpPr>
@@ -886,7 +886,7 @@
       </p:grpSpPr>
       <p:sp>
         <p:nvSpPr>
-          <p:cNvPr id="9" name="PlaceHolder 1"/>
+          <p:cNvPr id="7" name="PlaceHolder 1"/>
           <p:cNvSpPr>
             <a:spLocks noGrp="1"/>
           </p:cNvSpPr>
@@ -896,8 +896,8 @@
         </p:nvSpPr>
         <p:spPr>
           <a:xfrm>
-            <a:off x="2270520" y="13299480"/>
-            <a:ext cx="25733160" cy="9176040"/>
+            <a:off x="1513440" y="1707840"/>
+            <a:ext cx="27247320" cy="7148880"/>
           </a:xfrm>
           <a:prstGeom prst="rect">
             <a:avLst/>
@@ -945,7 +945,7 @@
       </p:grpSpPr>
       <p:sp>
         <p:nvSpPr>
-          <p:cNvPr id="10" name="PlaceHolder 1"/>
+          <p:cNvPr id="8" name="PlaceHolder 1"/>
           <p:cNvSpPr>
             <a:spLocks noGrp="1"/>
           </p:cNvSpPr>
@@ -955,8 +955,8 @@
         </p:nvSpPr>
         <p:spPr>
           <a:xfrm>
-            <a:off x="2270520" y="13299480"/>
-            <a:ext cx="25733160" cy="42535800"/>
+            <a:off x="1513440" y="1707840"/>
+            <a:ext cx="27247320" cy="33139080"/>
           </a:xfrm>
           <a:prstGeom prst="rect">
             <a:avLst/>
@@ -1004,7 +1004,7 @@
       </p:grpSpPr>
       <p:sp>
         <p:nvSpPr>
-          <p:cNvPr id="11" name="PlaceHolder 1"/>
+          <p:cNvPr id="9" name="PlaceHolder 1"/>
           <p:cNvSpPr>
             <a:spLocks noGrp="1"/>
           </p:cNvSpPr>
@@ -1014,8 +1014,8 @@
         </p:nvSpPr>
         <p:spPr>
           <a:xfrm>
-            <a:off x="2270520" y="13299480"/>
-            <a:ext cx="25733160" cy="9176040"/>
+            <a:off x="1513440" y="1707840"/>
+            <a:ext cx="27247320" cy="7148880"/>
           </a:xfrm>
           <a:prstGeom prst="rect">
             <a:avLst/>
@@ -1041,7 +1041,7 @@
       </p:sp>
       <p:sp>
         <p:nvSpPr>
-          <p:cNvPr id="12" name="PlaceHolder 2"/>
+          <p:cNvPr id="10" name="PlaceHolder 2"/>
           <p:cNvSpPr>
             <a:spLocks noGrp="1"/>
           </p:cNvSpPr>
@@ -1077,7 +1077,7 @@
       </p:sp>
       <p:sp>
         <p:nvSpPr>
-          <p:cNvPr id="13" name="PlaceHolder 3"/>
+          <p:cNvPr id="11" name="PlaceHolder 3"/>
           <p:cNvSpPr>
             <a:spLocks noGrp="1"/>
           </p:cNvSpPr>
@@ -1113,7 +1113,7 @@
       </p:sp>
       <p:sp>
         <p:nvSpPr>
-          <p:cNvPr id="14" name="PlaceHolder 4"/>
+          <p:cNvPr id="12" name="PlaceHolder 4"/>
           <p:cNvSpPr>
             <a:spLocks noGrp="1"/>
           </p:cNvSpPr>
@@ -1171,7 +1171,7 @@
       </p:grpSpPr>
       <p:sp>
         <p:nvSpPr>
-          <p:cNvPr id="15" name="PlaceHolder 1"/>
+          <p:cNvPr id="13" name="PlaceHolder 1"/>
           <p:cNvSpPr>
             <a:spLocks noGrp="1"/>
           </p:cNvSpPr>
@@ -1181,8 +1181,8 @@
         </p:nvSpPr>
         <p:spPr>
           <a:xfrm>
-            <a:off x="2270520" y="13299480"/>
-            <a:ext cx="25733160" cy="9176040"/>
+            <a:off x="1513440" y="1707840"/>
+            <a:ext cx="27247320" cy="7148880"/>
           </a:xfrm>
           <a:prstGeom prst="rect">
             <a:avLst/>
@@ -1208,7 +1208,7 @@
       </p:sp>
       <p:sp>
         <p:nvSpPr>
-          <p:cNvPr id="16" name="PlaceHolder 2"/>
+          <p:cNvPr id="14" name="PlaceHolder 2"/>
           <p:cNvSpPr>
             <a:spLocks noGrp="1"/>
           </p:cNvSpPr>
@@ -1244,7 +1244,7 @@
       </p:sp>
       <p:sp>
         <p:nvSpPr>
-          <p:cNvPr id="17" name="PlaceHolder 3"/>
+          <p:cNvPr id="15" name="PlaceHolder 3"/>
           <p:cNvSpPr>
             <a:spLocks noGrp="1"/>
           </p:cNvSpPr>
@@ -1280,7 +1280,7 @@
       </p:sp>
       <p:sp>
         <p:nvSpPr>
-          <p:cNvPr id="18" name="PlaceHolder 4"/>
+          <p:cNvPr id="16" name="PlaceHolder 4"/>
           <p:cNvSpPr>
             <a:spLocks noGrp="1"/>
           </p:cNvSpPr>
@@ -1338,7 +1338,7 @@
       </p:grpSpPr>
       <p:sp>
         <p:nvSpPr>
-          <p:cNvPr id="19" name="PlaceHolder 1"/>
+          <p:cNvPr id="17" name="PlaceHolder 1"/>
           <p:cNvSpPr>
             <a:spLocks noGrp="1"/>
           </p:cNvSpPr>
@@ -1348,8 +1348,8 @@
         </p:nvSpPr>
         <p:spPr>
           <a:xfrm>
-            <a:off x="2270520" y="13299480"/>
-            <a:ext cx="25733160" cy="9176040"/>
+            <a:off x="1513440" y="1707840"/>
+            <a:ext cx="27247320" cy="7148880"/>
           </a:xfrm>
           <a:prstGeom prst="rect">
             <a:avLst/>
@@ -1375,7 +1375,7 @@
       </p:sp>
       <p:sp>
         <p:nvSpPr>
-          <p:cNvPr id="20" name="PlaceHolder 2"/>
+          <p:cNvPr id="18" name="PlaceHolder 2"/>
           <p:cNvSpPr>
             <a:spLocks noGrp="1"/>
           </p:cNvSpPr>
@@ -1411,7 +1411,7 @@
       </p:sp>
       <p:sp>
         <p:nvSpPr>
-          <p:cNvPr id="21" name="PlaceHolder 3"/>
+          <p:cNvPr id="19" name="PlaceHolder 3"/>
           <p:cNvSpPr>
             <a:spLocks noGrp="1"/>
           </p:cNvSpPr>
@@ -1447,7 +1447,7 @@
       </p:sp>
       <p:sp>
         <p:nvSpPr>
-          <p:cNvPr id="22" name="PlaceHolder 4"/>
+          <p:cNvPr id="20" name="PlaceHolder 4"/>
           <p:cNvSpPr>
             <a:spLocks noGrp="1"/>
           </p:cNvSpPr>
@@ -1510,311 +1510,6 @@
           <a:chExt cx="0" cy="0"/>
         </a:xfrm>
       </p:grpSpPr>
-      <p:sp>
-        <p:nvSpPr>
-          <p:cNvPr id="0" name="PlaceHolder 1"/>
-          <p:cNvSpPr>
-            <a:spLocks noGrp="1"/>
-          </p:cNvSpPr>
-          <p:nvPr>
-            <p:ph type="title"/>
-          </p:nvPr>
-        </p:nvSpPr>
-        <p:spPr>
-          <a:xfrm>
-            <a:off x="2270520" y="13299480"/>
-            <a:ext cx="25733160" cy="9176040"/>
-          </a:xfrm>
-          <a:prstGeom prst="rect">
-            <a:avLst/>
-          </a:prstGeom>
-        </p:spPr>
-        <p:txBody>
-          <a:bodyPr lIns="0" rIns="0" tIns="0" bIns="0" anchor="ctr"/>
-          <a:p>
-            <a:pPr algn="ctr"/>
-            <a:endParaRPr b="0" lang="en-US" sz="4400" spc="-1" strike="noStrike">
-              <a:solidFill>
-                <a:srgbClr val="000000"/>
-              </a:solidFill>
-              <a:uFill>
-                <a:solidFill>
-                  <a:srgbClr val="ffffff"/>
-                </a:solidFill>
-              </a:uFill>
-              <a:latin typeface="Arial"/>
-            </a:endParaRPr>
-          </a:p>
-        </p:txBody>
-      </p:sp>
-      <p:sp>
-        <p:nvSpPr>
-          <p:cNvPr id="1" name="PlaceHolder 2"/>
-          <p:cNvSpPr>
-            <a:spLocks noGrp="1"/>
-          </p:cNvSpPr>
-          <p:nvPr>
-            <p:ph type="body"/>
-          </p:nvPr>
-        </p:nvSpPr>
-        <p:spPr>
-          <a:xfrm>
-            <a:off x="1513440" y="10017720"/>
-            <a:ext cx="27247320" cy="24830280"/>
-          </a:xfrm>
-          <a:prstGeom prst="rect">
-            <a:avLst/>
-          </a:prstGeom>
-        </p:spPr>
-        <p:txBody>
-          <a:bodyPr lIns="0" rIns="0" tIns="0" bIns="0"/>
-          <a:p>
-            <a:pPr marL="432000" indent="-324000">
-              <a:buClr>
-                <a:srgbClr val="000000"/>
-              </a:buClr>
-              <a:buSzPct val="45000"/>
-              <a:buFont typeface="Wingdings" charset="2"/>
-              <a:buChar char=""/>
-            </a:pPr>
-            <a:r>
-              <a:rPr b="0" lang="en-US" sz="3200" spc="-1" strike="noStrike">
-                <a:solidFill>
-                  <a:srgbClr val="000000"/>
-                </a:solidFill>
-                <a:uFill>
-                  <a:solidFill>
-                    <a:srgbClr val="ffffff"/>
-                  </a:solidFill>
-                </a:uFill>
-                <a:latin typeface="Arial"/>
-              </a:rPr>
-              <a:t>Click to edit the outline text format</a:t>
-            </a:r>
-            <a:endParaRPr b="0" lang="en-US" sz="3200" spc="-1" strike="noStrike">
-              <a:solidFill>
-                <a:srgbClr val="000000"/>
-              </a:solidFill>
-              <a:uFill>
-                <a:solidFill>
-                  <a:srgbClr val="ffffff"/>
-                </a:solidFill>
-              </a:uFill>
-              <a:latin typeface="Arial"/>
-            </a:endParaRPr>
-          </a:p>
-          <a:p>
-            <a:pPr lvl="1" marL="864000" indent="-324000">
-              <a:buClr>
-                <a:srgbClr val="000000"/>
-              </a:buClr>
-              <a:buSzPct val="75000"/>
-              <a:buFont typeface="Symbol" charset="2"/>
-              <a:buChar char=""/>
-            </a:pPr>
-            <a:r>
-              <a:rPr b="0" lang="en-US" sz="2800" spc="-1" strike="noStrike">
-                <a:solidFill>
-                  <a:srgbClr val="000000"/>
-                </a:solidFill>
-                <a:uFill>
-                  <a:solidFill>
-                    <a:srgbClr val="ffffff"/>
-                  </a:solidFill>
-                </a:uFill>
-                <a:latin typeface="Arial"/>
-              </a:rPr>
-              <a:t>Second Outline Level</a:t>
-            </a:r>
-            <a:endParaRPr b="0" lang="en-US" sz="2800" spc="-1" strike="noStrike">
-              <a:solidFill>
-                <a:srgbClr val="000000"/>
-              </a:solidFill>
-              <a:uFill>
-                <a:solidFill>
-                  <a:srgbClr val="ffffff"/>
-                </a:solidFill>
-              </a:uFill>
-              <a:latin typeface="Arial"/>
-            </a:endParaRPr>
-          </a:p>
-          <a:p>
-            <a:pPr lvl="2" marL="1296000" indent="-288000">
-              <a:buClr>
-                <a:srgbClr val="000000"/>
-              </a:buClr>
-              <a:buSzPct val="45000"/>
-              <a:buFont typeface="Wingdings" charset="2"/>
-              <a:buChar char=""/>
-            </a:pPr>
-            <a:r>
-              <a:rPr b="0" lang="en-US" sz="2400" spc="-1" strike="noStrike">
-                <a:solidFill>
-                  <a:srgbClr val="000000"/>
-                </a:solidFill>
-                <a:uFill>
-                  <a:solidFill>
-                    <a:srgbClr val="ffffff"/>
-                  </a:solidFill>
-                </a:uFill>
-                <a:latin typeface="Arial"/>
-              </a:rPr>
-              <a:t>Third Outline Level</a:t>
-            </a:r>
-            <a:endParaRPr b="0" lang="en-US" sz="2400" spc="-1" strike="noStrike">
-              <a:solidFill>
-                <a:srgbClr val="000000"/>
-              </a:solidFill>
-              <a:uFill>
-                <a:solidFill>
-                  <a:srgbClr val="ffffff"/>
-                </a:solidFill>
-              </a:uFill>
-              <a:latin typeface="Arial"/>
-            </a:endParaRPr>
-          </a:p>
-          <a:p>
-            <a:pPr lvl="3" marL="1728000" indent="-216000">
-              <a:buClr>
-                <a:srgbClr val="000000"/>
-              </a:buClr>
-              <a:buSzPct val="75000"/>
-              <a:buFont typeface="Symbol" charset="2"/>
-              <a:buChar char=""/>
-            </a:pPr>
-            <a:r>
-              <a:rPr b="0" lang="en-US" sz="2000" spc="-1" strike="noStrike">
-                <a:solidFill>
-                  <a:srgbClr val="000000"/>
-                </a:solidFill>
-                <a:uFill>
-                  <a:solidFill>
-                    <a:srgbClr val="ffffff"/>
-                  </a:solidFill>
-                </a:uFill>
-                <a:latin typeface="Arial"/>
-              </a:rPr>
-              <a:t>Fourth Outline Level</a:t>
-            </a:r>
-            <a:endParaRPr b="0" lang="en-US" sz="2000" spc="-1" strike="noStrike">
-              <a:solidFill>
-                <a:srgbClr val="000000"/>
-              </a:solidFill>
-              <a:uFill>
-                <a:solidFill>
-                  <a:srgbClr val="ffffff"/>
-                </a:solidFill>
-              </a:uFill>
-              <a:latin typeface="Arial"/>
-            </a:endParaRPr>
-          </a:p>
-          <a:p>
-            <a:pPr lvl="4" marL="2160000" indent="-216000">
-              <a:buClr>
-                <a:srgbClr val="000000"/>
-              </a:buClr>
-              <a:buSzPct val="45000"/>
-              <a:buFont typeface="Wingdings" charset="2"/>
-              <a:buChar char=""/>
-            </a:pPr>
-            <a:r>
-              <a:rPr b="0" lang="en-US" sz="2000" spc="-1" strike="noStrike">
-                <a:solidFill>
-                  <a:srgbClr val="000000"/>
-                </a:solidFill>
-                <a:uFill>
-                  <a:solidFill>
-                    <a:srgbClr val="ffffff"/>
-                  </a:solidFill>
-                </a:uFill>
-                <a:latin typeface="Arial"/>
-              </a:rPr>
-              <a:t>Fifth Outline Level</a:t>
-            </a:r>
-            <a:endParaRPr b="0" lang="en-US" sz="2000" spc="-1" strike="noStrike">
-              <a:solidFill>
-                <a:srgbClr val="000000"/>
-              </a:solidFill>
-              <a:uFill>
-                <a:solidFill>
-                  <a:srgbClr val="ffffff"/>
-                </a:solidFill>
-              </a:uFill>
-              <a:latin typeface="Arial"/>
-            </a:endParaRPr>
-          </a:p>
-          <a:p>
-            <a:pPr lvl="5" marL="2592000" indent="-216000">
-              <a:buClr>
-                <a:srgbClr val="000000"/>
-              </a:buClr>
-              <a:buSzPct val="45000"/>
-              <a:buFont typeface="Wingdings" charset="2"/>
-              <a:buChar char=""/>
-            </a:pPr>
-            <a:r>
-              <a:rPr b="0" lang="en-US" sz="2000" spc="-1" strike="noStrike">
-                <a:solidFill>
-                  <a:srgbClr val="000000"/>
-                </a:solidFill>
-                <a:uFill>
-                  <a:solidFill>
-                    <a:srgbClr val="ffffff"/>
-                  </a:solidFill>
-                </a:uFill>
-                <a:latin typeface="Arial"/>
-              </a:rPr>
-              <a:t>Sixth Outline Level</a:t>
-            </a:r>
-            <a:endParaRPr b="0" lang="en-US" sz="2000" spc="-1" strike="noStrike">
-              <a:solidFill>
-                <a:srgbClr val="000000"/>
-              </a:solidFill>
-              <a:uFill>
-                <a:solidFill>
-                  <a:srgbClr val="ffffff"/>
-                </a:solidFill>
-              </a:uFill>
-              <a:latin typeface="Arial"/>
-            </a:endParaRPr>
-          </a:p>
-          <a:p>
-            <a:pPr lvl="6" marL="3024000" indent="-216000">
-              <a:buClr>
-                <a:srgbClr val="000000"/>
-              </a:buClr>
-              <a:buSzPct val="45000"/>
-              <a:buFont typeface="Wingdings" charset="2"/>
-              <a:buChar char=""/>
-            </a:pPr>
-            <a:r>
-              <a:rPr b="0" lang="en-US" sz="2000" spc="-1" strike="noStrike">
-                <a:solidFill>
-                  <a:srgbClr val="000000"/>
-                </a:solidFill>
-                <a:uFill>
-                  <a:solidFill>
-                    <a:srgbClr val="ffffff"/>
-                  </a:solidFill>
-                </a:uFill>
-                <a:latin typeface="Arial"/>
-              </a:rPr>
-              <a:t>Seventh Outline Level</a:t>
-            </a:r>
-            <a:endParaRPr b="0" lang="en-US" sz="2000" spc="-1" strike="noStrike">
-              <a:solidFill>
-                <a:srgbClr val="000000"/>
-              </a:solidFill>
-              <a:uFill>
-                <a:solidFill>
-                  <a:srgbClr val="ffffff"/>
-                </a:solidFill>
-              </a:uFill>
-              <a:latin typeface="Arial"/>
-            </a:endParaRPr>
-          </a:p>
-        </p:txBody>
-      </p:sp>
     </p:spTree>
   </p:cSld>
   <p:clrMap bg1="lt1" bg2="lt2" tx1="dk1" tx2="dk2" accent1="accent1" accent2="accent2" accent3="accent3" accent4="accent4" accent5="accent5" accent6="accent6" hlink="hlink" folHlink="folHlink"/>
@@ -1854,14 +1549,14 @@
       </p:grpSpPr>
       <p:sp>
         <p:nvSpPr>
-          <p:cNvPr id="36" name="CustomShape 1"/>
+          <p:cNvPr id="34" name="CustomShape 1"/>
           <p:cNvSpPr/>
           <p:nvPr/>
         </p:nvSpPr>
         <p:spPr>
           <a:xfrm>
             <a:off x="0" y="41040360"/>
-            <a:ext cx="30266280" cy="1799280"/>
+            <a:ext cx="30265560" cy="1798560"/>
           </a:xfrm>
           <a:prstGeom prst="rect">
             <a:avLst/>
@@ -1906,7 +1601,7 @@
       </p:sp>
       <p:pic>
         <p:nvPicPr>
-          <p:cNvPr id="37" name="Grafik 8" descr=""/>
+          <p:cNvPr id="35" name="Grafik 8" descr=""/>
           <p:cNvPicPr/>
           <p:nvPr/>
         </p:nvPicPr>
@@ -1917,7 +1612,7 @@
         <p:spPr>
           <a:xfrm>
             <a:off x="0" y="3052080"/>
-            <a:ext cx="30214440" cy="6623280"/>
+            <a:ext cx="30213720" cy="6622560"/>
           </a:xfrm>
           <a:prstGeom prst="rect">
             <a:avLst/>
@@ -1929,14 +1624,14 @@
       </p:pic>
       <p:sp>
         <p:nvSpPr>
-          <p:cNvPr id="38" name="CustomShape 2"/>
+          <p:cNvPr id="36" name="CustomShape 2"/>
           <p:cNvSpPr/>
           <p:nvPr/>
         </p:nvSpPr>
         <p:spPr>
           <a:xfrm>
             <a:off x="23969520" y="45514800"/>
-            <a:ext cx="30274560" cy="1799280"/>
+            <a:ext cx="30273840" cy="1798560"/>
           </a:xfrm>
           <a:prstGeom prst="rect">
             <a:avLst/>
@@ -1973,14 +1668,14 @@
       </p:sp>
       <p:sp>
         <p:nvSpPr>
-          <p:cNvPr id="39" name="CustomShape 3"/>
+          <p:cNvPr id="37" name="CustomShape 3"/>
           <p:cNvSpPr/>
           <p:nvPr/>
         </p:nvSpPr>
         <p:spPr>
           <a:xfrm>
             <a:off x="18739800" y="41436360"/>
-            <a:ext cx="10764000" cy="821160"/>
+            <a:ext cx="10763280" cy="820440"/>
           </a:xfrm>
           <a:prstGeom prst="rect">
             <a:avLst/>
@@ -2050,14 +1745,14 @@
       </p:sp>
       <p:sp>
         <p:nvSpPr>
-          <p:cNvPr id="40" name="CustomShape 4"/>
+          <p:cNvPr id="38" name="CustomShape 4"/>
           <p:cNvSpPr/>
           <p:nvPr/>
         </p:nvSpPr>
         <p:spPr>
           <a:xfrm>
             <a:off x="18298800" y="41622480"/>
-            <a:ext cx="719280" cy="483840"/>
+            <a:ext cx="718560" cy="483120"/>
           </a:xfrm>
           <a:prstGeom prst="rightArrow">
             <a:avLst>
@@ -2094,14 +1789,14 @@
       </p:sp>
       <p:sp>
         <p:nvSpPr>
-          <p:cNvPr id="41" name="CustomShape 5"/>
+          <p:cNvPr id="39" name="CustomShape 5"/>
           <p:cNvSpPr/>
           <p:nvPr/>
         </p:nvSpPr>
         <p:spPr>
           <a:xfrm>
             <a:off x="-19888200" y="3548880"/>
-            <a:ext cx="183960" cy="1353600"/>
+            <a:ext cx="183240" cy="1352880"/>
           </a:xfrm>
           <a:prstGeom prst="rect">
             <a:avLst/>
@@ -2120,7 +1815,7 @@
       </p:sp>
       <p:pic>
         <p:nvPicPr>
-          <p:cNvPr id="42" name="Grafik 62" descr=""/>
+          <p:cNvPr id="40" name="Grafik 62" descr=""/>
           <p:cNvPicPr/>
           <p:nvPr/>
         </p:nvPicPr>
@@ -2131,7 +1826,7 @@
         <p:spPr>
           <a:xfrm>
             <a:off x="15382800" y="22181400"/>
-            <a:ext cx="1608480" cy="547920"/>
+            <a:ext cx="1607760" cy="547200"/>
           </a:xfrm>
           <a:prstGeom prst="rect">
             <a:avLst/>
@@ -2143,7 +1838,7 @@
       </p:pic>
       <p:sp>
         <p:nvSpPr>
-          <p:cNvPr id="43" name="Line 6"/>
+          <p:cNvPr id="41" name="Line 6"/>
           <p:cNvSpPr/>
           <p:nvPr/>
         </p:nvSpPr>
@@ -2177,14 +1872,14 @@
       </p:sp>
       <p:sp>
         <p:nvSpPr>
-          <p:cNvPr id="44" name="CustomShape 7"/>
+          <p:cNvPr id="42" name="CustomShape 7"/>
           <p:cNvSpPr/>
           <p:nvPr/>
         </p:nvSpPr>
         <p:spPr>
           <a:xfrm>
             <a:off x="7589520" y="3052080"/>
-            <a:ext cx="21886200" cy="1004400"/>
+            <a:ext cx="21885480" cy="1003680"/>
           </a:xfrm>
           <a:prstGeom prst="rect">
             <a:avLst/>
@@ -2239,14 +1934,14 @@
       </p:sp>
       <p:sp>
         <p:nvSpPr>
-          <p:cNvPr id="45" name="CustomShape 8"/>
+          <p:cNvPr id="43" name="CustomShape 8"/>
           <p:cNvSpPr/>
           <p:nvPr/>
         </p:nvSpPr>
         <p:spPr>
           <a:xfrm>
             <a:off x="8321040" y="4389840"/>
-            <a:ext cx="21080160" cy="3600720"/>
+            <a:ext cx="21079440" cy="3600000"/>
           </a:xfrm>
           <a:prstGeom prst="rect">
             <a:avLst/>
@@ -2367,14 +2062,14 @@
       </p:sp>
       <p:sp>
         <p:nvSpPr>
-          <p:cNvPr id="46" name="CustomShape 9"/>
+          <p:cNvPr id="44" name="CustomShape 9"/>
           <p:cNvSpPr/>
           <p:nvPr/>
         </p:nvSpPr>
         <p:spPr>
           <a:xfrm>
             <a:off x="1217520" y="8121960"/>
-            <a:ext cx="28467720" cy="1308960"/>
+            <a:ext cx="28467000" cy="1308240"/>
           </a:xfrm>
           <a:prstGeom prst="rect">
             <a:avLst/>
@@ -2462,14 +2157,14 @@
       </p:sp>
       <p:sp>
         <p:nvSpPr>
-          <p:cNvPr id="47" name="CustomShape 10"/>
+          <p:cNvPr id="45" name="CustomShape 10"/>
           <p:cNvSpPr/>
           <p:nvPr/>
         </p:nvSpPr>
         <p:spPr>
           <a:xfrm>
             <a:off x="1031760" y="4754880"/>
-            <a:ext cx="6648840" cy="1613880"/>
+            <a:ext cx="6648120" cy="1613160"/>
           </a:xfrm>
           <a:prstGeom prst="rect">
             <a:avLst/>
@@ -2524,7 +2219,7 @@
       </p:sp>
       <p:pic>
         <p:nvPicPr>
-          <p:cNvPr id="48" name="Bild 1" descr=""/>
+          <p:cNvPr id="46" name="Bild 1" descr=""/>
           <p:cNvPicPr/>
           <p:nvPr/>
         </p:nvPicPr>
@@ -2535,7 +2230,7 @@
         <p:spPr>
           <a:xfrm>
             <a:off x="1153440" y="41258160"/>
-            <a:ext cx="1919880" cy="1331280"/>
+            <a:ext cx="1919160" cy="1330560"/>
           </a:xfrm>
           <a:prstGeom prst="rect">
             <a:avLst/>
@@ -2547,14 +2242,14 @@
       </p:pic>
       <p:sp>
         <p:nvSpPr>
-          <p:cNvPr id="49" name="CustomShape 11"/>
+          <p:cNvPr id="47" name="CustomShape 11"/>
           <p:cNvSpPr/>
           <p:nvPr/>
         </p:nvSpPr>
         <p:spPr>
           <a:xfrm flipH="1">
-            <a:off x="6433200" y="41806440"/>
-            <a:ext cx="8022600" cy="394920"/>
+            <a:off x="6432480" y="41806440"/>
+            <a:ext cx="8021880" cy="394200"/>
           </a:xfrm>
           <a:prstGeom prst="rect">
             <a:avLst/>
@@ -2609,14 +2304,14 @@
       </p:sp>
       <p:sp>
         <p:nvSpPr>
-          <p:cNvPr id="50" name="CustomShape 12"/>
+          <p:cNvPr id="48" name="CustomShape 12"/>
           <p:cNvSpPr/>
           <p:nvPr/>
         </p:nvSpPr>
         <p:spPr>
           <a:xfrm>
             <a:off x="1233360" y="10365480"/>
-            <a:ext cx="12599280" cy="1004400"/>
+            <a:ext cx="12598560" cy="1003680"/>
           </a:xfrm>
           <a:prstGeom prst="rect">
             <a:avLst/>
@@ -2673,14 +2368,14 @@
       </p:sp>
       <p:sp>
         <p:nvSpPr>
-          <p:cNvPr id="51" name="CustomShape 13"/>
+          <p:cNvPr id="49" name="CustomShape 13"/>
           <p:cNvSpPr/>
           <p:nvPr/>
         </p:nvSpPr>
         <p:spPr>
           <a:xfrm>
             <a:off x="16595280" y="22852440"/>
-            <a:ext cx="12599280" cy="1004400"/>
+            <a:ext cx="12598560" cy="1003680"/>
           </a:xfrm>
           <a:prstGeom prst="rect">
             <a:avLst/>
@@ -2737,14 +2432,14 @@
       </p:sp>
       <p:sp>
         <p:nvSpPr>
-          <p:cNvPr id="52" name="CustomShape 14"/>
+          <p:cNvPr id="50" name="CustomShape 14"/>
           <p:cNvSpPr/>
           <p:nvPr/>
         </p:nvSpPr>
         <p:spPr>
           <a:xfrm>
             <a:off x="1235160" y="22830120"/>
-            <a:ext cx="12599280" cy="1004400"/>
+            <a:ext cx="12598560" cy="1003680"/>
           </a:xfrm>
           <a:prstGeom prst="rect">
             <a:avLst/>
@@ -2783,7 +2478,7 @@
                 <a:latin typeface="Arial"/>
                 <a:ea typeface="DejaVu Sans"/>
               </a:rPr>
-              <a:t>Progress report    </a:t>
+              <a:t>Community based infrastructure   </a:t>
             </a:r>
             <a:endParaRPr b="0" lang="en-US" sz="1800" spc="-1" strike="noStrike">
               <a:solidFill>
@@ -2801,14 +2496,14 @@
       </p:sp>
       <p:sp>
         <p:nvSpPr>
-          <p:cNvPr id="53" name="CustomShape 15"/>
+          <p:cNvPr id="51" name="CustomShape 15"/>
           <p:cNvSpPr/>
           <p:nvPr/>
         </p:nvSpPr>
         <p:spPr>
           <a:xfrm>
-            <a:off x="1280160" y="31363920"/>
-            <a:ext cx="12599280" cy="1004400"/>
+            <a:off x="1391400" y="35114760"/>
+            <a:ext cx="12598560" cy="1003680"/>
           </a:xfrm>
           <a:prstGeom prst="rect">
             <a:avLst/>
@@ -2865,14 +2560,14 @@
       </p:sp>
       <p:sp>
         <p:nvSpPr>
-          <p:cNvPr id="54" name="CustomShape 16"/>
+          <p:cNvPr id="52" name="CustomShape 16"/>
           <p:cNvSpPr/>
           <p:nvPr/>
         </p:nvSpPr>
         <p:spPr>
           <a:xfrm>
-            <a:off x="1323360" y="24414480"/>
-            <a:ext cx="12104640" cy="5447160"/>
+            <a:off x="1171440" y="24140160"/>
+            <a:ext cx="13715640" cy="1737000"/>
           </a:xfrm>
           <a:prstGeom prst="rect">
             <a:avLst/>
@@ -2891,15 +2586,10 @@
         <p:txBody>
           <a:bodyPr lIns="90000" rIns="90000" tIns="45000" bIns="45000"/>
           <a:p>
-            <a:pPr marL="216000" indent="-215640">
+            <a:pPr>
               <a:lnSpc>
-                <a:spcPct val="100000"/>
+                <a:spcPct val="115000"/>
               </a:lnSpc>
-              <a:buClr>
-                <a:srgbClr val="000000"/>
-              </a:buClr>
-              <a:buFont typeface="Symbol"/>
-              <a:buChar char=""/>
             </a:pPr>
             <a:r>
               <a:rPr b="0" lang="en-US" sz="3200" spc="-1" strike="noStrike">
@@ -2914,7 +2604,7 @@
                 <a:latin typeface="Arial"/>
                 <a:ea typeface="DejaVu Sans"/>
               </a:rPr>
-              <a:t>Implementation of tools for Galaxy to provide easy access for epigentic analysis software:</a:t>
+              <a:t>Contribute to open source projects to create, distribute and maintain bioinformatics software in an easy way. To achieve these goals we contribute actively to Bioconda, Biocontainers and Galaxy.</a:t>
             </a:r>
             <a:endParaRPr b="0" lang="en-US" sz="1800" spc="-1" strike="noStrike">
               <a:solidFill>
@@ -2928,290 +2618,18 @@
               <a:latin typeface="Arial"/>
             </a:endParaRPr>
           </a:p>
-          <a:p>
-            <a:pPr lvl="1" marL="432000" indent="-215640">
-              <a:lnSpc>
-                <a:spcPct val="100000"/>
-              </a:lnSpc>
-              <a:buClr>
-                <a:srgbClr val="000000"/>
-              </a:buClr>
-              <a:buSzPct val="45000"/>
-              <a:buFont typeface="Wingdings" charset="2"/>
-              <a:buChar char=""/>
-            </a:pPr>
-            <a:r>
-              <a:rPr b="0" lang="en-US" sz="3200" spc="-1" strike="noStrike">
-                <a:solidFill>
-                  <a:srgbClr val="000000"/>
-                </a:solidFill>
-                <a:uFill>
-                  <a:solidFill>
-                    <a:srgbClr val="ffffff"/>
-                  </a:solidFill>
-                </a:uFill>
-                <a:latin typeface="Arial"/>
-                <a:ea typeface="DejaVu Sans"/>
-              </a:rPr>
-              <a:t>HiCExplorer</a:t>
-            </a:r>
-            <a:endParaRPr b="0" lang="en-US" sz="1800" spc="-1" strike="noStrike">
-              <a:solidFill>
-                <a:srgbClr val="000000"/>
-              </a:solidFill>
-              <a:uFill>
-                <a:solidFill>
-                  <a:srgbClr val="ffffff"/>
-                </a:solidFill>
-              </a:uFill>
-              <a:latin typeface="Arial"/>
-            </a:endParaRPr>
-          </a:p>
-          <a:p>
-            <a:pPr lvl="1" marL="432000" indent="-215640">
-              <a:lnSpc>
-                <a:spcPct val="100000"/>
-              </a:lnSpc>
-              <a:buClr>
-                <a:srgbClr val="000000"/>
-              </a:buClr>
-              <a:buSzPct val="45000"/>
-              <a:buFont typeface="Wingdings" charset="2"/>
-              <a:buChar char=""/>
-            </a:pPr>
-            <a:r>
-              <a:rPr b="0" lang="en-US" sz="3200" spc="-1" strike="noStrike">
-                <a:solidFill>
-                  <a:srgbClr val="000000"/>
-                </a:solidFill>
-                <a:uFill>
-                  <a:solidFill>
-                    <a:srgbClr val="ffffff"/>
-                  </a:solidFill>
-                </a:uFill>
-                <a:latin typeface="Arial"/>
-                <a:ea typeface="DejaVu Sans"/>
-              </a:rPr>
-              <a:t>DeepTools</a:t>
-            </a:r>
-            <a:endParaRPr b="0" lang="en-US" sz="1800" spc="-1" strike="noStrike">
-              <a:solidFill>
-                <a:srgbClr val="000000"/>
-              </a:solidFill>
-              <a:uFill>
-                <a:solidFill>
-                  <a:srgbClr val="ffffff"/>
-                </a:solidFill>
-              </a:uFill>
-              <a:latin typeface="Arial"/>
-            </a:endParaRPr>
-          </a:p>
-          <a:p>
-            <a:pPr lvl="1" marL="432000" indent="-215640">
-              <a:lnSpc>
-                <a:spcPct val="100000"/>
-              </a:lnSpc>
-              <a:buClr>
-                <a:srgbClr val="000000"/>
-              </a:buClr>
-              <a:buSzPct val="45000"/>
-              <a:buFont typeface="Wingdings" charset="2"/>
-              <a:buChar char=""/>
-            </a:pPr>
-            <a:r>
-              <a:rPr b="0" lang="en-US" sz="3200" spc="-1" strike="noStrike">
-                <a:solidFill>
-                  <a:srgbClr val="000000"/>
-                </a:solidFill>
-                <a:uFill>
-                  <a:solidFill>
-                    <a:srgbClr val="ffffff"/>
-                  </a:solidFill>
-                </a:uFill>
-                <a:latin typeface="Arial"/>
-                <a:ea typeface="DejaVu Sans"/>
-              </a:rPr>
-              <a:t>Bismark</a:t>
-            </a:r>
-            <a:endParaRPr b="0" lang="en-US" sz="1800" spc="-1" strike="noStrike">
-              <a:solidFill>
-                <a:srgbClr val="000000"/>
-              </a:solidFill>
-              <a:uFill>
-                <a:solidFill>
-                  <a:srgbClr val="ffffff"/>
-                </a:solidFill>
-              </a:uFill>
-              <a:latin typeface="Arial"/>
-            </a:endParaRPr>
-          </a:p>
-          <a:p>
-            <a:pPr lvl="1" marL="432000" indent="-215640">
-              <a:lnSpc>
-                <a:spcPct val="100000"/>
-              </a:lnSpc>
-              <a:buClr>
-                <a:srgbClr val="000000"/>
-              </a:buClr>
-              <a:buSzPct val="45000"/>
-              <a:buFont typeface="Wingdings" charset="2"/>
-              <a:buChar char=""/>
-            </a:pPr>
-            <a:r>
-              <a:rPr b="0" lang="en-US" sz="3200" spc="-1" strike="noStrike">
-                <a:solidFill>
-                  <a:srgbClr val="000000"/>
-                </a:solidFill>
-                <a:uFill>
-                  <a:solidFill>
-                    <a:srgbClr val="ffffff"/>
-                  </a:solidFill>
-                </a:uFill>
-                <a:latin typeface="Arial"/>
-                <a:ea typeface="DejaVu Sans"/>
-              </a:rPr>
-              <a:t>HiCUP</a:t>
-            </a:r>
-            <a:endParaRPr b="0" lang="en-US" sz="1800" spc="-1" strike="noStrike">
-              <a:solidFill>
-                <a:srgbClr val="000000"/>
-              </a:solidFill>
-              <a:uFill>
-                <a:solidFill>
-                  <a:srgbClr val="ffffff"/>
-                </a:solidFill>
-              </a:uFill>
-              <a:latin typeface="Arial"/>
-            </a:endParaRPr>
-          </a:p>
-          <a:p>
-            <a:pPr lvl="1" marL="432000" indent="-215640">
-              <a:lnSpc>
-                <a:spcPct val="100000"/>
-              </a:lnSpc>
-              <a:buClr>
-                <a:srgbClr val="000000"/>
-              </a:buClr>
-              <a:buSzPct val="45000"/>
-              <a:buFont typeface="Wingdings" charset="2"/>
-              <a:buChar char=""/>
-            </a:pPr>
-            <a:r>
-              <a:rPr b="0" lang="en-US" sz="3200" spc="-1" strike="noStrike">
-                <a:solidFill>
-                  <a:srgbClr val="000000"/>
-                </a:solidFill>
-                <a:uFill>
-                  <a:solidFill>
-                    <a:srgbClr val="ffffff"/>
-                  </a:solidFill>
-                </a:uFill>
-                <a:latin typeface="Arial"/>
-                <a:ea typeface="DejaVu Sans"/>
-              </a:rPr>
-              <a:t>ChiCAGO</a:t>
-            </a:r>
-            <a:endParaRPr b="0" lang="en-US" sz="1800" spc="-1" strike="noStrike">
-              <a:solidFill>
-                <a:srgbClr val="000000"/>
-              </a:solidFill>
-              <a:uFill>
-                <a:solidFill>
-                  <a:srgbClr val="ffffff"/>
-                </a:solidFill>
-              </a:uFill>
-              <a:latin typeface="Arial"/>
-            </a:endParaRPr>
-          </a:p>
-          <a:p>
-            <a:pPr lvl="1" marL="432000" indent="-215640">
-              <a:lnSpc>
-                <a:spcPct val="100000"/>
-              </a:lnSpc>
-              <a:buClr>
-                <a:srgbClr val="000000"/>
-              </a:buClr>
-              <a:buSzPct val="45000"/>
-              <a:buFont typeface="Wingdings" charset="2"/>
-              <a:buChar char=""/>
-            </a:pPr>
-            <a:r>
-              <a:rPr b="0" lang="en-US" sz="3200" spc="-1" strike="noStrike">
-                <a:solidFill>
-                  <a:srgbClr val="000000"/>
-                </a:solidFill>
-                <a:uFill>
-                  <a:solidFill>
-                    <a:srgbClr val="ffffff"/>
-                  </a:solidFill>
-                </a:uFill>
-                <a:latin typeface="Arial"/>
-                <a:ea typeface="DejaVu Sans"/>
-              </a:rPr>
-              <a:t>Beacons</a:t>
-            </a:r>
-            <a:endParaRPr b="0" lang="en-US" sz="1800" spc="-1" strike="noStrike">
-              <a:solidFill>
-                <a:srgbClr val="000000"/>
-              </a:solidFill>
-              <a:uFill>
-                <a:solidFill>
-                  <a:srgbClr val="ffffff"/>
-                </a:solidFill>
-              </a:uFill>
-              <a:latin typeface="Arial"/>
-            </a:endParaRPr>
-          </a:p>
-          <a:p>
-            <a:pPr marL="216000" indent="-215640">
-              <a:lnSpc>
-                <a:spcPct val="100000"/>
-              </a:lnSpc>
-              <a:buClr>
-                <a:srgbClr val="000000"/>
-              </a:buClr>
-              <a:buFont typeface="Symbol"/>
-              <a:buChar char=""/>
-            </a:pPr>
-            <a:r>
-              <a:rPr b="0" lang="en-US" sz="3200" spc="-1" strike="noStrike">
-                <a:solidFill>
-                  <a:srgbClr val="000000"/>
-                </a:solidFill>
-                <a:uFill>
-                  <a:solidFill>
-                    <a:srgbClr val="ffffff"/>
-                  </a:solidFill>
-                </a:uFill>
-                <a:latin typeface="Arial"/>
-                <a:ea typeface="DejaVu Sans"/>
-              </a:rPr>
-              <a:t>Initiative to create, distribute and maintain bioinformatics software in an easy way. For these goals we contribute actively to Bioconda and Biocontainers.  </a:t>
-            </a:r>
-            <a:endParaRPr b="0" lang="en-US" sz="1800" spc="-1" strike="noStrike">
-              <a:solidFill>
-                <a:srgbClr val="000000"/>
-              </a:solidFill>
-              <a:uFill>
-                <a:solidFill>
-                  <a:srgbClr val="ffffff"/>
-                </a:solidFill>
-              </a:uFill>
-              <a:latin typeface="Arial"/>
-            </a:endParaRPr>
-          </a:p>
-        </p:txBody>
-      </p:sp>
-      <p:sp>
-        <p:nvSpPr>
-          <p:cNvPr id="55" name="CustomShape 17"/>
+        </p:txBody>
+      </p:sp>
+      <p:sp>
+        <p:nvSpPr>
+          <p:cNvPr id="53" name="CustomShape 17"/>
           <p:cNvSpPr/>
           <p:nvPr/>
         </p:nvSpPr>
         <p:spPr>
           <a:xfrm>
-            <a:off x="1328040" y="32525640"/>
-            <a:ext cx="12479040" cy="2038320"/>
+            <a:off x="1554480" y="36366840"/>
+            <a:ext cx="12478320" cy="2037600"/>
           </a:xfrm>
           <a:prstGeom prst="rect">
             <a:avLst/>
@@ -3264,71 +2682,9 @@
           </a:p>
         </p:txBody>
       </p:sp>
-      <p:sp>
-        <p:nvSpPr>
-          <p:cNvPr id="56" name="CustomShape 18"/>
-          <p:cNvSpPr/>
-          <p:nvPr/>
-        </p:nvSpPr>
-        <p:spPr>
-          <a:xfrm>
-            <a:off x="17427240" y="26517600"/>
-            <a:ext cx="11348640" cy="3106440"/>
-          </a:xfrm>
-          <a:prstGeom prst="rect">
-            <a:avLst/>
-          </a:prstGeom>
-          <a:noFill/>
-          <a:ln>
-            <a:noFill/>
-          </a:ln>
-        </p:spPr>
-        <p:style>
-          <a:lnRef idx="0"/>
-          <a:fillRef idx="0"/>
-          <a:effectRef idx="0"/>
-          <a:fontRef idx="minor"/>
-        </p:style>
-        <p:txBody>
-          <a:bodyPr lIns="90000" rIns="90000" tIns="45000" bIns="45000"/>
-          <a:p>
-            <a:pPr>
-              <a:lnSpc>
-                <a:spcPct val="100000"/>
-              </a:lnSpc>
-            </a:pPr>
-            <a:r>
-              <a:rPr b="0" lang="en-US" sz="6600" spc="-1" strike="noStrike">
-                <a:solidFill>
-                  <a:srgbClr val="000000"/>
-                </a:solidFill>
-                <a:uFill>
-                  <a:solidFill>
-                    <a:srgbClr val="ffffff"/>
-                  </a:solidFill>
-                </a:uFill>
-                <a:latin typeface="Arial"/>
-                <a:ea typeface="DejaVu Sans"/>
-              </a:rPr>
-              <a:t>Description of de.NBI training and education activities offered and carried out</a:t>
-            </a:r>
-            <a:endParaRPr b="0" lang="en-US" sz="1800" spc="-1" strike="noStrike">
-              <a:solidFill>
-                <a:srgbClr val="000000"/>
-              </a:solidFill>
-              <a:uFill>
-                <a:solidFill>
-                  <a:srgbClr val="ffffff"/>
-                </a:solidFill>
-              </a:uFill>
-              <a:latin typeface="Arial"/>
-            </a:endParaRPr>
-          </a:p>
-        </p:txBody>
-      </p:sp>
       <p:pic>
         <p:nvPicPr>
-          <p:cNvPr id="57" name="Grafik 6" descr=""/>
+          <p:cNvPr id="54" name="Grafik 6" descr=""/>
           <p:cNvPicPr/>
           <p:nvPr/>
         </p:nvPicPr>
@@ -3339,7 +2695,7 @@
         <p:spPr>
           <a:xfrm>
             <a:off x="3367800" y="41294160"/>
-            <a:ext cx="1852200" cy="1259280"/>
+            <a:ext cx="1851480" cy="1258560"/>
           </a:xfrm>
           <a:prstGeom prst="rect">
             <a:avLst/>
@@ -3351,14 +2707,14 @@
       </p:pic>
       <p:sp>
         <p:nvSpPr>
-          <p:cNvPr id="58" name="CustomShape 19"/>
+          <p:cNvPr id="55" name="CustomShape 18"/>
           <p:cNvSpPr/>
           <p:nvPr/>
         </p:nvSpPr>
         <p:spPr>
           <a:xfrm>
             <a:off x="16598160" y="10379160"/>
-            <a:ext cx="12599280" cy="1004400"/>
+            <a:ext cx="12598560" cy="1003680"/>
           </a:xfrm>
           <a:prstGeom prst="rect">
             <a:avLst/>
@@ -3428,71 +2784,9 @@
           </a:p>
         </p:txBody>
       </p:sp>
-      <p:sp>
-        <p:nvSpPr>
-          <p:cNvPr id="59" name="CustomShape 20"/>
-          <p:cNvSpPr/>
-          <p:nvPr/>
-        </p:nvSpPr>
-        <p:spPr>
-          <a:xfrm>
-            <a:off x="17260200" y="14686920"/>
-            <a:ext cx="11937240" cy="3106440"/>
-          </a:xfrm>
-          <a:prstGeom prst="rect">
-            <a:avLst/>
-          </a:prstGeom>
-          <a:noFill/>
-          <a:ln>
-            <a:noFill/>
-          </a:ln>
-        </p:spPr>
-        <p:style>
-          <a:lnRef idx="0"/>
-          <a:fillRef idx="0"/>
-          <a:effectRef idx="0"/>
-          <a:fontRef idx="minor"/>
-        </p:style>
-        <p:txBody>
-          <a:bodyPr lIns="90000" rIns="90000" tIns="45000" bIns="45000"/>
-          <a:p>
-            <a:pPr>
-              <a:lnSpc>
-                <a:spcPct val="100000"/>
-              </a:lnSpc>
-            </a:pPr>
-            <a:r>
-              <a:rPr b="0" lang="en-US" sz="6600" spc="-1" strike="noStrike">
-                <a:solidFill>
-                  <a:srgbClr val="000000"/>
-                </a:solidFill>
-                <a:uFill>
-                  <a:solidFill>
-                    <a:srgbClr val="ffffff"/>
-                  </a:solidFill>
-                </a:uFill>
-                <a:latin typeface="Arial"/>
-                <a:ea typeface="DejaVu Sans"/>
-              </a:rPr>
-              <a:t>Description of de.NBI services offered and carried out by the project</a:t>
-            </a:r>
-            <a:endParaRPr b="0" lang="en-US" sz="1800" spc="-1" strike="noStrike">
-              <a:solidFill>
-                <a:srgbClr val="000000"/>
-              </a:solidFill>
-              <a:uFill>
-                <a:solidFill>
-                  <a:srgbClr val="ffffff"/>
-                </a:solidFill>
-              </a:uFill>
-              <a:latin typeface="Arial"/>
-            </a:endParaRPr>
-          </a:p>
-        </p:txBody>
-      </p:sp>
       <p:pic>
         <p:nvPicPr>
-          <p:cNvPr id="60" name="Grafik 3" descr=""/>
+          <p:cNvPr id="56" name="Grafik 3" descr=""/>
           <p:cNvPicPr/>
           <p:nvPr/>
         </p:nvPicPr>
@@ -3503,7 +2797,7 @@
         <p:spPr>
           <a:xfrm>
             <a:off x="1230840" y="533880"/>
-            <a:ext cx="8206560" cy="2159280"/>
+            <a:ext cx="8205840" cy="2158560"/>
           </a:xfrm>
           <a:prstGeom prst="rect">
             <a:avLst/>
@@ -3515,7 +2809,7 @@
       </p:pic>
       <p:pic>
         <p:nvPicPr>
-          <p:cNvPr id="61" name="Grafik 14" descr=""/>
+          <p:cNvPr id="57" name="Grafik 14" descr=""/>
           <p:cNvPicPr/>
           <p:nvPr/>
         </p:nvPicPr>
@@ -3526,7 +2820,7 @@
         <p:spPr>
           <a:xfrm>
             <a:off x="27463320" y="40115880"/>
-            <a:ext cx="2231280" cy="2231280"/>
+            <a:ext cx="2230560" cy="2230560"/>
           </a:xfrm>
           <a:prstGeom prst="rect">
             <a:avLst/>
@@ -3538,14 +2832,14 @@
       </p:pic>
       <p:sp>
         <p:nvSpPr>
-          <p:cNvPr id="62" name="CustomShape 21"/>
+          <p:cNvPr id="58" name="CustomShape 19"/>
           <p:cNvSpPr/>
           <p:nvPr/>
         </p:nvSpPr>
         <p:spPr>
           <a:xfrm>
             <a:off x="3202560" y="11963520"/>
-            <a:ext cx="462600" cy="1095480"/>
+            <a:ext cx="461880" cy="1094760"/>
           </a:xfrm>
           <a:prstGeom prst="rect">
             <a:avLst/>
@@ -3564,14 +2858,14 @@
       </p:sp>
       <p:sp>
         <p:nvSpPr>
-          <p:cNvPr id="63" name="CustomShape 22"/>
+          <p:cNvPr id="59" name="CustomShape 20"/>
           <p:cNvSpPr/>
           <p:nvPr/>
         </p:nvSpPr>
         <p:spPr>
           <a:xfrm>
             <a:off x="1280160" y="11704320"/>
-            <a:ext cx="12526920" cy="1645560"/>
+            <a:ext cx="12526200" cy="1644840"/>
           </a:xfrm>
           <a:prstGeom prst="rect">
             <a:avLst/>
@@ -3601,6 +2895,7 @@
                   </a:solidFill>
                 </a:uFill>
                 <a:latin typeface="Arial"/>
+                <a:ea typeface="DejaVu Sans"/>
               </a:rPr>
               <a:t>The de.NBI-epi project in Freiburg offers </a:t>
             </a:r>
@@ -3615,6 +2910,7 @@
                   </a:solidFill>
                 </a:uFill>
                 <a:latin typeface="Arial"/>
+                <a:ea typeface="DejaVu Sans"/>
               </a:rPr>
               <a:t>visualization, normalization and quality assessment of epigenetic datasets</a:t>
             </a:r>
@@ -3629,6 +2925,7 @@
                   </a:solidFill>
                 </a:uFill>
                 <a:latin typeface="Arial"/>
+                <a:ea typeface="DejaVu Sans"/>
               </a:rPr>
               <a:t> as well as integration of</a:t>
             </a:r>
@@ -3643,8 +2940,24 @@
                   </a:solidFill>
                 </a:uFill>
                 <a:latin typeface="Arial"/>
-              </a:rPr>
-              <a:t> </a:t>
+                <a:ea typeface="DejaVu Sans"/>
+              </a:rPr>
+              <a:t> CHIP-seq</a:t>
+            </a:r>
+            <a:r>
+              <a:rPr b="0" lang="en-US" sz="3200" spc="-1" strike="noStrike">
+                <a:solidFill>
+                  <a:srgbClr val="000000"/>
+                </a:solidFill>
+                <a:uFill>
+                  <a:solidFill>
+                    <a:srgbClr val="ffffff"/>
+                  </a:solidFill>
+                </a:uFill>
+                <a:latin typeface="Arial"/>
+                <a:ea typeface="DejaVu Sans"/>
+              </a:rPr>
+              <a:t> and </a:t>
             </a:r>
             <a:r>
               <a:rPr b="1" lang="en-US" sz="3200" spc="-1" strike="noStrike">
@@ -3657,8 +2970,9 @@
                   </a:solidFill>
                 </a:uFill>
                 <a:latin typeface="Arial"/>
-              </a:rPr>
-              <a:t>CHIP-seq</a:t>
+                <a:ea typeface="DejaVu Sans"/>
+              </a:rPr>
+              <a:t>bisulfite sequencing analysis pipeline</a:t>
             </a:r>
             <a:r>
               <a:rPr b="0" lang="en-US" sz="3200" spc="-1" strike="noStrike">
@@ -3671,34 +2985,7 @@
                   </a:solidFill>
                 </a:uFill>
                 <a:latin typeface="Arial"/>
-              </a:rPr>
-              <a:t> and </a:t>
-            </a:r>
-            <a:r>
-              <a:rPr b="1" lang="en-US" sz="3200" spc="-1" strike="noStrike">
-                <a:solidFill>
-                  <a:srgbClr val="000000"/>
-                </a:solidFill>
-                <a:uFill>
-                  <a:solidFill>
-                    <a:srgbClr val="ffffff"/>
-                  </a:solidFill>
-                </a:uFill>
-                <a:latin typeface="Arial"/>
-              </a:rPr>
-              <a:t>bisulfite sequencing analysis pipeline</a:t>
-            </a:r>
-            <a:r>
-              <a:rPr b="0" lang="en-US" sz="3200" spc="-1" strike="noStrike">
-                <a:solidFill>
-                  <a:srgbClr val="000000"/>
-                </a:solidFill>
-                <a:uFill>
-                  <a:solidFill>
-                    <a:srgbClr val="ffffff"/>
-                  </a:solidFill>
-                </a:uFill>
-                <a:latin typeface="Arial"/>
+                <a:ea typeface="DejaVu Sans"/>
               </a:rPr>
               <a:t>s into Galaxy.</a:t>
             </a:r>
@@ -3718,7 +3005,7 @@
       </p:sp>
       <p:pic>
         <p:nvPicPr>
-          <p:cNvPr id="64" name="Grafik 70" descr=""/>
+          <p:cNvPr id="60" name="Grafik 70" descr=""/>
           <p:cNvPicPr/>
           <p:nvPr/>
         </p:nvPicPr>
@@ -3729,7 +3016,7 @@
         <p:spPr>
           <a:xfrm>
             <a:off x="21022200" y="293400"/>
-            <a:ext cx="2563200" cy="2563200"/>
+            <a:ext cx="2562480" cy="2562480"/>
           </a:xfrm>
           <a:prstGeom prst="rect">
             <a:avLst/>
@@ -3741,7 +3028,7 @@
       </p:pic>
       <p:pic>
         <p:nvPicPr>
-          <p:cNvPr id="65" name="Grafik 59" descr=""/>
+          <p:cNvPr id="61" name="Grafik 59" descr=""/>
           <p:cNvPicPr/>
           <p:nvPr/>
         </p:nvPicPr>
@@ -3752,7 +3039,7 @@
         <p:spPr>
           <a:xfrm>
             <a:off x="23715000" y="784080"/>
-            <a:ext cx="1929600" cy="1919160"/>
+            <a:ext cx="1928880" cy="1918440"/>
           </a:xfrm>
           <a:prstGeom prst="rect">
             <a:avLst/>
@@ -3764,7 +3051,7 @@
       </p:pic>
       <p:pic>
         <p:nvPicPr>
-          <p:cNvPr id="66" name="Grafik 58" descr=""/>
+          <p:cNvPr id="62" name="Grafik 58" descr=""/>
           <p:cNvPicPr/>
           <p:nvPr/>
         </p:nvPicPr>
@@ -3775,7 +3062,7 @@
         <p:spPr>
           <a:xfrm>
             <a:off x="26007480" y="763920"/>
-            <a:ext cx="3788640" cy="1644840"/>
+            <a:ext cx="3787920" cy="1644120"/>
           </a:xfrm>
           <a:prstGeom prst="rect">
             <a:avLst/>
@@ -3787,7 +3074,7 @@
       </p:pic>
       <p:pic>
         <p:nvPicPr>
-          <p:cNvPr id="67" name="" descr=""/>
+          <p:cNvPr id="63" name="" descr=""/>
           <p:cNvPicPr/>
           <p:nvPr/>
         </p:nvPicPr>
@@ -3797,8 +3084,8 @@
         </p:blipFill>
         <p:spPr>
           <a:xfrm>
-            <a:off x="7132320" y="30266640"/>
-            <a:ext cx="4572000" cy="987480"/>
+            <a:off x="5699160" y="26243280"/>
+            <a:ext cx="3810240" cy="822600"/>
           </a:xfrm>
           <a:prstGeom prst="rect">
             <a:avLst/>
@@ -3810,7 +3097,7 @@
       </p:pic>
       <p:pic>
         <p:nvPicPr>
-          <p:cNvPr id="68" name="" descr=""/>
+          <p:cNvPr id="64" name="" descr=""/>
           <p:cNvPicPr/>
           <p:nvPr/>
         </p:nvPicPr>
@@ -3820,8 +3107,8 @@
         </p:blipFill>
         <p:spPr>
           <a:xfrm>
-            <a:off x="1645920" y="30316320"/>
-            <a:ext cx="4754880" cy="773280"/>
+            <a:off x="1306080" y="26391600"/>
+            <a:ext cx="3374280" cy="548280"/>
           </a:xfrm>
           <a:prstGeom prst="rect">
             <a:avLst/>
@@ -3831,6 +3118,503 @@
           </a:ln>
         </p:spPr>
       </p:pic>
+      <p:pic>
+        <p:nvPicPr>
+          <p:cNvPr id="65" name="" descr=""/>
+          <p:cNvPicPr/>
+          <p:nvPr/>
+        </p:nvPicPr>
+        <p:blipFill>
+          <a:blip r:embed="rId13"/>
+          <a:stretch/>
+        </p:blipFill>
+        <p:spPr>
+          <a:xfrm>
+            <a:off x="23134320" y="13180680"/>
+            <a:ext cx="5760360" cy="4009680"/>
+          </a:xfrm>
+          <a:prstGeom prst="rect">
+            <a:avLst/>
+          </a:prstGeom>
+          <a:ln>
+            <a:noFill/>
+          </a:ln>
+        </p:spPr>
+      </p:pic>
+      <p:pic>
+        <p:nvPicPr>
+          <p:cNvPr id="66" name="" descr=""/>
+          <p:cNvPicPr/>
+          <p:nvPr/>
+        </p:nvPicPr>
+        <p:blipFill>
+          <a:blip r:embed="rId14"/>
+          <a:stretch/>
+        </p:blipFill>
+        <p:spPr>
+          <a:xfrm>
+            <a:off x="2377800" y="15899040"/>
+            <a:ext cx="8046000" cy="5468760"/>
+          </a:xfrm>
+          <a:prstGeom prst="rect">
+            <a:avLst/>
+          </a:prstGeom>
+          <a:ln>
+            <a:noFill/>
+          </a:ln>
+        </p:spPr>
+      </p:pic>
+      <p:sp>
+        <p:nvSpPr>
+          <p:cNvPr id="67" name="CustomShape 21"/>
+          <p:cNvSpPr/>
+          <p:nvPr/>
+        </p:nvSpPr>
+        <p:spPr>
+          <a:xfrm>
+            <a:off x="16733520" y="24545520"/>
+            <a:ext cx="12103920" cy="5446440"/>
+          </a:xfrm>
+          <a:prstGeom prst="rect">
+            <a:avLst/>
+          </a:prstGeom>
+          <a:noFill/>
+          <a:ln>
+            <a:noFill/>
+          </a:ln>
+        </p:spPr>
+        <p:style>
+          <a:lnRef idx="0"/>
+          <a:fillRef idx="0"/>
+          <a:effectRef idx="0"/>
+          <a:fontRef idx="minor"/>
+        </p:style>
+        <p:txBody>
+          <a:bodyPr lIns="90000" rIns="90000" tIns="45000" bIns="45000"/>
+          <a:p>
+            <a:pPr marL="216000" indent="-214920">
+              <a:lnSpc>
+                <a:spcPct val="115000"/>
+              </a:lnSpc>
+              <a:buClr>
+                <a:srgbClr val="000000"/>
+              </a:buClr>
+              <a:buFont typeface="Symbol"/>
+              <a:buChar char=""/>
+            </a:pPr>
+            <a:r>
+              <a:rPr b="0" lang="en-US" sz="3200" spc="-1" strike="noStrike">
+                <a:solidFill>
+                  <a:srgbClr val="000000"/>
+                </a:solidFill>
+                <a:uFill>
+                  <a:solidFill>
+                    <a:srgbClr val="ffffff"/>
+                  </a:solidFill>
+                </a:uFill>
+                <a:latin typeface="Arial"/>
+                <a:ea typeface="DejaVu Sans"/>
+              </a:rPr>
+              <a:t>Two one week training courses on NGS-data analysis in 2016 with ~30 participants each</a:t>
+            </a:r>
+            <a:endParaRPr b="0" lang="en-US" sz="1800" spc="-1" strike="noStrike">
+              <a:solidFill>
+                <a:srgbClr val="000000"/>
+              </a:solidFill>
+              <a:uFill>
+                <a:solidFill>
+                  <a:srgbClr val="ffffff"/>
+                </a:solidFill>
+              </a:uFill>
+              <a:latin typeface="Arial"/>
+            </a:endParaRPr>
+          </a:p>
+          <a:p>
+            <a:pPr marL="216000" indent="-214920">
+              <a:lnSpc>
+                <a:spcPct val="115000"/>
+              </a:lnSpc>
+              <a:buClr>
+                <a:srgbClr val="000000"/>
+              </a:buClr>
+              <a:buFont typeface="Symbol"/>
+              <a:buChar char=""/>
+            </a:pPr>
+            <a:r>
+              <a:rPr b="0" lang="en-US" sz="3200" spc="-1" strike="noStrike">
+                <a:solidFill>
+                  <a:srgbClr val="000000"/>
+                </a:solidFill>
+                <a:uFill>
+                  <a:solidFill>
+                    <a:srgbClr val="ffffff"/>
+                  </a:solidFill>
+                </a:uFill>
+                <a:latin typeface="Arial"/>
+                <a:ea typeface="DejaVu Sans"/>
+              </a:rPr>
+              <a:t>One RNA-seq course in December</a:t>
+            </a:r>
+            <a:endParaRPr b="0" lang="en-US" sz="1800" spc="-1" strike="noStrike">
+              <a:solidFill>
+                <a:srgbClr val="000000"/>
+              </a:solidFill>
+              <a:uFill>
+                <a:solidFill>
+                  <a:srgbClr val="ffffff"/>
+                </a:solidFill>
+              </a:uFill>
+              <a:latin typeface="Arial"/>
+            </a:endParaRPr>
+          </a:p>
+          <a:p>
+            <a:pPr marL="216000" indent="-214920">
+              <a:lnSpc>
+                <a:spcPct val="115000"/>
+              </a:lnSpc>
+              <a:buClr>
+                <a:srgbClr val="000000"/>
+              </a:buClr>
+              <a:buFont typeface="Symbol"/>
+              <a:buChar char=""/>
+            </a:pPr>
+            <a:r>
+              <a:rPr b="0" lang="en-US" sz="3200" spc="-1" strike="noStrike">
+                <a:solidFill>
+                  <a:srgbClr val="000000"/>
+                </a:solidFill>
+                <a:uFill>
+                  <a:solidFill>
+                    <a:srgbClr val="ffffff"/>
+                  </a:solidFill>
+                </a:uFill>
+                <a:latin typeface="Arial"/>
+                <a:ea typeface="DejaVu Sans"/>
+              </a:rPr>
+              <a:t> </a:t>
+            </a:r>
+            <a:endParaRPr b="0" lang="en-US" sz="1800" spc="-1" strike="noStrike">
+              <a:solidFill>
+                <a:srgbClr val="000000"/>
+              </a:solidFill>
+              <a:uFill>
+                <a:solidFill>
+                  <a:srgbClr val="ffffff"/>
+                </a:solidFill>
+              </a:uFill>
+              <a:latin typeface="Arial"/>
+            </a:endParaRPr>
+          </a:p>
+        </p:txBody>
+      </p:sp>
+      <p:sp>
+        <p:nvSpPr>
+          <p:cNvPr id="68" name="CustomShape 22"/>
+          <p:cNvSpPr/>
+          <p:nvPr/>
+        </p:nvSpPr>
+        <p:spPr>
+          <a:xfrm>
+            <a:off x="16516080" y="11521440"/>
+            <a:ext cx="12744360" cy="4736160"/>
+          </a:xfrm>
+          <a:prstGeom prst="rect">
+            <a:avLst/>
+          </a:prstGeom>
+          <a:noFill/>
+          <a:ln>
+            <a:noFill/>
+          </a:ln>
+        </p:spPr>
+        <p:style>
+          <a:lnRef idx="0"/>
+          <a:fillRef idx="0"/>
+          <a:effectRef idx="0"/>
+          <a:fontRef idx="minor"/>
+        </p:style>
+        <p:txBody>
+          <a:bodyPr lIns="90000" rIns="90000" tIns="45000" bIns="45000"/>
+          <a:p>
+            <a:pPr>
+              <a:lnSpc>
+                <a:spcPct val="115000"/>
+              </a:lnSpc>
+            </a:pPr>
+            <a:r>
+              <a:rPr b="0" lang="en-US" sz="3200" spc="-1" strike="noStrike">
+                <a:solidFill>
+                  <a:srgbClr val="000000"/>
+                </a:solidFill>
+                <a:uFill>
+                  <a:solidFill>
+                    <a:srgbClr val="ffffff"/>
+                  </a:solidFill>
+                </a:uFill>
+                <a:latin typeface="Arial"/>
+                <a:ea typeface="DejaVu Sans"/>
+              </a:rPr>
+              <a:t>Integration of software to Galaxy to provide easy access for epigentic analysis software:</a:t>
+            </a:r>
+            <a:endParaRPr b="0" lang="en-US" sz="1800" spc="-1" strike="noStrike">
+              <a:solidFill>
+                <a:srgbClr val="000000"/>
+              </a:solidFill>
+              <a:uFill>
+                <a:solidFill>
+                  <a:srgbClr val="ffffff"/>
+                </a:solidFill>
+              </a:uFill>
+              <a:latin typeface="Arial"/>
+            </a:endParaRPr>
+          </a:p>
+          <a:p>
+            <a:pPr>
+              <a:lnSpc>
+                <a:spcPct val="115000"/>
+              </a:lnSpc>
+            </a:pPr>
+            <a:endParaRPr b="0" lang="en-US" sz="1800" spc="-1" strike="noStrike">
+              <a:solidFill>
+                <a:srgbClr val="000000"/>
+              </a:solidFill>
+              <a:uFill>
+                <a:solidFill>
+                  <a:srgbClr val="ffffff"/>
+                </a:solidFill>
+              </a:uFill>
+              <a:latin typeface="Arial"/>
+            </a:endParaRPr>
+          </a:p>
+          <a:p>
+            <a:pPr marL="216000" indent="-214920">
+              <a:lnSpc>
+                <a:spcPct val="115000"/>
+              </a:lnSpc>
+              <a:buClr>
+                <a:srgbClr val="000000"/>
+              </a:buClr>
+              <a:buFont typeface="Symbol"/>
+              <a:buChar char=""/>
+            </a:pPr>
+            <a:r>
+              <a:rPr b="0" lang="en-US" sz="3200" spc="-1" strike="noStrike">
+                <a:solidFill>
+                  <a:srgbClr val="000000"/>
+                </a:solidFill>
+                <a:uFill>
+                  <a:solidFill>
+                    <a:srgbClr val="ffffff"/>
+                  </a:solidFill>
+                </a:uFill>
+                <a:latin typeface="Arial"/>
+                <a:ea typeface="DejaVu Sans"/>
+              </a:rPr>
+              <a:t>HiCExplorer</a:t>
+            </a:r>
+            <a:endParaRPr b="0" lang="en-US" sz="1800" spc="-1" strike="noStrike">
+              <a:solidFill>
+                <a:srgbClr val="000000"/>
+              </a:solidFill>
+              <a:uFill>
+                <a:solidFill>
+                  <a:srgbClr val="ffffff"/>
+                </a:solidFill>
+              </a:uFill>
+              <a:latin typeface="Arial"/>
+            </a:endParaRPr>
+          </a:p>
+          <a:p>
+            <a:pPr marL="216000" indent="-214920">
+              <a:lnSpc>
+                <a:spcPct val="115000"/>
+              </a:lnSpc>
+              <a:buClr>
+                <a:srgbClr val="000000"/>
+              </a:buClr>
+              <a:buFont typeface="Symbol"/>
+              <a:buChar char=""/>
+            </a:pPr>
+            <a:r>
+              <a:rPr b="0" lang="en-US" sz="3200" spc="-1" strike="noStrike">
+                <a:solidFill>
+                  <a:srgbClr val="000000"/>
+                </a:solidFill>
+                <a:uFill>
+                  <a:solidFill>
+                    <a:srgbClr val="ffffff"/>
+                  </a:solidFill>
+                </a:uFill>
+                <a:latin typeface="Arial"/>
+                <a:ea typeface="DejaVu Sans"/>
+              </a:rPr>
+              <a:t>DeepTools</a:t>
+            </a:r>
+            <a:endParaRPr b="0" lang="en-US" sz="1800" spc="-1" strike="noStrike">
+              <a:solidFill>
+                <a:srgbClr val="000000"/>
+              </a:solidFill>
+              <a:uFill>
+                <a:solidFill>
+                  <a:srgbClr val="ffffff"/>
+                </a:solidFill>
+              </a:uFill>
+              <a:latin typeface="Arial"/>
+            </a:endParaRPr>
+          </a:p>
+          <a:p>
+            <a:pPr marL="216000" indent="-214920">
+              <a:lnSpc>
+                <a:spcPct val="115000"/>
+              </a:lnSpc>
+              <a:buClr>
+                <a:srgbClr val="000000"/>
+              </a:buClr>
+              <a:buFont typeface="Symbol"/>
+              <a:buChar char=""/>
+            </a:pPr>
+            <a:r>
+              <a:rPr b="0" lang="en-US" sz="3200" spc="-1" strike="noStrike">
+                <a:solidFill>
+                  <a:srgbClr val="000000"/>
+                </a:solidFill>
+                <a:uFill>
+                  <a:solidFill>
+                    <a:srgbClr val="ffffff"/>
+                  </a:solidFill>
+                </a:uFill>
+                <a:latin typeface="Arial"/>
+                <a:ea typeface="DejaVu Sans"/>
+              </a:rPr>
+              <a:t>Bismark</a:t>
+            </a:r>
+            <a:endParaRPr b="0" lang="en-US" sz="1800" spc="-1" strike="noStrike">
+              <a:solidFill>
+                <a:srgbClr val="000000"/>
+              </a:solidFill>
+              <a:uFill>
+                <a:solidFill>
+                  <a:srgbClr val="ffffff"/>
+                </a:solidFill>
+              </a:uFill>
+              <a:latin typeface="Arial"/>
+            </a:endParaRPr>
+          </a:p>
+          <a:p>
+            <a:pPr marL="216000" indent="-214920">
+              <a:lnSpc>
+                <a:spcPct val="115000"/>
+              </a:lnSpc>
+              <a:buClr>
+                <a:srgbClr val="000000"/>
+              </a:buClr>
+              <a:buFont typeface="Symbol"/>
+              <a:buChar char=""/>
+            </a:pPr>
+            <a:r>
+              <a:rPr b="0" lang="en-US" sz="3200" spc="-1" strike="noStrike">
+                <a:solidFill>
+                  <a:srgbClr val="000000"/>
+                </a:solidFill>
+                <a:uFill>
+                  <a:solidFill>
+                    <a:srgbClr val="ffffff"/>
+                  </a:solidFill>
+                </a:uFill>
+                <a:latin typeface="Arial"/>
+                <a:ea typeface="DejaVu Sans"/>
+              </a:rPr>
+              <a:t>HiCUP</a:t>
+            </a:r>
+            <a:endParaRPr b="0" lang="en-US" sz="1800" spc="-1" strike="noStrike">
+              <a:solidFill>
+                <a:srgbClr val="000000"/>
+              </a:solidFill>
+              <a:uFill>
+                <a:solidFill>
+                  <a:srgbClr val="ffffff"/>
+                </a:solidFill>
+              </a:uFill>
+              <a:latin typeface="Arial"/>
+            </a:endParaRPr>
+          </a:p>
+          <a:p>
+            <a:pPr marL="216000" indent="-214920">
+              <a:lnSpc>
+                <a:spcPct val="115000"/>
+              </a:lnSpc>
+              <a:buClr>
+                <a:srgbClr val="000000"/>
+              </a:buClr>
+              <a:buFont typeface="Symbol"/>
+              <a:buChar char=""/>
+            </a:pPr>
+            <a:r>
+              <a:rPr b="0" lang="en-US" sz="3200" spc="-1" strike="noStrike">
+                <a:solidFill>
+                  <a:srgbClr val="000000"/>
+                </a:solidFill>
+                <a:uFill>
+                  <a:solidFill>
+                    <a:srgbClr val="ffffff"/>
+                  </a:solidFill>
+                </a:uFill>
+                <a:latin typeface="Arial"/>
+                <a:ea typeface="DejaVu Sans"/>
+              </a:rPr>
+              <a:t>ChiCAGO</a:t>
+            </a:r>
+            <a:endParaRPr b="0" lang="en-US" sz="1800" spc="-1" strike="noStrike">
+              <a:solidFill>
+                <a:srgbClr val="000000"/>
+              </a:solidFill>
+              <a:uFill>
+                <a:solidFill>
+                  <a:srgbClr val="ffffff"/>
+                </a:solidFill>
+              </a:uFill>
+              <a:latin typeface="Arial"/>
+            </a:endParaRPr>
+          </a:p>
+          <a:p>
+            <a:pPr marL="216000" indent="-214920">
+              <a:lnSpc>
+                <a:spcPct val="115000"/>
+              </a:lnSpc>
+              <a:buClr>
+                <a:srgbClr val="000000"/>
+              </a:buClr>
+              <a:buFont typeface="Symbol"/>
+              <a:buChar char=""/>
+            </a:pPr>
+            <a:r>
+              <a:rPr b="0" lang="en-US" sz="3200" spc="-1" strike="noStrike">
+                <a:solidFill>
+                  <a:srgbClr val="000000"/>
+                </a:solidFill>
+                <a:uFill>
+                  <a:solidFill>
+                    <a:srgbClr val="ffffff"/>
+                  </a:solidFill>
+                </a:uFill>
+                <a:latin typeface="Arial"/>
+                <a:ea typeface="DejaVu Sans"/>
+              </a:rPr>
+              <a:t>Beacons</a:t>
+            </a:r>
+            <a:endParaRPr b="0" lang="en-US" sz="1800" spc="-1" strike="noStrike">
+              <a:solidFill>
+                <a:srgbClr val="000000"/>
+              </a:solidFill>
+              <a:uFill>
+                <a:solidFill>
+                  <a:srgbClr val="ffffff"/>
+                </a:solidFill>
+              </a:uFill>
+              <a:latin typeface="Arial"/>
+            </a:endParaRPr>
+          </a:p>
+        </p:txBody>
+      </p:sp>
       <p:pic>
         <p:nvPicPr>
           <p:cNvPr id="69" name="" descr=""/>
@@ -3838,13 +3622,13 @@
           <p:nvPr/>
         </p:nvPicPr>
         <p:blipFill>
-          <a:blip r:embed="rId13"/>
+          <a:blip r:embed="rId15"/>
           <a:stretch/>
         </p:blipFill>
         <p:spPr>
           <a:xfrm>
-            <a:off x="8503920" y="25420320"/>
-            <a:ext cx="3283920" cy="2286000"/>
+            <a:off x="10607040" y="26334720"/>
+            <a:ext cx="3017160" cy="680760"/>
           </a:xfrm>
           <a:prstGeom prst="rect">
             <a:avLst/>
@@ -3854,6 +3638,549 @@
           </a:ln>
         </p:spPr>
       </p:pic>
+      <p:sp>
+        <p:nvSpPr>
+          <p:cNvPr id="70" name="CustomShape 23"/>
+          <p:cNvSpPr/>
+          <p:nvPr/>
+        </p:nvSpPr>
+        <p:spPr>
+          <a:xfrm>
+            <a:off x="1188720" y="27797760"/>
+            <a:ext cx="4205880" cy="4212360"/>
+          </a:xfrm>
+          <a:prstGeom prst="rect">
+            <a:avLst/>
+          </a:prstGeom>
+          <a:noFill/>
+          <a:ln>
+            <a:noFill/>
+          </a:ln>
+        </p:spPr>
+        <p:style>
+          <a:lnRef idx="0"/>
+          <a:fillRef idx="0"/>
+          <a:effectRef idx="0"/>
+          <a:fontRef idx="minor"/>
+        </p:style>
+        <p:txBody>
+          <a:bodyPr lIns="90000" rIns="90000" tIns="45000" bIns="45000"/>
+          <a:p>
+            <a:pPr>
+              <a:lnSpc>
+                <a:spcPct val="115000"/>
+              </a:lnSpc>
+            </a:pPr>
+            <a:r>
+              <a:rPr b="0" lang="en-US" sz="3200" spc="-1" strike="noStrike">
+                <a:solidFill>
+                  <a:srgbClr val="000000"/>
+                </a:solidFill>
+                <a:uFill>
+                  <a:solidFill>
+                    <a:srgbClr val="ffffff"/>
+                  </a:solidFill>
+                </a:uFill>
+                <a:latin typeface="Arial"/>
+              </a:rPr>
+              <a:t>Bioconda is a conda channel which provides software for biomedical research: </a:t>
+            </a:r>
+            <a:endParaRPr b="0" lang="en-US" sz="1800" spc="-1" strike="noStrike">
+              <a:solidFill>
+                <a:srgbClr val="000000"/>
+              </a:solidFill>
+              <a:uFill>
+                <a:solidFill>
+                  <a:srgbClr val="ffffff"/>
+                </a:solidFill>
+              </a:uFill>
+              <a:latin typeface="Arial"/>
+            </a:endParaRPr>
+          </a:p>
+          <a:p>
+            <a:pPr marL="216000" indent="-215640">
+              <a:lnSpc>
+                <a:spcPct val="115000"/>
+              </a:lnSpc>
+              <a:buClr>
+                <a:srgbClr val="000000"/>
+              </a:buClr>
+              <a:buSzPct val="45000"/>
+              <a:buFont typeface="Wingdings" charset="2"/>
+              <a:buChar char=""/>
+            </a:pPr>
+            <a:r>
+              <a:rPr b="0" lang="en-US" sz="3200" spc="-1" strike="noStrike">
+                <a:solidFill>
+                  <a:srgbClr val="000000"/>
+                </a:solidFill>
+                <a:uFill>
+                  <a:solidFill>
+                    <a:srgbClr val="ffffff"/>
+                  </a:solidFill>
+                </a:uFill>
+                <a:latin typeface="Arial"/>
+              </a:rPr>
+              <a:t>8600 commits on github</a:t>
+            </a:r>
+            <a:endParaRPr b="0" lang="en-US" sz="1800" spc="-1" strike="noStrike">
+              <a:solidFill>
+                <a:srgbClr val="000000"/>
+              </a:solidFill>
+              <a:uFill>
+                <a:solidFill>
+                  <a:srgbClr val="ffffff"/>
+                </a:solidFill>
+              </a:uFill>
+              <a:latin typeface="Arial"/>
+            </a:endParaRPr>
+          </a:p>
+          <a:p>
+            <a:pPr marL="216000" indent="-215640">
+              <a:lnSpc>
+                <a:spcPct val="115000"/>
+              </a:lnSpc>
+              <a:buClr>
+                <a:srgbClr val="000000"/>
+              </a:buClr>
+              <a:buSzPct val="45000"/>
+              <a:buFont typeface="Wingdings" charset="2"/>
+              <a:buChar char=""/>
+            </a:pPr>
+            <a:r>
+              <a:rPr b="0" lang="en-US" sz="3200" spc="-1" strike="noStrike">
+                <a:solidFill>
+                  <a:srgbClr val="000000"/>
+                </a:solidFill>
+                <a:uFill>
+                  <a:solidFill>
+                    <a:srgbClr val="ffffff"/>
+                  </a:solidFill>
+                </a:uFill>
+                <a:latin typeface="Arial"/>
+              </a:rPr>
+              <a:t>150 contributers</a:t>
+            </a:r>
+            <a:endParaRPr b="0" lang="en-US" sz="1800" spc="-1" strike="noStrike">
+              <a:solidFill>
+                <a:srgbClr val="000000"/>
+              </a:solidFill>
+              <a:uFill>
+                <a:solidFill>
+                  <a:srgbClr val="ffffff"/>
+                </a:solidFill>
+              </a:uFill>
+              <a:latin typeface="Arial"/>
+            </a:endParaRPr>
+          </a:p>
+          <a:p>
+            <a:pPr marL="216000" indent="-215640">
+              <a:lnSpc>
+                <a:spcPct val="115000"/>
+              </a:lnSpc>
+              <a:buClr>
+                <a:srgbClr val="000000"/>
+              </a:buClr>
+              <a:buSzPct val="45000"/>
+              <a:buFont typeface="Wingdings" charset="2"/>
+              <a:buChar char=""/>
+            </a:pPr>
+            <a:r>
+              <a:rPr b="0" lang="en-US" sz="3200" spc="-1" strike="noStrike">
+                <a:solidFill>
+                  <a:srgbClr val="000000"/>
+                </a:solidFill>
+                <a:uFill>
+                  <a:solidFill>
+                    <a:srgbClr val="ffffff"/>
+                  </a:solidFill>
+                </a:uFill>
+                <a:latin typeface="Arial"/>
+              </a:rPr>
+              <a:t>&gt; 1500 packages</a:t>
+            </a:r>
+            <a:endParaRPr b="0" lang="en-US" sz="1800" spc="-1" strike="noStrike">
+              <a:solidFill>
+                <a:srgbClr val="000000"/>
+              </a:solidFill>
+              <a:uFill>
+                <a:solidFill>
+                  <a:srgbClr val="ffffff"/>
+                </a:solidFill>
+              </a:uFill>
+              <a:latin typeface="Arial"/>
+            </a:endParaRPr>
+          </a:p>
+        </p:txBody>
+      </p:sp>
+      <p:sp>
+        <p:nvSpPr>
+          <p:cNvPr id="71" name="CustomShape 24"/>
+          <p:cNvSpPr/>
+          <p:nvPr/>
+        </p:nvSpPr>
+        <p:spPr>
+          <a:xfrm>
+            <a:off x="5394960" y="27797760"/>
+            <a:ext cx="4480200" cy="5394600"/>
+          </a:xfrm>
+          <a:prstGeom prst="rect">
+            <a:avLst/>
+          </a:prstGeom>
+          <a:noFill/>
+          <a:ln>
+            <a:noFill/>
+          </a:ln>
+        </p:spPr>
+        <p:style>
+          <a:lnRef idx="0"/>
+          <a:fillRef idx="0"/>
+          <a:effectRef idx="0"/>
+          <a:fontRef idx="minor"/>
+        </p:style>
+        <p:txBody>
+          <a:bodyPr lIns="90000" rIns="90000" tIns="45000" bIns="45000"/>
+          <a:p>
+            <a:pPr>
+              <a:lnSpc>
+                <a:spcPct val="115000"/>
+              </a:lnSpc>
+            </a:pPr>
+            <a:r>
+              <a:rPr b="0" lang="en-US" sz="3200" spc="-1" strike="noStrike">
+                <a:solidFill>
+                  <a:srgbClr val="000000"/>
+                </a:solidFill>
+                <a:uFill>
+                  <a:solidFill>
+                    <a:srgbClr val="ffffff"/>
+                  </a:solidFill>
+                </a:uFill>
+                <a:latin typeface="Arial"/>
+              </a:rPr>
+              <a:t>BioContainers provides system-agnostic executable environments for bioinformatics software.</a:t>
+            </a:r>
+            <a:endParaRPr b="0" lang="en-US" sz="1800" spc="-1" strike="noStrike">
+              <a:solidFill>
+                <a:srgbClr val="000000"/>
+              </a:solidFill>
+              <a:uFill>
+                <a:solidFill>
+                  <a:srgbClr val="ffffff"/>
+                </a:solidFill>
+              </a:uFill>
+              <a:latin typeface="Arial"/>
+            </a:endParaRPr>
+          </a:p>
+          <a:p>
+            <a:pPr>
+              <a:lnSpc>
+                <a:spcPct val="115000"/>
+              </a:lnSpc>
+            </a:pPr>
+            <a:endParaRPr b="0" lang="en-US" sz="1800" spc="-1" strike="noStrike">
+              <a:solidFill>
+                <a:srgbClr val="000000"/>
+              </a:solidFill>
+              <a:uFill>
+                <a:solidFill>
+                  <a:srgbClr val="ffffff"/>
+                </a:solidFill>
+              </a:uFill>
+              <a:latin typeface="Arial"/>
+            </a:endParaRPr>
+          </a:p>
+          <a:p>
+            <a:pPr marL="216000" indent="-215640">
+              <a:lnSpc>
+                <a:spcPct val="115000"/>
+              </a:lnSpc>
+              <a:buClr>
+                <a:srgbClr val="000000"/>
+              </a:buClr>
+              <a:buSzPct val="45000"/>
+              <a:buFont typeface="Wingdings" charset="2"/>
+              <a:buChar char=""/>
+            </a:pPr>
+            <a:r>
+              <a:rPr b="0" lang="en-US" sz="3200" spc="-1" strike="noStrike">
+                <a:solidFill>
+                  <a:srgbClr val="000000"/>
+                </a:solidFill>
+                <a:uFill>
+                  <a:solidFill>
+                    <a:srgbClr val="ffffff"/>
+                  </a:solidFill>
+                </a:uFill>
+                <a:latin typeface="Arial"/>
+              </a:rPr>
+              <a:t>Based on docker.</a:t>
+            </a:r>
+            <a:endParaRPr b="0" lang="en-US" sz="1800" spc="-1" strike="noStrike">
+              <a:solidFill>
+                <a:srgbClr val="000000"/>
+              </a:solidFill>
+              <a:uFill>
+                <a:solidFill>
+                  <a:srgbClr val="ffffff"/>
+                </a:solidFill>
+              </a:uFill>
+              <a:latin typeface="Arial"/>
+            </a:endParaRPr>
+          </a:p>
+          <a:p>
+            <a:pPr marL="216000" indent="-215640">
+              <a:lnSpc>
+                <a:spcPct val="115000"/>
+              </a:lnSpc>
+              <a:buClr>
+                <a:srgbClr val="000000"/>
+              </a:buClr>
+              <a:buSzPct val="45000"/>
+              <a:buFont typeface="Wingdings" charset="2"/>
+              <a:buChar char=""/>
+            </a:pPr>
+            <a:r>
+              <a:rPr b="0" lang="en-US" sz="3200" spc="-1" strike="noStrike">
+                <a:solidFill>
+                  <a:srgbClr val="000000"/>
+                </a:solidFill>
+                <a:uFill>
+                  <a:solidFill>
+                    <a:srgbClr val="ffffff"/>
+                  </a:solidFill>
+                </a:uFill>
+                <a:latin typeface="Arial"/>
+              </a:rPr>
+              <a:t>200 commits on github</a:t>
+            </a:r>
+            <a:endParaRPr b="0" lang="en-US" sz="1800" spc="-1" strike="noStrike">
+              <a:solidFill>
+                <a:srgbClr val="000000"/>
+              </a:solidFill>
+              <a:uFill>
+                <a:solidFill>
+                  <a:srgbClr val="ffffff"/>
+                </a:solidFill>
+              </a:uFill>
+              <a:latin typeface="Arial"/>
+            </a:endParaRPr>
+          </a:p>
+          <a:p>
+            <a:pPr marL="216000" indent="-215640">
+              <a:lnSpc>
+                <a:spcPct val="115000"/>
+              </a:lnSpc>
+              <a:buClr>
+                <a:srgbClr val="000000"/>
+              </a:buClr>
+              <a:buSzPct val="45000"/>
+              <a:buFont typeface="Wingdings" charset="2"/>
+              <a:buChar char=""/>
+            </a:pPr>
+            <a:r>
+              <a:rPr b="0" lang="en-US" sz="3200" spc="-1" strike="noStrike">
+                <a:solidFill>
+                  <a:srgbClr val="000000"/>
+                </a:solidFill>
+                <a:uFill>
+                  <a:solidFill>
+                    <a:srgbClr val="ffffff"/>
+                  </a:solidFill>
+                </a:uFill>
+                <a:latin typeface="Arial"/>
+              </a:rPr>
+              <a:t>8 contributers</a:t>
+            </a:r>
+            <a:endParaRPr b="0" lang="en-US" sz="1800" spc="-1" strike="noStrike">
+              <a:solidFill>
+                <a:srgbClr val="000000"/>
+              </a:solidFill>
+              <a:uFill>
+                <a:solidFill>
+                  <a:srgbClr val="ffffff"/>
+                </a:solidFill>
+              </a:uFill>
+              <a:latin typeface="Arial"/>
+            </a:endParaRPr>
+          </a:p>
+        </p:txBody>
+      </p:sp>
+      <p:sp>
+        <p:nvSpPr>
+          <p:cNvPr id="72" name="CustomShape 25"/>
+          <p:cNvSpPr/>
+          <p:nvPr/>
+        </p:nvSpPr>
+        <p:spPr>
+          <a:xfrm>
+            <a:off x="10332720" y="27774360"/>
+            <a:ext cx="4023000" cy="5783760"/>
+          </a:xfrm>
+          <a:prstGeom prst="rect">
+            <a:avLst/>
+          </a:prstGeom>
+          <a:noFill/>
+          <a:ln>
+            <a:noFill/>
+          </a:ln>
+        </p:spPr>
+        <p:style>
+          <a:lnRef idx="0"/>
+          <a:fillRef idx="0"/>
+          <a:effectRef idx="0"/>
+          <a:fontRef idx="minor"/>
+        </p:style>
+        <p:txBody>
+          <a:bodyPr lIns="90000" rIns="90000" tIns="45000" bIns="45000"/>
+          <a:p>
+            <a:pPr>
+              <a:lnSpc>
+                <a:spcPct val="115000"/>
+              </a:lnSpc>
+            </a:pPr>
+            <a:r>
+              <a:rPr b="0" lang="en-US" sz="3200" spc="-1" strike="noStrike">
+                <a:solidFill>
+                  <a:srgbClr val="000000"/>
+                </a:solidFill>
+                <a:uFill>
+                  <a:solidFill>
+                    <a:srgbClr val="ffffff"/>
+                  </a:solidFill>
+                </a:uFill>
+                <a:latin typeface="Arial"/>
+              </a:rPr>
+              <a:t>Galaxy is an open, web-based platform for data intensive biomedical research.</a:t>
+            </a:r>
+            <a:endParaRPr b="0" lang="en-US" sz="1800" spc="-1" strike="noStrike">
+              <a:solidFill>
+                <a:srgbClr val="000000"/>
+              </a:solidFill>
+              <a:uFill>
+                <a:solidFill>
+                  <a:srgbClr val="ffffff"/>
+                </a:solidFill>
+              </a:uFill>
+              <a:latin typeface="Arial"/>
+            </a:endParaRPr>
+          </a:p>
+          <a:p>
+            <a:pPr marL="216000" indent="-215640">
+              <a:lnSpc>
+                <a:spcPct val="115000"/>
+              </a:lnSpc>
+              <a:buClr>
+                <a:srgbClr val="000000"/>
+              </a:buClr>
+              <a:buSzPct val="45000"/>
+              <a:buFont typeface="Wingdings" charset="2"/>
+              <a:buChar char=""/>
+            </a:pPr>
+            <a:r>
+              <a:rPr b="0" lang="en-US" sz="3200" spc="-1" strike="noStrike">
+                <a:solidFill>
+                  <a:srgbClr val="000000"/>
+                </a:solidFill>
+                <a:uFill>
+                  <a:solidFill>
+                    <a:srgbClr val="ffffff"/>
+                  </a:solidFill>
+                </a:uFill>
+                <a:latin typeface="Arial"/>
+              </a:rPr>
+              <a:t>25550 commits</a:t>
+            </a:r>
+            <a:endParaRPr b="0" lang="en-US" sz="1800" spc="-1" strike="noStrike">
+              <a:solidFill>
+                <a:srgbClr val="000000"/>
+              </a:solidFill>
+              <a:uFill>
+                <a:solidFill>
+                  <a:srgbClr val="ffffff"/>
+                </a:solidFill>
+              </a:uFill>
+              <a:latin typeface="Arial"/>
+            </a:endParaRPr>
+          </a:p>
+          <a:p>
+            <a:pPr marL="216000" indent="-215640">
+              <a:lnSpc>
+                <a:spcPct val="115000"/>
+              </a:lnSpc>
+              <a:buClr>
+                <a:srgbClr val="000000"/>
+              </a:buClr>
+              <a:buSzPct val="45000"/>
+              <a:buFont typeface="Wingdings" charset="2"/>
+              <a:buChar char=""/>
+            </a:pPr>
+            <a:r>
+              <a:rPr b="0" lang="en-US" sz="3200" spc="-1" strike="noStrike">
+                <a:solidFill>
+                  <a:srgbClr val="000000"/>
+                </a:solidFill>
+                <a:uFill>
+                  <a:solidFill>
+                    <a:srgbClr val="ffffff"/>
+                  </a:solidFill>
+                </a:uFill>
+                <a:latin typeface="Arial"/>
+              </a:rPr>
+              <a:t>131 contributers</a:t>
+            </a:r>
+            <a:endParaRPr b="0" lang="en-US" sz="1800" spc="-1" strike="noStrike">
+              <a:solidFill>
+                <a:srgbClr val="000000"/>
+              </a:solidFill>
+              <a:uFill>
+                <a:solidFill>
+                  <a:srgbClr val="ffffff"/>
+                </a:solidFill>
+              </a:uFill>
+              <a:latin typeface="Arial"/>
+            </a:endParaRPr>
+          </a:p>
+          <a:p>
+            <a:pPr marL="216000" indent="-215640">
+              <a:lnSpc>
+                <a:spcPct val="115000"/>
+              </a:lnSpc>
+              <a:buClr>
+                <a:srgbClr val="000000"/>
+              </a:buClr>
+              <a:buSzPct val="45000"/>
+              <a:buFont typeface="Wingdings" charset="2"/>
+              <a:buChar char=""/>
+            </a:pPr>
+            <a:r>
+              <a:rPr b="0" lang="en-US" sz="3200" spc="-1" strike="noStrike">
+                <a:solidFill>
+                  <a:srgbClr val="000000"/>
+                </a:solidFill>
+                <a:uFill>
+                  <a:solidFill>
+                    <a:srgbClr val="ffffff"/>
+                  </a:solidFill>
+                </a:uFill>
+                <a:latin typeface="Arial"/>
+              </a:rPr>
+              <a:t>Our own galaxy instance is the biggest in Europe: http://galaxy.uni-freiburg.de/</a:t>
+            </a:r>
+            <a:endParaRPr b="0" lang="en-US" sz="1800" spc="-1" strike="noStrike">
+              <a:solidFill>
+                <a:srgbClr val="000000"/>
+              </a:solidFill>
+              <a:uFill>
+                <a:solidFill>
+                  <a:srgbClr val="ffffff"/>
+                </a:solidFill>
+              </a:uFill>
+              <a:latin typeface="Arial"/>
+            </a:endParaRPr>
+          </a:p>
+        </p:txBody>
+      </p:sp>
     </p:spTree>
   </p:cSld>
   <p:timing>

--- a/rbc_sab-berlin_2016/Poster_deNBI-epi_SAB-Meeting_2016.pptx
+++ b/rbc_sab-berlin_2016/Poster_deNBI-epi_SAB-Meeting_2016.pptx
@@ -53,7 +53,7 @@
       </p:grpSpPr>
       <p:sp>
         <p:nvSpPr>
-          <p:cNvPr id="21" name="PlaceHolder 1"/>
+          <p:cNvPr id="23" name="PlaceHolder 1"/>
           <p:cNvSpPr>
             <a:spLocks noGrp="1"/>
           </p:cNvSpPr>
@@ -90,7 +90,7 @@
       </p:sp>
       <p:sp>
         <p:nvSpPr>
-          <p:cNvPr id="22" name="PlaceHolder 2"/>
+          <p:cNvPr id="24" name="PlaceHolder 2"/>
           <p:cNvSpPr>
             <a:spLocks noGrp="1"/>
           </p:cNvSpPr>
@@ -126,7 +126,7 @@
       </p:sp>
       <p:sp>
         <p:nvSpPr>
-          <p:cNvPr id="23" name="PlaceHolder 3"/>
+          <p:cNvPr id="25" name="PlaceHolder 3"/>
           <p:cNvSpPr>
             <a:spLocks noGrp="1"/>
           </p:cNvSpPr>
@@ -184,7 +184,7 @@
       </p:grpSpPr>
       <p:sp>
         <p:nvSpPr>
-          <p:cNvPr id="24" name="PlaceHolder 1"/>
+          <p:cNvPr id="26" name="PlaceHolder 1"/>
           <p:cNvSpPr>
             <a:spLocks noGrp="1"/>
           </p:cNvSpPr>
@@ -221,7 +221,7 @@
       </p:sp>
       <p:sp>
         <p:nvSpPr>
-          <p:cNvPr id="25" name="PlaceHolder 2"/>
+          <p:cNvPr id="27" name="PlaceHolder 2"/>
           <p:cNvSpPr>
             <a:spLocks noGrp="1"/>
           </p:cNvSpPr>
@@ -257,7 +257,7 @@
       </p:sp>
       <p:sp>
         <p:nvSpPr>
-          <p:cNvPr id="26" name="PlaceHolder 3"/>
+          <p:cNvPr id="28" name="PlaceHolder 3"/>
           <p:cNvSpPr>
             <a:spLocks noGrp="1"/>
           </p:cNvSpPr>
@@ -293,7 +293,7 @@
       </p:sp>
       <p:sp>
         <p:nvSpPr>
-          <p:cNvPr id="27" name="PlaceHolder 4"/>
+          <p:cNvPr id="29" name="PlaceHolder 4"/>
           <p:cNvSpPr>
             <a:spLocks noGrp="1"/>
           </p:cNvSpPr>
@@ -329,7 +329,7 @@
       </p:sp>
       <p:sp>
         <p:nvSpPr>
-          <p:cNvPr id="28" name="PlaceHolder 5"/>
+          <p:cNvPr id="30" name="PlaceHolder 5"/>
           <p:cNvSpPr>
             <a:spLocks noGrp="1"/>
           </p:cNvSpPr>
@@ -387,7 +387,7 @@
       </p:grpSpPr>
       <p:sp>
         <p:nvSpPr>
-          <p:cNvPr id="29" name="PlaceHolder 1"/>
+          <p:cNvPr id="31" name="PlaceHolder 1"/>
           <p:cNvSpPr>
             <a:spLocks noGrp="1"/>
           </p:cNvSpPr>
@@ -424,7 +424,7 @@
       </p:sp>
       <p:sp>
         <p:nvSpPr>
-          <p:cNvPr id="30" name="PlaceHolder 2"/>
+          <p:cNvPr id="32" name="PlaceHolder 2"/>
           <p:cNvSpPr>
             <a:spLocks noGrp="1"/>
           </p:cNvSpPr>
@@ -460,7 +460,7 @@
       </p:sp>
       <p:sp>
         <p:nvSpPr>
-          <p:cNvPr id="31" name="PlaceHolder 3"/>
+          <p:cNvPr id="33" name="PlaceHolder 3"/>
           <p:cNvSpPr>
             <a:spLocks noGrp="1"/>
           </p:cNvSpPr>
@@ -496,7 +496,7 @@
       </p:sp>
       <p:pic>
         <p:nvPicPr>
-          <p:cNvPr id="32" name="" descr=""/>
+          <p:cNvPr id="34" name="" descr=""/>
           <p:cNvPicPr/>
           <p:nvPr/>
         </p:nvPicPr>
@@ -519,7 +519,7 @@
       </p:pic>
       <p:pic>
         <p:nvPicPr>
-          <p:cNvPr id="33" name="" descr=""/>
+          <p:cNvPr id="35" name="" descr=""/>
           <p:cNvPicPr/>
           <p:nvPr/>
         </p:nvPicPr>
@@ -564,7 +564,7 @@
       </p:grpSpPr>
       <p:sp>
         <p:nvSpPr>
-          <p:cNvPr id="0" name="PlaceHolder 1"/>
+          <p:cNvPr id="2" name="PlaceHolder 1"/>
           <p:cNvSpPr>
             <a:spLocks noGrp="1"/>
           </p:cNvSpPr>
@@ -601,7 +601,7 @@
       </p:sp>
       <p:sp>
         <p:nvSpPr>
-          <p:cNvPr id="1" name="PlaceHolder 2"/>
+          <p:cNvPr id="3" name="PlaceHolder 2"/>
           <p:cNvSpPr>
             <a:spLocks noGrp="1"/>
           </p:cNvSpPr>
@@ -660,7 +660,7 @@
       </p:grpSpPr>
       <p:sp>
         <p:nvSpPr>
-          <p:cNvPr id="2" name="PlaceHolder 1"/>
+          <p:cNvPr id="4" name="PlaceHolder 1"/>
           <p:cNvSpPr>
             <a:spLocks noGrp="1"/>
           </p:cNvSpPr>
@@ -697,7 +697,7 @@
       </p:sp>
       <p:sp>
         <p:nvSpPr>
-          <p:cNvPr id="3" name="PlaceHolder 2"/>
+          <p:cNvPr id="5" name="PlaceHolder 2"/>
           <p:cNvSpPr>
             <a:spLocks noGrp="1"/>
           </p:cNvSpPr>
@@ -755,7 +755,7 @@
       </p:grpSpPr>
       <p:sp>
         <p:nvSpPr>
-          <p:cNvPr id="4" name="PlaceHolder 1"/>
+          <p:cNvPr id="6" name="PlaceHolder 1"/>
           <p:cNvSpPr>
             <a:spLocks noGrp="1"/>
           </p:cNvSpPr>
@@ -792,7 +792,7 @@
       </p:sp>
       <p:sp>
         <p:nvSpPr>
-          <p:cNvPr id="5" name="PlaceHolder 2"/>
+          <p:cNvPr id="7" name="PlaceHolder 2"/>
           <p:cNvSpPr>
             <a:spLocks noGrp="1"/>
           </p:cNvSpPr>
@@ -828,7 +828,7 @@
       </p:sp>
       <p:sp>
         <p:nvSpPr>
-          <p:cNvPr id="6" name="PlaceHolder 3"/>
+          <p:cNvPr id="8" name="PlaceHolder 3"/>
           <p:cNvSpPr>
             <a:spLocks noGrp="1"/>
           </p:cNvSpPr>
@@ -886,7 +886,7 @@
       </p:grpSpPr>
       <p:sp>
         <p:nvSpPr>
-          <p:cNvPr id="7" name="PlaceHolder 1"/>
+          <p:cNvPr id="9" name="PlaceHolder 1"/>
           <p:cNvSpPr>
             <a:spLocks noGrp="1"/>
           </p:cNvSpPr>
@@ -945,7 +945,7 @@
       </p:grpSpPr>
       <p:sp>
         <p:nvSpPr>
-          <p:cNvPr id="8" name="PlaceHolder 1"/>
+          <p:cNvPr id="10" name="PlaceHolder 1"/>
           <p:cNvSpPr>
             <a:spLocks noGrp="1"/>
           </p:cNvSpPr>
@@ -1004,7 +1004,7 @@
       </p:grpSpPr>
       <p:sp>
         <p:nvSpPr>
-          <p:cNvPr id="9" name="PlaceHolder 1"/>
+          <p:cNvPr id="11" name="PlaceHolder 1"/>
           <p:cNvSpPr>
             <a:spLocks noGrp="1"/>
           </p:cNvSpPr>
@@ -1041,7 +1041,7 @@
       </p:sp>
       <p:sp>
         <p:nvSpPr>
-          <p:cNvPr id="10" name="PlaceHolder 2"/>
+          <p:cNvPr id="12" name="PlaceHolder 2"/>
           <p:cNvSpPr>
             <a:spLocks noGrp="1"/>
           </p:cNvSpPr>
@@ -1077,7 +1077,7 @@
       </p:sp>
       <p:sp>
         <p:nvSpPr>
-          <p:cNvPr id="11" name="PlaceHolder 3"/>
+          <p:cNvPr id="13" name="PlaceHolder 3"/>
           <p:cNvSpPr>
             <a:spLocks noGrp="1"/>
           </p:cNvSpPr>
@@ -1113,7 +1113,7 @@
       </p:sp>
       <p:sp>
         <p:nvSpPr>
-          <p:cNvPr id="12" name="PlaceHolder 4"/>
+          <p:cNvPr id="14" name="PlaceHolder 4"/>
           <p:cNvSpPr>
             <a:spLocks noGrp="1"/>
           </p:cNvSpPr>
@@ -1171,7 +1171,7 @@
       </p:grpSpPr>
       <p:sp>
         <p:nvSpPr>
-          <p:cNvPr id="13" name="PlaceHolder 1"/>
+          <p:cNvPr id="15" name="PlaceHolder 1"/>
           <p:cNvSpPr>
             <a:spLocks noGrp="1"/>
           </p:cNvSpPr>
@@ -1208,7 +1208,7 @@
       </p:sp>
       <p:sp>
         <p:nvSpPr>
-          <p:cNvPr id="14" name="PlaceHolder 2"/>
+          <p:cNvPr id="16" name="PlaceHolder 2"/>
           <p:cNvSpPr>
             <a:spLocks noGrp="1"/>
           </p:cNvSpPr>
@@ -1244,7 +1244,7 @@
       </p:sp>
       <p:sp>
         <p:nvSpPr>
-          <p:cNvPr id="15" name="PlaceHolder 3"/>
+          <p:cNvPr id="17" name="PlaceHolder 3"/>
           <p:cNvSpPr>
             <a:spLocks noGrp="1"/>
           </p:cNvSpPr>
@@ -1280,7 +1280,7 @@
       </p:sp>
       <p:sp>
         <p:nvSpPr>
-          <p:cNvPr id="16" name="PlaceHolder 4"/>
+          <p:cNvPr id="18" name="PlaceHolder 4"/>
           <p:cNvSpPr>
             <a:spLocks noGrp="1"/>
           </p:cNvSpPr>
@@ -1338,7 +1338,7 @@
       </p:grpSpPr>
       <p:sp>
         <p:nvSpPr>
-          <p:cNvPr id="17" name="PlaceHolder 1"/>
+          <p:cNvPr id="19" name="PlaceHolder 1"/>
           <p:cNvSpPr>
             <a:spLocks noGrp="1"/>
           </p:cNvSpPr>
@@ -1375,7 +1375,7 @@
       </p:sp>
       <p:sp>
         <p:nvSpPr>
-          <p:cNvPr id="18" name="PlaceHolder 2"/>
+          <p:cNvPr id="20" name="PlaceHolder 2"/>
           <p:cNvSpPr>
             <a:spLocks noGrp="1"/>
           </p:cNvSpPr>
@@ -1411,7 +1411,7 @@
       </p:sp>
       <p:sp>
         <p:nvSpPr>
-          <p:cNvPr id="19" name="PlaceHolder 3"/>
+          <p:cNvPr id="21" name="PlaceHolder 3"/>
           <p:cNvSpPr>
             <a:spLocks noGrp="1"/>
           </p:cNvSpPr>
@@ -1447,7 +1447,7 @@
       </p:sp>
       <p:sp>
         <p:nvSpPr>
-          <p:cNvPr id="20" name="PlaceHolder 4"/>
+          <p:cNvPr id="22" name="PlaceHolder 4"/>
           <p:cNvSpPr>
             <a:spLocks noGrp="1"/>
           </p:cNvSpPr>
@@ -1510,6 +1510,325 @@
           <a:chExt cx="0" cy="0"/>
         </a:xfrm>
       </p:grpSpPr>
+      <p:sp>
+        <p:nvSpPr>
+          <p:cNvPr id="0" name="PlaceHolder 1"/>
+          <p:cNvSpPr>
+            <a:spLocks noGrp="1"/>
+          </p:cNvSpPr>
+          <p:nvPr>
+            <p:ph type="title"/>
+          </p:nvPr>
+        </p:nvSpPr>
+        <p:spPr>
+          <a:xfrm>
+            <a:off x="1513440" y="1707840"/>
+            <a:ext cx="27247320" cy="7148880"/>
+          </a:xfrm>
+          <a:prstGeom prst="rect">
+            <a:avLst/>
+          </a:prstGeom>
+        </p:spPr>
+        <p:txBody>
+          <a:bodyPr lIns="0" rIns="0" tIns="0" bIns="0" anchor="ctr"/>
+          <a:p>
+            <a:pPr algn="ctr"/>
+            <a:r>
+              <a:rPr b="0" lang="en-US" sz="4400" spc="-1" strike="noStrike">
+                <a:solidFill>
+                  <a:srgbClr val="000000"/>
+                </a:solidFill>
+                <a:uFill>
+                  <a:solidFill>
+                    <a:srgbClr val="ffffff"/>
+                  </a:solidFill>
+                </a:uFill>
+                <a:latin typeface="Arial"/>
+              </a:rPr>
+              <a:t>Click to edit the title text format</a:t>
+            </a:r>
+            <a:endParaRPr b="0" lang="en-US" sz="4400" spc="-1" strike="noStrike">
+              <a:solidFill>
+                <a:srgbClr val="000000"/>
+              </a:solidFill>
+              <a:uFill>
+                <a:solidFill>
+                  <a:srgbClr val="ffffff"/>
+                </a:solidFill>
+              </a:uFill>
+              <a:latin typeface="Arial"/>
+            </a:endParaRPr>
+          </a:p>
+        </p:txBody>
+      </p:sp>
+      <p:sp>
+        <p:nvSpPr>
+          <p:cNvPr id="1" name="PlaceHolder 2"/>
+          <p:cNvSpPr>
+            <a:spLocks noGrp="1"/>
+          </p:cNvSpPr>
+          <p:nvPr>
+            <p:ph type="body"/>
+          </p:nvPr>
+        </p:nvSpPr>
+        <p:spPr>
+          <a:xfrm>
+            <a:off x="1513440" y="10017720"/>
+            <a:ext cx="27247320" cy="24830280"/>
+          </a:xfrm>
+          <a:prstGeom prst="rect">
+            <a:avLst/>
+          </a:prstGeom>
+        </p:spPr>
+        <p:txBody>
+          <a:bodyPr lIns="0" rIns="0" tIns="0" bIns="0"/>
+          <a:p>
+            <a:pPr marL="432000" indent="-324000">
+              <a:buClr>
+                <a:srgbClr val="000000"/>
+              </a:buClr>
+              <a:buSzPct val="45000"/>
+              <a:buFont typeface="Wingdings" charset="2"/>
+              <a:buChar char=""/>
+            </a:pPr>
+            <a:r>
+              <a:rPr b="0" lang="en-US" sz="3200" spc="-1" strike="noStrike">
+                <a:solidFill>
+                  <a:srgbClr val="000000"/>
+                </a:solidFill>
+                <a:uFill>
+                  <a:solidFill>
+                    <a:srgbClr val="ffffff"/>
+                  </a:solidFill>
+                </a:uFill>
+                <a:latin typeface="Arial"/>
+              </a:rPr>
+              <a:t>Click to edit the outline text format</a:t>
+            </a:r>
+            <a:endParaRPr b="0" lang="en-US" sz="3200" spc="-1" strike="noStrike">
+              <a:solidFill>
+                <a:srgbClr val="000000"/>
+              </a:solidFill>
+              <a:uFill>
+                <a:solidFill>
+                  <a:srgbClr val="ffffff"/>
+                </a:solidFill>
+              </a:uFill>
+              <a:latin typeface="Arial"/>
+            </a:endParaRPr>
+          </a:p>
+          <a:p>
+            <a:pPr lvl="1" marL="864000" indent="-324000">
+              <a:buClr>
+                <a:srgbClr val="000000"/>
+              </a:buClr>
+              <a:buSzPct val="75000"/>
+              <a:buFont typeface="Symbol" charset="2"/>
+              <a:buChar char=""/>
+            </a:pPr>
+            <a:r>
+              <a:rPr b="0" lang="en-US" sz="2800" spc="-1" strike="noStrike">
+                <a:solidFill>
+                  <a:srgbClr val="000000"/>
+                </a:solidFill>
+                <a:uFill>
+                  <a:solidFill>
+                    <a:srgbClr val="ffffff"/>
+                  </a:solidFill>
+                </a:uFill>
+                <a:latin typeface="Arial"/>
+              </a:rPr>
+              <a:t>Second Outline Level</a:t>
+            </a:r>
+            <a:endParaRPr b="0" lang="en-US" sz="2800" spc="-1" strike="noStrike">
+              <a:solidFill>
+                <a:srgbClr val="000000"/>
+              </a:solidFill>
+              <a:uFill>
+                <a:solidFill>
+                  <a:srgbClr val="ffffff"/>
+                </a:solidFill>
+              </a:uFill>
+              <a:latin typeface="Arial"/>
+            </a:endParaRPr>
+          </a:p>
+          <a:p>
+            <a:pPr lvl="2" marL="1296000" indent="-288000">
+              <a:buClr>
+                <a:srgbClr val="000000"/>
+              </a:buClr>
+              <a:buSzPct val="45000"/>
+              <a:buFont typeface="Wingdings" charset="2"/>
+              <a:buChar char=""/>
+            </a:pPr>
+            <a:r>
+              <a:rPr b="0" lang="en-US" sz="2400" spc="-1" strike="noStrike">
+                <a:solidFill>
+                  <a:srgbClr val="000000"/>
+                </a:solidFill>
+                <a:uFill>
+                  <a:solidFill>
+                    <a:srgbClr val="ffffff"/>
+                  </a:solidFill>
+                </a:uFill>
+                <a:latin typeface="Arial"/>
+              </a:rPr>
+              <a:t>Third Outline Level</a:t>
+            </a:r>
+            <a:endParaRPr b="0" lang="en-US" sz="2400" spc="-1" strike="noStrike">
+              <a:solidFill>
+                <a:srgbClr val="000000"/>
+              </a:solidFill>
+              <a:uFill>
+                <a:solidFill>
+                  <a:srgbClr val="ffffff"/>
+                </a:solidFill>
+              </a:uFill>
+              <a:latin typeface="Arial"/>
+            </a:endParaRPr>
+          </a:p>
+          <a:p>
+            <a:pPr lvl="3" marL="1728000" indent="-216000">
+              <a:buClr>
+                <a:srgbClr val="000000"/>
+              </a:buClr>
+              <a:buSzPct val="75000"/>
+              <a:buFont typeface="Symbol" charset="2"/>
+              <a:buChar char=""/>
+            </a:pPr>
+            <a:r>
+              <a:rPr b="0" lang="en-US" sz="2000" spc="-1" strike="noStrike">
+                <a:solidFill>
+                  <a:srgbClr val="000000"/>
+                </a:solidFill>
+                <a:uFill>
+                  <a:solidFill>
+                    <a:srgbClr val="ffffff"/>
+                  </a:solidFill>
+                </a:uFill>
+                <a:latin typeface="Arial"/>
+              </a:rPr>
+              <a:t>Fourth Outline Level</a:t>
+            </a:r>
+            <a:endParaRPr b="0" lang="en-US" sz="2000" spc="-1" strike="noStrike">
+              <a:solidFill>
+                <a:srgbClr val="000000"/>
+              </a:solidFill>
+              <a:uFill>
+                <a:solidFill>
+                  <a:srgbClr val="ffffff"/>
+                </a:solidFill>
+              </a:uFill>
+              <a:latin typeface="Arial"/>
+            </a:endParaRPr>
+          </a:p>
+          <a:p>
+            <a:pPr lvl="4" marL="2160000" indent="-216000">
+              <a:buClr>
+                <a:srgbClr val="000000"/>
+              </a:buClr>
+              <a:buSzPct val="45000"/>
+              <a:buFont typeface="Wingdings" charset="2"/>
+              <a:buChar char=""/>
+            </a:pPr>
+            <a:r>
+              <a:rPr b="0" lang="en-US" sz="2000" spc="-1" strike="noStrike">
+                <a:solidFill>
+                  <a:srgbClr val="000000"/>
+                </a:solidFill>
+                <a:uFill>
+                  <a:solidFill>
+                    <a:srgbClr val="ffffff"/>
+                  </a:solidFill>
+                </a:uFill>
+                <a:latin typeface="Arial"/>
+              </a:rPr>
+              <a:t>Fifth Outline Level</a:t>
+            </a:r>
+            <a:endParaRPr b="0" lang="en-US" sz="2000" spc="-1" strike="noStrike">
+              <a:solidFill>
+                <a:srgbClr val="000000"/>
+              </a:solidFill>
+              <a:uFill>
+                <a:solidFill>
+                  <a:srgbClr val="ffffff"/>
+                </a:solidFill>
+              </a:uFill>
+              <a:latin typeface="Arial"/>
+            </a:endParaRPr>
+          </a:p>
+          <a:p>
+            <a:pPr lvl="5" marL="2592000" indent="-216000">
+              <a:buClr>
+                <a:srgbClr val="000000"/>
+              </a:buClr>
+              <a:buSzPct val="45000"/>
+              <a:buFont typeface="Wingdings" charset="2"/>
+              <a:buChar char=""/>
+            </a:pPr>
+            <a:r>
+              <a:rPr b="0" lang="en-US" sz="2000" spc="-1" strike="noStrike">
+                <a:solidFill>
+                  <a:srgbClr val="000000"/>
+                </a:solidFill>
+                <a:uFill>
+                  <a:solidFill>
+                    <a:srgbClr val="ffffff"/>
+                  </a:solidFill>
+                </a:uFill>
+                <a:latin typeface="Arial"/>
+              </a:rPr>
+              <a:t>Sixth Outline Level</a:t>
+            </a:r>
+            <a:endParaRPr b="0" lang="en-US" sz="2000" spc="-1" strike="noStrike">
+              <a:solidFill>
+                <a:srgbClr val="000000"/>
+              </a:solidFill>
+              <a:uFill>
+                <a:solidFill>
+                  <a:srgbClr val="ffffff"/>
+                </a:solidFill>
+              </a:uFill>
+              <a:latin typeface="Arial"/>
+            </a:endParaRPr>
+          </a:p>
+          <a:p>
+            <a:pPr lvl="6" marL="3024000" indent="-216000">
+              <a:buClr>
+                <a:srgbClr val="000000"/>
+              </a:buClr>
+              <a:buSzPct val="45000"/>
+              <a:buFont typeface="Wingdings" charset="2"/>
+              <a:buChar char=""/>
+            </a:pPr>
+            <a:r>
+              <a:rPr b="0" lang="en-US" sz="2000" spc="-1" strike="noStrike">
+                <a:solidFill>
+                  <a:srgbClr val="000000"/>
+                </a:solidFill>
+                <a:uFill>
+                  <a:solidFill>
+                    <a:srgbClr val="ffffff"/>
+                  </a:solidFill>
+                </a:uFill>
+                <a:latin typeface="Arial"/>
+              </a:rPr>
+              <a:t>Seventh Outline Level</a:t>
+            </a:r>
+            <a:endParaRPr b="0" lang="en-US" sz="2000" spc="-1" strike="noStrike">
+              <a:solidFill>
+                <a:srgbClr val="000000"/>
+              </a:solidFill>
+              <a:uFill>
+                <a:solidFill>
+                  <a:srgbClr val="ffffff"/>
+                </a:solidFill>
+              </a:uFill>
+              <a:latin typeface="Arial"/>
+            </a:endParaRPr>
+          </a:p>
+        </p:txBody>
+      </p:sp>
     </p:spTree>
   </p:cSld>
   <p:clrMap bg1="lt1" bg2="lt2" tx1="dk1" tx2="dk2" accent1="accent1" accent2="accent2" accent3="accent3" accent4="accent4" accent5="accent5" accent6="accent6" hlink="hlink" folHlink="folHlink"/>
@@ -1549,7 +1868,7 @@
       </p:grpSpPr>
       <p:sp>
         <p:nvSpPr>
-          <p:cNvPr id="34" name="CustomShape 1"/>
+          <p:cNvPr id="36" name="CustomShape 1"/>
           <p:cNvSpPr/>
           <p:nvPr/>
         </p:nvSpPr>
@@ -1601,7 +1920,7 @@
       </p:sp>
       <p:pic>
         <p:nvPicPr>
-          <p:cNvPr id="35" name="Grafik 8" descr=""/>
+          <p:cNvPr id="37" name="Grafik 8" descr=""/>
           <p:cNvPicPr/>
           <p:nvPr/>
         </p:nvPicPr>
@@ -1624,7 +1943,7 @@
       </p:pic>
       <p:sp>
         <p:nvSpPr>
-          <p:cNvPr id="36" name="CustomShape 2"/>
+          <p:cNvPr id="38" name="CustomShape 2"/>
           <p:cNvSpPr/>
           <p:nvPr/>
         </p:nvSpPr>
@@ -1668,7 +1987,7 @@
       </p:sp>
       <p:sp>
         <p:nvSpPr>
-          <p:cNvPr id="37" name="CustomShape 3"/>
+          <p:cNvPr id="39" name="CustomShape 3"/>
           <p:cNvSpPr/>
           <p:nvPr/>
         </p:nvSpPr>
@@ -1745,7 +2064,7 @@
       </p:sp>
       <p:sp>
         <p:nvSpPr>
-          <p:cNvPr id="38" name="CustomShape 4"/>
+          <p:cNvPr id="40" name="CustomShape 4"/>
           <p:cNvSpPr/>
           <p:nvPr/>
         </p:nvSpPr>
@@ -1789,7 +2108,7 @@
       </p:sp>
       <p:sp>
         <p:nvSpPr>
-          <p:cNvPr id="39" name="CustomShape 5"/>
+          <p:cNvPr id="41" name="CustomShape 5"/>
           <p:cNvSpPr/>
           <p:nvPr/>
         </p:nvSpPr>
@@ -1815,7 +2134,7 @@
       </p:sp>
       <p:pic>
         <p:nvPicPr>
-          <p:cNvPr id="40" name="Grafik 62" descr=""/>
+          <p:cNvPr id="42" name="Grafik 62" descr=""/>
           <p:cNvPicPr/>
           <p:nvPr/>
         </p:nvPicPr>
@@ -1838,7 +2157,7 @@
       </p:pic>
       <p:sp>
         <p:nvSpPr>
-          <p:cNvPr id="41" name="Line 6"/>
+          <p:cNvPr id="43" name="Line 6"/>
           <p:cNvSpPr/>
           <p:nvPr/>
         </p:nvSpPr>
@@ -1872,7 +2191,7 @@
       </p:sp>
       <p:sp>
         <p:nvSpPr>
-          <p:cNvPr id="42" name="CustomShape 7"/>
+          <p:cNvPr id="44" name="CustomShape 7"/>
           <p:cNvSpPr/>
           <p:nvPr/>
         </p:nvSpPr>
@@ -1934,7 +2253,7 @@
       </p:sp>
       <p:sp>
         <p:nvSpPr>
-          <p:cNvPr id="43" name="CustomShape 8"/>
+          <p:cNvPr id="45" name="CustomShape 8"/>
           <p:cNvSpPr/>
           <p:nvPr/>
         </p:nvSpPr>
@@ -2062,7 +2381,7 @@
       </p:sp>
       <p:sp>
         <p:nvSpPr>
-          <p:cNvPr id="44" name="CustomShape 9"/>
+          <p:cNvPr id="46" name="CustomShape 9"/>
           <p:cNvSpPr/>
           <p:nvPr/>
         </p:nvSpPr>
@@ -2157,7 +2476,7 @@
       </p:sp>
       <p:sp>
         <p:nvSpPr>
-          <p:cNvPr id="45" name="CustomShape 10"/>
+          <p:cNvPr id="47" name="CustomShape 10"/>
           <p:cNvSpPr/>
           <p:nvPr/>
         </p:nvSpPr>
@@ -2219,7 +2538,7 @@
       </p:sp>
       <p:pic>
         <p:nvPicPr>
-          <p:cNvPr id="46" name="Bild 1" descr=""/>
+          <p:cNvPr id="48" name="Bild 1" descr=""/>
           <p:cNvPicPr/>
           <p:nvPr/>
         </p:nvPicPr>
@@ -2242,7 +2561,7 @@
       </p:pic>
       <p:sp>
         <p:nvSpPr>
-          <p:cNvPr id="47" name="CustomShape 11"/>
+          <p:cNvPr id="49" name="CustomShape 11"/>
           <p:cNvSpPr/>
           <p:nvPr/>
         </p:nvSpPr>
@@ -2304,7 +2623,7 @@
       </p:sp>
       <p:sp>
         <p:nvSpPr>
-          <p:cNvPr id="48" name="CustomShape 12"/>
+          <p:cNvPr id="50" name="CustomShape 12"/>
           <p:cNvSpPr/>
           <p:nvPr/>
         </p:nvSpPr>
@@ -2368,13 +2687,13 @@
       </p:sp>
       <p:sp>
         <p:nvSpPr>
-          <p:cNvPr id="49" name="CustomShape 13"/>
+          <p:cNvPr id="51" name="CustomShape 13"/>
           <p:cNvSpPr/>
           <p:nvPr/>
         </p:nvSpPr>
         <p:spPr>
           <a:xfrm>
-            <a:off x="16595280" y="22852440"/>
+            <a:off x="16550640" y="24508080"/>
             <a:ext cx="12598560" cy="1003680"/>
           </a:xfrm>
           <a:prstGeom prst="rect">
@@ -2414,7 +2733,7 @@
                 <a:latin typeface="Arial"/>
                 <a:ea typeface="DejaVu Sans"/>
               </a:rPr>
-              <a:t>de. NBI training and education</a:t>
+              <a:t>de.NBI training and education</a:t>
             </a:r>
             <a:endParaRPr b="0" lang="en-US" sz="1800" spc="-1" strike="noStrike">
               <a:solidFill>
@@ -2432,7 +2751,7 @@
       </p:sp>
       <p:sp>
         <p:nvSpPr>
-          <p:cNvPr id="50" name="CustomShape 14"/>
+          <p:cNvPr id="52" name="CustomShape 14"/>
           <p:cNvSpPr/>
           <p:nvPr/>
         </p:nvSpPr>
@@ -2496,7 +2815,7 @@
       </p:sp>
       <p:sp>
         <p:nvSpPr>
-          <p:cNvPr id="51" name="CustomShape 15"/>
+          <p:cNvPr id="53" name="CustomShape 15"/>
           <p:cNvSpPr/>
           <p:nvPr/>
         </p:nvSpPr>
@@ -2560,7 +2879,7 @@
       </p:sp>
       <p:sp>
         <p:nvSpPr>
-          <p:cNvPr id="52" name="CustomShape 16"/>
+          <p:cNvPr id="54" name="CustomShape 16"/>
           <p:cNvSpPr/>
           <p:nvPr/>
         </p:nvSpPr>
@@ -2622,7 +2941,7 @@
       </p:sp>
       <p:sp>
         <p:nvSpPr>
-          <p:cNvPr id="53" name="CustomShape 17"/>
+          <p:cNvPr id="55" name="CustomShape 17"/>
           <p:cNvSpPr/>
           <p:nvPr/>
         </p:nvSpPr>
@@ -2684,7 +3003,7 @@
       </p:sp>
       <p:pic>
         <p:nvPicPr>
-          <p:cNvPr id="54" name="Grafik 6" descr=""/>
+          <p:cNvPr id="56" name="Grafik 6" descr=""/>
           <p:cNvPicPr/>
           <p:nvPr/>
         </p:nvPicPr>
@@ -2707,7 +3026,7 @@
       </p:pic>
       <p:sp>
         <p:nvSpPr>
-          <p:cNvPr id="55" name="CustomShape 18"/>
+          <p:cNvPr id="57" name="CustomShape 18"/>
           <p:cNvSpPr/>
           <p:nvPr/>
         </p:nvSpPr>
@@ -2786,7 +3105,7 @@
       </p:sp>
       <p:pic>
         <p:nvPicPr>
-          <p:cNvPr id="56" name="Grafik 3" descr=""/>
+          <p:cNvPr id="58" name="Grafik 3" descr=""/>
           <p:cNvPicPr/>
           <p:nvPr/>
         </p:nvPicPr>
@@ -2809,7 +3128,7 @@
       </p:pic>
       <p:pic>
         <p:nvPicPr>
-          <p:cNvPr id="57" name="Grafik 14" descr=""/>
+          <p:cNvPr id="59" name="Grafik 14" descr=""/>
           <p:cNvPicPr/>
           <p:nvPr/>
         </p:nvPicPr>
@@ -2832,7 +3151,7 @@
       </p:pic>
       <p:sp>
         <p:nvSpPr>
-          <p:cNvPr id="58" name="CustomShape 19"/>
+          <p:cNvPr id="60" name="CustomShape 19"/>
           <p:cNvSpPr/>
           <p:nvPr/>
         </p:nvSpPr>
@@ -2858,7 +3177,7 @@
       </p:sp>
       <p:sp>
         <p:nvSpPr>
-          <p:cNvPr id="59" name="CustomShape 20"/>
+          <p:cNvPr id="61" name="CustomShape 20"/>
           <p:cNvSpPr/>
           <p:nvPr/>
         </p:nvSpPr>
@@ -3005,7 +3324,7 @@
       </p:sp>
       <p:pic>
         <p:nvPicPr>
-          <p:cNvPr id="60" name="Grafik 70" descr=""/>
+          <p:cNvPr id="62" name="Grafik 70" descr=""/>
           <p:cNvPicPr/>
           <p:nvPr/>
         </p:nvPicPr>
@@ -3028,7 +3347,7 @@
       </p:pic>
       <p:pic>
         <p:nvPicPr>
-          <p:cNvPr id="61" name="Grafik 59" descr=""/>
+          <p:cNvPr id="63" name="Grafik 59" descr=""/>
           <p:cNvPicPr/>
           <p:nvPr/>
         </p:nvPicPr>
@@ -3051,7 +3370,7 @@
       </p:pic>
       <p:pic>
         <p:nvPicPr>
-          <p:cNvPr id="62" name="Grafik 58" descr=""/>
+          <p:cNvPr id="64" name="Grafik 58" descr=""/>
           <p:cNvPicPr/>
           <p:nvPr/>
         </p:nvPicPr>
@@ -3063,52 +3382,6 @@
           <a:xfrm>
             <a:off x="26007480" y="763920"/>
             <a:ext cx="3787920" cy="1644120"/>
-          </a:xfrm>
-          <a:prstGeom prst="rect">
-            <a:avLst/>
-          </a:prstGeom>
-          <a:ln>
-            <a:noFill/>
-          </a:ln>
-        </p:spPr>
-      </p:pic>
-      <p:pic>
-        <p:nvPicPr>
-          <p:cNvPr id="63" name="" descr=""/>
-          <p:cNvPicPr/>
-          <p:nvPr/>
-        </p:nvPicPr>
-        <p:blipFill>
-          <a:blip r:embed="rId11"/>
-          <a:stretch/>
-        </p:blipFill>
-        <p:spPr>
-          <a:xfrm>
-            <a:off x="5699160" y="26243280"/>
-            <a:ext cx="3810240" cy="822600"/>
-          </a:xfrm>
-          <a:prstGeom prst="rect">
-            <a:avLst/>
-          </a:prstGeom>
-          <a:ln>
-            <a:noFill/>
-          </a:ln>
-        </p:spPr>
-      </p:pic>
-      <p:pic>
-        <p:nvPicPr>
-          <p:cNvPr id="64" name="" descr=""/>
-          <p:cNvPicPr/>
-          <p:nvPr/>
-        </p:nvPicPr>
-        <p:blipFill>
-          <a:blip r:embed="rId12"/>
-          <a:stretch/>
-        </p:blipFill>
-        <p:spPr>
-          <a:xfrm>
-            <a:off x="1306080" y="26391600"/>
-            <a:ext cx="3374280" cy="548280"/>
           </a:xfrm>
           <a:prstGeom prst="rect">
             <a:avLst/>
@@ -3125,13 +3398,13 @@
           <p:nvPr/>
         </p:nvPicPr>
         <p:blipFill>
-          <a:blip r:embed="rId13"/>
+          <a:blip r:embed="rId11"/>
           <a:stretch/>
         </p:blipFill>
         <p:spPr>
           <a:xfrm>
-            <a:off x="23134320" y="13180680"/>
-            <a:ext cx="5760360" cy="4009680"/>
+            <a:off x="5699160" y="26243280"/>
+            <a:ext cx="3810240" cy="822600"/>
           </a:xfrm>
           <a:prstGeom prst="rect">
             <a:avLst/>
@@ -3148,13 +3421,59 @@
           <p:nvPr/>
         </p:nvPicPr>
         <p:blipFill>
+          <a:blip r:embed="rId12"/>
+          <a:stretch/>
+        </p:blipFill>
+        <p:spPr>
+          <a:xfrm>
+            <a:off x="1306080" y="26391600"/>
+            <a:ext cx="3374280" cy="548280"/>
+          </a:xfrm>
+          <a:prstGeom prst="rect">
+            <a:avLst/>
+          </a:prstGeom>
+          <a:ln>
+            <a:noFill/>
+          </a:ln>
+        </p:spPr>
+      </p:pic>
+      <p:pic>
+        <p:nvPicPr>
+          <p:cNvPr id="67" name="" descr=""/>
+          <p:cNvPicPr/>
+          <p:nvPr/>
+        </p:nvPicPr>
+        <p:blipFill>
+          <a:blip r:embed="rId13"/>
+          <a:stretch/>
+        </p:blipFill>
+        <p:spPr>
+          <a:xfrm>
+            <a:off x="21945960" y="12480840"/>
+            <a:ext cx="6034680" cy="4200840"/>
+          </a:xfrm>
+          <a:prstGeom prst="rect">
+            <a:avLst/>
+          </a:prstGeom>
+          <a:ln>
+            <a:noFill/>
+          </a:ln>
+        </p:spPr>
+      </p:pic>
+      <p:pic>
+        <p:nvPicPr>
+          <p:cNvPr id="68" name="" descr=""/>
+          <p:cNvPicPr/>
+          <p:nvPr/>
+        </p:nvPicPr>
+        <p:blipFill>
           <a:blip r:embed="rId14"/>
           <a:stretch/>
         </p:blipFill>
         <p:spPr>
           <a:xfrm>
-            <a:off x="2377800" y="15899040"/>
-            <a:ext cx="8046000" cy="5468760"/>
+            <a:off x="16435080" y="18470880"/>
+            <a:ext cx="5784840" cy="3931920"/>
           </a:xfrm>
           <a:prstGeom prst="rect">
             <a:avLst/>
@@ -3166,13 +3485,13 @@
       </p:pic>
       <p:sp>
         <p:nvSpPr>
-          <p:cNvPr id="67" name="CustomShape 21"/>
+          <p:cNvPr id="69" name="CustomShape 21"/>
           <p:cNvSpPr/>
           <p:nvPr/>
         </p:nvSpPr>
         <p:spPr>
           <a:xfrm>
-            <a:off x="16733520" y="24545520"/>
+            <a:off x="16550640" y="26700480"/>
             <a:ext cx="12103920" cy="5446440"/>
           </a:xfrm>
           <a:prstGeom prst="rect">
@@ -3309,7 +3628,7 @@
       </p:sp>
       <p:sp>
         <p:nvSpPr>
-          <p:cNvPr id="68" name="CustomShape 22"/>
+          <p:cNvPr id="70" name="CustomShape 22"/>
           <p:cNvSpPr/>
           <p:nvPr/>
         </p:nvSpPr>
@@ -3613,11 +3932,100 @@
               <a:latin typeface="Arial"/>
             </a:endParaRPr>
           </a:p>
+          <a:p>
+            <a:pPr marL="216000" indent="-214920">
+              <a:lnSpc>
+                <a:spcPct val="115000"/>
+              </a:lnSpc>
+              <a:buClr>
+                <a:srgbClr val="000000"/>
+              </a:buClr>
+              <a:buFont typeface="Symbol"/>
+              <a:buChar char=""/>
+            </a:pPr>
+            <a:r>
+              <a:rPr b="0" lang="en-US" sz="3200" spc="-1" strike="noStrike">
+                <a:solidFill>
+                  <a:srgbClr val="000000"/>
+                </a:solidFill>
+                <a:uFill>
+                  <a:solidFill>
+                    <a:srgbClr val="ffffff"/>
+                  </a:solidFill>
+                </a:uFill>
+                <a:latin typeface="Arial"/>
+                <a:ea typeface="DejaVu Sans"/>
+              </a:rPr>
+              <a:t> </a:t>
+            </a:r>
+            <a:endParaRPr b="0" lang="en-US" sz="1800" spc="-1" strike="noStrike">
+              <a:solidFill>
+                <a:srgbClr val="000000"/>
+              </a:solidFill>
+              <a:uFill>
+                <a:solidFill>
+                  <a:srgbClr val="ffffff"/>
+                </a:solidFill>
+              </a:uFill>
+              <a:latin typeface="Arial"/>
+            </a:endParaRPr>
+          </a:p>
+          <a:p>
+            <a:pPr>
+              <a:lnSpc>
+                <a:spcPct val="115000"/>
+              </a:lnSpc>
+            </a:pPr>
+            <a:endParaRPr b="0" lang="en-US" sz="1800" spc="-1" strike="noStrike">
+              <a:solidFill>
+                <a:srgbClr val="000000"/>
+              </a:solidFill>
+              <a:uFill>
+                <a:solidFill>
+                  <a:srgbClr val="ffffff"/>
+                </a:solidFill>
+              </a:uFill>
+              <a:latin typeface="Arial"/>
+            </a:endParaRPr>
+          </a:p>
+          <a:p>
+            <a:pPr>
+              <a:lnSpc>
+                <a:spcPct val="115000"/>
+              </a:lnSpc>
+            </a:pPr>
+            <a:r>
+              <a:rPr b="0" lang="en-US" sz="3200" spc="-1" strike="noStrike">
+                <a:solidFill>
+                  <a:srgbClr val="000000"/>
+                </a:solidFill>
+                <a:uFill>
+                  <a:solidFill>
+                    <a:srgbClr val="ffffff"/>
+                  </a:solidFill>
+                </a:uFill>
+                <a:latin typeface="Arial"/>
+                <a:ea typeface="DejaVu Sans"/>
+              </a:rPr>
+              <a:t>Developed a plugin system for Galaxy:</a:t>
+            </a:r>
+            <a:endParaRPr b="0" lang="en-US" sz="1800" spc="-1" strike="noStrike">
+              <a:solidFill>
+                <a:srgbClr val="000000"/>
+              </a:solidFill>
+              <a:uFill>
+                <a:solidFill>
+                  <a:srgbClr val="ffffff"/>
+                </a:solidFill>
+              </a:uFill>
+              <a:latin typeface="Arial"/>
+            </a:endParaRPr>
+          </a:p>
         </p:txBody>
       </p:sp>
       <p:pic>
         <p:nvPicPr>
-          <p:cNvPr id="69" name="" descr=""/>
+          <p:cNvPr id="71" name="" descr=""/>
           <p:cNvPicPr/>
           <p:nvPr/>
         </p:nvPicPr>
@@ -3640,7 +4048,7 @@
       </p:pic>
       <p:sp>
         <p:nvSpPr>
-          <p:cNvPr id="70" name="CustomShape 23"/>
+          <p:cNvPr id="72" name="CustomShape 23"/>
           <p:cNvSpPr/>
           <p:nvPr/>
         </p:nvSpPr>
@@ -3815,7 +4223,7 @@
       </p:sp>
       <p:sp>
         <p:nvSpPr>
-          <p:cNvPr id="71" name="CustomShape 24"/>
+          <p:cNvPr id="73" name="CustomShape 24"/>
           <p:cNvSpPr/>
           <p:nvPr/>
         </p:nvSpPr>
@@ -4008,7 +4416,7 @@
       </p:sp>
       <p:sp>
         <p:nvSpPr>
-          <p:cNvPr id="72" name="CustomShape 25"/>
+          <p:cNvPr id="74" name="CustomShape 25"/>
           <p:cNvSpPr/>
           <p:nvPr/>
         </p:nvSpPr>
@@ -4166,6 +4574,129 @@
                 <a:latin typeface="Arial"/>
               </a:rPr>
               <a:t>Our own galaxy instance is the biggest in Europe: http://galaxy.uni-freiburg.de/</a:t>
+            </a:r>
+            <a:endParaRPr b="0" lang="en-US" sz="1800" spc="-1" strike="noStrike">
+              <a:solidFill>
+                <a:srgbClr val="000000"/>
+              </a:solidFill>
+              <a:uFill>
+                <a:solidFill>
+                  <a:srgbClr val="ffffff"/>
+                </a:solidFill>
+              </a:uFill>
+              <a:latin typeface="Arial"/>
+            </a:endParaRPr>
+          </a:p>
+        </p:txBody>
+      </p:sp>
+      <p:pic>
+        <p:nvPicPr>
+          <p:cNvPr id="75" name="" descr=""/>
+          <p:cNvPicPr/>
+          <p:nvPr/>
+        </p:nvPicPr>
+        <p:blipFill>
+          <a:blip r:embed="rId16"/>
+          <a:stretch/>
+        </p:blipFill>
+        <p:spPr>
+          <a:xfrm>
+            <a:off x="23408640" y="18288000"/>
+            <a:ext cx="5394960" cy="4073400"/>
+          </a:xfrm>
+          <a:prstGeom prst="rect">
+            <a:avLst/>
+          </a:prstGeom>
+          <a:ln>
+            <a:noFill/>
+          </a:ln>
+        </p:spPr>
+      </p:pic>
+      <p:sp>
+        <p:nvSpPr>
+          <p:cNvPr id="76" name="TextShape 26"/>
+          <p:cNvSpPr txBox="1"/>
+          <p:nvPr/>
+        </p:nvSpPr>
+        <p:spPr>
+          <a:xfrm>
+            <a:off x="16642080" y="22402800"/>
+            <a:ext cx="5303520" cy="858240"/>
+          </a:xfrm>
+          <a:prstGeom prst="rect">
+            <a:avLst/>
+          </a:prstGeom>
+          <a:noFill/>
+          <a:ln>
+            <a:noFill/>
+          </a:ln>
+        </p:spPr>
+        <p:txBody>
+          <a:bodyPr lIns="90000" rIns="90000" tIns="45000" bIns="45000"/>
+          <a:p>
+            <a:r>
+              <a:rPr b="0" lang="en-US" sz="1800" spc="-1" strike="noStrike">
+                <a:solidFill>
+                  <a:srgbClr val="000000"/>
+                </a:solidFill>
+                <a:uFill>
+                  <a:solidFill>
+                    <a:srgbClr val="ffffff"/>
+                  </a:solidFill>
+                </a:uFill>
+                <a:latin typeface="Arial"/>
+              </a:rPr>
+              <a:t>Pricing system: How much would it cost to compute and store your data on Amazon EC2?</a:t>
+            </a:r>
+            <a:endParaRPr b="0" lang="en-US" sz="1800" spc="-1" strike="noStrike">
+              <a:solidFill>
+                <a:srgbClr val="000000"/>
+              </a:solidFill>
+              <a:uFill>
+                <a:solidFill>
+                  <a:srgbClr val="ffffff"/>
+                </a:solidFill>
+              </a:uFill>
+              <a:latin typeface="Arial"/>
+            </a:endParaRPr>
+          </a:p>
+        </p:txBody>
+      </p:sp>
+      <p:sp>
+        <p:nvSpPr>
+          <p:cNvPr id="77" name="TextShape 27"/>
+          <p:cNvSpPr txBox="1"/>
+          <p:nvPr/>
+        </p:nvSpPr>
+        <p:spPr>
+          <a:xfrm>
+            <a:off x="23225760" y="22367520"/>
+            <a:ext cx="5943600" cy="858240"/>
+          </a:xfrm>
+          <a:prstGeom prst="rect">
+            <a:avLst/>
+          </a:prstGeom>
+          <a:noFill/>
+          <a:ln>
+            <a:noFill/>
+          </a:ln>
+        </p:spPr>
+        <p:txBody>
+          <a:bodyPr lIns="90000" rIns="90000" tIns="45000" bIns="45000"/>
+          <a:p>
+            <a:r>
+              <a:rPr b="0" lang="en-US" sz="1800" spc="-1" strike="noStrike">
+                <a:solidFill>
+                  <a:srgbClr val="000000"/>
+                </a:solidFill>
+                <a:uFill>
+                  <a:solidFill>
+                    <a:srgbClr val="ffffff"/>
+                  </a:solidFill>
+                </a:uFill>
+                <a:latin typeface="Arial"/>
+              </a:rPr>
+              <a:t>Comics: Have fun while Galaxy is computing your data.</a:t>
             </a:r>
             <a:endParaRPr b="0" lang="en-US" sz="1800" spc="-1" strike="noStrike">
               <a:solidFill>

--- a/rbc_sab-berlin_2016/Poster_deNBI-epi_SAB-Meeting_2016.pptx
+++ b/rbc_sab-berlin_2016/Poster_deNBI-epi_SAB-Meeting_2016.pptx
@@ -2923,7 +2923,97 @@
                 <a:latin typeface="Arial"/>
                 <a:ea typeface="DejaVu Sans"/>
               </a:rPr>
-              <a:t>Contribute to open source projects to create, distribute and maintain bioinformatics software in an easy way. To achieve these goals we contribute actively to Bioconda, Biocontainers and Galaxy.</a:t>
+              <a:t>Contribute to open source projects to create, distribute and maintain bioinformatics software in an easy way. To achieve these goals we contribute actively to </a:t>
+            </a:r>
+            <a:r>
+              <a:rPr b="1" lang="en-US" sz="3200" spc="-1" strike="noStrike">
+                <a:solidFill>
+                  <a:srgbClr val="000000"/>
+                </a:solidFill>
+                <a:uFill>
+                  <a:solidFill>
+                    <a:srgbClr val="ffffff"/>
+                  </a:solidFill>
+                </a:uFill>
+                <a:latin typeface="Arial"/>
+                <a:ea typeface="DejaVu Sans"/>
+              </a:rPr>
+              <a:t>Bioconda</a:t>
+            </a:r>
+            <a:r>
+              <a:rPr b="0" lang="en-US" sz="3200" spc="-1" strike="noStrike">
+                <a:solidFill>
+                  <a:srgbClr val="000000"/>
+                </a:solidFill>
+                <a:uFill>
+                  <a:solidFill>
+                    <a:srgbClr val="ffffff"/>
+                  </a:solidFill>
+                </a:uFill>
+                <a:latin typeface="Arial"/>
+                <a:ea typeface="DejaVu Sans"/>
+              </a:rPr>
+              <a:t>, </a:t>
+            </a:r>
+            <a:r>
+              <a:rPr b="1" lang="en-US" sz="3200" spc="-1" strike="noStrike">
+                <a:solidFill>
+                  <a:srgbClr val="000000"/>
+                </a:solidFill>
+                <a:uFill>
+                  <a:solidFill>
+                    <a:srgbClr val="ffffff"/>
+                  </a:solidFill>
+                </a:uFill>
+                <a:latin typeface="Arial"/>
+                <a:ea typeface="DejaVu Sans"/>
+              </a:rPr>
+              <a:t>Biocontainers</a:t>
+            </a:r>
+            <a:r>
+              <a:rPr b="0" lang="en-US" sz="3200" spc="-1" strike="noStrike">
+                <a:solidFill>
+                  <a:srgbClr val="000000"/>
+                </a:solidFill>
+                <a:uFill>
+                  <a:solidFill>
+                    <a:srgbClr val="ffffff"/>
+                  </a:solidFill>
+                </a:uFill>
+                <a:latin typeface="Arial"/>
+                <a:ea typeface="DejaVu Sans"/>
+              </a:rPr>
+              <a:t> and </a:t>
+            </a:r>
+            <a:r>
+              <a:rPr b="1" lang="en-US" sz="3200" spc="-1" strike="noStrike">
+                <a:solidFill>
+                  <a:srgbClr val="000000"/>
+                </a:solidFill>
+                <a:uFill>
+                  <a:solidFill>
+                    <a:srgbClr val="ffffff"/>
+                  </a:solidFill>
+                </a:uFill>
+                <a:latin typeface="Arial"/>
+                <a:ea typeface="DejaVu Sans"/>
+              </a:rPr>
+              <a:t>Galaxy</a:t>
+            </a:r>
+            <a:r>
+              <a:rPr b="0" lang="en-US" sz="3200" spc="-1" strike="noStrike">
+                <a:solidFill>
+                  <a:srgbClr val="000000"/>
+                </a:solidFill>
+                <a:uFill>
+                  <a:solidFill>
+                    <a:srgbClr val="ffffff"/>
+                  </a:solidFill>
+                </a:uFill>
+                <a:latin typeface="Arial"/>
+                <a:ea typeface="DejaVu Sans"/>
+              </a:rPr>
+              <a:t>.</a:t>
             </a:r>
             <a:endParaRPr b="0" lang="en-US" sz="1800" spc="-1" strike="noStrike">
               <a:solidFill>
@@ -3572,45 +3662,7 @@
                 <a:latin typeface="Arial"/>
                 <a:ea typeface="DejaVu Sans"/>
               </a:rPr>
-              <a:t>One RNA-seq course in December</a:t>
-            </a:r>
-            <a:endParaRPr b="0" lang="en-US" sz="1800" spc="-1" strike="noStrike">
-              <a:solidFill>
-                <a:srgbClr val="000000"/>
-              </a:solidFill>
-              <a:uFill>
-                <a:solidFill>
-                  <a:srgbClr val="ffffff"/>
-                </a:solidFill>
-              </a:uFill>
-              <a:latin typeface="Arial"/>
-            </a:endParaRPr>
-          </a:p>
-          <a:p>
-            <a:pPr marL="216000" indent="-214920">
-              <a:lnSpc>
-                <a:spcPct val="115000"/>
-              </a:lnSpc>
-              <a:buClr>
-                <a:srgbClr val="000000"/>
-              </a:buClr>
-              <a:buFont typeface="Symbol"/>
-              <a:buChar char=""/>
-            </a:pPr>
-            <a:r>
-              <a:rPr b="0" lang="en-US" sz="3200" spc="-1" strike="noStrike">
-                <a:solidFill>
-                  <a:srgbClr val="000000"/>
-                </a:solidFill>
-                <a:uFill>
-                  <a:solidFill>
-                    <a:srgbClr val="ffffff"/>
-                  </a:solidFill>
-                </a:uFill>
-                <a:latin typeface="Arial"/>
-                <a:ea typeface="DejaVu Sans"/>
-              </a:rPr>
-              <a:t> </a:t>
+              <a:t>One RNA-seq course in December </a:t>
             </a:r>
             <a:endParaRPr b="0" lang="en-US" sz="1800" spc="-1" strike="noStrike">
               <a:solidFill>
@@ -3880,7 +3932,7 @@
                 <a:latin typeface="Arial"/>
                 <a:ea typeface="DejaVu Sans"/>
               </a:rPr>
-              <a:t>ChiCAGO</a:t>
+              <a:t>CHiCAGO</a:t>
             </a:r>
             <a:endParaRPr b="0" lang="en-US" sz="1800" spc="-1" strike="noStrike">
               <a:solidFill>
@@ -4621,7 +4673,7 @@
         <p:spPr>
           <a:xfrm>
             <a:off x="16642080" y="22402800"/>
-            <a:ext cx="5303520" cy="858240"/>
+            <a:ext cx="5303520" cy="1109880"/>
           </a:xfrm>
           <a:prstGeom prst="rect">
             <a:avLst/>
@@ -4635,7 +4687,7 @@
           <a:bodyPr lIns="90000" rIns="90000" tIns="45000" bIns="45000"/>
           <a:p>
             <a:r>
-              <a:rPr b="0" lang="en-US" sz="1800" spc="-1" strike="noStrike">
+              <a:rPr b="0" lang="en-US" sz="2400" spc="-1" strike="noStrike">
                 <a:solidFill>
                   <a:srgbClr val="000000"/>
                 </a:solidFill>
@@ -4648,7 +4700,7 @@
               </a:rPr>
               <a:t>Pricing system: How much would it cost to compute and store your data on Amazon EC2?</a:t>
             </a:r>
-            <a:endParaRPr b="0" lang="en-US" sz="1800" spc="-1" strike="noStrike">
+            <a:endParaRPr b="0" lang="en-US" sz="2400" spc="-1" strike="noStrike">
               <a:solidFill>
                 <a:srgbClr val="000000"/>
               </a:solidFill>
@@ -4670,8 +4722,8 @@
         </p:nvSpPr>
         <p:spPr>
           <a:xfrm>
-            <a:off x="23225760" y="22367520"/>
-            <a:ext cx="5943600" cy="858240"/>
+            <a:off x="23774400" y="22402800"/>
+            <a:ext cx="5212080" cy="858240"/>
           </a:xfrm>
           <a:prstGeom prst="rect">
             <a:avLst/>
@@ -4685,7 +4737,7 @@
           <a:bodyPr lIns="90000" rIns="90000" tIns="45000" bIns="45000"/>
           <a:p>
             <a:r>
-              <a:rPr b="0" lang="en-US" sz="1800" spc="-1" strike="noStrike">
+              <a:rPr b="0" lang="en-US" sz="2400" spc="-1" strike="noStrike">
                 <a:solidFill>
                   <a:srgbClr val="000000"/>
                 </a:solidFill>
@@ -4698,20 +4750,43 @@
               </a:rPr>
               <a:t>Comics: Have fun while Galaxy is computing your data.</a:t>
             </a:r>
-            <a:endParaRPr b="0" lang="en-US" sz="1800" spc="-1" strike="noStrike">
-              <a:solidFill>
-                <a:srgbClr val="000000"/>
-              </a:solidFill>
-              <a:uFill>
-                <a:solidFill>
-                  <a:srgbClr val="ffffff"/>
-                </a:solidFill>
-              </a:uFill>
-              <a:latin typeface="Arial"/>
-            </a:endParaRPr>
-          </a:p>
-        </p:txBody>
-      </p:sp>
+            <a:endParaRPr b="0" lang="en-US" sz="2400" spc="-1" strike="noStrike">
+              <a:solidFill>
+                <a:srgbClr val="000000"/>
+              </a:solidFill>
+              <a:uFill>
+                <a:solidFill>
+                  <a:srgbClr val="ffffff"/>
+                </a:solidFill>
+              </a:uFill>
+              <a:latin typeface="Arial"/>
+            </a:endParaRPr>
+          </a:p>
+        </p:txBody>
+      </p:sp>
+      <p:pic>
+        <p:nvPicPr>
+          <p:cNvPr id="78" name="" descr=""/>
+          <p:cNvPicPr/>
+          <p:nvPr/>
+        </p:nvPicPr>
+        <p:blipFill>
+          <a:blip r:embed="rId17"/>
+          <a:stretch/>
+        </p:blipFill>
+        <p:spPr>
+          <a:xfrm>
+            <a:off x="1202760" y="14264640"/>
+            <a:ext cx="12696120" cy="7498080"/>
+          </a:xfrm>
+          <a:prstGeom prst="rect">
+            <a:avLst/>
+          </a:prstGeom>
+          <a:ln>
+            <a:noFill/>
+          </a:ln>
+        </p:spPr>
+      </p:pic>
     </p:spTree>
   </p:cSld>
   <p:timing>

--- a/rbc_sab-berlin_2016/Poster_deNBI-epi_SAB-Meeting_2016.pptx
+++ b/rbc_sab-berlin_2016/Poster_deNBI-epi_SAB-Meeting_2016.pptx
@@ -1545,7 +1545,49 @@
                 </a:uFill>
                 <a:latin typeface="Arial"/>
               </a:rPr>
-              <a:t>Click to edit the title text format</a:t>
+              <a:t>Click to </a:t>
+            </a:r>
+            <a:r>
+              <a:rPr b="0" lang="en-US" sz="4400" spc="-1" strike="noStrike">
+                <a:solidFill>
+                  <a:srgbClr val="000000"/>
+                </a:solidFill>
+                <a:uFill>
+                  <a:solidFill>
+                    <a:srgbClr val="ffffff"/>
+                  </a:solidFill>
+                </a:uFill>
+                <a:latin typeface="Arial"/>
+              </a:rPr>
+              <a:t>edit the </a:t>
+            </a:r>
+            <a:r>
+              <a:rPr b="0" lang="en-US" sz="4400" spc="-1" strike="noStrike">
+                <a:solidFill>
+                  <a:srgbClr val="000000"/>
+                </a:solidFill>
+                <a:uFill>
+                  <a:solidFill>
+                    <a:srgbClr val="ffffff"/>
+                  </a:solidFill>
+                </a:uFill>
+                <a:latin typeface="Arial"/>
+              </a:rPr>
+              <a:t>title text </a:t>
+            </a:r>
+            <a:r>
+              <a:rPr b="0" lang="en-US" sz="4400" spc="-1" strike="noStrike">
+                <a:solidFill>
+                  <a:srgbClr val="000000"/>
+                </a:solidFill>
+                <a:uFill>
+                  <a:solidFill>
+                    <a:srgbClr val="ffffff"/>
+                  </a:solidFill>
+                </a:uFill>
+                <a:latin typeface="Arial"/>
+              </a:rPr>
+              <a:t>format</a:t>
             </a:r>
             <a:endParaRPr b="0" lang="en-US" sz="4400" spc="-1" strike="noStrike">
               <a:solidFill>
@@ -1949,7 +1991,7 @@
         </p:nvSpPr>
         <p:spPr>
           <a:xfrm>
-            <a:off x="23969520" y="45514800"/>
+            <a:off x="815760" y="44622720"/>
             <a:ext cx="30273840" cy="1798560"/>
           </a:xfrm>
           <a:prstGeom prst="rect">

--- a/rbc_sab-berlin_2016/Poster_deNBI-epi_SAB-Meeting_2016.pptx
+++ b/rbc_sab-berlin_2016/Poster_deNBI-epi_SAB-Meeting_2016.pptx
@@ -53,7 +53,7 @@
       </p:grpSpPr>
       <p:sp>
         <p:nvSpPr>
-          <p:cNvPr id="23" name="PlaceHolder 1"/>
+          <p:cNvPr id="21" name="PlaceHolder 1"/>
           <p:cNvSpPr>
             <a:spLocks noGrp="1"/>
           </p:cNvSpPr>
@@ -73,8 +73,7 @@
         <p:txBody>
           <a:bodyPr lIns="0" rIns="0" tIns="0" bIns="0" anchor="ctr"/>
           <a:p>
-            <a:pPr algn="ctr"/>
-            <a:endParaRPr b="0" lang="en-US" sz="4400" spc="-1" strike="noStrike">
+            <a:endParaRPr b="0" lang="de-DE" sz="1800" spc="-1" strike="noStrike">
               <a:solidFill>
                 <a:srgbClr val="000000"/>
               </a:solidFill>
@@ -90,7 +89,7 @@
       </p:sp>
       <p:sp>
         <p:nvSpPr>
-          <p:cNvPr id="24" name="PlaceHolder 2"/>
+          <p:cNvPr id="22" name="PlaceHolder 2"/>
           <p:cNvSpPr>
             <a:spLocks noGrp="1"/>
           </p:cNvSpPr>
@@ -110,7 +109,7 @@
         <p:txBody>
           <a:bodyPr lIns="0" rIns="0" tIns="0" bIns="0"/>
           <a:p>
-            <a:endParaRPr b="0" lang="en-US" sz="3200" spc="-1" strike="noStrike">
+            <a:endParaRPr b="0" lang="de-DE" sz="1800" spc="-1" strike="noStrike">
               <a:solidFill>
                 <a:srgbClr val="000000"/>
               </a:solidFill>
@@ -126,7 +125,7 @@
       </p:sp>
       <p:sp>
         <p:nvSpPr>
-          <p:cNvPr id="25" name="PlaceHolder 3"/>
+          <p:cNvPr id="23" name="PlaceHolder 3"/>
           <p:cNvSpPr>
             <a:spLocks noGrp="1"/>
           </p:cNvSpPr>
@@ -146,7 +145,7 @@
         <p:txBody>
           <a:bodyPr lIns="0" rIns="0" tIns="0" bIns="0"/>
           <a:p>
-            <a:endParaRPr b="0" lang="en-US" sz="3200" spc="-1" strike="noStrike">
+            <a:endParaRPr b="0" lang="de-DE" sz="1800" spc="-1" strike="noStrike">
               <a:solidFill>
                 <a:srgbClr val="000000"/>
               </a:solidFill>
@@ -184,7 +183,7 @@
       </p:grpSpPr>
       <p:sp>
         <p:nvSpPr>
-          <p:cNvPr id="26" name="PlaceHolder 1"/>
+          <p:cNvPr id="24" name="PlaceHolder 1"/>
           <p:cNvSpPr>
             <a:spLocks noGrp="1"/>
           </p:cNvSpPr>
@@ -204,8 +203,7 @@
         <p:txBody>
           <a:bodyPr lIns="0" rIns="0" tIns="0" bIns="0" anchor="ctr"/>
           <a:p>
-            <a:pPr algn="ctr"/>
-            <a:endParaRPr b="0" lang="en-US" sz="4400" spc="-1" strike="noStrike">
+            <a:endParaRPr b="0" lang="de-DE" sz="1800" spc="-1" strike="noStrike">
               <a:solidFill>
                 <a:srgbClr val="000000"/>
               </a:solidFill>
@@ -221,7 +219,7 @@
       </p:sp>
       <p:sp>
         <p:nvSpPr>
-          <p:cNvPr id="27" name="PlaceHolder 2"/>
+          <p:cNvPr id="25" name="PlaceHolder 2"/>
           <p:cNvSpPr>
             <a:spLocks noGrp="1"/>
           </p:cNvSpPr>
@@ -241,7 +239,7 @@
         <p:txBody>
           <a:bodyPr lIns="0" rIns="0" tIns="0" bIns="0"/>
           <a:p>
-            <a:endParaRPr b="0" lang="en-US" sz="3200" spc="-1" strike="noStrike">
+            <a:endParaRPr b="0" lang="de-DE" sz="1800" spc="-1" strike="noStrike">
               <a:solidFill>
                 <a:srgbClr val="000000"/>
               </a:solidFill>
@@ -257,7 +255,7 @@
       </p:sp>
       <p:sp>
         <p:nvSpPr>
-          <p:cNvPr id="28" name="PlaceHolder 3"/>
+          <p:cNvPr id="26" name="PlaceHolder 3"/>
           <p:cNvSpPr>
             <a:spLocks noGrp="1"/>
           </p:cNvSpPr>
@@ -277,7 +275,7 @@
         <p:txBody>
           <a:bodyPr lIns="0" rIns="0" tIns="0" bIns="0"/>
           <a:p>
-            <a:endParaRPr b="0" lang="en-US" sz="3200" spc="-1" strike="noStrike">
+            <a:endParaRPr b="0" lang="de-DE" sz="1800" spc="-1" strike="noStrike">
               <a:solidFill>
                 <a:srgbClr val="000000"/>
               </a:solidFill>
@@ -293,7 +291,7 @@
       </p:sp>
       <p:sp>
         <p:nvSpPr>
-          <p:cNvPr id="29" name="PlaceHolder 4"/>
+          <p:cNvPr id="27" name="PlaceHolder 4"/>
           <p:cNvSpPr>
             <a:spLocks noGrp="1"/>
           </p:cNvSpPr>
@@ -313,7 +311,7 @@
         <p:txBody>
           <a:bodyPr lIns="0" rIns="0" tIns="0" bIns="0"/>
           <a:p>
-            <a:endParaRPr b="0" lang="en-US" sz="3200" spc="-1" strike="noStrike">
+            <a:endParaRPr b="0" lang="de-DE" sz="1800" spc="-1" strike="noStrike">
               <a:solidFill>
                 <a:srgbClr val="000000"/>
               </a:solidFill>
@@ -329,7 +327,7 @@
       </p:sp>
       <p:sp>
         <p:nvSpPr>
-          <p:cNvPr id="30" name="PlaceHolder 5"/>
+          <p:cNvPr id="28" name="PlaceHolder 5"/>
           <p:cNvSpPr>
             <a:spLocks noGrp="1"/>
           </p:cNvSpPr>
@@ -349,7 +347,7 @@
         <p:txBody>
           <a:bodyPr lIns="0" rIns="0" tIns="0" bIns="0"/>
           <a:p>
-            <a:endParaRPr b="0" lang="en-US" sz="3200" spc="-1" strike="noStrike">
+            <a:endParaRPr b="0" lang="de-DE" sz="1800" spc="-1" strike="noStrike">
               <a:solidFill>
                 <a:srgbClr val="000000"/>
               </a:solidFill>
@@ -387,7 +385,7 @@
       </p:grpSpPr>
       <p:sp>
         <p:nvSpPr>
-          <p:cNvPr id="31" name="PlaceHolder 1"/>
+          <p:cNvPr id="29" name="PlaceHolder 1"/>
           <p:cNvSpPr>
             <a:spLocks noGrp="1"/>
           </p:cNvSpPr>
@@ -407,8 +405,7 @@
         <p:txBody>
           <a:bodyPr lIns="0" rIns="0" tIns="0" bIns="0" anchor="ctr"/>
           <a:p>
-            <a:pPr algn="ctr"/>
-            <a:endParaRPr b="0" lang="en-US" sz="4400" spc="-1" strike="noStrike">
+            <a:endParaRPr b="0" lang="de-DE" sz="1800" spc="-1" strike="noStrike">
               <a:solidFill>
                 <a:srgbClr val="000000"/>
               </a:solidFill>
@@ -424,7 +421,7 @@
       </p:sp>
       <p:sp>
         <p:nvSpPr>
-          <p:cNvPr id="32" name="PlaceHolder 2"/>
+          <p:cNvPr id="30" name="PlaceHolder 2"/>
           <p:cNvSpPr>
             <a:spLocks noGrp="1"/>
           </p:cNvSpPr>
@@ -444,7 +441,7 @@
         <p:txBody>
           <a:bodyPr lIns="0" rIns="0" tIns="0" bIns="0"/>
           <a:p>
-            <a:endParaRPr b="0" lang="en-US" sz="3200" spc="-1" strike="noStrike">
+            <a:endParaRPr b="0" lang="de-DE" sz="1800" spc="-1" strike="noStrike">
               <a:solidFill>
                 <a:srgbClr val="000000"/>
               </a:solidFill>
@@ -460,7 +457,7 @@
       </p:sp>
       <p:sp>
         <p:nvSpPr>
-          <p:cNvPr id="33" name="PlaceHolder 3"/>
+          <p:cNvPr id="31" name="PlaceHolder 3"/>
           <p:cNvSpPr>
             <a:spLocks noGrp="1"/>
           </p:cNvSpPr>
@@ -480,7 +477,7 @@
         <p:txBody>
           <a:bodyPr lIns="0" rIns="0" tIns="0" bIns="0"/>
           <a:p>
-            <a:endParaRPr b="0" lang="en-US" sz="3200" spc="-1" strike="noStrike">
+            <a:endParaRPr b="0" lang="de-DE" sz="1800" spc="-1" strike="noStrike">
               <a:solidFill>
                 <a:srgbClr val="000000"/>
               </a:solidFill>
@@ -496,7 +493,7 @@
       </p:sp>
       <p:pic>
         <p:nvPicPr>
-          <p:cNvPr id="34" name="" descr=""/>
+          <p:cNvPr id="32" name="" descr=""/>
           <p:cNvPicPr/>
           <p:nvPr/>
         </p:nvPicPr>
@@ -519,7 +516,7 @@
       </p:pic>
       <p:pic>
         <p:nvPicPr>
-          <p:cNvPr id="35" name="" descr=""/>
+          <p:cNvPr id="33" name="" descr=""/>
           <p:cNvPicPr/>
           <p:nvPr/>
         </p:nvPicPr>
@@ -564,7 +561,7 @@
       </p:grpSpPr>
       <p:sp>
         <p:nvSpPr>
-          <p:cNvPr id="2" name="PlaceHolder 1"/>
+          <p:cNvPr id="0" name="PlaceHolder 1"/>
           <p:cNvSpPr>
             <a:spLocks noGrp="1"/>
           </p:cNvSpPr>
@@ -584,8 +581,7 @@
         <p:txBody>
           <a:bodyPr lIns="0" rIns="0" tIns="0" bIns="0" anchor="ctr"/>
           <a:p>
-            <a:pPr algn="ctr"/>
-            <a:endParaRPr b="0" lang="en-US" sz="4400" spc="-1" strike="noStrike">
+            <a:endParaRPr b="0" lang="de-DE" sz="1800" spc="-1" strike="noStrike">
               <a:solidFill>
                 <a:srgbClr val="000000"/>
               </a:solidFill>
@@ -601,7 +597,7 @@
       </p:sp>
       <p:sp>
         <p:nvSpPr>
-          <p:cNvPr id="3" name="PlaceHolder 2"/>
+          <p:cNvPr id="1" name="PlaceHolder 2"/>
           <p:cNvSpPr>
             <a:spLocks noGrp="1"/>
           </p:cNvSpPr>
@@ -660,7 +656,7 @@
       </p:grpSpPr>
       <p:sp>
         <p:nvSpPr>
-          <p:cNvPr id="4" name="PlaceHolder 1"/>
+          <p:cNvPr id="2" name="PlaceHolder 1"/>
           <p:cNvSpPr>
             <a:spLocks noGrp="1"/>
           </p:cNvSpPr>
@@ -680,8 +676,7 @@
         <p:txBody>
           <a:bodyPr lIns="0" rIns="0" tIns="0" bIns="0" anchor="ctr"/>
           <a:p>
-            <a:pPr algn="ctr"/>
-            <a:endParaRPr b="0" lang="en-US" sz="4400" spc="-1" strike="noStrike">
+            <a:endParaRPr b="0" lang="de-DE" sz="1800" spc="-1" strike="noStrike">
               <a:solidFill>
                 <a:srgbClr val="000000"/>
               </a:solidFill>
@@ -697,7 +692,7 @@
       </p:sp>
       <p:sp>
         <p:nvSpPr>
-          <p:cNvPr id="5" name="PlaceHolder 2"/>
+          <p:cNvPr id="3" name="PlaceHolder 2"/>
           <p:cNvSpPr>
             <a:spLocks noGrp="1"/>
           </p:cNvSpPr>
@@ -717,7 +712,7 @@
         <p:txBody>
           <a:bodyPr lIns="0" rIns="0" tIns="0" bIns="0"/>
           <a:p>
-            <a:endParaRPr b="0" lang="en-US" sz="3200" spc="-1" strike="noStrike">
+            <a:endParaRPr b="0" lang="de-DE" sz="1800" spc="-1" strike="noStrike">
               <a:solidFill>
                 <a:srgbClr val="000000"/>
               </a:solidFill>
@@ -755,7 +750,7 @@
       </p:grpSpPr>
       <p:sp>
         <p:nvSpPr>
-          <p:cNvPr id="6" name="PlaceHolder 1"/>
+          <p:cNvPr id="4" name="PlaceHolder 1"/>
           <p:cNvSpPr>
             <a:spLocks noGrp="1"/>
           </p:cNvSpPr>
@@ -775,8 +770,7 @@
         <p:txBody>
           <a:bodyPr lIns="0" rIns="0" tIns="0" bIns="0" anchor="ctr"/>
           <a:p>
-            <a:pPr algn="ctr"/>
-            <a:endParaRPr b="0" lang="en-US" sz="4400" spc="-1" strike="noStrike">
+            <a:endParaRPr b="0" lang="de-DE" sz="1800" spc="-1" strike="noStrike">
               <a:solidFill>
                 <a:srgbClr val="000000"/>
               </a:solidFill>
@@ -792,7 +786,7 @@
       </p:sp>
       <p:sp>
         <p:nvSpPr>
-          <p:cNvPr id="7" name="PlaceHolder 2"/>
+          <p:cNvPr id="5" name="PlaceHolder 2"/>
           <p:cNvSpPr>
             <a:spLocks noGrp="1"/>
           </p:cNvSpPr>
@@ -812,7 +806,7 @@
         <p:txBody>
           <a:bodyPr lIns="0" rIns="0" tIns="0" bIns="0"/>
           <a:p>
-            <a:endParaRPr b="0" lang="en-US" sz="3200" spc="-1" strike="noStrike">
+            <a:endParaRPr b="0" lang="de-DE" sz="1800" spc="-1" strike="noStrike">
               <a:solidFill>
                 <a:srgbClr val="000000"/>
               </a:solidFill>
@@ -828,7 +822,7 @@
       </p:sp>
       <p:sp>
         <p:nvSpPr>
-          <p:cNvPr id="8" name="PlaceHolder 3"/>
+          <p:cNvPr id="6" name="PlaceHolder 3"/>
           <p:cNvSpPr>
             <a:spLocks noGrp="1"/>
           </p:cNvSpPr>
@@ -848,7 +842,7 @@
         <p:txBody>
           <a:bodyPr lIns="0" rIns="0" tIns="0" bIns="0"/>
           <a:p>
-            <a:endParaRPr b="0" lang="en-US" sz="3200" spc="-1" strike="noStrike">
+            <a:endParaRPr b="0" lang="de-DE" sz="1800" spc="-1" strike="noStrike">
               <a:solidFill>
                 <a:srgbClr val="000000"/>
               </a:solidFill>
@@ -886,7 +880,7 @@
       </p:grpSpPr>
       <p:sp>
         <p:nvSpPr>
-          <p:cNvPr id="9" name="PlaceHolder 1"/>
+          <p:cNvPr id="7" name="PlaceHolder 1"/>
           <p:cNvSpPr>
             <a:spLocks noGrp="1"/>
           </p:cNvSpPr>
@@ -906,8 +900,7 @@
         <p:txBody>
           <a:bodyPr lIns="0" rIns="0" tIns="0" bIns="0" anchor="ctr"/>
           <a:p>
-            <a:pPr algn="ctr"/>
-            <a:endParaRPr b="0" lang="en-US" sz="4400" spc="-1" strike="noStrike">
+            <a:endParaRPr b="0" lang="de-DE" sz="1800" spc="-1" strike="noStrike">
               <a:solidFill>
                 <a:srgbClr val="000000"/>
               </a:solidFill>
@@ -945,7 +938,7 @@
       </p:grpSpPr>
       <p:sp>
         <p:nvSpPr>
-          <p:cNvPr id="10" name="PlaceHolder 1"/>
+          <p:cNvPr id="8" name="PlaceHolder 1"/>
           <p:cNvSpPr>
             <a:spLocks noGrp="1"/>
           </p:cNvSpPr>
@@ -1004,7 +997,7 @@
       </p:grpSpPr>
       <p:sp>
         <p:nvSpPr>
-          <p:cNvPr id="11" name="PlaceHolder 1"/>
+          <p:cNvPr id="9" name="PlaceHolder 1"/>
           <p:cNvSpPr>
             <a:spLocks noGrp="1"/>
           </p:cNvSpPr>
@@ -1024,8 +1017,7 @@
         <p:txBody>
           <a:bodyPr lIns="0" rIns="0" tIns="0" bIns="0" anchor="ctr"/>
           <a:p>
-            <a:pPr algn="ctr"/>
-            <a:endParaRPr b="0" lang="en-US" sz="4400" spc="-1" strike="noStrike">
+            <a:endParaRPr b="0" lang="de-DE" sz="1800" spc="-1" strike="noStrike">
               <a:solidFill>
                 <a:srgbClr val="000000"/>
               </a:solidFill>
@@ -1041,7 +1033,7 @@
       </p:sp>
       <p:sp>
         <p:nvSpPr>
-          <p:cNvPr id="12" name="PlaceHolder 2"/>
+          <p:cNvPr id="10" name="PlaceHolder 2"/>
           <p:cNvSpPr>
             <a:spLocks noGrp="1"/>
           </p:cNvSpPr>
@@ -1061,7 +1053,7 @@
         <p:txBody>
           <a:bodyPr lIns="0" rIns="0" tIns="0" bIns="0"/>
           <a:p>
-            <a:endParaRPr b="0" lang="en-US" sz="3200" spc="-1" strike="noStrike">
+            <a:endParaRPr b="0" lang="de-DE" sz="1800" spc="-1" strike="noStrike">
               <a:solidFill>
                 <a:srgbClr val="000000"/>
               </a:solidFill>
@@ -1077,7 +1069,7 @@
       </p:sp>
       <p:sp>
         <p:nvSpPr>
-          <p:cNvPr id="13" name="PlaceHolder 3"/>
+          <p:cNvPr id="11" name="PlaceHolder 3"/>
           <p:cNvSpPr>
             <a:spLocks noGrp="1"/>
           </p:cNvSpPr>
@@ -1097,7 +1089,7 @@
         <p:txBody>
           <a:bodyPr lIns="0" rIns="0" tIns="0" bIns="0"/>
           <a:p>
-            <a:endParaRPr b="0" lang="en-US" sz="3200" spc="-1" strike="noStrike">
+            <a:endParaRPr b="0" lang="de-DE" sz="1800" spc="-1" strike="noStrike">
               <a:solidFill>
                 <a:srgbClr val="000000"/>
               </a:solidFill>
@@ -1113,7 +1105,7 @@
       </p:sp>
       <p:sp>
         <p:nvSpPr>
-          <p:cNvPr id="14" name="PlaceHolder 4"/>
+          <p:cNvPr id="12" name="PlaceHolder 4"/>
           <p:cNvSpPr>
             <a:spLocks noGrp="1"/>
           </p:cNvSpPr>
@@ -1133,7 +1125,7 @@
         <p:txBody>
           <a:bodyPr lIns="0" rIns="0" tIns="0" bIns="0"/>
           <a:p>
-            <a:endParaRPr b="0" lang="en-US" sz="3200" spc="-1" strike="noStrike">
+            <a:endParaRPr b="0" lang="de-DE" sz="1800" spc="-1" strike="noStrike">
               <a:solidFill>
                 <a:srgbClr val="000000"/>
               </a:solidFill>
@@ -1171,7 +1163,7 @@
       </p:grpSpPr>
       <p:sp>
         <p:nvSpPr>
-          <p:cNvPr id="15" name="PlaceHolder 1"/>
+          <p:cNvPr id="13" name="PlaceHolder 1"/>
           <p:cNvSpPr>
             <a:spLocks noGrp="1"/>
           </p:cNvSpPr>
@@ -1191,8 +1183,7 @@
         <p:txBody>
           <a:bodyPr lIns="0" rIns="0" tIns="0" bIns="0" anchor="ctr"/>
           <a:p>
-            <a:pPr algn="ctr"/>
-            <a:endParaRPr b="0" lang="en-US" sz="4400" spc="-1" strike="noStrike">
+            <a:endParaRPr b="0" lang="de-DE" sz="1800" spc="-1" strike="noStrike">
               <a:solidFill>
                 <a:srgbClr val="000000"/>
               </a:solidFill>
@@ -1208,7 +1199,7 @@
       </p:sp>
       <p:sp>
         <p:nvSpPr>
-          <p:cNvPr id="16" name="PlaceHolder 2"/>
+          <p:cNvPr id="14" name="PlaceHolder 2"/>
           <p:cNvSpPr>
             <a:spLocks noGrp="1"/>
           </p:cNvSpPr>
@@ -1228,7 +1219,7 @@
         <p:txBody>
           <a:bodyPr lIns="0" rIns="0" tIns="0" bIns="0"/>
           <a:p>
-            <a:endParaRPr b="0" lang="en-US" sz="3200" spc="-1" strike="noStrike">
+            <a:endParaRPr b="0" lang="de-DE" sz="1800" spc="-1" strike="noStrike">
               <a:solidFill>
                 <a:srgbClr val="000000"/>
               </a:solidFill>
@@ -1244,7 +1235,7 @@
       </p:sp>
       <p:sp>
         <p:nvSpPr>
-          <p:cNvPr id="17" name="PlaceHolder 3"/>
+          <p:cNvPr id="15" name="PlaceHolder 3"/>
           <p:cNvSpPr>
             <a:spLocks noGrp="1"/>
           </p:cNvSpPr>
@@ -1264,7 +1255,7 @@
         <p:txBody>
           <a:bodyPr lIns="0" rIns="0" tIns="0" bIns="0"/>
           <a:p>
-            <a:endParaRPr b="0" lang="en-US" sz="3200" spc="-1" strike="noStrike">
+            <a:endParaRPr b="0" lang="de-DE" sz="1800" spc="-1" strike="noStrike">
               <a:solidFill>
                 <a:srgbClr val="000000"/>
               </a:solidFill>
@@ -1280,7 +1271,7 @@
       </p:sp>
       <p:sp>
         <p:nvSpPr>
-          <p:cNvPr id="18" name="PlaceHolder 4"/>
+          <p:cNvPr id="16" name="PlaceHolder 4"/>
           <p:cNvSpPr>
             <a:spLocks noGrp="1"/>
           </p:cNvSpPr>
@@ -1300,7 +1291,7 @@
         <p:txBody>
           <a:bodyPr lIns="0" rIns="0" tIns="0" bIns="0"/>
           <a:p>
-            <a:endParaRPr b="0" lang="en-US" sz="3200" spc="-1" strike="noStrike">
+            <a:endParaRPr b="0" lang="de-DE" sz="1800" spc="-1" strike="noStrike">
               <a:solidFill>
                 <a:srgbClr val="000000"/>
               </a:solidFill>
@@ -1338,7 +1329,7 @@
       </p:grpSpPr>
       <p:sp>
         <p:nvSpPr>
-          <p:cNvPr id="19" name="PlaceHolder 1"/>
+          <p:cNvPr id="17" name="PlaceHolder 1"/>
           <p:cNvSpPr>
             <a:spLocks noGrp="1"/>
           </p:cNvSpPr>
@@ -1358,8 +1349,7 @@
         <p:txBody>
           <a:bodyPr lIns="0" rIns="0" tIns="0" bIns="0" anchor="ctr"/>
           <a:p>
-            <a:pPr algn="ctr"/>
-            <a:endParaRPr b="0" lang="en-US" sz="4400" spc="-1" strike="noStrike">
+            <a:endParaRPr b="0" lang="de-DE" sz="1800" spc="-1" strike="noStrike">
               <a:solidFill>
                 <a:srgbClr val="000000"/>
               </a:solidFill>
@@ -1375,7 +1365,7 @@
       </p:sp>
       <p:sp>
         <p:nvSpPr>
-          <p:cNvPr id="20" name="PlaceHolder 2"/>
+          <p:cNvPr id="18" name="PlaceHolder 2"/>
           <p:cNvSpPr>
             <a:spLocks noGrp="1"/>
           </p:cNvSpPr>
@@ -1395,7 +1385,7 @@
         <p:txBody>
           <a:bodyPr lIns="0" rIns="0" tIns="0" bIns="0"/>
           <a:p>
-            <a:endParaRPr b="0" lang="en-US" sz="3200" spc="-1" strike="noStrike">
+            <a:endParaRPr b="0" lang="de-DE" sz="1800" spc="-1" strike="noStrike">
               <a:solidFill>
                 <a:srgbClr val="000000"/>
               </a:solidFill>
@@ -1411,7 +1401,7 @@
       </p:sp>
       <p:sp>
         <p:nvSpPr>
-          <p:cNvPr id="21" name="PlaceHolder 3"/>
+          <p:cNvPr id="19" name="PlaceHolder 3"/>
           <p:cNvSpPr>
             <a:spLocks noGrp="1"/>
           </p:cNvSpPr>
@@ -1431,7 +1421,7 @@
         <p:txBody>
           <a:bodyPr lIns="0" rIns="0" tIns="0" bIns="0"/>
           <a:p>
-            <a:endParaRPr b="0" lang="en-US" sz="3200" spc="-1" strike="noStrike">
+            <a:endParaRPr b="0" lang="de-DE" sz="1800" spc="-1" strike="noStrike">
               <a:solidFill>
                 <a:srgbClr val="000000"/>
               </a:solidFill>
@@ -1447,7 +1437,7 @@
       </p:sp>
       <p:sp>
         <p:nvSpPr>
-          <p:cNvPr id="22" name="PlaceHolder 4"/>
+          <p:cNvPr id="20" name="PlaceHolder 4"/>
           <p:cNvSpPr>
             <a:spLocks noGrp="1"/>
           </p:cNvSpPr>
@@ -1467,7 +1457,7 @@
         <p:txBody>
           <a:bodyPr lIns="0" rIns="0" tIns="0" bIns="0"/>
           <a:p>
-            <a:endParaRPr b="0" lang="en-US" sz="3200" spc="-1" strike="noStrike">
+            <a:endParaRPr b="0" lang="de-DE" sz="1800" spc="-1" strike="noStrike">
               <a:solidFill>
                 <a:srgbClr val="000000"/>
               </a:solidFill>
@@ -1510,367 +1500,6 @@
           <a:chExt cx="0" cy="0"/>
         </a:xfrm>
       </p:grpSpPr>
-      <p:sp>
-        <p:nvSpPr>
-          <p:cNvPr id="0" name="PlaceHolder 1"/>
-          <p:cNvSpPr>
-            <a:spLocks noGrp="1"/>
-          </p:cNvSpPr>
-          <p:nvPr>
-            <p:ph type="title"/>
-          </p:nvPr>
-        </p:nvSpPr>
-        <p:spPr>
-          <a:xfrm>
-            <a:off x="1513440" y="1707840"/>
-            <a:ext cx="27247320" cy="7148880"/>
-          </a:xfrm>
-          <a:prstGeom prst="rect">
-            <a:avLst/>
-          </a:prstGeom>
-        </p:spPr>
-        <p:txBody>
-          <a:bodyPr lIns="0" rIns="0" tIns="0" bIns="0" anchor="ctr"/>
-          <a:p>
-            <a:pPr algn="ctr"/>
-            <a:r>
-              <a:rPr b="0" lang="en-US" sz="4400" spc="-1" strike="noStrike">
-                <a:solidFill>
-                  <a:srgbClr val="000000"/>
-                </a:solidFill>
-                <a:uFill>
-                  <a:solidFill>
-                    <a:srgbClr val="ffffff"/>
-                  </a:solidFill>
-                </a:uFill>
-                <a:latin typeface="Arial"/>
-              </a:rPr>
-              <a:t>Click to </a:t>
-            </a:r>
-            <a:r>
-              <a:rPr b="0" lang="en-US" sz="4400" spc="-1" strike="noStrike">
-                <a:solidFill>
-                  <a:srgbClr val="000000"/>
-                </a:solidFill>
-                <a:uFill>
-                  <a:solidFill>
-                    <a:srgbClr val="ffffff"/>
-                  </a:solidFill>
-                </a:uFill>
-                <a:latin typeface="Arial"/>
-              </a:rPr>
-              <a:t>edit the </a:t>
-            </a:r>
-            <a:r>
-              <a:rPr b="0" lang="en-US" sz="4400" spc="-1" strike="noStrike">
-                <a:solidFill>
-                  <a:srgbClr val="000000"/>
-                </a:solidFill>
-                <a:uFill>
-                  <a:solidFill>
-                    <a:srgbClr val="ffffff"/>
-                  </a:solidFill>
-                </a:uFill>
-                <a:latin typeface="Arial"/>
-              </a:rPr>
-              <a:t>title text </a:t>
-            </a:r>
-            <a:r>
-              <a:rPr b="0" lang="en-US" sz="4400" spc="-1" strike="noStrike">
-                <a:solidFill>
-                  <a:srgbClr val="000000"/>
-                </a:solidFill>
-                <a:uFill>
-                  <a:solidFill>
-                    <a:srgbClr val="ffffff"/>
-                  </a:solidFill>
-                </a:uFill>
-                <a:latin typeface="Arial"/>
-              </a:rPr>
-              <a:t>format</a:t>
-            </a:r>
-            <a:endParaRPr b="0" lang="en-US" sz="4400" spc="-1" strike="noStrike">
-              <a:solidFill>
-                <a:srgbClr val="000000"/>
-              </a:solidFill>
-              <a:uFill>
-                <a:solidFill>
-                  <a:srgbClr val="ffffff"/>
-                </a:solidFill>
-              </a:uFill>
-              <a:latin typeface="Arial"/>
-            </a:endParaRPr>
-          </a:p>
-        </p:txBody>
-      </p:sp>
-      <p:sp>
-        <p:nvSpPr>
-          <p:cNvPr id="1" name="PlaceHolder 2"/>
-          <p:cNvSpPr>
-            <a:spLocks noGrp="1"/>
-          </p:cNvSpPr>
-          <p:nvPr>
-            <p:ph type="body"/>
-          </p:nvPr>
-        </p:nvSpPr>
-        <p:spPr>
-          <a:xfrm>
-            <a:off x="1513440" y="10017720"/>
-            <a:ext cx="27247320" cy="24830280"/>
-          </a:xfrm>
-          <a:prstGeom prst="rect">
-            <a:avLst/>
-          </a:prstGeom>
-        </p:spPr>
-        <p:txBody>
-          <a:bodyPr lIns="0" rIns="0" tIns="0" bIns="0"/>
-          <a:p>
-            <a:pPr marL="432000" indent="-324000">
-              <a:buClr>
-                <a:srgbClr val="000000"/>
-              </a:buClr>
-              <a:buSzPct val="45000"/>
-              <a:buFont typeface="Wingdings" charset="2"/>
-              <a:buChar char=""/>
-            </a:pPr>
-            <a:r>
-              <a:rPr b="0" lang="en-US" sz="3200" spc="-1" strike="noStrike">
-                <a:solidFill>
-                  <a:srgbClr val="000000"/>
-                </a:solidFill>
-                <a:uFill>
-                  <a:solidFill>
-                    <a:srgbClr val="ffffff"/>
-                  </a:solidFill>
-                </a:uFill>
-                <a:latin typeface="Arial"/>
-              </a:rPr>
-              <a:t>Click to edit the outline text format</a:t>
-            </a:r>
-            <a:endParaRPr b="0" lang="en-US" sz="3200" spc="-1" strike="noStrike">
-              <a:solidFill>
-                <a:srgbClr val="000000"/>
-              </a:solidFill>
-              <a:uFill>
-                <a:solidFill>
-                  <a:srgbClr val="ffffff"/>
-                </a:solidFill>
-              </a:uFill>
-              <a:latin typeface="Arial"/>
-            </a:endParaRPr>
-          </a:p>
-          <a:p>
-            <a:pPr lvl="1" marL="864000" indent="-324000">
-              <a:buClr>
-                <a:srgbClr val="000000"/>
-              </a:buClr>
-              <a:buSzPct val="75000"/>
-              <a:buFont typeface="Symbol" charset="2"/>
-              <a:buChar char=""/>
-            </a:pPr>
-            <a:r>
-              <a:rPr b="0" lang="en-US" sz="2800" spc="-1" strike="noStrike">
-                <a:solidFill>
-                  <a:srgbClr val="000000"/>
-                </a:solidFill>
-                <a:uFill>
-                  <a:solidFill>
-                    <a:srgbClr val="ffffff"/>
-                  </a:solidFill>
-                </a:uFill>
-                <a:latin typeface="Arial"/>
-              </a:rPr>
-              <a:t>Second Outline Level</a:t>
-            </a:r>
-            <a:endParaRPr b="0" lang="en-US" sz="2800" spc="-1" strike="noStrike">
-              <a:solidFill>
-                <a:srgbClr val="000000"/>
-              </a:solidFill>
-              <a:uFill>
-                <a:solidFill>
-                  <a:srgbClr val="ffffff"/>
-                </a:solidFill>
-              </a:uFill>
-              <a:latin typeface="Arial"/>
-            </a:endParaRPr>
-          </a:p>
-          <a:p>
-            <a:pPr lvl="2" marL="1296000" indent="-288000">
-              <a:buClr>
-                <a:srgbClr val="000000"/>
-              </a:buClr>
-              <a:buSzPct val="45000"/>
-              <a:buFont typeface="Wingdings" charset="2"/>
-              <a:buChar char=""/>
-            </a:pPr>
-            <a:r>
-              <a:rPr b="0" lang="en-US" sz="2400" spc="-1" strike="noStrike">
-                <a:solidFill>
-                  <a:srgbClr val="000000"/>
-                </a:solidFill>
-                <a:uFill>
-                  <a:solidFill>
-                    <a:srgbClr val="ffffff"/>
-                  </a:solidFill>
-                </a:uFill>
-                <a:latin typeface="Arial"/>
-              </a:rPr>
-              <a:t>Third Outline Level</a:t>
-            </a:r>
-            <a:endParaRPr b="0" lang="en-US" sz="2400" spc="-1" strike="noStrike">
-              <a:solidFill>
-                <a:srgbClr val="000000"/>
-              </a:solidFill>
-              <a:uFill>
-                <a:solidFill>
-                  <a:srgbClr val="ffffff"/>
-                </a:solidFill>
-              </a:uFill>
-              <a:latin typeface="Arial"/>
-            </a:endParaRPr>
-          </a:p>
-          <a:p>
-            <a:pPr lvl="3" marL="1728000" indent="-216000">
-              <a:buClr>
-                <a:srgbClr val="000000"/>
-              </a:buClr>
-              <a:buSzPct val="75000"/>
-              <a:buFont typeface="Symbol" charset="2"/>
-              <a:buChar char=""/>
-            </a:pPr>
-            <a:r>
-              <a:rPr b="0" lang="en-US" sz="2000" spc="-1" strike="noStrike">
-                <a:solidFill>
-                  <a:srgbClr val="000000"/>
-                </a:solidFill>
-                <a:uFill>
-                  <a:solidFill>
-                    <a:srgbClr val="ffffff"/>
-                  </a:solidFill>
-                </a:uFill>
-                <a:latin typeface="Arial"/>
-              </a:rPr>
-              <a:t>Fourth Outline Level</a:t>
-            </a:r>
-            <a:endParaRPr b="0" lang="en-US" sz="2000" spc="-1" strike="noStrike">
-              <a:solidFill>
-                <a:srgbClr val="000000"/>
-              </a:solidFill>
-              <a:uFill>
-                <a:solidFill>
-                  <a:srgbClr val="ffffff"/>
-                </a:solidFill>
-              </a:uFill>
-              <a:latin typeface="Arial"/>
-            </a:endParaRPr>
-          </a:p>
-          <a:p>
-            <a:pPr lvl="4" marL="2160000" indent="-216000">
-              <a:buClr>
-                <a:srgbClr val="000000"/>
-              </a:buClr>
-              <a:buSzPct val="45000"/>
-              <a:buFont typeface="Wingdings" charset="2"/>
-              <a:buChar char=""/>
-            </a:pPr>
-            <a:r>
-              <a:rPr b="0" lang="en-US" sz="2000" spc="-1" strike="noStrike">
-                <a:solidFill>
-                  <a:srgbClr val="000000"/>
-                </a:solidFill>
-                <a:uFill>
-                  <a:solidFill>
-                    <a:srgbClr val="ffffff"/>
-                  </a:solidFill>
-                </a:uFill>
-                <a:latin typeface="Arial"/>
-              </a:rPr>
-              <a:t>Fifth Outline Level</a:t>
-            </a:r>
-            <a:endParaRPr b="0" lang="en-US" sz="2000" spc="-1" strike="noStrike">
-              <a:solidFill>
-                <a:srgbClr val="000000"/>
-              </a:solidFill>
-              <a:uFill>
-                <a:solidFill>
-                  <a:srgbClr val="ffffff"/>
-                </a:solidFill>
-              </a:uFill>
-              <a:latin typeface="Arial"/>
-            </a:endParaRPr>
-          </a:p>
-          <a:p>
-            <a:pPr lvl="5" marL="2592000" indent="-216000">
-              <a:buClr>
-                <a:srgbClr val="000000"/>
-              </a:buClr>
-              <a:buSzPct val="45000"/>
-              <a:buFont typeface="Wingdings" charset="2"/>
-              <a:buChar char=""/>
-            </a:pPr>
-            <a:r>
-              <a:rPr b="0" lang="en-US" sz="2000" spc="-1" strike="noStrike">
-                <a:solidFill>
-                  <a:srgbClr val="000000"/>
-                </a:solidFill>
-                <a:uFill>
-                  <a:solidFill>
-                    <a:srgbClr val="ffffff"/>
-                  </a:solidFill>
-                </a:uFill>
-                <a:latin typeface="Arial"/>
-              </a:rPr>
-              <a:t>Sixth Outline Level</a:t>
-            </a:r>
-            <a:endParaRPr b="0" lang="en-US" sz="2000" spc="-1" strike="noStrike">
-              <a:solidFill>
-                <a:srgbClr val="000000"/>
-              </a:solidFill>
-              <a:uFill>
-                <a:solidFill>
-                  <a:srgbClr val="ffffff"/>
-                </a:solidFill>
-              </a:uFill>
-              <a:latin typeface="Arial"/>
-            </a:endParaRPr>
-          </a:p>
-          <a:p>
-            <a:pPr lvl="6" marL="3024000" indent="-216000">
-              <a:buClr>
-                <a:srgbClr val="000000"/>
-              </a:buClr>
-              <a:buSzPct val="45000"/>
-              <a:buFont typeface="Wingdings" charset="2"/>
-              <a:buChar char=""/>
-            </a:pPr>
-            <a:r>
-              <a:rPr b="0" lang="en-US" sz="2000" spc="-1" strike="noStrike">
-                <a:solidFill>
-                  <a:srgbClr val="000000"/>
-                </a:solidFill>
-                <a:uFill>
-                  <a:solidFill>
-                    <a:srgbClr val="ffffff"/>
-                  </a:solidFill>
-                </a:uFill>
-                <a:latin typeface="Arial"/>
-              </a:rPr>
-              <a:t>Seventh Outline Level</a:t>
-            </a:r>
-            <a:endParaRPr b="0" lang="en-US" sz="2000" spc="-1" strike="noStrike">
-              <a:solidFill>
-                <a:srgbClr val="000000"/>
-              </a:solidFill>
-              <a:uFill>
-                <a:solidFill>
-                  <a:srgbClr val="ffffff"/>
-                </a:solidFill>
-              </a:uFill>
-              <a:latin typeface="Arial"/>
-            </a:endParaRPr>
-          </a:p>
-        </p:txBody>
-      </p:sp>
     </p:spTree>
   </p:cSld>
   <p:clrMap bg1="lt1" bg2="lt2" tx1="dk1" tx2="dk2" accent1="accent1" accent2="accent2" accent3="accent3" accent4="accent4" accent5="accent5" accent6="accent6" hlink="hlink" folHlink="folHlink"/>
@@ -1910,14 +1539,14 @@
       </p:grpSpPr>
       <p:sp>
         <p:nvSpPr>
-          <p:cNvPr id="36" name="CustomShape 1"/>
+          <p:cNvPr id="34" name="CustomShape 1"/>
           <p:cNvSpPr/>
           <p:nvPr/>
         </p:nvSpPr>
         <p:spPr>
           <a:xfrm>
             <a:off x="0" y="41040360"/>
-            <a:ext cx="30265560" cy="1798560"/>
+            <a:ext cx="30265200" cy="1798200"/>
           </a:xfrm>
           <a:prstGeom prst="rect">
             <a:avLst/>
@@ -1962,7 +1591,7 @@
       </p:sp>
       <p:pic>
         <p:nvPicPr>
-          <p:cNvPr id="37" name="Grafik 8" descr=""/>
+          <p:cNvPr id="35" name="Grafik 8" descr=""/>
           <p:cNvPicPr/>
           <p:nvPr/>
         </p:nvPicPr>
@@ -1973,7 +1602,7 @@
         <p:spPr>
           <a:xfrm>
             <a:off x="0" y="3052080"/>
-            <a:ext cx="30213720" cy="6622560"/>
+            <a:ext cx="30213360" cy="6622200"/>
           </a:xfrm>
           <a:prstGeom prst="rect">
             <a:avLst/>
@@ -1985,14 +1614,14 @@
       </p:pic>
       <p:sp>
         <p:nvSpPr>
-          <p:cNvPr id="38" name="CustomShape 2"/>
+          <p:cNvPr id="36" name="CustomShape 2"/>
           <p:cNvSpPr/>
           <p:nvPr/>
         </p:nvSpPr>
         <p:spPr>
           <a:xfrm>
-            <a:off x="815760" y="44622720"/>
-            <a:ext cx="30273840" cy="1798560"/>
+            <a:off x="1181880" y="45019080"/>
+            <a:ext cx="30273480" cy="1798200"/>
           </a:xfrm>
           <a:prstGeom prst="rect">
             <a:avLst/>
@@ -2029,14 +1658,14 @@
       </p:sp>
       <p:sp>
         <p:nvSpPr>
-          <p:cNvPr id="39" name="CustomShape 3"/>
+          <p:cNvPr id="37" name="CustomShape 3"/>
           <p:cNvSpPr/>
           <p:nvPr/>
         </p:nvSpPr>
         <p:spPr>
           <a:xfrm>
             <a:off x="18739800" y="41436360"/>
-            <a:ext cx="10763280" cy="820440"/>
+            <a:ext cx="10762920" cy="820080"/>
           </a:xfrm>
           <a:prstGeom prst="rect">
             <a:avLst/>
@@ -2106,14 +1735,14 @@
       </p:sp>
       <p:sp>
         <p:nvSpPr>
-          <p:cNvPr id="40" name="CustomShape 4"/>
+          <p:cNvPr id="38" name="CustomShape 4"/>
           <p:cNvSpPr/>
           <p:nvPr/>
         </p:nvSpPr>
         <p:spPr>
           <a:xfrm>
             <a:off x="18298800" y="41622480"/>
-            <a:ext cx="718560" cy="483120"/>
+            <a:ext cx="718200" cy="482760"/>
           </a:xfrm>
           <a:prstGeom prst="rightArrow">
             <a:avLst>
@@ -2150,14 +1779,14 @@
       </p:sp>
       <p:sp>
         <p:nvSpPr>
-          <p:cNvPr id="41" name="CustomShape 5"/>
+          <p:cNvPr id="39" name="CustomShape 5"/>
           <p:cNvSpPr/>
           <p:nvPr/>
         </p:nvSpPr>
         <p:spPr>
           <a:xfrm>
             <a:off x="-19888200" y="3548880"/>
-            <a:ext cx="183240" cy="1352880"/>
+            <a:ext cx="182880" cy="1352520"/>
           </a:xfrm>
           <a:prstGeom prst="rect">
             <a:avLst/>
@@ -2176,7 +1805,7 @@
       </p:sp>
       <p:pic>
         <p:nvPicPr>
-          <p:cNvPr id="42" name="Grafik 62" descr=""/>
+          <p:cNvPr id="40" name="Grafik 62" descr=""/>
           <p:cNvPicPr/>
           <p:nvPr/>
         </p:nvPicPr>
@@ -2187,7 +1816,7 @@
         <p:spPr>
           <a:xfrm>
             <a:off x="15382800" y="22181400"/>
-            <a:ext cx="1607760" cy="547200"/>
+            <a:ext cx="1607400" cy="546840"/>
           </a:xfrm>
           <a:prstGeom prst="rect">
             <a:avLst/>
@@ -2199,7 +1828,7 @@
       </p:pic>
       <p:sp>
         <p:nvSpPr>
-          <p:cNvPr id="43" name="Line 6"/>
+          <p:cNvPr id="41" name="Line 6"/>
           <p:cNvSpPr/>
           <p:nvPr/>
         </p:nvSpPr>
@@ -2233,14 +1862,14 @@
       </p:sp>
       <p:sp>
         <p:nvSpPr>
-          <p:cNvPr id="44" name="CustomShape 7"/>
+          <p:cNvPr id="42" name="CustomShape 7"/>
           <p:cNvSpPr/>
           <p:nvPr/>
         </p:nvSpPr>
         <p:spPr>
           <a:xfrm>
             <a:off x="7589520" y="3052080"/>
-            <a:ext cx="21885480" cy="1003680"/>
+            <a:ext cx="21885120" cy="1003320"/>
           </a:xfrm>
           <a:prstGeom prst="rect">
             <a:avLst/>
@@ -2295,14 +1924,14 @@
       </p:sp>
       <p:sp>
         <p:nvSpPr>
-          <p:cNvPr id="45" name="CustomShape 8"/>
+          <p:cNvPr id="43" name="CustomShape 8"/>
           <p:cNvSpPr/>
           <p:nvPr/>
         </p:nvSpPr>
         <p:spPr>
           <a:xfrm>
             <a:off x="8321040" y="4389840"/>
-            <a:ext cx="21079440" cy="3600000"/>
+            <a:ext cx="21079080" cy="3599640"/>
           </a:xfrm>
           <a:prstGeom prst="rect">
             <a:avLst/>
@@ -2423,14 +2052,14 @@
       </p:sp>
       <p:sp>
         <p:nvSpPr>
-          <p:cNvPr id="46" name="CustomShape 9"/>
+          <p:cNvPr id="44" name="CustomShape 9"/>
           <p:cNvSpPr/>
           <p:nvPr/>
         </p:nvSpPr>
         <p:spPr>
           <a:xfrm>
             <a:off x="1217520" y="8121960"/>
-            <a:ext cx="28467000" cy="1308240"/>
+            <a:ext cx="28466640" cy="1307880"/>
           </a:xfrm>
           <a:prstGeom prst="rect">
             <a:avLst/>
@@ -2500,7 +2129,7 @@
                 <a:latin typeface="Arial"/>
                 <a:ea typeface="DejaVu Sans"/>
               </a:rPr>
-              <a:t>Dept. of Bioinformatics, Albert-Ludwigs University Freiburg, Germany</a:t>
+              <a:t>RNA Bioinformatics Center, University of Freiburg, Germany</a:t>
             </a:r>
             <a:endParaRPr b="0" lang="en-US" sz="1800" spc="-1" strike="noStrike">
               <a:solidFill>
@@ -2518,14 +2147,14 @@
       </p:sp>
       <p:sp>
         <p:nvSpPr>
-          <p:cNvPr id="47" name="CustomShape 10"/>
+          <p:cNvPr id="45" name="CustomShape 10"/>
           <p:cNvSpPr/>
           <p:nvPr/>
         </p:nvSpPr>
         <p:spPr>
           <a:xfrm>
             <a:off x="1031760" y="4754880"/>
-            <a:ext cx="6648120" cy="1613160"/>
+            <a:ext cx="6647760" cy="1612800"/>
           </a:xfrm>
           <a:prstGeom prst="rect">
             <a:avLst/>
@@ -2580,7 +2209,7 @@
       </p:sp>
       <p:pic>
         <p:nvPicPr>
-          <p:cNvPr id="48" name="Bild 1" descr=""/>
+          <p:cNvPr id="46" name="Bild 1" descr=""/>
           <p:cNvPicPr/>
           <p:nvPr/>
         </p:nvPicPr>
@@ -2591,7 +2220,7 @@
         <p:spPr>
           <a:xfrm>
             <a:off x="1153440" y="41258160"/>
-            <a:ext cx="1919160" cy="1330560"/>
+            <a:ext cx="1918800" cy="1330200"/>
           </a:xfrm>
           <a:prstGeom prst="rect">
             <a:avLst/>
@@ -2603,14 +2232,14 @@
       </p:pic>
       <p:sp>
         <p:nvSpPr>
-          <p:cNvPr id="49" name="CustomShape 11"/>
+          <p:cNvPr id="47" name="CustomShape 11"/>
           <p:cNvSpPr/>
           <p:nvPr/>
         </p:nvSpPr>
         <p:spPr>
           <a:xfrm flipH="1">
             <a:off x="6432480" y="41806440"/>
-            <a:ext cx="8021880" cy="394200"/>
+            <a:ext cx="8021520" cy="393840"/>
           </a:xfrm>
           <a:prstGeom prst="rect">
             <a:avLst/>
@@ -2665,14 +2294,14 @@
       </p:sp>
       <p:sp>
         <p:nvSpPr>
-          <p:cNvPr id="50" name="CustomShape 12"/>
+          <p:cNvPr id="48" name="CustomShape 12"/>
           <p:cNvSpPr/>
           <p:nvPr/>
         </p:nvSpPr>
         <p:spPr>
           <a:xfrm>
             <a:off x="1233360" y="10365480"/>
-            <a:ext cx="12598560" cy="1003680"/>
+            <a:ext cx="12598200" cy="1003320"/>
           </a:xfrm>
           <a:prstGeom prst="rect">
             <a:avLst/>
@@ -2729,14 +2358,14 @@
       </p:sp>
       <p:sp>
         <p:nvSpPr>
-          <p:cNvPr id="51" name="CustomShape 13"/>
+          <p:cNvPr id="49" name="CustomShape 13"/>
           <p:cNvSpPr/>
           <p:nvPr/>
         </p:nvSpPr>
         <p:spPr>
           <a:xfrm>
             <a:off x="16550640" y="24508080"/>
-            <a:ext cx="12598560" cy="1003680"/>
+            <a:ext cx="12598200" cy="1003320"/>
           </a:xfrm>
           <a:prstGeom prst="rect">
             <a:avLst/>
@@ -2793,14 +2422,14 @@
       </p:sp>
       <p:sp>
         <p:nvSpPr>
-          <p:cNvPr id="52" name="CustomShape 14"/>
+          <p:cNvPr id="50" name="CustomShape 14"/>
           <p:cNvSpPr/>
           <p:nvPr/>
         </p:nvSpPr>
         <p:spPr>
           <a:xfrm>
             <a:off x="1235160" y="22830120"/>
-            <a:ext cx="12598560" cy="1003680"/>
+            <a:ext cx="12598200" cy="1003320"/>
           </a:xfrm>
           <a:prstGeom prst="rect">
             <a:avLst/>
@@ -2857,14 +2486,14 @@
       </p:sp>
       <p:sp>
         <p:nvSpPr>
-          <p:cNvPr id="53" name="CustomShape 15"/>
+          <p:cNvPr id="51" name="CustomShape 15"/>
           <p:cNvSpPr/>
           <p:nvPr/>
         </p:nvSpPr>
         <p:spPr>
           <a:xfrm>
             <a:off x="1391400" y="35114760"/>
-            <a:ext cx="12598560" cy="1003680"/>
+            <a:ext cx="12598200" cy="1003320"/>
           </a:xfrm>
           <a:prstGeom prst="rect">
             <a:avLst/>
@@ -2921,14 +2550,14 @@
       </p:sp>
       <p:sp>
         <p:nvSpPr>
-          <p:cNvPr id="54" name="CustomShape 16"/>
+          <p:cNvPr id="52" name="CustomShape 16"/>
           <p:cNvSpPr/>
           <p:nvPr/>
         </p:nvSpPr>
         <p:spPr>
           <a:xfrm>
             <a:off x="1171440" y="24140160"/>
-            <a:ext cx="13715640" cy="1737000"/>
+            <a:ext cx="13715280" cy="2559960"/>
           </a:xfrm>
           <a:prstGeom prst="rect">
             <a:avLst/>
@@ -2965,7 +2594,7 @@
                 <a:latin typeface="Arial"/>
                 <a:ea typeface="DejaVu Sans"/>
               </a:rPr>
-              <a:t>Contribute to open source projects to create, distribute and maintain bioinformatics software in an easy way. To achieve these goals we contribute actively to </a:t>
+              <a:t>Contribute to Open Source projects to create, distribute and maintain bioinformatics software in an easy way but transparent and reproducible way. To achieve these goals we are co-leading projects like </a:t>
             </a:r>
             <a:r>
               <a:rPr b="1" lang="en-US" sz="3200" spc="-1" strike="noStrike">
@@ -3073,14 +2702,14 @@
       </p:sp>
       <p:sp>
         <p:nvSpPr>
-          <p:cNvPr id="55" name="CustomShape 17"/>
+          <p:cNvPr id="53" name="CustomShape 17"/>
           <p:cNvSpPr/>
           <p:nvPr/>
         </p:nvSpPr>
         <p:spPr>
           <a:xfrm>
             <a:off x="1554480" y="36366840"/>
-            <a:ext cx="12478320" cy="2037600"/>
+            <a:ext cx="12477960" cy="3976920"/>
           </a:xfrm>
           <a:prstGeom prst="rect">
             <a:avLst/>
@@ -3131,11 +2760,209 @@
               <a:latin typeface="Arial"/>
             </a:endParaRPr>
           </a:p>
+          <a:p>
+            <a:pPr>
+              <a:lnSpc>
+                <a:spcPct val="100000"/>
+              </a:lnSpc>
+            </a:pPr>
+            <a:endParaRPr b="0" lang="en-US" sz="1800" spc="-1" strike="noStrike">
+              <a:solidFill>
+                <a:srgbClr val="000000"/>
+              </a:solidFill>
+              <a:uFill>
+                <a:solidFill>
+                  <a:srgbClr val="ffffff"/>
+                </a:solidFill>
+              </a:uFill>
+              <a:latin typeface="Arial"/>
+            </a:endParaRPr>
+          </a:p>
+          <a:p>
+            <a:pPr algn="just">
+              <a:lnSpc>
+                <a:spcPct val="100000"/>
+              </a:lnSpc>
+            </a:pPr>
+            <a:r>
+              <a:rPr b="0" lang="en-US" sz="1800" spc="-1" strike="noStrike">
+                <a:solidFill>
+                  <a:srgbClr val="000000"/>
+                </a:solidFill>
+                <a:uFill>
+                  <a:solidFill>
+                    <a:srgbClr val="ffffff"/>
+                  </a:solidFill>
+                </a:uFill>
+                <a:latin typeface="Arial"/>
+                <a:ea typeface="DejaVu Sans"/>
+              </a:rPr>
+              <a:t>Tools and data services registry: a community effort to document bioinformatics resources.</a:t>
+            </a:r>
+            <a:endParaRPr b="0" lang="en-US" sz="1800" spc="-1" strike="noStrike">
+              <a:solidFill>
+                <a:srgbClr val="000000"/>
+              </a:solidFill>
+              <a:uFill>
+                <a:solidFill>
+                  <a:srgbClr val="ffffff"/>
+                </a:solidFill>
+              </a:uFill>
+              <a:latin typeface="Arial"/>
+            </a:endParaRPr>
+          </a:p>
+          <a:p>
+            <a:pPr algn="just">
+              <a:lnSpc>
+                <a:spcPct val="100000"/>
+              </a:lnSpc>
+            </a:pPr>
+            <a:r>
+              <a:rPr b="0" lang="en-US" sz="1800" spc="-1" strike="noStrike">
+                <a:solidFill>
+                  <a:srgbClr val="000000"/>
+                </a:solidFill>
+                <a:uFill>
+                  <a:solidFill>
+                    <a:srgbClr val="ffffff"/>
+                  </a:solidFill>
+                </a:uFill>
+                <a:latin typeface="Arial"/>
+                <a:ea typeface="DejaVu Sans"/>
+              </a:rPr>
+              <a:t>    </a:t>
+            </a:r>
+            <a:r>
+              <a:rPr b="0" lang="en-US" sz="1800" spc="-1" strike="noStrike">
+                <a:solidFill>
+                  <a:srgbClr val="000000"/>
+                </a:solidFill>
+                <a:uFill>
+                  <a:solidFill>
+                    <a:srgbClr val="ffffff"/>
+                  </a:solidFill>
+                </a:uFill>
+                <a:latin typeface="Arial"/>
+                <a:ea typeface="DejaVu Sans"/>
+              </a:rPr>
+              <a:t>doi: 10.1093/nar/gkv1116</a:t>
+            </a:r>
+            <a:endParaRPr b="0" lang="en-US" sz="1800" spc="-1" strike="noStrike">
+              <a:solidFill>
+                <a:srgbClr val="000000"/>
+              </a:solidFill>
+              <a:uFill>
+                <a:solidFill>
+                  <a:srgbClr val="ffffff"/>
+                </a:solidFill>
+              </a:uFill>
+              <a:latin typeface="Arial"/>
+            </a:endParaRPr>
+          </a:p>
+          <a:p>
+            <a:pPr algn="just">
+              <a:lnSpc>
+                <a:spcPct val="100000"/>
+              </a:lnSpc>
+            </a:pPr>
+            <a:r>
+              <a:rPr b="0" lang="en-US" sz="1800" spc="-1" strike="noStrike">
+                <a:solidFill>
+                  <a:srgbClr val="000000"/>
+                </a:solidFill>
+                <a:uFill>
+                  <a:solidFill>
+                    <a:srgbClr val="ffffff"/>
+                  </a:solidFill>
+                </a:uFill>
+                <a:latin typeface="Arial"/>
+                <a:ea typeface="DejaVu Sans"/>
+              </a:rPr>
+              <a:t>The Galaxy platform for accessible, reproducible and collaborative biomedical analyses: 2016 update.</a:t>
+            </a:r>
+            <a:endParaRPr b="0" lang="en-US" sz="1800" spc="-1" strike="noStrike">
+              <a:solidFill>
+                <a:srgbClr val="000000"/>
+              </a:solidFill>
+              <a:uFill>
+                <a:solidFill>
+                  <a:srgbClr val="ffffff"/>
+                </a:solidFill>
+              </a:uFill>
+              <a:latin typeface="Arial"/>
+            </a:endParaRPr>
+          </a:p>
+          <a:p>
+            <a:pPr algn="just">
+              <a:lnSpc>
+                <a:spcPct val="100000"/>
+              </a:lnSpc>
+            </a:pPr>
+            <a:r>
+              <a:rPr b="0" lang="en-US" sz="1800" spc="-1" strike="noStrike">
+                <a:solidFill>
+                  <a:srgbClr val="000000"/>
+                </a:solidFill>
+                <a:uFill>
+                  <a:solidFill>
+                    <a:srgbClr val="ffffff"/>
+                  </a:solidFill>
+                </a:uFill>
+                <a:latin typeface="Arial"/>
+                <a:ea typeface="DejaVu Sans"/>
+              </a:rPr>
+              <a:t>    </a:t>
+            </a:r>
+            <a:r>
+              <a:rPr b="0" lang="en-US" sz="1800" spc="-1" strike="noStrike">
+                <a:solidFill>
+                  <a:srgbClr val="000000"/>
+                </a:solidFill>
+                <a:uFill>
+                  <a:solidFill>
+                    <a:srgbClr val="ffffff"/>
+                  </a:solidFill>
+                </a:uFill>
+                <a:latin typeface="Arial"/>
+                <a:ea typeface="DejaVu Sans"/>
+              </a:rPr>
+              <a:t>doi: 10.1093/nar/gkw343</a:t>
+            </a:r>
+            <a:endParaRPr b="0" lang="en-US" sz="1800" spc="-1" strike="noStrike">
+              <a:solidFill>
+                <a:srgbClr val="000000"/>
+              </a:solidFill>
+              <a:uFill>
+                <a:solidFill>
+                  <a:srgbClr val="ffffff"/>
+                </a:solidFill>
+              </a:uFill>
+              <a:latin typeface="Arial"/>
+            </a:endParaRPr>
+          </a:p>
+          <a:p>
+            <a:pPr>
+              <a:lnSpc>
+                <a:spcPct val="100000"/>
+              </a:lnSpc>
+            </a:pPr>
+            <a:endParaRPr b="0" lang="en-US" sz="1800" spc="-1" strike="noStrike">
+              <a:solidFill>
+                <a:srgbClr val="000000"/>
+              </a:solidFill>
+              <a:uFill>
+                <a:solidFill>
+                  <a:srgbClr val="ffffff"/>
+                </a:solidFill>
+              </a:uFill>
+              <a:latin typeface="Arial"/>
+            </a:endParaRPr>
+          </a:p>
         </p:txBody>
       </p:sp>
       <p:pic>
         <p:nvPicPr>
-          <p:cNvPr id="56" name="Grafik 6" descr=""/>
+          <p:cNvPr id="54" name="Grafik 6" descr=""/>
           <p:cNvPicPr/>
           <p:nvPr/>
         </p:nvPicPr>
@@ -3146,7 +2973,7 @@
         <p:spPr>
           <a:xfrm>
             <a:off x="3367800" y="41294160"/>
-            <a:ext cx="1851480" cy="1258560"/>
+            <a:ext cx="1851120" cy="1258200"/>
           </a:xfrm>
           <a:prstGeom prst="rect">
             <a:avLst/>
@@ -3158,14 +2985,14 @@
       </p:pic>
       <p:sp>
         <p:nvSpPr>
-          <p:cNvPr id="57" name="CustomShape 18"/>
+          <p:cNvPr id="55" name="CustomShape 18"/>
           <p:cNvSpPr/>
           <p:nvPr/>
         </p:nvSpPr>
         <p:spPr>
           <a:xfrm>
             <a:off x="16598160" y="10379160"/>
-            <a:ext cx="12598560" cy="1003680"/>
+            <a:ext cx="12598200" cy="1003320"/>
           </a:xfrm>
           <a:prstGeom prst="rect">
             <a:avLst/>
@@ -3237,7 +3064,7 @@
       </p:sp>
       <p:pic>
         <p:nvPicPr>
-          <p:cNvPr id="58" name="Grafik 3" descr=""/>
+          <p:cNvPr id="56" name="Grafik 3" descr=""/>
           <p:cNvPicPr/>
           <p:nvPr/>
         </p:nvPicPr>
@@ -3248,7 +3075,7 @@
         <p:spPr>
           <a:xfrm>
             <a:off x="1230840" y="533880"/>
-            <a:ext cx="8205840" cy="2158560"/>
+            <a:ext cx="8205480" cy="2158200"/>
           </a:xfrm>
           <a:prstGeom prst="rect">
             <a:avLst/>
@@ -3260,7 +3087,7 @@
       </p:pic>
       <p:pic>
         <p:nvPicPr>
-          <p:cNvPr id="59" name="Grafik 14" descr=""/>
+          <p:cNvPr id="57" name="Grafik 14" descr=""/>
           <p:cNvPicPr/>
           <p:nvPr/>
         </p:nvPicPr>
@@ -3271,7 +3098,7 @@
         <p:spPr>
           <a:xfrm>
             <a:off x="27463320" y="40115880"/>
-            <a:ext cx="2230560" cy="2230560"/>
+            <a:ext cx="2230200" cy="2230200"/>
           </a:xfrm>
           <a:prstGeom prst="rect">
             <a:avLst/>
@@ -3283,14 +3110,14 @@
       </p:pic>
       <p:sp>
         <p:nvSpPr>
-          <p:cNvPr id="60" name="CustomShape 19"/>
+          <p:cNvPr id="58" name="CustomShape 19"/>
           <p:cNvSpPr/>
           <p:nvPr/>
         </p:nvSpPr>
         <p:spPr>
           <a:xfrm>
             <a:off x="3202560" y="11963520"/>
-            <a:ext cx="461880" cy="1094760"/>
+            <a:ext cx="461520" cy="1094400"/>
           </a:xfrm>
           <a:prstGeom prst="rect">
             <a:avLst/>
@@ -3309,14 +3136,14 @@
       </p:sp>
       <p:sp>
         <p:nvSpPr>
-          <p:cNvPr id="61" name="CustomShape 20"/>
+          <p:cNvPr id="59" name="CustomShape 20"/>
           <p:cNvSpPr/>
           <p:nvPr/>
         </p:nvSpPr>
         <p:spPr>
           <a:xfrm>
             <a:off x="1280160" y="11704320"/>
-            <a:ext cx="12526200" cy="1644840"/>
+            <a:ext cx="12525840" cy="1644480"/>
           </a:xfrm>
           <a:prstGeom prst="rect">
             <a:avLst/>
@@ -3335,6 +3162,11 @@
         <p:txBody>
           <a:bodyPr lIns="90000" rIns="90000" tIns="45000" bIns="45000"/>
           <a:p>
+            <a:pPr>
+              <a:lnSpc>
+                <a:spcPct val="100000"/>
+              </a:lnSpc>
+            </a:pPr>
             <a:r>
               <a:rPr b="0" lang="en-US" sz="3200" spc="-1" strike="noStrike">
                 <a:solidFill>
@@ -3456,7 +3288,7 @@
       </p:sp>
       <p:pic>
         <p:nvPicPr>
-          <p:cNvPr id="62" name="Grafik 70" descr=""/>
+          <p:cNvPr id="60" name="Grafik 70" descr=""/>
           <p:cNvPicPr/>
           <p:nvPr/>
         </p:nvPicPr>
@@ -3467,7 +3299,7 @@
         <p:spPr>
           <a:xfrm>
             <a:off x="21022200" y="293400"/>
-            <a:ext cx="2562480" cy="2562480"/>
+            <a:ext cx="2562120" cy="2562120"/>
           </a:xfrm>
           <a:prstGeom prst="rect">
             <a:avLst/>
@@ -3479,7 +3311,7 @@
       </p:pic>
       <p:pic>
         <p:nvPicPr>
-          <p:cNvPr id="63" name="Grafik 59" descr=""/>
+          <p:cNvPr id="61" name="Grafik 59" descr=""/>
           <p:cNvPicPr/>
           <p:nvPr/>
         </p:nvPicPr>
@@ -3490,7 +3322,7 @@
         <p:spPr>
           <a:xfrm>
             <a:off x="23715000" y="784080"/>
-            <a:ext cx="1928880" cy="1918440"/>
+            <a:ext cx="1928520" cy="1918080"/>
           </a:xfrm>
           <a:prstGeom prst="rect">
             <a:avLst/>
@@ -3502,7 +3334,7 @@
       </p:pic>
       <p:pic>
         <p:nvPicPr>
-          <p:cNvPr id="64" name="Grafik 58" descr=""/>
+          <p:cNvPr id="62" name="Grafik 58" descr=""/>
           <p:cNvPicPr/>
           <p:nvPr/>
         </p:nvPicPr>
@@ -3513,7 +3345,7 @@
         <p:spPr>
           <a:xfrm>
             <a:off x="26007480" y="763920"/>
-            <a:ext cx="3787920" cy="1644120"/>
+            <a:ext cx="3787560" cy="1643760"/>
           </a:xfrm>
           <a:prstGeom prst="rect">
             <a:avLst/>
@@ -3525,7 +3357,7 @@
       </p:pic>
       <p:pic>
         <p:nvPicPr>
-          <p:cNvPr id="65" name="" descr=""/>
+          <p:cNvPr id="63" name="Grafik 64" descr=""/>
           <p:cNvPicPr/>
           <p:nvPr/>
         </p:nvPicPr>
@@ -3535,8 +3367,8 @@
         </p:blipFill>
         <p:spPr>
           <a:xfrm>
-            <a:off x="5699160" y="26243280"/>
-            <a:ext cx="3810240" cy="822600"/>
+            <a:off x="5699160" y="26908560"/>
+            <a:ext cx="3809880" cy="822240"/>
           </a:xfrm>
           <a:prstGeom prst="rect">
             <a:avLst/>
@@ -3548,7 +3380,7 @@
       </p:pic>
       <p:pic>
         <p:nvPicPr>
-          <p:cNvPr id="66" name="" descr=""/>
+          <p:cNvPr id="64" name="Grafik 65" descr=""/>
           <p:cNvPicPr/>
           <p:nvPr/>
         </p:nvPicPr>
@@ -3558,8 +3390,8 @@
         </p:blipFill>
         <p:spPr>
           <a:xfrm>
-            <a:off x="1306080" y="26391600"/>
-            <a:ext cx="3374280" cy="548280"/>
+            <a:off x="1306080" y="27056880"/>
+            <a:ext cx="3373920" cy="547920"/>
           </a:xfrm>
           <a:prstGeom prst="rect">
             <a:avLst/>
@@ -3571,7 +3403,7 @@
       </p:pic>
       <p:pic>
         <p:nvPicPr>
-          <p:cNvPr id="67" name="" descr=""/>
+          <p:cNvPr id="65" name="Grafik 66" descr=""/>
           <p:cNvPicPr/>
           <p:nvPr/>
         </p:nvPicPr>
@@ -3582,7 +3414,7 @@
         <p:spPr>
           <a:xfrm>
             <a:off x="21945960" y="12480840"/>
-            <a:ext cx="6034680" cy="4200840"/>
+            <a:ext cx="6034320" cy="4200480"/>
           </a:xfrm>
           <a:prstGeom prst="rect">
             <a:avLst/>
@@ -3594,7 +3426,7 @@
       </p:pic>
       <p:pic>
         <p:nvPicPr>
-          <p:cNvPr id="68" name="" descr=""/>
+          <p:cNvPr id="66" name="Grafik 67" descr=""/>
           <p:cNvPicPr/>
           <p:nvPr/>
         </p:nvPicPr>
@@ -3605,7 +3437,7 @@
         <p:spPr>
           <a:xfrm>
             <a:off x="16435080" y="18470880"/>
-            <a:ext cx="5784840" cy="3931920"/>
+            <a:ext cx="5784480" cy="3931560"/>
           </a:xfrm>
           <a:prstGeom prst="rect">
             <a:avLst/>
@@ -3617,14 +3449,14 @@
       </p:pic>
       <p:sp>
         <p:nvSpPr>
-          <p:cNvPr id="69" name="CustomShape 21"/>
+          <p:cNvPr id="67" name="CustomShape 21"/>
           <p:cNvSpPr/>
           <p:nvPr/>
         </p:nvSpPr>
         <p:spPr>
           <a:xfrm>
-            <a:off x="16550640" y="26700480"/>
-            <a:ext cx="12103920" cy="5446440"/>
+            <a:off x="16699680" y="29038680"/>
+            <a:ext cx="12103560" cy="5446080"/>
           </a:xfrm>
           <a:prstGeom prst="rect">
             <a:avLst/>
@@ -3643,7 +3475,7 @@
         <p:txBody>
           <a:bodyPr lIns="90000" rIns="90000" tIns="45000" bIns="45000"/>
           <a:p>
-            <a:pPr marL="216000" indent="-214920">
+            <a:pPr marL="216000" indent="-214560">
               <a:lnSpc>
                 <a:spcPct val="115000"/>
               </a:lnSpc>
@@ -3666,6 +3498,21 @@
                 <a:latin typeface="Arial"/>
                 <a:ea typeface="DejaVu Sans"/>
               </a:rPr>
+              <a:t> </a:t>
+            </a:r>
+            <a:r>
+              <a:rPr b="0" lang="en-US" sz="3200" spc="-1" strike="noStrike">
+                <a:solidFill>
+                  <a:srgbClr val="000000"/>
+                </a:solidFill>
+                <a:uFill>
+                  <a:solidFill>
+                    <a:srgbClr val="ffffff"/>
+                  </a:solidFill>
+                </a:uFill>
+                <a:latin typeface="Arial"/>
+                <a:ea typeface="DejaVu Sans"/>
+              </a:rPr>
               <a:t>Two one week training courses on NGS-data analysis in 2016 with ~30 participants each</a:t>
             </a:r>
             <a:endParaRPr b="0" lang="en-US" sz="1800" spc="-1" strike="noStrike">
@@ -3681,7 +3528,7 @@
             </a:endParaRPr>
           </a:p>
           <a:p>
-            <a:pPr marL="216000" indent="-214920">
+            <a:pPr marL="216000" indent="-214560">
               <a:lnSpc>
                 <a:spcPct val="115000"/>
               </a:lnSpc>
@@ -3704,7 +3551,153 @@
                 <a:latin typeface="Arial"/>
                 <a:ea typeface="DejaVu Sans"/>
               </a:rPr>
-              <a:t>One RNA-seq course in December </a:t>
+              <a:t> </a:t>
+            </a:r>
+            <a:r>
+              <a:rPr b="0" lang="en-US" sz="1800" spc="-1" strike="noStrike">
+                <a:solidFill>
+                  <a:srgbClr val="000000"/>
+                </a:solidFill>
+                <a:uFill>
+                  <a:solidFill>
+                    <a:srgbClr val="ffffff"/>
+                  </a:solidFill>
+                </a:uFill>
+                <a:latin typeface="Arial"/>
+                <a:ea typeface="DejaVu Sans"/>
+              </a:rPr>
+              <a:t>02</a:t>
+            </a:r>
+            <a:r>
+              <a:rPr b="0" lang="en-US" sz="1800" spc="-1" strike="noStrike" baseline="30000">
+                <a:solidFill>
+                  <a:srgbClr val="000000"/>
+                </a:solidFill>
+                <a:uFill>
+                  <a:solidFill>
+                    <a:srgbClr val="ffffff"/>
+                  </a:solidFill>
+                </a:uFill>
+                <a:latin typeface="Arial"/>
+                <a:ea typeface="DejaVu Sans"/>
+              </a:rPr>
+              <a:t>nd </a:t>
+            </a:r>
+            <a:r>
+              <a:rPr b="0" lang="en-US" sz="1800" spc="-1" strike="noStrike">
+                <a:solidFill>
+                  <a:srgbClr val="000000"/>
+                </a:solidFill>
+                <a:uFill>
+                  <a:solidFill>
+                    <a:srgbClr val="ffffff"/>
+                  </a:solidFill>
+                </a:uFill>
+                <a:latin typeface="Arial"/>
+                <a:ea typeface="DejaVu Sans"/>
+              </a:rPr>
+              <a:t>– 03</a:t>
+            </a:r>
+            <a:r>
+              <a:rPr b="0" lang="en-US" sz="1800" spc="-1" strike="noStrike" baseline="30000">
+                <a:solidFill>
+                  <a:srgbClr val="000000"/>
+                </a:solidFill>
+                <a:uFill>
+                  <a:solidFill>
+                    <a:srgbClr val="ffffff"/>
+                  </a:solidFill>
+                </a:uFill>
+                <a:latin typeface="Arial"/>
+                <a:ea typeface="DejaVu Sans"/>
+              </a:rPr>
+              <a:t>rd</a:t>
+            </a:r>
+            <a:r>
+              <a:rPr b="0" lang="en-US" sz="1800" spc="-1" strike="noStrike">
+                <a:solidFill>
+                  <a:srgbClr val="000000"/>
+                </a:solidFill>
+                <a:uFill>
+                  <a:solidFill>
+                    <a:srgbClr val="ffffff"/>
+                  </a:solidFill>
+                </a:uFill>
+                <a:latin typeface="Arial"/>
+                <a:ea typeface="DejaVu Sans"/>
+              </a:rPr>
+              <a:t> Nov 2016  BioConda</a:t>
+            </a:r>
+            <a:endParaRPr b="0" lang="en-US" sz="1800" spc="-1" strike="noStrike">
+              <a:solidFill>
+                <a:srgbClr val="000000"/>
+              </a:solidFill>
+              <a:uFill>
+                <a:solidFill>
+                  <a:srgbClr val="ffffff"/>
+                </a:solidFill>
+              </a:uFill>
+              <a:latin typeface="Arial"/>
+            </a:endParaRPr>
+          </a:p>
+          <a:p>
+            <a:pPr marL="1080">
+              <a:lnSpc>
+                <a:spcPct val="115000"/>
+              </a:lnSpc>
+            </a:pPr>
+            <a:endParaRPr b="0" lang="en-US" sz="1800" spc="-1" strike="noStrike">
+              <a:solidFill>
+                <a:srgbClr val="000000"/>
+              </a:solidFill>
+              <a:uFill>
+                <a:solidFill>
+                  <a:srgbClr val="ffffff"/>
+                </a:solidFill>
+              </a:uFill>
+              <a:latin typeface="Arial"/>
+            </a:endParaRPr>
+          </a:p>
+          <a:p>
+            <a:pPr marL="216000" indent="-214560">
+              <a:lnSpc>
+                <a:spcPct val="115000"/>
+              </a:lnSpc>
+              <a:buClr>
+                <a:srgbClr val="000000"/>
+              </a:buClr>
+              <a:buFont typeface="Symbol"/>
+              <a:buChar char=""/>
+            </a:pPr>
+            <a:r>
+              <a:rPr b="0" lang="en-US" sz="3200" spc="-1" strike="noStrike">
+                <a:solidFill>
+                  <a:srgbClr val="000000"/>
+                </a:solidFill>
+                <a:uFill>
+                  <a:solidFill>
+                    <a:srgbClr val="ffffff"/>
+                  </a:solidFill>
+                </a:uFill>
+                <a:latin typeface="Arial"/>
+                <a:ea typeface="DejaVu Sans"/>
+              </a:rPr>
+              <a:t> </a:t>
+            </a:r>
+            <a:r>
+              <a:rPr b="0" lang="en-US" sz="3200" spc="-1" strike="noStrike">
+                <a:solidFill>
+                  <a:srgbClr val="000000"/>
+                </a:solidFill>
+                <a:uFill>
+                  <a:solidFill>
+                    <a:srgbClr val="ffffff"/>
+                  </a:solidFill>
+                </a:uFill>
+                <a:latin typeface="Arial"/>
+                <a:ea typeface="DejaVu Sans"/>
+              </a:rPr>
+              <a:t>One RNA-seq course in December</a:t>
             </a:r>
             <a:endParaRPr b="0" lang="en-US" sz="1800" spc="-1" strike="noStrike">
               <a:solidFill>
@@ -3722,14 +3715,14 @@
       </p:sp>
       <p:sp>
         <p:nvSpPr>
-          <p:cNvPr id="70" name="CustomShape 22"/>
+          <p:cNvPr id="68" name="CustomShape 22"/>
           <p:cNvSpPr/>
           <p:nvPr/>
         </p:nvSpPr>
         <p:spPr>
           <a:xfrm>
             <a:off x="16516080" y="11521440"/>
-            <a:ext cx="12744360" cy="4736160"/>
+            <a:ext cx="12744000" cy="5491440"/>
           </a:xfrm>
           <a:prstGeom prst="rect">
             <a:avLst/>
@@ -3766,7 +3759,7 @@
                 <a:latin typeface="Arial"/>
                 <a:ea typeface="DejaVu Sans"/>
               </a:rPr>
-              <a:t>Integration of software to Galaxy to provide easy access for epigentic analysis software:</a:t>
+              <a:t>Maintenance and Integration of software into Galaxy to provide easy access for epigentic analysis software:</a:t>
             </a:r>
             <a:endParaRPr b="0" lang="en-US" sz="1800" spc="-1" strike="noStrike">
               <a:solidFill>
@@ -3799,7 +3792,7 @@
             </a:endParaRPr>
           </a:p>
           <a:p>
-            <a:pPr marL="216000" indent="-214920">
+            <a:pPr marL="216000" indent="-214560">
               <a:lnSpc>
                 <a:spcPct val="115000"/>
               </a:lnSpc>
@@ -3822,6 +3815,21 @@
                 <a:latin typeface="Arial"/>
                 <a:ea typeface="DejaVu Sans"/>
               </a:rPr>
+              <a:t> </a:t>
+            </a:r>
+            <a:r>
+              <a:rPr b="0" lang="en-US" sz="3200" spc="-1" strike="noStrike">
+                <a:solidFill>
+                  <a:srgbClr val="000000"/>
+                </a:solidFill>
+                <a:uFill>
+                  <a:solidFill>
+                    <a:srgbClr val="ffffff"/>
+                  </a:solidFill>
+                </a:uFill>
+                <a:latin typeface="Arial"/>
+                <a:ea typeface="DejaVu Sans"/>
+              </a:rPr>
               <a:t>HiCExplorer</a:t>
             </a:r>
             <a:endParaRPr b="0" lang="en-US" sz="1800" spc="-1" strike="noStrike">
@@ -3837,7 +3845,7 @@
             </a:endParaRPr>
           </a:p>
           <a:p>
-            <a:pPr marL="216000" indent="-214920">
+            <a:pPr marL="216000" indent="-214560">
               <a:lnSpc>
                 <a:spcPct val="115000"/>
               </a:lnSpc>
@@ -3860,22 +3868,37 @@
                 <a:latin typeface="Arial"/>
                 <a:ea typeface="DejaVu Sans"/>
               </a:rPr>
-              <a:t>DeepTools</a:t>
-            </a:r>
-            <a:endParaRPr b="0" lang="en-US" sz="1800" spc="-1" strike="noStrike">
-              <a:solidFill>
-                <a:srgbClr val="000000"/>
-              </a:solidFill>
-              <a:uFill>
-                <a:solidFill>
-                  <a:srgbClr val="ffffff"/>
-                </a:solidFill>
-              </a:uFill>
-              <a:latin typeface="Arial"/>
-            </a:endParaRPr>
-          </a:p>
-          <a:p>
-            <a:pPr marL="216000" indent="-214920">
+              <a:t> </a:t>
+            </a:r>
+            <a:r>
+              <a:rPr b="0" lang="en-US" sz="3200" spc="-1" strike="noStrike">
+                <a:solidFill>
+                  <a:srgbClr val="000000"/>
+                </a:solidFill>
+                <a:uFill>
+                  <a:solidFill>
+                    <a:srgbClr val="ffffff"/>
+                  </a:solidFill>
+                </a:uFill>
+                <a:latin typeface="Arial"/>
+                <a:ea typeface="DejaVu Sans"/>
+              </a:rPr>
+              <a:t>deepTools</a:t>
+            </a:r>
+            <a:endParaRPr b="0" lang="en-US" sz="1800" spc="-1" strike="noStrike">
+              <a:solidFill>
+                <a:srgbClr val="000000"/>
+              </a:solidFill>
+              <a:uFill>
+                <a:solidFill>
+                  <a:srgbClr val="ffffff"/>
+                </a:solidFill>
+              </a:uFill>
+              <a:latin typeface="Arial"/>
+            </a:endParaRPr>
+          </a:p>
+          <a:p>
+            <a:pPr marL="216000" indent="-214560">
               <a:lnSpc>
                 <a:spcPct val="115000"/>
               </a:lnSpc>
@@ -3898,6 +3921,21 @@
                 <a:latin typeface="Arial"/>
                 <a:ea typeface="DejaVu Sans"/>
               </a:rPr>
+              <a:t> </a:t>
+            </a:r>
+            <a:r>
+              <a:rPr b="0" lang="en-US" sz="3200" spc="-1" strike="noStrike">
+                <a:solidFill>
+                  <a:srgbClr val="000000"/>
+                </a:solidFill>
+                <a:uFill>
+                  <a:solidFill>
+                    <a:srgbClr val="ffffff"/>
+                  </a:solidFill>
+                </a:uFill>
+                <a:latin typeface="Arial"/>
+                <a:ea typeface="DejaVu Sans"/>
+              </a:rPr>
               <a:t>Bismark</a:t>
             </a:r>
             <a:endParaRPr b="0" lang="en-US" sz="1800" spc="-1" strike="noStrike">
@@ -3913,7 +3951,7 @@
             </a:endParaRPr>
           </a:p>
           <a:p>
-            <a:pPr marL="216000" indent="-214920">
+            <a:pPr marL="216000" indent="-214560">
               <a:lnSpc>
                 <a:spcPct val="115000"/>
               </a:lnSpc>
@@ -3936,6 +3974,21 @@
                 <a:latin typeface="Arial"/>
                 <a:ea typeface="DejaVu Sans"/>
               </a:rPr>
+              <a:t> </a:t>
+            </a:r>
+            <a:r>
+              <a:rPr b="0" lang="en-US" sz="3200" spc="-1" strike="noStrike">
+                <a:solidFill>
+                  <a:srgbClr val="000000"/>
+                </a:solidFill>
+                <a:uFill>
+                  <a:solidFill>
+                    <a:srgbClr val="ffffff"/>
+                  </a:solidFill>
+                </a:uFill>
+                <a:latin typeface="Arial"/>
+                <a:ea typeface="DejaVu Sans"/>
+              </a:rPr>
               <a:t>HiCUP</a:t>
             </a:r>
             <a:endParaRPr b="0" lang="en-US" sz="1800" spc="-1" strike="noStrike">
@@ -3951,7 +4004,7 @@
             </a:endParaRPr>
           </a:p>
           <a:p>
-            <a:pPr marL="216000" indent="-214920">
+            <a:pPr marL="216000" indent="-214560">
               <a:lnSpc>
                 <a:spcPct val="115000"/>
               </a:lnSpc>
@@ -3974,6 +4027,21 @@
                 <a:latin typeface="Arial"/>
                 <a:ea typeface="DejaVu Sans"/>
               </a:rPr>
+              <a:t> </a:t>
+            </a:r>
+            <a:r>
+              <a:rPr b="0" lang="en-US" sz="3200" spc="-1" strike="noStrike">
+                <a:solidFill>
+                  <a:srgbClr val="000000"/>
+                </a:solidFill>
+                <a:uFill>
+                  <a:solidFill>
+                    <a:srgbClr val="ffffff"/>
+                  </a:solidFill>
+                </a:uFill>
+                <a:latin typeface="Arial"/>
+                <a:ea typeface="DejaVu Sans"/>
+              </a:rPr>
               <a:t>CHiCAGO</a:t>
             </a:r>
             <a:endParaRPr b="0" lang="en-US" sz="1800" spc="-1" strike="noStrike">
@@ -3989,7 +4057,7 @@
             </a:endParaRPr>
           </a:p>
           <a:p>
-            <a:pPr marL="216000" indent="-214920">
+            <a:pPr marL="216000" indent="-214560">
               <a:lnSpc>
                 <a:spcPct val="115000"/>
               </a:lnSpc>
@@ -4012,22 +4080,37 @@
                 <a:latin typeface="Arial"/>
                 <a:ea typeface="DejaVu Sans"/>
               </a:rPr>
-              <a:t>Beacons</a:t>
-            </a:r>
-            <a:endParaRPr b="0" lang="en-US" sz="1800" spc="-1" strike="noStrike">
-              <a:solidFill>
-                <a:srgbClr val="000000"/>
-              </a:solidFill>
-              <a:uFill>
-                <a:solidFill>
-                  <a:srgbClr val="ffffff"/>
-                </a:solidFill>
-              </a:uFill>
-              <a:latin typeface="Arial"/>
-            </a:endParaRPr>
-          </a:p>
-          <a:p>
-            <a:pPr marL="216000" indent="-214920">
+              <a:t> </a:t>
+            </a:r>
+            <a:r>
+              <a:rPr b="0" lang="en-US" sz="3200" spc="-1" strike="noStrike">
+                <a:solidFill>
+                  <a:srgbClr val="000000"/>
+                </a:solidFill>
+                <a:uFill>
+                  <a:solidFill>
+                    <a:srgbClr val="ffffff"/>
+                  </a:solidFill>
+                </a:uFill>
+                <a:latin typeface="Arial"/>
+                <a:ea typeface="DejaVu Sans"/>
+              </a:rPr>
+              <a:t>PileOMeth</a:t>
+            </a:r>
+            <a:endParaRPr b="0" lang="en-US" sz="1800" spc="-1" strike="noStrike">
+              <a:solidFill>
+                <a:srgbClr val="000000"/>
+              </a:solidFill>
+              <a:uFill>
+                <a:solidFill>
+                  <a:srgbClr val="ffffff"/>
+                </a:solidFill>
+              </a:uFill>
+              <a:latin typeface="Arial"/>
+            </a:endParaRPr>
+          </a:p>
+          <a:p>
+            <a:pPr marL="216000" indent="-214560">
               <a:lnSpc>
                 <a:spcPct val="115000"/>
               </a:lnSpc>
@@ -4052,6 +4135,21 @@
               </a:rPr>
               <a:t> </a:t>
             </a:r>
+            <a:r>
+              <a:rPr b="0" lang="en-US" sz="3200" spc="-1" strike="noStrike">
+                <a:solidFill>
+                  <a:srgbClr val="000000"/>
+                </a:solidFill>
+                <a:uFill>
+                  <a:solidFill>
+                    <a:srgbClr val="ffffff"/>
+                  </a:solidFill>
+                </a:uFill>
+                <a:latin typeface="Arial"/>
+                <a:ea typeface="DejaVu Sans"/>
+              </a:rPr>
+              <a:t>Beacons</a:t>
+            </a:r>
             <a:endParaRPr b="0" lang="en-US" sz="1800" spc="-1" strike="noStrike">
               <a:solidFill>
                 <a:srgbClr val="000000"/>
@@ -4101,7 +4199,7 @@
                 <a:latin typeface="Arial"/>
                 <a:ea typeface="DejaVu Sans"/>
               </a:rPr>
-              <a:t>Developed a plugin system for Galaxy:</a:t>
+              <a:t>Galaxy WebHooks as playground for SIG-2 and SIG-4 with Gamification:</a:t>
             </a:r>
             <a:endParaRPr b="0" lang="en-US" sz="1800" spc="-1" strike="noStrike">
               <a:solidFill>
@@ -4119,7 +4217,7 @@
       </p:sp>
       <p:pic>
         <p:nvPicPr>
-          <p:cNvPr id="71" name="" descr=""/>
+          <p:cNvPr id="69" name="Grafik 70" descr=""/>
           <p:cNvPicPr/>
           <p:nvPr/>
         </p:nvPicPr>
@@ -4129,8 +4227,8 @@
         </p:blipFill>
         <p:spPr>
           <a:xfrm>
-            <a:off x="10607040" y="26334720"/>
-            <a:ext cx="3017160" cy="680760"/>
+            <a:off x="10607040" y="27000000"/>
+            <a:ext cx="3016800" cy="680400"/>
           </a:xfrm>
           <a:prstGeom prst="rect">
             <a:avLst/>
@@ -4142,14 +4240,14 @@
       </p:pic>
       <p:sp>
         <p:nvSpPr>
-          <p:cNvPr id="72" name="CustomShape 23"/>
+          <p:cNvPr id="70" name="CustomShape 23"/>
           <p:cNvSpPr/>
           <p:nvPr/>
         </p:nvSpPr>
         <p:spPr>
           <a:xfrm>
-            <a:off x="1188720" y="27797760"/>
-            <a:ext cx="4205880" cy="4212360"/>
+            <a:off x="1188720" y="28463040"/>
+            <a:ext cx="4205520" cy="5184000"/>
           </a:xfrm>
           <a:prstGeom prst="rect">
             <a:avLst/>
@@ -4184,23 +4282,57 @@
                   </a:solidFill>
                 </a:uFill>
                 <a:latin typeface="Arial"/>
-              </a:rPr>
-              <a:t>Bioconda is a conda channel which provides software for biomedical research: </a:t>
-            </a:r>
-            <a:endParaRPr b="0" lang="en-US" sz="1800" spc="-1" strike="noStrike">
-              <a:solidFill>
-                <a:srgbClr val="000000"/>
-              </a:solidFill>
-              <a:uFill>
-                <a:solidFill>
-                  <a:srgbClr val="ffffff"/>
-                </a:solidFill>
-              </a:uFill>
-              <a:latin typeface="Arial"/>
-            </a:endParaRPr>
-          </a:p>
-          <a:p>
-            <a:pPr marL="216000" indent="-215640">
+                <a:ea typeface="DejaVu Sans"/>
+              </a:rPr>
+              <a:t>Bioconda is a conda channel which provides software for biomedical research.</a:t>
+            </a:r>
+            <a:endParaRPr b="0" lang="en-US" sz="1800" spc="-1" strike="noStrike">
+              <a:solidFill>
+                <a:srgbClr val="000000"/>
+              </a:solidFill>
+              <a:uFill>
+                <a:solidFill>
+                  <a:srgbClr val="ffffff"/>
+                </a:solidFill>
+              </a:uFill>
+              <a:latin typeface="Arial"/>
+            </a:endParaRPr>
+          </a:p>
+          <a:p>
+            <a:pPr>
+              <a:lnSpc>
+                <a:spcPct val="115000"/>
+              </a:lnSpc>
+            </a:pPr>
+            <a:r>
+              <a:rPr b="0" lang="en-US" sz="3200" spc="-1" strike="noStrike">
+                <a:solidFill>
+                  <a:srgbClr val="000000"/>
+                </a:solidFill>
+                <a:uFill>
+                  <a:solidFill>
+                    <a:srgbClr val="ffffff"/>
+                  </a:solidFill>
+                </a:uFill>
+                <a:latin typeface="Arial"/>
+                <a:ea typeface="DejaVu Sans"/>
+              </a:rPr>
+              <a:t> </a:t>
+            </a:r>
+            <a:endParaRPr b="0" lang="en-US" sz="1800" spc="-1" strike="noStrike">
+              <a:solidFill>
+                <a:srgbClr val="000000"/>
+              </a:solidFill>
+              <a:uFill>
+                <a:solidFill>
+                  <a:srgbClr val="ffffff"/>
+                </a:solidFill>
+              </a:uFill>
+              <a:latin typeface="Arial"/>
+            </a:endParaRPr>
+          </a:p>
+          <a:p>
+            <a:pPr marL="216000" indent="-215280">
               <a:lnSpc>
                 <a:spcPct val="115000"/>
               </a:lnSpc>
@@ -4222,6 +4354,22 @@
                   </a:solidFill>
                 </a:uFill>
                 <a:latin typeface="Arial"/>
+                <a:ea typeface="DejaVu Sans"/>
+              </a:rPr>
+              <a:t> </a:t>
+            </a:r>
+            <a:r>
+              <a:rPr b="0" lang="en-US" sz="3200" spc="-1" strike="noStrike">
+                <a:solidFill>
+                  <a:srgbClr val="000000"/>
+                </a:solidFill>
+                <a:uFill>
+                  <a:solidFill>
+                    <a:srgbClr val="ffffff"/>
+                  </a:solidFill>
+                </a:uFill>
+                <a:latin typeface="Arial"/>
+                <a:ea typeface="DejaVu Sans"/>
               </a:rPr>
               <a:t>8600 commits on github</a:t>
             </a:r>
@@ -4238,7 +4386,7 @@
             </a:endParaRPr>
           </a:p>
           <a:p>
-            <a:pPr marL="216000" indent="-215640">
+            <a:pPr marL="216000" indent="-215280">
               <a:lnSpc>
                 <a:spcPct val="115000"/>
               </a:lnSpc>
@@ -4260,23 +4408,39 @@
                   </a:solidFill>
                 </a:uFill>
                 <a:latin typeface="Arial"/>
-              </a:rPr>
-              <a:t>150 contributers</a:t>
-            </a:r>
-            <a:endParaRPr b="0" lang="en-US" sz="1800" spc="-1" strike="noStrike">
-              <a:solidFill>
-                <a:srgbClr val="000000"/>
-              </a:solidFill>
-              <a:uFill>
-                <a:solidFill>
-                  <a:srgbClr val="ffffff"/>
-                </a:solidFill>
-              </a:uFill>
-              <a:latin typeface="Arial"/>
-            </a:endParaRPr>
-          </a:p>
-          <a:p>
-            <a:pPr marL="216000" indent="-215640">
+                <a:ea typeface="DejaVu Sans"/>
+              </a:rPr>
+              <a:t> </a:t>
+            </a:r>
+            <a:r>
+              <a:rPr b="0" lang="en-US" sz="3200" spc="-1" strike="noStrike">
+                <a:solidFill>
+                  <a:srgbClr val="000000"/>
+                </a:solidFill>
+                <a:uFill>
+                  <a:solidFill>
+                    <a:srgbClr val="ffffff"/>
+                  </a:solidFill>
+                </a:uFill>
+                <a:latin typeface="Arial"/>
+                <a:ea typeface="DejaVu Sans"/>
+              </a:rPr>
+              <a:t>155 contributors</a:t>
+            </a:r>
+            <a:endParaRPr b="0" lang="en-US" sz="1800" spc="-1" strike="noStrike">
+              <a:solidFill>
+                <a:srgbClr val="000000"/>
+              </a:solidFill>
+              <a:uFill>
+                <a:solidFill>
+                  <a:srgbClr val="ffffff"/>
+                </a:solidFill>
+              </a:uFill>
+              <a:latin typeface="Arial"/>
+            </a:endParaRPr>
+          </a:p>
+          <a:p>
+            <a:pPr marL="216000" indent="-215280">
               <a:lnSpc>
                 <a:spcPct val="115000"/>
               </a:lnSpc>
@@ -4298,8 +4462,24 @@
                   </a:solidFill>
                 </a:uFill>
                 <a:latin typeface="Arial"/>
-              </a:rPr>
-              <a:t>&gt; 1500 packages</a:t>
+                <a:ea typeface="DejaVu Sans"/>
+              </a:rPr>
+              <a:t> </a:t>
+            </a:r>
+            <a:r>
+              <a:rPr b="0" lang="en-US" sz="3200" spc="-1" strike="noStrike">
+                <a:solidFill>
+                  <a:srgbClr val="000000"/>
+                </a:solidFill>
+                <a:uFill>
+                  <a:solidFill>
+                    <a:srgbClr val="ffffff"/>
+                  </a:solidFill>
+                </a:uFill>
+                <a:latin typeface="Arial"/>
+                <a:ea typeface="DejaVu Sans"/>
+              </a:rPr>
+              <a:t>&gt; 1800 packages</a:t>
             </a:r>
             <a:endParaRPr b="0" lang="en-US" sz="1800" spc="-1" strike="noStrike">
               <a:solidFill>
@@ -4317,14 +4497,14 @@
       </p:sp>
       <p:sp>
         <p:nvSpPr>
-          <p:cNvPr id="73" name="CustomShape 24"/>
+          <p:cNvPr id="71" name="CustomShape 24"/>
           <p:cNvSpPr/>
           <p:nvPr/>
         </p:nvSpPr>
         <p:spPr>
           <a:xfrm>
-            <a:off x="5394960" y="27797760"/>
-            <a:ext cx="4480200" cy="5394600"/>
+            <a:off x="5394960" y="28463040"/>
+            <a:ext cx="4629600" cy="5394240"/>
           </a:xfrm>
           <a:prstGeom prst="rect">
             <a:avLst/>
@@ -4359,6 +4539,7 @@
                   </a:solidFill>
                 </a:uFill>
                 <a:latin typeface="Arial"/>
+                <a:ea typeface="DejaVu Sans"/>
               </a:rPr>
               <a:t>BioContainers provides system-agnostic executable environments for bioinformatics software.</a:t>
             </a:r>
@@ -4393,7 +4574,7 @@
             </a:endParaRPr>
           </a:p>
           <a:p>
-            <a:pPr marL="216000" indent="-215640">
+            <a:pPr marL="216000" indent="-215280">
               <a:lnSpc>
                 <a:spcPct val="115000"/>
               </a:lnSpc>
@@ -4415,23 +4596,39 @@
                   </a:solidFill>
                 </a:uFill>
                 <a:latin typeface="Arial"/>
-              </a:rPr>
-              <a:t>Based on docker.</a:t>
-            </a:r>
-            <a:endParaRPr b="0" lang="en-US" sz="1800" spc="-1" strike="noStrike">
-              <a:solidFill>
-                <a:srgbClr val="000000"/>
-              </a:solidFill>
-              <a:uFill>
-                <a:solidFill>
-                  <a:srgbClr val="ffffff"/>
-                </a:solidFill>
-              </a:uFill>
-              <a:latin typeface="Arial"/>
-            </a:endParaRPr>
-          </a:p>
-          <a:p>
-            <a:pPr marL="216000" indent="-215640">
+                <a:ea typeface="DejaVu Sans"/>
+              </a:rPr>
+              <a:t> </a:t>
+            </a:r>
+            <a:r>
+              <a:rPr b="0" lang="en-US" sz="3200" spc="-1" strike="noStrike">
+                <a:solidFill>
+                  <a:srgbClr val="000000"/>
+                </a:solidFill>
+                <a:uFill>
+                  <a:solidFill>
+                    <a:srgbClr val="ffffff"/>
+                  </a:solidFill>
+                </a:uFill>
+                <a:latin typeface="Arial"/>
+                <a:ea typeface="DejaVu Sans"/>
+              </a:rPr>
+              <a:t>based on Docker &amp; rkt</a:t>
+            </a:r>
+            <a:endParaRPr b="0" lang="en-US" sz="1800" spc="-1" strike="noStrike">
+              <a:solidFill>
+                <a:srgbClr val="000000"/>
+              </a:solidFill>
+              <a:uFill>
+                <a:solidFill>
+                  <a:srgbClr val="ffffff"/>
+                </a:solidFill>
+              </a:uFill>
+              <a:latin typeface="Arial"/>
+            </a:endParaRPr>
+          </a:p>
+          <a:p>
+            <a:pPr marL="216000" indent="-215280">
               <a:lnSpc>
                 <a:spcPct val="115000"/>
               </a:lnSpc>
@@ -4453,23 +4650,39 @@
                   </a:solidFill>
                 </a:uFill>
                 <a:latin typeface="Arial"/>
-              </a:rPr>
-              <a:t>200 commits on github</a:t>
-            </a:r>
-            <a:endParaRPr b="0" lang="en-US" sz="1800" spc="-1" strike="noStrike">
-              <a:solidFill>
-                <a:srgbClr val="000000"/>
-              </a:solidFill>
-              <a:uFill>
-                <a:solidFill>
-                  <a:srgbClr val="ffffff"/>
-                </a:solidFill>
-              </a:uFill>
-              <a:latin typeface="Arial"/>
-            </a:endParaRPr>
-          </a:p>
-          <a:p>
-            <a:pPr marL="216000" indent="-215640">
+                <a:ea typeface="DejaVu Sans"/>
+              </a:rPr>
+              <a:t> </a:t>
+            </a:r>
+            <a:r>
+              <a:rPr b="0" lang="en-US" sz="3200" spc="-1" strike="noStrike">
+                <a:solidFill>
+                  <a:srgbClr val="000000"/>
+                </a:solidFill>
+                <a:uFill>
+                  <a:solidFill>
+                    <a:srgbClr val="ffffff"/>
+                  </a:solidFill>
+                </a:uFill>
+                <a:latin typeface="Arial"/>
+                <a:ea typeface="DejaVu Sans"/>
+              </a:rPr>
+              <a:t>&gt; 1800 Images</a:t>
+            </a:r>
+            <a:endParaRPr b="0" lang="en-US" sz="1800" spc="-1" strike="noStrike">
+              <a:solidFill>
+                <a:srgbClr val="000000"/>
+              </a:solidFill>
+              <a:uFill>
+                <a:solidFill>
+                  <a:srgbClr val="ffffff"/>
+                </a:solidFill>
+              </a:uFill>
+              <a:latin typeface="Arial"/>
+            </a:endParaRPr>
+          </a:p>
+          <a:p>
+            <a:pPr marL="216000" indent="-215280">
               <a:lnSpc>
                 <a:spcPct val="115000"/>
               </a:lnSpc>
@@ -4491,8 +4704,24 @@
                   </a:solidFill>
                 </a:uFill>
                 <a:latin typeface="Arial"/>
-              </a:rPr>
-              <a:t>8 contributers</a:t>
+                <a:ea typeface="DejaVu Sans"/>
+              </a:rPr>
+              <a:t> </a:t>
+            </a:r>
+            <a:r>
+              <a:rPr b="0" lang="en-US" sz="3200" spc="-1" strike="noStrike">
+                <a:solidFill>
+                  <a:srgbClr val="000000"/>
+                </a:solidFill>
+                <a:uFill>
+                  <a:solidFill>
+                    <a:srgbClr val="ffffff"/>
+                  </a:solidFill>
+                </a:uFill>
+                <a:latin typeface="Arial"/>
+                <a:ea typeface="DejaVu Sans"/>
+              </a:rPr>
+              <a:t>automatic builds from BioConda</a:t>
             </a:r>
             <a:endParaRPr b="0" lang="en-US" sz="1800" spc="-1" strike="noStrike">
               <a:solidFill>
@@ -4510,14 +4739,14 @@
       </p:sp>
       <p:sp>
         <p:nvSpPr>
-          <p:cNvPr id="74" name="CustomShape 25"/>
+          <p:cNvPr id="72" name="CustomShape 25"/>
           <p:cNvSpPr/>
           <p:nvPr/>
         </p:nvSpPr>
         <p:spPr>
           <a:xfrm>
-            <a:off x="10332720" y="27774360"/>
-            <a:ext cx="4023000" cy="5783760"/>
+            <a:off x="10332720" y="28439640"/>
+            <a:ext cx="4554000" cy="5783400"/>
           </a:xfrm>
           <a:prstGeom prst="rect">
             <a:avLst/>
@@ -4552,23 +4781,42 @@
                   </a:solidFill>
                 </a:uFill>
                 <a:latin typeface="Arial"/>
-              </a:rPr>
-              <a:t>Galaxy is an open, web-based platform for data intensive biomedical research.</a:t>
-            </a:r>
-            <a:endParaRPr b="0" lang="en-US" sz="1800" spc="-1" strike="noStrike">
-              <a:solidFill>
-                <a:srgbClr val="000000"/>
-              </a:solidFill>
-              <a:uFill>
-                <a:solidFill>
-                  <a:srgbClr val="ffffff"/>
-                </a:solidFill>
-              </a:uFill>
-              <a:latin typeface="Arial"/>
-            </a:endParaRPr>
-          </a:p>
-          <a:p>
-            <a:pPr marL="216000" indent="-215640">
+                <a:ea typeface="DejaVu Sans"/>
+              </a:rPr>
+              <a:t>Galaxy is an open, web-based platform for data intensive research.</a:t>
+            </a:r>
+            <a:endParaRPr b="0" lang="en-US" sz="1800" spc="-1" strike="noStrike">
+              <a:solidFill>
+                <a:srgbClr val="000000"/>
+              </a:solidFill>
+              <a:uFill>
+                <a:solidFill>
+                  <a:srgbClr val="ffffff"/>
+                </a:solidFill>
+              </a:uFill>
+              <a:latin typeface="Arial"/>
+            </a:endParaRPr>
+          </a:p>
+          <a:p>
+            <a:pPr>
+              <a:lnSpc>
+                <a:spcPct val="115000"/>
+              </a:lnSpc>
+            </a:pPr>
+            <a:endParaRPr b="0" lang="en-US" sz="1800" spc="-1" strike="noStrike">
+              <a:solidFill>
+                <a:srgbClr val="000000"/>
+              </a:solidFill>
+              <a:uFill>
+                <a:solidFill>
+                  <a:srgbClr val="ffffff"/>
+                </a:solidFill>
+              </a:uFill>
+              <a:latin typeface="Arial"/>
+            </a:endParaRPr>
+          </a:p>
+          <a:p>
+            <a:pPr marL="216000" indent="-215280">
               <a:lnSpc>
                 <a:spcPct val="115000"/>
               </a:lnSpc>
@@ -4590,6 +4838,22 @@
                   </a:solidFill>
                 </a:uFill>
                 <a:latin typeface="Arial"/>
+                <a:ea typeface="DejaVu Sans"/>
+              </a:rPr>
+              <a:t> </a:t>
+            </a:r>
+            <a:r>
+              <a:rPr b="0" lang="en-US" sz="3200" spc="-1" strike="noStrike">
+                <a:solidFill>
+                  <a:srgbClr val="000000"/>
+                </a:solidFill>
+                <a:uFill>
+                  <a:solidFill>
+                    <a:srgbClr val="ffffff"/>
+                  </a:solidFill>
+                </a:uFill>
+                <a:latin typeface="Arial"/>
+                <a:ea typeface="DejaVu Sans"/>
               </a:rPr>
               <a:t>25550 commits</a:t>
             </a:r>
@@ -4606,7 +4870,7 @@
             </a:endParaRPr>
           </a:p>
           <a:p>
-            <a:pPr marL="216000" indent="-215640">
+            <a:pPr marL="216000" indent="-215280">
               <a:lnSpc>
                 <a:spcPct val="115000"/>
               </a:lnSpc>
@@ -4628,23 +4892,39 @@
                   </a:solidFill>
                 </a:uFill>
                 <a:latin typeface="Arial"/>
-              </a:rPr>
-              <a:t>131 contributers</a:t>
-            </a:r>
-            <a:endParaRPr b="0" lang="en-US" sz="1800" spc="-1" strike="noStrike">
-              <a:solidFill>
-                <a:srgbClr val="000000"/>
-              </a:solidFill>
-              <a:uFill>
-                <a:solidFill>
-                  <a:srgbClr val="ffffff"/>
-                </a:solidFill>
-              </a:uFill>
-              <a:latin typeface="Arial"/>
-            </a:endParaRPr>
-          </a:p>
-          <a:p>
-            <a:pPr marL="216000" indent="-215640">
+                <a:ea typeface="DejaVu Sans"/>
+              </a:rPr>
+              <a:t> </a:t>
+            </a:r>
+            <a:r>
+              <a:rPr b="0" lang="en-US" sz="3200" spc="-1" strike="noStrike">
+                <a:solidFill>
+                  <a:srgbClr val="000000"/>
+                </a:solidFill>
+                <a:uFill>
+                  <a:solidFill>
+                    <a:srgbClr val="ffffff"/>
+                  </a:solidFill>
+                </a:uFill>
+                <a:latin typeface="Arial"/>
+                <a:ea typeface="DejaVu Sans"/>
+              </a:rPr>
+              <a:t>131 contributors</a:t>
+            </a:r>
+            <a:endParaRPr b="0" lang="en-US" sz="1800" spc="-1" strike="noStrike">
+              <a:solidFill>
+                <a:srgbClr val="000000"/>
+              </a:solidFill>
+              <a:uFill>
+                <a:solidFill>
+                  <a:srgbClr val="ffffff"/>
+                </a:solidFill>
+              </a:uFill>
+              <a:latin typeface="Arial"/>
+            </a:endParaRPr>
+          </a:p>
+          <a:p>
+            <a:pPr marL="216000" indent="-215280">
               <a:lnSpc>
                 <a:spcPct val="115000"/>
               </a:lnSpc>
@@ -4666,8 +4946,24 @@
                   </a:solidFill>
                 </a:uFill>
                 <a:latin typeface="Arial"/>
-              </a:rPr>
-              <a:t>Our own galaxy instance is the biggest in Europe: http://galaxy.uni-freiburg.de/</a:t>
+                <a:ea typeface="DejaVu Sans"/>
+              </a:rPr>
+              <a:t> </a:t>
+            </a:r>
+            <a:r>
+              <a:rPr b="0" lang="en-US" sz="3200" spc="-1" strike="noStrike">
+                <a:solidFill>
+                  <a:srgbClr val="000000"/>
+                </a:solidFill>
+                <a:uFill>
+                  <a:solidFill>
+                    <a:srgbClr val="ffffff"/>
+                  </a:solidFill>
+                </a:uFill>
+                <a:latin typeface="Arial"/>
+                <a:ea typeface="DejaVu Sans"/>
+              </a:rPr>
+              <a:t>One of the biggest Galaxy instances available for de.NBI: http://galaxy.uni-freiburg.de/</a:t>
             </a:r>
             <a:endParaRPr b="0" lang="en-US" sz="1800" spc="-1" strike="noStrike">
               <a:solidFill>
@@ -4685,7 +4981,7 @@
       </p:sp>
       <p:pic>
         <p:nvPicPr>
-          <p:cNvPr id="75" name="" descr=""/>
+          <p:cNvPr id="73" name="Grafik 74" descr=""/>
           <p:cNvPicPr/>
           <p:nvPr/>
         </p:nvPicPr>
@@ -4696,7 +4992,7 @@
         <p:spPr>
           <a:xfrm>
             <a:off x="23408640" y="18288000"/>
-            <a:ext cx="5394960" cy="4073400"/>
+            <a:ext cx="5394600" cy="4073040"/>
           </a:xfrm>
           <a:prstGeom prst="rect">
             <a:avLst/>
@@ -4708,14 +5004,14 @@
       </p:pic>
       <p:sp>
         <p:nvSpPr>
-          <p:cNvPr id="76" name="TextShape 26"/>
-          <p:cNvSpPr txBox="1"/>
+          <p:cNvPr id="74" name="CustomShape 26"/>
+          <p:cNvSpPr/>
           <p:nvPr/>
         </p:nvSpPr>
         <p:spPr>
           <a:xfrm>
             <a:off x="16642080" y="22402800"/>
-            <a:ext cx="5303520" cy="1109880"/>
+            <a:ext cx="5303160" cy="1109520"/>
           </a:xfrm>
           <a:prstGeom prst="rect">
             <a:avLst/>
@@ -4725,9 +5021,20 @@
             <a:noFill/>
           </a:ln>
         </p:spPr>
+        <p:style>
+          <a:lnRef idx="0"/>
+          <a:fillRef idx="0"/>
+          <a:effectRef idx="0"/>
+          <a:fontRef idx="minor"/>
+        </p:style>
         <p:txBody>
           <a:bodyPr lIns="90000" rIns="90000" tIns="45000" bIns="45000"/>
           <a:p>
+            <a:pPr>
+              <a:lnSpc>
+                <a:spcPct val="100000"/>
+              </a:lnSpc>
+            </a:pPr>
             <a:r>
               <a:rPr b="0" lang="en-US" sz="2400" spc="-1" strike="noStrike">
                 <a:solidFill>
@@ -4739,10 +5046,11 @@
                   </a:solidFill>
                 </a:uFill>
                 <a:latin typeface="Arial"/>
+                <a:ea typeface="DejaVu Sans"/>
               </a:rPr>
               <a:t>Pricing system: How much would it cost to compute and store your data on Amazon EC2?</a:t>
             </a:r>
-            <a:endParaRPr b="0" lang="en-US" sz="2400" spc="-1" strike="noStrike">
+            <a:endParaRPr b="0" lang="en-US" sz="1800" spc="-1" strike="noStrike">
               <a:solidFill>
                 <a:srgbClr val="000000"/>
               </a:solidFill>
@@ -4758,14 +5066,14 @@
       </p:sp>
       <p:sp>
         <p:nvSpPr>
-          <p:cNvPr id="77" name="TextShape 27"/>
-          <p:cNvSpPr txBox="1"/>
+          <p:cNvPr id="75" name="CustomShape 27"/>
+          <p:cNvSpPr/>
           <p:nvPr/>
         </p:nvSpPr>
         <p:spPr>
           <a:xfrm>
             <a:off x="23774400" y="22402800"/>
-            <a:ext cx="5212080" cy="858240"/>
+            <a:ext cx="5211720" cy="857880"/>
           </a:xfrm>
           <a:prstGeom prst="rect">
             <a:avLst/>
@@ -4775,9 +5083,20 @@
             <a:noFill/>
           </a:ln>
         </p:spPr>
+        <p:style>
+          <a:lnRef idx="0"/>
+          <a:fillRef idx="0"/>
+          <a:effectRef idx="0"/>
+          <a:fontRef idx="minor"/>
+        </p:style>
         <p:txBody>
           <a:bodyPr lIns="90000" rIns="90000" tIns="45000" bIns="45000"/>
           <a:p>
+            <a:pPr>
+              <a:lnSpc>
+                <a:spcPct val="100000"/>
+              </a:lnSpc>
+            </a:pPr>
             <a:r>
               <a:rPr b="0" lang="en-US" sz="2400" spc="-1" strike="noStrike">
                 <a:solidFill>
@@ -4789,10 +5108,11 @@
                   </a:solidFill>
                 </a:uFill>
                 <a:latin typeface="Arial"/>
+                <a:ea typeface="DejaVu Sans"/>
               </a:rPr>
               <a:t>Comics: Have fun while Galaxy is computing your data.</a:t>
             </a:r>
-            <a:endParaRPr b="0" lang="en-US" sz="2400" spc="-1" strike="noStrike">
+            <a:endParaRPr b="0" lang="en-US" sz="1800" spc="-1" strike="noStrike">
               <a:solidFill>
                 <a:srgbClr val="000000"/>
               </a:solidFill>
@@ -4808,7 +5128,7 @@
       </p:sp>
       <p:pic>
         <p:nvPicPr>
-          <p:cNvPr id="78" name="" descr=""/>
+          <p:cNvPr id="76" name="Grafik 77" descr=""/>
           <p:cNvPicPr/>
           <p:nvPr/>
         </p:nvPicPr>
@@ -4819,7 +5139,7 @@
         <p:spPr>
           <a:xfrm>
             <a:off x="1202760" y="14264640"/>
-            <a:ext cx="12696120" cy="7498080"/>
+            <a:ext cx="12695760" cy="7497720"/>
           </a:xfrm>
           <a:prstGeom prst="rect">
             <a:avLst/>
@@ -4829,6 +5149,284 @@
           </a:ln>
         </p:spPr>
       </p:pic>
+      <p:sp>
+        <p:nvSpPr>
+          <p:cNvPr id="77" name="CustomShape 28"/>
+          <p:cNvSpPr/>
+          <p:nvPr/>
+        </p:nvSpPr>
+        <p:spPr>
+          <a:xfrm>
+            <a:off x="16642080" y="25810200"/>
+            <a:ext cx="7688520" cy="3016440"/>
+          </a:xfrm>
+          <a:prstGeom prst="rect">
+            <a:avLst/>
+          </a:prstGeom>
+          <a:noFill/>
+          <a:ln>
+            <a:noFill/>
+          </a:ln>
+        </p:spPr>
+        <p:style>
+          <a:lnRef idx="0"/>
+          <a:fillRef idx="0"/>
+          <a:effectRef idx="0"/>
+          <a:fontRef idx="minor"/>
+        </p:style>
+        <p:txBody>
+          <a:bodyPr lIns="90000" rIns="90000" tIns="45000" bIns="45000"/>
+          <a:p>
+            <a:pPr>
+              <a:lnSpc>
+                <a:spcPct val="100000"/>
+              </a:lnSpc>
+            </a:pPr>
+            <a:r>
+              <a:rPr b="0" lang="en-US" sz="2400" spc="-1" strike="noStrike">
+                <a:solidFill>
+                  <a:srgbClr val="000000"/>
+                </a:solidFill>
+                <a:uFill>
+                  <a:solidFill>
+                    <a:srgbClr val="ffffff"/>
+                  </a:solidFill>
+                </a:uFill>
+                <a:latin typeface="Arial"/>
+                <a:ea typeface="DejaVu Sans"/>
+              </a:rPr>
+              <a:t>Galaxy Tours</a:t>
+            </a:r>
+            <a:endParaRPr b="0" lang="en-US" sz="1800" spc="-1" strike="noStrike">
+              <a:solidFill>
+                <a:srgbClr val="000000"/>
+              </a:solidFill>
+              <a:uFill>
+                <a:solidFill>
+                  <a:srgbClr val="ffffff"/>
+                </a:solidFill>
+              </a:uFill>
+              <a:latin typeface="Arial"/>
+            </a:endParaRPr>
+          </a:p>
+          <a:p>
+            <a:pPr>
+              <a:lnSpc>
+                <a:spcPct val="100000"/>
+              </a:lnSpc>
+            </a:pPr>
+            <a:r>
+              <a:rPr b="0" lang="en-US" sz="2400" spc="-1" strike="noStrike">
+                <a:solidFill>
+                  <a:srgbClr val="000000"/>
+                </a:solidFill>
+                <a:uFill>
+                  <a:solidFill>
+                    <a:srgbClr val="ffffff"/>
+                  </a:solidFill>
+                </a:uFill>
+                <a:latin typeface="Arial"/>
+                <a:ea typeface="DejaVu Sans"/>
+              </a:rPr>
+              <a:t>For users:</a:t>
+            </a:r>
+            <a:endParaRPr b="0" lang="en-US" sz="1800" spc="-1" strike="noStrike">
+              <a:solidFill>
+                <a:srgbClr val="000000"/>
+              </a:solidFill>
+              <a:uFill>
+                <a:solidFill>
+                  <a:srgbClr val="ffffff"/>
+                </a:solidFill>
+              </a:uFill>
+              <a:latin typeface="Arial"/>
+            </a:endParaRPr>
+          </a:p>
+          <a:p>
+            <a:pPr marL="343080" indent="-342720">
+              <a:lnSpc>
+                <a:spcPct val="100000"/>
+              </a:lnSpc>
+              <a:buClr>
+                <a:srgbClr val="000000"/>
+              </a:buClr>
+              <a:buFont typeface="StarSymbol"/>
+              <a:buChar char="-"/>
+            </a:pPr>
+            <a:r>
+              <a:rPr b="0" lang="en-US" sz="2400" spc="-1" strike="noStrike">
+                <a:solidFill>
+                  <a:srgbClr val="000000"/>
+                </a:solidFill>
+                <a:uFill>
+                  <a:solidFill>
+                    <a:srgbClr val="ffffff"/>
+                  </a:solidFill>
+                </a:uFill>
+                <a:latin typeface="Arial"/>
+                <a:ea typeface="DejaVu Sans"/>
+              </a:rPr>
+              <a:t>as easy as a video</a:t>
+            </a:r>
+            <a:endParaRPr b="0" lang="en-US" sz="1800" spc="-1" strike="noStrike">
+              <a:solidFill>
+                <a:srgbClr val="000000"/>
+              </a:solidFill>
+              <a:uFill>
+                <a:solidFill>
+                  <a:srgbClr val="ffffff"/>
+                </a:solidFill>
+              </a:uFill>
+              <a:latin typeface="Arial"/>
+            </a:endParaRPr>
+          </a:p>
+          <a:p>
+            <a:pPr marL="343080" indent="-342720">
+              <a:lnSpc>
+                <a:spcPct val="100000"/>
+              </a:lnSpc>
+              <a:buClr>
+                <a:srgbClr val="000000"/>
+              </a:buClr>
+              <a:buFont typeface="StarSymbol"/>
+              <a:buChar char="-"/>
+            </a:pPr>
+            <a:r>
+              <a:rPr b="0" lang="en-US" sz="2400" spc="-1" strike="noStrike">
+                <a:solidFill>
+                  <a:srgbClr val="000000"/>
+                </a:solidFill>
+                <a:uFill>
+                  <a:solidFill>
+                    <a:srgbClr val="ffffff"/>
+                  </a:solidFill>
+                </a:uFill>
+                <a:latin typeface="Arial"/>
+                <a:ea typeface="DejaVu Sans"/>
+              </a:rPr>
+              <a:t>Interactive as hands-on</a:t>
+            </a:r>
+            <a:endParaRPr b="0" lang="en-US" sz="1800" spc="-1" strike="noStrike">
+              <a:solidFill>
+                <a:srgbClr val="000000"/>
+              </a:solidFill>
+              <a:uFill>
+                <a:solidFill>
+                  <a:srgbClr val="ffffff"/>
+                </a:solidFill>
+              </a:uFill>
+              <a:latin typeface="Arial"/>
+            </a:endParaRPr>
+          </a:p>
+          <a:p>
+            <a:pPr>
+              <a:lnSpc>
+                <a:spcPct val="100000"/>
+              </a:lnSpc>
+            </a:pPr>
+            <a:endParaRPr b="0" lang="en-US" sz="1800" spc="-1" strike="noStrike">
+              <a:solidFill>
+                <a:srgbClr val="000000"/>
+              </a:solidFill>
+              <a:uFill>
+                <a:solidFill>
+                  <a:srgbClr val="ffffff"/>
+                </a:solidFill>
+              </a:uFill>
+              <a:latin typeface="Arial"/>
+            </a:endParaRPr>
+          </a:p>
+          <a:p>
+            <a:pPr>
+              <a:lnSpc>
+                <a:spcPct val="100000"/>
+              </a:lnSpc>
+            </a:pPr>
+            <a:r>
+              <a:rPr b="0" lang="en-US" sz="2400" spc="-1" strike="noStrike">
+                <a:solidFill>
+                  <a:srgbClr val="000000"/>
+                </a:solidFill>
+                <a:uFill>
+                  <a:solidFill>
+                    <a:srgbClr val="ffffff"/>
+                  </a:solidFill>
+                </a:uFill>
+                <a:latin typeface="Arial"/>
+                <a:ea typeface="DejaVu Sans"/>
+              </a:rPr>
+              <a:t>For developers/trainers</a:t>
+            </a:r>
+            <a:endParaRPr b="0" lang="en-US" sz="1800" spc="-1" strike="noStrike">
+              <a:solidFill>
+                <a:srgbClr val="000000"/>
+              </a:solidFill>
+              <a:uFill>
+                <a:solidFill>
+                  <a:srgbClr val="ffffff"/>
+                </a:solidFill>
+              </a:uFill>
+              <a:latin typeface="Arial"/>
+            </a:endParaRPr>
+          </a:p>
+          <a:p>
+            <a:pPr marL="343080" indent="-342720">
+              <a:lnSpc>
+                <a:spcPct val="100000"/>
+              </a:lnSpc>
+              <a:buClr>
+                <a:srgbClr val="000000"/>
+              </a:buClr>
+              <a:buFont typeface="StarSymbol"/>
+              <a:buChar char="-"/>
+            </a:pPr>
+            <a:r>
+              <a:rPr b="0" lang="en-US" sz="2400" spc="-1" strike="noStrike">
+                <a:solidFill>
+                  <a:srgbClr val="000000"/>
+                </a:solidFill>
+                <a:uFill>
+                  <a:solidFill>
+                    <a:srgbClr val="ffffff"/>
+                  </a:solidFill>
+                </a:uFill>
+                <a:latin typeface="Arial"/>
+                <a:ea typeface="DejaVu Sans"/>
+              </a:rPr>
+              <a:t>Easier than you can imagine</a:t>
+            </a:r>
+            <a:endParaRPr b="0" lang="en-US" sz="1800" spc="-1" strike="noStrike">
+              <a:solidFill>
+                <a:srgbClr val="000000"/>
+              </a:solidFill>
+              <a:uFill>
+                <a:solidFill>
+                  <a:srgbClr val="ffffff"/>
+                </a:solidFill>
+              </a:uFill>
+              <a:latin typeface="Arial"/>
+            </a:endParaRPr>
+          </a:p>
+          <a:p>
+            <a:pPr>
+              <a:lnSpc>
+                <a:spcPct val="100000"/>
+              </a:lnSpc>
+            </a:pPr>
+            <a:endParaRPr b="0" lang="en-US" sz="1800" spc="-1" strike="noStrike">
+              <a:solidFill>
+                <a:srgbClr val="000000"/>
+              </a:solidFill>
+              <a:uFill>
+                <a:solidFill>
+                  <a:srgbClr val="ffffff"/>
+                </a:solidFill>
+              </a:uFill>
+              <a:latin typeface="Arial"/>
+            </a:endParaRPr>
+          </a:p>
+        </p:txBody>
+      </p:sp>
     </p:spTree>
   </p:cSld>
   <p:timing>

--- a/rbc_sab-berlin_2016/Poster_deNBI-epi_SAB-Meeting_2016.pptx
+++ b/rbc_sab-berlin_2016/Poster_deNBI-epi_SAB-Meeting_2016.pptx
@@ -53,7 +53,7 @@
       </p:grpSpPr>
       <p:sp>
         <p:nvSpPr>
-          <p:cNvPr id="21" name="PlaceHolder 1"/>
+          <p:cNvPr id="23" name="PlaceHolder 1"/>
           <p:cNvSpPr>
             <a:spLocks noGrp="1"/>
           </p:cNvSpPr>
@@ -89,7 +89,7 @@
       </p:sp>
       <p:sp>
         <p:nvSpPr>
-          <p:cNvPr id="22" name="PlaceHolder 2"/>
+          <p:cNvPr id="24" name="PlaceHolder 2"/>
           <p:cNvSpPr>
             <a:spLocks noGrp="1"/>
           </p:cNvSpPr>
@@ -125,7 +125,7 @@
       </p:sp>
       <p:sp>
         <p:nvSpPr>
-          <p:cNvPr id="23" name="PlaceHolder 3"/>
+          <p:cNvPr id="25" name="PlaceHolder 3"/>
           <p:cNvSpPr>
             <a:spLocks noGrp="1"/>
           </p:cNvSpPr>
@@ -183,7 +183,7 @@
       </p:grpSpPr>
       <p:sp>
         <p:nvSpPr>
-          <p:cNvPr id="24" name="PlaceHolder 1"/>
+          <p:cNvPr id="26" name="PlaceHolder 1"/>
           <p:cNvSpPr>
             <a:spLocks noGrp="1"/>
           </p:cNvSpPr>
@@ -219,7 +219,7 @@
       </p:sp>
       <p:sp>
         <p:nvSpPr>
-          <p:cNvPr id="25" name="PlaceHolder 2"/>
+          <p:cNvPr id="27" name="PlaceHolder 2"/>
           <p:cNvSpPr>
             <a:spLocks noGrp="1"/>
           </p:cNvSpPr>
@@ -255,7 +255,7 @@
       </p:sp>
       <p:sp>
         <p:nvSpPr>
-          <p:cNvPr id="26" name="PlaceHolder 3"/>
+          <p:cNvPr id="28" name="PlaceHolder 3"/>
           <p:cNvSpPr>
             <a:spLocks noGrp="1"/>
           </p:cNvSpPr>
@@ -291,7 +291,7 @@
       </p:sp>
       <p:sp>
         <p:nvSpPr>
-          <p:cNvPr id="27" name="PlaceHolder 4"/>
+          <p:cNvPr id="29" name="PlaceHolder 4"/>
           <p:cNvSpPr>
             <a:spLocks noGrp="1"/>
           </p:cNvSpPr>
@@ -327,7 +327,7 @@
       </p:sp>
       <p:sp>
         <p:nvSpPr>
-          <p:cNvPr id="28" name="PlaceHolder 5"/>
+          <p:cNvPr id="30" name="PlaceHolder 5"/>
           <p:cNvSpPr>
             <a:spLocks noGrp="1"/>
           </p:cNvSpPr>
@@ -385,7 +385,7 @@
       </p:grpSpPr>
       <p:sp>
         <p:nvSpPr>
-          <p:cNvPr id="29" name="PlaceHolder 1"/>
+          <p:cNvPr id="31" name="PlaceHolder 1"/>
           <p:cNvSpPr>
             <a:spLocks noGrp="1"/>
           </p:cNvSpPr>
@@ -421,7 +421,7 @@
       </p:sp>
       <p:sp>
         <p:nvSpPr>
-          <p:cNvPr id="30" name="PlaceHolder 2"/>
+          <p:cNvPr id="32" name="PlaceHolder 2"/>
           <p:cNvSpPr>
             <a:spLocks noGrp="1"/>
           </p:cNvSpPr>
@@ -457,7 +457,7 @@
       </p:sp>
       <p:sp>
         <p:nvSpPr>
-          <p:cNvPr id="31" name="PlaceHolder 3"/>
+          <p:cNvPr id="33" name="PlaceHolder 3"/>
           <p:cNvSpPr>
             <a:spLocks noGrp="1"/>
           </p:cNvSpPr>
@@ -493,7 +493,7 @@
       </p:sp>
       <p:pic>
         <p:nvPicPr>
-          <p:cNvPr id="32" name="" descr=""/>
+          <p:cNvPr id="34" name="" descr=""/>
           <p:cNvPicPr/>
           <p:nvPr/>
         </p:nvPicPr>
@@ -516,7 +516,7 @@
       </p:pic>
       <p:pic>
         <p:nvPicPr>
-          <p:cNvPr id="33" name="" descr=""/>
+          <p:cNvPr id="35" name="" descr=""/>
           <p:cNvPicPr/>
           <p:nvPr/>
         </p:nvPicPr>
@@ -561,7 +561,7 @@
       </p:grpSpPr>
       <p:sp>
         <p:nvSpPr>
-          <p:cNvPr id="0" name="PlaceHolder 1"/>
+          <p:cNvPr id="2" name="PlaceHolder 1"/>
           <p:cNvSpPr>
             <a:spLocks noGrp="1"/>
           </p:cNvSpPr>
@@ -597,7 +597,7 @@
       </p:sp>
       <p:sp>
         <p:nvSpPr>
-          <p:cNvPr id="1" name="PlaceHolder 2"/>
+          <p:cNvPr id="3" name="PlaceHolder 2"/>
           <p:cNvSpPr>
             <a:spLocks noGrp="1"/>
           </p:cNvSpPr>
@@ -656,7 +656,7 @@
       </p:grpSpPr>
       <p:sp>
         <p:nvSpPr>
-          <p:cNvPr id="2" name="PlaceHolder 1"/>
+          <p:cNvPr id="4" name="PlaceHolder 1"/>
           <p:cNvSpPr>
             <a:spLocks noGrp="1"/>
           </p:cNvSpPr>
@@ -692,7 +692,7 @@
       </p:sp>
       <p:sp>
         <p:nvSpPr>
-          <p:cNvPr id="3" name="PlaceHolder 2"/>
+          <p:cNvPr id="5" name="PlaceHolder 2"/>
           <p:cNvSpPr>
             <a:spLocks noGrp="1"/>
           </p:cNvSpPr>
@@ -750,7 +750,7 @@
       </p:grpSpPr>
       <p:sp>
         <p:nvSpPr>
-          <p:cNvPr id="4" name="PlaceHolder 1"/>
+          <p:cNvPr id="6" name="PlaceHolder 1"/>
           <p:cNvSpPr>
             <a:spLocks noGrp="1"/>
           </p:cNvSpPr>
@@ -786,7 +786,7 @@
       </p:sp>
       <p:sp>
         <p:nvSpPr>
-          <p:cNvPr id="5" name="PlaceHolder 2"/>
+          <p:cNvPr id="7" name="PlaceHolder 2"/>
           <p:cNvSpPr>
             <a:spLocks noGrp="1"/>
           </p:cNvSpPr>
@@ -822,7 +822,7 @@
       </p:sp>
       <p:sp>
         <p:nvSpPr>
-          <p:cNvPr id="6" name="PlaceHolder 3"/>
+          <p:cNvPr id="8" name="PlaceHolder 3"/>
           <p:cNvSpPr>
             <a:spLocks noGrp="1"/>
           </p:cNvSpPr>
@@ -880,7 +880,7 @@
       </p:grpSpPr>
       <p:sp>
         <p:nvSpPr>
-          <p:cNvPr id="7" name="PlaceHolder 1"/>
+          <p:cNvPr id="9" name="PlaceHolder 1"/>
           <p:cNvSpPr>
             <a:spLocks noGrp="1"/>
           </p:cNvSpPr>
@@ -938,7 +938,7 @@
       </p:grpSpPr>
       <p:sp>
         <p:nvSpPr>
-          <p:cNvPr id="8" name="PlaceHolder 1"/>
+          <p:cNvPr id="10" name="PlaceHolder 1"/>
           <p:cNvSpPr>
             <a:spLocks noGrp="1"/>
           </p:cNvSpPr>
@@ -997,7 +997,7 @@
       </p:grpSpPr>
       <p:sp>
         <p:nvSpPr>
-          <p:cNvPr id="9" name="PlaceHolder 1"/>
+          <p:cNvPr id="11" name="PlaceHolder 1"/>
           <p:cNvSpPr>
             <a:spLocks noGrp="1"/>
           </p:cNvSpPr>
@@ -1033,7 +1033,7 @@
       </p:sp>
       <p:sp>
         <p:nvSpPr>
-          <p:cNvPr id="10" name="PlaceHolder 2"/>
+          <p:cNvPr id="12" name="PlaceHolder 2"/>
           <p:cNvSpPr>
             <a:spLocks noGrp="1"/>
           </p:cNvSpPr>
@@ -1069,7 +1069,7 @@
       </p:sp>
       <p:sp>
         <p:nvSpPr>
-          <p:cNvPr id="11" name="PlaceHolder 3"/>
+          <p:cNvPr id="13" name="PlaceHolder 3"/>
           <p:cNvSpPr>
             <a:spLocks noGrp="1"/>
           </p:cNvSpPr>
@@ -1105,7 +1105,7 @@
       </p:sp>
       <p:sp>
         <p:nvSpPr>
-          <p:cNvPr id="12" name="PlaceHolder 4"/>
+          <p:cNvPr id="14" name="PlaceHolder 4"/>
           <p:cNvSpPr>
             <a:spLocks noGrp="1"/>
           </p:cNvSpPr>
@@ -1163,7 +1163,7 @@
       </p:grpSpPr>
       <p:sp>
         <p:nvSpPr>
-          <p:cNvPr id="13" name="PlaceHolder 1"/>
+          <p:cNvPr id="15" name="PlaceHolder 1"/>
           <p:cNvSpPr>
             <a:spLocks noGrp="1"/>
           </p:cNvSpPr>
@@ -1199,7 +1199,7 @@
       </p:sp>
       <p:sp>
         <p:nvSpPr>
-          <p:cNvPr id="14" name="PlaceHolder 2"/>
+          <p:cNvPr id="16" name="PlaceHolder 2"/>
           <p:cNvSpPr>
             <a:spLocks noGrp="1"/>
           </p:cNvSpPr>
@@ -1235,7 +1235,7 @@
       </p:sp>
       <p:sp>
         <p:nvSpPr>
-          <p:cNvPr id="15" name="PlaceHolder 3"/>
+          <p:cNvPr id="17" name="PlaceHolder 3"/>
           <p:cNvSpPr>
             <a:spLocks noGrp="1"/>
           </p:cNvSpPr>
@@ -1271,7 +1271,7 @@
       </p:sp>
       <p:sp>
         <p:nvSpPr>
-          <p:cNvPr id="16" name="PlaceHolder 4"/>
+          <p:cNvPr id="18" name="PlaceHolder 4"/>
           <p:cNvSpPr>
             <a:spLocks noGrp="1"/>
           </p:cNvSpPr>
@@ -1329,7 +1329,7 @@
       </p:grpSpPr>
       <p:sp>
         <p:nvSpPr>
-          <p:cNvPr id="17" name="PlaceHolder 1"/>
+          <p:cNvPr id="19" name="PlaceHolder 1"/>
           <p:cNvSpPr>
             <a:spLocks noGrp="1"/>
           </p:cNvSpPr>
@@ -1365,7 +1365,7 @@
       </p:sp>
       <p:sp>
         <p:nvSpPr>
-          <p:cNvPr id="18" name="PlaceHolder 2"/>
+          <p:cNvPr id="20" name="PlaceHolder 2"/>
           <p:cNvSpPr>
             <a:spLocks noGrp="1"/>
           </p:cNvSpPr>
@@ -1401,7 +1401,7 @@
       </p:sp>
       <p:sp>
         <p:nvSpPr>
-          <p:cNvPr id="19" name="PlaceHolder 3"/>
+          <p:cNvPr id="21" name="PlaceHolder 3"/>
           <p:cNvSpPr>
             <a:spLocks noGrp="1"/>
           </p:cNvSpPr>
@@ -1437,7 +1437,7 @@
       </p:sp>
       <p:sp>
         <p:nvSpPr>
-          <p:cNvPr id="20" name="PlaceHolder 4"/>
+          <p:cNvPr id="22" name="PlaceHolder 4"/>
           <p:cNvSpPr>
             <a:spLocks noGrp="1"/>
           </p:cNvSpPr>
@@ -1500,6 +1500,324 @@
           <a:chExt cx="0" cy="0"/>
         </a:xfrm>
       </p:grpSpPr>
+      <p:sp>
+        <p:nvSpPr>
+          <p:cNvPr id="0" name="PlaceHolder 1"/>
+          <p:cNvSpPr>
+            <a:spLocks noGrp="1"/>
+          </p:cNvSpPr>
+          <p:nvPr>
+            <p:ph type="title"/>
+          </p:nvPr>
+        </p:nvSpPr>
+        <p:spPr>
+          <a:xfrm>
+            <a:off x="1513440" y="1707840"/>
+            <a:ext cx="27247320" cy="7148880"/>
+          </a:xfrm>
+          <a:prstGeom prst="rect">
+            <a:avLst/>
+          </a:prstGeom>
+        </p:spPr>
+        <p:txBody>
+          <a:bodyPr lIns="0" rIns="0" tIns="0" bIns="0" anchor="ctr"/>
+          <a:p>
+            <a:r>
+              <a:rPr b="0" lang="de-DE" sz="1800" spc="-1" strike="noStrike">
+                <a:solidFill>
+                  <a:srgbClr val="000000"/>
+                </a:solidFill>
+                <a:uFill>
+                  <a:solidFill>
+                    <a:srgbClr val="ffffff"/>
+                  </a:solidFill>
+                </a:uFill>
+                <a:latin typeface="Arial"/>
+              </a:rPr>
+              <a:t>Click to edit the title text format</a:t>
+            </a:r>
+            <a:endParaRPr b="0" lang="de-DE" sz="1800" spc="-1" strike="noStrike">
+              <a:solidFill>
+                <a:srgbClr val="000000"/>
+              </a:solidFill>
+              <a:uFill>
+                <a:solidFill>
+                  <a:srgbClr val="ffffff"/>
+                </a:solidFill>
+              </a:uFill>
+              <a:latin typeface="Arial"/>
+            </a:endParaRPr>
+          </a:p>
+        </p:txBody>
+      </p:sp>
+      <p:sp>
+        <p:nvSpPr>
+          <p:cNvPr id="1" name="PlaceHolder 2"/>
+          <p:cNvSpPr>
+            <a:spLocks noGrp="1"/>
+          </p:cNvSpPr>
+          <p:nvPr>
+            <p:ph type="body"/>
+          </p:nvPr>
+        </p:nvSpPr>
+        <p:spPr>
+          <a:xfrm>
+            <a:off x="1513440" y="10017720"/>
+            <a:ext cx="27247320" cy="24830280"/>
+          </a:xfrm>
+          <a:prstGeom prst="rect">
+            <a:avLst/>
+          </a:prstGeom>
+        </p:spPr>
+        <p:txBody>
+          <a:bodyPr lIns="0" rIns="0" tIns="0" bIns="0"/>
+          <a:p>
+            <a:pPr marL="432000" indent="-324000">
+              <a:buClr>
+                <a:srgbClr val="000000"/>
+              </a:buClr>
+              <a:buSzPct val="45000"/>
+              <a:buFont typeface="Wingdings" charset="2"/>
+              <a:buChar char=""/>
+            </a:pPr>
+            <a:r>
+              <a:rPr b="0" lang="de-DE" sz="1800" spc="-1" strike="noStrike">
+                <a:solidFill>
+                  <a:srgbClr val="000000"/>
+                </a:solidFill>
+                <a:uFill>
+                  <a:solidFill>
+                    <a:srgbClr val="ffffff"/>
+                  </a:solidFill>
+                </a:uFill>
+                <a:latin typeface="Arial"/>
+              </a:rPr>
+              <a:t>Click to edit the outline text format</a:t>
+            </a:r>
+            <a:endParaRPr b="0" lang="de-DE" sz="1800" spc="-1" strike="noStrike">
+              <a:solidFill>
+                <a:srgbClr val="000000"/>
+              </a:solidFill>
+              <a:uFill>
+                <a:solidFill>
+                  <a:srgbClr val="ffffff"/>
+                </a:solidFill>
+              </a:uFill>
+              <a:latin typeface="Arial"/>
+            </a:endParaRPr>
+          </a:p>
+          <a:p>
+            <a:pPr lvl="1" marL="864000" indent="-324000">
+              <a:buClr>
+                <a:srgbClr val="000000"/>
+              </a:buClr>
+              <a:buSzPct val="75000"/>
+              <a:buFont typeface="Symbol" charset="2"/>
+              <a:buChar char=""/>
+            </a:pPr>
+            <a:r>
+              <a:rPr b="0" lang="de-DE" sz="1800" spc="-1" strike="noStrike">
+                <a:solidFill>
+                  <a:srgbClr val="000000"/>
+                </a:solidFill>
+                <a:uFill>
+                  <a:solidFill>
+                    <a:srgbClr val="ffffff"/>
+                  </a:solidFill>
+                </a:uFill>
+                <a:latin typeface="Arial"/>
+              </a:rPr>
+              <a:t>Second Outline Level</a:t>
+            </a:r>
+            <a:endParaRPr b="0" lang="de-DE" sz="1800" spc="-1" strike="noStrike">
+              <a:solidFill>
+                <a:srgbClr val="000000"/>
+              </a:solidFill>
+              <a:uFill>
+                <a:solidFill>
+                  <a:srgbClr val="ffffff"/>
+                </a:solidFill>
+              </a:uFill>
+              <a:latin typeface="Arial"/>
+            </a:endParaRPr>
+          </a:p>
+          <a:p>
+            <a:pPr lvl="2" marL="1296000" indent="-288000">
+              <a:buClr>
+                <a:srgbClr val="000000"/>
+              </a:buClr>
+              <a:buSzPct val="45000"/>
+              <a:buFont typeface="Wingdings" charset="2"/>
+              <a:buChar char=""/>
+            </a:pPr>
+            <a:r>
+              <a:rPr b="0" lang="de-DE" sz="1800" spc="-1" strike="noStrike">
+                <a:solidFill>
+                  <a:srgbClr val="000000"/>
+                </a:solidFill>
+                <a:uFill>
+                  <a:solidFill>
+                    <a:srgbClr val="ffffff"/>
+                  </a:solidFill>
+                </a:uFill>
+                <a:latin typeface="Arial"/>
+              </a:rPr>
+              <a:t>Third Outline Level</a:t>
+            </a:r>
+            <a:endParaRPr b="0" lang="de-DE" sz="1800" spc="-1" strike="noStrike">
+              <a:solidFill>
+                <a:srgbClr val="000000"/>
+              </a:solidFill>
+              <a:uFill>
+                <a:solidFill>
+                  <a:srgbClr val="ffffff"/>
+                </a:solidFill>
+              </a:uFill>
+              <a:latin typeface="Arial"/>
+            </a:endParaRPr>
+          </a:p>
+          <a:p>
+            <a:pPr lvl="3" marL="1728000" indent="-216000">
+              <a:buClr>
+                <a:srgbClr val="000000"/>
+              </a:buClr>
+              <a:buSzPct val="75000"/>
+              <a:buFont typeface="Symbol" charset="2"/>
+              <a:buChar char=""/>
+            </a:pPr>
+            <a:r>
+              <a:rPr b="0" lang="de-DE" sz="1800" spc="-1" strike="noStrike">
+                <a:solidFill>
+                  <a:srgbClr val="000000"/>
+                </a:solidFill>
+                <a:uFill>
+                  <a:solidFill>
+                    <a:srgbClr val="ffffff"/>
+                  </a:solidFill>
+                </a:uFill>
+                <a:latin typeface="Arial"/>
+              </a:rPr>
+              <a:t>Fourth Outline Level</a:t>
+            </a:r>
+            <a:endParaRPr b="0" lang="de-DE" sz="1800" spc="-1" strike="noStrike">
+              <a:solidFill>
+                <a:srgbClr val="000000"/>
+              </a:solidFill>
+              <a:uFill>
+                <a:solidFill>
+                  <a:srgbClr val="ffffff"/>
+                </a:solidFill>
+              </a:uFill>
+              <a:latin typeface="Arial"/>
+            </a:endParaRPr>
+          </a:p>
+          <a:p>
+            <a:pPr lvl="4" marL="2160000" indent="-216000">
+              <a:buClr>
+                <a:srgbClr val="000000"/>
+              </a:buClr>
+              <a:buSzPct val="45000"/>
+              <a:buFont typeface="Wingdings" charset="2"/>
+              <a:buChar char=""/>
+            </a:pPr>
+            <a:r>
+              <a:rPr b="0" lang="de-DE" sz="2000" spc="-1" strike="noStrike">
+                <a:solidFill>
+                  <a:srgbClr val="000000"/>
+                </a:solidFill>
+                <a:uFill>
+                  <a:solidFill>
+                    <a:srgbClr val="ffffff"/>
+                  </a:solidFill>
+                </a:uFill>
+                <a:latin typeface="Arial"/>
+              </a:rPr>
+              <a:t>Fifth Outline Level</a:t>
+            </a:r>
+            <a:endParaRPr b="0" lang="de-DE" sz="2000" spc="-1" strike="noStrike">
+              <a:solidFill>
+                <a:srgbClr val="000000"/>
+              </a:solidFill>
+              <a:uFill>
+                <a:solidFill>
+                  <a:srgbClr val="ffffff"/>
+                </a:solidFill>
+              </a:uFill>
+              <a:latin typeface="Arial"/>
+            </a:endParaRPr>
+          </a:p>
+          <a:p>
+            <a:pPr lvl="5" marL="2592000" indent="-216000">
+              <a:buClr>
+                <a:srgbClr val="000000"/>
+              </a:buClr>
+              <a:buSzPct val="45000"/>
+              <a:buFont typeface="Wingdings" charset="2"/>
+              <a:buChar char=""/>
+            </a:pPr>
+            <a:r>
+              <a:rPr b="0" lang="de-DE" sz="2000" spc="-1" strike="noStrike">
+                <a:solidFill>
+                  <a:srgbClr val="000000"/>
+                </a:solidFill>
+                <a:uFill>
+                  <a:solidFill>
+                    <a:srgbClr val="ffffff"/>
+                  </a:solidFill>
+                </a:uFill>
+                <a:latin typeface="Arial"/>
+              </a:rPr>
+              <a:t>Sixth Outline Level</a:t>
+            </a:r>
+            <a:endParaRPr b="0" lang="de-DE" sz="2000" spc="-1" strike="noStrike">
+              <a:solidFill>
+                <a:srgbClr val="000000"/>
+              </a:solidFill>
+              <a:uFill>
+                <a:solidFill>
+                  <a:srgbClr val="ffffff"/>
+                </a:solidFill>
+              </a:uFill>
+              <a:latin typeface="Arial"/>
+            </a:endParaRPr>
+          </a:p>
+          <a:p>
+            <a:pPr lvl="6" marL="3024000" indent="-216000">
+              <a:buClr>
+                <a:srgbClr val="000000"/>
+              </a:buClr>
+              <a:buSzPct val="45000"/>
+              <a:buFont typeface="Wingdings" charset="2"/>
+              <a:buChar char=""/>
+            </a:pPr>
+            <a:r>
+              <a:rPr b="0" lang="de-DE" sz="2000" spc="-1" strike="noStrike">
+                <a:solidFill>
+                  <a:srgbClr val="000000"/>
+                </a:solidFill>
+                <a:uFill>
+                  <a:solidFill>
+                    <a:srgbClr val="ffffff"/>
+                  </a:solidFill>
+                </a:uFill>
+                <a:latin typeface="Arial"/>
+              </a:rPr>
+              <a:t>Seventh Outline Level</a:t>
+            </a:r>
+            <a:endParaRPr b="0" lang="de-DE" sz="2000" spc="-1" strike="noStrike">
+              <a:solidFill>
+                <a:srgbClr val="000000"/>
+              </a:solidFill>
+              <a:uFill>
+                <a:solidFill>
+                  <a:srgbClr val="ffffff"/>
+                </a:solidFill>
+              </a:uFill>
+              <a:latin typeface="Arial"/>
+            </a:endParaRPr>
+          </a:p>
+        </p:txBody>
+      </p:sp>
     </p:spTree>
   </p:cSld>
   <p:clrMap bg1="lt1" bg2="lt2" tx1="dk1" tx2="dk2" accent1="accent1" accent2="accent2" accent3="accent3" accent4="accent4" accent5="accent5" accent6="accent6" hlink="hlink" folHlink="folHlink"/>
@@ -1539,7 +1857,7 @@
       </p:grpSpPr>
       <p:sp>
         <p:nvSpPr>
-          <p:cNvPr id="34" name="CustomShape 1"/>
+          <p:cNvPr id="36" name="CustomShape 1"/>
           <p:cNvSpPr/>
           <p:nvPr/>
         </p:nvSpPr>
@@ -1591,7 +1909,7 @@
       </p:sp>
       <p:pic>
         <p:nvPicPr>
-          <p:cNvPr id="35" name="Grafik 8" descr=""/>
+          <p:cNvPr id="37" name="Grafik 8" descr=""/>
           <p:cNvPicPr/>
           <p:nvPr/>
         </p:nvPicPr>
@@ -1614,7 +1932,7 @@
       </p:pic>
       <p:sp>
         <p:nvSpPr>
-          <p:cNvPr id="36" name="CustomShape 2"/>
+          <p:cNvPr id="38" name="CustomShape 2"/>
           <p:cNvSpPr/>
           <p:nvPr/>
         </p:nvSpPr>
@@ -1658,7 +1976,7 @@
       </p:sp>
       <p:sp>
         <p:nvSpPr>
-          <p:cNvPr id="37" name="CustomShape 3"/>
+          <p:cNvPr id="39" name="CustomShape 3"/>
           <p:cNvSpPr/>
           <p:nvPr/>
         </p:nvSpPr>
@@ -1735,7 +2053,7 @@
       </p:sp>
       <p:sp>
         <p:nvSpPr>
-          <p:cNvPr id="38" name="CustomShape 4"/>
+          <p:cNvPr id="40" name="CustomShape 4"/>
           <p:cNvSpPr/>
           <p:nvPr/>
         </p:nvSpPr>
@@ -1779,7 +2097,7 @@
       </p:sp>
       <p:sp>
         <p:nvSpPr>
-          <p:cNvPr id="39" name="CustomShape 5"/>
+          <p:cNvPr id="41" name="CustomShape 5"/>
           <p:cNvSpPr/>
           <p:nvPr/>
         </p:nvSpPr>
@@ -1805,7 +2123,7 @@
       </p:sp>
       <p:pic>
         <p:nvPicPr>
-          <p:cNvPr id="40" name="Grafik 62" descr=""/>
+          <p:cNvPr id="42" name="Grafik 62" descr=""/>
           <p:cNvPicPr/>
           <p:nvPr/>
         </p:nvPicPr>
@@ -1828,7 +2146,7 @@
       </p:pic>
       <p:sp>
         <p:nvSpPr>
-          <p:cNvPr id="41" name="Line 6"/>
+          <p:cNvPr id="43" name="Line 6"/>
           <p:cNvSpPr/>
           <p:nvPr/>
         </p:nvSpPr>
@@ -1862,7 +2180,7 @@
       </p:sp>
       <p:sp>
         <p:nvSpPr>
-          <p:cNvPr id="42" name="CustomShape 7"/>
+          <p:cNvPr id="44" name="CustomShape 7"/>
           <p:cNvSpPr/>
           <p:nvPr/>
         </p:nvSpPr>
@@ -1924,7 +2242,7 @@
       </p:sp>
       <p:sp>
         <p:nvSpPr>
-          <p:cNvPr id="43" name="CustomShape 8"/>
+          <p:cNvPr id="45" name="CustomShape 8"/>
           <p:cNvSpPr/>
           <p:nvPr/>
         </p:nvSpPr>
@@ -2052,7 +2370,7 @@
       </p:sp>
       <p:sp>
         <p:nvSpPr>
-          <p:cNvPr id="44" name="CustomShape 9"/>
+          <p:cNvPr id="46" name="CustomShape 9"/>
           <p:cNvSpPr/>
           <p:nvPr/>
         </p:nvSpPr>
@@ -2129,7 +2447,7 @@
                 <a:latin typeface="Arial"/>
                 <a:ea typeface="DejaVu Sans"/>
               </a:rPr>
-              <a:t>RNA Bioinformatics Center, University of Freiburg, Germany</a:t>
+              <a:t>RNAx Bioinformatics Center, University of Freiburg, Germany</a:t>
             </a:r>
             <a:endParaRPr b="0" lang="en-US" sz="1800" spc="-1" strike="noStrike">
               <a:solidFill>
@@ -2147,7 +2465,7 @@
       </p:sp>
       <p:sp>
         <p:nvSpPr>
-          <p:cNvPr id="45" name="CustomShape 10"/>
+          <p:cNvPr id="47" name="CustomShape 10"/>
           <p:cNvSpPr/>
           <p:nvPr/>
         </p:nvSpPr>
@@ -2209,7 +2527,7 @@
       </p:sp>
       <p:pic>
         <p:nvPicPr>
-          <p:cNvPr id="46" name="Bild 1" descr=""/>
+          <p:cNvPr id="48" name="Bild 1" descr=""/>
           <p:cNvPicPr/>
           <p:nvPr/>
         </p:nvPicPr>
@@ -2232,7 +2550,7 @@
       </p:pic>
       <p:sp>
         <p:nvSpPr>
-          <p:cNvPr id="47" name="CustomShape 11"/>
+          <p:cNvPr id="49" name="CustomShape 11"/>
           <p:cNvSpPr/>
           <p:nvPr/>
         </p:nvSpPr>
@@ -2276,7 +2594,7 @@
                 <a:latin typeface="Arial"/>
                 <a:ea typeface="DejaVu Sans"/>
               </a:rPr>
-              <a:t>Förderkennzeichen Nr…..</a:t>
+              <a:t>Förderkennzeichen Nr. 031A538A</a:t>
             </a:r>
             <a:endParaRPr b="0" lang="en-US" sz="1800" spc="-1" strike="noStrike">
               <a:solidFill>
@@ -2294,7 +2612,7 @@
       </p:sp>
       <p:sp>
         <p:nvSpPr>
-          <p:cNvPr id="48" name="CustomShape 12"/>
+          <p:cNvPr id="50" name="CustomShape 12"/>
           <p:cNvSpPr/>
           <p:nvPr/>
         </p:nvSpPr>
@@ -2358,13 +2676,13 @@
       </p:sp>
       <p:sp>
         <p:nvSpPr>
-          <p:cNvPr id="49" name="CustomShape 13"/>
+          <p:cNvPr id="51" name="CustomShape 13"/>
           <p:cNvSpPr/>
           <p:nvPr/>
         </p:nvSpPr>
         <p:spPr>
           <a:xfrm>
-            <a:off x="16550640" y="24508080"/>
+            <a:off x="16205400" y="28074600"/>
             <a:ext cx="12598200" cy="1003320"/>
           </a:xfrm>
           <a:prstGeom prst="rect">
@@ -2422,7 +2740,7 @@
       </p:sp>
       <p:sp>
         <p:nvSpPr>
-          <p:cNvPr id="50" name="CustomShape 14"/>
+          <p:cNvPr id="52" name="CustomShape 14"/>
           <p:cNvSpPr/>
           <p:nvPr/>
         </p:nvSpPr>
@@ -2486,13 +2804,13 @@
       </p:sp>
       <p:sp>
         <p:nvSpPr>
-          <p:cNvPr id="51" name="CustomShape 15"/>
+          <p:cNvPr id="53" name="CustomShape 15"/>
           <p:cNvSpPr/>
           <p:nvPr/>
         </p:nvSpPr>
         <p:spPr>
           <a:xfrm>
-            <a:off x="1391400" y="35114760"/>
+            <a:off x="1280160" y="32918400"/>
             <a:ext cx="12598200" cy="1003320"/>
           </a:xfrm>
           <a:prstGeom prst="rect">
@@ -2550,14 +2868,14 @@
       </p:sp>
       <p:sp>
         <p:nvSpPr>
-          <p:cNvPr id="52" name="CustomShape 16"/>
+          <p:cNvPr id="54" name="CustomShape 16"/>
           <p:cNvSpPr/>
           <p:nvPr/>
         </p:nvSpPr>
         <p:spPr>
           <a:xfrm>
-            <a:off x="1171440" y="24140160"/>
-            <a:ext cx="13715280" cy="2559960"/>
+            <a:off x="1554480" y="36366840"/>
+            <a:ext cx="12477960" cy="3976920"/>
           </a:xfrm>
           <a:prstGeom prst="rect">
             <a:avLst/>
@@ -2578,7 +2896,7 @@
           <a:p>
             <a:pPr>
               <a:lnSpc>
-                <a:spcPct val="115000"/>
+                <a:spcPct val="100000"/>
               </a:lnSpc>
             </a:pPr>
             <a:r>
@@ -2594,98 +2912,206 @@
                 <a:latin typeface="Arial"/>
                 <a:ea typeface="DejaVu Sans"/>
               </a:rPr>
-              <a:t>Contribute to Open Source projects to create, distribute and maintain bioinformatics software in an easy way but transparent and reproducible way. To achieve these goals we are co-leading projects like </a:t>
-            </a:r>
-            <a:r>
-              <a:rPr b="1" lang="en-US" sz="3200" spc="-1" strike="noStrike">
-                <a:solidFill>
-                  <a:srgbClr val="000000"/>
-                </a:solidFill>
-                <a:uFill>
-                  <a:solidFill>
-                    <a:srgbClr val="ffffff"/>
-                  </a:solidFill>
-                </a:uFill>
-                <a:latin typeface="Arial"/>
-                <a:ea typeface="DejaVu Sans"/>
-              </a:rPr>
-              <a:t>Bioconda</a:t>
-            </a:r>
-            <a:r>
-              <a:rPr b="0" lang="en-US" sz="3200" spc="-1" strike="noStrike">
-                <a:solidFill>
-                  <a:srgbClr val="000000"/>
-                </a:solidFill>
-                <a:uFill>
-                  <a:solidFill>
-                    <a:srgbClr val="ffffff"/>
-                  </a:solidFill>
-                </a:uFill>
-                <a:latin typeface="Arial"/>
-                <a:ea typeface="DejaVu Sans"/>
-              </a:rPr>
-              <a:t>, </a:t>
-            </a:r>
-            <a:r>
-              <a:rPr b="1" lang="en-US" sz="3200" spc="-1" strike="noStrike">
-                <a:solidFill>
-                  <a:srgbClr val="000000"/>
-                </a:solidFill>
-                <a:uFill>
-                  <a:solidFill>
-                    <a:srgbClr val="ffffff"/>
-                  </a:solidFill>
-                </a:uFill>
-                <a:latin typeface="Arial"/>
-                <a:ea typeface="DejaVu Sans"/>
-              </a:rPr>
-              <a:t>Biocontainers</a:t>
-            </a:r>
-            <a:r>
-              <a:rPr b="0" lang="en-US" sz="3200" spc="-1" strike="noStrike">
-                <a:solidFill>
-                  <a:srgbClr val="000000"/>
-                </a:solidFill>
-                <a:uFill>
-                  <a:solidFill>
-                    <a:srgbClr val="ffffff"/>
-                  </a:solidFill>
-                </a:uFill>
-                <a:latin typeface="Arial"/>
-                <a:ea typeface="DejaVu Sans"/>
-              </a:rPr>
-              <a:t> and </a:t>
-            </a:r>
-            <a:r>
-              <a:rPr b="1" lang="en-US" sz="3200" spc="-1" strike="noStrike">
-                <a:solidFill>
-                  <a:srgbClr val="000000"/>
-                </a:solidFill>
-                <a:uFill>
-                  <a:solidFill>
-                    <a:srgbClr val="ffffff"/>
-                  </a:solidFill>
-                </a:uFill>
-                <a:latin typeface="Arial"/>
-                <a:ea typeface="DejaVu Sans"/>
-              </a:rPr>
-              <a:t>Galaxy</a:t>
-            </a:r>
-            <a:r>
-              <a:rPr b="0" lang="en-US" sz="3200" spc="-1" strike="noStrike">
-                <a:solidFill>
-                  <a:srgbClr val="000000"/>
-                </a:solidFill>
-                <a:uFill>
-                  <a:solidFill>
-                    <a:srgbClr val="ffffff"/>
-                  </a:solidFill>
-                </a:uFill>
-                <a:latin typeface="Arial"/>
-                <a:ea typeface="DejaVu Sans"/>
-              </a:rPr>
-              <a:t>.</a:t>
-            </a:r>
+              <a:t>Ramírez, F., Ryan, D.P., Grüning, B., Bhardwaj, V., Kilpert, F., Richter, A.S., Heyne, S., Dündar, F. and Manke, T., 2016. deepTools2: a next generation web server for deep-sequencing data analysis. Nucleic acids research, p.gkw257.</a:t>
+            </a:r>
+            <a:endParaRPr b="0" lang="en-US" sz="1800" spc="-1" strike="noStrike">
+              <a:solidFill>
+                <a:srgbClr val="000000"/>
+              </a:solidFill>
+              <a:uFill>
+                <a:solidFill>
+                  <a:srgbClr val="ffffff"/>
+                </a:solidFill>
+              </a:uFill>
+              <a:latin typeface="Arial"/>
+            </a:endParaRPr>
+          </a:p>
+          <a:p>
+            <a:pPr>
+              <a:lnSpc>
+                <a:spcPct val="100000"/>
+              </a:lnSpc>
+            </a:pPr>
+            <a:endParaRPr b="0" lang="en-US" sz="1800" spc="-1" strike="noStrike">
+              <a:solidFill>
+                <a:srgbClr val="000000"/>
+              </a:solidFill>
+              <a:uFill>
+                <a:solidFill>
+                  <a:srgbClr val="ffffff"/>
+                </a:solidFill>
+              </a:uFill>
+              <a:latin typeface="Arial"/>
+            </a:endParaRPr>
+          </a:p>
+          <a:p>
+            <a:pPr algn="just">
+              <a:lnSpc>
+                <a:spcPct val="100000"/>
+              </a:lnSpc>
+            </a:pPr>
+            <a:r>
+              <a:rPr b="0" lang="en-US" sz="1800" spc="-1" strike="noStrike">
+                <a:solidFill>
+                  <a:srgbClr val="000000"/>
+                </a:solidFill>
+                <a:uFill>
+                  <a:solidFill>
+                    <a:srgbClr val="ffffff"/>
+                  </a:solidFill>
+                </a:uFill>
+                <a:latin typeface="Arial"/>
+                <a:ea typeface="DejaVu Sans"/>
+              </a:rPr>
+              <a:t>Tools and data services registry: a community effort to document bioinformatics resources.</a:t>
+            </a:r>
+            <a:endParaRPr b="0" lang="en-US" sz="1800" spc="-1" strike="noStrike">
+              <a:solidFill>
+                <a:srgbClr val="000000"/>
+              </a:solidFill>
+              <a:uFill>
+                <a:solidFill>
+                  <a:srgbClr val="ffffff"/>
+                </a:solidFill>
+              </a:uFill>
+              <a:latin typeface="Arial"/>
+            </a:endParaRPr>
+          </a:p>
+          <a:p>
+            <a:pPr algn="just">
+              <a:lnSpc>
+                <a:spcPct val="100000"/>
+              </a:lnSpc>
+            </a:pPr>
+            <a:r>
+              <a:rPr b="0" lang="en-US" sz="1800" spc="-1" strike="noStrike">
+                <a:solidFill>
+                  <a:srgbClr val="000000"/>
+                </a:solidFill>
+                <a:uFill>
+                  <a:solidFill>
+                    <a:srgbClr val="ffffff"/>
+                  </a:solidFill>
+                </a:uFill>
+                <a:latin typeface="Arial"/>
+                <a:ea typeface="DejaVu Sans"/>
+              </a:rPr>
+              <a:t>    </a:t>
+            </a:r>
+            <a:r>
+              <a:rPr b="0" lang="en-US" sz="1800" spc="-1" strike="noStrike">
+                <a:solidFill>
+                  <a:srgbClr val="000000"/>
+                </a:solidFill>
+                <a:uFill>
+                  <a:solidFill>
+                    <a:srgbClr val="ffffff"/>
+                  </a:solidFill>
+                </a:uFill>
+                <a:latin typeface="Arial"/>
+                <a:ea typeface="DejaVu Sans"/>
+              </a:rPr>
+              <a:t>doi: 10.1093/nar/gkv1116</a:t>
+            </a:r>
+            <a:endParaRPr b="0" lang="en-US" sz="1800" spc="-1" strike="noStrike">
+              <a:solidFill>
+                <a:srgbClr val="000000"/>
+              </a:solidFill>
+              <a:uFill>
+                <a:solidFill>
+                  <a:srgbClr val="ffffff"/>
+                </a:solidFill>
+              </a:uFill>
+              <a:latin typeface="Arial"/>
+            </a:endParaRPr>
+          </a:p>
+          <a:p>
+            <a:pPr algn="just">
+              <a:lnSpc>
+                <a:spcPct val="100000"/>
+              </a:lnSpc>
+            </a:pPr>
+            <a:r>
+              <a:rPr b="0" lang="en-US" sz="1800" spc="-1" strike="noStrike">
+                <a:solidFill>
+                  <a:srgbClr val="000000"/>
+                </a:solidFill>
+                <a:uFill>
+                  <a:solidFill>
+                    <a:srgbClr val="ffffff"/>
+                  </a:solidFill>
+                </a:uFill>
+                <a:latin typeface="Arial"/>
+                <a:ea typeface="DejaVu Sans"/>
+              </a:rPr>
+              <a:t>The Galaxy platform for accessible, reproducible and collaborative biomedical analyses: 2016 update.</a:t>
+            </a:r>
+            <a:endParaRPr b="0" lang="en-US" sz="1800" spc="-1" strike="noStrike">
+              <a:solidFill>
+                <a:srgbClr val="000000"/>
+              </a:solidFill>
+              <a:uFill>
+                <a:solidFill>
+                  <a:srgbClr val="ffffff"/>
+                </a:solidFill>
+              </a:uFill>
+              <a:latin typeface="Arial"/>
+            </a:endParaRPr>
+          </a:p>
+          <a:p>
+            <a:pPr algn="just">
+              <a:lnSpc>
+                <a:spcPct val="100000"/>
+              </a:lnSpc>
+            </a:pPr>
+            <a:r>
+              <a:rPr b="0" lang="en-US" sz="1800" spc="-1" strike="noStrike">
+                <a:solidFill>
+                  <a:srgbClr val="000000"/>
+                </a:solidFill>
+                <a:uFill>
+                  <a:solidFill>
+                    <a:srgbClr val="ffffff"/>
+                  </a:solidFill>
+                </a:uFill>
+                <a:latin typeface="Arial"/>
+                <a:ea typeface="DejaVu Sans"/>
+              </a:rPr>
+              <a:t>    </a:t>
+            </a:r>
+            <a:r>
+              <a:rPr b="0" lang="en-US" sz="1800" spc="-1" strike="noStrike">
+                <a:solidFill>
+                  <a:srgbClr val="000000"/>
+                </a:solidFill>
+                <a:uFill>
+                  <a:solidFill>
+                    <a:srgbClr val="ffffff"/>
+                  </a:solidFill>
+                </a:uFill>
+                <a:latin typeface="Arial"/>
+                <a:ea typeface="DejaVu Sans"/>
+              </a:rPr>
+              <a:t>doi: 10.1093/nar/gkw343</a:t>
+            </a:r>
+            <a:endParaRPr b="0" lang="en-US" sz="1800" spc="-1" strike="noStrike">
+              <a:solidFill>
+                <a:srgbClr val="000000"/>
+              </a:solidFill>
+              <a:uFill>
+                <a:solidFill>
+                  <a:srgbClr val="ffffff"/>
+                </a:solidFill>
+              </a:uFill>
+              <a:latin typeface="Arial"/>
+            </a:endParaRPr>
+          </a:p>
+          <a:p>
+            <a:pPr>
+              <a:lnSpc>
+                <a:spcPct val="100000"/>
+              </a:lnSpc>
+            </a:pPr>
             <a:endParaRPr b="0" lang="en-US" sz="1800" spc="-1" strike="noStrike">
               <a:solidFill>
                 <a:srgbClr val="000000"/>
@@ -2700,21 +3126,46 @@
           </a:p>
         </p:txBody>
       </p:sp>
+      <p:pic>
+        <p:nvPicPr>
+          <p:cNvPr id="55" name="Grafik 6" descr=""/>
+          <p:cNvPicPr/>
+          <p:nvPr/>
+        </p:nvPicPr>
+        <p:blipFill>
+          <a:blip r:embed="rId5"/>
+          <a:stretch/>
+        </p:blipFill>
+        <p:spPr>
+          <a:xfrm>
+            <a:off x="3367800" y="41294160"/>
+            <a:ext cx="1851120" cy="1258200"/>
+          </a:xfrm>
+          <a:prstGeom prst="rect">
+            <a:avLst/>
+          </a:prstGeom>
+          <a:ln>
+            <a:noFill/>
+          </a:ln>
+        </p:spPr>
+      </p:pic>
       <p:sp>
         <p:nvSpPr>
-          <p:cNvPr id="53" name="CustomShape 17"/>
+          <p:cNvPr id="56" name="CustomShape 17"/>
           <p:cNvSpPr/>
           <p:nvPr/>
         </p:nvSpPr>
         <p:spPr>
           <a:xfrm>
-            <a:off x="1554480" y="36366840"/>
-            <a:ext cx="12477960" cy="3976920"/>
-          </a:xfrm>
-          <a:prstGeom prst="rect">
-            <a:avLst/>
-          </a:prstGeom>
-          <a:noFill/>
+            <a:off x="16598160" y="10379160"/>
+            <a:ext cx="12598200" cy="1003320"/>
+          </a:xfrm>
+          <a:prstGeom prst="rect">
+            <a:avLst/>
+          </a:prstGeom>
+          <a:solidFill>
+            <a:srgbClr val="00adef"/>
+          </a:solidFill>
           <a:ln>
             <a:noFill/>
           </a:ln>
@@ -2734,218 +3185,35 @@
               </a:lnSpc>
             </a:pPr>
             <a:r>
-              <a:rPr b="0" lang="en-US" sz="3200" spc="-1" strike="noStrike">
-                <a:solidFill>
-                  <a:srgbClr val="000000"/>
-                </a:solidFill>
-                <a:uFill>
-                  <a:solidFill>
-                    <a:srgbClr val="ffffff"/>
-                  </a:solidFill>
-                </a:uFill>
-                <a:latin typeface="Arial"/>
-                <a:ea typeface="DejaVu Sans"/>
-              </a:rPr>
-              <a:t>Ramírez, F., Ryan, D.P., Grüning, B., Bhardwaj, V., Kilpert, F., Richter, A.S., Heyne, S., Dündar, F. and Manke, T., 2016. deepTools2: a next generation web server for deep-sequencing data analysis. Nucleic acids research, p.gkw257.</a:t>
-            </a:r>
-            <a:endParaRPr b="0" lang="en-US" sz="1800" spc="-1" strike="noStrike">
-              <a:solidFill>
-                <a:srgbClr val="000000"/>
-              </a:solidFill>
-              <a:uFill>
-                <a:solidFill>
-                  <a:srgbClr val="ffffff"/>
-                </a:solidFill>
-              </a:uFill>
-              <a:latin typeface="Arial"/>
-            </a:endParaRPr>
-          </a:p>
-          <a:p>
-            <a:pPr>
-              <a:lnSpc>
-                <a:spcPct val="100000"/>
-              </a:lnSpc>
-            </a:pPr>
-            <a:endParaRPr b="0" lang="en-US" sz="1800" spc="-1" strike="noStrike">
-              <a:solidFill>
-                <a:srgbClr val="000000"/>
-              </a:solidFill>
-              <a:uFill>
-                <a:solidFill>
-                  <a:srgbClr val="ffffff"/>
-                </a:solidFill>
-              </a:uFill>
-              <a:latin typeface="Arial"/>
-            </a:endParaRPr>
-          </a:p>
-          <a:p>
-            <a:pPr algn="just">
-              <a:lnSpc>
-                <a:spcPct val="100000"/>
-              </a:lnSpc>
-            </a:pPr>
-            <a:r>
-              <a:rPr b="0" lang="en-US" sz="1800" spc="-1" strike="noStrike">
-                <a:solidFill>
-                  <a:srgbClr val="000000"/>
-                </a:solidFill>
-                <a:uFill>
-                  <a:solidFill>
-                    <a:srgbClr val="ffffff"/>
-                  </a:solidFill>
-                </a:uFill>
-                <a:latin typeface="Arial"/>
-                <a:ea typeface="DejaVu Sans"/>
-              </a:rPr>
-              <a:t>Tools and data services registry: a community effort to document bioinformatics resources.</a:t>
-            </a:r>
-            <a:endParaRPr b="0" lang="en-US" sz="1800" spc="-1" strike="noStrike">
-              <a:solidFill>
-                <a:srgbClr val="000000"/>
-              </a:solidFill>
-              <a:uFill>
-                <a:solidFill>
-                  <a:srgbClr val="ffffff"/>
-                </a:solidFill>
-              </a:uFill>
-              <a:latin typeface="Arial"/>
-            </a:endParaRPr>
-          </a:p>
-          <a:p>
-            <a:pPr algn="just">
-              <a:lnSpc>
-                <a:spcPct val="100000"/>
-              </a:lnSpc>
-            </a:pPr>
-            <a:r>
-              <a:rPr b="0" lang="en-US" sz="1800" spc="-1" strike="noStrike">
-                <a:solidFill>
-                  <a:srgbClr val="000000"/>
-                </a:solidFill>
-                <a:uFill>
-                  <a:solidFill>
-                    <a:srgbClr val="ffffff"/>
-                  </a:solidFill>
-                </a:uFill>
-                <a:latin typeface="Arial"/>
-                <a:ea typeface="DejaVu Sans"/>
-              </a:rPr>
-              <a:t>    </a:t>
-            </a:r>
-            <a:r>
-              <a:rPr b="0" lang="en-US" sz="1800" spc="-1" strike="noStrike">
-                <a:solidFill>
-                  <a:srgbClr val="000000"/>
-                </a:solidFill>
-                <a:uFill>
-                  <a:solidFill>
-                    <a:srgbClr val="ffffff"/>
-                  </a:solidFill>
-                </a:uFill>
-                <a:latin typeface="Arial"/>
-                <a:ea typeface="DejaVu Sans"/>
-              </a:rPr>
-              <a:t>doi: 10.1093/nar/gkv1116</a:t>
-            </a:r>
-            <a:endParaRPr b="0" lang="en-US" sz="1800" spc="-1" strike="noStrike">
-              <a:solidFill>
-                <a:srgbClr val="000000"/>
-              </a:solidFill>
-              <a:uFill>
-                <a:solidFill>
-                  <a:srgbClr val="ffffff"/>
-                </a:solidFill>
-              </a:uFill>
-              <a:latin typeface="Arial"/>
-            </a:endParaRPr>
-          </a:p>
-          <a:p>
-            <a:pPr algn="just">
-              <a:lnSpc>
-                <a:spcPct val="100000"/>
-              </a:lnSpc>
-            </a:pPr>
-            <a:r>
-              <a:rPr b="0" lang="en-US" sz="1800" spc="-1" strike="noStrike">
-                <a:solidFill>
-                  <a:srgbClr val="000000"/>
-                </a:solidFill>
-                <a:uFill>
-                  <a:solidFill>
-                    <a:srgbClr val="ffffff"/>
-                  </a:solidFill>
-                </a:uFill>
-                <a:latin typeface="Arial"/>
-                <a:ea typeface="DejaVu Sans"/>
-              </a:rPr>
-              <a:t>The Galaxy platform for accessible, reproducible and collaborative biomedical analyses: 2016 update.</a:t>
-            </a:r>
-            <a:endParaRPr b="0" lang="en-US" sz="1800" spc="-1" strike="noStrike">
-              <a:solidFill>
-                <a:srgbClr val="000000"/>
-              </a:solidFill>
-              <a:uFill>
-                <a:solidFill>
-                  <a:srgbClr val="ffffff"/>
-                </a:solidFill>
-              </a:uFill>
-              <a:latin typeface="Arial"/>
-            </a:endParaRPr>
-          </a:p>
-          <a:p>
-            <a:pPr algn="just">
-              <a:lnSpc>
-                <a:spcPct val="100000"/>
-              </a:lnSpc>
-            </a:pPr>
-            <a:r>
-              <a:rPr b="0" lang="en-US" sz="1800" spc="-1" strike="noStrike">
-                <a:solidFill>
-                  <a:srgbClr val="000000"/>
-                </a:solidFill>
-                <a:uFill>
-                  <a:solidFill>
-                    <a:srgbClr val="ffffff"/>
-                  </a:solidFill>
-                </a:uFill>
-                <a:latin typeface="Arial"/>
-                <a:ea typeface="DejaVu Sans"/>
-              </a:rPr>
-              <a:t>    </a:t>
-            </a:r>
-            <a:r>
-              <a:rPr b="0" lang="en-US" sz="1800" spc="-1" strike="noStrike">
-                <a:solidFill>
-                  <a:srgbClr val="000000"/>
-                </a:solidFill>
-                <a:uFill>
-                  <a:solidFill>
-                    <a:srgbClr val="ffffff"/>
-                  </a:solidFill>
-                </a:uFill>
-                <a:latin typeface="Arial"/>
-                <a:ea typeface="DejaVu Sans"/>
-              </a:rPr>
-              <a:t>doi: 10.1093/nar/gkw343</a:t>
-            </a:r>
-            <a:endParaRPr b="0" lang="en-US" sz="1800" spc="-1" strike="noStrike">
-              <a:solidFill>
-                <a:srgbClr val="000000"/>
-              </a:solidFill>
-              <a:uFill>
-                <a:solidFill>
-                  <a:srgbClr val="ffffff"/>
-                </a:solidFill>
-              </a:uFill>
-              <a:latin typeface="Arial"/>
-            </a:endParaRPr>
-          </a:p>
-          <a:p>
-            <a:pPr>
-              <a:lnSpc>
-                <a:spcPct val="100000"/>
-              </a:lnSpc>
-            </a:pPr>
+              <a:rPr b="1" lang="en-US" sz="6000" spc="-1" strike="noStrike">
+                <a:solidFill>
+                  <a:srgbClr val="ffffff"/>
+                </a:solidFill>
+                <a:uFill>
+                  <a:solidFill>
+                    <a:srgbClr val="ffffff"/>
+                  </a:solidFill>
+                </a:uFill>
+                <a:latin typeface="Arial"/>
+                <a:ea typeface="DejaVu Sans"/>
+              </a:rPr>
+              <a:t>de.NBI services   </a:t>
+            </a:r>
+            <a:r>
+              <a:rPr b="1" lang="en-US" sz="4000" spc="-1" strike="noStrike">
+                <a:solidFill>
+                  <a:srgbClr val="ffffff"/>
+                </a:solidFill>
+                <a:uFill>
+                  <a:solidFill>
+                    <a:srgbClr val="ffffff"/>
+                  </a:solidFill>
+                </a:uFill>
+                <a:latin typeface="Arial"/>
+                <a:ea typeface="DejaVu Sans"/>
+              </a:rPr>
+              <a:t> </a:t>
+            </a:r>
             <a:endParaRPr b="0" lang="en-US" sz="1800" spc="-1" strike="noStrike">
               <a:solidFill>
                 <a:srgbClr val="000000"/>
@@ -2962,109 +3230,7 @@
       </p:sp>
       <p:pic>
         <p:nvPicPr>
-          <p:cNvPr id="54" name="Grafik 6" descr=""/>
-          <p:cNvPicPr/>
-          <p:nvPr/>
-        </p:nvPicPr>
-        <p:blipFill>
-          <a:blip r:embed="rId5"/>
-          <a:stretch/>
-        </p:blipFill>
-        <p:spPr>
-          <a:xfrm>
-            <a:off x="3367800" y="41294160"/>
-            <a:ext cx="1851120" cy="1258200"/>
-          </a:xfrm>
-          <a:prstGeom prst="rect">
-            <a:avLst/>
-          </a:prstGeom>
-          <a:ln>
-            <a:noFill/>
-          </a:ln>
-        </p:spPr>
-      </p:pic>
-      <p:sp>
-        <p:nvSpPr>
-          <p:cNvPr id="55" name="CustomShape 18"/>
-          <p:cNvSpPr/>
-          <p:nvPr/>
-        </p:nvSpPr>
-        <p:spPr>
-          <a:xfrm>
-            <a:off x="16598160" y="10379160"/>
-            <a:ext cx="12598200" cy="1003320"/>
-          </a:xfrm>
-          <a:prstGeom prst="rect">
-            <a:avLst/>
-          </a:prstGeom>
-          <a:solidFill>
-            <a:srgbClr val="00adef"/>
-          </a:solidFill>
-          <a:ln>
-            <a:noFill/>
-          </a:ln>
-        </p:spPr>
-        <p:style>
-          <a:lnRef idx="0"/>
-          <a:fillRef idx="0"/>
-          <a:effectRef idx="0"/>
-          <a:fontRef idx="minor"/>
-        </p:style>
-        <p:txBody>
-          <a:bodyPr lIns="90000" rIns="90000" tIns="45000" bIns="45000"/>
-          <a:p>
-            <a:pPr>
-              <a:lnSpc>
-                <a:spcPct val="100000"/>
-              </a:lnSpc>
-            </a:pPr>
-            <a:r>
-              <a:rPr b="1" lang="en-US" sz="6000" spc="-1" strike="noStrike">
-                <a:solidFill>
-                  <a:srgbClr val="ffffff"/>
-                </a:solidFill>
-                <a:uFill>
-                  <a:solidFill>
-                    <a:srgbClr val="ffffff"/>
-                  </a:solidFill>
-                </a:uFill>
-                <a:latin typeface="Arial"/>
-                <a:ea typeface="DejaVu Sans"/>
-              </a:rPr>
-              <a:t>de.NBI services   </a:t>
-            </a:r>
-            <a:r>
-              <a:rPr b="1" lang="en-US" sz="4000" spc="-1" strike="noStrike">
-                <a:solidFill>
-                  <a:srgbClr val="ffffff"/>
-                </a:solidFill>
-                <a:uFill>
-                  <a:solidFill>
-                    <a:srgbClr val="ffffff"/>
-                  </a:solidFill>
-                </a:uFill>
-                <a:latin typeface="Arial"/>
-                <a:ea typeface="DejaVu Sans"/>
-              </a:rPr>
-              <a:t> </a:t>
-            </a:r>
-            <a:endParaRPr b="0" lang="en-US" sz="1800" spc="-1" strike="noStrike">
-              <a:solidFill>
-                <a:srgbClr val="000000"/>
-              </a:solidFill>
-              <a:uFill>
-                <a:solidFill>
-                  <a:srgbClr val="ffffff"/>
-                </a:solidFill>
-              </a:uFill>
-              <a:latin typeface="Arial"/>
-            </a:endParaRPr>
-          </a:p>
-        </p:txBody>
-      </p:sp>
-      <p:pic>
-        <p:nvPicPr>
-          <p:cNvPr id="56" name="Grafik 3" descr=""/>
+          <p:cNvPr id="57" name="Grafik 3" descr=""/>
           <p:cNvPicPr/>
           <p:nvPr/>
         </p:nvPicPr>
@@ -3087,7 +3253,7 @@
       </p:pic>
       <p:pic>
         <p:nvPicPr>
-          <p:cNvPr id="57" name="Grafik 14" descr=""/>
+          <p:cNvPr id="58" name="Grafik 14" descr=""/>
           <p:cNvPicPr/>
           <p:nvPr/>
         </p:nvPicPr>
@@ -3110,7 +3276,7 @@
       </p:pic>
       <p:sp>
         <p:nvSpPr>
-          <p:cNvPr id="58" name="CustomShape 19"/>
+          <p:cNvPr id="59" name="CustomShape 18"/>
           <p:cNvSpPr/>
           <p:nvPr/>
         </p:nvSpPr>
@@ -3136,7 +3302,7 @@
       </p:sp>
       <p:sp>
         <p:nvSpPr>
-          <p:cNvPr id="59" name="CustomShape 20"/>
+          <p:cNvPr id="60" name="CustomShape 19"/>
           <p:cNvSpPr/>
           <p:nvPr/>
         </p:nvSpPr>
@@ -3288,7 +3454,7 @@
       </p:sp>
       <p:pic>
         <p:nvPicPr>
-          <p:cNvPr id="60" name="Grafik 70" descr=""/>
+          <p:cNvPr id="61" name="Grafik 70" descr=""/>
           <p:cNvPicPr/>
           <p:nvPr/>
         </p:nvPicPr>
@@ -3311,7 +3477,7 @@
       </p:pic>
       <p:pic>
         <p:nvPicPr>
-          <p:cNvPr id="61" name="Grafik 59" descr=""/>
+          <p:cNvPr id="62" name="Grafik 59" descr=""/>
           <p:cNvPicPr/>
           <p:nvPr/>
         </p:nvPicPr>
@@ -3334,7 +3500,7 @@
       </p:pic>
       <p:pic>
         <p:nvPicPr>
-          <p:cNvPr id="62" name="Grafik 58" descr=""/>
+          <p:cNvPr id="63" name="Grafik 58" descr=""/>
           <p:cNvPicPr/>
           <p:nvPr/>
         </p:nvPicPr>
@@ -3357,7 +3523,7 @@
       </p:pic>
       <p:pic>
         <p:nvPicPr>
-          <p:cNvPr id="63" name="Grafik 64" descr=""/>
+          <p:cNvPr id="64" name="Grafik 64" descr=""/>
           <p:cNvPicPr/>
           <p:nvPr/>
         </p:nvPicPr>
@@ -3367,7 +3533,7 @@
         </p:blipFill>
         <p:spPr>
           <a:xfrm>
-            <a:off x="5699160" y="26908560"/>
+            <a:off x="5608440" y="24140160"/>
             <a:ext cx="3809880" cy="822240"/>
           </a:xfrm>
           <a:prstGeom prst="rect">
@@ -3380,7 +3546,7 @@
       </p:pic>
       <p:pic>
         <p:nvPicPr>
-          <p:cNvPr id="64" name="Grafik 65" descr=""/>
+          <p:cNvPr id="65" name="Grafik 65" descr=""/>
           <p:cNvPicPr/>
           <p:nvPr/>
         </p:nvPicPr>
@@ -3390,7 +3556,7 @@
         </p:blipFill>
         <p:spPr>
           <a:xfrm>
-            <a:off x="1306080" y="27056880"/>
+            <a:off x="1215360" y="24288480"/>
             <a:ext cx="3373920" cy="547920"/>
           </a:xfrm>
           <a:prstGeom prst="rect">
@@ -3401,52 +3567,32 @@
           </a:ln>
         </p:spPr>
       </p:pic>
-      <p:pic>
-        <p:nvPicPr>
-          <p:cNvPr id="65" name="Grafik 66" descr=""/>
-          <p:cNvPicPr/>
+      <p:sp>
+        <p:nvSpPr>
+          <p:cNvPr id="66" name="CustomShape 20"/>
+          <p:cNvSpPr/>
           <p:nvPr/>
-        </p:nvPicPr>
-        <p:blipFill>
-          <a:blip r:embed="rId13"/>
-          <a:stretch/>
-        </p:blipFill>
-        <p:spPr>
-          <a:xfrm>
-            <a:off x="21945960" y="12480840"/>
-            <a:ext cx="6034320" cy="4200480"/>
-          </a:xfrm>
-          <a:prstGeom prst="rect">
-            <a:avLst/>
-          </a:prstGeom>
+        </p:nvSpPr>
+        <p:spPr>
+          <a:xfrm>
+            <a:off x="16517160" y="31177080"/>
+            <a:ext cx="12103560" cy="2926080"/>
+          </a:xfrm>
+          <a:prstGeom prst="rect">
+            <a:avLst/>
+          </a:prstGeom>
+          <a:noFill/>
           <a:ln>
             <a:noFill/>
           </a:ln>
         </p:spPr>
-      </p:pic>
-      <p:pic>
-        <p:nvPicPr>
-          <p:cNvPr id="66" name="Grafik 67" descr=""/>
-          <p:cNvPicPr/>
-          <p:nvPr/>
-        </p:nvPicPr>
-        <p:blipFill>
-          <a:blip r:embed="rId14"/>
-          <a:stretch/>
-        </p:blipFill>
-        <p:spPr>
-          <a:xfrm>
-            <a:off x="16435080" y="18470880"/>
-            <a:ext cx="5784480" cy="3931560"/>
-          </a:xfrm>
-          <a:prstGeom prst="rect">
-            <a:avLst/>
-          </a:prstGeom>
-          <a:ln>
-            <a:noFill/>
-          </a:ln>
-        </p:spPr>
-      </p:pic>
+        <p:style>
+          <a:lnRef idx="0"/>
+          <a:fillRef idx="0"/>
+          <a:effectRef idx="0"/>
+          <a:fontRef idx="minor"/>
+        </p:style>
+      </p:sp>
       <p:sp>
         <p:nvSpPr>
           <p:cNvPr id="67" name="CustomShape 21"/>
@@ -3455,8 +3601,8 @@
         </p:nvSpPr>
         <p:spPr>
           <a:xfrm>
-            <a:off x="16699680" y="29038680"/>
-            <a:ext cx="12103560" cy="5446080"/>
+            <a:off x="16516080" y="11521440"/>
+            <a:ext cx="12744000" cy="5491440"/>
           </a:xfrm>
           <a:prstGeom prst="rect">
             <a:avLst/>
@@ -3475,6 +3621,57 @@
         <p:txBody>
           <a:bodyPr lIns="90000" rIns="90000" tIns="45000" bIns="45000"/>
           <a:p>
+            <a:pPr>
+              <a:lnSpc>
+                <a:spcPct val="115000"/>
+              </a:lnSpc>
+            </a:pPr>
+            <a:r>
+              <a:rPr b="0" lang="en-US" sz="3200" spc="-1" strike="noStrike">
+                <a:solidFill>
+                  <a:srgbClr val="000000"/>
+                </a:solidFill>
+                <a:uFill>
+                  <a:solidFill>
+                    <a:srgbClr val="ffffff"/>
+                  </a:solidFill>
+                </a:uFill>
+                <a:latin typeface="Arial"/>
+                <a:ea typeface="DejaVu Sans"/>
+              </a:rPr>
+              <a:t>Maintenance and Integration of software into Galaxy to provide easy access for epigentic analysis software:</a:t>
+            </a:r>
+            <a:endParaRPr b="0" lang="en-US" sz="1800" spc="-1" strike="noStrike">
+              <a:solidFill>
+                <a:srgbClr val="000000"/>
+              </a:solidFill>
+              <a:uFill>
+                <a:solidFill>
+                  <a:srgbClr val="ffffff"/>
+                </a:solidFill>
+              </a:uFill>
+              <a:latin typeface="Arial"/>
+            </a:endParaRPr>
+          </a:p>
+          <a:p>
+            <a:pPr>
+              <a:lnSpc>
+                <a:spcPct val="115000"/>
+              </a:lnSpc>
+            </a:pPr>
+            <a:endParaRPr b="0" lang="en-US" sz="1800" spc="-1" strike="noStrike">
+              <a:solidFill>
+                <a:srgbClr val="000000"/>
+              </a:solidFill>
+              <a:uFill>
+                <a:solidFill>
+                  <a:srgbClr val="ffffff"/>
+                </a:solidFill>
+              </a:uFill>
+              <a:latin typeface="Arial"/>
+            </a:endParaRPr>
+          </a:p>
+          <a:p>
             <a:pPr marL="216000" indent="-214560">
               <a:lnSpc>
                 <a:spcPct val="115000"/>
@@ -3513,7 +3710,7 @@
                 <a:latin typeface="Arial"/>
                 <a:ea typeface="DejaVu Sans"/>
               </a:rPr>
-              <a:t>Two one week training courses on NGS-data analysis in 2016 with ~30 participants each</a:t>
+              <a:t>HiCExplorer</a:t>
             </a:r>
             <a:endParaRPr b="0" lang="en-US" sz="1800" spc="-1" strike="noStrike">
               <a:solidFill>
@@ -3554,98 +3751,20 @@
               <a:t> </a:t>
             </a:r>
             <a:r>
-              <a:rPr b="0" lang="en-US" sz="1800" spc="-1" strike="noStrike">
-                <a:solidFill>
-                  <a:srgbClr val="000000"/>
-                </a:solidFill>
-                <a:uFill>
-                  <a:solidFill>
-                    <a:srgbClr val="ffffff"/>
-                  </a:solidFill>
-                </a:uFill>
-                <a:latin typeface="Arial"/>
-                <a:ea typeface="DejaVu Sans"/>
-              </a:rPr>
-              <a:t>02</a:t>
-            </a:r>
-            <a:r>
-              <a:rPr b="0" lang="en-US" sz="1800" spc="-1" strike="noStrike" baseline="30000">
-                <a:solidFill>
-                  <a:srgbClr val="000000"/>
-                </a:solidFill>
-                <a:uFill>
-                  <a:solidFill>
-                    <a:srgbClr val="ffffff"/>
-                  </a:solidFill>
-                </a:uFill>
-                <a:latin typeface="Arial"/>
-                <a:ea typeface="DejaVu Sans"/>
-              </a:rPr>
-              <a:t>nd </a:t>
-            </a:r>
-            <a:r>
-              <a:rPr b="0" lang="en-US" sz="1800" spc="-1" strike="noStrike">
-                <a:solidFill>
-                  <a:srgbClr val="000000"/>
-                </a:solidFill>
-                <a:uFill>
-                  <a:solidFill>
-                    <a:srgbClr val="ffffff"/>
-                  </a:solidFill>
-                </a:uFill>
-                <a:latin typeface="Arial"/>
-                <a:ea typeface="DejaVu Sans"/>
-              </a:rPr>
-              <a:t>– 03</a:t>
-            </a:r>
-            <a:r>
-              <a:rPr b="0" lang="en-US" sz="1800" spc="-1" strike="noStrike" baseline="30000">
-                <a:solidFill>
-                  <a:srgbClr val="000000"/>
-                </a:solidFill>
-                <a:uFill>
-                  <a:solidFill>
-                    <a:srgbClr val="ffffff"/>
-                  </a:solidFill>
-                </a:uFill>
-                <a:latin typeface="Arial"/>
-                <a:ea typeface="DejaVu Sans"/>
-              </a:rPr>
-              <a:t>rd</a:t>
-            </a:r>
-            <a:r>
-              <a:rPr b="0" lang="en-US" sz="1800" spc="-1" strike="noStrike">
-                <a:solidFill>
-                  <a:srgbClr val="000000"/>
-                </a:solidFill>
-                <a:uFill>
-                  <a:solidFill>
-                    <a:srgbClr val="ffffff"/>
-                  </a:solidFill>
-                </a:uFill>
-                <a:latin typeface="Arial"/>
-                <a:ea typeface="DejaVu Sans"/>
-              </a:rPr>
-              <a:t> Nov 2016  BioConda</a:t>
-            </a:r>
-            <a:endParaRPr b="0" lang="en-US" sz="1800" spc="-1" strike="noStrike">
-              <a:solidFill>
-                <a:srgbClr val="000000"/>
-              </a:solidFill>
-              <a:uFill>
-                <a:solidFill>
-                  <a:srgbClr val="ffffff"/>
-                </a:solidFill>
-              </a:uFill>
-              <a:latin typeface="Arial"/>
-            </a:endParaRPr>
-          </a:p>
-          <a:p>
-            <a:pPr marL="1080">
-              <a:lnSpc>
-                <a:spcPct val="115000"/>
-              </a:lnSpc>
-            </a:pPr>
+              <a:rPr b="0" lang="en-US" sz="3200" spc="-1" strike="noStrike">
+                <a:solidFill>
+                  <a:srgbClr val="000000"/>
+                </a:solidFill>
+                <a:uFill>
+                  <a:solidFill>
+                    <a:srgbClr val="ffffff"/>
+                  </a:solidFill>
+                </a:uFill>
+                <a:latin typeface="Arial"/>
+                <a:ea typeface="DejaVu Sans"/>
+              </a:rPr>
+              <a:t>deepTools</a:t>
+            </a:r>
             <a:endParaRPr b="0" lang="en-US" sz="1800" spc="-1" strike="noStrike">
               <a:solidFill>
                 <a:srgbClr val="000000"/>
@@ -3697,7 +3816,306 @@
                 <a:latin typeface="Arial"/>
                 <a:ea typeface="DejaVu Sans"/>
               </a:rPr>
-              <a:t>One RNA-seq course in December</a:t>
+              <a:t>Bismark</a:t>
+            </a:r>
+            <a:endParaRPr b="0" lang="en-US" sz="1800" spc="-1" strike="noStrike">
+              <a:solidFill>
+                <a:srgbClr val="000000"/>
+              </a:solidFill>
+              <a:uFill>
+                <a:solidFill>
+                  <a:srgbClr val="ffffff"/>
+                </a:solidFill>
+              </a:uFill>
+              <a:latin typeface="Arial"/>
+            </a:endParaRPr>
+          </a:p>
+          <a:p>
+            <a:pPr marL="216000" indent="-214560">
+              <a:lnSpc>
+                <a:spcPct val="115000"/>
+              </a:lnSpc>
+              <a:buClr>
+                <a:srgbClr val="000000"/>
+              </a:buClr>
+              <a:buFont typeface="Symbol"/>
+              <a:buChar char=""/>
+            </a:pPr>
+            <a:r>
+              <a:rPr b="0" lang="en-US" sz="3200" spc="-1" strike="noStrike">
+                <a:solidFill>
+                  <a:srgbClr val="000000"/>
+                </a:solidFill>
+                <a:uFill>
+                  <a:solidFill>
+                    <a:srgbClr val="ffffff"/>
+                  </a:solidFill>
+                </a:uFill>
+                <a:latin typeface="Arial"/>
+                <a:ea typeface="DejaVu Sans"/>
+              </a:rPr>
+              <a:t> </a:t>
+            </a:r>
+            <a:r>
+              <a:rPr b="0" lang="en-US" sz="3200" spc="-1" strike="noStrike">
+                <a:solidFill>
+                  <a:srgbClr val="000000"/>
+                </a:solidFill>
+                <a:uFill>
+                  <a:solidFill>
+                    <a:srgbClr val="ffffff"/>
+                  </a:solidFill>
+                </a:uFill>
+                <a:latin typeface="Arial"/>
+                <a:ea typeface="DejaVu Sans"/>
+              </a:rPr>
+              <a:t>HiCUP</a:t>
+            </a:r>
+            <a:endParaRPr b="0" lang="en-US" sz="1800" spc="-1" strike="noStrike">
+              <a:solidFill>
+                <a:srgbClr val="000000"/>
+              </a:solidFill>
+              <a:uFill>
+                <a:solidFill>
+                  <a:srgbClr val="ffffff"/>
+                </a:solidFill>
+              </a:uFill>
+              <a:latin typeface="Arial"/>
+            </a:endParaRPr>
+          </a:p>
+          <a:p>
+            <a:pPr marL="216000" indent="-214560">
+              <a:lnSpc>
+                <a:spcPct val="115000"/>
+              </a:lnSpc>
+              <a:buClr>
+                <a:srgbClr val="000000"/>
+              </a:buClr>
+              <a:buFont typeface="Symbol"/>
+              <a:buChar char=""/>
+            </a:pPr>
+            <a:r>
+              <a:rPr b="0" lang="en-US" sz="3200" spc="-1" strike="noStrike">
+                <a:solidFill>
+                  <a:srgbClr val="000000"/>
+                </a:solidFill>
+                <a:uFill>
+                  <a:solidFill>
+                    <a:srgbClr val="ffffff"/>
+                  </a:solidFill>
+                </a:uFill>
+                <a:latin typeface="Arial"/>
+                <a:ea typeface="DejaVu Sans"/>
+              </a:rPr>
+              <a:t> </a:t>
+            </a:r>
+            <a:r>
+              <a:rPr b="0" lang="en-US" sz="3200" spc="-1" strike="noStrike">
+                <a:solidFill>
+                  <a:srgbClr val="000000"/>
+                </a:solidFill>
+                <a:uFill>
+                  <a:solidFill>
+                    <a:srgbClr val="ffffff"/>
+                  </a:solidFill>
+                </a:uFill>
+                <a:latin typeface="Arial"/>
+                <a:ea typeface="DejaVu Sans"/>
+              </a:rPr>
+              <a:t>CHiCAGO</a:t>
+            </a:r>
+            <a:endParaRPr b="0" lang="en-US" sz="1800" spc="-1" strike="noStrike">
+              <a:solidFill>
+                <a:srgbClr val="000000"/>
+              </a:solidFill>
+              <a:uFill>
+                <a:solidFill>
+                  <a:srgbClr val="ffffff"/>
+                </a:solidFill>
+              </a:uFill>
+              <a:latin typeface="Arial"/>
+            </a:endParaRPr>
+          </a:p>
+          <a:p>
+            <a:pPr marL="216000" indent="-214560">
+              <a:lnSpc>
+                <a:spcPct val="115000"/>
+              </a:lnSpc>
+              <a:buClr>
+                <a:srgbClr val="000000"/>
+              </a:buClr>
+              <a:buFont typeface="Symbol"/>
+              <a:buChar char=""/>
+            </a:pPr>
+            <a:r>
+              <a:rPr b="0" lang="en-US" sz="3200" spc="-1" strike="noStrike">
+                <a:solidFill>
+                  <a:srgbClr val="000000"/>
+                </a:solidFill>
+                <a:uFill>
+                  <a:solidFill>
+                    <a:srgbClr val="ffffff"/>
+                  </a:solidFill>
+                </a:uFill>
+                <a:latin typeface="Arial"/>
+                <a:ea typeface="DejaVu Sans"/>
+              </a:rPr>
+              <a:t> </a:t>
+            </a:r>
+            <a:r>
+              <a:rPr b="0" lang="en-US" sz="3200" spc="-1" strike="noStrike">
+                <a:solidFill>
+                  <a:srgbClr val="000000"/>
+                </a:solidFill>
+                <a:uFill>
+                  <a:solidFill>
+                    <a:srgbClr val="ffffff"/>
+                  </a:solidFill>
+                </a:uFill>
+                <a:latin typeface="Arial"/>
+                <a:ea typeface="DejaVu Sans"/>
+              </a:rPr>
+              <a:t>PileOMeth</a:t>
+            </a:r>
+            <a:endParaRPr b="0" lang="en-US" sz="1800" spc="-1" strike="noStrike">
+              <a:solidFill>
+                <a:srgbClr val="000000"/>
+              </a:solidFill>
+              <a:uFill>
+                <a:solidFill>
+                  <a:srgbClr val="ffffff"/>
+                </a:solidFill>
+              </a:uFill>
+              <a:latin typeface="Arial"/>
+            </a:endParaRPr>
+          </a:p>
+          <a:p>
+            <a:pPr marL="216000" indent="-214560">
+              <a:lnSpc>
+                <a:spcPct val="115000"/>
+              </a:lnSpc>
+              <a:buClr>
+                <a:srgbClr val="000000"/>
+              </a:buClr>
+              <a:buFont typeface="Symbol"/>
+              <a:buChar char=""/>
+            </a:pPr>
+            <a:r>
+              <a:rPr b="0" lang="en-US" sz="3200" spc="-1" strike="noStrike">
+                <a:solidFill>
+                  <a:srgbClr val="000000"/>
+                </a:solidFill>
+                <a:uFill>
+                  <a:solidFill>
+                    <a:srgbClr val="ffffff"/>
+                  </a:solidFill>
+                </a:uFill>
+                <a:latin typeface="Arial"/>
+                <a:ea typeface="DejaVu Sans"/>
+              </a:rPr>
+              <a:t> </a:t>
+            </a:r>
+            <a:r>
+              <a:rPr b="0" lang="en-US" sz="3200" spc="-1" strike="noStrike">
+                <a:solidFill>
+                  <a:srgbClr val="000000"/>
+                </a:solidFill>
+                <a:uFill>
+                  <a:solidFill>
+                    <a:srgbClr val="ffffff"/>
+                  </a:solidFill>
+                </a:uFill>
+                <a:latin typeface="Arial"/>
+                <a:ea typeface="DejaVu Sans"/>
+              </a:rPr>
+              <a:t>Beacons</a:t>
+            </a:r>
+            <a:endParaRPr b="0" lang="en-US" sz="1800" spc="-1" strike="noStrike">
+              <a:solidFill>
+                <a:srgbClr val="000000"/>
+              </a:solidFill>
+              <a:uFill>
+                <a:solidFill>
+                  <a:srgbClr val="ffffff"/>
+                </a:solidFill>
+              </a:uFill>
+              <a:latin typeface="Arial"/>
+            </a:endParaRPr>
+          </a:p>
+          <a:p>
+            <a:pPr>
+              <a:lnSpc>
+                <a:spcPct val="115000"/>
+              </a:lnSpc>
+            </a:pPr>
+            <a:endParaRPr b="0" lang="en-US" sz="1800" spc="-1" strike="noStrike">
+              <a:solidFill>
+                <a:srgbClr val="000000"/>
+              </a:solidFill>
+              <a:uFill>
+                <a:solidFill>
+                  <a:srgbClr val="ffffff"/>
+                </a:solidFill>
+              </a:uFill>
+              <a:latin typeface="Arial"/>
+            </a:endParaRPr>
+          </a:p>
+          <a:p>
+            <a:pPr>
+              <a:lnSpc>
+                <a:spcPct val="115000"/>
+              </a:lnSpc>
+            </a:pPr>
+            <a:endParaRPr b="0" lang="en-US" sz="1800" spc="-1" strike="noStrike">
+              <a:solidFill>
+                <a:srgbClr val="000000"/>
+              </a:solidFill>
+              <a:uFill>
+                <a:solidFill>
+                  <a:srgbClr val="ffffff"/>
+                </a:solidFill>
+              </a:uFill>
+              <a:latin typeface="Arial"/>
+            </a:endParaRPr>
+          </a:p>
+          <a:p>
+            <a:pPr>
+              <a:lnSpc>
+                <a:spcPct val="115000"/>
+              </a:lnSpc>
+            </a:pPr>
+            <a:endParaRPr b="0" lang="en-US" sz="1800" spc="-1" strike="noStrike">
+              <a:solidFill>
+                <a:srgbClr val="000000"/>
+              </a:solidFill>
+              <a:uFill>
+                <a:solidFill>
+                  <a:srgbClr val="ffffff"/>
+                </a:solidFill>
+              </a:uFill>
+              <a:latin typeface="Arial"/>
+            </a:endParaRPr>
+          </a:p>
+          <a:p>
+            <a:pPr>
+              <a:lnSpc>
+                <a:spcPct val="115000"/>
+              </a:lnSpc>
+            </a:pPr>
+            <a:r>
+              <a:rPr b="0" lang="en-US" sz="3200" spc="-1" strike="noStrike">
+                <a:solidFill>
+                  <a:srgbClr val="000000"/>
+                </a:solidFill>
+                <a:uFill>
+                  <a:solidFill>
+                    <a:srgbClr val="ffffff"/>
+                  </a:solidFill>
+                </a:uFill>
+                <a:latin typeface="Arial"/>
+                <a:ea typeface="DejaVu Sans"/>
+              </a:rPr>
+              <a:t>Galaxy WebHooks as playground for SIG-2 and SIG-4 with Gamification:</a:t>
             </a:r>
             <a:endParaRPr b="0" lang="en-US" sz="1800" spc="-1" strike="noStrike">
               <a:solidFill>
@@ -3713,16 +4131,39 @@
           </a:p>
         </p:txBody>
       </p:sp>
+      <p:pic>
+        <p:nvPicPr>
+          <p:cNvPr id="68" name="Grafik 70" descr=""/>
+          <p:cNvPicPr/>
+          <p:nvPr/>
+        </p:nvPicPr>
+        <p:blipFill>
+          <a:blip r:embed="rId13"/>
+          <a:stretch/>
+        </p:blipFill>
+        <p:spPr>
+          <a:xfrm>
+            <a:off x="10516320" y="24231600"/>
+            <a:ext cx="3016800" cy="680400"/>
+          </a:xfrm>
+          <a:prstGeom prst="rect">
+            <a:avLst/>
+          </a:prstGeom>
+          <a:ln>
+            <a:noFill/>
+          </a:ln>
+        </p:spPr>
+      </p:pic>
       <p:sp>
         <p:nvSpPr>
-          <p:cNvPr id="68" name="CustomShape 22"/>
+          <p:cNvPr id="69" name="CustomShape 22"/>
           <p:cNvSpPr/>
           <p:nvPr/>
         </p:nvSpPr>
         <p:spPr>
           <a:xfrm>
-            <a:off x="16516080" y="11521440"/>
-            <a:ext cx="12744000" cy="5491440"/>
+            <a:off x="1098000" y="25694640"/>
+            <a:ext cx="4205520" cy="5184000"/>
           </a:xfrm>
           <a:prstGeom prst="rect">
             <a:avLst/>
@@ -3759,7 +4200,7 @@
                 <a:latin typeface="Arial"/>
                 <a:ea typeface="DejaVu Sans"/>
               </a:rPr>
-              <a:t>Maintenance and Integration of software into Galaxy to provide easy access for epigentic analysis software:</a:t>
+              <a:t>Bioconda is a conda channel which provides software for biomedical research.</a:t>
             </a:r>
             <a:endParaRPr b="0" lang="en-US" sz="1800" spc="-1" strike="noStrike">
               <a:solidFill>
@@ -3779,6 +4220,21 @@
                 <a:spcPct val="115000"/>
               </a:lnSpc>
             </a:pPr>
+            <a:r>
+              <a:rPr b="0" lang="en-US" sz="3200" spc="-1" strike="noStrike">
+                <a:solidFill>
+                  <a:srgbClr val="000000"/>
+                </a:solidFill>
+                <a:uFill>
+                  <a:solidFill>
+                    <a:srgbClr val="ffffff"/>
+                  </a:solidFill>
+                </a:uFill>
+                <a:latin typeface="Arial"/>
+                <a:ea typeface="DejaVu Sans"/>
+              </a:rPr>
+              <a:t> </a:t>
+            </a:r>
             <a:endParaRPr b="0" lang="en-US" sz="1800" spc="-1" strike="noStrike">
               <a:solidFill>
                 <a:srgbClr val="000000"/>
@@ -3792,15 +4248,16 @@
             </a:endParaRPr>
           </a:p>
           <a:p>
-            <a:pPr marL="216000" indent="-214560">
+            <a:pPr marL="216000" indent="-215280">
               <a:lnSpc>
                 <a:spcPct val="115000"/>
               </a:lnSpc>
               <a:buClr>
                 <a:srgbClr val="000000"/>
               </a:buClr>
-              <a:buFont typeface="Symbol"/>
-              <a:buChar char=""/>
+              <a:buSzPct val="45000"/>
+              <a:buFont typeface="Wingdings" charset="2"/>
+              <a:buChar char=""/>
             </a:pPr>
             <a:r>
               <a:rPr b="0" lang="en-US" sz="3200" spc="-1" strike="noStrike">
@@ -3830,7 +4287,7 @@
                 <a:latin typeface="Arial"/>
                 <a:ea typeface="DejaVu Sans"/>
               </a:rPr>
-              <a:t>HiCExplorer</a:t>
+              <a:t>8600 commits on GitHub</a:t>
             </a:r>
             <a:endParaRPr b="0" lang="en-US" sz="1800" spc="-1" strike="noStrike">
               <a:solidFill>
@@ -3845,15 +4302,16 @@
             </a:endParaRPr>
           </a:p>
           <a:p>
-            <a:pPr marL="216000" indent="-214560">
+            <a:pPr marL="216000" indent="-215280">
               <a:lnSpc>
                 <a:spcPct val="115000"/>
               </a:lnSpc>
               <a:buClr>
                 <a:srgbClr val="000000"/>
               </a:buClr>
-              <a:buFont typeface="Symbol"/>
-              <a:buChar char=""/>
+              <a:buSzPct val="45000"/>
+              <a:buFont typeface="Wingdings" charset="2"/>
+              <a:buChar char=""/>
             </a:pPr>
             <a:r>
               <a:rPr b="0" lang="en-US" sz="3200" spc="-1" strike="noStrike">
@@ -3883,7 +4341,7 @@
                 <a:latin typeface="Arial"/>
                 <a:ea typeface="DejaVu Sans"/>
               </a:rPr>
-              <a:t>deepTools</a:t>
+              <a:t>155 contributors</a:t>
             </a:r>
             <a:endParaRPr b="0" lang="en-US" sz="1800" spc="-1" strike="noStrike">
               <a:solidFill>
@@ -3898,15 +4356,16 @@
             </a:endParaRPr>
           </a:p>
           <a:p>
-            <a:pPr marL="216000" indent="-214560">
+            <a:pPr marL="216000" indent="-215280">
               <a:lnSpc>
                 <a:spcPct val="115000"/>
               </a:lnSpc>
               <a:buClr>
                 <a:srgbClr val="000000"/>
               </a:buClr>
-              <a:buFont typeface="Symbol"/>
-              <a:buChar char=""/>
+              <a:buSzPct val="45000"/>
+              <a:buFont typeface="Wingdings" charset="2"/>
+              <a:buChar char=""/>
             </a:pPr>
             <a:r>
               <a:rPr b="0" lang="en-US" sz="3200" spc="-1" strike="noStrike">
@@ -3936,270 +4395,7 @@
                 <a:latin typeface="Arial"/>
                 <a:ea typeface="DejaVu Sans"/>
               </a:rPr>
-              <a:t>Bismark</a:t>
-            </a:r>
-            <a:endParaRPr b="0" lang="en-US" sz="1800" spc="-1" strike="noStrike">
-              <a:solidFill>
-                <a:srgbClr val="000000"/>
-              </a:solidFill>
-              <a:uFill>
-                <a:solidFill>
-                  <a:srgbClr val="ffffff"/>
-                </a:solidFill>
-              </a:uFill>
-              <a:latin typeface="Arial"/>
-            </a:endParaRPr>
-          </a:p>
-          <a:p>
-            <a:pPr marL="216000" indent="-214560">
-              <a:lnSpc>
-                <a:spcPct val="115000"/>
-              </a:lnSpc>
-              <a:buClr>
-                <a:srgbClr val="000000"/>
-              </a:buClr>
-              <a:buFont typeface="Symbol"/>
-              <a:buChar char=""/>
-            </a:pPr>
-            <a:r>
-              <a:rPr b="0" lang="en-US" sz="3200" spc="-1" strike="noStrike">
-                <a:solidFill>
-                  <a:srgbClr val="000000"/>
-                </a:solidFill>
-                <a:uFill>
-                  <a:solidFill>
-                    <a:srgbClr val="ffffff"/>
-                  </a:solidFill>
-                </a:uFill>
-                <a:latin typeface="Arial"/>
-                <a:ea typeface="DejaVu Sans"/>
-              </a:rPr>
-              <a:t> </a:t>
-            </a:r>
-            <a:r>
-              <a:rPr b="0" lang="en-US" sz="3200" spc="-1" strike="noStrike">
-                <a:solidFill>
-                  <a:srgbClr val="000000"/>
-                </a:solidFill>
-                <a:uFill>
-                  <a:solidFill>
-                    <a:srgbClr val="ffffff"/>
-                  </a:solidFill>
-                </a:uFill>
-                <a:latin typeface="Arial"/>
-                <a:ea typeface="DejaVu Sans"/>
-              </a:rPr>
-              <a:t>HiCUP</a:t>
-            </a:r>
-            <a:endParaRPr b="0" lang="en-US" sz="1800" spc="-1" strike="noStrike">
-              <a:solidFill>
-                <a:srgbClr val="000000"/>
-              </a:solidFill>
-              <a:uFill>
-                <a:solidFill>
-                  <a:srgbClr val="ffffff"/>
-                </a:solidFill>
-              </a:uFill>
-              <a:latin typeface="Arial"/>
-            </a:endParaRPr>
-          </a:p>
-          <a:p>
-            <a:pPr marL="216000" indent="-214560">
-              <a:lnSpc>
-                <a:spcPct val="115000"/>
-              </a:lnSpc>
-              <a:buClr>
-                <a:srgbClr val="000000"/>
-              </a:buClr>
-              <a:buFont typeface="Symbol"/>
-              <a:buChar char=""/>
-            </a:pPr>
-            <a:r>
-              <a:rPr b="0" lang="en-US" sz="3200" spc="-1" strike="noStrike">
-                <a:solidFill>
-                  <a:srgbClr val="000000"/>
-                </a:solidFill>
-                <a:uFill>
-                  <a:solidFill>
-                    <a:srgbClr val="ffffff"/>
-                  </a:solidFill>
-                </a:uFill>
-                <a:latin typeface="Arial"/>
-                <a:ea typeface="DejaVu Sans"/>
-              </a:rPr>
-              <a:t> </a:t>
-            </a:r>
-            <a:r>
-              <a:rPr b="0" lang="en-US" sz="3200" spc="-1" strike="noStrike">
-                <a:solidFill>
-                  <a:srgbClr val="000000"/>
-                </a:solidFill>
-                <a:uFill>
-                  <a:solidFill>
-                    <a:srgbClr val="ffffff"/>
-                  </a:solidFill>
-                </a:uFill>
-                <a:latin typeface="Arial"/>
-                <a:ea typeface="DejaVu Sans"/>
-              </a:rPr>
-              <a:t>CHiCAGO</a:t>
-            </a:r>
-            <a:endParaRPr b="0" lang="en-US" sz="1800" spc="-1" strike="noStrike">
-              <a:solidFill>
-                <a:srgbClr val="000000"/>
-              </a:solidFill>
-              <a:uFill>
-                <a:solidFill>
-                  <a:srgbClr val="ffffff"/>
-                </a:solidFill>
-              </a:uFill>
-              <a:latin typeface="Arial"/>
-            </a:endParaRPr>
-          </a:p>
-          <a:p>
-            <a:pPr marL="216000" indent="-214560">
-              <a:lnSpc>
-                <a:spcPct val="115000"/>
-              </a:lnSpc>
-              <a:buClr>
-                <a:srgbClr val="000000"/>
-              </a:buClr>
-              <a:buFont typeface="Symbol"/>
-              <a:buChar char=""/>
-            </a:pPr>
-            <a:r>
-              <a:rPr b="0" lang="en-US" sz="3200" spc="-1" strike="noStrike">
-                <a:solidFill>
-                  <a:srgbClr val="000000"/>
-                </a:solidFill>
-                <a:uFill>
-                  <a:solidFill>
-                    <a:srgbClr val="ffffff"/>
-                  </a:solidFill>
-                </a:uFill>
-                <a:latin typeface="Arial"/>
-                <a:ea typeface="DejaVu Sans"/>
-              </a:rPr>
-              <a:t> </a:t>
-            </a:r>
-            <a:r>
-              <a:rPr b="0" lang="en-US" sz="3200" spc="-1" strike="noStrike">
-                <a:solidFill>
-                  <a:srgbClr val="000000"/>
-                </a:solidFill>
-                <a:uFill>
-                  <a:solidFill>
-                    <a:srgbClr val="ffffff"/>
-                  </a:solidFill>
-                </a:uFill>
-                <a:latin typeface="Arial"/>
-                <a:ea typeface="DejaVu Sans"/>
-              </a:rPr>
-              <a:t>PileOMeth</a:t>
-            </a:r>
-            <a:endParaRPr b="0" lang="en-US" sz="1800" spc="-1" strike="noStrike">
-              <a:solidFill>
-                <a:srgbClr val="000000"/>
-              </a:solidFill>
-              <a:uFill>
-                <a:solidFill>
-                  <a:srgbClr val="ffffff"/>
-                </a:solidFill>
-              </a:uFill>
-              <a:latin typeface="Arial"/>
-            </a:endParaRPr>
-          </a:p>
-          <a:p>
-            <a:pPr marL="216000" indent="-214560">
-              <a:lnSpc>
-                <a:spcPct val="115000"/>
-              </a:lnSpc>
-              <a:buClr>
-                <a:srgbClr val="000000"/>
-              </a:buClr>
-              <a:buFont typeface="Symbol"/>
-              <a:buChar char=""/>
-            </a:pPr>
-            <a:r>
-              <a:rPr b="0" lang="en-US" sz="3200" spc="-1" strike="noStrike">
-                <a:solidFill>
-                  <a:srgbClr val="000000"/>
-                </a:solidFill>
-                <a:uFill>
-                  <a:solidFill>
-                    <a:srgbClr val="ffffff"/>
-                  </a:solidFill>
-                </a:uFill>
-                <a:latin typeface="Arial"/>
-                <a:ea typeface="DejaVu Sans"/>
-              </a:rPr>
-              <a:t> </a:t>
-            </a:r>
-            <a:r>
-              <a:rPr b="0" lang="en-US" sz="3200" spc="-1" strike="noStrike">
-                <a:solidFill>
-                  <a:srgbClr val="000000"/>
-                </a:solidFill>
-                <a:uFill>
-                  <a:solidFill>
-                    <a:srgbClr val="ffffff"/>
-                  </a:solidFill>
-                </a:uFill>
-                <a:latin typeface="Arial"/>
-                <a:ea typeface="DejaVu Sans"/>
-              </a:rPr>
-              <a:t>Beacons</a:t>
-            </a:r>
-            <a:endParaRPr b="0" lang="en-US" sz="1800" spc="-1" strike="noStrike">
-              <a:solidFill>
-                <a:srgbClr val="000000"/>
-              </a:solidFill>
-              <a:uFill>
-                <a:solidFill>
-                  <a:srgbClr val="ffffff"/>
-                </a:solidFill>
-              </a:uFill>
-              <a:latin typeface="Arial"/>
-            </a:endParaRPr>
-          </a:p>
-          <a:p>
-            <a:pPr>
-              <a:lnSpc>
-                <a:spcPct val="115000"/>
-              </a:lnSpc>
-            </a:pPr>
-            <a:endParaRPr b="0" lang="en-US" sz="1800" spc="-1" strike="noStrike">
-              <a:solidFill>
-                <a:srgbClr val="000000"/>
-              </a:solidFill>
-              <a:uFill>
-                <a:solidFill>
-                  <a:srgbClr val="ffffff"/>
-                </a:solidFill>
-              </a:uFill>
-              <a:latin typeface="Arial"/>
-            </a:endParaRPr>
-          </a:p>
-          <a:p>
-            <a:pPr>
-              <a:lnSpc>
-                <a:spcPct val="115000"/>
-              </a:lnSpc>
-            </a:pPr>
-            <a:r>
-              <a:rPr b="0" lang="en-US" sz="3200" spc="-1" strike="noStrike">
-                <a:solidFill>
-                  <a:srgbClr val="000000"/>
-                </a:solidFill>
-                <a:uFill>
-                  <a:solidFill>
-                    <a:srgbClr val="ffffff"/>
-                  </a:solidFill>
-                </a:uFill>
-                <a:latin typeface="Arial"/>
-                <a:ea typeface="DejaVu Sans"/>
-              </a:rPr>
-              <a:t>Galaxy WebHooks as playground for SIG-2 and SIG-4 with Gamification:</a:t>
+              <a:t>&gt; 1800 packages</a:t>
             </a:r>
             <a:endParaRPr b="0" lang="en-US" sz="1800" spc="-1" strike="noStrike">
               <a:solidFill>
@@ -4215,29 +4411,6 @@
           </a:p>
         </p:txBody>
       </p:sp>
-      <p:pic>
-        <p:nvPicPr>
-          <p:cNvPr id="69" name="Grafik 70" descr=""/>
-          <p:cNvPicPr/>
-          <p:nvPr/>
-        </p:nvPicPr>
-        <p:blipFill>
-          <a:blip r:embed="rId15"/>
-          <a:stretch/>
-        </p:blipFill>
-        <p:spPr>
-          <a:xfrm>
-            <a:off x="10607040" y="27000000"/>
-            <a:ext cx="3016800" cy="680400"/>
-          </a:xfrm>
-          <a:prstGeom prst="rect">
-            <a:avLst/>
-          </a:prstGeom>
-          <a:ln>
-            <a:noFill/>
-          </a:ln>
-        </p:spPr>
-      </p:pic>
       <p:sp>
         <p:nvSpPr>
           <p:cNvPr id="70" name="CustomShape 23"/>
@@ -4246,8 +4419,8 @@
         </p:nvSpPr>
         <p:spPr>
           <a:xfrm>
-            <a:off x="1188720" y="28463040"/>
-            <a:ext cx="4205520" cy="5184000"/>
+            <a:off x="5304240" y="25694640"/>
+            <a:ext cx="4629600" cy="5394240"/>
           </a:xfrm>
           <a:prstGeom prst="rect">
             <a:avLst/>
@@ -4284,7 +4457,7 @@
                 <a:latin typeface="Arial"/>
                 <a:ea typeface="DejaVu Sans"/>
               </a:rPr>
-              <a:t>Bioconda is a conda channel which provides software for biomedical research.</a:t>
+              <a:t>BioContainers provides system-agnostic executable environments for bioinformatics software.</a:t>
             </a:r>
             <a:endParaRPr b="0" lang="en-US" sz="1800" spc="-1" strike="noStrike">
               <a:solidFill>
@@ -4304,21 +4477,6 @@
                 <a:spcPct val="115000"/>
               </a:lnSpc>
             </a:pPr>
-            <a:r>
-              <a:rPr b="0" lang="en-US" sz="3200" spc="-1" strike="noStrike">
-                <a:solidFill>
-                  <a:srgbClr val="000000"/>
-                </a:solidFill>
-                <a:uFill>
-                  <a:solidFill>
-                    <a:srgbClr val="ffffff"/>
-                  </a:solidFill>
-                </a:uFill>
-                <a:latin typeface="Arial"/>
-                <a:ea typeface="DejaVu Sans"/>
-              </a:rPr>
-              <a:t> </a:t>
-            </a:r>
             <a:endParaRPr b="0" lang="en-US" sz="1800" spc="-1" strike="noStrike">
               <a:solidFill>
                 <a:srgbClr val="000000"/>
@@ -4371,7 +4529,7 @@
                 <a:latin typeface="Arial"/>
                 <a:ea typeface="DejaVu Sans"/>
               </a:rPr>
-              <a:t>8600 commits on github</a:t>
+              <a:t>based on Docker &amp; rkt</a:t>
             </a:r>
             <a:endParaRPr b="0" lang="en-US" sz="1800" spc="-1" strike="noStrike">
               <a:solidFill>
@@ -4425,7 +4583,7 @@
                 <a:latin typeface="Arial"/>
                 <a:ea typeface="DejaVu Sans"/>
               </a:rPr>
-              <a:t>155 contributors</a:t>
+              <a:t>&gt; 1800 Images</a:t>
             </a:r>
             <a:endParaRPr b="0" lang="en-US" sz="1800" spc="-1" strike="noStrike">
               <a:solidFill>
@@ -4479,7 +4637,7 @@
                 <a:latin typeface="Arial"/>
                 <a:ea typeface="DejaVu Sans"/>
               </a:rPr>
-              <a:t>&gt; 1800 packages</a:t>
+              <a:t>automatic builds from BioConda</a:t>
             </a:r>
             <a:endParaRPr b="0" lang="en-US" sz="1800" spc="-1" strike="noStrike">
               <a:solidFill>
@@ -4503,8 +4661,8 @@
         </p:nvSpPr>
         <p:spPr>
           <a:xfrm>
-            <a:off x="5394960" y="28463040"/>
-            <a:ext cx="4629600" cy="5394240"/>
+            <a:off x="10167840" y="25786080"/>
+            <a:ext cx="4554000" cy="5783400"/>
           </a:xfrm>
           <a:prstGeom prst="rect">
             <a:avLst/>
@@ -4541,7 +4699,7 @@
                 <a:latin typeface="Arial"/>
                 <a:ea typeface="DejaVu Sans"/>
               </a:rPr>
-              <a:t>BioContainers provides system-agnostic executable environments for bioinformatics software.</a:t>
+              <a:t>Galaxy is an open, web-based platform for data intensive research.</a:t>
             </a:r>
             <a:endParaRPr b="0" lang="en-US" sz="1800" spc="-1" strike="noStrike">
               <a:solidFill>
@@ -4613,7 +4771,7 @@
                 <a:latin typeface="Arial"/>
                 <a:ea typeface="DejaVu Sans"/>
               </a:rPr>
-              <a:t>based on Docker &amp; rkt</a:t>
+              <a:t>25550 commits</a:t>
             </a:r>
             <a:endParaRPr b="0" lang="en-US" sz="1800" spc="-1" strike="noStrike">
               <a:solidFill>
@@ -4667,7 +4825,7 @@
                 <a:latin typeface="Arial"/>
                 <a:ea typeface="DejaVu Sans"/>
               </a:rPr>
-              <a:t>&gt; 1800 Images</a:t>
+              <a:t>131 contributors</a:t>
             </a:r>
             <a:endParaRPr b="0" lang="en-US" sz="1800" spc="-1" strike="noStrike">
               <a:solidFill>
@@ -4721,7 +4879,7 @@
                 <a:latin typeface="Arial"/>
                 <a:ea typeface="DejaVu Sans"/>
               </a:rPr>
-              <a:t>automatic builds from BioConda</a:t>
+              <a:t>One of the biggest Galaxy instances available for de.NBI: http://galaxy.uni-freiburg.de/</a:t>
             </a:r>
             <a:endParaRPr b="0" lang="en-US" sz="1800" spc="-1" strike="noStrike">
               <a:solidFill>
@@ -4745,8 +4903,8 @@
         </p:nvSpPr>
         <p:spPr>
           <a:xfrm>
-            <a:off x="10332720" y="28439640"/>
-            <a:ext cx="4554000" cy="5783400"/>
+            <a:off x="16733520" y="23682960"/>
+            <a:ext cx="5303160" cy="1109520"/>
           </a:xfrm>
           <a:prstGeom prst="rect">
             <a:avLst/>
@@ -4767,203 +4925,23 @@
           <a:p>
             <a:pPr>
               <a:lnSpc>
-                <a:spcPct val="115000"/>
+                <a:spcPct val="100000"/>
               </a:lnSpc>
             </a:pPr>
             <a:r>
-              <a:rPr b="0" lang="en-US" sz="3200" spc="-1" strike="noStrike">
-                <a:solidFill>
-                  <a:srgbClr val="000000"/>
-                </a:solidFill>
-                <a:uFill>
-                  <a:solidFill>
-                    <a:srgbClr val="ffffff"/>
-                  </a:solidFill>
-                </a:uFill>
-                <a:latin typeface="Arial"/>
-                <a:ea typeface="DejaVu Sans"/>
-              </a:rPr>
-              <a:t>Galaxy is an open, web-based platform for data intensive research.</a:t>
-            </a:r>
-            <a:endParaRPr b="0" lang="en-US" sz="1800" spc="-1" strike="noStrike">
-              <a:solidFill>
-                <a:srgbClr val="000000"/>
-              </a:solidFill>
-              <a:uFill>
-                <a:solidFill>
-                  <a:srgbClr val="ffffff"/>
-                </a:solidFill>
-              </a:uFill>
-              <a:latin typeface="Arial"/>
-            </a:endParaRPr>
-          </a:p>
-          <a:p>
-            <a:pPr>
-              <a:lnSpc>
-                <a:spcPct val="115000"/>
-              </a:lnSpc>
-            </a:pPr>
-            <a:endParaRPr b="0" lang="en-US" sz="1800" spc="-1" strike="noStrike">
-              <a:solidFill>
-                <a:srgbClr val="000000"/>
-              </a:solidFill>
-              <a:uFill>
-                <a:solidFill>
-                  <a:srgbClr val="ffffff"/>
-                </a:solidFill>
-              </a:uFill>
-              <a:latin typeface="Arial"/>
-            </a:endParaRPr>
-          </a:p>
-          <a:p>
-            <a:pPr marL="216000" indent="-215280">
-              <a:lnSpc>
-                <a:spcPct val="115000"/>
-              </a:lnSpc>
-              <a:buClr>
-                <a:srgbClr val="000000"/>
-              </a:buClr>
-              <a:buSzPct val="45000"/>
-              <a:buFont typeface="Wingdings" charset="2"/>
-              <a:buChar char=""/>
-            </a:pPr>
-            <a:r>
-              <a:rPr b="0" lang="en-US" sz="3200" spc="-1" strike="noStrike">
-                <a:solidFill>
-                  <a:srgbClr val="000000"/>
-                </a:solidFill>
-                <a:uFill>
-                  <a:solidFill>
-                    <a:srgbClr val="ffffff"/>
-                  </a:solidFill>
-                </a:uFill>
-                <a:latin typeface="Arial"/>
-                <a:ea typeface="DejaVu Sans"/>
-              </a:rPr>
-              <a:t> </a:t>
-            </a:r>
-            <a:r>
-              <a:rPr b="0" lang="en-US" sz="3200" spc="-1" strike="noStrike">
-                <a:solidFill>
-                  <a:srgbClr val="000000"/>
-                </a:solidFill>
-                <a:uFill>
-                  <a:solidFill>
-                    <a:srgbClr val="ffffff"/>
-                  </a:solidFill>
-                </a:uFill>
-                <a:latin typeface="Arial"/>
-                <a:ea typeface="DejaVu Sans"/>
-              </a:rPr>
-              <a:t>25550 commits</a:t>
-            </a:r>
-            <a:endParaRPr b="0" lang="en-US" sz="1800" spc="-1" strike="noStrike">
-              <a:solidFill>
-                <a:srgbClr val="000000"/>
-              </a:solidFill>
-              <a:uFill>
-                <a:solidFill>
-                  <a:srgbClr val="ffffff"/>
-                </a:solidFill>
-              </a:uFill>
-              <a:latin typeface="Arial"/>
-            </a:endParaRPr>
-          </a:p>
-          <a:p>
-            <a:pPr marL="216000" indent="-215280">
-              <a:lnSpc>
-                <a:spcPct val="115000"/>
-              </a:lnSpc>
-              <a:buClr>
-                <a:srgbClr val="000000"/>
-              </a:buClr>
-              <a:buSzPct val="45000"/>
-              <a:buFont typeface="Wingdings" charset="2"/>
-              <a:buChar char=""/>
-            </a:pPr>
-            <a:r>
-              <a:rPr b="0" lang="en-US" sz="3200" spc="-1" strike="noStrike">
-                <a:solidFill>
-                  <a:srgbClr val="000000"/>
-                </a:solidFill>
-                <a:uFill>
-                  <a:solidFill>
-                    <a:srgbClr val="ffffff"/>
-                  </a:solidFill>
-                </a:uFill>
-                <a:latin typeface="Arial"/>
-                <a:ea typeface="DejaVu Sans"/>
-              </a:rPr>
-              <a:t> </a:t>
-            </a:r>
-            <a:r>
-              <a:rPr b="0" lang="en-US" sz="3200" spc="-1" strike="noStrike">
-                <a:solidFill>
-                  <a:srgbClr val="000000"/>
-                </a:solidFill>
-                <a:uFill>
-                  <a:solidFill>
-                    <a:srgbClr val="ffffff"/>
-                  </a:solidFill>
-                </a:uFill>
-                <a:latin typeface="Arial"/>
-                <a:ea typeface="DejaVu Sans"/>
-              </a:rPr>
-              <a:t>131 contributors</a:t>
-            </a:r>
-            <a:endParaRPr b="0" lang="en-US" sz="1800" spc="-1" strike="noStrike">
-              <a:solidFill>
-                <a:srgbClr val="000000"/>
-              </a:solidFill>
-              <a:uFill>
-                <a:solidFill>
-                  <a:srgbClr val="ffffff"/>
-                </a:solidFill>
-              </a:uFill>
-              <a:latin typeface="Arial"/>
-            </a:endParaRPr>
-          </a:p>
-          <a:p>
-            <a:pPr marL="216000" indent="-215280">
-              <a:lnSpc>
-                <a:spcPct val="115000"/>
-              </a:lnSpc>
-              <a:buClr>
-                <a:srgbClr val="000000"/>
-              </a:buClr>
-              <a:buSzPct val="45000"/>
-              <a:buFont typeface="Wingdings" charset="2"/>
-              <a:buChar char=""/>
-            </a:pPr>
-            <a:r>
-              <a:rPr b="0" lang="en-US" sz="3200" spc="-1" strike="noStrike">
-                <a:solidFill>
-                  <a:srgbClr val="000000"/>
-                </a:solidFill>
-                <a:uFill>
-                  <a:solidFill>
-                    <a:srgbClr val="ffffff"/>
-                  </a:solidFill>
-                </a:uFill>
-                <a:latin typeface="Arial"/>
-                <a:ea typeface="DejaVu Sans"/>
-              </a:rPr>
-              <a:t> </a:t>
-            </a:r>
-            <a:r>
-              <a:rPr b="0" lang="en-US" sz="3200" spc="-1" strike="noStrike">
-                <a:solidFill>
-                  <a:srgbClr val="000000"/>
-                </a:solidFill>
-                <a:uFill>
-                  <a:solidFill>
-                    <a:srgbClr val="ffffff"/>
-                  </a:solidFill>
-                </a:uFill>
-                <a:latin typeface="Arial"/>
-                <a:ea typeface="DejaVu Sans"/>
-              </a:rPr>
-              <a:t>One of the biggest Galaxy instances available for de.NBI: http://galaxy.uni-freiburg.de/</a:t>
+              <a:rPr b="0" lang="en-US" sz="2400" spc="-1" strike="noStrike">
+                <a:solidFill>
+                  <a:srgbClr val="000000"/>
+                </a:solidFill>
+                <a:uFill>
+                  <a:solidFill>
+                    <a:srgbClr val="ffffff"/>
+                  </a:solidFill>
+                </a:uFill>
+                <a:latin typeface="Arial"/>
+                <a:ea typeface="DejaVu Sans"/>
+              </a:rPr>
+              <a:t>Pricing system: How much would it cost to compute and store your data on Amazon EC2?</a:t>
             </a:r>
             <a:endParaRPr b="0" lang="en-US" sz="1800" spc="-1" strike="noStrike">
               <a:solidFill>
@@ -4979,39 +4957,16 @@
           </a:p>
         </p:txBody>
       </p:sp>
-      <p:pic>
-        <p:nvPicPr>
-          <p:cNvPr id="73" name="Grafik 74" descr=""/>
-          <p:cNvPicPr/>
-          <p:nvPr/>
-        </p:nvPicPr>
-        <p:blipFill>
-          <a:blip r:embed="rId16"/>
-          <a:stretch/>
-        </p:blipFill>
-        <p:spPr>
-          <a:xfrm>
-            <a:off x="23408640" y="18288000"/>
-            <a:ext cx="5394600" cy="4073040"/>
-          </a:xfrm>
-          <a:prstGeom prst="rect">
-            <a:avLst/>
-          </a:prstGeom>
-          <a:ln>
-            <a:noFill/>
-          </a:ln>
-        </p:spPr>
-      </p:pic>
       <p:sp>
         <p:nvSpPr>
-          <p:cNvPr id="74" name="CustomShape 26"/>
+          <p:cNvPr id="73" name="CustomShape 26"/>
           <p:cNvSpPr/>
           <p:nvPr/>
         </p:nvSpPr>
         <p:spPr>
           <a:xfrm>
-            <a:off x="16642080" y="22402800"/>
-            <a:ext cx="5303160" cy="1109520"/>
+            <a:off x="23500440" y="23682960"/>
+            <a:ext cx="5211720" cy="857880"/>
           </a:xfrm>
           <a:prstGeom prst="rect">
             <a:avLst/>
@@ -5048,7 +5003,7 @@
                 <a:latin typeface="Arial"/>
                 <a:ea typeface="DejaVu Sans"/>
               </a:rPr>
-              <a:t>Pricing system: How much would it cost to compute and store your data on Amazon EC2?</a:t>
+              <a:t>Comics: Have fun while Galaxy is computing your data.</a:t>
             </a:r>
             <a:endParaRPr b="0" lang="en-US" sz="1800" spc="-1" strike="noStrike">
               <a:solidFill>
@@ -5066,14 +5021,14 @@
       </p:sp>
       <p:sp>
         <p:nvSpPr>
-          <p:cNvPr id="75" name="CustomShape 27"/>
+          <p:cNvPr id="74" name="CustomShape 27"/>
           <p:cNvSpPr/>
           <p:nvPr/>
         </p:nvSpPr>
         <p:spPr>
           <a:xfrm>
-            <a:off x="23774400" y="22402800"/>
-            <a:ext cx="5211720" cy="857880"/>
+            <a:off x="16367760" y="29352240"/>
+            <a:ext cx="13075920" cy="7096320"/>
           </a:xfrm>
           <a:prstGeom prst="rect">
             <a:avLst/>
@@ -5098,21 +5053,550 @@
               </a:lnSpc>
             </a:pPr>
             <a:r>
-              <a:rPr b="0" lang="en-US" sz="2400" spc="-1" strike="noStrike">
-                <a:solidFill>
-                  <a:srgbClr val="000000"/>
-                </a:solidFill>
-                <a:uFill>
-                  <a:solidFill>
-                    <a:srgbClr val="ffffff"/>
-                  </a:solidFill>
-                </a:uFill>
-                <a:latin typeface="Arial"/>
-                <a:ea typeface="DejaVu Sans"/>
-              </a:rPr>
-              <a:t>Comics: Have fun while Galaxy is computing your data.</a:t>
+              <a:rPr b="0" lang="en-US" sz="3200" spc="-1" strike="noStrike">
+                <a:solidFill>
+                  <a:srgbClr val="000000"/>
+                </a:solidFill>
+                <a:uFill>
+                  <a:solidFill>
+                    <a:srgbClr val="ffffff"/>
+                  </a:solidFill>
+                </a:uFill>
+                <a:latin typeface="Arial"/>
+                <a:ea typeface="DejaVu Sans"/>
+              </a:rPr>
+              <a:t>Galaxy Tours</a:t>
+            </a:r>
+            <a:endParaRPr b="0" lang="en-US" sz="3200" spc="-1" strike="noStrike">
+              <a:solidFill>
+                <a:srgbClr val="000000"/>
+              </a:solidFill>
+              <a:uFill>
+                <a:solidFill>
+                  <a:srgbClr val="ffffff"/>
+                </a:solidFill>
+              </a:uFill>
+              <a:latin typeface="Arial"/>
+              <a:ea typeface="Noto Sans CJK SC Regular"/>
+            </a:endParaRPr>
+          </a:p>
+          <a:p>
+            <a:pPr marL="343080" indent="-342720">
+              <a:lnSpc>
+                <a:spcPct val="100000"/>
+              </a:lnSpc>
+              <a:buClr>
+                <a:srgbClr val="000000"/>
+              </a:buClr>
+              <a:buFont typeface="StarSymbol"/>
+              <a:buChar char="-"/>
+            </a:pPr>
+            <a:r>
+              <a:rPr b="0" lang="en-US" sz="3200" spc="-1" strike="noStrike">
+                <a:solidFill>
+                  <a:srgbClr val="000000"/>
+                </a:solidFill>
+                <a:uFill>
+                  <a:solidFill>
+                    <a:srgbClr val="ffffff"/>
+                  </a:solidFill>
+                </a:uFill>
+                <a:latin typeface="Arial"/>
+                <a:ea typeface="DejaVu Sans"/>
+              </a:rPr>
+              <a:t>For users:</a:t>
+            </a:r>
+            <a:endParaRPr b="0" lang="en-US" sz="3200" spc="-1" strike="noStrike">
+              <a:solidFill>
+                <a:srgbClr val="000000"/>
+              </a:solidFill>
+              <a:uFill>
+                <a:solidFill>
+                  <a:srgbClr val="ffffff"/>
+                </a:solidFill>
+              </a:uFill>
+              <a:latin typeface="Arial"/>
+              <a:ea typeface="Noto Sans CJK SC Regular"/>
+            </a:endParaRPr>
+          </a:p>
+          <a:p>
+            <a:pPr lvl="1" marL="432000" indent="-216000">
+              <a:lnSpc>
+                <a:spcPct val="100000"/>
+              </a:lnSpc>
+              <a:buClr>
+                <a:srgbClr val="000000"/>
+              </a:buClr>
+              <a:buSzPct val="45000"/>
+              <a:buFont typeface="Wingdings" charset="2"/>
+              <a:buChar char=""/>
+            </a:pPr>
+            <a:r>
+              <a:rPr b="0" lang="en-US" sz="3200" spc="-1" strike="noStrike">
+                <a:solidFill>
+                  <a:srgbClr val="000000"/>
+                </a:solidFill>
+                <a:uFill>
+                  <a:solidFill>
+                    <a:srgbClr val="ffffff"/>
+                  </a:solidFill>
+                </a:uFill>
+                <a:latin typeface="Arial"/>
+                <a:ea typeface="DejaVu Sans"/>
+              </a:rPr>
+              <a:t>as easy as a video</a:t>
+            </a:r>
+            <a:endParaRPr b="0" lang="en-US" sz="3200" spc="-1" strike="noStrike">
+              <a:solidFill>
+                <a:srgbClr val="000000"/>
+              </a:solidFill>
+              <a:uFill>
+                <a:solidFill>
+                  <a:srgbClr val="ffffff"/>
+                </a:solidFill>
+              </a:uFill>
+              <a:latin typeface="Arial"/>
+              <a:ea typeface="Noto Sans CJK SC Regular"/>
+            </a:endParaRPr>
+          </a:p>
+          <a:p>
+            <a:pPr lvl="1" marL="432000" indent="-216000">
+              <a:lnSpc>
+                <a:spcPct val="100000"/>
+              </a:lnSpc>
+              <a:buClr>
+                <a:srgbClr val="000000"/>
+              </a:buClr>
+              <a:buSzPct val="45000"/>
+              <a:buFont typeface="Wingdings" charset="2"/>
+              <a:buChar char=""/>
+            </a:pPr>
+            <a:r>
+              <a:rPr b="0" lang="en-US" sz="3200" spc="-1" strike="noStrike">
+                <a:solidFill>
+                  <a:srgbClr val="000000"/>
+                </a:solidFill>
+                <a:uFill>
+                  <a:solidFill>
+                    <a:srgbClr val="ffffff"/>
+                  </a:solidFill>
+                </a:uFill>
+                <a:latin typeface="Arial"/>
+                <a:ea typeface="DejaVu Sans"/>
+              </a:rPr>
+              <a:t>Interactive as hands-on</a:t>
+            </a:r>
+            <a:endParaRPr b="0" lang="en-US" sz="3200" spc="-1" strike="noStrike">
+              <a:solidFill>
+                <a:srgbClr val="000000"/>
+              </a:solidFill>
+              <a:uFill>
+                <a:solidFill>
+                  <a:srgbClr val="ffffff"/>
+                </a:solidFill>
+              </a:uFill>
+              <a:latin typeface="Arial"/>
+              <a:ea typeface="Noto Sans CJK SC Regular"/>
+            </a:endParaRPr>
+          </a:p>
+          <a:p>
+            <a:pPr marL="343080" indent="-342720">
+              <a:lnSpc>
+                <a:spcPct val="100000"/>
+              </a:lnSpc>
+              <a:buClr>
+                <a:srgbClr val="000000"/>
+              </a:buClr>
+              <a:buFont typeface="StarSymbol"/>
+              <a:buChar char="-"/>
+            </a:pPr>
+            <a:r>
+              <a:rPr b="0" lang="en-US" sz="3200" spc="-1" strike="noStrike">
+                <a:solidFill>
+                  <a:srgbClr val="000000"/>
+                </a:solidFill>
+                <a:uFill>
+                  <a:solidFill>
+                    <a:srgbClr val="ffffff"/>
+                  </a:solidFill>
+                </a:uFill>
+                <a:latin typeface="Arial"/>
+                <a:ea typeface="DejaVu Sans"/>
+              </a:rPr>
+              <a:t>For developers/trainers</a:t>
+            </a:r>
+            <a:endParaRPr b="0" lang="en-US" sz="3200" spc="-1" strike="noStrike">
+              <a:solidFill>
+                <a:srgbClr val="000000"/>
+              </a:solidFill>
+              <a:uFill>
+                <a:solidFill>
+                  <a:srgbClr val="ffffff"/>
+                </a:solidFill>
+              </a:uFill>
+              <a:latin typeface="Arial"/>
+              <a:ea typeface="Noto Sans CJK SC Regular"/>
+            </a:endParaRPr>
+          </a:p>
+          <a:p>
+            <a:pPr lvl="1" marL="432000" indent="-216000">
+              <a:lnSpc>
+                <a:spcPct val="100000"/>
+              </a:lnSpc>
+              <a:buClr>
+                <a:srgbClr val="000000"/>
+              </a:buClr>
+              <a:buSzPct val="45000"/>
+              <a:buFont typeface="Wingdings" charset="2"/>
+              <a:buChar char=""/>
+            </a:pPr>
+            <a:r>
+              <a:rPr b="0" lang="en-US" sz="3200" spc="-1" strike="noStrike">
+                <a:solidFill>
+                  <a:srgbClr val="000000"/>
+                </a:solidFill>
+                <a:uFill>
+                  <a:solidFill>
+                    <a:srgbClr val="ffffff"/>
+                  </a:solidFill>
+                </a:uFill>
+                <a:latin typeface="Arial"/>
+                <a:ea typeface="DejaVu Sans"/>
+              </a:rPr>
+              <a:t>Easier than you can imagine</a:t>
+            </a:r>
+            <a:endParaRPr b="0" lang="en-US" sz="3200" spc="-1" strike="noStrike">
+              <a:solidFill>
+                <a:srgbClr val="000000"/>
+              </a:solidFill>
+              <a:uFill>
+                <a:solidFill>
+                  <a:srgbClr val="ffffff"/>
+                </a:solidFill>
+              </a:uFill>
+              <a:latin typeface="Arial"/>
+              <a:ea typeface="Noto Sans CJK SC Regular"/>
+            </a:endParaRPr>
+          </a:p>
+          <a:p>
+            <a:pPr>
+              <a:lnSpc>
+                <a:spcPct val="115000"/>
+              </a:lnSpc>
+            </a:pPr>
+            <a:r>
+              <a:rPr b="0" lang="en-US" sz="3200" spc="-1" strike="noStrike">
+                <a:solidFill>
+                  <a:srgbClr val="000000"/>
+                </a:solidFill>
+                <a:uFill>
+                  <a:solidFill>
+                    <a:srgbClr val="ffffff"/>
+                  </a:solidFill>
+                </a:uFill>
+                <a:latin typeface="Arial"/>
+                <a:ea typeface="DejaVu Sans"/>
+              </a:rPr>
+              <a:t>Two one week training courses on NGS-data analysis in 2016 with ~30 participants each</a:t>
             </a:r>
             <a:endParaRPr b="0" lang="en-US" sz="1800" spc="-1" strike="noStrike">
+              <a:solidFill>
+                <a:srgbClr val="000000"/>
+              </a:solidFill>
+              <a:uFill>
+                <a:solidFill>
+                  <a:srgbClr val="ffffff"/>
+                </a:solidFill>
+              </a:uFill>
+              <a:latin typeface="Arial"/>
+            </a:endParaRPr>
+          </a:p>
+          <a:p>
+            <a:pPr>
+              <a:lnSpc>
+                <a:spcPct val="115000"/>
+              </a:lnSpc>
+            </a:pPr>
+            <a:r>
+              <a:rPr b="0" lang="en-US" sz="3200" spc="-1" strike="noStrike">
+                <a:solidFill>
+                  <a:srgbClr val="000000"/>
+                </a:solidFill>
+                <a:uFill>
+                  <a:solidFill>
+                    <a:srgbClr val="ffffff"/>
+                  </a:solidFill>
+                </a:uFill>
+                <a:latin typeface="Arial"/>
+                <a:ea typeface="DejaVu Sans"/>
+              </a:rPr>
+              <a:t>06</a:t>
+            </a:r>
+            <a:r>
+              <a:rPr b="0" lang="en-US" sz="3200" spc="-1" strike="noStrike" baseline="101000">
+                <a:solidFill>
+                  <a:srgbClr val="000000"/>
+                </a:solidFill>
+                <a:uFill>
+                  <a:solidFill>
+                    <a:srgbClr val="ffffff"/>
+                  </a:solidFill>
+                </a:uFill>
+                <a:latin typeface="Arial"/>
+                <a:ea typeface="DejaVu Sans"/>
+              </a:rPr>
+              <a:t>th</a:t>
+            </a:r>
+            <a:r>
+              <a:rPr b="0" lang="en-US" sz="3200" spc="-1" strike="noStrike">
+                <a:solidFill>
+                  <a:srgbClr val="000000"/>
+                </a:solidFill>
+                <a:uFill>
+                  <a:solidFill>
+                    <a:srgbClr val="ffffff"/>
+                  </a:solidFill>
+                </a:uFill>
+                <a:latin typeface="Arial"/>
+                <a:ea typeface="DejaVu Sans"/>
+              </a:rPr>
+              <a:t> – 07</a:t>
+            </a:r>
+            <a:r>
+              <a:rPr b="0" lang="en-US" sz="3200" spc="-1" strike="noStrike" baseline="101000">
+                <a:solidFill>
+                  <a:srgbClr val="000000"/>
+                </a:solidFill>
+                <a:uFill>
+                  <a:solidFill>
+                    <a:srgbClr val="ffffff"/>
+                  </a:solidFill>
+                </a:uFill>
+                <a:latin typeface="Arial"/>
+                <a:ea typeface="DejaVu Sans"/>
+              </a:rPr>
+              <a:t>th</a:t>
+            </a:r>
+            <a:r>
+              <a:rPr b="0" lang="en-US" sz="3200" spc="-1" strike="noStrike">
+                <a:solidFill>
+                  <a:srgbClr val="000000"/>
+                </a:solidFill>
+                <a:uFill>
+                  <a:solidFill>
+                    <a:srgbClr val="ffffff"/>
+                  </a:solidFill>
+                </a:uFill>
+                <a:latin typeface="Arial"/>
+                <a:ea typeface="DejaVu Sans"/>
+              </a:rPr>
+              <a:t> Oct 2016 Swiss German Galaxy workshop</a:t>
+            </a:r>
+            <a:endParaRPr b="0" lang="en-US" sz="1800" spc="-1" strike="noStrike">
+              <a:solidFill>
+                <a:srgbClr val="000000"/>
+              </a:solidFill>
+              <a:uFill>
+                <a:solidFill>
+                  <a:srgbClr val="ffffff"/>
+                </a:solidFill>
+              </a:uFill>
+              <a:latin typeface="Arial"/>
+            </a:endParaRPr>
+          </a:p>
+          <a:p>
+            <a:pPr>
+              <a:lnSpc>
+                <a:spcPct val="115000"/>
+              </a:lnSpc>
+            </a:pPr>
+            <a:r>
+              <a:rPr b="0" lang="en-US" sz="3200" spc="-1" strike="noStrike">
+                <a:solidFill>
+                  <a:srgbClr val="000000"/>
+                </a:solidFill>
+                <a:uFill>
+                  <a:solidFill>
+                    <a:srgbClr val="ffffff"/>
+                  </a:solidFill>
+                </a:uFill>
+                <a:latin typeface="Arial"/>
+                <a:ea typeface="DejaVu Sans"/>
+              </a:rPr>
+              <a:t>02</a:t>
+            </a:r>
+            <a:r>
+              <a:rPr b="0" lang="en-US" sz="3200" spc="-1" strike="noStrike" baseline="30000">
+                <a:solidFill>
+                  <a:srgbClr val="000000"/>
+                </a:solidFill>
+                <a:uFill>
+                  <a:solidFill>
+                    <a:srgbClr val="ffffff"/>
+                  </a:solidFill>
+                </a:uFill>
+                <a:latin typeface="Arial"/>
+                <a:ea typeface="DejaVu Sans"/>
+              </a:rPr>
+              <a:t>nd </a:t>
+            </a:r>
+            <a:r>
+              <a:rPr b="0" lang="en-US" sz="3200" spc="-1" strike="noStrike">
+                <a:solidFill>
+                  <a:srgbClr val="000000"/>
+                </a:solidFill>
+                <a:uFill>
+                  <a:solidFill>
+                    <a:srgbClr val="ffffff"/>
+                  </a:solidFill>
+                </a:uFill>
+                <a:latin typeface="Arial"/>
+                <a:ea typeface="DejaVu Sans"/>
+              </a:rPr>
+              <a:t>– 03</a:t>
+            </a:r>
+            <a:r>
+              <a:rPr b="0" lang="en-US" sz="3200" spc="-1" strike="noStrike" baseline="30000">
+                <a:solidFill>
+                  <a:srgbClr val="000000"/>
+                </a:solidFill>
+                <a:uFill>
+                  <a:solidFill>
+                    <a:srgbClr val="ffffff"/>
+                  </a:solidFill>
+                </a:uFill>
+                <a:latin typeface="Arial"/>
+                <a:ea typeface="DejaVu Sans"/>
+              </a:rPr>
+              <a:t>rd</a:t>
+            </a:r>
+            <a:r>
+              <a:rPr b="0" lang="en-US" sz="3200" spc="-1" strike="noStrike">
+                <a:solidFill>
+                  <a:srgbClr val="000000"/>
+                </a:solidFill>
+                <a:uFill>
+                  <a:solidFill>
+                    <a:srgbClr val="ffffff"/>
+                  </a:solidFill>
+                </a:uFill>
+                <a:latin typeface="Arial"/>
+                <a:ea typeface="DejaVu Sans"/>
+              </a:rPr>
+              <a:t> Nov 2016  BioConda hackathon</a:t>
+            </a:r>
+            <a:endParaRPr b="0" lang="en-US" sz="1800" spc="-1" strike="noStrike">
+              <a:solidFill>
+                <a:srgbClr val="000000"/>
+              </a:solidFill>
+              <a:uFill>
+                <a:solidFill>
+                  <a:srgbClr val="ffffff"/>
+                </a:solidFill>
+              </a:uFill>
+              <a:latin typeface="Arial"/>
+            </a:endParaRPr>
+          </a:p>
+          <a:p>
+            <a:pPr>
+              <a:lnSpc>
+                <a:spcPct val="115000"/>
+              </a:lnSpc>
+            </a:pPr>
+            <a:r>
+              <a:rPr b="0" lang="en-US" sz="3200" spc="-1" strike="noStrike">
+                <a:solidFill>
+                  <a:srgbClr val="000000"/>
+                </a:solidFill>
+                <a:uFill>
+                  <a:solidFill>
+                    <a:srgbClr val="ffffff"/>
+                  </a:solidFill>
+                </a:uFill>
+                <a:latin typeface="Arial"/>
+                <a:ea typeface="DejaVu Sans"/>
+              </a:rPr>
+              <a:t>15</a:t>
+            </a:r>
+            <a:r>
+              <a:rPr b="0" lang="en-US" sz="3200" spc="-1" strike="noStrike" baseline="101000">
+                <a:solidFill>
+                  <a:srgbClr val="000000"/>
+                </a:solidFill>
+                <a:uFill>
+                  <a:solidFill>
+                    <a:srgbClr val="ffffff"/>
+                  </a:solidFill>
+                </a:uFill>
+                <a:latin typeface="Arial"/>
+                <a:ea typeface="DejaVu Sans"/>
+              </a:rPr>
+              <a:t>th</a:t>
+            </a:r>
+            <a:r>
+              <a:rPr b="0" lang="en-US" sz="3200" spc="-1" strike="noStrike">
+                <a:solidFill>
+                  <a:srgbClr val="000000"/>
+                </a:solidFill>
+                <a:uFill>
+                  <a:solidFill>
+                    <a:srgbClr val="ffffff"/>
+                  </a:solidFill>
+                </a:uFill>
+                <a:latin typeface="Arial"/>
+                <a:ea typeface="DejaVu Sans"/>
+              </a:rPr>
+              <a:t> – 16</a:t>
+            </a:r>
+            <a:r>
+              <a:rPr b="0" lang="en-US" sz="3200" spc="-1" strike="noStrike" baseline="101000">
+                <a:solidFill>
+                  <a:srgbClr val="000000"/>
+                </a:solidFill>
+                <a:uFill>
+                  <a:solidFill>
+                    <a:srgbClr val="ffffff"/>
+                  </a:solidFill>
+                </a:uFill>
+                <a:latin typeface="Arial"/>
+                <a:ea typeface="DejaVu Sans"/>
+              </a:rPr>
+              <a:t>th</a:t>
+            </a:r>
+            <a:r>
+              <a:rPr b="0" lang="en-US" sz="3200" spc="-1" strike="noStrike">
+                <a:solidFill>
+                  <a:srgbClr val="000000"/>
+                </a:solidFill>
+                <a:uFill>
+                  <a:solidFill>
+                    <a:srgbClr val="ffffff"/>
+                  </a:solidFill>
+                </a:uFill>
+                <a:latin typeface="Arial"/>
+                <a:ea typeface="DejaVu Sans"/>
+              </a:rPr>
+              <a:t> Dec 2016 Galaxy RNA-seq data analysis workshop</a:t>
+            </a:r>
+            <a:endParaRPr b="0" lang="en-US" sz="1800" spc="-1" strike="noStrike">
+              <a:solidFill>
+                <a:srgbClr val="000000"/>
+              </a:solidFill>
+              <a:uFill>
+                <a:solidFill>
+                  <a:srgbClr val="ffffff"/>
+                </a:solidFill>
+              </a:uFill>
+              <a:latin typeface="Arial"/>
+            </a:endParaRPr>
+          </a:p>
+          <a:p>
+            <a:pPr>
+              <a:lnSpc>
+                <a:spcPct val="100000"/>
+              </a:lnSpc>
+            </a:pPr>
+            <a:endParaRPr b="0" lang="en-US" sz="3200" spc="-1" strike="noStrike">
               <a:solidFill>
                 <a:srgbClr val="000000"/>
               </a:solidFill>
@@ -5128,7 +5612,279 @@
       </p:sp>
       <p:pic>
         <p:nvPicPr>
-          <p:cNvPr id="76" name="Grafik 77" descr=""/>
+          <p:cNvPr id="75" name="" descr=""/>
+          <p:cNvPicPr/>
+          <p:nvPr/>
+        </p:nvPicPr>
+        <p:blipFill>
+          <a:blip r:embed="rId14"/>
+          <a:stretch/>
+        </p:blipFill>
+        <p:spPr>
+          <a:xfrm>
+            <a:off x="16554960" y="20025360"/>
+            <a:ext cx="5390640" cy="3200400"/>
+          </a:xfrm>
+          <a:prstGeom prst="rect">
+            <a:avLst/>
+          </a:prstGeom>
+          <a:ln>
+            <a:noFill/>
+          </a:ln>
+        </p:spPr>
+      </p:pic>
+      <p:pic>
+        <p:nvPicPr>
+          <p:cNvPr id="76" name="" descr=""/>
+          <p:cNvPicPr/>
+          <p:nvPr/>
+        </p:nvPicPr>
+        <p:blipFill>
+          <a:blip r:embed="rId15"/>
+          <a:stretch/>
+        </p:blipFill>
+        <p:spPr>
+          <a:xfrm>
+            <a:off x="23317200" y="19933920"/>
+            <a:ext cx="4973040" cy="3291840"/>
+          </a:xfrm>
+          <a:prstGeom prst="rect">
+            <a:avLst/>
+          </a:prstGeom>
+          <a:ln>
+            <a:noFill/>
+          </a:ln>
+        </p:spPr>
+      </p:pic>
+      <p:sp>
+        <p:nvSpPr>
+          <p:cNvPr id="77" name="TextShape 28"/>
+          <p:cNvSpPr txBox="1"/>
+          <p:nvPr/>
+        </p:nvSpPr>
+        <p:spPr>
+          <a:xfrm>
+            <a:off x="16550640" y="24963120"/>
+            <a:ext cx="11795760" cy="3555720"/>
+          </a:xfrm>
+          <a:prstGeom prst="rect">
+            <a:avLst/>
+          </a:prstGeom>
+          <a:noFill/>
+          <a:ln>
+            <a:noFill/>
+          </a:ln>
+        </p:spPr>
+        <p:txBody>
+          <a:bodyPr lIns="90000" rIns="90000" tIns="45000" bIns="45000"/>
+          <a:p>
+            <a:r>
+              <a:rPr b="0" lang="en-US" sz="3200" spc="-1" strike="noStrike">
+                <a:solidFill>
+                  <a:srgbClr val="000000"/>
+                </a:solidFill>
+                <a:uFill>
+                  <a:solidFill>
+                    <a:srgbClr val="ffffff"/>
+                  </a:solidFill>
+                </a:uFill>
+                <a:latin typeface="Arial"/>
+              </a:rPr>
+              <a:t>And a lot more:</a:t>
+            </a:r>
+            <a:endParaRPr b="0" lang="en-US" sz="3200" spc="-1" strike="noStrike">
+              <a:solidFill>
+                <a:srgbClr val="000000"/>
+              </a:solidFill>
+              <a:uFill>
+                <a:solidFill>
+                  <a:srgbClr val="ffffff"/>
+                </a:solidFill>
+              </a:uFill>
+              <a:latin typeface="Arial"/>
+            </a:endParaRPr>
+          </a:p>
+          <a:p>
+            <a:pPr marL="216000" indent="-216000">
+              <a:buClr>
+                <a:srgbClr val="000000"/>
+              </a:buClr>
+              <a:buSzPct val="45000"/>
+              <a:buFont typeface="Wingdings" charset="2"/>
+              <a:buChar char=""/>
+            </a:pPr>
+            <a:r>
+              <a:rPr b="0" lang="en-US" sz="3200" spc="-1" strike="noStrike">
+                <a:solidFill>
+                  <a:srgbClr val="000000"/>
+                </a:solidFill>
+                <a:uFill>
+                  <a:solidFill>
+                    <a:srgbClr val="ffffff"/>
+                  </a:solidFill>
+                </a:uFill>
+                <a:latin typeface="Arial"/>
+              </a:rPr>
+              <a:t>RSS-Reader</a:t>
+            </a:r>
+            <a:endParaRPr b="0" lang="en-US" sz="3200" spc="-1" strike="noStrike">
+              <a:solidFill>
+                <a:srgbClr val="000000"/>
+              </a:solidFill>
+              <a:uFill>
+                <a:solidFill>
+                  <a:srgbClr val="ffffff"/>
+                </a:solidFill>
+              </a:uFill>
+              <a:latin typeface="Arial"/>
+            </a:endParaRPr>
+          </a:p>
+          <a:p>
+            <a:pPr marL="216000" indent="-216000">
+              <a:buClr>
+                <a:srgbClr val="000000"/>
+              </a:buClr>
+              <a:buSzPct val="45000"/>
+              <a:buFont typeface="Wingdings" charset="2"/>
+              <a:buChar char=""/>
+            </a:pPr>
+            <a:r>
+              <a:rPr b="0" lang="en-US" sz="3200" spc="-1" strike="noStrike">
+                <a:solidFill>
+                  <a:srgbClr val="000000"/>
+                </a:solidFill>
+                <a:uFill>
+                  <a:solidFill>
+                    <a:srgbClr val="ffffff"/>
+                  </a:solidFill>
+                </a:uFill>
+                <a:latin typeface="Arial"/>
+              </a:rPr>
+              <a:t>Pubmed</a:t>
+            </a:r>
+            <a:endParaRPr b="0" lang="en-US" sz="3200" spc="-1" strike="noStrike">
+              <a:solidFill>
+                <a:srgbClr val="000000"/>
+              </a:solidFill>
+              <a:uFill>
+                <a:solidFill>
+                  <a:srgbClr val="ffffff"/>
+                </a:solidFill>
+              </a:uFill>
+              <a:latin typeface="Arial"/>
+            </a:endParaRPr>
+          </a:p>
+          <a:p>
+            <a:pPr marL="216000" indent="-216000">
+              <a:buClr>
+                <a:srgbClr val="000000"/>
+              </a:buClr>
+              <a:buSzPct val="45000"/>
+              <a:buFont typeface="Wingdings" charset="2"/>
+              <a:buChar char=""/>
+            </a:pPr>
+            <a:r>
+              <a:rPr b="0" lang="en-US" sz="3200" spc="-1" strike="noStrike">
+                <a:solidFill>
+                  <a:srgbClr val="000000"/>
+                </a:solidFill>
+                <a:uFill>
+                  <a:solidFill>
+                    <a:srgbClr val="ffffff"/>
+                  </a:solidFill>
+                </a:uFill>
+                <a:latin typeface="Arial"/>
+              </a:rPr>
+              <a:t>Tool prediction</a:t>
+            </a:r>
+            <a:endParaRPr b="0" lang="en-US" sz="3200" spc="-1" strike="noStrike">
+              <a:solidFill>
+                <a:srgbClr val="000000"/>
+              </a:solidFill>
+              <a:uFill>
+                <a:solidFill>
+                  <a:srgbClr val="ffffff"/>
+                </a:solidFill>
+              </a:uFill>
+              <a:latin typeface="Arial"/>
+            </a:endParaRPr>
+          </a:p>
+          <a:p>
+            <a:pPr marL="216000" indent="-216000">
+              <a:buClr>
+                <a:srgbClr val="000000"/>
+              </a:buClr>
+              <a:buSzPct val="45000"/>
+              <a:buFont typeface="Wingdings" charset="2"/>
+              <a:buChar char=""/>
+            </a:pPr>
+            <a:r>
+              <a:rPr b="0" lang="en-US" sz="3200" spc="-1" strike="noStrike">
+                <a:solidFill>
+                  <a:srgbClr val="000000"/>
+                </a:solidFill>
+                <a:uFill>
+                  <a:solidFill>
+                    <a:srgbClr val="ffffff"/>
+                  </a:solidFill>
+                </a:uFill>
+                <a:latin typeface="Arial"/>
+              </a:rPr>
+              <a:t>Runtime graphs </a:t>
+            </a:r>
+            <a:endParaRPr b="0" lang="en-US" sz="3200" spc="-1" strike="noStrike">
+              <a:solidFill>
+                <a:srgbClr val="000000"/>
+              </a:solidFill>
+              <a:uFill>
+                <a:solidFill>
+                  <a:srgbClr val="ffffff"/>
+                </a:solidFill>
+              </a:uFill>
+              <a:latin typeface="Arial"/>
+            </a:endParaRPr>
+          </a:p>
+          <a:p>
+            <a:endParaRPr b="0" lang="en-US" sz="3200" spc="-1" strike="noStrike">
+              <a:solidFill>
+                <a:srgbClr val="000000"/>
+              </a:solidFill>
+              <a:uFill>
+                <a:solidFill>
+                  <a:srgbClr val="ffffff"/>
+                </a:solidFill>
+              </a:uFill>
+              <a:latin typeface="Arial"/>
+            </a:endParaRPr>
+          </a:p>
+        </p:txBody>
+      </p:sp>
+      <p:pic>
+        <p:nvPicPr>
+          <p:cNvPr id="78" name="" descr=""/>
+          <p:cNvPicPr/>
+          <p:nvPr/>
+        </p:nvPicPr>
+        <p:blipFill>
+          <a:blip r:embed="rId16"/>
+          <a:stretch/>
+        </p:blipFill>
+        <p:spPr>
+          <a:xfrm>
+            <a:off x="17647920" y="36758880"/>
+            <a:ext cx="6070680" cy="2377440"/>
+          </a:xfrm>
+          <a:prstGeom prst="rect">
+            <a:avLst/>
+          </a:prstGeom>
+          <a:ln>
+            <a:noFill/>
+          </a:ln>
+        </p:spPr>
+      </p:pic>
+      <p:pic>
+        <p:nvPicPr>
+          <p:cNvPr id="79" name="" descr=""/>
           <p:cNvPicPr/>
           <p:nvPr/>
         </p:nvPicPr>
@@ -5138,8 +5894,8 @@
         </p:blipFill>
         <p:spPr>
           <a:xfrm>
-            <a:off x="1202760" y="14264640"/>
-            <a:ext cx="12695760" cy="7497720"/>
+            <a:off x="25054560" y="36118800"/>
+            <a:ext cx="3931920" cy="3931920"/>
           </a:xfrm>
           <a:prstGeom prst="rect">
             <a:avLst/>
@@ -5149,284 +5905,75 @@
           </a:ln>
         </p:spPr>
       </p:pic>
-      <p:sp>
-        <p:nvSpPr>
-          <p:cNvPr id="77" name="CustomShape 28"/>
-          <p:cNvSpPr/>
+      <p:pic>
+        <p:nvPicPr>
+          <p:cNvPr id="80" name="" descr=""/>
+          <p:cNvPicPr/>
           <p:nvPr/>
-        </p:nvSpPr>
-        <p:spPr>
-          <a:xfrm>
-            <a:off x="16642080" y="25810200"/>
-            <a:ext cx="7688520" cy="3016440"/>
-          </a:xfrm>
-          <a:prstGeom prst="rect">
-            <a:avLst/>
-          </a:prstGeom>
-          <a:noFill/>
+        </p:nvPicPr>
+        <p:blipFill>
+          <a:blip r:embed="rId18"/>
+          <a:stretch/>
+        </p:blipFill>
+        <p:spPr>
+          <a:xfrm>
+            <a:off x="25091640" y="29368800"/>
+            <a:ext cx="3437640" cy="3458160"/>
+          </a:xfrm>
+          <a:prstGeom prst="rect">
+            <a:avLst/>
+          </a:prstGeom>
           <a:ln>
             <a:noFill/>
           </a:ln>
         </p:spPr>
-        <p:style>
-          <a:lnRef idx="0"/>
-          <a:fillRef idx="0"/>
-          <a:effectRef idx="0"/>
-          <a:fontRef idx="minor"/>
-        </p:style>
-        <p:txBody>
-          <a:bodyPr lIns="90000" rIns="90000" tIns="45000" bIns="45000"/>
-          <a:p>
-            <a:pPr>
-              <a:lnSpc>
-                <a:spcPct val="100000"/>
-              </a:lnSpc>
-            </a:pPr>
-            <a:r>
-              <a:rPr b="0" lang="en-US" sz="2400" spc="-1" strike="noStrike">
-                <a:solidFill>
-                  <a:srgbClr val="000000"/>
-                </a:solidFill>
-                <a:uFill>
-                  <a:solidFill>
-                    <a:srgbClr val="ffffff"/>
-                  </a:solidFill>
-                </a:uFill>
-                <a:latin typeface="Arial"/>
-                <a:ea typeface="DejaVu Sans"/>
-              </a:rPr>
-              <a:t>Galaxy Tours</a:t>
-            </a:r>
-            <a:endParaRPr b="0" lang="en-US" sz="1800" spc="-1" strike="noStrike">
-              <a:solidFill>
-                <a:srgbClr val="000000"/>
-              </a:solidFill>
-              <a:uFill>
-                <a:solidFill>
-                  <a:srgbClr val="ffffff"/>
-                </a:solidFill>
-              </a:uFill>
-              <a:latin typeface="Arial"/>
-            </a:endParaRPr>
-          </a:p>
-          <a:p>
-            <a:pPr>
-              <a:lnSpc>
-                <a:spcPct val="100000"/>
-              </a:lnSpc>
-            </a:pPr>
-            <a:r>
-              <a:rPr b="0" lang="en-US" sz="2400" spc="-1" strike="noStrike">
-                <a:solidFill>
-                  <a:srgbClr val="000000"/>
-                </a:solidFill>
-                <a:uFill>
-                  <a:solidFill>
-                    <a:srgbClr val="ffffff"/>
-                  </a:solidFill>
-                </a:uFill>
-                <a:latin typeface="Arial"/>
-                <a:ea typeface="DejaVu Sans"/>
-              </a:rPr>
-              <a:t>For users:</a:t>
-            </a:r>
-            <a:endParaRPr b="0" lang="en-US" sz="1800" spc="-1" strike="noStrike">
-              <a:solidFill>
-                <a:srgbClr val="000000"/>
-              </a:solidFill>
-              <a:uFill>
-                <a:solidFill>
-                  <a:srgbClr val="ffffff"/>
-                </a:solidFill>
-              </a:uFill>
-              <a:latin typeface="Arial"/>
-            </a:endParaRPr>
-          </a:p>
-          <a:p>
-            <a:pPr marL="343080" indent="-342720">
-              <a:lnSpc>
-                <a:spcPct val="100000"/>
-              </a:lnSpc>
-              <a:buClr>
-                <a:srgbClr val="000000"/>
-              </a:buClr>
-              <a:buFont typeface="StarSymbol"/>
-              <a:buChar char="-"/>
-            </a:pPr>
-            <a:r>
-              <a:rPr b="0" lang="en-US" sz="2400" spc="-1" strike="noStrike">
-                <a:solidFill>
-                  <a:srgbClr val="000000"/>
-                </a:solidFill>
-                <a:uFill>
-                  <a:solidFill>
-                    <a:srgbClr val="ffffff"/>
-                  </a:solidFill>
-                </a:uFill>
-                <a:latin typeface="Arial"/>
-                <a:ea typeface="DejaVu Sans"/>
-              </a:rPr>
-              <a:t>as easy as a video</a:t>
-            </a:r>
-            <a:endParaRPr b="0" lang="en-US" sz="1800" spc="-1" strike="noStrike">
-              <a:solidFill>
-                <a:srgbClr val="000000"/>
-              </a:solidFill>
-              <a:uFill>
-                <a:solidFill>
-                  <a:srgbClr val="ffffff"/>
-                </a:solidFill>
-              </a:uFill>
-              <a:latin typeface="Arial"/>
-            </a:endParaRPr>
-          </a:p>
-          <a:p>
-            <a:pPr marL="343080" indent="-342720">
-              <a:lnSpc>
-                <a:spcPct val="100000"/>
-              </a:lnSpc>
-              <a:buClr>
-                <a:srgbClr val="000000"/>
-              </a:buClr>
-              <a:buFont typeface="StarSymbol"/>
-              <a:buChar char="-"/>
-            </a:pPr>
-            <a:r>
-              <a:rPr b="0" lang="en-US" sz="2400" spc="-1" strike="noStrike">
-                <a:solidFill>
-                  <a:srgbClr val="000000"/>
-                </a:solidFill>
-                <a:uFill>
-                  <a:solidFill>
-                    <a:srgbClr val="ffffff"/>
-                  </a:solidFill>
-                </a:uFill>
-                <a:latin typeface="Arial"/>
-                <a:ea typeface="DejaVu Sans"/>
-              </a:rPr>
-              <a:t>Interactive as hands-on</a:t>
-            </a:r>
-            <a:endParaRPr b="0" lang="en-US" sz="1800" spc="-1" strike="noStrike">
-              <a:solidFill>
-                <a:srgbClr val="000000"/>
-              </a:solidFill>
-              <a:uFill>
-                <a:solidFill>
-                  <a:srgbClr val="ffffff"/>
-                </a:solidFill>
-              </a:uFill>
-              <a:latin typeface="Arial"/>
-            </a:endParaRPr>
-          </a:p>
-          <a:p>
-            <a:pPr>
-              <a:lnSpc>
-                <a:spcPct val="100000"/>
-              </a:lnSpc>
-            </a:pPr>
-            <a:endParaRPr b="0" lang="en-US" sz="1800" spc="-1" strike="noStrike">
-              <a:solidFill>
-                <a:srgbClr val="000000"/>
-              </a:solidFill>
-              <a:uFill>
-                <a:solidFill>
-                  <a:srgbClr val="ffffff"/>
-                </a:solidFill>
-              </a:uFill>
-              <a:latin typeface="Arial"/>
-            </a:endParaRPr>
-          </a:p>
-          <a:p>
-            <a:pPr>
-              <a:lnSpc>
-                <a:spcPct val="100000"/>
-              </a:lnSpc>
-            </a:pPr>
-            <a:r>
-              <a:rPr b="0" lang="en-US" sz="2400" spc="-1" strike="noStrike">
-                <a:solidFill>
-                  <a:srgbClr val="000000"/>
-                </a:solidFill>
-                <a:uFill>
-                  <a:solidFill>
-                    <a:srgbClr val="ffffff"/>
-                  </a:solidFill>
-                </a:uFill>
-                <a:latin typeface="Arial"/>
-                <a:ea typeface="DejaVu Sans"/>
-              </a:rPr>
-              <a:t>For developers/trainers</a:t>
-            </a:r>
-            <a:endParaRPr b="0" lang="en-US" sz="1800" spc="-1" strike="noStrike">
-              <a:solidFill>
-                <a:srgbClr val="000000"/>
-              </a:solidFill>
-              <a:uFill>
-                <a:solidFill>
-                  <a:srgbClr val="ffffff"/>
-                </a:solidFill>
-              </a:uFill>
-              <a:latin typeface="Arial"/>
-            </a:endParaRPr>
-          </a:p>
-          <a:p>
-            <a:pPr marL="343080" indent="-342720">
-              <a:lnSpc>
-                <a:spcPct val="100000"/>
-              </a:lnSpc>
-              <a:buClr>
-                <a:srgbClr val="000000"/>
-              </a:buClr>
-              <a:buFont typeface="StarSymbol"/>
-              <a:buChar char="-"/>
-            </a:pPr>
-            <a:r>
-              <a:rPr b="0" lang="en-US" sz="2400" spc="-1" strike="noStrike">
-                <a:solidFill>
-                  <a:srgbClr val="000000"/>
-                </a:solidFill>
-                <a:uFill>
-                  <a:solidFill>
-                    <a:srgbClr val="ffffff"/>
-                  </a:solidFill>
-                </a:uFill>
-                <a:latin typeface="Arial"/>
-                <a:ea typeface="DejaVu Sans"/>
-              </a:rPr>
-              <a:t>Easier than you can imagine</a:t>
-            </a:r>
-            <a:endParaRPr b="0" lang="en-US" sz="1800" spc="-1" strike="noStrike">
-              <a:solidFill>
-                <a:srgbClr val="000000"/>
-              </a:solidFill>
-              <a:uFill>
-                <a:solidFill>
-                  <a:srgbClr val="ffffff"/>
-                </a:solidFill>
-              </a:uFill>
-              <a:latin typeface="Arial"/>
-            </a:endParaRPr>
-          </a:p>
-          <a:p>
-            <a:pPr>
-              <a:lnSpc>
-                <a:spcPct val="100000"/>
-              </a:lnSpc>
-            </a:pPr>
-            <a:endParaRPr b="0" lang="en-US" sz="1800" spc="-1" strike="noStrike">
-              <a:solidFill>
-                <a:srgbClr val="000000"/>
-              </a:solidFill>
-              <a:uFill>
-                <a:solidFill>
-                  <a:srgbClr val="ffffff"/>
-                </a:solidFill>
-              </a:uFill>
-              <a:latin typeface="Arial"/>
-            </a:endParaRPr>
-          </a:p>
-        </p:txBody>
-      </p:sp>
+      </p:pic>
+      <p:pic>
+        <p:nvPicPr>
+          <p:cNvPr id="81" name="" descr=""/>
+          <p:cNvPicPr/>
+          <p:nvPr/>
+        </p:nvPicPr>
+        <p:blipFill>
+          <a:blip r:embed="rId19"/>
+          <a:stretch/>
+        </p:blipFill>
+        <p:spPr>
+          <a:xfrm>
+            <a:off x="1371600" y="14331240"/>
+            <a:ext cx="12435840" cy="7431480"/>
+          </a:xfrm>
+          <a:prstGeom prst="rect">
+            <a:avLst/>
+          </a:prstGeom>
+          <a:ln>
+            <a:noFill/>
+          </a:ln>
+        </p:spPr>
+      </p:pic>
+      <p:pic>
+        <p:nvPicPr>
+          <p:cNvPr id="82" name="" descr=""/>
+          <p:cNvPicPr/>
+          <p:nvPr/>
+        </p:nvPicPr>
+        <p:blipFill>
+          <a:blip r:embed="rId20"/>
+          <a:stretch/>
+        </p:blipFill>
+        <p:spPr>
+          <a:xfrm>
+            <a:off x="20848320" y="12728160"/>
+            <a:ext cx="8595360" cy="5730120"/>
+          </a:xfrm>
+          <a:prstGeom prst="rect">
+            <a:avLst/>
+          </a:prstGeom>
+          <a:ln>
+            <a:noFill/>
+          </a:ln>
+        </p:spPr>
+      </p:pic>
     </p:spTree>
   </p:cSld>
   <p:timing>

--- a/rbc_sab-berlin_2016/Poster_deNBI-epi_SAB-Meeting_2016.pptx
+++ b/rbc_sab-berlin_2016/Poster_deNBI-epi_SAB-Meeting_2016.pptx
@@ -1,19 +1,114 @@
 
 <file path=ppt/presentation.xml><?xml version="1.0" encoding="utf-8"?>
-<p:presentation xmlns:a="http://schemas.openxmlformats.org/drawingml/2006/main" xmlns:p="http://schemas.openxmlformats.org/presentationml/2006/main" xmlns:r="http://schemas.openxmlformats.org/officeDocument/2006/relationships" xmlns:p14="http://schemas.microsoft.com/office/powerpoint/2010/main" xmlns:p15="http://schemas.microsoft.com/office/powerpoint/2012/main" xmlns:mc="http://schemas.openxmlformats.org/markup-compatibility/2006">
+<p:presentation xmlns:a="http://schemas.openxmlformats.org/drawingml/2006/main" xmlns:r="http://schemas.openxmlformats.org/officeDocument/2006/relationships" xmlns:p="http://schemas.openxmlformats.org/presentationml/2006/main">
   <p:sldMasterIdLst>
-    <p:sldMasterId id="2147483648" r:id="rId2"/>
+    <p:sldMasterId id="2147483648" r:id="rId1"/>
   </p:sldMasterIdLst>
   <p:sldIdLst>
-    <p:sldId id="256" r:id="rId3"/>
+    <p:sldId id="256" r:id="rId2"/>
   </p:sldIdLst>
-  <p:sldSz cx="30275212" cy="42811700"/>
-  <p:notesSz cx="7559675" cy="10691812"/>
+  <p:sldSz cx="30275213" cy="42811700"/>
+  <p:notesSz cx="7559675" cy="10691813"/>
+  <p:defaultTextStyle>
+    <a:defPPr>
+      <a:defRPr lang="de-DE"/>
+    </a:defPPr>
+    <a:lvl1pPr marL="0" algn="l" defTabSz="914400" rtl="0" eaLnBrk="1" latinLnBrk="0" hangingPunct="1">
+      <a:defRPr sz="1800" kern="1200">
+        <a:solidFill>
+          <a:schemeClr val="tx1"/>
+        </a:solidFill>
+        <a:latin typeface="+mn-lt"/>
+        <a:ea typeface="+mn-ea"/>
+        <a:cs typeface="+mn-cs"/>
+      </a:defRPr>
+    </a:lvl1pPr>
+    <a:lvl2pPr marL="457200" algn="l" defTabSz="914400" rtl="0" eaLnBrk="1" latinLnBrk="0" hangingPunct="1">
+      <a:defRPr sz="1800" kern="1200">
+        <a:solidFill>
+          <a:schemeClr val="tx1"/>
+        </a:solidFill>
+        <a:latin typeface="+mn-lt"/>
+        <a:ea typeface="+mn-ea"/>
+        <a:cs typeface="+mn-cs"/>
+      </a:defRPr>
+    </a:lvl2pPr>
+    <a:lvl3pPr marL="914400" algn="l" defTabSz="914400" rtl="0" eaLnBrk="1" latinLnBrk="0" hangingPunct="1">
+      <a:defRPr sz="1800" kern="1200">
+        <a:solidFill>
+          <a:schemeClr val="tx1"/>
+        </a:solidFill>
+        <a:latin typeface="+mn-lt"/>
+        <a:ea typeface="+mn-ea"/>
+        <a:cs typeface="+mn-cs"/>
+      </a:defRPr>
+    </a:lvl3pPr>
+    <a:lvl4pPr marL="1371600" algn="l" defTabSz="914400" rtl="0" eaLnBrk="1" latinLnBrk="0" hangingPunct="1">
+      <a:defRPr sz="1800" kern="1200">
+        <a:solidFill>
+          <a:schemeClr val="tx1"/>
+        </a:solidFill>
+        <a:latin typeface="+mn-lt"/>
+        <a:ea typeface="+mn-ea"/>
+        <a:cs typeface="+mn-cs"/>
+      </a:defRPr>
+    </a:lvl4pPr>
+    <a:lvl5pPr marL="1828800" algn="l" defTabSz="914400" rtl="0" eaLnBrk="1" latinLnBrk="0" hangingPunct="1">
+      <a:defRPr sz="1800" kern="1200">
+        <a:solidFill>
+          <a:schemeClr val="tx1"/>
+        </a:solidFill>
+        <a:latin typeface="+mn-lt"/>
+        <a:ea typeface="+mn-ea"/>
+        <a:cs typeface="+mn-cs"/>
+      </a:defRPr>
+    </a:lvl5pPr>
+    <a:lvl6pPr marL="2286000" algn="l" defTabSz="914400" rtl="0" eaLnBrk="1" latinLnBrk="0" hangingPunct="1">
+      <a:defRPr sz="1800" kern="1200">
+        <a:solidFill>
+          <a:schemeClr val="tx1"/>
+        </a:solidFill>
+        <a:latin typeface="+mn-lt"/>
+        <a:ea typeface="+mn-ea"/>
+        <a:cs typeface="+mn-cs"/>
+      </a:defRPr>
+    </a:lvl6pPr>
+    <a:lvl7pPr marL="2743200" algn="l" defTabSz="914400" rtl="0" eaLnBrk="1" latinLnBrk="0" hangingPunct="1">
+      <a:defRPr sz="1800" kern="1200">
+        <a:solidFill>
+          <a:schemeClr val="tx1"/>
+        </a:solidFill>
+        <a:latin typeface="+mn-lt"/>
+        <a:ea typeface="+mn-ea"/>
+        <a:cs typeface="+mn-cs"/>
+      </a:defRPr>
+    </a:lvl7pPr>
+    <a:lvl8pPr marL="3200400" algn="l" defTabSz="914400" rtl="0" eaLnBrk="1" latinLnBrk="0" hangingPunct="1">
+      <a:defRPr sz="1800" kern="1200">
+        <a:solidFill>
+          <a:schemeClr val="tx1"/>
+        </a:solidFill>
+        <a:latin typeface="+mn-lt"/>
+        <a:ea typeface="+mn-ea"/>
+        <a:cs typeface="+mn-cs"/>
+      </a:defRPr>
+    </a:lvl8pPr>
+    <a:lvl9pPr marL="3657600" algn="l" defTabSz="914400" rtl="0" eaLnBrk="1" latinLnBrk="0" hangingPunct="1">
+      <a:defRPr sz="1800" kern="1200">
+        <a:solidFill>
+          <a:schemeClr val="tx1"/>
+        </a:solidFill>
+        <a:latin typeface="+mn-lt"/>
+        <a:ea typeface="+mn-ea"/>
+        <a:cs typeface="+mn-cs"/>
+      </a:defRPr>
+    </a:lvl9pPr>
+  </p:defaultTextStyle>
 </p:presentation>
 </file>
 
 <file path=ppt/slideLayouts/slideLayout1.xml><?xml version="1.0" encoding="utf-8"?>
-<p:sldLayout xmlns:a="http://schemas.openxmlformats.org/drawingml/2006/main" xmlns:p="http://schemas.openxmlformats.org/presentationml/2006/main" xmlns:r="http://schemas.openxmlformats.org/officeDocument/2006/relationships" xmlns:p14="http://schemas.microsoft.com/office/powerpoint/2010/main" xmlns:p15="http://schemas.microsoft.com/office/powerpoint/2012/main" xmlns:mc="http://schemas.openxmlformats.org/markup-compatibility/2006" type="blank" preserve="1">
+<p:sldLayout xmlns:a="http://schemas.openxmlformats.org/drawingml/2006/main" xmlns:r="http://schemas.openxmlformats.org/officeDocument/2006/relationships" xmlns:p="http://schemas.openxmlformats.org/presentationml/2006/main" type="blank" preserve="1">
   <p:cSld name="Blank Slide">
     <p:spTree>
       <p:nvGrpSpPr>
@@ -31,11 +126,14 @@
       </p:grpSpPr>
     </p:spTree>
   </p:cSld>
+  <p:clrMapOvr>
+    <a:masterClrMapping/>
+  </p:clrMapOvr>
 </p:sldLayout>
 </file>
 
 <file path=ppt/slideLayouts/slideLayout10.xml><?xml version="1.0" encoding="utf-8"?>
-<p:sldLayout xmlns:a="http://schemas.openxmlformats.org/drawingml/2006/main" xmlns:p="http://schemas.openxmlformats.org/presentationml/2006/main" xmlns:r="http://schemas.openxmlformats.org/officeDocument/2006/relationships" xmlns:p14="http://schemas.microsoft.com/office/powerpoint/2010/main" xmlns:p15="http://schemas.microsoft.com/office/powerpoint/2012/main" xmlns:mc="http://schemas.openxmlformats.org/markup-compatibility/2006" type="objOverTx" preserve="1">
+<p:sldLayout xmlns:a="http://schemas.openxmlformats.org/drawingml/2006/main" xmlns:r="http://schemas.openxmlformats.org/officeDocument/2006/relationships" xmlns:p="http://schemas.openxmlformats.org/presentationml/2006/main" type="objOverTx" preserve="1">
   <p:cSld name="Title, Content over Content">
     <p:spTree>
       <p:nvGrpSpPr>
@@ -71,15 +169,16 @@
           </a:prstGeom>
         </p:spPr>
         <p:txBody>
-          <a:bodyPr lIns="0" rIns="0" tIns="0" bIns="0" anchor="ctr"/>
-          <a:p>
-            <a:endParaRPr b="0" lang="de-DE" sz="1800" spc="-1" strike="noStrike">
-              <a:solidFill>
-                <a:srgbClr val="000000"/>
-              </a:solidFill>
-              <a:uFill>
-                <a:solidFill>
-                  <a:srgbClr val="ffffff"/>
+          <a:bodyPr lIns="0" tIns="0" rIns="0" bIns="0" anchor="ctr"/>
+          <a:lstStyle/>
+          <a:p>
+            <a:endParaRPr lang="de-DE" sz="1800" b="0" strike="noStrike" spc="-1">
+              <a:solidFill>
+                <a:srgbClr val="000000"/>
+              </a:solidFill>
+              <a:uFill>
+                <a:solidFill>
+                  <a:srgbClr val="FFFFFF"/>
                 </a:solidFill>
               </a:uFill>
               <a:latin typeface="Arial"/>
@@ -107,15 +206,16 @@
           </a:prstGeom>
         </p:spPr>
         <p:txBody>
-          <a:bodyPr lIns="0" rIns="0" tIns="0" bIns="0"/>
-          <a:p>
-            <a:endParaRPr b="0" lang="de-DE" sz="1800" spc="-1" strike="noStrike">
-              <a:solidFill>
-                <a:srgbClr val="000000"/>
-              </a:solidFill>
-              <a:uFill>
-                <a:solidFill>
-                  <a:srgbClr val="ffffff"/>
+          <a:bodyPr lIns="0" tIns="0" rIns="0" bIns="0"/>
+          <a:lstStyle/>
+          <a:p>
+            <a:endParaRPr lang="de-DE" sz="1800" b="0" strike="noStrike" spc="-1">
+              <a:solidFill>
+                <a:srgbClr val="000000"/>
+              </a:solidFill>
+              <a:uFill>
+                <a:solidFill>
+                  <a:srgbClr val="FFFFFF"/>
                 </a:solidFill>
               </a:uFill>
               <a:latin typeface="Arial"/>
@@ -143,15 +243,16 @@
           </a:prstGeom>
         </p:spPr>
         <p:txBody>
-          <a:bodyPr lIns="0" rIns="0" tIns="0" bIns="0"/>
-          <a:p>
-            <a:endParaRPr b="0" lang="de-DE" sz="1800" spc="-1" strike="noStrike">
-              <a:solidFill>
-                <a:srgbClr val="000000"/>
-              </a:solidFill>
-              <a:uFill>
-                <a:solidFill>
-                  <a:srgbClr val="ffffff"/>
+          <a:bodyPr lIns="0" tIns="0" rIns="0" bIns="0"/>
+          <a:lstStyle/>
+          <a:p>
+            <a:endParaRPr lang="de-DE" sz="1800" b="0" strike="noStrike" spc="-1">
+              <a:solidFill>
+                <a:srgbClr val="000000"/>
+              </a:solidFill>
+              <a:uFill>
+                <a:solidFill>
+                  <a:srgbClr val="FFFFFF"/>
                 </a:solidFill>
               </a:uFill>
               <a:latin typeface="Arial"/>
@@ -161,11 +262,14 @@
       </p:sp>
     </p:spTree>
   </p:cSld>
+  <p:clrMapOvr>
+    <a:masterClrMapping/>
+  </p:clrMapOvr>
 </p:sldLayout>
 </file>
 
 <file path=ppt/slideLayouts/slideLayout11.xml><?xml version="1.0" encoding="utf-8"?>
-<p:sldLayout xmlns:a="http://schemas.openxmlformats.org/drawingml/2006/main" xmlns:p="http://schemas.openxmlformats.org/presentationml/2006/main" xmlns:r="http://schemas.openxmlformats.org/officeDocument/2006/relationships" xmlns:p14="http://schemas.microsoft.com/office/powerpoint/2010/main" xmlns:p15="http://schemas.microsoft.com/office/powerpoint/2012/main" xmlns:mc="http://schemas.openxmlformats.org/markup-compatibility/2006" type="fourObj" preserve="1">
+<p:sldLayout xmlns:a="http://schemas.openxmlformats.org/drawingml/2006/main" xmlns:r="http://schemas.openxmlformats.org/officeDocument/2006/relationships" xmlns:p="http://schemas.openxmlformats.org/presentationml/2006/main" type="fourObj" preserve="1">
   <p:cSld name="Title, 4 Content">
     <p:spTree>
       <p:nvGrpSpPr>
@@ -201,15 +305,16 @@
           </a:prstGeom>
         </p:spPr>
         <p:txBody>
-          <a:bodyPr lIns="0" rIns="0" tIns="0" bIns="0" anchor="ctr"/>
-          <a:p>
-            <a:endParaRPr b="0" lang="de-DE" sz="1800" spc="-1" strike="noStrike">
-              <a:solidFill>
-                <a:srgbClr val="000000"/>
-              </a:solidFill>
-              <a:uFill>
-                <a:solidFill>
-                  <a:srgbClr val="ffffff"/>
+          <a:bodyPr lIns="0" tIns="0" rIns="0" bIns="0" anchor="ctr"/>
+          <a:lstStyle/>
+          <a:p>
+            <a:endParaRPr lang="de-DE" sz="1800" b="0" strike="noStrike" spc="-1">
+              <a:solidFill>
+                <a:srgbClr val="000000"/>
+              </a:solidFill>
+              <a:uFill>
+                <a:solidFill>
+                  <a:srgbClr val="FFFFFF"/>
                 </a:solidFill>
               </a:uFill>
               <a:latin typeface="Arial"/>
@@ -237,15 +342,16 @@
           </a:prstGeom>
         </p:spPr>
         <p:txBody>
-          <a:bodyPr lIns="0" rIns="0" tIns="0" bIns="0"/>
-          <a:p>
-            <a:endParaRPr b="0" lang="de-DE" sz="1800" spc="-1" strike="noStrike">
-              <a:solidFill>
-                <a:srgbClr val="000000"/>
-              </a:solidFill>
-              <a:uFill>
-                <a:solidFill>
-                  <a:srgbClr val="ffffff"/>
+          <a:bodyPr lIns="0" tIns="0" rIns="0" bIns="0"/>
+          <a:lstStyle/>
+          <a:p>
+            <a:endParaRPr lang="de-DE" sz="1800" b="0" strike="noStrike" spc="-1">
+              <a:solidFill>
+                <a:srgbClr val="000000"/>
+              </a:solidFill>
+              <a:uFill>
+                <a:solidFill>
+                  <a:srgbClr val="FFFFFF"/>
                 </a:solidFill>
               </a:uFill>
               <a:latin typeface="Arial"/>
@@ -273,15 +379,16 @@
           </a:prstGeom>
         </p:spPr>
         <p:txBody>
-          <a:bodyPr lIns="0" rIns="0" tIns="0" bIns="0"/>
-          <a:p>
-            <a:endParaRPr b="0" lang="de-DE" sz="1800" spc="-1" strike="noStrike">
-              <a:solidFill>
-                <a:srgbClr val="000000"/>
-              </a:solidFill>
-              <a:uFill>
-                <a:solidFill>
-                  <a:srgbClr val="ffffff"/>
+          <a:bodyPr lIns="0" tIns="0" rIns="0" bIns="0"/>
+          <a:lstStyle/>
+          <a:p>
+            <a:endParaRPr lang="de-DE" sz="1800" b="0" strike="noStrike" spc="-1">
+              <a:solidFill>
+                <a:srgbClr val="000000"/>
+              </a:solidFill>
+              <a:uFill>
+                <a:solidFill>
+                  <a:srgbClr val="FFFFFF"/>
                 </a:solidFill>
               </a:uFill>
               <a:latin typeface="Arial"/>
@@ -309,15 +416,16 @@
           </a:prstGeom>
         </p:spPr>
         <p:txBody>
-          <a:bodyPr lIns="0" rIns="0" tIns="0" bIns="0"/>
-          <a:p>
-            <a:endParaRPr b="0" lang="de-DE" sz="1800" spc="-1" strike="noStrike">
-              <a:solidFill>
-                <a:srgbClr val="000000"/>
-              </a:solidFill>
-              <a:uFill>
-                <a:solidFill>
-                  <a:srgbClr val="ffffff"/>
+          <a:bodyPr lIns="0" tIns="0" rIns="0" bIns="0"/>
+          <a:lstStyle/>
+          <a:p>
+            <a:endParaRPr lang="de-DE" sz="1800" b="0" strike="noStrike" spc="-1">
+              <a:solidFill>
+                <a:srgbClr val="000000"/>
+              </a:solidFill>
+              <a:uFill>
+                <a:solidFill>
+                  <a:srgbClr val="FFFFFF"/>
                 </a:solidFill>
               </a:uFill>
               <a:latin typeface="Arial"/>
@@ -345,15 +453,16 @@
           </a:prstGeom>
         </p:spPr>
         <p:txBody>
-          <a:bodyPr lIns="0" rIns="0" tIns="0" bIns="0"/>
-          <a:p>
-            <a:endParaRPr b="0" lang="de-DE" sz="1800" spc="-1" strike="noStrike">
-              <a:solidFill>
-                <a:srgbClr val="000000"/>
-              </a:solidFill>
-              <a:uFill>
-                <a:solidFill>
-                  <a:srgbClr val="ffffff"/>
+          <a:bodyPr lIns="0" tIns="0" rIns="0" bIns="0"/>
+          <a:lstStyle/>
+          <a:p>
+            <a:endParaRPr lang="de-DE" sz="1800" b="0" strike="noStrike" spc="-1">
+              <a:solidFill>
+                <a:srgbClr val="000000"/>
+              </a:solidFill>
+              <a:uFill>
+                <a:solidFill>
+                  <a:srgbClr val="FFFFFF"/>
                 </a:solidFill>
               </a:uFill>
               <a:latin typeface="Arial"/>
@@ -363,11 +472,14 @@
       </p:sp>
     </p:spTree>
   </p:cSld>
+  <p:clrMapOvr>
+    <a:masterClrMapping/>
+  </p:clrMapOvr>
 </p:sldLayout>
 </file>
 
 <file path=ppt/slideLayouts/slideLayout12.xml><?xml version="1.0" encoding="utf-8"?>
-<p:sldLayout xmlns:a="http://schemas.openxmlformats.org/drawingml/2006/main" xmlns:p="http://schemas.openxmlformats.org/presentationml/2006/main" xmlns:r="http://schemas.openxmlformats.org/officeDocument/2006/relationships" xmlns:p14="http://schemas.microsoft.com/office/powerpoint/2010/main" xmlns:p15="http://schemas.microsoft.com/office/powerpoint/2012/main" xmlns:mc="http://schemas.openxmlformats.org/markup-compatibility/2006" type="blank" preserve="1">
+<p:sldLayout xmlns:a="http://schemas.openxmlformats.org/drawingml/2006/main" xmlns:r="http://schemas.openxmlformats.org/officeDocument/2006/relationships" xmlns:p="http://schemas.openxmlformats.org/presentationml/2006/main" type="blank" preserve="1">
   <p:cSld name="Title, 6 Content">
     <p:spTree>
       <p:nvGrpSpPr>
@@ -403,15 +515,16 @@
           </a:prstGeom>
         </p:spPr>
         <p:txBody>
-          <a:bodyPr lIns="0" rIns="0" tIns="0" bIns="0" anchor="ctr"/>
-          <a:p>
-            <a:endParaRPr b="0" lang="de-DE" sz="1800" spc="-1" strike="noStrike">
-              <a:solidFill>
-                <a:srgbClr val="000000"/>
-              </a:solidFill>
-              <a:uFill>
-                <a:solidFill>
-                  <a:srgbClr val="ffffff"/>
+          <a:bodyPr lIns="0" tIns="0" rIns="0" bIns="0" anchor="ctr"/>
+          <a:lstStyle/>
+          <a:p>
+            <a:endParaRPr lang="de-DE" sz="1800" b="0" strike="noStrike" spc="-1">
+              <a:solidFill>
+                <a:srgbClr val="000000"/>
+              </a:solidFill>
+              <a:uFill>
+                <a:solidFill>
+                  <a:srgbClr val="FFFFFF"/>
                 </a:solidFill>
               </a:uFill>
               <a:latin typeface="Arial"/>
@@ -439,15 +552,16 @@
           </a:prstGeom>
         </p:spPr>
         <p:txBody>
-          <a:bodyPr lIns="0" rIns="0" tIns="0" bIns="0"/>
-          <a:p>
-            <a:endParaRPr b="0" lang="de-DE" sz="1800" spc="-1" strike="noStrike">
-              <a:solidFill>
-                <a:srgbClr val="000000"/>
-              </a:solidFill>
-              <a:uFill>
-                <a:solidFill>
-                  <a:srgbClr val="ffffff"/>
+          <a:bodyPr lIns="0" tIns="0" rIns="0" bIns="0"/>
+          <a:lstStyle/>
+          <a:p>
+            <a:endParaRPr lang="de-DE" sz="1800" b="0" strike="noStrike" spc="-1">
+              <a:solidFill>
+                <a:srgbClr val="000000"/>
+              </a:solidFill>
+              <a:uFill>
+                <a:solidFill>
+                  <a:srgbClr val="FFFFFF"/>
                 </a:solidFill>
               </a:uFill>
               <a:latin typeface="Arial"/>
@@ -475,15 +589,16 @@
           </a:prstGeom>
         </p:spPr>
         <p:txBody>
-          <a:bodyPr lIns="0" rIns="0" tIns="0" bIns="0"/>
-          <a:p>
-            <a:endParaRPr b="0" lang="de-DE" sz="1800" spc="-1" strike="noStrike">
-              <a:solidFill>
-                <a:srgbClr val="000000"/>
-              </a:solidFill>
-              <a:uFill>
-                <a:solidFill>
-                  <a:srgbClr val="ffffff"/>
+          <a:bodyPr lIns="0" tIns="0" rIns="0" bIns="0"/>
+          <a:lstStyle/>
+          <a:p>
+            <a:endParaRPr lang="de-DE" sz="1800" b="0" strike="noStrike" spc="-1">
+              <a:solidFill>
+                <a:srgbClr val="000000"/>
+              </a:solidFill>
+              <a:uFill>
+                <a:solidFill>
+                  <a:srgbClr val="FFFFFF"/>
                 </a:solidFill>
               </a:uFill>
               <a:latin typeface="Arial"/>
@@ -493,7 +608,7 @@
       </p:sp>
       <p:pic>
         <p:nvPicPr>
-          <p:cNvPr id="34" name="" descr=""/>
+          <p:cNvPr id="34" name="Grafik 33"/>
           <p:cNvPicPr/>
           <p:nvPr/>
         </p:nvPicPr>
@@ -516,12 +631,12 @@
       </p:pic>
       <p:pic>
         <p:nvPicPr>
-          <p:cNvPr id="35" name="" descr=""/>
+          <p:cNvPr id="35" name="Grafik 34"/>
           <p:cNvPicPr/>
           <p:nvPr/>
         </p:nvPicPr>
         <p:blipFill>
-          <a:blip r:embed="rId3"/>
+          <a:blip r:embed="rId2"/>
           <a:stretch/>
         </p:blipFill>
         <p:spPr>
@@ -539,11 +654,14 @@
       </p:pic>
     </p:spTree>
   </p:cSld>
+  <p:clrMapOvr>
+    <a:masterClrMapping/>
+  </p:clrMapOvr>
 </p:sldLayout>
 </file>
 
 <file path=ppt/slideLayouts/slideLayout2.xml><?xml version="1.0" encoding="utf-8"?>
-<p:sldLayout xmlns:a="http://schemas.openxmlformats.org/drawingml/2006/main" xmlns:p="http://schemas.openxmlformats.org/presentationml/2006/main" xmlns:r="http://schemas.openxmlformats.org/officeDocument/2006/relationships" xmlns:p14="http://schemas.microsoft.com/office/powerpoint/2010/main" xmlns:p15="http://schemas.microsoft.com/office/powerpoint/2012/main" xmlns:mc="http://schemas.openxmlformats.org/markup-compatibility/2006" type="tx" preserve="1">
+<p:sldLayout xmlns:a="http://schemas.openxmlformats.org/drawingml/2006/main" xmlns:r="http://schemas.openxmlformats.org/officeDocument/2006/relationships" xmlns:p="http://schemas.openxmlformats.org/presentationml/2006/main" type="tx" preserve="1">
   <p:cSld name="Title Slide">
     <p:spTree>
       <p:nvGrpSpPr>
@@ -579,15 +697,16 @@
           </a:prstGeom>
         </p:spPr>
         <p:txBody>
-          <a:bodyPr lIns="0" rIns="0" tIns="0" bIns="0" anchor="ctr"/>
-          <a:p>
-            <a:endParaRPr b="0" lang="de-DE" sz="1800" spc="-1" strike="noStrike">
-              <a:solidFill>
-                <a:srgbClr val="000000"/>
-              </a:solidFill>
-              <a:uFill>
-                <a:solidFill>
-                  <a:srgbClr val="ffffff"/>
+          <a:bodyPr lIns="0" tIns="0" rIns="0" bIns="0" anchor="ctr"/>
+          <a:lstStyle/>
+          <a:p>
+            <a:endParaRPr lang="de-DE" sz="1800" b="0" strike="noStrike" spc="-1">
+              <a:solidFill>
+                <a:srgbClr val="000000"/>
+              </a:solidFill>
+              <a:uFill>
+                <a:solidFill>
+                  <a:srgbClr val="FFFFFF"/>
                 </a:solidFill>
               </a:uFill>
               <a:latin typeface="Arial"/>
@@ -615,16 +734,17 @@
           </a:prstGeom>
         </p:spPr>
         <p:txBody>
-          <a:bodyPr lIns="0" rIns="0" tIns="0" bIns="0" anchor="ctr"/>
+          <a:bodyPr lIns="0" tIns="0" rIns="0" bIns="0" anchor="ctr"/>
+          <a:lstStyle/>
           <a:p>
             <a:pPr algn="ctr"/>
-            <a:endParaRPr b="0" lang="en-US" sz="3200" spc="-1" strike="noStrike">
-              <a:solidFill>
-                <a:srgbClr val="000000"/>
-              </a:solidFill>
-              <a:uFill>
-                <a:solidFill>
-                  <a:srgbClr val="ffffff"/>
+            <a:endParaRPr lang="en-US" sz="3200" b="0" strike="noStrike" spc="-1">
+              <a:solidFill>
+                <a:srgbClr val="000000"/>
+              </a:solidFill>
+              <a:uFill>
+                <a:solidFill>
+                  <a:srgbClr val="FFFFFF"/>
                 </a:solidFill>
               </a:uFill>
               <a:latin typeface="Arial"/>
@@ -634,11 +754,14 @@
       </p:sp>
     </p:spTree>
   </p:cSld>
+  <p:clrMapOvr>
+    <a:masterClrMapping/>
+  </p:clrMapOvr>
 </p:sldLayout>
 </file>
 
 <file path=ppt/slideLayouts/slideLayout3.xml><?xml version="1.0" encoding="utf-8"?>
-<p:sldLayout xmlns:a="http://schemas.openxmlformats.org/drawingml/2006/main" xmlns:p="http://schemas.openxmlformats.org/presentationml/2006/main" xmlns:r="http://schemas.openxmlformats.org/officeDocument/2006/relationships" xmlns:p14="http://schemas.microsoft.com/office/powerpoint/2010/main" xmlns:p15="http://schemas.microsoft.com/office/powerpoint/2012/main" xmlns:mc="http://schemas.openxmlformats.org/markup-compatibility/2006" type="obj" preserve="1">
+<p:sldLayout xmlns:a="http://schemas.openxmlformats.org/drawingml/2006/main" xmlns:r="http://schemas.openxmlformats.org/officeDocument/2006/relationships" xmlns:p="http://schemas.openxmlformats.org/presentationml/2006/main" type="obj" preserve="1">
   <p:cSld name="Title, Content">
     <p:spTree>
       <p:nvGrpSpPr>
@@ -674,15 +797,16 @@
           </a:prstGeom>
         </p:spPr>
         <p:txBody>
-          <a:bodyPr lIns="0" rIns="0" tIns="0" bIns="0" anchor="ctr"/>
-          <a:p>
-            <a:endParaRPr b="0" lang="de-DE" sz="1800" spc="-1" strike="noStrike">
-              <a:solidFill>
-                <a:srgbClr val="000000"/>
-              </a:solidFill>
-              <a:uFill>
-                <a:solidFill>
-                  <a:srgbClr val="ffffff"/>
+          <a:bodyPr lIns="0" tIns="0" rIns="0" bIns="0" anchor="ctr"/>
+          <a:lstStyle/>
+          <a:p>
+            <a:endParaRPr lang="de-DE" sz="1800" b="0" strike="noStrike" spc="-1">
+              <a:solidFill>
+                <a:srgbClr val="000000"/>
+              </a:solidFill>
+              <a:uFill>
+                <a:solidFill>
+                  <a:srgbClr val="FFFFFF"/>
                 </a:solidFill>
               </a:uFill>
               <a:latin typeface="Arial"/>
@@ -710,15 +834,16 @@
           </a:prstGeom>
         </p:spPr>
         <p:txBody>
-          <a:bodyPr lIns="0" rIns="0" tIns="0" bIns="0"/>
-          <a:p>
-            <a:endParaRPr b="0" lang="de-DE" sz="1800" spc="-1" strike="noStrike">
-              <a:solidFill>
-                <a:srgbClr val="000000"/>
-              </a:solidFill>
-              <a:uFill>
-                <a:solidFill>
-                  <a:srgbClr val="ffffff"/>
+          <a:bodyPr lIns="0" tIns="0" rIns="0" bIns="0"/>
+          <a:lstStyle/>
+          <a:p>
+            <a:endParaRPr lang="de-DE" sz="1800" b="0" strike="noStrike" spc="-1">
+              <a:solidFill>
+                <a:srgbClr val="000000"/>
+              </a:solidFill>
+              <a:uFill>
+                <a:solidFill>
+                  <a:srgbClr val="FFFFFF"/>
                 </a:solidFill>
               </a:uFill>
               <a:latin typeface="Arial"/>
@@ -728,11 +853,14 @@
       </p:sp>
     </p:spTree>
   </p:cSld>
+  <p:clrMapOvr>
+    <a:masterClrMapping/>
+  </p:clrMapOvr>
 </p:sldLayout>
 </file>
 
 <file path=ppt/slideLayouts/slideLayout4.xml><?xml version="1.0" encoding="utf-8"?>
-<p:sldLayout xmlns:a="http://schemas.openxmlformats.org/drawingml/2006/main" xmlns:p="http://schemas.openxmlformats.org/presentationml/2006/main" xmlns:r="http://schemas.openxmlformats.org/officeDocument/2006/relationships" xmlns:p14="http://schemas.microsoft.com/office/powerpoint/2010/main" xmlns:p15="http://schemas.microsoft.com/office/powerpoint/2012/main" xmlns:mc="http://schemas.openxmlformats.org/markup-compatibility/2006" type="twoObj" preserve="1">
+<p:sldLayout xmlns:a="http://schemas.openxmlformats.org/drawingml/2006/main" xmlns:r="http://schemas.openxmlformats.org/officeDocument/2006/relationships" xmlns:p="http://schemas.openxmlformats.org/presentationml/2006/main" type="twoObj" preserve="1">
   <p:cSld name="Title, 2 Content">
     <p:spTree>
       <p:nvGrpSpPr>
@@ -768,15 +896,16 @@
           </a:prstGeom>
         </p:spPr>
         <p:txBody>
-          <a:bodyPr lIns="0" rIns="0" tIns="0" bIns="0" anchor="ctr"/>
-          <a:p>
-            <a:endParaRPr b="0" lang="de-DE" sz="1800" spc="-1" strike="noStrike">
-              <a:solidFill>
-                <a:srgbClr val="000000"/>
-              </a:solidFill>
-              <a:uFill>
-                <a:solidFill>
-                  <a:srgbClr val="ffffff"/>
+          <a:bodyPr lIns="0" tIns="0" rIns="0" bIns="0" anchor="ctr"/>
+          <a:lstStyle/>
+          <a:p>
+            <a:endParaRPr lang="de-DE" sz="1800" b="0" strike="noStrike" spc="-1">
+              <a:solidFill>
+                <a:srgbClr val="000000"/>
+              </a:solidFill>
+              <a:uFill>
+                <a:solidFill>
+                  <a:srgbClr val="FFFFFF"/>
                 </a:solidFill>
               </a:uFill>
               <a:latin typeface="Arial"/>
@@ -804,15 +933,16 @@
           </a:prstGeom>
         </p:spPr>
         <p:txBody>
-          <a:bodyPr lIns="0" rIns="0" tIns="0" bIns="0"/>
-          <a:p>
-            <a:endParaRPr b="0" lang="de-DE" sz="1800" spc="-1" strike="noStrike">
-              <a:solidFill>
-                <a:srgbClr val="000000"/>
-              </a:solidFill>
-              <a:uFill>
-                <a:solidFill>
-                  <a:srgbClr val="ffffff"/>
+          <a:bodyPr lIns="0" tIns="0" rIns="0" bIns="0"/>
+          <a:lstStyle/>
+          <a:p>
+            <a:endParaRPr lang="de-DE" sz="1800" b="0" strike="noStrike" spc="-1">
+              <a:solidFill>
+                <a:srgbClr val="000000"/>
+              </a:solidFill>
+              <a:uFill>
+                <a:solidFill>
+                  <a:srgbClr val="FFFFFF"/>
                 </a:solidFill>
               </a:uFill>
               <a:latin typeface="Arial"/>
@@ -840,15 +970,16 @@
           </a:prstGeom>
         </p:spPr>
         <p:txBody>
-          <a:bodyPr lIns="0" rIns="0" tIns="0" bIns="0"/>
-          <a:p>
-            <a:endParaRPr b="0" lang="de-DE" sz="1800" spc="-1" strike="noStrike">
-              <a:solidFill>
-                <a:srgbClr val="000000"/>
-              </a:solidFill>
-              <a:uFill>
-                <a:solidFill>
-                  <a:srgbClr val="ffffff"/>
+          <a:bodyPr lIns="0" tIns="0" rIns="0" bIns="0"/>
+          <a:lstStyle/>
+          <a:p>
+            <a:endParaRPr lang="de-DE" sz="1800" b="0" strike="noStrike" spc="-1">
+              <a:solidFill>
+                <a:srgbClr val="000000"/>
+              </a:solidFill>
+              <a:uFill>
+                <a:solidFill>
+                  <a:srgbClr val="FFFFFF"/>
                 </a:solidFill>
               </a:uFill>
               <a:latin typeface="Arial"/>
@@ -858,11 +989,14 @@
       </p:sp>
     </p:spTree>
   </p:cSld>
+  <p:clrMapOvr>
+    <a:masterClrMapping/>
+  </p:clrMapOvr>
 </p:sldLayout>
 </file>
 
 <file path=ppt/slideLayouts/slideLayout5.xml><?xml version="1.0" encoding="utf-8"?>
-<p:sldLayout xmlns:a="http://schemas.openxmlformats.org/drawingml/2006/main" xmlns:p="http://schemas.openxmlformats.org/presentationml/2006/main" xmlns:r="http://schemas.openxmlformats.org/officeDocument/2006/relationships" xmlns:p14="http://schemas.microsoft.com/office/powerpoint/2010/main" xmlns:p15="http://schemas.microsoft.com/office/powerpoint/2012/main" xmlns:mc="http://schemas.openxmlformats.org/markup-compatibility/2006" type="titleOnly" preserve="1">
+<p:sldLayout xmlns:a="http://schemas.openxmlformats.org/drawingml/2006/main" xmlns:r="http://schemas.openxmlformats.org/officeDocument/2006/relationships" xmlns:p="http://schemas.openxmlformats.org/presentationml/2006/main" type="titleOnly" preserve="1">
   <p:cSld name="Title Only">
     <p:spTree>
       <p:nvGrpSpPr>
@@ -898,15 +1032,16 @@
           </a:prstGeom>
         </p:spPr>
         <p:txBody>
-          <a:bodyPr lIns="0" rIns="0" tIns="0" bIns="0" anchor="ctr"/>
-          <a:p>
-            <a:endParaRPr b="0" lang="de-DE" sz="1800" spc="-1" strike="noStrike">
-              <a:solidFill>
-                <a:srgbClr val="000000"/>
-              </a:solidFill>
-              <a:uFill>
-                <a:solidFill>
-                  <a:srgbClr val="ffffff"/>
+          <a:bodyPr lIns="0" tIns="0" rIns="0" bIns="0" anchor="ctr"/>
+          <a:lstStyle/>
+          <a:p>
+            <a:endParaRPr lang="de-DE" sz="1800" b="0" strike="noStrike" spc="-1">
+              <a:solidFill>
+                <a:srgbClr val="000000"/>
+              </a:solidFill>
+              <a:uFill>
+                <a:solidFill>
+                  <a:srgbClr val="FFFFFF"/>
                 </a:solidFill>
               </a:uFill>
               <a:latin typeface="Arial"/>
@@ -916,11 +1051,14 @@
       </p:sp>
     </p:spTree>
   </p:cSld>
+  <p:clrMapOvr>
+    <a:masterClrMapping/>
+  </p:clrMapOvr>
 </p:sldLayout>
 </file>
 
 <file path=ppt/slideLayouts/slideLayout6.xml><?xml version="1.0" encoding="utf-8"?>
-<p:sldLayout xmlns:a="http://schemas.openxmlformats.org/drawingml/2006/main" xmlns:p="http://schemas.openxmlformats.org/presentationml/2006/main" xmlns:r="http://schemas.openxmlformats.org/officeDocument/2006/relationships" xmlns:p14="http://schemas.microsoft.com/office/powerpoint/2010/main" xmlns:p15="http://schemas.microsoft.com/office/powerpoint/2012/main" xmlns:mc="http://schemas.openxmlformats.org/markup-compatibility/2006" type="objOnly" preserve="1">
+<p:sldLayout xmlns:a="http://schemas.openxmlformats.org/drawingml/2006/main" xmlns:r="http://schemas.openxmlformats.org/officeDocument/2006/relationships" xmlns:p="http://schemas.openxmlformats.org/presentationml/2006/main" type="objOnly" preserve="1">
   <p:cSld name="Centered Text">
     <p:spTree>
       <p:nvGrpSpPr>
@@ -956,16 +1094,17 @@
           </a:prstGeom>
         </p:spPr>
         <p:txBody>
-          <a:bodyPr lIns="0" rIns="0" tIns="0" bIns="0" anchor="ctr"/>
+          <a:bodyPr lIns="0" tIns="0" rIns="0" bIns="0" anchor="ctr"/>
+          <a:lstStyle/>
           <a:p>
             <a:pPr algn="ctr"/>
-            <a:endParaRPr b="0" lang="en-US" sz="3200" spc="-1" strike="noStrike">
-              <a:solidFill>
-                <a:srgbClr val="000000"/>
-              </a:solidFill>
-              <a:uFill>
-                <a:solidFill>
-                  <a:srgbClr val="ffffff"/>
+            <a:endParaRPr lang="en-US" sz="3200" b="0" strike="noStrike" spc="-1">
+              <a:solidFill>
+                <a:srgbClr val="000000"/>
+              </a:solidFill>
+              <a:uFill>
+                <a:solidFill>
+                  <a:srgbClr val="FFFFFF"/>
                 </a:solidFill>
               </a:uFill>
               <a:latin typeface="Arial"/>
@@ -975,11 +1114,14 @@
       </p:sp>
     </p:spTree>
   </p:cSld>
+  <p:clrMapOvr>
+    <a:masterClrMapping/>
+  </p:clrMapOvr>
 </p:sldLayout>
 </file>
 
 <file path=ppt/slideLayouts/slideLayout7.xml><?xml version="1.0" encoding="utf-8"?>
-<p:sldLayout xmlns:a="http://schemas.openxmlformats.org/drawingml/2006/main" xmlns:p="http://schemas.openxmlformats.org/presentationml/2006/main" xmlns:r="http://schemas.openxmlformats.org/officeDocument/2006/relationships" xmlns:p14="http://schemas.microsoft.com/office/powerpoint/2010/main" xmlns:p15="http://schemas.microsoft.com/office/powerpoint/2012/main" xmlns:mc="http://schemas.openxmlformats.org/markup-compatibility/2006" type="twoObjAndObj" preserve="1">
+<p:sldLayout xmlns:a="http://schemas.openxmlformats.org/drawingml/2006/main" xmlns:r="http://schemas.openxmlformats.org/officeDocument/2006/relationships" xmlns:p="http://schemas.openxmlformats.org/presentationml/2006/main" type="twoObjAndObj" preserve="1">
   <p:cSld name="Title, 2 Content and Content">
     <p:spTree>
       <p:nvGrpSpPr>
@@ -1015,15 +1157,16 @@
           </a:prstGeom>
         </p:spPr>
         <p:txBody>
-          <a:bodyPr lIns="0" rIns="0" tIns="0" bIns="0" anchor="ctr"/>
-          <a:p>
-            <a:endParaRPr b="0" lang="de-DE" sz="1800" spc="-1" strike="noStrike">
-              <a:solidFill>
-                <a:srgbClr val="000000"/>
-              </a:solidFill>
-              <a:uFill>
-                <a:solidFill>
-                  <a:srgbClr val="ffffff"/>
+          <a:bodyPr lIns="0" tIns="0" rIns="0" bIns="0" anchor="ctr"/>
+          <a:lstStyle/>
+          <a:p>
+            <a:endParaRPr lang="de-DE" sz="1800" b="0" strike="noStrike" spc="-1">
+              <a:solidFill>
+                <a:srgbClr val="000000"/>
+              </a:solidFill>
+              <a:uFill>
+                <a:solidFill>
+                  <a:srgbClr val="FFFFFF"/>
                 </a:solidFill>
               </a:uFill>
               <a:latin typeface="Arial"/>
@@ -1051,15 +1194,16 @@
           </a:prstGeom>
         </p:spPr>
         <p:txBody>
-          <a:bodyPr lIns="0" rIns="0" tIns="0" bIns="0"/>
-          <a:p>
-            <a:endParaRPr b="0" lang="de-DE" sz="1800" spc="-1" strike="noStrike">
-              <a:solidFill>
-                <a:srgbClr val="000000"/>
-              </a:solidFill>
-              <a:uFill>
-                <a:solidFill>
-                  <a:srgbClr val="ffffff"/>
+          <a:bodyPr lIns="0" tIns="0" rIns="0" bIns="0"/>
+          <a:lstStyle/>
+          <a:p>
+            <a:endParaRPr lang="de-DE" sz="1800" b="0" strike="noStrike" spc="-1">
+              <a:solidFill>
+                <a:srgbClr val="000000"/>
+              </a:solidFill>
+              <a:uFill>
+                <a:solidFill>
+                  <a:srgbClr val="FFFFFF"/>
                 </a:solidFill>
               </a:uFill>
               <a:latin typeface="Arial"/>
@@ -1087,15 +1231,16 @@
           </a:prstGeom>
         </p:spPr>
         <p:txBody>
-          <a:bodyPr lIns="0" rIns="0" tIns="0" bIns="0"/>
-          <a:p>
-            <a:endParaRPr b="0" lang="de-DE" sz="1800" spc="-1" strike="noStrike">
-              <a:solidFill>
-                <a:srgbClr val="000000"/>
-              </a:solidFill>
-              <a:uFill>
-                <a:solidFill>
-                  <a:srgbClr val="ffffff"/>
+          <a:bodyPr lIns="0" tIns="0" rIns="0" bIns="0"/>
+          <a:lstStyle/>
+          <a:p>
+            <a:endParaRPr lang="de-DE" sz="1800" b="0" strike="noStrike" spc="-1">
+              <a:solidFill>
+                <a:srgbClr val="000000"/>
+              </a:solidFill>
+              <a:uFill>
+                <a:solidFill>
+                  <a:srgbClr val="FFFFFF"/>
                 </a:solidFill>
               </a:uFill>
               <a:latin typeface="Arial"/>
@@ -1123,15 +1268,16 @@
           </a:prstGeom>
         </p:spPr>
         <p:txBody>
-          <a:bodyPr lIns="0" rIns="0" tIns="0" bIns="0"/>
-          <a:p>
-            <a:endParaRPr b="0" lang="de-DE" sz="1800" spc="-1" strike="noStrike">
-              <a:solidFill>
-                <a:srgbClr val="000000"/>
-              </a:solidFill>
-              <a:uFill>
-                <a:solidFill>
-                  <a:srgbClr val="ffffff"/>
+          <a:bodyPr lIns="0" tIns="0" rIns="0" bIns="0"/>
+          <a:lstStyle/>
+          <a:p>
+            <a:endParaRPr lang="de-DE" sz="1800" b="0" strike="noStrike" spc="-1">
+              <a:solidFill>
+                <a:srgbClr val="000000"/>
+              </a:solidFill>
+              <a:uFill>
+                <a:solidFill>
+                  <a:srgbClr val="FFFFFF"/>
                 </a:solidFill>
               </a:uFill>
               <a:latin typeface="Arial"/>
@@ -1141,11 +1287,14 @@
       </p:sp>
     </p:spTree>
   </p:cSld>
+  <p:clrMapOvr>
+    <a:masterClrMapping/>
+  </p:clrMapOvr>
 </p:sldLayout>
 </file>
 
 <file path=ppt/slideLayouts/slideLayout8.xml><?xml version="1.0" encoding="utf-8"?>
-<p:sldLayout xmlns:a="http://schemas.openxmlformats.org/drawingml/2006/main" xmlns:p="http://schemas.openxmlformats.org/presentationml/2006/main" xmlns:r="http://schemas.openxmlformats.org/officeDocument/2006/relationships" xmlns:p14="http://schemas.microsoft.com/office/powerpoint/2010/main" xmlns:p15="http://schemas.microsoft.com/office/powerpoint/2012/main" xmlns:mc="http://schemas.openxmlformats.org/markup-compatibility/2006" type="objAndTwoObj" preserve="1">
+<p:sldLayout xmlns:a="http://schemas.openxmlformats.org/drawingml/2006/main" xmlns:r="http://schemas.openxmlformats.org/officeDocument/2006/relationships" xmlns:p="http://schemas.openxmlformats.org/presentationml/2006/main" type="objAndTwoObj" preserve="1">
   <p:cSld name="Title Content and 2 Content">
     <p:spTree>
       <p:nvGrpSpPr>
@@ -1181,15 +1330,16 @@
           </a:prstGeom>
         </p:spPr>
         <p:txBody>
-          <a:bodyPr lIns="0" rIns="0" tIns="0" bIns="0" anchor="ctr"/>
-          <a:p>
-            <a:endParaRPr b="0" lang="de-DE" sz="1800" spc="-1" strike="noStrike">
-              <a:solidFill>
-                <a:srgbClr val="000000"/>
-              </a:solidFill>
-              <a:uFill>
-                <a:solidFill>
-                  <a:srgbClr val="ffffff"/>
+          <a:bodyPr lIns="0" tIns="0" rIns="0" bIns="0" anchor="ctr"/>
+          <a:lstStyle/>
+          <a:p>
+            <a:endParaRPr lang="de-DE" sz="1800" b="0" strike="noStrike" spc="-1">
+              <a:solidFill>
+                <a:srgbClr val="000000"/>
+              </a:solidFill>
+              <a:uFill>
+                <a:solidFill>
+                  <a:srgbClr val="FFFFFF"/>
                 </a:solidFill>
               </a:uFill>
               <a:latin typeface="Arial"/>
@@ -1217,15 +1367,16 @@
           </a:prstGeom>
         </p:spPr>
         <p:txBody>
-          <a:bodyPr lIns="0" rIns="0" tIns="0" bIns="0"/>
-          <a:p>
-            <a:endParaRPr b="0" lang="de-DE" sz="1800" spc="-1" strike="noStrike">
-              <a:solidFill>
-                <a:srgbClr val="000000"/>
-              </a:solidFill>
-              <a:uFill>
-                <a:solidFill>
-                  <a:srgbClr val="ffffff"/>
+          <a:bodyPr lIns="0" tIns="0" rIns="0" bIns="0"/>
+          <a:lstStyle/>
+          <a:p>
+            <a:endParaRPr lang="de-DE" sz="1800" b="0" strike="noStrike" spc="-1">
+              <a:solidFill>
+                <a:srgbClr val="000000"/>
+              </a:solidFill>
+              <a:uFill>
+                <a:solidFill>
+                  <a:srgbClr val="FFFFFF"/>
                 </a:solidFill>
               </a:uFill>
               <a:latin typeface="Arial"/>
@@ -1253,15 +1404,16 @@
           </a:prstGeom>
         </p:spPr>
         <p:txBody>
-          <a:bodyPr lIns="0" rIns="0" tIns="0" bIns="0"/>
-          <a:p>
-            <a:endParaRPr b="0" lang="de-DE" sz="1800" spc="-1" strike="noStrike">
-              <a:solidFill>
-                <a:srgbClr val="000000"/>
-              </a:solidFill>
-              <a:uFill>
-                <a:solidFill>
-                  <a:srgbClr val="ffffff"/>
+          <a:bodyPr lIns="0" tIns="0" rIns="0" bIns="0"/>
+          <a:lstStyle/>
+          <a:p>
+            <a:endParaRPr lang="de-DE" sz="1800" b="0" strike="noStrike" spc="-1">
+              <a:solidFill>
+                <a:srgbClr val="000000"/>
+              </a:solidFill>
+              <a:uFill>
+                <a:solidFill>
+                  <a:srgbClr val="FFFFFF"/>
                 </a:solidFill>
               </a:uFill>
               <a:latin typeface="Arial"/>
@@ -1289,15 +1441,16 @@
           </a:prstGeom>
         </p:spPr>
         <p:txBody>
-          <a:bodyPr lIns="0" rIns="0" tIns="0" bIns="0"/>
-          <a:p>
-            <a:endParaRPr b="0" lang="de-DE" sz="1800" spc="-1" strike="noStrike">
-              <a:solidFill>
-                <a:srgbClr val="000000"/>
-              </a:solidFill>
-              <a:uFill>
-                <a:solidFill>
-                  <a:srgbClr val="ffffff"/>
+          <a:bodyPr lIns="0" tIns="0" rIns="0" bIns="0"/>
+          <a:lstStyle/>
+          <a:p>
+            <a:endParaRPr lang="de-DE" sz="1800" b="0" strike="noStrike" spc="-1">
+              <a:solidFill>
+                <a:srgbClr val="000000"/>
+              </a:solidFill>
+              <a:uFill>
+                <a:solidFill>
+                  <a:srgbClr val="FFFFFF"/>
                 </a:solidFill>
               </a:uFill>
               <a:latin typeface="Arial"/>
@@ -1307,11 +1460,14 @@
       </p:sp>
     </p:spTree>
   </p:cSld>
+  <p:clrMapOvr>
+    <a:masterClrMapping/>
+  </p:clrMapOvr>
 </p:sldLayout>
 </file>
 
 <file path=ppt/slideLayouts/slideLayout9.xml><?xml version="1.0" encoding="utf-8"?>
-<p:sldLayout xmlns:a="http://schemas.openxmlformats.org/drawingml/2006/main" xmlns:p="http://schemas.openxmlformats.org/presentationml/2006/main" xmlns:r="http://schemas.openxmlformats.org/officeDocument/2006/relationships" xmlns:p14="http://schemas.microsoft.com/office/powerpoint/2010/main" xmlns:p15="http://schemas.microsoft.com/office/powerpoint/2012/main" xmlns:mc="http://schemas.openxmlformats.org/markup-compatibility/2006" type="twoObjOverTx" preserve="1">
+<p:sldLayout xmlns:a="http://schemas.openxmlformats.org/drawingml/2006/main" xmlns:r="http://schemas.openxmlformats.org/officeDocument/2006/relationships" xmlns:p="http://schemas.openxmlformats.org/presentationml/2006/main" type="twoObjOverTx" preserve="1">
   <p:cSld name="Title, 2 Content over Content">
     <p:spTree>
       <p:nvGrpSpPr>
@@ -1347,15 +1503,16 @@
           </a:prstGeom>
         </p:spPr>
         <p:txBody>
-          <a:bodyPr lIns="0" rIns="0" tIns="0" bIns="0" anchor="ctr"/>
-          <a:p>
-            <a:endParaRPr b="0" lang="de-DE" sz="1800" spc="-1" strike="noStrike">
-              <a:solidFill>
-                <a:srgbClr val="000000"/>
-              </a:solidFill>
-              <a:uFill>
-                <a:solidFill>
-                  <a:srgbClr val="ffffff"/>
+          <a:bodyPr lIns="0" tIns="0" rIns="0" bIns="0" anchor="ctr"/>
+          <a:lstStyle/>
+          <a:p>
+            <a:endParaRPr lang="de-DE" sz="1800" b="0" strike="noStrike" spc="-1">
+              <a:solidFill>
+                <a:srgbClr val="000000"/>
+              </a:solidFill>
+              <a:uFill>
+                <a:solidFill>
+                  <a:srgbClr val="FFFFFF"/>
                 </a:solidFill>
               </a:uFill>
               <a:latin typeface="Arial"/>
@@ -1383,15 +1540,16 @@
           </a:prstGeom>
         </p:spPr>
         <p:txBody>
-          <a:bodyPr lIns="0" rIns="0" tIns="0" bIns="0"/>
-          <a:p>
-            <a:endParaRPr b="0" lang="de-DE" sz="1800" spc="-1" strike="noStrike">
-              <a:solidFill>
-                <a:srgbClr val="000000"/>
-              </a:solidFill>
-              <a:uFill>
-                <a:solidFill>
-                  <a:srgbClr val="ffffff"/>
+          <a:bodyPr lIns="0" tIns="0" rIns="0" bIns="0"/>
+          <a:lstStyle/>
+          <a:p>
+            <a:endParaRPr lang="de-DE" sz="1800" b="0" strike="noStrike" spc="-1">
+              <a:solidFill>
+                <a:srgbClr val="000000"/>
+              </a:solidFill>
+              <a:uFill>
+                <a:solidFill>
+                  <a:srgbClr val="FFFFFF"/>
                 </a:solidFill>
               </a:uFill>
               <a:latin typeface="Arial"/>
@@ -1419,15 +1577,16 @@
           </a:prstGeom>
         </p:spPr>
         <p:txBody>
-          <a:bodyPr lIns="0" rIns="0" tIns="0" bIns="0"/>
-          <a:p>
-            <a:endParaRPr b="0" lang="de-DE" sz="1800" spc="-1" strike="noStrike">
-              <a:solidFill>
-                <a:srgbClr val="000000"/>
-              </a:solidFill>
-              <a:uFill>
-                <a:solidFill>
-                  <a:srgbClr val="ffffff"/>
+          <a:bodyPr lIns="0" tIns="0" rIns="0" bIns="0"/>
+          <a:lstStyle/>
+          <a:p>
+            <a:endParaRPr lang="de-DE" sz="1800" b="0" strike="noStrike" spc="-1">
+              <a:solidFill>
+                <a:srgbClr val="000000"/>
+              </a:solidFill>
+              <a:uFill>
+                <a:solidFill>
+                  <a:srgbClr val="FFFFFF"/>
                 </a:solidFill>
               </a:uFill>
               <a:latin typeface="Arial"/>
@@ -1455,15 +1614,16 @@
           </a:prstGeom>
         </p:spPr>
         <p:txBody>
-          <a:bodyPr lIns="0" rIns="0" tIns="0" bIns="0"/>
-          <a:p>
-            <a:endParaRPr b="0" lang="de-DE" sz="1800" spc="-1" strike="noStrike">
-              <a:solidFill>
-                <a:srgbClr val="000000"/>
-              </a:solidFill>
-              <a:uFill>
-                <a:solidFill>
-                  <a:srgbClr val="ffffff"/>
+          <a:bodyPr lIns="0" tIns="0" rIns="0" bIns="0"/>
+          <a:lstStyle/>
+          <a:p>
+            <a:endParaRPr lang="de-DE" sz="1800" b="0" strike="noStrike" spc="-1">
+              <a:solidFill>
+                <a:srgbClr val="000000"/>
+              </a:solidFill>
+              <a:uFill>
+                <a:solidFill>
+                  <a:srgbClr val="FFFFFF"/>
                 </a:solidFill>
               </a:uFill>
               <a:latin typeface="Arial"/>
@@ -1473,17 +1633,21 @@
       </p:sp>
     </p:spTree>
   </p:cSld>
+  <p:clrMapOvr>
+    <a:masterClrMapping/>
+  </p:clrMapOvr>
 </p:sldLayout>
 </file>
 
 <file path=ppt/slideMasters/slideMaster1.xml><?xml version="1.0" encoding="utf-8"?>
-<p:sldMaster xmlns:a="http://schemas.openxmlformats.org/drawingml/2006/main" xmlns:p="http://schemas.openxmlformats.org/presentationml/2006/main" xmlns:r="http://schemas.openxmlformats.org/officeDocument/2006/relationships" xmlns:p14="http://schemas.microsoft.com/office/powerpoint/2010/main" xmlns:p15="http://schemas.microsoft.com/office/powerpoint/2012/main" xmlns:mc="http://schemas.openxmlformats.org/markup-compatibility/2006">
+<p:sldMaster xmlns:a="http://schemas.openxmlformats.org/drawingml/2006/main" xmlns:r="http://schemas.openxmlformats.org/officeDocument/2006/relationships" xmlns:p="http://schemas.openxmlformats.org/presentationml/2006/main">
   <p:cSld>
     <p:bg>
       <p:bgPr>
         <a:solidFill>
-          <a:srgbClr val="ffffff"/>
+          <a:srgbClr val="FFFFFF"/>
         </a:solidFill>
+        <a:effectLst/>
       </p:bgPr>
     </p:bg>
     <p:spTree>
@@ -1502,7 +1666,7 @@
       </p:grpSpPr>
       <p:sp>
         <p:nvSpPr>
-          <p:cNvPr id="0" name="PlaceHolder 1"/>
+          <p:cNvPr id="2" name="PlaceHolder 1"/>
           <p:cNvSpPr>
             <a:spLocks noGrp="1"/>
           </p:cNvSpPr>
@@ -1520,39 +1684,29 @@
           </a:prstGeom>
         </p:spPr>
         <p:txBody>
-          <a:bodyPr lIns="0" rIns="0" tIns="0" bIns="0" anchor="ctr"/>
-          <a:p>
-            <a:r>
-              <a:rPr b="0" lang="de-DE" sz="1800" spc="-1" strike="noStrike">
-                <a:solidFill>
-                  <a:srgbClr val="000000"/>
-                </a:solidFill>
-                <a:uFill>
-                  <a:solidFill>
-                    <a:srgbClr val="ffffff"/>
+          <a:bodyPr lIns="0" tIns="0" rIns="0" bIns="0" anchor="ctr"/>
+          <a:lstStyle/>
+          <a:p>
+            <a:r>
+              <a:rPr lang="de-DE" sz="1800" b="0" strike="noStrike" spc="-1">
+                <a:solidFill>
+                  <a:srgbClr val="000000"/>
+                </a:solidFill>
+                <a:uFill>
+                  <a:solidFill>
+                    <a:srgbClr val="FFFFFF"/>
                   </a:solidFill>
                 </a:uFill>
                 <a:latin typeface="Arial"/>
               </a:rPr>
               <a:t>Click to edit the title text format</a:t>
             </a:r>
-            <a:endParaRPr b="0" lang="de-DE" sz="1800" spc="-1" strike="noStrike">
-              <a:solidFill>
-                <a:srgbClr val="000000"/>
-              </a:solidFill>
-              <a:uFill>
-                <a:solidFill>
-                  <a:srgbClr val="ffffff"/>
-                </a:solidFill>
-              </a:uFill>
-              <a:latin typeface="Arial"/>
-            </a:endParaRPr>
           </a:p>
         </p:txBody>
       </p:sp>
       <p:sp>
         <p:nvSpPr>
-          <p:cNvPr id="1" name="PlaceHolder 2"/>
+          <p:cNvPr id="3" name="PlaceHolder 2"/>
           <p:cNvSpPr>
             <a:spLocks noGrp="1"/>
           </p:cNvSpPr>
@@ -1570,7 +1724,8 @@
           </a:prstGeom>
         </p:spPr>
         <p:txBody>
-          <a:bodyPr lIns="0" rIns="0" tIns="0" bIns="0"/>
+          <a:bodyPr lIns="0" tIns="0" rIns="0" bIns="0"/>
+          <a:lstStyle/>
           <a:p>
             <a:pPr marL="432000" indent="-324000">
               <a:buClr>
@@ -1581,33 +1736,22 @@
               <a:buChar char=""/>
             </a:pPr>
             <a:r>
-              <a:rPr b="0" lang="de-DE" sz="1800" spc="-1" strike="noStrike">
-                <a:solidFill>
-                  <a:srgbClr val="000000"/>
-                </a:solidFill>
-                <a:uFill>
-                  <a:solidFill>
-                    <a:srgbClr val="ffffff"/>
+              <a:rPr lang="de-DE" sz="1800" b="0" strike="noStrike" spc="-1">
+                <a:solidFill>
+                  <a:srgbClr val="000000"/>
+                </a:solidFill>
+                <a:uFill>
+                  <a:solidFill>
+                    <a:srgbClr val="FFFFFF"/>
                   </a:solidFill>
                 </a:uFill>
                 <a:latin typeface="Arial"/>
               </a:rPr>
               <a:t>Click to edit the outline text format</a:t>
             </a:r>
-            <a:endParaRPr b="0" lang="de-DE" sz="1800" spc="-1" strike="noStrike">
-              <a:solidFill>
-                <a:srgbClr val="000000"/>
-              </a:solidFill>
-              <a:uFill>
-                <a:solidFill>
-                  <a:srgbClr val="ffffff"/>
-                </a:solidFill>
-              </a:uFill>
-              <a:latin typeface="Arial"/>
-            </a:endParaRPr>
-          </a:p>
-          <a:p>
-            <a:pPr lvl="1" marL="864000" indent="-324000">
+          </a:p>
+          <a:p>
+            <a:pPr marL="864000" lvl="1" indent="-324000">
               <a:buClr>
                 <a:srgbClr val="000000"/>
               </a:buClr>
@@ -1616,33 +1760,22 @@
               <a:buChar char=""/>
             </a:pPr>
             <a:r>
-              <a:rPr b="0" lang="de-DE" sz="1800" spc="-1" strike="noStrike">
-                <a:solidFill>
-                  <a:srgbClr val="000000"/>
-                </a:solidFill>
-                <a:uFill>
-                  <a:solidFill>
-                    <a:srgbClr val="ffffff"/>
+              <a:rPr lang="de-DE" sz="1800" b="0" strike="noStrike" spc="-1">
+                <a:solidFill>
+                  <a:srgbClr val="000000"/>
+                </a:solidFill>
+                <a:uFill>
+                  <a:solidFill>
+                    <a:srgbClr val="FFFFFF"/>
                   </a:solidFill>
                 </a:uFill>
                 <a:latin typeface="Arial"/>
               </a:rPr>
               <a:t>Second Outline Level</a:t>
             </a:r>
-            <a:endParaRPr b="0" lang="de-DE" sz="1800" spc="-1" strike="noStrike">
-              <a:solidFill>
-                <a:srgbClr val="000000"/>
-              </a:solidFill>
-              <a:uFill>
-                <a:solidFill>
-                  <a:srgbClr val="ffffff"/>
-                </a:solidFill>
-              </a:uFill>
-              <a:latin typeface="Arial"/>
-            </a:endParaRPr>
-          </a:p>
-          <a:p>
-            <a:pPr lvl="2" marL="1296000" indent="-288000">
+          </a:p>
+          <a:p>
+            <a:pPr marL="1296000" lvl="2" indent="-288000">
               <a:buClr>
                 <a:srgbClr val="000000"/>
               </a:buClr>
@@ -1651,33 +1784,22 @@
               <a:buChar char=""/>
             </a:pPr>
             <a:r>
-              <a:rPr b="0" lang="de-DE" sz="1800" spc="-1" strike="noStrike">
-                <a:solidFill>
-                  <a:srgbClr val="000000"/>
-                </a:solidFill>
-                <a:uFill>
-                  <a:solidFill>
-                    <a:srgbClr val="ffffff"/>
+              <a:rPr lang="de-DE" sz="1800" b="0" strike="noStrike" spc="-1">
+                <a:solidFill>
+                  <a:srgbClr val="000000"/>
+                </a:solidFill>
+                <a:uFill>
+                  <a:solidFill>
+                    <a:srgbClr val="FFFFFF"/>
                   </a:solidFill>
                 </a:uFill>
                 <a:latin typeface="Arial"/>
               </a:rPr>
               <a:t>Third Outline Level</a:t>
             </a:r>
-            <a:endParaRPr b="0" lang="de-DE" sz="1800" spc="-1" strike="noStrike">
-              <a:solidFill>
-                <a:srgbClr val="000000"/>
-              </a:solidFill>
-              <a:uFill>
-                <a:solidFill>
-                  <a:srgbClr val="ffffff"/>
-                </a:solidFill>
-              </a:uFill>
-              <a:latin typeface="Arial"/>
-            </a:endParaRPr>
-          </a:p>
-          <a:p>
-            <a:pPr lvl="3" marL="1728000" indent="-216000">
+          </a:p>
+          <a:p>
+            <a:pPr marL="1728000" lvl="3" indent="-216000">
               <a:buClr>
                 <a:srgbClr val="000000"/>
               </a:buClr>
@@ -1686,33 +1808,22 @@
               <a:buChar char=""/>
             </a:pPr>
             <a:r>
-              <a:rPr b="0" lang="de-DE" sz="1800" spc="-1" strike="noStrike">
-                <a:solidFill>
-                  <a:srgbClr val="000000"/>
-                </a:solidFill>
-                <a:uFill>
-                  <a:solidFill>
-                    <a:srgbClr val="ffffff"/>
+              <a:rPr lang="de-DE" sz="1800" b="0" strike="noStrike" spc="-1">
+                <a:solidFill>
+                  <a:srgbClr val="000000"/>
+                </a:solidFill>
+                <a:uFill>
+                  <a:solidFill>
+                    <a:srgbClr val="FFFFFF"/>
                   </a:solidFill>
                 </a:uFill>
                 <a:latin typeface="Arial"/>
               </a:rPr>
               <a:t>Fourth Outline Level</a:t>
             </a:r>
-            <a:endParaRPr b="0" lang="de-DE" sz="1800" spc="-1" strike="noStrike">
-              <a:solidFill>
-                <a:srgbClr val="000000"/>
-              </a:solidFill>
-              <a:uFill>
-                <a:solidFill>
-                  <a:srgbClr val="ffffff"/>
-                </a:solidFill>
-              </a:uFill>
-              <a:latin typeface="Arial"/>
-            </a:endParaRPr>
-          </a:p>
-          <a:p>
-            <a:pPr lvl="4" marL="2160000" indent="-216000">
+          </a:p>
+          <a:p>
+            <a:pPr marL="2160000" lvl="4" indent="-216000">
               <a:buClr>
                 <a:srgbClr val="000000"/>
               </a:buClr>
@@ -1721,33 +1832,22 @@
               <a:buChar char=""/>
             </a:pPr>
             <a:r>
-              <a:rPr b="0" lang="de-DE" sz="2000" spc="-1" strike="noStrike">
-                <a:solidFill>
-                  <a:srgbClr val="000000"/>
-                </a:solidFill>
-                <a:uFill>
-                  <a:solidFill>
-                    <a:srgbClr val="ffffff"/>
+              <a:rPr lang="de-DE" sz="2000" b="0" strike="noStrike" spc="-1">
+                <a:solidFill>
+                  <a:srgbClr val="000000"/>
+                </a:solidFill>
+                <a:uFill>
+                  <a:solidFill>
+                    <a:srgbClr val="FFFFFF"/>
                   </a:solidFill>
                 </a:uFill>
                 <a:latin typeface="Arial"/>
               </a:rPr>
               <a:t>Fifth Outline Level</a:t>
             </a:r>
-            <a:endParaRPr b="0" lang="de-DE" sz="2000" spc="-1" strike="noStrike">
-              <a:solidFill>
-                <a:srgbClr val="000000"/>
-              </a:solidFill>
-              <a:uFill>
-                <a:solidFill>
-                  <a:srgbClr val="ffffff"/>
-                </a:solidFill>
-              </a:uFill>
-              <a:latin typeface="Arial"/>
-            </a:endParaRPr>
-          </a:p>
-          <a:p>
-            <a:pPr lvl="5" marL="2592000" indent="-216000">
+          </a:p>
+          <a:p>
+            <a:pPr marL="2592000" lvl="5" indent="-216000">
               <a:buClr>
                 <a:srgbClr val="000000"/>
               </a:buClr>
@@ -1756,33 +1856,22 @@
               <a:buChar char=""/>
             </a:pPr>
             <a:r>
-              <a:rPr b="0" lang="de-DE" sz="2000" spc="-1" strike="noStrike">
-                <a:solidFill>
-                  <a:srgbClr val="000000"/>
-                </a:solidFill>
-                <a:uFill>
-                  <a:solidFill>
-                    <a:srgbClr val="ffffff"/>
+              <a:rPr lang="de-DE" sz="2000" b="0" strike="noStrike" spc="-1">
+                <a:solidFill>
+                  <a:srgbClr val="000000"/>
+                </a:solidFill>
+                <a:uFill>
+                  <a:solidFill>
+                    <a:srgbClr val="FFFFFF"/>
                   </a:solidFill>
                 </a:uFill>
                 <a:latin typeface="Arial"/>
               </a:rPr>
               <a:t>Sixth Outline Level</a:t>
             </a:r>
-            <a:endParaRPr b="0" lang="de-DE" sz="2000" spc="-1" strike="noStrike">
-              <a:solidFill>
-                <a:srgbClr val="000000"/>
-              </a:solidFill>
-              <a:uFill>
-                <a:solidFill>
-                  <a:srgbClr val="ffffff"/>
-                </a:solidFill>
-              </a:uFill>
-              <a:latin typeface="Arial"/>
-            </a:endParaRPr>
-          </a:p>
-          <a:p>
-            <a:pPr lvl="6" marL="3024000" indent="-216000">
+          </a:p>
+          <a:p>
+            <a:pPr marL="3024000" lvl="6" indent="-216000">
               <a:buClr>
                 <a:srgbClr val="000000"/>
               </a:buClr>
@@ -1791,55 +1880,49 @@
               <a:buChar char=""/>
             </a:pPr>
             <a:r>
-              <a:rPr b="0" lang="de-DE" sz="2000" spc="-1" strike="noStrike">
-                <a:solidFill>
-                  <a:srgbClr val="000000"/>
-                </a:solidFill>
-                <a:uFill>
-                  <a:solidFill>
-                    <a:srgbClr val="ffffff"/>
+              <a:rPr lang="de-DE" sz="2000" b="0" strike="noStrike" spc="-1">
+                <a:solidFill>
+                  <a:srgbClr val="000000"/>
+                </a:solidFill>
+                <a:uFill>
+                  <a:solidFill>
+                    <a:srgbClr val="FFFFFF"/>
                   </a:solidFill>
                 </a:uFill>
                 <a:latin typeface="Arial"/>
               </a:rPr>
               <a:t>Seventh Outline Level</a:t>
             </a:r>
-            <a:endParaRPr b="0" lang="de-DE" sz="2000" spc="-1" strike="noStrike">
-              <a:solidFill>
-                <a:srgbClr val="000000"/>
-              </a:solidFill>
-              <a:uFill>
-                <a:solidFill>
-                  <a:srgbClr val="ffffff"/>
-                </a:solidFill>
-              </a:uFill>
-              <a:latin typeface="Arial"/>
-            </a:endParaRPr>
           </a:p>
         </p:txBody>
       </p:sp>
     </p:spTree>
   </p:cSld>
-  <p:clrMap bg1="lt1" bg2="lt2" tx1="dk1" tx2="dk2" accent1="accent1" accent2="accent2" accent3="accent3" accent4="accent4" accent5="accent5" accent6="accent6" hlink="hlink" folHlink="folHlink"/>
+  <p:clrMap bg1="lt1" tx1="dk1" bg2="lt2" tx2="dk2" accent1="accent1" accent2="accent2" accent3="accent3" accent4="accent4" accent5="accent5" accent6="accent6" hlink="hlink" folHlink="folHlink"/>
   <p:sldLayoutIdLst>
-    <p:sldLayoutId id="2147483649" r:id="rId2"/>
-    <p:sldLayoutId id="2147483650" r:id="rId3"/>
-    <p:sldLayoutId id="2147483651" r:id="rId4"/>
-    <p:sldLayoutId id="2147483652" r:id="rId5"/>
-    <p:sldLayoutId id="2147483653" r:id="rId6"/>
-    <p:sldLayoutId id="2147483654" r:id="rId7"/>
-    <p:sldLayoutId id="2147483655" r:id="rId8"/>
-    <p:sldLayoutId id="2147483656" r:id="rId9"/>
-    <p:sldLayoutId id="2147483657" r:id="rId10"/>
-    <p:sldLayoutId id="2147483658" r:id="rId11"/>
-    <p:sldLayoutId id="2147483659" r:id="rId12"/>
-    <p:sldLayoutId id="2147483660" r:id="rId13"/>
+    <p:sldLayoutId id="2147483649" r:id="rId1"/>
+    <p:sldLayoutId id="2147483650" r:id="rId2"/>
+    <p:sldLayoutId id="2147483651" r:id="rId3"/>
+    <p:sldLayoutId id="2147483652" r:id="rId4"/>
+    <p:sldLayoutId id="2147483653" r:id="rId5"/>
+    <p:sldLayoutId id="2147483654" r:id="rId6"/>
+    <p:sldLayoutId id="2147483655" r:id="rId7"/>
+    <p:sldLayoutId id="2147483656" r:id="rId8"/>
+    <p:sldLayoutId id="2147483657" r:id="rId9"/>
+    <p:sldLayoutId id="2147483658" r:id="rId10"/>
+    <p:sldLayoutId id="2147483659" r:id="rId11"/>
+    <p:sldLayoutId id="2147483660" r:id="rId12"/>
   </p:sldLayoutIdLst>
+  <p:txStyles>
+    <p:titleStyle/>
+    <p:bodyStyle/>
+    <p:otherStyle/>
+  </p:txStyles>
 </p:sldMaster>
 </file>
 
 <file path=ppt/slides/slide1.xml><?xml version="1.0" encoding="utf-8"?>
-<p:sld xmlns:a="http://schemas.openxmlformats.org/drawingml/2006/main" xmlns:p="http://schemas.openxmlformats.org/presentationml/2006/main" xmlns:r="http://schemas.openxmlformats.org/officeDocument/2006/relationships" xmlns:p14="http://schemas.microsoft.com/office/powerpoint/2010/main" xmlns:p15="http://schemas.microsoft.com/office/powerpoint/2012/main" xmlns:mc="http://schemas.openxmlformats.org/markup-compatibility/2006">
+<p:sld xmlns:a="http://schemas.openxmlformats.org/drawingml/2006/main" xmlns:r="http://schemas.openxmlformats.org/officeDocument/2006/relationships" xmlns:p="http://schemas.openxmlformats.org/presentationml/2006/main">
   <p:cSld>
     <p:spTree>
       <p:nvGrpSpPr>
@@ -1872,22 +1955,22 @@
           <a:gradFill>
             <a:gsLst>
               <a:gs pos="0">
-                <a:srgbClr val="00adef"/>
+                <a:srgbClr val="00ADEF"/>
               </a:gs>
               <a:gs pos="100000">
-                <a:srgbClr val="005aa9"/>
+                <a:srgbClr val="005AA9"/>
               </a:gs>
             </a:gsLst>
             <a:lin ang="0"/>
           </a:gradFill>
           <a:ln>
             <a:solidFill>
-              <a:srgbClr val="dddedf"/>
+              <a:srgbClr val="DDDEDF"/>
             </a:solidFill>
             <a:round/>
           </a:ln>
           <a:effectLst>
-            <a:outerShdw blurRad="40000" dir="5400000" dist="23000" rotWithShape="0">
+            <a:outerShdw blurRad="40000" dist="23000" dir="5400000" rotWithShape="0">
               <a:srgbClr val="000000">
                 <a:alpha val="35000"/>
               </a:srgbClr>
@@ -1909,12 +1992,12 @@
       </p:sp>
       <p:pic>
         <p:nvPicPr>
-          <p:cNvPr id="37" name="Grafik 8" descr=""/>
+          <p:cNvPr id="37" name="Grafik 8"/>
           <p:cNvPicPr/>
           <p:nvPr/>
         </p:nvPicPr>
         <p:blipFill>
-          <a:blip r:embed="rId1"/>
+          <a:blip r:embed="rId2"/>
           <a:stretch/>
         </p:blipFill>
         <p:spPr>
@@ -1945,7 +2028,7 @@
             <a:avLst/>
           </a:prstGeom>
           <a:blipFill>
-            <a:blip r:embed="rId2"/>
+            <a:blip r:embed="rId3"/>
             <a:stretch>
               <a:fillRect/>
             </a:stretch>
@@ -1954,7 +2037,7 @@
             <a:noFill/>
           </a:ln>
           <a:effectLst>
-            <a:outerShdw blurRad="40000" dir="5400000" dist="23000" rotWithShape="0">
+            <a:outerShdw blurRad="40000" dist="23000" dir="5400000" rotWithShape="0">
               <a:srgbClr val="000000">
                 <a:alpha val="35000"/>
               </a:srgbClr>
@@ -1994,13 +2077,20 @@
           </a:ln>
         </p:spPr>
         <p:style>
-          <a:lnRef idx="0"/>
-          <a:fillRef idx="0"/>
-          <a:effectRef idx="0"/>
+          <a:lnRef idx="0">
+            <a:scrgbClr r="0" g="0" b="0"/>
+          </a:lnRef>
+          <a:fillRef idx="0">
+            <a:scrgbClr r="0" g="0" b="0"/>
+          </a:fillRef>
+          <a:effectRef idx="0">
+            <a:scrgbClr r="0" g="0" b="0"/>
+          </a:effectRef>
           <a:fontRef idx="minor"/>
         </p:style>
         <p:txBody>
-          <a:bodyPr lIns="90000" rIns="90000" tIns="45000" bIns="45000"/>
+          <a:bodyPr lIns="90000" tIns="45000" rIns="90000" bIns="45000"/>
+          <a:lstStyle/>
           <a:p>
             <a:pPr>
               <a:lnSpc>
@@ -2008,42 +2098,27 @@
               </a:lnSpc>
             </a:pPr>
             <a:r>
-              <a:rPr b="1" lang="en-US" sz="4800" spc="-1" strike="noStrike">
-                <a:solidFill>
-                  <a:srgbClr val="ffffff"/>
-                </a:solidFill>
-                <a:uFill>
-                  <a:solidFill>
-                    <a:srgbClr val="ffffff"/>
-                  </a:solidFill>
-                </a:uFill>
-                <a:latin typeface="Arial"/>
-                <a:ea typeface="DejaVu Sans"/>
-              </a:rPr>
-              <a:t>      </a:t>
-            </a:r>
-            <a:r>
-              <a:rPr b="1" lang="en-US" sz="4800" spc="-1" strike="noStrike">
-                <a:solidFill>
-                  <a:srgbClr val="ffffff"/>
-                </a:solidFill>
-                <a:uFill>
-                  <a:solidFill>
-                    <a:srgbClr val="ffffff"/>
-                  </a:solidFill>
-                </a:uFill>
-                <a:latin typeface="Arial"/>
-                <a:ea typeface="DejaVu Sans"/>
-              </a:rPr>
-              <a:t>http://www.denbi.de</a:t>
-            </a:r>
-            <a:endParaRPr b="0" lang="en-US" sz="1800" spc="-1" strike="noStrike">
-              <a:solidFill>
-                <a:srgbClr val="000000"/>
-              </a:solidFill>
-              <a:uFill>
-                <a:solidFill>
-                  <a:srgbClr val="ffffff"/>
+              <a:rPr lang="en-US" sz="4800" b="1" strike="noStrike" spc="-1">
+                <a:solidFill>
+                  <a:srgbClr val="FFFFFF"/>
+                </a:solidFill>
+                <a:uFill>
+                  <a:solidFill>
+                    <a:srgbClr val="FFFFFF"/>
+                  </a:solidFill>
+                </a:uFill>
+                <a:latin typeface="Arial"/>
+                <a:ea typeface="DejaVu Sans"/>
+              </a:rPr>
+              <a:t>      http://www.denbi.de</a:t>
+            </a:r>
+            <a:endParaRPr lang="en-US" sz="1800" b="0" strike="noStrike" spc="-1">
+              <a:solidFill>
+                <a:srgbClr val="000000"/>
+              </a:solidFill>
+              <a:uFill>
+                <a:solidFill>
+                  <a:srgbClr val="FFFFFF"/>
                 </a:solidFill>
               </a:uFill>
               <a:latin typeface="Arial"/>
@@ -2070,12 +2145,12 @@
           </a:prstGeom>
           <a:ln>
             <a:solidFill>
-              <a:srgbClr val="dddedf"/>
+              <a:srgbClr val="DDDEDF"/>
             </a:solidFill>
             <a:round/>
           </a:ln>
           <a:effectLst>
-            <a:outerShdw blurRad="40000" dir="5400000" dist="23000" rotWithShape="0">
+            <a:outerShdw blurRad="40000" dist="23000" dir="5400000" rotWithShape="0">
               <a:srgbClr val="000000">
                 <a:alpha val="35000"/>
               </a:srgbClr>
@@ -2115,35 +2190,18 @@
           </a:ln>
         </p:spPr>
         <p:style>
-          <a:lnRef idx="0"/>
-          <a:fillRef idx="0"/>
-          <a:effectRef idx="0"/>
+          <a:lnRef idx="0">
+            <a:scrgbClr r="0" g="0" b="0"/>
+          </a:lnRef>
+          <a:fillRef idx="0">
+            <a:scrgbClr r="0" g="0" b="0"/>
+          </a:fillRef>
+          <a:effectRef idx="0">
+            <a:scrgbClr r="0" g="0" b="0"/>
+          </a:effectRef>
           <a:fontRef idx="minor"/>
         </p:style>
       </p:sp>
-      <p:pic>
-        <p:nvPicPr>
-          <p:cNvPr id="42" name="Grafik 62" descr=""/>
-          <p:cNvPicPr/>
-          <p:nvPr/>
-        </p:nvPicPr>
-        <p:blipFill>
-          <a:blip r:embed="rId3"/>
-          <a:stretch/>
-        </p:blipFill>
-        <p:spPr>
-          <a:xfrm>
-            <a:off x="15382800" y="22181400"/>
-            <a:ext cx="1607400" cy="546840"/>
-          </a:xfrm>
-          <a:prstGeom prst="rect">
-            <a:avLst/>
-          </a:prstGeom>
-          <a:ln>
-            <a:noFill/>
-          </a:ln>
-        </p:spPr>
-      </p:pic>
       <p:sp>
         <p:nvSpPr>
           <p:cNvPr id="43" name="Line 6"/>
@@ -2198,13 +2256,20 @@
           </a:ln>
         </p:spPr>
         <p:style>
-          <a:lnRef idx="0"/>
-          <a:fillRef idx="0"/>
-          <a:effectRef idx="0"/>
+          <a:lnRef idx="0">
+            <a:scrgbClr r="0" g="0" b="0"/>
+          </a:lnRef>
+          <a:fillRef idx="0">
+            <a:scrgbClr r="0" g="0" b="0"/>
+          </a:fillRef>
+          <a:effectRef idx="0">
+            <a:scrgbClr r="0" g="0" b="0"/>
+          </a:effectRef>
           <a:fontRef idx="minor"/>
         </p:style>
         <p:txBody>
-          <a:bodyPr lIns="90000" rIns="90000" tIns="45000" bIns="45000"/>
+          <a:bodyPr lIns="90000" tIns="45000" rIns="90000" bIns="45000"/>
+          <a:lstStyle/>
           <a:p>
             <a:pPr>
               <a:lnSpc>
@@ -2212,13 +2277,13 @@
               </a:lnSpc>
             </a:pPr>
             <a:r>
-              <a:rPr b="1" lang="en-US" sz="6000" spc="-1" strike="noStrike">
-                <a:solidFill>
-                  <a:srgbClr val="ffffff"/>
-                </a:solidFill>
-                <a:uFill>
-                  <a:solidFill>
-                    <a:srgbClr val="ffffff"/>
+              <a:rPr lang="en-US" sz="6000" b="1" strike="noStrike" spc="-1">
+                <a:solidFill>
+                  <a:srgbClr val="FFFFFF"/>
+                </a:solidFill>
+                <a:uFill>
+                  <a:solidFill>
+                    <a:srgbClr val="FFFFFF"/>
                   </a:solidFill>
                 </a:uFill>
                 <a:latin typeface="Arial"/>
@@ -2226,13 +2291,13 @@
               </a:rPr>
               <a:t>de.NBI − German Network for Bioinformatics Infrastructure</a:t>
             </a:r>
-            <a:endParaRPr b="0" lang="en-US" sz="1800" spc="-1" strike="noStrike">
-              <a:solidFill>
-                <a:srgbClr val="000000"/>
-              </a:solidFill>
-              <a:uFill>
-                <a:solidFill>
-                  <a:srgbClr val="ffffff"/>
+            <a:endParaRPr lang="en-US" sz="1800" b="0" strike="noStrike" spc="-1">
+              <a:solidFill>
+                <a:srgbClr val="000000"/>
+              </a:solidFill>
+              <a:uFill>
+                <a:solidFill>
+                  <a:srgbClr val="FFFFFF"/>
                 </a:solidFill>
               </a:uFill>
               <a:latin typeface="Arial"/>
@@ -2260,13 +2325,20 @@
           </a:ln>
         </p:spPr>
         <p:style>
-          <a:lnRef idx="0"/>
-          <a:fillRef idx="0"/>
-          <a:effectRef idx="0"/>
+          <a:lnRef idx="0">
+            <a:scrgbClr r="0" g="0" b="0"/>
+          </a:lnRef>
+          <a:fillRef idx="0">
+            <a:scrgbClr r="0" g="0" b="0"/>
+          </a:fillRef>
+          <a:effectRef idx="0">
+            <a:scrgbClr r="0" g="0" b="0"/>
+          </a:effectRef>
           <a:fontRef idx="minor"/>
         </p:style>
         <p:txBody>
-          <a:bodyPr lIns="90000" rIns="90000" tIns="45000" bIns="45000"/>
+          <a:bodyPr lIns="90000" tIns="45000" rIns="90000" bIns="45000"/>
+          <a:lstStyle/>
           <a:p>
             <a:pPr>
               <a:lnSpc>
@@ -2274,13 +2346,13 @@
               </a:lnSpc>
             </a:pPr>
             <a:r>
-              <a:rPr b="1" lang="en-US" sz="7200" spc="-1" strike="noStrike">
-                <a:solidFill>
-                  <a:srgbClr val="ffffff"/>
-                </a:solidFill>
-                <a:uFill>
-                  <a:solidFill>
-                    <a:srgbClr val="ffffff"/>
+              <a:rPr lang="en-US" sz="7200" b="1" strike="noStrike" spc="-1">
+                <a:solidFill>
+                  <a:srgbClr val="FFFFFF"/>
+                </a:solidFill>
+                <a:uFill>
+                  <a:solidFill>
+                    <a:srgbClr val="FFFFFF"/>
                   </a:solidFill>
                 </a:uFill>
                 <a:latin typeface="Arial"/>
@@ -2288,13 +2360,13 @@
               </a:rPr>
               <a:t>RNA Bioinformatics Center</a:t>
             </a:r>
-            <a:endParaRPr b="0" lang="en-US" sz="1800" spc="-1" strike="noStrike">
-              <a:solidFill>
-                <a:srgbClr val="000000"/>
-              </a:solidFill>
-              <a:uFill>
-                <a:solidFill>
-                  <a:srgbClr val="ffffff"/>
+            <a:endParaRPr lang="en-US" sz="1800" b="0" strike="noStrike" spc="-1">
+              <a:solidFill>
+                <a:srgbClr val="000000"/>
+              </a:solidFill>
+              <a:uFill>
+                <a:solidFill>
+                  <a:srgbClr val="FFFFFF"/>
                 </a:solidFill>
               </a:uFill>
               <a:latin typeface="Arial"/>
@@ -2307,13 +2379,13 @@
               </a:lnSpc>
             </a:pPr>
             <a:r>
-              <a:rPr b="1" lang="en-US" sz="7200" spc="-1" strike="noStrike">
-                <a:solidFill>
-                  <a:srgbClr val="ffffff"/>
-                </a:solidFill>
-                <a:uFill>
-                  <a:solidFill>
-                    <a:srgbClr val="ffffff"/>
+              <a:rPr lang="en-US" sz="7200" b="1" strike="noStrike" spc="-1">
+                <a:solidFill>
+                  <a:srgbClr val="FFFFFF"/>
+                </a:solidFill>
+                <a:uFill>
+                  <a:solidFill>
+                    <a:srgbClr val="FFFFFF"/>
                   </a:solidFill>
                 </a:uFill>
                 <a:latin typeface="Arial"/>
@@ -2321,13 +2393,13 @@
               </a:rPr>
               <a:t>University of Freiburg</a:t>
             </a:r>
-            <a:endParaRPr b="0" lang="en-US" sz="1800" spc="-1" strike="noStrike">
-              <a:solidFill>
-                <a:srgbClr val="000000"/>
-              </a:solidFill>
-              <a:uFill>
-                <a:solidFill>
-                  <a:srgbClr val="ffffff"/>
+            <a:endParaRPr lang="en-US" sz="1800" b="0" strike="noStrike" spc="-1">
+              <a:solidFill>
+                <a:srgbClr val="000000"/>
+              </a:solidFill>
+              <a:uFill>
+                <a:solidFill>
+                  <a:srgbClr val="FFFFFF"/>
                 </a:solidFill>
               </a:uFill>
               <a:latin typeface="Arial"/>
@@ -2340,13 +2412,13 @@
               </a:lnSpc>
             </a:pPr>
             <a:r>
-              <a:rPr b="1" lang="en-US" sz="7200" spc="-1" strike="noStrike">
-                <a:solidFill>
-                  <a:srgbClr val="ffffff"/>
-                </a:solidFill>
-                <a:uFill>
-                  <a:solidFill>
-                    <a:srgbClr val="ffffff"/>
+              <a:rPr lang="en-US" sz="7200" b="1" strike="noStrike" spc="-1">
+                <a:solidFill>
+                  <a:srgbClr val="FFFFFF"/>
+                </a:solidFill>
+                <a:uFill>
+                  <a:solidFill>
+                    <a:srgbClr val="FFFFFF"/>
                   </a:solidFill>
                 </a:uFill>
                 <a:latin typeface="Arial"/>
@@ -2354,13 +2426,13 @@
               </a:rPr>
               <a:t>Chair of Prof. Rolf Backofen</a:t>
             </a:r>
-            <a:endParaRPr b="0" lang="en-US" sz="1800" spc="-1" strike="noStrike">
-              <a:solidFill>
-                <a:srgbClr val="000000"/>
-              </a:solidFill>
-              <a:uFill>
-                <a:solidFill>
-                  <a:srgbClr val="ffffff"/>
+            <a:endParaRPr lang="en-US" sz="1800" b="0" strike="noStrike" spc="-1">
+              <a:solidFill>
+                <a:srgbClr val="000000"/>
+              </a:solidFill>
+              <a:uFill>
+                <a:solidFill>
+                  <a:srgbClr val="FFFFFF"/>
                 </a:solidFill>
               </a:uFill>
               <a:latin typeface="Arial"/>
@@ -2388,13 +2460,20 @@
           </a:ln>
         </p:spPr>
         <p:style>
-          <a:lnRef idx="0"/>
-          <a:fillRef idx="0"/>
-          <a:effectRef idx="0"/>
+          <a:lnRef idx="0">
+            <a:scrgbClr r="0" g="0" b="0"/>
+          </a:lnRef>
+          <a:fillRef idx="0">
+            <a:scrgbClr r="0" g="0" b="0"/>
+          </a:fillRef>
+          <a:effectRef idx="0">
+            <a:scrgbClr r="0" g="0" b="0"/>
+          </a:effectRef>
           <a:fontRef idx="minor"/>
         </p:style>
         <p:txBody>
-          <a:bodyPr lIns="90000" rIns="90000" tIns="45000" bIns="45000"/>
+          <a:bodyPr lIns="90000" tIns="45000" rIns="90000" bIns="45000"/>
+          <a:lstStyle/>
           <a:p>
             <a:pPr>
               <a:lnSpc>
@@ -2402,27 +2481,117 @@
               </a:lnSpc>
             </a:pPr>
             <a:r>
-              <a:rPr b="0" lang="en-US" sz="4000" spc="-1" strike="noStrike">
-                <a:solidFill>
-                  <a:srgbClr val="ffffff"/>
-                </a:solidFill>
-                <a:uFill>
-                  <a:solidFill>
-                    <a:srgbClr val="ffffff"/>
-                  </a:solidFill>
-                </a:uFill>
-                <a:latin typeface="Arial"/>
-                <a:ea typeface="DejaVu Sans"/>
-              </a:rPr>
-              <a:t>Rolf Backofen, Bjoern Gruening, Joachim Wolff</a:t>
-            </a:r>
-            <a:endParaRPr b="0" lang="en-US" sz="1800" spc="-1" strike="noStrike">
-              <a:solidFill>
-                <a:srgbClr val="000000"/>
-              </a:solidFill>
-              <a:uFill>
-                <a:solidFill>
-                  <a:srgbClr val="ffffff"/>
+              <a:rPr lang="en-US" sz="4000" b="0" strike="noStrike" spc="-1" dirty="0">
+                <a:solidFill>
+                  <a:srgbClr val="FFFFFF"/>
+                </a:solidFill>
+                <a:uFill>
+                  <a:solidFill>
+                    <a:srgbClr val="FFFFFF"/>
+                  </a:solidFill>
+                </a:uFill>
+                <a:latin typeface="Arial"/>
+                <a:ea typeface="DejaVu Sans"/>
+              </a:rPr>
+              <a:t>Rolf </a:t>
+            </a:r>
+            <a:r>
+              <a:rPr lang="en-US" sz="4000" b="0" strike="noStrike" spc="-1" dirty="0" err="1">
+                <a:solidFill>
+                  <a:srgbClr val="FFFFFF"/>
+                </a:solidFill>
+                <a:uFill>
+                  <a:solidFill>
+                    <a:srgbClr val="FFFFFF"/>
+                  </a:solidFill>
+                </a:uFill>
+                <a:latin typeface="Arial"/>
+                <a:ea typeface="DejaVu Sans"/>
+              </a:rPr>
+              <a:t>Backofen</a:t>
+            </a:r>
+            <a:r>
+              <a:rPr lang="en-US" sz="4000" b="0" strike="noStrike" spc="-1" dirty="0">
+                <a:solidFill>
+                  <a:srgbClr val="FFFFFF"/>
+                </a:solidFill>
+                <a:uFill>
+                  <a:solidFill>
+                    <a:srgbClr val="FFFFFF"/>
+                  </a:solidFill>
+                </a:uFill>
+                <a:latin typeface="Arial"/>
+                <a:ea typeface="DejaVu Sans"/>
+              </a:rPr>
+              <a:t>, </a:t>
+            </a:r>
+            <a:r>
+              <a:rPr lang="en-US" sz="4000" b="0" strike="noStrike" spc="-1" dirty="0" err="1" smtClean="0">
+                <a:solidFill>
+                  <a:srgbClr val="FFFFFF"/>
+                </a:solidFill>
+                <a:uFill>
+                  <a:solidFill>
+                    <a:srgbClr val="FFFFFF"/>
+                  </a:solidFill>
+                </a:uFill>
+                <a:latin typeface="Arial"/>
+                <a:ea typeface="DejaVu Sans"/>
+              </a:rPr>
+              <a:t>Björn</a:t>
+            </a:r>
+            <a:r>
+              <a:rPr lang="en-US" sz="4000" b="0" strike="noStrike" spc="-1" dirty="0" smtClean="0">
+                <a:solidFill>
+                  <a:srgbClr val="FFFFFF"/>
+                </a:solidFill>
+                <a:uFill>
+                  <a:solidFill>
+                    <a:srgbClr val="FFFFFF"/>
+                  </a:solidFill>
+                </a:uFill>
+                <a:latin typeface="Arial"/>
+                <a:ea typeface="DejaVu Sans"/>
+              </a:rPr>
+              <a:t> </a:t>
+            </a:r>
+            <a:r>
+              <a:rPr lang="en-US" sz="4000" b="0" strike="noStrike" spc="-1" dirty="0" err="1" smtClean="0">
+                <a:solidFill>
+                  <a:srgbClr val="FFFFFF"/>
+                </a:solidFill>
+                <a:uFill>
+                  <a:solidFill>
+                    <a:srgbClr val="FFFFFF"/>
+                  </a:solidFill>
+                </a:uFill>
+                <a:latin typeface="Arial"/>
+                <a:ea typeface="DejaVu Sans"/>
+              </a:rPr>
+              <a:t>Grüning</a:t>
+            </a:r>
+            <a:r>
+              <a:rPr lang="en-US" sz="4000" b="0" strike="noStrike" spc="-1" dirty="0">
+                <a:solidFill>
+                  <a:srgbClr val="FFFFFF"/>
+                </a:solidFill>
+                <a:uFill>
+                  <a:solidFill>
+                    <a:srgbClr val="FFFFFF"/>
+                  </a:solidFill>
+                </a:uFill>
+                <a:latin typeface="Arial"/>
+                <a:ea typeface="DejaVu Sans"/>
+              </a:rPr>
+              <a:t>, Joachim Wolff</a:t>
+            </a:r>
+            <a:endParaRPr lang="en-US" sz="1800" b="0" strike="noStrike" spc="-1" dirty="0">
+              <a:solidFill>
+                <a:srgbClr val="000000"/>
+              </a:solidFill>
+              <a:uFill>
+                <a:solidFill>
+                  <a:srgbClr val="FFFFFF"/>
                 </a:solidFill>
               </a:uFill>
               <a:latin typeface="Arial"/>
@@ -2435,27 +2604,42 @@
               </a:lnSpc>
             </a:pPr>
             <a:r>
-              <a:rPr b="0" lang="en-US" sz="4000" spc="-1" strike="noStrike">
-                <a:solidFill>
-                  <a:srgbClr val="ffffff"/>
-                </a:solidFill>
-                <a:uFill>
-                  <a:solidFill>
-                    <a:srgbClr val="ffffff"/>
-                  </a:solidFill>
-                </a:uFill>
-                <a:latin typeface="Arial"/>
-                <a:ea typeface="DejaVu Sans"/>
-              </a:rPr>
-              <a:t>RNAx Bioinformatics Center, University of Freiburg, Germany</a:t>
-            </a:r>
-            <a:endParaRPr b="0" lang="en-US" sz="1800" spc="-1" strike="noStrike">
-              <a:solidFill>
-                <a:srgbClr val="000000"/>
-              </a:solidFill>
-              <a:uFill>
-                <a:solidFill>
-                  <a:srgbClr val="ffffff"/>
+              <a:rPr lang="en-US" sz="4000" b="0" strike="noStrike" spc="-1" dirty="0" smtClean="0">
+                <a:solidFill>
+                  <a:srgbClr val="FFFFFF"/>
+                </a:solidFill>
+                <a:uFill>
+                  <a:solidFill>
+                    <a:srgbClr val="FFFFFF"/>
+                  </a:solidFill>
+                </a:uFill>
+                <a:latin typeface="Arial"/>
+                <a:ea typeface="DejaVu Sans"/>
+              </a:rPr>
+              <a:t>RNA </a:t>
+            </a:r>
+            <a:r>
+              <a:rPr lang="en-US" sz="4000" b="0" strike="noStrike" spc="-1" dirty="0">
+                <a:solidFill>
+                  <a:srgbClr val="FFFFFF"/>
+                </a:solidFill>
+                <a:uFill>
+                  <a:solidFill>
+                    <a:srgbClr val="FFFFFF"/>
+                  </a:solidFill>
+                </a:uFill>
+                <a:latin typeface="Arial"/>
+                <a:ea typeface="DejaVu Sans"/>
+              </a:rPr>
+              <a:t>Bioinformatics Center, University of Freiburg, Germany</a:t>
+            </a:r>
+            <a:endParaRPr lang="en-US" sz="1800" b="0" strike="noStrike" spc="-1" dirty="0">
+              <a:solidFill>
+                <a:srgbClr val="000000"/>
+              </a:solidFill>
+              <a:uFill>
+                <a:solidFill>
+                  <a:srgbClr val="FFFFFF"/>
                 </a:solidFill>
               </a:uFill>
               <a:latin typeface="Arial"/>
@@ -2483,13 +2667,20 @@
           </a:ln>
         </p:spPr>
         <p:style>
-          <a:lnRef idx="0"/>
-          <a:fillRef idx="0"/>
-          <a:effectRef idx="0"/>
+          <a:lnRef idx="0">
+            <a:scrgbClr r="0" g="0" b="0"/>
+          </a:lnRef>
+          <a:fillRef idx="0">
+            <a:scrgbClr r="0" g="0" b="0"/>
+          </a:fillRef>
+          <a:effectRef idx="0">
+            <a:scrgbClr r="0" g="0" b="0"/>
+          </a:effectRef>
           <a:fontRef idx="minor"/>
         </p:style>
         <p:txBody>
-          <a:bodyPr lIns="90000" rIns="90000" tIns="45000" bIns="45000"/>
+          <a:bodyPr lIns="90000" tIns="45000" rIns="90000" bIns="45000"/>
+          <a:lstStyle/>
           <a:p>
             <a:pPr>
               <a:lnSpc>
@@ -2497,13 +2688,13 @@
               </a:lnSpc>
             </a:pPr>
             <a:r>
-              <a:rPr b="1" lang="en-US" sz="10000" spc="-1" strike="noStrike">
-                <a:solidFill>
-                  <a:srgbClr val="ffffff"/>
-                </a:solidFill>
-                <a:uFill>
-                  <a:solidFill>
-                    <a:srgbClr val="ffffff"/>
+              <a:rPr lang="en-US" sz="10000" b="1" strike="noStrike" spc="-1">
+                <a:solidFill>
+                  <a:srgbClr val="FFFFFF"/>
+                </a:solidFill>
+                <a:uFill>
+                  <a:solidFill>
+                    <a:srgbClr val="FFFFFF"/>
                   </a:solidFill>
                 </a:uFill>
                 <a:latin typeface="Arial"/>
@@ -2511,13 +2702,13 @@
               </a:rPr>
               <a:t>de.NBI-epi</a:t>
             </a:r>
-            <a:endParaRPr b="0" lang="en-US" sz="1800" spc="-1" strike="noStrike">
-              <a:solidFill>
-                <a:srgbClr val="000000"/>
-              </a:solidFill>
-              <a:uFill>
-                <a:solidFill>
-                  <a:srgbClr val="ffffff"/>
+            <a:endParaRPr lang="en-US" sz="1800" b="0" strike="noStrike" spc="-1">
+              <a:solidFill>
+                <a:srgbClr val="000000"/>
+              </a:solidFill>
+              <a:uFill>
+                <a:solidFill>
+                  <a:srgbClr val="FFFFFF"/>
                 </a:solidFill>
               </a:uFill>
               <a:latin typeface="Arial"/>
@@ -2527,7 +2718,7 @@
       </p:sp>
       <p:pic>
         <p:nvPicPr>
-          <p:cNvPr id="48" name="Bild 1" descr=""/>
+          <p:cNvPr id="48" name="Bild 1"/>
           <p:cNvPicPr/>
           <p:nvPr/>
         </p:nvPicPr>
@@ -2568,13 +2759,20 @@
           </a:ln>
         </p:spPr>
         <p:style>
-          <a:lnRef idx="0"/>
-          <a:fillRef idx="0"/>
-          <a:effectRef idx="0"/>
+          <a:lnRef idx="0">
+            <a:scrgbClr r="0" g="0" b="0"/>
+          </a:lnRef>
+          <a:fillRef idx="0">
+            <a:scrgbClr r="0" g="0" b="0"/>
+          </a:fillRef>
+          <a:effectRef idx="0">
+            <a:scrgbClr r="0" g="0" b="0"/>
+          </a:effectRef>
           <a:fontRef idx="minor"/>
         </p:style>
         <p:txBody>
-          <a:bodyPr lIns="90000" rIns="90000" tIns="45000" bIns="45000"/>
+          <a:bodyPr lIns="90000" tIns="45000" rIns="90000" bIns="45000"/>
+          <a:lstStyle/>
           <a:p>
             <a:pPr>
               <a:lnSpc>
@@ -2582,27 +2780,87 @@
               </a:lnSpc>
             </a:pPr>
             <a:r>
-              <a:rPr b="1" lang="en-US" sz="2000" spc="-1" strike="noStrike">
-                <a:solidFill>
-                  <a:srgbClr val="ffffff"/>
-                </a:solidFill>
-                <a:uFill>
-                  <a:solidFill>
-                    <a:srgbClr val="ffffff"/>
-                  </a:solidFill>
-                </a:uFill>
-                <a:latin typeface="Arial"/>
-                <a:ea typeface="DejaVu Sans"/>
-              </a:rPr>
-              <a:t>Förderkennzeichen Nr. 031A538A</a:t>
-            </a:r>
-            <a:endParaRPr b="0" lang="en-US" sz="1800" spc="-1" strike="noStrike">
-              <a:solidFill>
-                <a:srgbClr val="000000"/>
-              </a:solidFill>
-              <a:uFill>
-                <a:solidFill>
-                  <a:srgbClr val="ffffff"/>
+              <a:rPr lang="en-US" sz="2000" b="1" strike="noStrike" spc="-1" dirty="0" err="1">
+                <a:solidFill>
+                  <a:srgbClr val="FFFFFF"/>
+                </a:solidFill>
+                <a:uFill>
+                  <a:solidFill>
+                    <a:srgbClr val="FFFFFF"/>
+                  </a:solidFill>
+                </a:uFill>
+                <a:latin typeface="Arial"/>
+                <a:ea typeface="DejaVu Sans"/>
+              </a:rPr>
+              <a:t>Förderkennzeichen</a:t>
+            </a:r>
+            <a:r>
+              <a:rPr lang="en-US" sz="2000" b="1" strike="noStrike" spc="-1" dirty="0">
+                <a:solidFill>
+                  <a:srgbClr val="FFFFFF"/>
+                </a:solidFill>
+                <a:uFill>
+                  <a:solidFill>
+                    <a:srgbClr val="FFFFFF"/>
+                  </a:solidFill>
+                </a:uFill>
+                <a:latin typeface="Arial"/>
+                <a:ea typeface="DejaVu Sans"/>
+              </a:rPr>
+              <a:t> </a:t>
+            </a:r>
+            <a:r>
+              <a:rPr lang="en-US" sz="2000" b="1" strike="noStrike" spc="-1" dirty="0" err="1">
+                <a:solidFill>
+                  <a:srgbClr val="FFFFFF"/>
+                </a:solidFill>
+                <a:uFill>
+                  <a:solidFill>
+                    <a:srgbClr val="FFFFFF"/>
+                  </a:solidFill>
+                </a:uFill>
+                <a:latin typeface="Arial"/>
+                <a:ea typeface="DejaVu Sans"/>
+              </a:rPr>
+              <a:t>Nr</a:t>
+            </a:r>
+            <a:r>
+              <a:rPr lang="en-US" sz="2000" b="1" strike="noStrike" spc="-1" dirty="0">
+                <a:solidFill>
+                  <a:srgbClr val="FFFFFF"/>
+                </a:solidFill>
+                <a:uFill>
+                  <a:solidFill>
+                    <a:srgbClr val="FFFFFF"/>
+                  </a:solidFill>
+                </a:uFill>
+                <a:latin typeface="Arial"/>
+                <a:ea typeface="DejaVu Sans"/>
+              </a:rPr>
+              <a:t>. </a:t>
+            </a:r>
+            <a:r>
+              <a:rPr lang="en-US" sz="2000" b="1" spc="-1" dirty="0" smtClean="0">
+                <a:solidFill>
+                  <a:srgbClr val="FFFFFF"/>
+                </a:solidFill>
+                <a:uFill>
+                  <a:solidFill>
+                    <a:srgbClr val="FFFFFF"/>
+                  </a:solidFill>
+                </a:uFill>
+                <a:latin typeface="Arial"/>
+                <a:ea typeface="DejaVu Sans"/>
+              </a:rPr>
+              <a:t>031L0101C</a:t>
+            </a:r>
+            <a:endParaRPr lang="en-US" sz="1800" b="0" strike="noStrike" spc="-1" dirty="0">
+              <a:solidFill>
+                <a:srgbClr val="000000"/>
+              </a:solidFill>
+              <a:uFill>
+                <a:solidFill>
+                  <a:srgbClr val="FFFFFF"/>
                 </a:solidFill>
               </a:uFill>
               <a:latin typeface="Arial"/>
@@ -2625,20 +2883,27 @@
             <a:avLst/>
           </a:prstGeom>
           <a:solidFill>
-            <a:srgbClr val="00adef"/>
+            <a:srgbClr val="00ADEF"/>
           </a:solidFill>
           <a:ln>
             <a:noFill/>
           </a:ln>
         </p:spPr>
         <p:style>
-          <a:lnRef idx="0"/>
-          <a:fillRef idx="0"/>
-          <a:effectRef idx="0"/>
+          <a:lnRef idx="0">
+            <a:scrgbClr r="0" g="0" b="0"/>
+          </a:lnRef>
+          <a:fillRef idx="0">
+            <a:scrgbClr r="0" g="0" b="0"/>
+          </a:fillRef>
+          <a:effectRef idx="0">
+            <a:scrgbClr r="0" g="0" b="0"/>
+          </a:effectRef>
           <a:fontRef idx="minor"/>
         </p:style>
         <p:txBody>
-          <a:bodyPr lIns="90000" rIns="90000" tIns="45000" bIns="45000"/>
+          <a:bodyPr lIns="90000" tIns="45000" rIns="90000" bIns="45000"/>
+          <a:lstStyle/>
           <a:p>
             <a:pPr>
               <a:lnSpc>
@@ -2646,13 +2911,13 @@
               </a:lnSpc>
             </a:pPr>
             <a:r>
-              <a:rPr b="1" lang="en-US" sz="6000" spc="-1" strike="noStrike">
-                <a:solidFill>
-                  <a:srgbClr val="ffffff"/>
-                </a:solidFill>
-                <a:uFill>
-                  <a:solidFill>
-                    <a:srgbClr val="ffffff"/>
+              <a:rPr lang="en-US" sz="6000" b="1" strike="noStrike" spc="-1">
+                <a:solidFill>
+                  <a:srgbClr val="FFFFFF"/>
+                </a:solidFill>
+                <a:uFill>
+                  <a:solidFill>
+                    <a:srgbClr val="FFFFFF"/>
                   </a:solidFill>
                 </a:uFill>
                 <a:latin typeface="Arial"/>
@@ -2660,13 +2925,13 @@
               </a:rPr>
               <a:t>Short description of the project</a:t>
             </a:r>
-            <a:endParaRPr b="0" lang="en-US" sz="1800" spc="-1" strike="noStrike">
-              <a:solidFill>
-                <a:srgbClr val="000000"/>
-              </a:solidFill>
-              <a:uFill>
-                <a:solidFill>
-                  <a:srgbClr val="ffffff"/>
+            <a:endParaRPr lang="en-US" sz="1800" b="0" strike="noStrike" spc="-1">
+              <a:solidFill>
+                <a:srgbClr val="000000"/>
+              </a:solidFill>
+              <a:uFill>
+                <a:solidFill>
+                  <a:srgbClr val="FFFFFF"/>
                 </a:solidFill>
               </a:uFill>
               <a:latin typeface="Arial"/>
@@ -2689,20 +2954,27 @@
             <a:avLst/>
           </a:prstGeom>
           <a:solidFill>
-            <a:srgbClr val="00adef"/>
+            <a:srgbClr val="00ADEF"/>
           </a:solidFill>
           <a:ln>
             <a:noFill/>
           </a:ln>
         </p:spPr>
         <p:style>
-          <a:lnRef idx="0"/>
-          <a:fillRef idx="0"/>
-          <a:effectRef idx="0"/>
+          <a:lnRef idx="0">
+            <a:scrgbClr r="0" g="0" b="0"/>
+          </a:lnRef>
+          <a:fillRef idx="0">
+            <a:scrgbClr r="0" g="0" b="0"/>
+          </a:fillRef>
+          <a:effectRef idx="0">
+            <a:scrgbClr r="0" g="0" b="0"/>
+          </a:effectRef>
           <a:fontRef idx="minor"/>
         </p:style>
         <p:txBody>
-          <a:bodyPr lIns="90000" rIns="90000" tIns="45000" bIns="45000"/>
+          <a:bodyPr lIns="90000" tIns="45000" rIns="90000" bIns="45000"/>
+          <a:lstStyle/>
           <a:p>
             <a:pPr>
               <a:lnSpc>
@@ -2710,13 +2982,13 @@
               </a:lnSpc>
             </a:pPr>
             <a:r>
-              <a:rPr b="1" lang="en-US" sz="6000" spc="-1" strike="noStrike">
-                <a:solidFill>
-                  <a:srgbClr val="ffffff"/>
-                </a:solidFill>
-                <a:uFill>
-                  <a:solidFill>
-                    <a:srgbClr val="ffffff"/>
+              <a:rPr lang="en-US" sz="6000" b="1" strike="noStrike" spc="-1">
+                <a:solidFill>
+                  <a:srgbClr val="FFFFFF"/>
+                </a:solidFill>
+                <a:uFill>
+                  <a:solidFill>
+                    <a:srgbClr val="FFFFFF"/>
                   </a:solidFill>
                 </a:uFill>
                 <a:latin typeface="Arial"/>
@@ -2724,13 +2996,13 @@
               </a:rPr>
               <a:t>de.NBI training and education</a:t>
             </a:r>
-            <a:endParaRPr b="0" lang="en-US" sz="1800" spc="-1" strike="noStrike">
-              <a:solidFill>
-                <a:srgbClr val="000000"/>
-              </a:solidFill>
-              <a:uFill>
-                <a:solidFill>
-                  <a:srgbClr val="ffffff"/>
+            <a:endParaRPr lang="en-US" sz="1800" b="0" strike="noStrike" spc="-1">
+              <a:solidFill>
+                <a:srgbClr val="000000"/>
+              </a:solidFill>
+              <a:uFill>
+                <a:solidFill>
+                  <a:srgbClr val="FFFFFF"/>
                 </a:solidFill>
               </a:uFill>
               <a:latin typeface="Arial"/>
@@ -2746,27 +3018,34 @@
         </p:nvSpPr>
         <p:spPr>
           <a:xfrm>
-            <a:off x="1235160" y="22830120"/>
+            <a:off x="1427820" y="22454820"/>
             <a:ext cx="12598200" cy="1003320"/>
           </a:xfrm>
           <a:prstGeom prst="rect">
             <a:avLst/>
           </a:prstGeom>
           <a:solidFill>
-            <a:srgbClr val="00adef"/>
+            <a:srgbClr val="00ADEF"/>
           </a:solidFill>
           <a:ln>
             <a:noFill/>
           </a:ln>
         </p:spPr>
         <p:style>
-          <a:lnRef idx="0"/>
-          <a:fillRef idx="0"/>
-          <a:effectRef idx="0"/>
+          <a:lnRef idx="0">
+            <a:scrgbClr r="0" g="0" b="0"/>
+          </a:lnRef>
+          <a:fillRef idx="0">
+            <a:scrgbClr r="0" g="0" b="0"/>
+          </a:fillRef>
+          <a:effectRef idx="0">
+            <a:scrgbClr r="0" g="0" b="0"/>
+          </a:effectRef>
           <a:fontRef idx="minor"/>
         </p:style>
         <p:txBody>
-          <a:bodyPr lIns="90000" rIns="90000" tIns="45000" bIns="45000"/>
+          <a:bodyPr lIns="90000" tIns="45000" rIns="90000" bIns="45000"/>
+          <a:lstStyle/>
           <a:p>
             <a:pPr>
               <a:lnSpc>
@@ -2774,13 +3053,13 @@
               </a:lnSpc>
             </a:pPr>
             <a:r>
-              <a:rPr b="1" lang="en-US" sz="6000" spc="-1" strike="noStrike">
-                <a:solidFill>
-                  <a:srgbClr val="ffffff"/>
-                </a:solidFill>
-                <a:uFill>
-                  <a:solidFill>
-                    <a:srgbClr val="ffffff"/>
+              <a:rPr lang="en-US" sz="6000" b="1" strike="noStrike" spc="-1" dirty="0">
+                <a:solidFill>
+                  <a:srgbClr val="FFFFFF"/>
+                </a:solidFill>
+                <a:uFill>
+                  <a:solidFill>
+                    <a:srgbClr val="FFFFFF"/>
                   </a:solidFill>
                 </a:uFill>
                 <a:latin typeface="Arial"/>
@@ -2788,13 +3067,13 @@
               </a:rPr>
               <a:t>Community based infrastructure   </a:t>
             </a:r>
-            <a:endParaRPr b="0" lang="en-US" sz="1800" spc="-1" strike="noStrike">
-              <a:solidFill>
-                <a:srgbClr val="000000"/>
-              </a:solidFill>
-              <a:uFill>
-                <a:solidFill>
-                  <a:srgbClr val="ffffff"/>
+            <a:endParaRPr lang="en-US" sz="1800" b="0" strike="noStrike" spc="-1" dirty="0">
+              <a:solidFill>
+                <a:srgbClr val="000000"/>
+              </a:solidFill>
+              <a:uFill>
+                <a:solidFill>
+                  <a:srgbClr val="FFFFFF"/>
                 </a:solidFill>
               </a:uFill>
               <a:latin typeface="Arial"/>
@@ -2810,27 +3089,34 @@
         </p:nvSpPr>
         <p:spPr>
           <a:xfrm>
-            <a:off x="1280160" y="32918400"/>
+            <a:off x="1177094" y="37836715"/>
             <a:ext cx="12598200" cy="1003320"/>
           </a:xfrm>
           <a:prstGeom prst="rect">
             <a:avLst/>
           </a:prstGeom>
           <a:solidFill>
-            <a:srgbClr val="00adef"/>
+            <a:srgbClr val="00ADEF"/>
           </a:solidFill>
           <a:ln>
             <a:noFill/>
           </a:ln>
         </p:spPr>
         <p:style>
-          <a:lnRef idx="0"/>
-          <a:fillRef idx="0"/>
-          <a:effectRef idx="0"/>
+          <a:lnRef idx="0">
+            <a:scrgbClr r="0" g="0" b="0"/>
+          </a:lnRef>
+          <a:fillRef idx="0">
+            <a:scrgbClr r="0" g="0" b="0"/>
+          </a:fillRef>
+          <a:effectRef idx="0">
+            <a:scrgbClr r="0" g="0" b="0"/>
+          </a:effectRef>
           <a:fontRef idx="minor"/>
         </p:style>
         <p:txBody>
-          <a:bodyPr lIns="90000" rIns="90000" tIns="45000" bIns="45000"/>
+          <a:bodyPr lIns="90000" tIns="45000" rIns="90000" bIns="45000"/>
+          <a:lstStyle/>
           <a:p>
             <a:pPr>
               <a:lnSpc>
@@ -2838,13 +3124,13 @@
               </a:lnSpc>
             </a:pPr>
             <a:r>
-              <a:rPr b="1" lang="en-US" sz="6000" spc="-1" strike="noStrike">
-                <a:solidFill>
-                  <a:srgbClr val="ffffff"/>
-                </a:solidFill>
-                <a:uFill>
-                  <a:solidFill>
-                    <a:srgbClr val="ffffff"/>
+              <a:rPr lang="en-US" sz="6000" b="1" strike="noStrike" spc="-1" dirty="0">
+                <a:solidFill>
+                  <a:srgbClr val="FFFFFF"/>
+                </a:solidFill>
+                <a:uFill>
+                  <a:solidFill>
+                    <a:srgbClr val="FFFFFF"/>
                   </a:solidFill>
                 </a:uFill>
                 <a:latin typeface="Arial"/>
@@ -2852,13 +3138,13 @@
               </a:rPr>
               <a:t>Publications </a:t>
             </a:r>
-            <a:endParaRPr b="0" lang="en-US" sz="1800" spc="-1" strike="noStrike">
-              <a:solidFill>
-                <a:srgbClr val="000000"/>
-              </a:solidFill>
-              <a:uFill>
-                <a:solidFill>
-                  <a:srgbClr val="ffffff"/>
+            <a:endParaRPr lang="en-US" sz="1800" b="0" strike="noStrike" spc="-1" dirty="0">
+              <a:solidFill>
+                <a:srgbClr val="000000"/>
+              </a:solidFill>
+              <a:uFill>
+                <a:solidFill>
+                  <a:srgbClr val="FFFFFF"/>
                 </a:solidFill>
               </a:uFill>
               <a:latin typeface="Arial"/>
@@ -2874,8 +3160,8 @@
         </p:nvSpPr>
         <p:spPr>
           <a:xfrm>
-            <a:off x="1554480" y="36366840"/>
-            <a:ext cx="12477960" cy="3976920"/>
+            <a:off x="1180920" y="39083602"/>
+            <a:ext cx="12477960" cy="1759080"/>
           </a:xfrm>
           <a:prstGeom prst="rect">
             <a:avLst/>
@@ -2886,13 +3172,20 @@
           </a:ln>
         </p:spPr>
         <p:style>
-          <a:lnRef idx="0"/>
-          <a:fillRef idx="0"/>
-          <a:effectRef idx="0"/>
+          <a:lnRef idx="0">
+            <a:scrgbClr r="0" g="0" b="0"/>
+          </a:lnRef>
+          <a:fillRef idx="0">
+            <a:scrgbClr r="0" g="0" b="0"/>
+          </a:fillRef>
+          <a:effectRef idx="0">
+            <a:scrgbClr r="0" g="0" b="0"/>
+          </a:effectRef>
           <a:fontRef idx="minor"/>
         </p:style>
         <p:txBody>
-          <a:bodyPr lIns="90000" rIns="90000" tIns="45000" bIns="45000"/>
+          <a:bodyPr lIns="90000" tIns="45000" rIns="90000" bIns="45000"/>
+          <a:lstStyle/>
           <a:p>
             <a:pPr>
               <a:lnSpc>
@@ -2900,30 +3193,76 @@
               </a:lnSpc>
             </a:pPr>
             <a:r>
-              <a:rPr b="0" lang="en-US" sz="3200" spc="-1" strike="noStrike">
-                <a:solidFill>
-                  <a:srgbClr val="000000"/>
-                </a:solidFill>
-                <a:uFill>
-                  <a:solidFill>
-                    <a:srgbClr val="ffffff"/>
-                  </a:solidFill>
-                </a:uFill>
-                <a:latin typeface="Arial"/>
-                <a:ea typeface="DejaVu Sans"/>
-              </a:rPr>
-              <a:t>Ramírez, F., Ryan, D.P., Grüning, B., Bhardwaj, V., Kilpert, F., Richter, A.S., Heyne, S., Dündar, F. and Manke, T., 2016. deepTools2: a next generation web server for deep-sequencing data analysis. Nucleic acids research, p.gkw257.</a:t>
-            </a:r>
-            <a:endParaRPr b="0" lang="en-US" sz="1800" spc="-1" strike="noStrike">
-              <a:solidFill>
-                <a:srgbClr val="000000"/>
-              </a:solidFill>
-              <a:uFill>
-                <a:solidFill>
-                  <a:srgbClr val="ffffff"/>
-                </a:solidFill>
-              </a:uFill>
-              <a:latin typeface="Arial"/>
+              <a:rPr lang="en-US" b="0" strike="noStrike" spc="-1" dirty="0" smtClean="0">
+                <a:solidFill>
+                  <a:srgbClr val="000000"/>
+                </a:solidFill>
+                <a:uFill>
+                  <a:solidFill>
+                    <a:srgbClr val="FFFFFF"/>
+                  </a:solidFill>
+                </a:uFill>
+                <a:latin typeface="Arial"/>
+                <a:ea typeface="DejaVu Sans"/>
+              </a:rPr>
+              <a:t>deepTools2</a:t>
+            </a:r>
+            <a:r>
+              <a:rPr lang="en-US" b="0" strike="noStrike" spc="-1" dirty="0">
+                <a:solidFill>
+                  <a:srgbClr val="000000"/>
+                </a:solidFill>
+                <a:uFill>
+                  <a:solidFill>
+                    <a:srgbClr val="FFFFFF"/>
+                  </a:solidFill>
+                </a:uFill>
+                <a:latin typeface="Arial"/>
+                <a:ea typeface="DejaVu Sans"/>
+              </a:rPr>
+              <a:t>: a next generation web server for deep-sequencing data </a:t>
+            </a:r>
+            <a:r>
+              <a:rPr lang="en-US" b="0" strike="noStrike" spc="-1" dirty="0" smtClean="0">
+                <a:solidFill>
+                  <a:srgbClr val="000000"/>
+                </a:solidFill>
+                <a:uFill>
+                  <a:solidFill>
+                    <a:srgbClr val="FFFFFF"/>
+                  </a:solidFill>
+                </a:uFill>
+                <a:latin typeface="Arial"/>
+                <a:ea typeface="DejaVu Sans"/>
+              </a:rPr>
+              <a:t>analysis</a:t>
+            </a:r>
+            <a:r>
+              <a:rPr lang="en-US" spc="-1" dirty="0">
+                <a:solidFill>
+                  <a:srgbClr val="000000"/>
+                </a:solidFill>
+                <a:uFill>
+                  <a:solidFill>
+                    <a:srgbClr val="FFFFFF"/>
+                  </a:solidFill>
+                </a:uFill>
+                <a:latin typeface="Arial"/>
+                <a:ea typeface="DejaVu Sans"/>
+              </a:rPr>
+              <a:t>.</a:t>
+            </a:r>
+            <a:endParaRPr lang="en-US" spc="-1" dirty="0" smtClean="0">
+              <a:solidFill>
+                <a:srgbClr val="000000"/>
+              </a:solidFill>
+              <a:uFill>
+                <a:solidFill>
+                  <a:srgbClr val="FFFFFF"/>
+                </a:solidFill>
+              </a:uFill>
+              <a:latin typeface="Arial"/>
+              <a:ea typeface="DejaVu Sans"/>
             </a:endParaRPr>
           </a:p>
           <a:p>
@@ -2932,13 +3271,67 @@
                 <a:spcPct val="100000"/>
               </a:lnSpc>
             </a:pPr>
-            <a:endParaRPr b="0" lang="en-US" sz="1800" spc="-1" strike="noStrike">
-              <a:solidFill>
-                <a:srgbClr val="000000"/>
-              </a:solidFill>
-              <a:uFill>
-                <a:solidFill>
-                  <a:srgbClr val="ffffff"/>
+            <a:r>
+              <a:rPr lang="en-US" sz="1800" b="0" strike="noStrike" spc="-1" dirty="0" smtClean="0">
+                <a:solidFill>
+                  <a:srgbClr val="000000"/>
+                </a:solidFill>
+                <a:uFill>
+                  <a:solidFill>
+                    <a:srgbClr val="FFFFFF"/>
+                  </a:solidFill>
+                </a:uFill>
+                <a:latin typeface="Arial"/>
+              </a:rPr>
+              <a:t>    </a:t>
+            </a:r>
+            <a:r>
+              <a:rPr lang="en-US" sz="1800" b="0" strike="noStrike" spc="-1" dirty="0" err="1" smtClean="0">
+                <a:solidFill>
+                  <a:srgbClr val="000000"/>
+                </a:solidFill>
+                <a:uFill>
+                  <a:solidFill>
+                    <a:srgbClr val="FFFFFF"/>
+                  </a:solidFill>
+                </a:uFill>
+                <a:latin typeface="Arial"/>
+              </a:rPr>
+              <a:t>doi</a:t>
+            </a:r>
+            <a:r>
+              <a:rPr lang="en-US" sz="1800" b="0" strike="noStrike" spc="-1" dirty="0" smtClean="0">
+                <a:solidFill>
+                  <a:srgbClr val="000000"/>
+                </a:solidFill>
+                <a:uFill>
+                  <a:solidFill>
+                    <a:srgbClr val="FFFFFF"/>
+                  </a:solidFill>
+                </a:uFill>
+                <a:latin typeface="Arial"/>
+              </a:rPr>
+              <a:t>:</a:t>
+            </a:r>
+            <a:r>
+              <a:rPr lang="de-DE" dirty="0" smtClean="0"/>
+              <a:t>10.1093/</a:t>
+            </a:r>
+            <a:r>
+              <a:rPr lang="de-DE" dirty="0" err="1" smtClean="0"/>
+              <a:t>nar</a:t>
+            </a:r>
+            <a:r>
+              <a:rPr lang="de-DE" dirty="0" smtClean="0"/>
+              <a:t>/gkw257 </a:t>
+            </a:r>
+            <a:endParaRPr lang="en-US" sz="1800" b="0" strike="noStrike" spc="-1" dirty="0">
+              <a:solidFill>
+                <a:srgbClr val="000000"/>
+              </a:solidFill>
+              <a:uFill>
+                <a:solidFill>
+                  <a:srgbClr val="FFFFFF"/>
                 </a:solidFill>
               </a:uFill>
               <a:latin typeface="Arial"/>
@@ -2951,27 +3344,56 @@
               </a:lnSpc>
             </a:pPr>
             <a:r>
-              <a:rPr b="0" lang="en-US" sz="1800" spc="-1" strike="noStrike">
-                <a:solidFill>
-                  <a:srgbClr val="000000"/>
-                </a:solidFill>
-                <a:uFill>
-                  <a:solidFill>
-                    <a:srgbClr val="ffffff"/>
-                  </a:solidFill>
-                </a:uFill>
-                <a:latin typeface="Arial"/>
-                <a:ea typeface="DejaVu Sans"/>
-              </a:rPr>
-              <a:t>Tools and data services registry: a community effort to document bioinformatics resources.</a:t>
-            </a:r>
-            <a:endParaRPr b="0" lang="en-US" sz="1800" spc="-1" strike="noStrike">
-              <a:solidFill>
-                <a:srgbClr val="000000"/>
-              </a:solidFill>
-              <a:uFill>
-                <a:solidFill>
-                  <a:srgbClr val="ffffff"/>
+              <a:rPr lang="en-US" sz="1800" b="0" strike="noStrike" spc="-1" dirty="0">
+                <a:solidFill>
+                  <a:srgbClr val="000000"/>
+                </a:solidFill>
+                <a:uFill>
+                  <a:solidFill>
+                    <a:srgbClr val="FFFFFF"/>
+                  </a:solidFill>
+                </a:uFill>
+                <a:latin typeface="Arial"/>
+                <a:ea typeface="DejaVu Sans"/>
+              </a:rPr>
+              <a:t>Tools and data services registry: a community effort to document bioinformatics </a:t>
+            </a:r>
+            <a:r>
+              <a:rPr lang="en-US" sz="1800" b="0" strike="noStrike" spc="-1" dirty="0" smtClean="0">
+                <a:solidFill>
+                  <a:srgbClr val="000000"/>
+                </a:solidFill>
+                <a:uFill>
+                  <a:solidFill>
+                    <a:srgbClr val="FFFFFF"/>
+                  </a:solidFill>
+                </a:uFill>
+                <a:latin typeface="Arial"/>
+                <a:ea typeface="DejaVu Sans"/>
+              </a:rPr>
+              <a:t>resources.</a:t>
+            </a:r>
+            <a:r>
+              <a:rPr lang="en-US" spc="-1" dirty="0">
+                <a:solidFill>
+                  <a:srgbClr val="000000"/>
+                </a:solidFill>
+                <a:uFill>
+                  <a:solidFill>
+                    <a:srgbClr val="FFFFFF"/>
+                  </a:solidFill>
+                </a:uFill>
+                <a:latin typeface="Arial"/>
+              </a:rPr>
+              <a:t> </a:t>
+            </a:r>
+            <a:endParaRPr lang="en-US" spc="-1" dirty="0" smtClean="0">
+              <a:solidFill>
+                <a:srgbClr val="000000"/>
+              </a:solidFill>
+              <a:uFill>
+                <a:solidFill>
+                  <a:srgbClr val="FFFFFF"/>
                 </a:solidFill>
               </a:uFill>
               <a:latin typeface="Arial"/>
@@ -2984,42 +3406,102 @@
               </a:lnSpc>
             </a:pPr>
             <a:r>
-              <a:rPr b="0" lang="en-US" sz="1800" spc="-1" strike="noStrike">
-                <a:solidFill>
-                  <a:srgbClr val="000000"/>
-                </a:solidFill>
-                <a:uFill>
-                  <a:solidFill>
-                    <a:srgbClr val="ffffff"/>
-                  </a:solidFill>
-                </a:uFill>
-                <a:latin typeface="Arial"/>
-                <a:ea typeface="DejaVu Sans"/>
-              </a:rPr>
-              <a:t>    </a:t>
-            </a:r>
-            <a:r>
-              <a:rPr b="0" lang="en-US" sz="1800" spc="-1" strike="noStrike">
-                <a:solidFill>
-                  <a:srgbClr val="000000"/>
-                </a:solidFill>
-                <a:uFill>
-                  <a:solidFill>
-                    <a:srgbClr val="ffffff"/>
-                  </a:solidFill>
-                </a:uFill>
-                <a:latin typeface="Arial"/>
-                <a:ea typeface="DejaVu Sans"/>
-              </a:rPr>
-              <a:t>doi: 10.1093/nar/gkv1116</a:t>
-            </a:r>
-            <a:endParaRPr b="0" lang="en-US" sz="1800" spc="-1" strike="noStrike">
-              <a:solidFill>
-                <a:srgbClr val="000000"/>
-              </a:solidFill>
-              <a:uFill>
-                <a:solidFill>
-                  <a:srgbClr val="ffffff"/>
+              <a:rPr lang="en-US" sz="1800" b="0" strike="noStrike" spc="-1" dirty="0">
+                <a:solidFill>
+                  <a:srgbClr val="000000"/>
+                </a:solidFill>
+                <a:uFill>
+                  <a:solidFill>
+                    <a:srgbClr val="FFFFFF"/>
+                  </a:solidFill>
+                </a:uFill>
+                <a:latin typeface="Arial"/>
+                <a:ea typeface="DejaVu Sans"/>
+              </a:rPr>
+              <a:t> </a:t>
+            </a:r>
+            <a:r>
+              <a:rPr lang="en-US" sz="1800" b="0" strike="noStrike" spc="-1" dirty="0" smtClean="0">
+                <a:solidFill>
+                  <a:srgbClr val="000000"/>
+                </a:solidFill>
+                <a:uFill>
+                  <a:solidFill>
+                    <a:srgbClr val="FFFFFF"/>
+                  </a:solidFill>
+                </a:uFill>
+                <a:latin typeface="Arial"/>
+                <a:ea typeface="DejaVu Sans"/>
+              </a:rPr>
+              <a:t>   </a:t>
+            </a:r>
+            <a:r>
+              <a:rPr lang="en-US" sz="1800" b="0" strike="noStrike" spc="-1" dirty="0" err="1" smtClean="0">
+                <a:solidFill>
+                  <a:srgbClr val="000000"/>
+                </a:solidFill>
+                <a:uFill>
+                  <a:solidFill>
+                    <a:srgbClr val="FFFFFF"/>
+                  </a:solidFill>
+                </a:uFill>
+                <a:latin typeface="Arial"/>
+                <a:ea typeface="DejaVu Sans"/>
+              </a:rPr>
+              <a:t>doi</a:t>
+            </a:r>
+            <a:r>
+              <a:rPr lang="en-US" sz="1800" b="0" strike="noStrike" spc="-1" dirty="0">
+                <a:solidFill>
+                  <a:srgbClr val="000000"/>
+                </a:solidFill>
+                <a:uFill>
+                  <a:solidFill>
+                    <a:srgbClr val="FFFFFF"/>
+                  </a:solidFill>
+                </a:uFill>
+                <a:latin typeface="Arial"/>
+                <a:ea typeface="DejaVu Sans"/>
+              </a:rPr>
+              <a:t>: 10.1093/</a:t>
+            </a:r>
+            <a:r>
+              <a:rPr lang="en-US" sz="1800" b="0" strike="noStrike" spc="-1" dirty="0" err="1">
+                <a:solidFill>
+                  <a:srgbClr val="000000"/>
+                </a:solidFill>
+                <a:uFill>
+                  <a:solidFill>
+                    <a:srgbClr val="FFFFFF"/>
+                  </a:solidFill>
+                </a:uFill>
+                <a:latin typeface="Arial"/>
+                <a:ea typeface="DejaVu Sans"/>
+              </a:rPr>
+              <a:t>nar</a:t>
+            </a:r>
+            <a:r>
+              <a:rPr lang="en-US" sz="1800" b="0" strike="noStrike" spc="-1" dirty="0">
+                <a:solidFill>
+                  <a:srgbClr val="000000"/>
+                </a:solidFill>
+                <a:uFill>
+                  <a:solidFill>
+                    <a:srgbClr val="FFFFFF"/>
+                  </a:solidFill>
+                </a:uFill>
+                <a:latin typeface="Arial"/>
+                <a:ea typeface="DejaVu Sans"/>
+              </a:rPr>
+              <a:t>/gkv1116</a:t>
+            </a:r>
+            <a:endParaRPr lang="en-US" sz="1800" b="0" strike="noStrike" spc="-1" dirty="0">
+              <a:solidFill>
+                <a:srgbClr val="000000"/>
+              </a:solidFill>
+              <a:uFill>
+                <a:solidFill>
+                  <a:srgbClr val="FFFFFF"/>
                 </a:solidFill>
               </a:uFill>
               <a:latin typeface="Arial"/>
@@ -3032,13 +3514,13 @@
               </a:lnSpc>
             </a:pPr>
             <a:r>
-              <a:rPr b="0" lang="en-US" sz="1800" spc="-1" strike="noStrike">
-                <a:solidFill>
-                  <a:srgbClr val="000000"/>
-                </a:solidFill>
-                <a:uFill>
-                  <a:solidFill>
-                    <a:srgbClr val="ffffff"/>
+              <a:rPr lang="en-US" sz="1800" b="0" strike="noStrike" spc="-1" dirty="0">
+                <a:solidFill>
+                  <a:srgbClr val="000000"/>
+                </a:solidFill>
+                <a:uFill>
+                  <a:solidFill>
+                    <a:srgbClr val="FFFFFF"/>
                   </a:solidFill>
                 </a:uFill>
                 <a:latin typeface="Arial"/>
@@ -3046,13 +3528,13 @@
               </a:rPr>
               <a:t>The Galaxy platform for accessible, reproducible and collaborative biomedical analyses: 2016 update.</a:t>
             </a:r>
-            <a:endParaRPr b="0" lang="en-US" sz="1800" spc="-1" strike="noStrike">
-              <a:solidFill>
-                <a:srgbClr val="000000"/>
-              </a:solidFill>
-              <a:uFill>
-                <a:solidFill>
-                  <a:srgbClr val="ffffff"/>
+            <a:endParaRPr lang="en-US" sz="1800" b="0" strike="noStrike" spc="-1" dirty="0">
+              <a:solidFill>
+                <a:srgbClr val="000000"/>
+              </a:solidFill>
+              <a:uFill>
+                <a:solidFill>
+                  <a:srgbClr val="FFFFFF"/>
                 </a:solidFill>
               </a:uFill>
               <a:latin typeface="Arial"/>
@@ -3065,13 +3547,13 @@
               </a:lnSpc>
             </a:pPr>
             <a:r>
-              <a:rPr b="0" lang="en-US" sz="1800" spc="-1" strike="noStrike">
-                <a:solidFill>
-                  <a:srgbClr val="000000"/>
-                </a:solidFill>
-                <a:uFill>
-                  <a:solidFill>
-                    <a:srgbClr val="ffffff"/>
+              <a:rPr lang="en-US" sz="1800" b="0" strike="noStrike" spc="-1" dirty="0">
+                <a:solidFill>
+                  <a:srgbClr val="000000"/>
+                </a:solidFill>
+                <a:uFill>
+                  <a:solidFill>
+                    <a:srgbClr val="FFFFFF"/>
                   </a:solidFill>
                 </a:uFill>
                 <a:latin typeface="Arial"/>
@@ -3080,27 +3562,72 @@
               <a:t>    </a:t>
             </a:r>
             <a:r>
-              <a:rPr b="0" lang="en-US" sz="1800" spc="-1" strike="noStrike">
-                <a:solidFill>
-                  <a:srgbClr val="000000"/>
-                </a:solidFill>
-                <a:uFill>
-                  <a:solidFill>
-                    <a:srgbClr val="ffffff"/>
-                  </a:solidFill>
-                </a:uFill>
-                <a:latin typeface="Arial"/>
-                <a:ea typeface="DejaVu Sans"/>
-              </a:rPr>
-              <a:t>doi: 10.1093/nar/gkw343</a:t>
-            </a:r>
-            <a:endParaRPr b="0" lang="en-US" sz="1800" spc="-1" strike="noStrike">
-              <a:solidFill>
-                <a:srgbClr val="000000"/>
-              </a:solidFill>
-              <a:uFill>
-                <a:solidFill>
-                  <a:srgbClr val="ffffff"/>
+              <a:rPr lang="en-US" sz="1800" b="0" strike="noStrike" spc="-1" dirty="0" err="1">
+                <a:solidFill>
+                  <a:srgbClr val="000000"/>
+                </a:solidFill>
+                <a:uFill>
+                  <a:solidFill>
+                    <a:srgbClr val="FFFFFF"/>
+                  </a:solidFill>
+                </a:uFill>
+                <a:latin typeface="Arial"/>
+                <a:ea typeface="DejaVu Sans"/>
+              </a:rPr>
+              <a:t>doi</a:t>
+            </a:r>
+            <a:r>
+              <a:rPr lang="en-US" sz="1800" b="0" strike="noStrike" spc="-1" dirty="0">
+                <a:solidFill>
+                  <a:srgbClr val="000000"/>
+                </a:solidFill>
+                <a:uFill>
+                  <a:solidFill>
+                    <a:srgbClr val="FFFFFF"/>
+                  </a:solidFill>
+                </a:uFill>
+                <a:latin typeface="Arial"/>
+                <a:ea typeface="DejaVu Sans"/>
+              </a:rPr>
+              <a:t>: 10.1093/</a:t>
+            </a:r>
+            <a:r>
+              <a:rPr lang="en-US" sz="1800" b="0" strike="noStrike" spc="-1" dirty="0" err="1">
+                <a:solidFill>
+                  <a:srgbClr val="000000"/>
+                </a:solidFill>
+                <a:uFill>
+                  <a:solidFill>
+                    <a:srgbClr val="FFFFFF"/>
+                  </a:solidFill>
+                </a:uFill>
+                <a:latin typeface="Arial"/>
+                <a:ea typeface="DejaVu Sans"/>
+              </a:rPr>
+              <a:t>nar</a:t>
+            </a:r>
+            <a:r>
+              <a:rPr lang="en-US" sz="1800" b="0" strike="noStrike" spc="-1" dirty="0">
+                <a:solidFill>
+                  <a:srgbClr val="000000"/>
+                </a:solidFill>
+                <a:uFill>
+                  <a:solidFill>
+                    <a:srgbClr val="FFFFFF"/>
+                  </a:solidFill>
+                </a:uFill>
+                <a:latin typeface="Arial"/>
+                <a:ea typeface="DejaVu Sans"/>
+              </a:rPr>
+              <a:t>/gkw343</a:t>
+            </a:r>
+            <a:endParaRPr lang="en-US" sz="1800" b="0" strike="noStrike" spc="-1" dirty="0">
+              <a:solidFill>
+                <a:srgbClr val="000000"/>
+              </a:solidFill>
+              <a:uFill>
+                <a:solidFill>
+                  <a:srgbClr val="FFFFFF"/>
                 </a:solidFill>
               </a:uFill>
               <a:latin typeface="Arial"/>
@@ -3112,13 +3639,13 @@
                 <a:spcPct val="100000"/>
               </a:lnSpc>
             </a:pPr>
-            <a:endParaRPr b="0" lang="en-US" sz="1800" spc="-1" strike="noStrike">
-              <a:solidFill>
-                <a:srgbClr val="000000"/>
-              </a:solidFill>
-              <a:uFill>
-                <a:solidFill>
-                  <a:srgbClr val="ffffff"/>
+            <a:endParaRPr lang="en-US" sz="1800" b="0" strike="noStrike" spc="-1" dirty="0">
+              <a:solidFill>
+                <a:srgbClr val="000000"/>
+              </a:solidFill>
+              <a:uFill>
+                <a:solidFill>
+                  <a:srgbClr val="FFFFFF"/>
                 </a:solidFill>
               </a:uFill>
               <a:latin typeface="Arial"/>
@@ -3128,7 +3655,7 @@
       </p:sp>
       <p:pic>
         <p:nvPicPr>
-          <p:cNvPr id="55" name="Grafik 6" descr=""/>
+          <p:cNvPr id="55" name="Grafik 6"/>
           <p:cNvPicPr/>
           <p:nvPr/>
         </p:nvPicPr>
@@ -3164,20 +3691,27 @@
             <a:avLst/>
           </a:prstGeom>
           <a:solidFill>
-            <a:srgbClr val="00adef"/>
+            <a:srgbClr val="00ADEF"/>
           </a:solidFill>
           <a:ln>
             <a:noFill/>
           </a:ln>
         </p:spPr>
         <p:style>
-          <a:lnRef idx="0"/>
-          <a:fillRef idx="0"/>
-          <a:effectRef idx="0"/>
+          <a:lnRef idx="0">
+            <a:scrgbClr r="0" g="0" b="0"/>
+          </a:lnRef>
+          <a:fillRef idx="0">
+            <a:scrgbClr r="0" g="0" b="0"/>
+          </a:fillRef>
+          <a:effectRef idx="0">
+            <a:scrgbClr r="0" g="0" b="0"/>
+          </a:effectRef>
           <a:fontRef idx="minor"/>
         </p:style>
         <p:txBody>
-          <a:bodyPr lIns="90000" rIns="90000" tIns="45000" bIns="45000"/>
+          <a:bodyPr lIns="90000" tIns="45000" rIns="90000" bIns="45000"/>
+          <a:lstStyle/>
           <a:p>
             <a:pPr>
               <a:lnSpc>
@@ -3185,13 +3719,13 @@
               </a:lnSpc>
             </a:pPr>
             <a:r>
-              <a:rPr b="1" lang="en-US" sz="6000" spc="-1" strike="noStrike">
-                <a:solidFill>
-                  <a:srgbClr val="ffffff"/>
-                </a:solidFill>
-                <a:uFill>
-                  <a:solidFill>
-                    <a:srgbClr val="ffffff"/>
+              <a:rPr lang="en-US" sz="6000" b="1" strike="noStrike" spc="-1">
+                <a:solidFill>
+                  <a:srgbClr val="FFFFFF"/>
+                </a:solidFill>
+                <a:uFill>
+                  <a:solidFill>
+                    <a:srgbClr val="FFFFFF"/>
                   </a:solidFill>
                 </a:uFill>
                 <a:latin typeface="Arial"/>
@@ -3200,13 +3734,13 @@
               <a:t>de.NBI services   </a:t>
             </a:r>
             <a:r>
-              <a:rPr b="1" lang="en-US" sz="4000" spc="-1" strike="noStrike">
-                <a:solidFill>
-                  <a:srgbClr val="ffffff"/>
-                </a:solidFill>
-                <a:uFill>
-                  <a:solidFill>
-                    <a:srgbClr val="ffffff"/>
+              <a:rPr lang="en-US" sz="4000" b="1" strike="noStrike" spc="-1">
+                <a:solidFill>
+                  <a:srgbClr val="FFFFFF"/>
+                </a:solidFill>
+                <a:uFill>
+                  <a:solidFill>
+                    <a:srgbClr val="FFFFFF"/>
                   </a:solidFill>
                 </a:uFill>
                 <a:latin typeface="Arial"/>
@@ -3214,13 +3748,13 @@
               </a:rPr>
               <a:t> </a:t>
             </a:r>
-            <a:endParaRPr b="0" lang="en-US" sz="1800" spc="-1" strike="noStrike">
-              <a:solidFill>
-                <a:srgbClr val="000000"/>
-              </a:solidFill>
-              <a:uFill>
-                <a:solidFill>
-                  <a:srgbClr val="ffffff"/>
+            <a:endParaRPr lang="en-US" sz="1800" b="0" strike="noStrike" spc="-1">
+              <a:solidFill>
+                <a:srgbClr val="000000"/>
+              </a:solidFill>
+              <a:uFill>
+                <a:solidFill>
+                  <a:srgbClr val="FFFFFF"/>
                 </a:solidFill>
               </a:uFill>
               <a:latin typeface="Arial"/>
@@ -3230,7 +3764,7 @@
       </p:sp>
       <p:pic>
         <p:nvPicPr>
-          <p:cNvPr id="57" name="Grafik 3" descr=""/>
+          <p:cNvPr id="57" name="Grafik 3"/>
           <p:cNvPicPr/>
           <p:nvPr/>
         </p:nvPicPr>
@@ -3253,7 +3787,7 @@
       </p:pic>
       <p:pic>
         <p:nvPicPr>
-          <p:cNvPr id="58" name="Grafik 14" descr=""/>
+          <p:cNvPr id="58" name="Grafik 14"/>
           <p:cNvPicPr/>
           <p:nvPr/>
         </p:nvPicPr>
@@ -3263,8 +3797,8 @@
         </p:blipFill>
         <p:spPr>
           <a:xfrm>
-            <a:off x="27463320" y="40115880"/>
-            <a:ext cx="2230200" cy="2230200"/>
+            <a:off x="28346400" y="41181750"/>
+            <a:ext cx="1520820" cy="1520820"/>
           </a:xfrm>
           <a:prstGeom prst="rect">
             <a:avLst/>
@@ -3294,9 +3828,15 @@
           </a:ln>
         </p:spPr>
         <p:style>
-          <a:lnRef idx="0"/>
-          <a:fillRef idx="0"/>
-          <a:effectRef idx="0"/>
+          <a:lnRef idx="0">
+            <a:scrgbClr r="0" g="0" b="0"/>
+          </a:lnRef>
+          <a:fillRef idx="0">
+            <a:scrgbClr r="0" g="0" b="0"/>
+          </a:fillRef>
+          <a:effectRef idx="0">
+            <a:scrgbClr r="0" g="0" b="0"/>
+          </a:effectRef>
           <a:fontRef idx="minor"/>
         </p:style>
       </p:sp>
@@ -3320,13 +3860,20 @@
           </a:ln>
         </p:spPr>
         <p:style>
-          <a:lnRef idx="0"/>
-          <a:fillRef idx="0"/>
-          <a:effectRef idx="0"/>
+          <a:lnRef idx="0">
+            <a:scrgbClr r="0" g="0" b="0"/>
+          </a:lnRef>
+          <a:fillRef idx="0">
+            <a:scrgbClr r="0" g="0" b="0"/>
+          </a:fillRef>
+          <a:effectRef idx="0">
+            <a:scrgbClr r="0" g="0" b="0"/>
+          </a:effectRef>
           <a:fontRef idx="minor"/>
         </p:style>
         <p:txBody>
-          <a:bodyPr lIns="90000" rIns="90000" tIns="45000" bIns="45000"/>
+          <a:bodyPr lIns="90000" tIns="45000" rIns="90000" bIns="45000"/>
+          <a:lstStyle/>
           <a:p>
             <a:pPr>
               <a:lnSpc>
@@ -3334,28 +3881,58 @@
               </a:lnSpc>
             </a:pPr>
             <a:r>
-              <a:rPr b="0" lang="en-US" sz="3200" spc="-1" strike="noStrike">
-                <a:solidFill>
-                  <a:srgbClr val="000000"/>
-                </a:solidFill>
-                <a:uFill>
-                  <a:solidFill>
-                    <a:srgbClr val="ffffff"/>
-                  </a:solidFill>
-                </a:uFill>
-                <a:latin typeface="Arial"/>
-                <a:ea typeface="DejaVu Sans"/>
-              </a:rPr>
-              <a:t>The de.NBI-epi project in Freiburg offers </a:t>
-            </a:r>
-            <a:r>
-              <a:rPr b="1" lang="en-US" sz="3200" spc="-1" strike="noStrike">
-                <a:solidFill>
-                  <a:srgbClr val="000000"/>
-                </a:solidFill>
-                <a:uFill>
-                  <a:solidFill>
-                    <a:srgbClr val="ffffff"/>
+              <a:rPr lang="en-US" sz="3200" b="0" strike="noStrike" spc="-1" dirty="0">
+                <a:solidFill>
+                  <a:srgbClr val="000000"/>
+                </a:solidFill>
+                <a:uFill>
+                  <a:solidFill>
+                    <a:srgbClr val="FFFFFF"/>
+                  </a:solidFill>
+                </a:uFill>
+                <a:latin typeface="Arial"/>
+                <a:ea typeface="DejaVu Sans"/>
+              </a:rPr>
+              <a:t>The </a:t>
+            </a:r>
+            <a:r>
+              <a:rPr lang="en-US" sz="3200" b="0" strike="noStrike" spc="-1" dirty="0" err="1">
+                <a:solidFill>
+                  <a:srgbClr val="000000"/>
+                </a:solidFill>
+                <a:uFill>
+                  <a:solidFill>
+                    <a:srgbClr val="FFFFFF"/>
+                  </a:solidFill>
+                </a:uFill>
+                <a:latin typeface="Arial"/>
+                <a:ea typeface="DejaVu Sans"/>
+              </a:rPr>
+              <a:t>de.NBI</a:t>
+            </a:r>
+            <a:r>
+              <a:rPr lang="en-US" sz="3200" b="0" strike="noStrike" spc="-1" dirty="0">
+                <a:solidFill>
+                  <a:srgbClr val="000000"/>
+                </a:solidFill>
+                <a:uFill>
+                  <a:solidFill>
+                    <a:srgbClr val="FFFFFF"/>
+                  </a:solidFill>
+                </a:uFill>
+                <a:latin typeface="Arial"/>
+                <a:ea typeface="DejaVu Sans"/>
+              </a:rPr>
+              <a:t>-epi project in Freiburg offers </a:t>
+            </a:r>
+            <a:r>
+              <a:rPr lang="en-US" sz="3200" b="1" strike="noStrike" spc="-1" dirty="0">
+                <a:solidFill>
+                  <a:srgbClr val="000000"/>
+                </a:solidFill>
+                <a:uFill>
+                  <a:solidFill>
+                    <a:srgbClr val="FFFFFF"/>
                   </a:solidFill>
                 </a:uFill>
                 <a:latin typeface="Arial"/>
@@ -3364,13 +3941,13 @@
               <a:t>visualization, normalization and quality assessment of epigenetic datasets</a:t>
             </a:r>
             <a:r>
-              <a:rPr b="0" lang="en-US" sz="3200" spc="-1" strike="noStrike">
-                <a:solidFill>
-                  <a:srgbClr val="000000"/>
-                </a:solidFill>
-                <a:uFill>
-                  <a:solidFill>
-                    <a:srgbClr val="ffffff"/>
+              <a:rPr lang="en-US" sz="3200" b="0" strike="noStrike" spc="-1" dirty="0">
+                <a:solidFill>
+                  <a:srgbClr val="000000"/>
+                </a:solidFill>
+                <a:uFill>
+                  <a:solidFill>
+                    <a:srgbClr val="FFFFFF"/>
                   </a:solidFill>
                 </a:uFill>
                 <a:latin typeface="Arial"/>
@@ -3379,28 +3956,43 @@
               <a:t> as well as integration of</a:t>
             </a:r>
             <a:r>
-              <a:rPr b="1" lang="en-US" sz="3200" spc="-1" strike="noStrike">
-                <a:solidFill>
-                  <a:srgbClr val="000000"/>
-                </a:solidFill>
-                <a:uFill>
-                  <a:solidFill>
-                    <a:srgbClr val="ffffff"/>
-                  </a:solidFill>
-                </a:uFill>
-                <a:latin typeface="Arial"/>
-                <a:ea typeface="DejaVu Sans"/>
-              </a:rPr>
-              <a:t> CHIP-seq</a:t>
-            </a:r>
-            <a:r>
-              <a:rPr b="0" lang="en-US" sz="3200" spc="-1" strike="noStrike">
-                <a:solidFill>
-                  <a:srgbClr val="000000"/>
-                </a:solidFill>
-                <a:uFill>
-                  <a:solidFill>
-                    <a:srgbClr val="ffffff"/>
+              <a:rPr lang="en-US" sz="3200" b="1" strike="noStrike" spc="-1" dirty="0">
+                <a:solidFill>
+                  <a:srgbClr val="000000"/>
+                </a:solidFill>
+                <a:uFill>
+                  <a:solidFill>
+                    <a:srgbClr val="FFFFFF"/>
+                  </a:solidFill>
+                </a:uFill>
+                <a:latin typeface="Arial"/>
+                <a:ea typeface="DejaVu Sans"/>
+              </a:rPr>
+              <a:t> CHIP-</a:t>
+            </a:r>
+            <a:r>
+              <a:rPr lang="en-US" sz="3200" b="1" strike="noStrike" spc="-1" dirty="0" err="1">
+                <a:solidFill>
+                  <a:srgbClr val="000000"/>
+                </a:solidFill>
+                <a:uFill>
+                  <a:solidFill>
+                    <a:srgbClr val="FFFFFF"/>
+                  </a:solidFill>
+                </a:uFill>
+                <a:latin typeface="Arial"/>
+                <a:ea typeface="DejaVu Sans"/>
+              </a:rPr>
+              <a:t>seq</a:t>
+            </a:r>
+            <a:r>
+              <a:rPr lang="en-US" sz="3200" b="0" strike="noStrike" spc="-1" dirty="0">
+                <a:solidFill>
+                  <a:srgbClr val="000000"/>
+                </a:solidFill>
+                <a:uFill>
+                  <a:solidFill>
+                    <a:srgbClr val="FFFFFF"/>
                   </a:solidFill>
                 </a:uFill>
                 <a:latin typeface="Arial"/>
@@ -3409,13 +4001,13 @@
               <a:t> and </a:t>
             </a:r>
             <a:r>
-              <a:rPr b="1" lang="en-US" sz="3200" spc="-1" strike="noStrike">
-                <a:solidFill>
-                  <a:srgbClr val="000000"/>
-                </a:solidFill>
-                <a:uFill>
-                  <a:solidFill>
-                    <a:srgbClr val="ffffff"/>
+              <a:rPr lang="en-US" sz="3200" b="1" strike="noStrike" spc="-1" dirty="0">
+                <a:solidFill>
+                  <a:srgbClr val="000000"/>
+                </a:solidFill>
+                <a:uFill>
+                  <a:solidFill>
+                    <a:srgbClr val="FFFFFF"/>
                   </a:solidFill>
                 </a:uFill>
                 <a:latin typeface="Arial"/>
@@ -3424,13 +4016,13 @@
               <a:t>bisulfite sequencing analysis pipeline</a:t>
             </a:r>
             <a:r>
-              <a:rPr b="0" lang="en-US" sz="3200" spc="-1" strike="noStrike">
-                <a:solidFill>
-                  <a:srgbClr val="000000"/>
-                </a:solidFill>
-                <a:uFill>
-                  <a:solidFill>
-                    <a:srgbClr val="ffffff"/>
+              <a:rPr lang="en-US" sz="3200" b="0" strike="noStrike" spc="-1" dirty="0">
+                <a:solidFill>
+                  <a:srgbClr val="000000"/>
+                </a:solidFill>
+                <a:uFill>
+                  <a:solidFill>
+                    <a:srgbClr val="FFFFFF"/>
                   </a:solidFill>
                 </a:uFill>
                 <a:latin typeface="Arial"/>
@@ -3438,13 +4030,13 @@
               </a:rPr>
               <a:t>s into Galaxy.</a:t>
             </a:r>
-            <a:endParaRPr b="0" lang="en-US" sz="1800" spc="-1" strike="noStrike">
-              <a:solidFill>
-                <a:srgbClr val="000000"/>
-              </a:solidFill>
-              <a:uFill>
-                <a:solidFill>
-                  <a:srgbClr val="ffffff"/>
+            <a:endParaRPr lang="en-US" sz="1800" b="0" strike="noStrike" spc="-1" dirty="0">
+              <a:solidFill>
+                <a:srgbClr val="000000"/>
+              </a:solidFill>
+              <a:uFill>
+                <a:solidFill>
+                  <a:srgbClr val="FFFFFF"/>
                 </a:solidFill>
               </a:uFill>
               <a:latin typeface="Arial"/>
@@ -3454,7 +4046,7 @@
       </p:sp>
       <p:pic>
         <p:nvPicPr>
-          <p:cNvPr id="61" name="Grafik 70" descr=""/>
+          <p:cNvPr id="61" name="Grafik 70"/>
           <p:cNvPicPr/>
           <p:nvPr/>
         </p:nvPicPr>
@@ -3477,7 +4069,7 @@
       </p:pic>
       <p:pic>
         <p:nvPicPr>
-          <p:cNvPr id="62" name="Grafik 59" descr=""/>
+          <p:cNvPr id="62" name="Grafik 59"/>
           <p:cNvPicPr/>
           <p:nvPr/>
         </p:nvPicPr>
@@ -3500,7 +4092,7 @@
       </p:pic>
       <p:pic>
         <p:nvPicPr>
-          <p:cNvPr id="63" name="Grafik 58" descr=""/>
+          <p:cNvPr id="63" name="Grafik 58"/>
           <p:cNvPicPr/>
           <p:nvPr/>
         </p:nvPicPr>
@@ -3523,7 +4115,7 @@
       </p:pic>
       <p:pic>
         <p:nvPicPr>
-          <p:cNvPr id="64" name="Grafik 64" descr=""/>
+          <p:cNvPr id="64" name="Grafik 64"/>
           <p:cNvPicPr/>
           <p:nvPr/>
         </p:nvPicPr>
@@ -3533,7 +4125,7 @@
         </p:blipFill>
         <p:spPr>
           <a:xfrm>
-            <a:off x="5608440" y="24140160"/>
+            <a:off x="5519206" y="23717640"/>
             <a:ext cx="3809880" cy="822240"/>
           </a:xfrm>
           <a:prstGeom prst="rect">
@@ -3546,7 +4138,7 @@
       </p:pic>
       <p:pic>
         <p:nvPicPr>
-          <p:cNvPr id="65" name="Grafik 65" descr=""/>
+          <p:cNvPr id="65" name="Grafik 65"/>
           <p:cNvPicPr/>
           <p:nvPr/>
         </p:nvPicPr>
@@ -3556,7 +4148,7 @@
         </p:blipFill>
         <p:spPr>
           <a:xfrm>
-            <a:off x="1215360" y="24288480"/>
+            <a:off x="1126126" y="23865960"/>
             <a:ext cx="3373920" cy="547920"/>
           </a:xfrm>
           <a:prstGeom prst="rect">
@@ -3587,9 +4179,15 @@
           </a:ln>
         </p:spPr>
         <p:style>
-          <a:lnRef idx="0"/>
-          <a:fillRef idx="0"/>
-          <a:effectRef idx="0"/>
+          <a:lnRef idx="0">
+            <a:scrgbClr r="0" g="0" b="0"/>
+          </a:lnRef>
+          <a:fillRef idx="0">
+            <a:scrgbClr r="0" g="0" b="0"/>
+          </a:fillRef>
+          <a:effectRef idx="0">
+            <a:scrgbClr r="0" g="0" b="0"/>
+          </a:effectRef>
           <a:fontRef idx="minor"/>
         </p:style>
       </p:sp>
@@ -3613,59 +4211,86 @@
           </a:ln>
         </p:spPr>
         <p:style>
-          <a:lnRef idx="0"/>
-          <a:fillRef idx="0"/>
-          <a:effectRef idx="0"/>
+          <a:lnRef idx="0">
+            <a:scrgbClr r="0" g="0" b="0"/>
+          </a:lnRef>
+          <a:fillRef idx="0">
+            <a:scrgbClr r="0" g="0" b="0"/>
+          </a:fillRef>
+          <a:effectRef idx="0">
+            <a:scrgbClr r="0" g="0" b="0"/>
+          </a:effectRef>
           <a:fontRef idx="minor"/>
         </p:style>
         <p:txBody>
-          <a:bodyPr lIns="90000" rIns="90000" tIns="45000" bIns="45000"/>
-          <a:p>
-            <a:pPr>
-              <a:lnSpc>
-                <a:spcPct val="115000"/>
-              </a:lnSpc>
-            </a:pPr>
-            <a:r>
-              <a:rPr b="0" lang="en-US" sz="3200" spc="-1" strike="noStrike">
-                <a:solidFill>
-                  <a:srgbClr val="000000"/>
-                </a:solidFill>
-                <a:uFill>
-                  <a:solidFill>
-                    <a:srgbClr val="ffffff"/>
-                  </a:solidFill>
-                </a:uFill>
-                <a:latin typeface="Arial"/>
-                <a:ea typeface="DejaVu Sans"/>
-              </a:rPr>
-              <a:t>Maintenance and Integration of software into Galaxy to provide easy access for epigentic analysis software:</a:t>
-            </a:r>
-            <a:endParaRPr b="0" lang="en-US" sz="1800" spc="-1" strike="noStrike">
-              <a:solidFill>
-                <a:srgbClr val="000000"/>
-              </a:solidFill>
-              <a:uFill>
-                <a:solidFill>
-                  <a:srgbClr val="ffffff"/>
-                </a:solidFill>
-              </a:uFill>
-              <a:latin typeface="Arial"/>
-            </a:endParaRPr>
-          </a:p>
-          <a:p>
-            <a:pPr>
-              <a:lnSpc>
-                <a:spcPct val="115000"/>
-              </a:lnSpc>
-            </a:pPr>
-            <a:endParaRPr b="0" lang="en-US" sz="1800" spc="-1" strike="noStrike">
-              <a:solidFill>
-                <a:srgbClr val="000000"/>
-              </a:solidFill>
-              <a:uFill>
-                <a:solidFill>
-                  <a:srgbClr val="ffffff"/>
+          <a:bodyPr lIns="90000" tIns="45000" rIns="90000" bIns="45000"/>
+          <a:lstStyle/>
+          <a:p>
+            <a:r>
+              <a:rPr lang="en-US" sz="3200" b="0" strike="noStrike" spc="-1" dirty="0">
+                <a:solidFill>
+                  <a:srgbClr val="000000"/>
+                </a:solidFill>
+                <a:uFill>
+                  <a:solidFill>
+                    <a:srgbClr val="FFFFFF"/>
+                  </a:solidFill>
+                </a:uFill>
+                <a:latin typeface="Arial"/>
+                <a:ea typeface="DejaVu Sans"/>
+              </a:rPr>
+              <a:t>Maintenance and Integration of software into Galaxy to provide easy access for </a:t>
+            </a:r>
+            <a:r>
+              <a:rPr lang="en-US" sz="3200" b="0" strike="noStrike" spc="-1" dirty="0" err="1">
+                <a:solidFill>
+                  <a:srgbClr val="000000"/>
+                </a:solidFill>
+                <a:uFill>
+                  <a:solidFill>
+                    <a:srgbClr val="FFFFFF"/>
+                  </a:solidFill>
+                </a:uFill>
+                <a:latin typeface="Arial"/>
+                <a:ea typeface="DejaVu Sans"/>
+              </a:rPr>
+              <a:t>epigentic</a:t>
+            </a:r>
+            <a:r>
+              <a:rPr lang="en-US" sz="3200" b="0" strike="noStrike" spc="-1" dirty="0">
+                <a:solidFill>
+                  <a:srgbClr val="000000"/>
+                </a:solidFill>
+                <a:uFill>
+                  <a:solidFill>
+                    <a:srgbClr val="FFFFFF"/>
+                  </a:solidFill>
+                </a:uFill>
+                <a:latin typeface="Arial"/>
+                <a:ea typeface="DejaVu Sans"/>
+              </a:rPr>
+              <a:t> analysis software:</a:t>
+            </a:r>
+            <a:endParaRPr lang="en-US" sz="1800" b="0" strike="noStrike" spc="-1" dirty="0">
+              <a:solidFill>
+                <a:srgbClr val="000000"/>
+              </a:solidFill>
+              <a:uFill>
+                <a:solidFill>
+                  <a:srgbClr val="FFFFFF"/>
+                </a:solidFill>
+              </a:uFill>
+              <a:latin typeface="Arial"/>
+            </a:endParaRPr>
+          </a:p>
+          <a:p>
+            <a:endParaRPr lang="en-US" sz="1800" b="0" strike="noStrike" spc="-1" dirty="0">
+              <a:solidFill>
+                <a:srgbClr val="000000"/>
+              </a:solidFill>
+              <a:uFill>
+                <a:solidFill>
+                  <a:srgbClr val="FFFFFF"/>
                 </a:solidFill>
               </a:uFill>
               <a:latin typeface="Arial"/>
@@ -3673,9 +4298,6 @@
           </a:p>
           <a:p>
             <a:pPr marL="216000" indent="-214560">
-              <a:lnSpc>
-                <a:spcPct val="115000"/>
-              </a:lnSpc>
               <a:buClr>
                 <a:srgbClr val="000000"/>
               </a:buClr>
@@ -3683,13 +4305,13 @@
               <a:buChar char=""/>
             </a:pPr>
             <a:r>
-              <a:rPr b="0" lang="en-US" sz="3200" spc="-1" strike="noStrike">
-                <a:solidFill>
-                  <a:srgbClr val="000000"/>
-                </a:solidFill>
-                <a:uFill>
-                  <a:solidFill>
-                    <a:srgbClr val="ffffff"/>
+              <a:rPr lang="en-US" sz="3200" b="0" strike="noStrike" spc="-1" dirty="0">
+                <a:solidFill>
+                  <a:srgbClr val="000000"/>
+                </a:solidFill>
+                <a:uFill>
+                  <a:solidFill>
+                    <a:srgbClr val="FFFFFF"/>
                   </a:solidFill>
                 </a:uFill>
                 <a:latin typeface="Arial"/>
@@ -3698,13 +4320,13 @@
               <a:t> </a:t>
             </a:r>
             <a:r>
-              <a:rPr b="0" lang="en-US" sz="3200" spc="-1" strike="noStrike">
-                <a:solidFill>
-                  <a:srgbClr val="000000"/>
-                </a:solidFill>
-                <a:uFill>
-                  <a:solidFill>
-                    <a:srgbClr val="ffffff"/>
+              <a:rPr lang="en-US" sz="3200" b="0" strike="noStrike" spc="-1" dirty="0" err="1">
+                <a:solidFill>
+                  <a:srgbClr val="000000"/>
+                </a:solidFill>
+                <a:uFill>
+                  <a:solidFill>
+                    <a:srgbClr val="FFFFFF"/>
                   </a:solidFill>
                 </a:uFill>
                 <a:latin typeface="Arial"/>
@@ -3712,13 +4334,13 @@
               </a:rPr>
               <a:t>HiCExplorer</a:t>
             </a:r>
-            <a:endParaRPr b="0" lang="en-US" sz="1800" spc="-1" strike="noStrike">
-              <a:solidFill>
-                <a:srgbClr val="000000"/>
-              </a:solidFill>
-              <a:uFill>
-                <a:solidFill>
-                  <a:srgbClr val="ffffff"/>
+            <a:endParaRPr lang="en-US" sz="1800" b="0" strike="noStrike" spc="-1" dirty="0">
+              <a:solidFill>
+                <a:srgbClr val="000000"/>
+              </a:solidFill>
+              <a:uFill>
+                <a:solidFill>
+                  <a:srgbClr val="FFFFFF"/>
                 </a:solidFill>
               </a:uFill>
               <a:latin typeface="Arial"/>
@@ -3726,9 +4348,6 @@
           </a:p>
           <a:p>
             <a:pPr marL="216000" indent="-214560">
-              <a:lnSpc>
-                <a:spcPct val="115000"/>
-              </a:lnSpc>
               <a:buClr>
                 <a:srgbClr val="000000"/>
               </a:buClr>
@@ -3736,13 +4355,13 @@
               <a:buChar char=""/>
             </a:pPr>
             <a:r>
-              <a:rPr b="0" lang="en-US" sz="3200" spc="-1" strike="noStrike">
-                <a:solidFill>
-                  <a:srgbClr val="000000"/>
-                </a:solidFill>
-                <a:uFill>
-                  <a:solidFill>
-                    <a:srgbClr val="ffffff"/>
+              <a:rPr lang="en-US" sz="3200" b="0" strike="noStrike" spc="-1" dirty="0">
+                <a:solidFill>
+                  <a:srgbClr val="000000"/>
+                </a:solidFill>
+                <a:uFill>
+                  <a:solidFill>
+                    <a:srgbClr val="FFFFFF"/>
                   </a:solidFill>
                 </a:uFill>
                 <a:latin typeface="Arial"/>
@@ -3751,13 +4370,13 @@
               <a:t> </a:t>
             </a:r>
             <a:r>
-              <a:rPr b="0" lang="en-US" sz="3200" spc="-1" strike="noStrike">
-                <a:solidFill>
-                  <a:srgbClr val="000000"/>
-                </a:solidFill>
-                <a:uFill>
-                  <a:solidFill>
-                    <a:srgbClr val="ffffff"/>
+              <a:rPr lang="en-US" sz="3200" b="0" strike="noStrike" spc="-1" dirty="0" err="1">
+                <a:solidFill>
+                  <a:srgbClr val="000000"/>
+                </a:solidFill>
+                <a:uFill>
+                  <a:solidFill>
+                    <a:srgbClr val="FFFFFF"/>
                   </a:solidFill>
                 </a:uFill>
                 <a:latin typeface="Arial"/>
@@ -3765,13 +4384,13 @@
               </a:rPr>
               <a:t>deepTools</a:t>
             </a:r>
-            <a:endParaRPr b="0" lang="en-US" sz="1800" spc="-1" strike="noStrike">
-              <a:solidFill>
-                <a:srgbClr val="000000"/>
-              </a:solidFill>
-              <a:uFill>
-                <a:solidFill>
-                  <a:srgbClr val="ffffff"/>
+            <a:endParaRPr lang="en-US" sz="1800" b="0" strike="noStrike" spc="-1" dirty="0">
+              <a:solidFill>
+                <a:srgbClr val="000000"/>
+              </a:solidFill>
+              <a:uFill>
+                <a:solidFill>
+                  <a:srgbClr val="FFFFFF"/>
                 </a:solidFill>
               </a:uFill>
               <a:latin typeface="Arial"/>
@@ -3779,9 +4398,6 @@
           </a:p>
           <a:p>
             <a:pPr marL="216000" indent="-214560">
-              <a:lnSpc>
-                <a:spcPct val="115000"/>
-              </a:lnSpc>
               <a:buClr>
                 <a:srgbClr val="000000"/>
               </a:buClr>
@@ -3789,13 +4405,13 @@
               <a:buChar char=""/>
             </a:pPr>
             <a:r>
-              <a:rPr b="0" lang="en-US" sz="3200" spc="-1" strike="noStrike">
-                <a:solidFill>
-                  <a:srgbClr val="000000"/>
-                </a:solidFill>
-                <a:uFill>
-                  <a:solidFill>
-                    <a:srgbClr val="ffffff"/>
+              <a:rPr lang="en-US" sz="3200" b="0" strike="noStrike" spc="-1" dirty="0">
+                <a:solidFill>
+                  <a:srgbClr val="000000"/>
+                </a:solidFill>
+                <a:uFill>
+                  <a:solidFill>
+                    <a:srgbClr val="FFFFFF"/>
                   </a:solidFill>
                 </a:uFill>
                 <a:latin typeface="Arial"/>
@@ -3804,13 +4420,13 @@
               <a:t> </a:t>
             </a:r>
             <a:r>
-              <a:rPr b="0" lang="en-US" sz="3200" spc="-1" strike="noStrike">
-                <a:solidFill>
-                  <a:srgbClr val="000000"/>
-                </a:solidFill>
-                <a:uFill>
-                  <a:solidFill>
-                    <a:srgbClr val="ffffff"/>
+              <a:rPr lang="en-US" sz="3200" b="0" strike="noStrike" spc="-1" dirty="0" err="1">
+                <a:solidFill>
+                  <a:srgbClr val="000000"/>
+                </a:solidFill>
+                <a:uFill>
+                  <a:solidFill>
+                    <a:srgbClr val="FFFFFF"/>
                   </a:solidFill>
                 </a:uFill>
                 <a:latin typeface="Arial"/>
@@ -3818,13 +4434,13 @@
               </a:rPr>
               <a:t>Bismark</a:t>
             </a:r>
-            <a:endParaRPr b="0" lang="en-US" sz="1800" spc="-1" strike="noStrike">
-              <a:solidFill>
-                <a:srgbClr val="000000"/>
-              </a:solidFill>
-              <a:uFill>
-                <a:solidFill>
-                  <a:srgbClr val="ffffff"/>
+            <a:endParaRPr lang="en-US" sz="1800" b="0" strike="noStrike" spc="-1" dirty="0">
+              <a:solidFill>
+                <a:srgbClr val="000000"/>
+              </a:solidFill>
+              <a:uFill>
+                <a:solidFill>
+                  <a:srgbClr val="FFFFFF"/>
                 </a:solidFill>
               </a:uFill>
               <a:latin typeface="Arial"/>
@@ -3832,9 +4448,6 @@
           </a:p>
           <a:p>
             <a:pPr marL="216000" indent="-214560">
-              <a:lnSpc>
-                <a:spcPct val="115000"/>
-              </a:lnSpc>
               <a:buClr>
                 <a:srgbClr val="000000"/>
               </a:buClr>
@@ -3842,13 +4455,13 @@
               <a:buChar char=""/>
             </a:pPr>
             <a:r>
-              <a:rPr b="0" lang="en-US" sz="3200" spc="-1" strike="noStrike">
-                <a:solidFill>
-                  <a:srgbClr val="000000"/>
-                </a:solidFill>
-                <a:uFill>
-                  <a:solidFill>
-                    <a:srgbClr val="ffffff"/>
+              <a:rPr lang="en-US" sz="3200" b="0" strike="noStrike" spc="-1" dirty="0">
+                <a:solidFill>
+                  <a:srgbClr val="000000"/>
+                </a:solidFill>
+                <a:uFill>
+                  <a:solidFill>
+                    <a:srgbClr val="FFFFFF"/>
                   </a:solidFill>
                 </a:uFill>
                 <a:latin typeface="Arial"/>
@@ -3857,13 +4470,13 @@
               <a:t> </a:t>
             </a:r>
             <a:r>
-              <a:rPr b="0" lang="en-US" sz="3200" spc="-1" strike="noStrike">
-                <a:solidFill>
-                  <a:srgbClr val="000000"/>
-                </a:solidFill>
-                <a:uFill>
-                  <a:solidFill>
-                    <a:srgbClr val="ffffff"/>
+              <a:rPr lang="en-US" sz="3200" b="0" strike="noStrike" spc="-1" dirty="0" err="1">
+                <a:solidFill>
+                  <a:srgbClr val="000000"/>
+                </a:solidFill>
+                <a:uFill>
+                  <a:solidFill>
+                    <a:srgbClr val="FFFFFF"/>
                   </a:solidFill>
                 </a:uFill>
                 <a:latin typeface="Arial"/>
@@ -3871,13 +4484,13 @@
               </a:rPr>
               <a:t>HiCUP</a:t>
             </a:r>
-            <a:endParaRPr b="0" lang="en-US" sz="1800" spc="-1" strike="noStrike">
-              <a:solidFill>
-                <a:srgbClr val="000000"/>
-              </a:solidFill>
-              <a:uFill>
-                <a:solidFill>
-                  <a:srgbClr val="ffffff"/>
+            <a:endParaRPr lang="en-US" sz="1800" b="0" strike="noStrike" spc="-1" dirty="0">
+              <a:solidFill>
+                <a:srgbClr val="000000"/>
+              </a:solidFill>
+              <a:uFill>
+                <a:solidFill>
+                  <a:srgbClr val="FFFFFF"/>
                 </a:solidFill>
               </a:uFill>
               <a:latin typeface="Arial"/>
@@ -3885,9 +4498,6 @@
           </a:p>
           <a:p>
             <a:pPr marL="216000" indent="-214560">
-              <a:lnSpc>
-                <a:spcPct val="115000"/>
-              </a:lnSpc>
               <a:buClr>
                 <a:srgbClr val="000000"/>
               </a:buClr>
@@ -3895,13 +4505,13 @@
               <a:buChar char=""/>
             </a:pPr>
             <a:r>
-              <a:rPr b="0" lang="en-US" sz="3200" spc="-1" strike="noStrike">
-                <a:solidFill>
-                  <a:srgbClr val="000000"/>
-                </a:solidFill>
-                <a:uFill>
-                  <a:solidFill>
-                    <a:srgbClr val="ffffff"/>
+              <a:rPr lang="en-US" sz="3200" b="0" strike="noStrike" spc="-1" dirty="0">
+                <a:solidFill>
+                  <a:srgbClr val="000000"/>
+                </a:solidFill>
+                <a:uFill>
+                  <a:solidFill>
+                    <a:srgbClr val="FFFFFF"/>
                   </a:solidFill>
                 </a:uFill>
                 <a:latin typeface="Arial"/>
@@ -3910,13 +4520,13 @@
               <a:t> </a:t>
             </a:r>
             <a:r>
-              <a:rPr b="0" lang="en-US" sz="3200" spc="-1" strike="noStrike">
-                <a:solidFill>
-                  <a:srgbClr val="000000"/>
-                </a:solidFill>
-                <a:uFill>
-                  <a:solidFill>
-                    <a:srgbClr val="ffffff"/>
+              <a:rPr lang="en-US" sz="3200" b="0" strike="noStrike" spc="-1" dirty="0" err="1">
+                <a:solidFill>
+                  <a:srgbClr val="000000"/>
+                </a:solidFill>
+                <a:uFill>
+                  <a:solidFill>
+                    <a:srgbClr val="FFFFFF"/>
                   </a:solidFill>
                 </a:uFill>
                 <a:latin typeface="Arial"/>
@@ -3924,13 +4534,13 @@
               </a:rPr>
               <a:t>CHiCAGO</a:t>
             </a:r>
-            <a:endParaRPr b="0" lang="en-US" sz="1800" spc="-1" strike="noStrike">
-              <a:solidFill>
-                <a:srgbClr val="000000"/>
-              </a:solidFill>
-              <a:uFill>
-                <a:solidFill>
-                  <a:srgbClr val="ffffff"/>
+            <a:endParaRPr lang="en-US" sz="1800" b="0" strike="noStrike" spc="-1" dirty="0">
+              <a:solidFill>
+                <a:srgbClr val="000000"/>
+              </a:solidFill>
+              <a:uFill>
+                <a:solidFill>
+                  <a:srgbClr val="FFFFFF"/>
                 </a:solidFill>
               </a:uFill>
               <a:latin typeface="Arial"/>
@@ -3938,9 +4548,6 @@
           </a:p>
           <a:p>
             <a:pPr marL="216000" indent="-214560">
-              <a:lnSpc>
-                <a:spcPct val="115000"/>
-              </a:lnSpc>
               <a:buClr>
                 <a:srgbClr val="000000"/>
               </a:buClr>
@@ -3948,13 +4555,13 @@
               <a:buChar char=""/>
             </a:pPr>
             <a:r>
-              <a:rPr b="0" lang="en-US" sz="3200" spc="-1" strike="noStrike">
-                <a:solidFill>
-                  <a:srgbClr val="000000"/>
-                </a:solidFill>
-                <a:uFill>
-                  <a:solidFill>
-                    <a:srgbClr val="ffffff"/>
+              <a:rPr lang="en-US" sz="3200" b="0" strike="noStrike" spc="-1" dirty="0">
+                <a:solidFill>
+                  <a:srgbClr val="000000"/>
+                </a:solidFill>
+                <a:uFill>
+                  <a:solidFill>
+                    <a:srgbClr val="FFFFFF"/>
                   </a:solidFill>
                 </a:uFill>
                 <a:latin typeface="Arial"/>
@@ -3963,13 +4570,13 @@
               <a:t> </a:t>
             </a:r>
             <a:r>
-              <a:rPr b="0" lang="en-US" sz="3200" spc="-1" strike="noStrike">
-                <a:solidFill>
-                  <a:srgbClr val="000000"/>
-                </a:solidFill>
-                <a:uFill>
-                  <a:solidFill>
-                    <a:srgbClr val="ffffff"/>
+              <a:rPr lang="en-US" sz="3200" b="0" strike="noStrike" spc="-1" dirty="0" err="1">
+                <a:solidFill>
+                  <a:srgbClr val="000000"/>
+                </a:solidFill>
+                <a:uFill>
+                  <a:solidFill>
+                    <a:srgbClr val="FFFFFF"/>
                   </a:solidFill>
                 </a:uFill>
                 <a:latin typeface="Arial"/>
@@ -3977,13 +4584,13 @@
               </a:rPr>
               <a:t>PileOMeth</a:t>
             </a:r>
-            <a:endParaRPr b="0" lang="en-US" sz="1800" spc="-1" strike="noStrike">
-              <a:solidFill>
-                <a:srgbClr val="000000"/>
-              </a:solidFill>
-              <a:uFill>
-                <a:solidFill>
-                  <a:srgbClr val="ffffff"/>
+            <a:endParaRPr lang="en-US" sz="1800" b="0" strike="noStrike" spc="-1" dirty="0">
+              <a:solidFill>
+                <a:srgbClr val="000000"/>
+              </a:solidFill>
+              <a:uFill>
+                <a:solidFill>
+                  <a:srgbClr val="FFFFFF"/>
                 </a:solidFill>
               </a:uFill>
               <a:latin typeface="Arial"/>
@@ -3991,9 +4598,6 @@
           </a:p>
           <a:p>
             <a:pPr marL="216000" indent="-214560">
-              <a:lnSpc>
-                <a:spcPct val="115000"/>
-              </a:lnSpc>
               <a:buClr>
                 <a:srgbClr val="000000"/>
               </a:buClr>
@@ -4001,129 +4605,166 @@
               <a:buChar char=""/>
             </a:pPr>
             <a:r>
-              <a:rPr b="0" lang="en-US" sz="3200" spc="-1" strike="noStrike">
-                <a:solidFill>
-                  <a:srgbClr val="000000"/>
-                </a:solidFill>
-                <a:uFill>
-                  <a:solidFill>
-                    <a:srgbClr val="ffffff"/>
-                  </a:solidFill>
-                </a:uFill>
-                <a:latin typeface="Arial"/>
-                <a:ea typeface="DejaVu Sans"/>
-              </a:rPr>
-              <a:t> </a:t>
-            </a:r>
-            <a:r>
-              <a:rPr b="0" lang="en-US" sz="3200" spc="-1" strike="noStrike">
-                <a:solidFill>
-                  <a:srgbClr val="000000"/>
-                </a:solidFill>
-                <a:uFill>
-                  <a:solidFill>
-                    <a:srgbClr val="ffffff"/>
-                  </a:solidFill>
-                </a:uFill>
-                <a:latin typeface="Arial"/>
-                <a:ea typeface="DejaVu Sans"/>
-              </a:rPr>
-              <a:t>Beacons</a:t>
-            </a:r>
-            <a:endParaRPr b="0" lang="en-US" sz="1800" spc="-1" strike="noStrike">
-              <a:solidFill>
-                <a:srgbClr val="000000"/>
-              </a:solidFill>
-              <a:uFill>
-                <a:solidFill>
-                  <a:srgbClr val="ffffff"/>
-                </a:solidFill>
-              </a:uFill>
-              <a:latin typeface="Arial"/>
-            </a:endParaRPr>
-          </a:p>
-          <a:p>
-            <a:pPr>
-              <a:lnSpc>
-                <a:spcPct val="115000"/>
-              </a:lnSpc>
-            </a:pPr>
-            <a:endParaRPr b="0" lang="en-US" sz="1800" spc="-1" strike="noStrike">
-              <a:solidFill>
-                <a:srgbClr val="000000"/>
-              </a:solidFill>
-              <a:uFill>
-                <a:solidFill>
-                  <a:srgbClr val="ffffff"/>
-                </a:solidFill>
-              </a:uFill>
-              <a:latin typeface="Arial"/>
-            </a:endParaRPr>
-          </a:p>
-          <a:p>
-            <a:pPr>
-              <a:lnSpc>
-                <a:spcPct val="115000"/>
-              </a:lnSpc>
-            </a:pPr>
-            <a:endParaRPr b="0" lang="en-US" sz="1800" spc="-1" strike="noStrike">
-              <a:solidFill>
-                <a:srgbClr val="000000"/>
-              </a:solidFill>
-              <a:uFill>
-                <a:solidFill>
-                  <a:srgbClr val="ffffff"/>
-                </a:solidFill>
-              </a:uFill>
-              <a:latin typeface="Arial"/>
-            </a:endParaRPr>
-          </a:p>
-          <a:p>
-            <a:pPr>
-              <a:lnSpc>
-                <a:spcPct val="115000"/>
-              </a:lnSpc>
-            </a:pPr>
-            <a:endParaRPr b="0" lang="en-US" sz="1800" spc="-1" strike="noStrike">
-              <a:solidFill>
-                <a:srgbClr val="000000"/>
-              </a:solidFill>
-              <a:uFill>
-                <a:solidFill>
-                  <a:srgbClr val="ffffff"/>
-                </a:solidFill>
-              </a:uFill>
-              <a:latin typeface="Arial"/>
-            </a:endParaRPr>
-          </a:p>
-          <a:p>
-            <a:pPr>
-              <a:lnSpc>
-                <a:spcPct val="115000"/>
-              </a:lnSpc>
-            </a:pPr>
-            <a:r>
-              <a:rPr b="0" lang="en-US" sz="3200" spc="-1" strike="noStrike">
-                <a:solidFill>
-                  <a:srgbClr val="000000"/>
-                </a:solidFill>
-                <a:uFill>
-                  <a:solidFill>
-                    <a:srgbClr val="ffffff"/>
-                  </a:solidFill>
-                </a:uFill>
-                <a:latin typeface="Arial"/>
-                <a:ea typeface="DejaVu Sans"/>
-              </a:rPr>
-              <a:t>Galaxy WebHooks as playground for SIG-2 and SIG-4 with Gamification:</a:t>
-            </a:r>
-            <a:endParaRPr b="0" lang="en-US" sz="1800" spc="-1" strike="noStrike">
-              <a:solidFill>
-                <a:srgbClr val="000000"/>
-              </a:solidFill>
-              <a:uFill>
-                <a:solidFill>
-                  <a:srgbClr val="ffffff"/>
+              <a:rPr lang="en-US" sz="3200" b="0" strike="noStrike" spc="-1" dirty="0">
+                <a:solidFill>
+                  <a:srgbClr val="000000"/>
+                </a:solidFill>
+                <a:uFill>
+                  <a:solidFill>
+                    <a:srgbClr val="FFFFFF"/>
+                  </a:solidFill>
+                </a:uFill>
+                <a:latin typeface="Arial"/>
+                <a:ea typeface="DejaVu Sans"/>
+              </a:rPr>
+              <a:t> Beacons</a:t>
+            </a:r>
+            <a:endParaRPr lang="en-US" sz="1800" b="0" strike="noStrike" spc="-1" dirty="0">
+              <a:solidFill>
+                <a:srgbClr val="000000"/>
+              </a:solidFill>
+              <a:uFill>
+                <a:solidFill>
+                  <a:srgbClr val="FFFFFF"/>
+                </a:solidFill>
+              </a:uFill>
+              <a:latin typeface="Arial"/>
+            </a:endParaRPr>
+          </a:p>
+          <a:p>
+            <a:endParaRPr lang="en-US" sz="1800" b="0" strike="noStrike" spc="-1" dirty="0">
+              <a:solidFill>
+                <a:srgbClr val="000000"/>
+              </a:solidFill>
+              <a:uFill>
+                <a:solidFill>
+                  <a:srgbClr val="FFFFFF"/>
+                </a:solidFill>
+              </a:uFill>
+              <a:latin typeface="Arial"/>
+            </a:endParaRPr>
+          </a:p>
+          <a:p>
+            <a:endParaRPr lang="en-US" sz="1800" b="0" strike="noStrike" spc="-1" dirty="0">
+              <a:solidFill>
+                <a:srgbClr val="000000"/>
+              </a:solidFill>
+              <a:uFill>
+                <a:solidFill>
+                  <a:srgbClr val="FFFFFF"/>
+                </a:solidFill>
+              </a:uFill>
+              <a:latin typeface="Arial"/>
+            </a:endParaRPr>
+          </a:p>
+          <a:p>
+            <a:endParaRPr lang="en-US" sz="1800" b="0" strike="noStrike" spc="-1" dirty="0">
+              <a:solidFill>
+                <a:srgbClr val="000000"/>
+              </a:solidFill>
+              <a:uFill>
+                <a:solidFill>
+                  <a:srgbClr val="FFFFFF"/>
+                </a:solidFill>
+              </a:uFill>
+              <a:latin typeface="Arial"/>
+            </a:endParaRPr>
+          </a:p>
+          <a:p>
+            <a:endParaRPr lang="en-US" sz="3200" b="0" strike="noStrike" spc="-1" dirty="0" smtClean="0">
+              <a:solidFill>
+                <a:srgbClr val="000000"/>
+              </a:solidFill>
+              <a:uFill>
+                <a:solidFill>
+                  <a:srgbClr val="FFFFFF"/>
+                </a:solidFill>
+              </a:uFill>
+              <a:latin typeface="Arial"/>
+              <a:ea typeface="DejaVu Sans"/>
+            </a:endParaRPr>
+          </a:p>
+          <a:p>
+            <a:endParaRPr lang="en-US" sz="3200" b="0" strike="noStrike" spc="-1" dirty="0" smtClean="0">
+              <a:solidFill>
+                <a:srgbClr val="000000"/>
+              </a:solidFill>
+              <a:uFill>
+                <a:solidFill>
+                  <a:srgbClr val="FFFFFF"/>
+                </a:solidFill>
+              </a:uFill>
+              <a:latin typeface="Arial"/>
+              <a:ea typeface="DejaVu Sans"/>
+            </a:endParaRPr>
+          </a:p>
+          <a:p>
+            <a:endParaRPr lang="en-US" sz="3200" spc="-1" dirty="0">
+              <a:solidFill>
+                <a:srgbClr val="000000"/>
+              </a:solidFill>
+              <a:uFill>
+                <a:solidFill>
+                  <a:srgbClr val="FFFFFF"/>
+                </a:solidFill>
+              </a:uFill>
+              <a:latin typeface="Arial"/>
+              <a:ea typeface="DejaVu Sans"/>
+            </a:endParaRPr>
+          </a:p>
+          <a:p>
+            <a:r>
+              <a:rPr lang="en-US" sz="3200" b="0" strike="noStrike" spc="-1" dirty="0" smtClean="0">
+                <a:solidFill>
+                  <a:srgbClr val="000000"/>
+                </a:solidFill>
+                <a:uFill>
+                  <a:solidFill>
+                    <a:srgbClr val="FFFFFF"/>
+                  </a:solidFill>
+                </a:uFill>
+                <a:latin typeface="Arial"/>
+                <a:ea typeface="DejaVu Sans"/>
+              </a:rPr>
+              <a:t>Galaxy </a:t>
+            </a:r>
+            <a:r>
+              <a:rPr lang="en-US" sz="3200" b="0" strike="noStrike" spc="-1" dirty="0" err="1">
+                <a:solidFill>
+                  <a:srgbClr val="000000"/>
+                </a:solidFill>
+                <a:uFill>
+                  <a:solidFill>
+                    <a:srgbClr val="FFFFFF"/>
+                  </a:solidFill>
+                </a:uFill>
+                <a:latin typeface="Arial"/>
+                <a:ea typeface="DejaVu Sans"/>
+              </a:rPr>
+              <a:t>WebHooks</a:t>
+            </a:r>
+            <a:r>
+              <a:rPr lang="en-US" sz="3200" b="0" strike="noStrike" spc="-1" dirty="0">
+                <a:solidFill>
+                  <a:srgbClr val="000000"/>
+                </a:solidFill>
+                <a:uFill>
+                  <a:solidFill>
+                    <a:srgbClr val="FFFFFF"/>
+                  </a:solidFill>
+                </a:uFill>
+                <a:latin typeface="Arial"/>
+                <a:ea typeface="DejaVu Sans"/>
+              </a:rPr>
+              <a:t> as playground for SIG-2 and SIG-4 with Gamification:</a:t>
+            </a:r>
+            <a:endParaRPr lang="en-US" sz="1800" b="0" strike="noStrike" spc="-1" dirty="0">
+              <a:solidFill>
+                <a:srgbClr val="000000"/>
+              </a:solidFill>
+              <a:uFill>
+                <a:solidFill>
+                  <a:srgbClr val="FFFFFF"/>
                 </a:solidFill>
               </a:uFill>
               <a:latin typeface="Arial"/>
@@ -4133,7 +4774,7 @@
       </p:sp>
       <p:pic>
         <p:nvPicPr>
-          <p:cNvPr id="68" name="Grafik 70" descr=""/>
+          <p:cNvPr id="68" name="Grafik 70"/>
           <p:cNvPicPr/>
           <p:nvPr/>
         </p:nvPicPr>
@@ -4143,7 +4784,7 @@
         </p:blipFill>
         <p:spPr>
           <a:xfrm>
-            <a:off x="10516320" y="24231600"/>
+            <a:off x="10427086" y="23809080"/>
             <a:ext cx="3016800" cy="680400"/>
           </a:xfrm>
           <a:prstGeom prst="rect">
@@ -4162,7 +4803,7 @@
         </p:nvSpPr>
         <p:spPr>
           <a:xfrm>
-            <a:off x="1098000" y="25694640"/>
+            <a:off x="1008766" y="25272120"/>
             <a:ext cx="4205520" cy="5184000"/>
           </a:xfrm>
           <a:prstGeom prst="rect">
@@ -4174,60 +4815,102 @@
           </a:ln>
         </p:spPr>
         <p:style>
-          <a:lnRef idx="0"/>
-          <a:fillRef idx="0"/>
-          <a:effectRef idx="0"/>
+          <a:lnRef idx="0">
+            <a:scrgbClr r="0" g="0" b="0"/>
+          </a:lnRef>
+          <a:fillRef idx="0">
+            <a:scrgbClr r="0" g="0" b="0"/>
+          </a:fillRef>
+          <a:effectRef idx="0">
+            <a:scrgbClr r="0" g="0" b="0"/>
+          </a:effectRef>
           <a:fontRef idx="minor"/>
         </p:style>
         <p:txBody>
-          <a:bodyPr lIns="90000" rIns="90000" tIns="45000" bIns="45000"/>
-          <a:p>
-            <a:pPr>
-              <a:lnSpc>
-                <a:spcPct val="115000"/>
-              </a:lnSpc>
-            </a:pPr>
-            <a:r>
-              <a:rPr b="0" lang="en-US" sz="3200" spc="-1" strike="noStrike">
-                <a:solidFill>
-                  <a:srgbClr val="000000"/>
-                </a:solidFill>
-                <a:uFill>
-                  <a:solidFill>
-                    <a:srgbClr val="ffffff"/>
-                  </a:solidFill>
-                </a:uFill>
-                <a:latin typeface="Arial"/>
-                <a:ea typeface="DejaVu Sans"/>
-              </a:rPr>
-              <a:t>Bioconda is a conda channel which provides software for biomedical research.</a:t>
-            </a:r>
-            <a:endParaRPr b="0" lang="en-US" sz="1800" spc="-1" strike="noStrike">
-              <a:solidFill>
-                <a:srgbClr val="000000"/>
-              </a:solidFill>
-              <a:uFill>
-                <a:solidFill>
-                  <a:srgbClr val="ffffff"/>
-                </a:solidFill>
-              </a:uFill>
-              <a:latin typeface="Arial"/>
-            </a:endParaRPr>
-          </a:p>
-          <a:p>
-            <a:pPr>
-              <a:lnSpc>
-                <a:spcPct val="115000"/>
-              </a:lnSpc>
-            </a:pPr>
-            <a:r>
-              <a:rPr b="0" lang="en-US" sz="3200" spc="-1" strike="noStrike">
-                <a:solidFill>
-                  <a:srgbClr val="000000"/>
-                </a:solidFill>
-                <a:uFill>
-                  <a:solidFill>
-                    <a:srgbClr val="ffffff"/>
+          <a:bodyPr lIns="90000" tIns="45000" rIns="90000" bIns="45000"/>
+          <a:lstStyle/>
+          <a:p>
+            <a:r>
+              <a:rPr lang="en-US" sz="3200" b="0" strike="noStrike" spc="-1" dirty="0" err="1">
+                <a:solidFill>
+                  <a:srgbClr val="000000"/>
+                </a:solidFill>
+                <a:uFill>
+                  <a:solidFill>
+                    <a:srgbClr val="FFFFFF"/>
+                  </a:solidFill>
+                </a:uFill>
+                <a:latin typeface="Arial"/>
+                <a:ea typeface="DejaVu Sans"/>
+              </a:rPr>
+              <a:t>Bioconda</a:t>
+            </a:r>
+            <a:r>
+              <a:rPr lang="en-US" sz="3200" b="0" strike="noStrike" spc="-1" dirty="0">
+                <a:solidFill>
+                  <a:srgbClr val="000000"/>
+                </a:solidFill>
+                <a:uFill>
+                  <a:solidFill>
+                    <a:srgbClr val="FFFFFF"/>
+                  </a:solidFill>
+                </a:uFill>
+                <a:latin typeface="Arial"/>
+                <a:ea typeface="DejaVu Sans"/>
+              </a:rPr>
+              <a:t> is a </a:t>
+            </a:r>
+            <a:r>
+              <a:rPr lang="en-US" sz="3200" b="0" strike="noStrike" spc="-1" dirty="0" err="1">
+                <a:solidFill>
+                  <a:srgbClr val="000000"/>
+                </a:solidFill>
+                <a:uFill>
+                  <a:solidFill>
+                    <a:srgbClr val="FFFFFF"/>
+                  </a:solidFill>
+                </a:uFill>
+                <a:latin typeface="Arial"/>
+                <a:ea typeface="DejaVu Sans"/>
+              </a:rPr>
+              <a:t>conda</a:t>
+            </a:r>
+            <a:r>
+              <a:rPr lang="en-US" sz="3200" b="0" strike="noStrike" spc="-1" dirty="0">
+                <a:solidFill>
+                  <a:srgbClr val="000000"/>
+                </a:solidFill>
+                <a:uFill>
+                  <a:solidFill>
+                    <a:srgbClr val="FFFFFF"/>
+                  </a:solidFill>
+                </a:uFill>
+                <a:latin typeface="Arial"/>
+                <a:ea typeface="DejaVu Sans"/>
+              </a:rPr>
+              <a:t> channel which provides software for biomedical research.</a:t>
+            </a:r>
+            <a:endParaRPr lang="en-US" sz="1800" b="0" strike="noStrike" spc="-1" dirty="0">
+              <a:solidFill>
+                <a:srgbClr val="000000"/>
+              </a:solidFill>
+              <a:uFill>
+                <a:solidFill>
+                  <a:srgbClr val="FFFFFF"/>
+                </a:solidFill>
+              </a:uFill>
+              <a:latin typeface="Arial"/>
+            </a:endParaRPr>
+          </a:p>
+          <a:p>
+            <a:r>
+              <a:rPr lang="en-US" sz="3200" b="0" strike="noStrike" spc="-1" dirty="0">
+                <a:solidFill>
+                  <a:srgbClr val="000000"/>
+                </a:solidFill>
+                <a:uFill>
+                  <a:solidFill>
+                    <a:srgbClr val="FFFFFF"/>
                   </a:solidFill>
                 </a:uFill>
                 <a:latin typeface="Arial"/>
@@ -4235,13 +4918,13 @@
               </a:rPr>
               <a:t> </a:t>
             </a:r>
-            <a:endParaRPr b="0" lang="en-US" sz="1800" spc="-1" strike="noStrike">
-              <a:solidFill>
-                <a:srgbClr val="000000"/>
-              </a:solidFill>
-              <a:uFill>
-                <a:solidFill>
-                  <a:srgbClr val="ffffff"/>
+            <a:endParaRPr lang="en-US" sz="1800" b="0" strike="noStrike" spc="-1" dirty="0">
+              <a:solidFill>
+                <a:srgbClr val="000000"/>
+              </a:solidFill>
+              <a:uFill>
+                <a:solidFill>
+                  <a:srgbClr val="FFFFFF"/>
                 </a:solidFill>
               </a:uFill>
               <a:latin typeface="Arial"/>
@@ -4249,9 +4932,6 @@
           </a:p>
           <a:p>
             <a:pPr marL="216000" indent="-215280">
-              <a:lnSpc>
-                <a:spcPct val="115000"/>
-              </a:lnSpc>
               <a:buClr>
                 <a:srgbClr val="000000"/>
               </a:buClr>
@@ -4260,42 +4940,27 @@
               <a:buChar char=""/>
             </a:pPr>
             <a:r>
-              <a:rPr b="0" lang="en-US" sz="3200" spc="-1" strike="noStrike">
-                <a:solidFill>
-                  <a:srgbClr val="000000"/>
-                </a:solidFill>
-                <a:uFill>
-                  <a:solidFill>
-                    <a:srgbClr val="ffffff"/>
-                  </a:solidFill>
-                </a:uFill>
-                <a:latin typeface="Arial"/>
-                <a:ea typeface="DejaVu Sans"/>
-              </a:rPr>
-              <a:t> </a:t>
-            </a:r>
-            <a:r>
-              <a:rPr b="0" lang="en-US" sz="3200" spc="-1" strike="noStrike">
-                <a:solidFill>
-                  <a:srgbClr val="000000"/>
-                </a:solidFill>
-                <a:uFill>
-                  <a:solidFill>
-                    <a:srgbClr val="ffffff"/>
-                  </a:solidFill>
-                </a:uFill>
-                <a:latin typeface="Arial"/>
-                <a:ea typeface="DejaVu Sans"/>
-              </a:rPr>
-              <a:t>8600 commits on GitHub</a:t>
-            </a:r>
-            <a:endParaRPr b="0" lang="en-US" sz="1800" spc="-1" strike="noStrike">
-              <a:solidFill>
-                <a:srgbClr val="000000"/>
-              </a:solidFill>
-              <a:uFill>
-                <a:solidFill>
-                  <a:srgbClr val="ffffff"/>
+              <a:rPr lang="en-US" sz="3200" b="0" strike="noStrike" spc="-1" dirty="0">
+                <a:solidFill>
+                  <a:srgbClr val="000000"/>
+                </a:solidFill>
+                <a:uFill>
+                  <a:solidFill>
+                    <a:srgbClr val="FFFFFF"/>
+                  </a:solidFill>
+                </a:uFill>
+                <a:latin typeface="Arial"/>
+                <a:ea typeface="DejaVu Sans"/>
+              </a:rPr>
+              <a:t> 8600 commits on GitHub</a:t>
+            </a:r>
+            <a:endParaRPr lang="en-US" sz="1800" b="0" strike="noStrike" spc="-1" dirty="0">
+              <a:solidFill>
+                <a:srgbClr val="000000"/>
+              </a:solidFill>
+              <a:uFill>
+                <a:solidFill>
+                  <a:srgbClr val="FFFFFF"/>
                 </a:solidFill>
               </a:uFill>
               <a:latin typeface="Arial"/>
@@ -4303,9 +4968,6 @@
           </a:p>
           <a:p>
             <a:pPr marL="216000" indent="-215280">
-              <a:lnSpc>
-                <a:spcPct val="115000"/>
-              </a:lnSpc>
               <a:buClr>
                 <a:srgbClr val="000000"/>
               </a:buClr>
@@ -4314,42 +4976,27 @@
               <a:buChar char=""/>
             </a:pPr>
             <a:r>
-              <a:rPr b="0" lang="en-US" sz="3200" spc="-1" strike="noStrike">
-                <a:solidFill>
-                  <a:srgbClr val="000000"/>
-                </a:solidFill>
-                <a:uFill>
-                  <a:solidFill>
-                    <a:srgbClr val="ffffff"/>
-                  </a:solidFill>
-                </a:uFill>
-                <a:latin typeface="Arial"/>
-                <a:ea typeface="DejaVu Sans"/>
-              </a:rPr>
-              <a:t> </a:t>
-            </a:r>
-            <a:r>
-              <a:rPr b="0" lang="en-US" sz="3200" spc="-1" strike="noStrike">
-                <a:solidFill>
-                  <a:srgbClr val="000000"/>
-                </a:solidFill>
-                <a:uFill>
-                  <a:solidFill>
-                    <a:srgbClr val="ffffff"/>
-                  </a:solidFill>
-                </a:uFill>
-                <a:latin typeface="Arial"/>
-                <a:ea typeface="DejaVu Sans"/>
-              </a:rPr>
-              <a:t>155 contributors</a:t>
-            </a:r>
-            <a:endParaRPr b="0" lang="en-US" sz="1800" spc="-1" strike="noStrike">
-              <a:solidFill>
-                <a:srgbClr val="000000"/>
-              </a:solidFill>
-              <a:uFill>
-                <a:solidFill>
-                  <a:srgbClr val="ffffff"/>
+              <a:rPr lang="en-US" sz="3200" b="0" strike="noStrike" spc="-1" dirty="0">
+                <a:solidFill>
+                  <a:srgbClr val="000000"/>
+                </a:solidFill>
+                <a:uFill>
+                  <a:solidFill>
+                    <a:srgbClr val="FFFFFF"/>
+                  </a:solidFill>
+                </a:uFill>
+                <a:latin typeface="Arial"/>
+                <a:ea typeface="DejaVu Sans"/>
+              </a:rPr>
+              <a:t> 155 contributors</a:t>
+            </a:r>
+            <a:endParaRPr lang="en-US" sz="1800" b="0" strike="noStrike" spc="-1" dirty="0">
+              <a:solidFill>
+                <a:srgbClr val="000000"/>
+              </a:solidFill>
+              <a:uFill>
+                <a:solidFill>
+                  <a:srgbClr val="FFFFFF"/>
                 </a:solidFill>
               </a:uFill>
               <a:latin typeface="Arial"/>
@@ -4357,9 +5004,6 @@
           </a:p>
           <a:p>
             <a:pPr marL="216000" indent="-215280">
-              <a:lnSpc>
-                <a:spcPct val="115000"/>
-              </a:lnSpc>
               <a:buClr>
                 <a:srgbClr val="000000"/>
               </a:buClr>
@@ -4368,42 +5012,27 @@
               <a:buChar char=""/>
             </a:pPr>
             <a:r>
-              <a:rPr b="0" lang="en-US" sz="3200" spc="-1" strike="noStrike">
-                <a:solidFill>
-                  <a:srgbClr val="000000"/>
-                </a:solidFill>
-                <a:uFill>
-                  <a:solidFill>
-                    <a:srgbClr val="ffffff"/>
-                  </a:solidFill>
-                </a:uFill>
-                <a:latin typeface="Arial"/>
-                <a:ea typeface="DejaVu Sans"/>
-              </a:rPr>
-              <a:t> </a:t>
-            </a:r>
-            <a:r>
-              <a:rPr b="0" lang="en-US" sz="3200" spc="-1" strike="noStrike">
-                <a:solidFill>
-                  <a:srgbClr val="000000"/>
-                </a:solidFill>
-                <a:uFill>
-                  <a:solidFill>
-                    <a:srgbClr val="ffffff"/>
-                  </a:solidFill>
-                </a:uFill>
-                <a:latin typeface="Arial"/>
-                <a:ea typeface="DejaVu Sans"/>
-              </a:rPr>
-              <a:t>&gt; 1800 packages</a:t>
-            </a:r>
-            <a:endParaRPr b="0" lang="en-US" sz="1800" spc="-1" strike="noStrike">
-              <a:solidFill>
-                <a:srgbClr val="000000"/>
-              </a:solidFill>
-              <a:uFill>
-                <a:solidFill>
-                  <a:srgbClr val="ffffff"/>
+              <a:rPr lang="en-US" sz="3200" b="0" strike="noStrike" spc="-1" dirty="0">
+                <a:solidFill>
+                  <a:srgbClr val="000000"/>
+                </a:solidFill>
+                <a:uFill>
+                  <a:solidFill>
+                    <a:srgbClr val="FFFFFF"/>
+                  </a:solidFill>
+                </a:uFill>
+                <a:latin typeface="Arial"/>
+                <a:ea typeface="DejaVu Sans"/>
+              </a:rPr>
+              <a:t> &gt; 1800 packages</a:t>
+            </a:r>
+            <a:endParaRPr lang="en-US" sz="1800" b="0" strike="noStrike" spc="-1" dirty="0">
+              <a:solidFill>
+                <a:srgbClr val="000000"/>
+              </a:solidFill>
+              <a:uFill>
+                <a:solidFill>
+                  <a:srgbClr val="FFFFFF"/>
                 </a:solidFill>
               </a:uFill>
               <a:latin typeface="Arial"/>
@@ -4419,7 +5048,7 @@
         </p:nvSpPr>
         <p:spPr>
           <a:xfrm>
-            <a:off x="5304240" y="25694640"/>
+            <a:off x="5215006" y="25272120"/>
             <a:ext cx="4629600" cy="5394240"/>
           </a:xfrm>
           <a:prstGeom prst="rect">
@@ -4431,59 +5060,71 @@
           </a:ln>
         </p:spPr>
         <p:style>
-          <a:lnRef idx="0"/>
-          <a:fillRef idx="0"/>
-          <a:effectRef idx="0"/>
+          <a:lnRef idx="0">
+            <a:scrgbClr r="0" g="0" b="0"/>
+          </a:lnRef>
+          <a:fillRef idx="0">
+            <a:scrgbClr r="0" g="0" b="0"/>
+          </a:fillRef>
+          <a:effectRef idx="0">
+            <a:scrgbClr r="0" g="0" b="0"/>
+          </a:effectRef>
           <a:fontRef idx="minor"/>
         </p:style>
         <p:txBody>
-          <a:bodyPr lIns="90000" rIns="90000" tIns="45000" bIns="45000"/>
-          <a:p>
-            <a:pPr>
-              <a:lnSpc>
-                <a:spcPct val="115000"/>
-              </a:lnSpc>
-            </a:pPr>
-            <a:r>
-              <a:rPr b="0" lang="en-US" sz="3200" spc="-1" strike="noStrike">
-                <a:solidFill>
-                  <a:srgbClr val="000000"/>
-                </a:solidFill>
-                <a:uFill>
-                  <a:solidFill>
-                    <a:srgbClr val="ffffff"/>
-                  </a:solidFill>
-                </a:uFill>
-                <a:latin typeface="Arial"/>
-                <a:ea typeface="DejaVu Sans"/>
-              </a:rPr>
-              <a:t>BioContainers provides system-agnostic executable environments for bioinformatics software.</a:t>
-            </a:r>
-            <a:endParaRPr b="0" lang="en-US" sz="1800" spc="-1" strike="noStrike">
-              <a:solidFill>
-                <a:srgbClr val="000000"/>
-              </a:solidFill>
-              <a:uFill>
-                <a:solidFill>
-                  <a:srgbClr val="ffffff"/>
-                </a:solidFill>
-              </a:uFill>
-              <a:latin typeface="Arial"/>
-            </a:endParaRPr>
-          </a:p>
-          <a:p>
-            <a:pPr>
-              <a:lnSpc>
-                <a:spcPct val="115000"/>
-              </a:lnSpc>
-            </a:pPr>
-            <a:endParaRPr b="0" lang="en-US" sz="1800" spc="-1" strike="noStrike">
-              <a:solidFill>
-                <a:srgbClr val="000000"/>
-              </a:solidFill>
-              <a:uFill>
-                <a:solidFill>
-                  <a:srgbClr val="ffffff"/>
+          <a:bodyPr lIns="90000" tIns="45000" rIns="90000" bIns="45000"/>
+          <a:lstStyle/>
+          <a:p>
+            <a:r>
+              <a:rPr lang="en-US" sz="3200" b="0" strike="noStrike" spc="-1" dirty="0" err="1">
+                <a:solidFill>
+                  <a:srgbClr val="000000"/>
+                </a:solidFill>
+                <a:uFill>
+                  <a:solidFill>
+                    <a:srgbClr val="FFFFFF"/>
+                  </a:solidFill>
+                </a:uFill>
+                <a:latin typeface="Arial"/>
+                <a:ea typeface="DejaVu Sans"/>
+              </a:rPr>
+              <a:t>BioContainers</a:t>
+            </a:r>
+            <a:r>
+              <a:rPr lang="en-US" sz="3200" b="0" strike="noStrike" spc="-1" dirty="0">
+                <a:solidFill>
+                  <a:srgbClr val="000000"/>
+                </a:solidFill>
+                <a:uFill>
+                  <a:solidFill>
+                    <a:srgbClr val="FFFFFF"/>
+                  </a:solidFill>
+                </a:uFill>
+                <a:latin typeface="Arial"/>
+                <a:ea typeface="DejaVu Sans"/>
+              </a:rPr>
+              <a:t> provides system-agnostic executable environments for bioinformatics software.</a:t>
+            </a:r>
+            <a:endParaRPr lang="en-US" sz="1800" b="0" strike="noStrike" spc="-1" dirty="0">
+              <a:solidFill>
+                <a:srgbClr val="000000"/>
+              </a:solidFill>
+              <a:uFill>
+                <a:solidFill>
+                  <a:srgbClr val="FFFFFF"/>
+                </a:solidFill>
+              </a:uFill>
+              <a:latin typeface="Arial"/>
+            </a:endParaRPr>
+          </a:p>
+          <a:p>
+            <a:endParaRPr lang="en-US" sz="1800" b="0" strike="noStrike" spc="-1" dirty="0">
+              <a:solidFill>
+                <a:srgbClr val="000000"/>
+              </a:solidFill>
+              <a:uFill>
+                <a:solidFill>
+                  <a:srgbClr val="FFFFFF"/>
                 </a:solidFill>
               </a:uFill>
               <a:latin typeface="Arial"/>
@@ -4491,9 +5132,6 @@
           </a:p>
           <a:p>
             <a:pPr marL="216000" indent="-215280">
-              <a:lnSpc>
-                <a:spcPct val="115000"/>
-              </a:lnSpc>
               <a:buClr>
                 <a:srgbClr val="000000"/>
               </a:buClr>
@@ -4502,42 +5140,42 @@
               <a:buChar char=""/>
             </a:pPr>
             <a:r>
-              <a:rPr b="0" lang="en-US" sz="3200" spc="-1" strike="noStrike">
-                <a:solidFill>
-                  <a:srgbClr val="000000"/>
-                </a:solidFill>
-                <a:uFill>
-                  <a:solidFill>
-                    <a:srgbClr val="ffffff"/>
-                  </a:solidFill>
-                </a:uFill>
-                <a:latin typeface="Arial"/>
-                <a:ea typeface="DejaVu Sans"/>
-              </a:rPr>
-              <a:t> </a:t>
-            </a:r>
-            <a:r>
-              <a:rPr b="0" lang="en-US" sz="3200" spc="-1" strike="noStrike">
-                <a:solidFill>
-                  <a:srgbClr val="000000"/>
-                </a:solidFill>
-                <a:uFill>
-                  <a:solidFill>
-                    <a:srgbClr val="ffffff"/>
-                  </a:solidFill>
-                </a:uFill>
-                <a:latin typeface="Arial"/>
-                <a:ea typeface="DejaVu Sans"/>
-              </a:rPr>
-              <a:t>based on Docker &amp; rkt</a:t>
-            </a:r>
-            <a:endParaRPr b="0" lang="en-US" sz="1800" spc="-1" strike="noStrike">
-              <a:solidFill>
-                <a:srgbClr val="000000"/>
-              </a:solidFill>
-              <a:uFill>
-                <a:solidFill>
-                  <a:srgbClr val="ffffff"/>
+              <a:rPr lang="en-US" sz="3200" b="0" strike="noStrike" spc="-1" dirty="0">
+                <a:solidFill>
+                  <a:srgbClr val="000000"/>
+                </a:solidFill>
+                <a:uFill>
+                  <a:solidFill>
+                    <a:srgbClr val="FFFFFF"/>
+                  </a:solidFill>
+                </a:uFill>
+                <a:latin typeface="Arial"/>
+                <a:ea typeface="DejaVu Sans"/>
+              </a:rPr>
+              <a:t> based on Docker &amp; </a:t>
+            </a:r>
+            <a:r>
+              <a:rPr lang="en-US" sz="3200" b="0" strike="noStrike" spc="-1" dirty="0" err="1">
+                <a:solidFill>
+                  <a:srgbClr val="000000"/>
+                </a:solidFill>
+                <a:uFill>
+                  <a:solidFill>
+                    <a:srgbClr val="FFFFFF"/>
+                  </a:solidFill>
+                </a:uFill>
+                <a:latin typeface="Arial"/>
+                <a:ea typeface="DejaVu Sans"/>
+              </a:rPr>
+              <a:t>rkt</a:t>
+            </a:r>
+            <a:endParaRPr lang="en-US" sz="1800" b="0" strike="noStrike" spc="-1" dirty="0">
+              <a:solidFill>
+                <a:srgbClr val="000000"/>
+              </a:solidFill>
+              <a:uFill>
+                <a:solidFill>
+                  <a:srgbClr val="FFFFFF"/>
                 </a:solidFill>
               </a:uFill>
               <a:latin typeface="Arial"/>
@@ -4545,9 +5183,6 @@
           </a:p>
           <a:p>
             <a:pPr marL="216000" indent="-215280">
-              <a:lnSpc>
-                <a:spcPct val="115000"/>
-              </a:lnSpc>
               <a:buClr>
                 <a:srgbClr val="000000"/>
               </a:buClr>
@@ -4556,42 +5191,27 @@
               <a:buChar char=""/>
             </a:pPr>
             <a:r>
-              <a:rPr b="0" lang="en-US" sz="3200" spc="-1" strike="noStrike">
-                <a:solidFill>
-                  <a:srgbClr val="000000"/>
-                </a:solidFill>
-                <a:uFill>
-                  <a:solidFill>
-                    <a:srgbClr val="ffffff"/>
-                  </a:solidFill>
-                </a:uFill>
-                <a:latin typeface="Arial"/>
-                <a:ea typeface="DejaVu Sans"/>
-              </a:rPr>
-              <a:t> </a:t>
-            </a:r>
-            <a:r>
-              <a:rPr b="0" lang="en-US" sz="3200" spc="-1" strike="noStrike">
-                <a:solidFill>
-                  <a:srgbClr val="000000"/>
-                </a:solidFill>
-                <a:uFill>
-                  <a:solidFill>
-                    <a:srgbClr val="ffffff"/>
-                  </a:solidFill>
-                </a:uFill>
-                <a:latin typeface="Arial"/>
-                <a:ea typeface="DejaVu Sans"/>
-              </a:rPr>
-              <a:t>&gt; 1800 Images</a:t>
-            </a:r>
-            <a:endParaRPr b="0" lang="en-US" sz="1800" spc="-1" strike="noStrike">
-              <a:solidFill>
-                <a:srgbClr val="000000"/>
-              </a:solidFill>
-              <a:uFill>
-                <a:solidFill>
-                  <a:srgbClr val="ffffff"/>
+              <a:rPr lang="en-US" sz="3200" b="0" strike="noStrike" spc="-1" dirty="0">
+                <a:solidFill>
+                  <a:srgbClr val="000000"/>
+                </a:solidFill>
+                <a:uFill>
+                  <a:solidFill>
+                    <a:srgbClr val="FFFFFF"/>
+                  </a:solidFill>
+                </a:uFill>
+                <a:latin typeface="Arial"/>
+                <a:ea typeface="DejaVu Sans"/>
+              </a:rPr>
+              <a:t> &gt; 1800 Images</a:t>
+            </a:r>
+            <a:endParaRPr lang="en-US" sz="1800" b="0" strike="noStrike" spc="-1" dirty="0">
+              <a:solidFill>
+                <a:srgbClr val="000000"/>
+              </a:solidFill>
+              <a:uFill>
+                <a:solidFill>
+                  <a:srgbClr val="FFFFFF"/>
                 </a:solidFill>
               </a:uFill>
               <a:latin typeface="Arial"/>
@@ -4599,9 +5219,6 @@
           </a:p>
           <a:p>
             <a:pPr marL="216000" indent="-215280">
-              <a:lnSpc>
-                <a:spcPct val="115000"/>
-              </a:lnSpc>
               <a:buClr>
                 <a:srgbClr val="000000"/>
               </a:buClr>
@@ -4610,42 +5227,42 @@
               <a:buChar char=""/>
             </a:pPr>
             <a:r>
-              <a:rPr b="0" lang="en-US" sz="3200" spc="-1" strike="noStrike">
-                <a:solidFill>
-                  <a:srgbClr val="000000"/>
-                </a:solidFill>
-                <a:uFill>
-                  <a:solidFill>
-                    <a:srgbClr val="ffffff"/>
-                  </a:solidFill>
-                </a:uFill>
-                <a:latin typeface="Arial"/>
-                <a:ea typeface="DejaVu Sans"/>
-              </a:rPr>
-              <a:t> </a:t>
-            </a:r>
-            <a:r>
-              <a:rPr b="0" lang="en-US" sz="3200" spc="-1" strike="noStrike">
-                <a:solidFill>
-                  <a:srgbClr val="000000"/>
-                </a:solidFill>
-                <a:uFill>
-                  <a:solidFill>
-                    <a:srgbClr val="ffffff"/>
-                  </a:solidFill>
-                </a:uFill>
-                <a:latin typeface="Arial"/>
-                <a:ea typeface="DejaVu Sans"/>
-              </a:rPr>
-              <a:t>automatic builds from BioConda</a:t>
-            </a:r>
-            <a:endParaRPr b="0" lang="en-US" sz="1800" spc="-1" strike="noStrike">
-              <a:solidFill>
-                <a:srgbClr val="000000"/>
-              </a:solidFill>
-              <a:uFill>
-                <a:solidFill>
-                  <a:srgbClr val="ffffff"/>
+              <a:rPr lang="en-US" sz="3200" b="0" strike="noStrike" spc="-1" dirty="0">
+                <a:solidFill>
+                  <a:srgbClr val="000000"/>
+                </a:solidFill>
+                <a:uFill>
+                  <a:solidFill>
+                    <a:srgbClr val="FFFFFF"/>
+                  </a:solidFill>
+                </a:uFill>
+                <a:latin typeface="Arial"/>
+                <a:ea typeface="DejaVu Sans"/>
+              </a:rPr>
+              <a:t> automatic builds from </a:t>
+            </a:r>
+            <a:r>
+              <a:rPr lang="en-US" sz="3200" b="0" strike="noStrike" spc="-1" dirty="0" err="1">
+                <a:solidFill>
+                  <a:srgbClr val="000000"/>
+                </a:solidFill>
+                <a:uFill>
+                  <a:solidFill>
+                    <a:srgbClr val="FFFFFF"/>
+                  </a:solidFill>
+                </a:uFill>
+                <a:latin typeface="Arial"/>
+                <a:ea typeface="DejaVu Sans"/>
+              </a:rPr>
+              <a:t>BioConda</a:t>
+            </a:r>
+            <a:endParaRPr lang="en-US" sz="1800" b="0" strike="noStrike" spc="-1" dirty="0">
+              <a:solidFill>
+                <a:srgbClr val="000000"/>
+              </a:solidFill>
+              <a:uFill>
+                <a:solidFill>
+                  <a:srgbClr val="FFFFFF"/>
                 </a:solidFill>
               </a:uFill>
               <a:latin typeface="Arial"/>
@@ -4661,7 +5278,7 @@
         </p:nvSpPr>
         <p:spPr>
           <a:xfrm>
-            <a:off x="10167840" y="25786080"/>
+            <a:off x="10078606" y="25363560"/>
             <a:ext cx="4554000" cy="5783400"/>
           </a:xfrm>
           <a:prstGeom prst="rect">
@@ -4673,27 +5290,29 @@
           </a:ln>
         </p:spPr>
         <p:style>
-          <a:lnRef idx="0"/>
-          <a:fillRef idx="0"/>
-          <a:effectRef idx="0"/>
+          <a:lnRef idx="0">
+            <a:scrgbClr r="0" g="0" b="0"/>
+          </a:lnRef>
+          <a:fillRef idx="0">
+            <a:scrgbClr r="0" g="0" b="0"/>
+          </a:fillRef>
+          <a:effectRef idx="0">
+            <a:scrgbClr r="0" g="0" b="0"/>
+          </a:effectRef>
           <a:fontRef idx="minor"/>
         </p:style>
         <p:txBody>
-          <a:bodyPr lIns="90000" rIns="90000" tIns="45000" bIns="45000"/>
-          <a:p>
-            <a:pPr>
-              <a:lnSpc>
-                <a:spcPct val="115000"/>
-              </a:lnSpc>
-            </a:pPr>
-            <a:r>
-              <a:rPr b="0" lang="en-US" sz="3200" spc="-1" strike="noStrike">
-                <a:solidFill>
-                  <a:srgbClr val="000000"/>
-                </a:solidFill>
-                <a:uFill>
-                  <a:solidFill>
-                    <a:srgbClr val="ffffff"/>
+          <a:bodyPr lIns="90000" tIns="45000" rIns="90000" bIns="45000"/>
+          <a:lstStyle/>
+          <a:p>
+            <a:r>
+              <a:rPr lang="en-US" sz="3200" b="0" strike="noStrike" spc="-1" dirty="0">
+                <a:solidFill>
+                  <a:srgbClr val="000000"/>
+                </a:solidFill>
+                <a:uFill>
+                  <a:solidFill>
+                    <a:srgbClr val="FFFFFF"/>
                   </a:solidFill>
                 </a:uFill>
                 <a:latin typeface="Arial"/>
@@ -4701,31 +5320,26 @@
               </a:rPr>
               <a:t>Galaxy is an open, web-based platform for data intensive research.</a:t>
             </a:r>
-            <a:endParaRPr b="0" lang="en-US" sz="1800" spc="-1" strike="noStrike">
-              <a:solidFill>
-                <a:srgbClr val="000000"/>
-              </a:solidFill>
-              <a:uFill>
-                <a:solidFill>
-                  <a:srgbClr val="ffffff"/>
-                </a:solidFill>
-              </a:uFill>
-              <a:latin typeface="Arial"/>
-            </a:endParaRPr>
-          </a:p>
-          <a:p>
-            <a:pPr>
-              <a:lnSpc>
-                <a:spcPct val="115000"/>
-              </a:lnSpc>
-            </a:pPr>
-            <a:endParaRPr b="0" lang="en-US" sz="1800" spc="-1" strike="noStrike">
-              <a:solidFill>
-                <a:srgbClr val="000000"/>
-              </a:solidFill>
-              <a:uFill>
-                <a:solidFill>
-                  <a:srgbClr val="ffffff"/>
+            <a:endParaRPr lang="en-US" sz="1800" b="0" strike="noStrike" spc="-1" dirty="0">
+              <a:solidFill>
+                <a:srgbClr val="000000"/>
+              </a:solidFill>
+              <a:uFill>
+                <a:solidFill>
+                  <a:srgbClr val="FFFFFF"/>
+                </a:solidFill>
+              </a:uFill>
+              <a:latin typeface="Arial"/>
+            </a:endParaRPr>
+          </a:p>
+          <a:p>
+            <a:endParaRPr lang="en-US" sz="1800" b="0" strike="noStrike" spc="-1" dirty="0">
+              <a:solidFill>
+                <a:srgbClr val="000000"/>
+              </a:solidFill>
+              <a:uFill>
+                <a:solidFill>
+                  <a:srgbClr val="FFFFFF"/>
                 </a:solidFill>
               </a:uFill>
               <a:latin typeface="Arial"/>
@@ -4733,9 +5347,6 @@
           </a:p>
           <a:p>
             <a:pPr marL="216000" indent="-215280">
-              <a:lnSpc>
-                <a:spcPct val="115000"/>
-              </a:lnSpc>
               <a:buClr>
                 <a:srgbClr val="000000"/>
               </a:buClr>
@@ -4744,42 +5355,27 @@
               <a:buChar char=""/>
             </a:pPr>
             <a:r>
-              <a:rPr b="0" lang="en-US" sz="3200" spc="-1" strike="noStrike">
-                <a:solidFill>
-                  <a:srgbClr val="000000"/>
-                </a:solidFill>
-                <a:uFill>
-                  <a:solidFill>
-                    <a:srgbClr val="ffffff"/>
-                  </a:solidFill>
-                </a:uFill>
-                <a:latin typeface="Arial"/>
-                <a:ea typeface="DejaVu Sans"/>
-              </a:rPr>
-              <a:t> </a:t>
-            </a:r>
-            <a:r>
-              <a:rPr b="0" lang="en-US" sz="3200" spc="-1" strike="noStrike">
-                <a:solidFill>
-                  <a:srgbClr val="000000"/>
-                </a:solidFill>
-                <a:uFill>
-                  <a:solidFill>
-                    <a:srgbClr val="ffffff"/>
-                  </a:solidFill>
-                </a:uFill>
-                <a:latin typeface="Arial"/>
-                <a:ea typeface="DejaVu Sans"/>
-              </a:rPr>
-              <a:t>25550 commits</a:t>
-            </a:r>
-            <a:endParaRPr b="0" lang="en-US" sz="1800" spc="-1" strike="noStrike">
-              <a:solidFill>
-                <a:srgbClr val="000000"/>
-              </a:solidFill>
-              <a:uFill>
-                <a:solidFill>
-                  <a:srgbClr val="ffffff"/>
+              <a:rPr lang="en-US" sz="3200" b="0" strike="noStrike" spc="-1" dirty="0">
+                <a:solidFill>
+                  <a:srgbClr val="000000"/>
+                </a:solidFill>
+                <a:uFill>
+                  <a:solidFill>
+                    <a:srgbClr val="FFFFFF"/>
+                  </a:solidFill>
+                </a:uFill>
+                <a:latin typeface="Arial"/>
+                <a:ea typeface="DejaVu Sans"/>
+              </a:rPr>
+              <a:t> 25550 commits</a:t>
+            </a:r>
+            <a:endParaRPr lang="en-US" sz="1800" b="0" strike="noStrike" spc="-1" dirty="0">
+              <a:solidFill>
+                <a:srgbClr val="000000"/>
+              </a:solidFill>
+              <a:uFill>
+                <a:solidFill>
+                  <a:srgbClr val="FFFFFF"/>
                 </a:solidFill>
               </a:uFill>
               <a:latin typeface="Arial"/>
@@ -4787,9 +5383,6 @@
           </a:p>
           <a:p>
             <a:pPr marL="216000" indent="-215280">
-              <a:lnSpc>
-                <a:spcPct val="115000"/>
-              </a:lnSpc>
               <a:buClr>
                 <a:srgbClr val="000000"/>
               </a:buClr>
@@ -4798,42 +5391,27 @@
               <a:buChar char=""/>
             </a:pPr>
             <a:r>
-              <a:rPr b="0" lang="en-US" sz="3200" spc="-1" strike="noStrike">
-                <a:solidFill>
-                  <a:srgbClr val="000000"/>
-                </a:solidFill>
-                <a:uFill>
-                  <a:solidFill>
-                    <a:srgbClr val="ffffff"/>
-                  </a:solidFill>
-                </a:uFill>
-                <a:latin typeface="Arial"/>
-                <a:ea typeface="DejaVu Sans"/>
-              </a:rPr>
-              <a:t> </a:t>
-            </a:r>
-            <a:r>
-              <a:rPr b="0" lang="en-US" sz="3200" spc="-1" strike="noStrike">
-                <a:solidFill>
-                  <a:srgbClr val="000000"/>
-                </a:solidFill>
-                <a:uFill>
-                  <a:solidFill>
-                    <a:srgbClr val="ffffff"/>
-                  </a:solidFill>
-                </a:uFill>
-                <a:latin typeface="Arial"/>
-                <a:ea typeface="DejaVu Sans"/>
-              </a:rPr>
-              <a:t>131 contributors</a:t>
-            </a:r>
-            <a:endParaRPr b="0" lang="en-US" sz="1800" spc="-1" strike="noStrike">
-              <a:solidFill>
-                <a:srgbClr val="000000"/>
-              </a:solidFill>
-              <a:uFill>
-                <a:solidFill>
-                  <a:srgbClr val="ffffff"/>
+              <a:rPr lang="en-US" sz="3200" b="0" strike="noStrike" spc="-1" dirty="0">
+                <a:solidFill>
+                  <a:srgbClr val="000000"/>
+                </a:solidFill>
+                <a:uFill>
+                  <a:solidFill>
+                    <a:srgbClr val="FFFFFF"/>
+                  </a:solidFill>
+                </a:uFill>
+                <a:latin typeface="Arial"/>
+                <a:ea typeface="DejaVu Sans"/>
+              </a:rPr>
+              <a:t> 131 contributors</a:t>
+            </a:r>
+            <a:endParaRPr lang="en-US" sz="1800" b="0" strike="noStrike" spc="-1" dirty="0">
+              <a:solidFill>
+                <a:srgbClr val="000000"/>
+              </a:solidFill>
+              <a:uFill>
+                <a:solidFill>
+                  <a:srgbClr val="FFFFFF"/>
                 </a:solidFill>
               </a:uFill>
               <a:latin typeface="Arial"/>
@@ -4841,9 +5419,6 @@
           </a:p>
           <a:p>
             <a:pPr marL="216000" indent="-215280">
-              <a:lnSpc>
-                <a:spcPct val="115000"/>
-              </a:lnSpc>
               <a:buClr>
                 <a:srgbClr val="000000"/>
               </a:buClr>
@@ -4852,42 +5427,72 @@
               <a:buChar char=""/>
             </a:pPr>
             <a:r>
-              <a:rPr b="0" lang="en-US" sz="3200" spc="-1" strike="noStrike">
-                <a:solidFill>
-                  <a:srgbClr val="000000"/>
-                </a:solidFill>
-                <a:uFill>
-                  <a:solidFill>
-                    <a:srgbClr val="ffffff"/>
-                  </a:solidFill>
-                </a:uFill>
-                <a:latin typeface="Arial"/>
-                <a:ea typeface="DejaVu Sans"/>
-              </a:rPr>
-              <a:t> </a:t>
-            </a:r>
-            <a:r>
-              <a:rPr b="0" lang="en-US" sz="3200" spc="-1" strike="noStrike">
-                <a:solidFill>
-                  <a:srgbClr val="000000"/>
-                </a:solidFill>
-                <a:uFill>
-                  <a:solidFill>
-                    <a:srgbClr val="ffffff"/>
-                  </a:solidFill>
-                </a:uFill>
-                <a:latin typeface="Arial"/>
-                <a:ea typeface="DejaVu Sans"/>
-              </a:rPr>
-              <a:t>One of the biggest Galaxy instances available for de.NBI: http://galaxy.uni-freiburg.de/</a:t>
-            </a:r>
-            <a:endParaRPr b="0" lang="en-US" sz="1800" spc="-1" strike="noStrike">
-              <a:solidFill>
-                <a:srgbClr val="000000"/>
-              </a:solidFill>
-              <a:uFill>
-                <a:solidFill>
-                  <a:srgbClr val="ffffff"/>
+              <a:rPr lang="en-US" sz="3200" b="0" strike="noStrike" spc="-1" dirty="0">
+                <a:solidFill>
+                  <a:srgbClr val="000000"/>
+                </a:solidFill>
+                <a:uFill>
+                  <a:solidFill>
+                    <a:srgbClr val="FFFFFF"/>
+                  </a:solidFill>
+                </a:uFill>
+                <a:latin typeface="Arial"/>
+                <a:ea typeface="DejaVu Sans"/>
+              </a:rPr>
+              <a:t> One of the biggest Galaxy instances available for </a:t>
+            </a:r>
+            <a:r>
+              <a:rPr lang="en-US" sz="3200" b="0" strike="noStrike" spc="-1" dirty="0" err="1">
+                <a:solidFill>
+                  <a:srgbClr val="000000"/>
+                </a:solidFill>
+                <a:uFill>
+                  <a:solidFill>
+                    <a:srgbClr val="FFFFFF"/>
+                  </a:solidFill>
+                </a:uFill>
+                <a:latin typeface="Arial"/>
+                <a:ea typeface="DejaVu Sans"/>
+              </a:rPr>
+              <a:t>de.NBI</a:t>
+            </a:r>
+            <a:r>
+              <a:rPr lang="en-US" sz="3200" b="0" strike="noStrike" spc="-1" dirty="0">
+                <a:solidFill>
+                  <a:srgbClr val="000000"/>
+                </a:solidFill>
+                <a:uFill>
+                  <a:solidFill>
+                    <a:srgbClr val="FFFFFF"/>
+                  </a:solidFill>
+                </a:uFill>
+                <a:latin typeface="Arial"/>
+                <a:ea typeface="DejaVu Sans"/>
+              </a:rPr>
+              <a:t>: http://</a:t>
+            </a:r>
+            <a:r>
+              <a:rPr lang="en-US" sz="3200" b="0" strike="noStrike" spc="-1" dirty="0" smtClean="0">
+                <a:solidFill>
+                  <a:srgbClr val="000000"/>
+                </a:solidFill>
+                <a:uFill>
+                  <a:solidFill>
+                    <a:srgbClr val="FFFFFF"/>
+                  </a:solidFill>
+                </a:uFill>
+                <a:latin typeface="Arial"/>
+                <a:ea typeface="DejaVu Sans"/>
+              </a:rPr>
+              <a:t>galaxy.uni-freiburg.de</a:t>
+            </a:r>
+            <a:endParaRPr lang="en-US" sz="1800" b="0" strike="noStrike" spc="-1" dirty="0">
+              <a:solidFill>
+                <a:srgbClr val="000000"/>
+              </a:solidFill>
+              <a:uFill>
+                <a:solidFill>
+                  <a:srgbClr val="FFFFFF"/>
                 </a:solidFill>
               </a:uFill>
               <a:latin typeface="Arial"/>
@@ -4915,13 +5520,20 @@
           </a:ln>
         </p:spPr>
         <p:style>
-          <a:lnRef idx="0"/>
-          <a:fillRef idx="0"/>
-          <a:effectRef idx="0"/>
+          <a:lnRef idx="0">
+            <a:scrgbClr r="0" g="0" b="0"/>
+          </a:lnRef>
+          <a:fillRef idx="0">
+            <a:scrgbClr r="0" g="0" b="0"/>
+          </a:fillRef>
+          <a:effectRef idx="0">
+            <a:scrgbClr r="0" g="0" b="0"/>
+          </a:effectRef>
           <a:fontRef idx="minor"/>
         </p:style>
         <p:txBody>
-          <a:bodyPr lIns="90000" rIns="90000" tIns="45000" bIns="45000"/>
+          <a:bodyPr lIns="90000" tIns="45000" rIns="90000" bIns="45000"/>
+          <a:lstStyle/>
           <a:p>
             <a:pPr>
               <a:lnSpc>
@@ -4929,13 +5541,13 @@
               </a:lnSpc>
             </a:pPr>
             <a:r>
-              <a:rPr b="0" lang="en-US" sz="2400" spc="-1" strike="noStrike">
-                <a:solidFill>
-                  <a:srgbClr val="000000"/>
-                </a:solidFill>
-                <a:uFill>
-                  <a:solidFill>
-                    <a:srgbClr val="ffffff"/>
+              <a:rPr lang="en-US" sz="2400" b="0" strike="noStrike" spc="-1" dirty="0">
+                <a:solidFill>
+                  <a:srgbClr val="000000"/>
+                </a:solidFill>
+                <a:uFill>
+                  <a:solidFill>
+                    <a:srgbClr val="FFFFFF"/>
                   </a:solidFill>
                 </a:uFill>
                 <a:latin typeface="Arial"/>
@@ -4943,13 +5555,13 @@
               </a:rPr>
               <a:t>Pricing system: How much would it cost to compute and store your data on Amazon EC2?</a:t>
             </a:r>
-            <a:endParaRPr b="0" lang="en-US" sz="1800" spc="-1" strike="noStrike">
-              <a:solidFill>
-                <a:srgbClr val="000000"/>
-              </a:solidFill>
-              <a:uFill>
-                <a:solidFill>
-                  <a:srgbClr val="ffffff"/>
+            <a:endParaRPr lang="en-US" sz="1800" b="0" strike="noStrike" spc="-1" dirty="0">
+              <a:solidFill>
+                <a:srgbClr val="000000"/>
+              </a:solidFill>
+              <a:uFill>
+                <a:solidFill>
+                  <a:srgbClr val="FFFFFF"/>
                 </a:solidFill>
               </a:uFill>
               <a:latin typeface="Arial"/>
@@ -4977,13 +5589,20 @@
           </a:ln>
         </p:spPr>
         <p:style>
-          <a:lnRef idx="0"/>
-          <a:fillRef idx="0"/>
-          <a:effectRef idx="0"/>
+          <a:lnRef idx="0">
+            <a:scrgbClr r="0" g="0" b="0"/>
+          </a:lnRef>
+          <a:fillRef idx="0">
+            <a:scrgbClr r="0" g="0" b="0"/>
+          </a:fillRef>
+          <a:effectRef idx="0">
+            <a:scrgbClr r="0" g="0" b="0"/>
+          </a:effectRef>
           <a:fontRef idx="minor"/>
         </p:style>
         <p:txBody>
-          <a:bodyPr lIns="90000" rIns="90000" tIns="45000" bIns="45000"/>
+          <a:bodyPr lIns="90000" tIns="45000" rIns="90000" bIns="45000"/>
+          <a:lstStyle/>
           <a:p>
             <a:pPr>
               <a:lnSpc>
@@ -4991,13 +5610,13 @@
               </a:lnSpc>
             </a:pPr>
             <a:r>
-              <a:rPr b="0" lang="en-US" sz="2400" spc="-1" strike="noStrike">
-                <a:solidFill>
-                  <a:srgbClr val="000000"/>
-                </a:solidFill>
-                <a:uFill>
-                  <a:solidFill>
-                    <a:srgbClr val="ffffff"/>
+              <a:rPr lang="en-US" sz="2400" b="0" strike="noStrike" spc="-1" dirty="0">
+                <a:solidFill>
+                  <a:srgbClr val="000000"/>
+                </a:solidFill>
+                <a:uFill>
+                  <a:solidFill>
+                    <a:srgbClr val="FFFFFF"/>
                   </a:solidFill>
                 </a:uFill>
                 <a:latin typeface="Arial"/>
@@ -5005,13 +5624,13 @@
               </a:rPr>
               <a:t>Comics: Have fun while Galaxy is computing your data.</a:t>
             </a:r>
-            <a:endParaRPr b="0" lang="en-US" sz="1800" spc="-1" strike="noStrike">
-              <a:solidFill>
-                <a:srgbClr val="000000"/>
-              </a:solidFill>
-              <a:uFill>
-                <a:solidFill>
-                  <a:srgbClr val="ffffff"/>
+            <a:endParaRPr lang="en-US" sz="1800" b="0" strike="noStrike" spc="-1" dirty="0">
+              <a:solidFill>
+                <a:srgbClr val="000000"/>
+              </a:solidFill>
+              <a:uFill>
+                <a:solidFill>
+                  <a:srgbClr val="FFFFFF"/>
                 </a:solidFill>
               </a:uFill>
               <a:latin typeface="Arial"/>
@@ -5028,7 +5647,7 @@
         <p:spPr>
           <a:xfrm>
             <a:off x="16367760" y="29352240"/>
-            <a:ext cx="13075920" cy="7096320"/>
+            <a:ext cx="9499038" cy="10763640"/>
           </a:xfrm>
           <a:prstGeom prst="rect">
             <a:avLst/>
@@ -5039,41 +5658,275 @@
           </a:ln>
         </p:spPr>
         <p:style>
-          <a:lnRef idx="0"/>
-          <a:fillRef idx="0"/>
-          <a:effectRef idx="0"/>
+          <a:lnRef idx="0">
+            <a:scrgbClr r="0" g="0" b="0"/>
+          </a:lnRef>
+          <a:fillRef idx="0">
+            <a:scrgbClr r="0" g="0" b="0"/>
+          </a:fillRef>
+          <a:effectRef idx="0">
+            <a:scrgbClr r="0" g="0" b="0"/>
+          </a:effectRef>
           <a:fontRef idx="minor"/>
         </p:style>
         <p:txBody>
-          <a:bodyPr lIns="90000" rIns="90000" tIns="45000" bIns="45000"/>
-          <a:p>
-            <a:pPr>
-              <a:lnSpc>
-                <a:spcPct val="100000"/>
-              </a:lnSpc>
+          <a:bodyPr lIns="90000" tIns="45000" rIns="90000" bIns="45000"/>
+          <a:lstStyle/>
+          <a:p>
+            <a:r>
+              <a:rPr lang="en-US" sz="3200" b="0" strike="noStrike" spc="-1" dirty="0">
+                <a:solidFill>
+                  <a:srgbClr val="000000"/>
+                </a:solidFill>
+                <a:uFill>
+                  <a:solidFill>
+                    <a:srgbClr val="FFFFFF"/>
+                  </a:solidFill>
+                </a:uFill>
+                <a:latin typeface="Arial"/>
+                <a:ea typeface="DejaVu Sans"/>
+              </a:rPr>
+              <a:t>Galaxy </a:t>
+            </a:r>
+            <a:r>
+              <a:rPr lang="en-US" sz="3200" b="0" strike="noStrike" spc="-1" dirty="0" smtClean="0">
+                <a:solidFill>
+                  <a:srgbClr val="000000"/>
+                </a:solidFill>
+                <a:uFill>
+                  <a:solidFill>
+                    <a:srgbClr val="FFFFFF"/>
+                  </a:solidFill>
+                </a:uFill>
+                <a:latin typeface="Arial"/>
+                <a:ea typeface="DejaVu Sans"/>
+              </a:rPr>
+              <a:t>Tours – Bioinformatics Training 2.0</a:t>
+            </a:r>
+            <a:endParaRPr lang="en-US" sz="3200" b="0" strike="noStrike" spc="-1" dirty="0">
+              <a:solidFill>
+                <a:srgbClr val="000000"/>
+              </a:solidFill>
+              <a:uFill>
+                <a:solidFill>
+                  <a:srgbClr val="FFFFFF"/>
+                </a:solidFill>
+              </a:uFill>
+              <a:latin typeface="Arial"/>
+              <a:ea typeface="Noto Sans CJK SC Regular"/>
+            </a:endParaRPr>
+          </a:p>
+          <a:p>
+            <a:pPr marL="457560" indent="-457200">
+              <a:buClr>
+                <a:srgbClr val="000000"/>
+              </a:buClr>
+              <a:buFont typeface="Arial" panose="020B0604020202020204" pitchFamily="34" charset="0"/>
+              <a:buChar char="•"/>
             </a:pPr>
             <a:r>
-              <a:rPr b="0" lang="en-US" sz="3200" spc="-1" strike="noStrike">
-                <a:solidFill>
-                  <a:srgbClr val="000000"/>
-                </a:solidFill>
-                <a:uFill>
-                  <a:solidFill>
-                    <a:srgbClr val="ffffff"/>
-                  </a:solidFill>
-                </a:uFill>
-                <a:latin typeface="Arial"/>
-                <a:ea typeface="DejaVu Sans"/>
-              </a:rPr>
-              <a:t>Galaxy Tours</a:t>
-            </a:r>
-            <a:endParaRPr b="0" lang="en-US" sz="3200" spc="-1" strike="noStrike">
-              <a:solidFill>
-                <a:srgbClr val="000000"/>
-              </a:solidFill>
-              <a:uFill>
-                <a:solidFill>
-                  <a:srgbClr val="ffffff"/>
+              <a:rPr lang="en-US" sz="3200" b="0" strike="noStrike" spc="-1" dirty="0" smtClean="0">
+                <a:solidFill>
+                  <a:srgbClr val="000000"/>
+                </a:solidFill>
+                <a:uFill>
+                  <a:solidFill>
+                    <a:srgbClr val="FFFFFF"/>
+                  </a:solidFill>
+                </a:uFill>
+                <a:latin typeface="Arial"/>
+                <a:ea typeface="DejaVu Sans"/>
+              </a:rPr>
+              <a:t>For </a:t>
+            </a:r>
+            <a:r>
+              <a:rPr lang="en-US" sz="3200" b="1" strike="noStrike" spc="-1" dirty="0">
+                <a:solidFill>
+                  <a:srgbClr val="000000"/>
+                </a:solidFill>
+                <a:uFill>
+                  <a:solidFill>
+                    <a:srgbClr val="FFFFFF"/>
+                  </a:solidFill>
+                </a:uFill>
+                <a:latin typeface="Arial"/>
+                <a:ea typeface="DejaVu Sans"/>
+              </a:rPr>
+              <a:t>users</a:t>
+            </a:r>
+            <a:r>
+              <a:rPr lang="en-US" sz="3200" b="0" strike="noStrike" spc="-1" dirty="0" smtClean="0">
+                <a:solidFill>
+                  <a:srgbClr val="000000"/>
+                </a:solidFill>
+                <a:uFill>
+                  <a:solidFill>
+                    <a:srgbClr val="FFFFFF"/>
+                  </a:solidFill>
+                </a:uFill>
+                <a:latin typeface="Arial"/>
+                <a:ea typeface="DejaVu Sans"/>
+              </a:rPr>
+              <a:t>: As </a:t>
+            </a:r>
+            <a:r>
+              <a:rPr lang="en-US" sz="3200" b="0" strike="noStrike" spc="-1" dirty="0">
+                <a:solidFill>
+                  <a:srgbClr val="000000"/>
+                </a:solidFill>
+                <a:uFill>
+                  <a:solidFill>
+                    <a:srgbClr val="FFFFFF"/>
+                  </a:solidFill>
+                </a:uFill>
+                <a:latin typeface="Arial"/>
+                <a:ea typeface="DejaVu Sans"/>
+              </a:rPr>
+              <a:t>easy as a </a:t>
+            </a:r>
+            <a:r>
+              <a:rPr lang="en-US" sz="3200" b="0" strike="noStrike" spc="-1" dirty="0" smtClean="0">
+                <a:solidFill>
+                  <a:srgbClr val="000000"/>
+                </a:solidFill>
+                <a:uFill>
+                  <a:solidFill>
+                    <a:srgbClr val="FFFFFF"/>
+                  </a:solidFill>
+                </a:uFill>
+                <a:latin typeface="Arial"/>
+                <a:ea typeface="DejaVu Sans"/>
+              </a:rPr>
+              <a:t>video, but </a:t>
+            </a:r>
+            <a:r>
+              <a:rPr lang="en-US" sz="3200" spc="-1" dirty="0">
+                <a:solidFill>
+                  <a:srgbClr val="000000"/>
+                </a:solidFill>
+                <a:uFill>
+                  <a:solidFill>
+                    <a:srgbClr val="FFFFFF"/>
+                  </a:solidFill>
+                </a:uFill>
+                <a:latin typeface="Arial"/>
+                <a:ea typeface="DejaVu Sans"/>
+              </a:rPr>
+              <a:t>i</a:t>
+            </a:r>
+            <a:r>
+              <a:rPr lang="en-US" sz="3200" b="0" strike="noStrike" spc="-1" dirty="0" smtClean="0">
+                <a:solidFill>
+                  <a:srgbClr val="000000"/>
+                </a:solidFill>
+                <a:uFill>
+                  <a:solidFill>
+                    <a:srgbClr val="FFFFFF"/>
+                  </a:solidFill>
+                </a:uFill>
+                <a:latin typeface="Arial"/>
+                <a:ea typeface="DejaVu Sans"/>
+              </a:rPr>
+              <a:t>nteractive</a:t>
+            </a:r>
+          </a:p>
+          <a:p>
+            <a:pPr marL="360">
+              <a:buClr>
+                <a:srgbClr val="000000"/>
+              </a:buClr>
+            </a:pPr>
+            <a:r>
+              <a:rPr lang="en-US" sz="3200" spc="-1" dirty="0">
+                <a:solidFill>
+                  <a:srgbClr val="000000"/>
+                </a:solidFill>
+                <a:uFill>
+                  <a:solidFill>
+                    <a:srgbClr val="FFFFFF"/>
+                  </a:solidFill>
+                </a:uFill>
+                <a:latin typeface="Arial"/>
+                <a:ea typeface="DejaVu Sans"/>
+              </a:rPr>
+              <a:t> </a:t>
+            </a:r>
+            <a:r>
+              <a:rPr lang="en-US" sz="3200" b="0" strike="noStrike" spc="-1" dirty="0" smtClean="0">
+                <a:solidFill>
+                  <a:srgbClr val="000000"/>
+                </a:solidFill>
+                <a:uFill>
+                  <a:solidFill>
+                    <a:srgbClr val="FFFFFF"/>
+                  </a:solidFill>
+                </a:uFill>
+                <a:latin typeface="Arial"/>
+                <a:ea typeface="DejaVu Sans"/>
+              </a:rPr>
+              <a:t>   as a hands-on training</a:t>
+            </a:r>
+          </a:p>
+          <a:p>
+            <a:pPr marL="457560" indent="-457200">
+              <a:buClr>
+                <a:srgbClr val="000000"/>
+              </a:buClr>
+              <a:buFont typeface="Arial" panose="020B0604020202020204" pitchFamily="34" charset="0"/>
+              <a:buChar char="•"/>
+            </a:pPr>
+            <a:r>
+              <a:rPr lang="en-US" sz="3200" b="0" strike="noStrike" spc="-1" dirty="0" smtClean="0">
+                <a:solidFill>
+                  <a:srgbClr val="000000"/>
+                </a:solidFill>
+                <a:uFill>
+                  <a:solidFill>
+                    <a:srgbClr val="FFFFFF"/>
+                  </a:solidFill>
+                </a:uFill>
+                <a:latin typeface="Arial"/>
+                <a:ea typeface="DejaVu Sans"/>
+              </a:rPr>
+              <a:t>For </a:t>
+            </a:r>
+            <a:r>
+              <a:rPr lang="en-US" sz="3200" b="1" strike="noStrike" spc="-1" dirty="0" smtClean="0">
+                <a:solidFill>
+                  <a:srgbClr val="000000"/>
+                </a:solidFill>
+                <a:uFill>
+                  <a:solidFill>
+                    <a:srgbClr val="FFFFFF"/>
+                  </a:solidFill>
+                </a:uFill>
+                <a:latin typeface="Arial"/>
+                <a:ea typeface="DejaVu Sans"/>
+              </a:rPr>
+              <a:t>trainers</a:t>
+            </a:r>
+            <a:r>
+              <a:rPr lang="en-US" sz="3200" b="0" strike="noStrike" spc="-1" dirty="0" smtClean="0">
+                <a:solidFill>
+                  <a:srgbClr val="000000"/>
+                </a:solidFill>
+                <a:uFill>
+                  <a:solidFill>
+                    <a:srgbClr val="FFFFFF"/>
+                  </a:solidFill>
+                </a:uFill>
+                <a:latin typeface="Arial"/>
+                <a:ea typeface="DejaVu Sans"/>
+              </a:rPr>
+              <a:t>: Dead simple to create!</a:t>
+            </a:r>
+            <a:endParaRPr lang="en-US" sz="3200" b="0" strike="noStrike" spc="-1" dirty="0">
+              <a:solidFill>
+                <a:srgbClr val="000000"/>
+              </a:solidFill>
+              <a:uFill>
+                <a:solidFill>
+                  <a:srgbClr val="FFFFFF"/>
                 </a:solidFill>
               </a:uFill>
               <a:latin typeface="Arial"/>
@@ -5081,250 +5934,78 @@
             </a:endParaRPr>
           </a:p>
           <a:p>
-            <a:pPr marL="343080" indent="-342720">
-              <a:lnSpc>
-                <a:spcPct val="100000"/>
-              </a:lnSpc>
-              <a:buClr>
-                <a:srgbClr val="000000"/>
-              </a:buClr>
-              <a:buFont typeface="StarSymbol"/>
-              <a:buChar char="-"/>
-            </a:pPr>
-            <a:r>
-              <a:rPr b="0" lang="en-US" sz="3200" spc="-1" strike="noStrike">
-                <a:solidFill>
-                  <a:srgbClr val="000000"/>
-                </a:solidFill>
-                <a:uFill>
-                  <a:solidFill>
-                    <a:srgbClr val="ffffff"/>
-                  </a:solidFill>
-                </a:uFill>
-                <a:latin typeface="Arial"/>
-                <a:ea typeface="DejaVu Sans"/>
-              </a:rPr>
-              <a:t>For users:</a:t>
-            </a:r>
-            <a:endParaRPr b="0" lang="en-US" sz="3200" spc="-1" strike="noStrike">
-              <a:solidFill>
-                <a:srgbClr val="000000"/>
-              </a:solidFill>
-              <a:uFill>
-                <a:solidFill>
-                  <a:srgbClr val="ffffff"/>
-                </a:solidFill>
-              </a:uFill>
-              <a:latin typeface="Arial"/>
-              <a:ea typeface="Noto Sans CJK SC Regular"/>
-            </a:endParaRPr>
-          </a:p>
-          <a:p>
-            <a:pPr lvl="1" marL="432000" indent="-216000">
-              <a:lnSpc>
-                <a:spcPct val="100000"/>
-              </a:lnSpc>
-              <a:buClr>
-                <a:srgbClr val="000000"/>
-              </a:buClr>
-              <a:buSzPct val="45000"/>
-              <a:buFont typeface="Wingdings" charset="2"/>
-              <a:buChar char=""/>
-            </a:pPr>
-            <a:r>
-              <a:rPr b="0" lang="en-US" sz="3200" spc="-1" strike="noStrike">
-                <a:solidFill>
-                  <a:srgbClr val="000000"/>
-                </a:solidFill>
-                <a:uFill>
-                  <a:solidFill>
-                    <a:srgbClr val="ffffff"/>
-                  </a:solidFill>
-                </a:uFill>
-                <a:latin typeface="Arial"/>
-                <a:ea typeface="DejaVu Sans"/>
-              </a:rPr>
-              <a:t>as easy as a video</a:t>
-            </a:r>
-            <a:endParaRPr b="0" lang="en-US" sz="3200" spc="-1" strike="noStrike">
-              <a:solidFill>
-                <a:srgbClr val="000000"/>
-              </a:solidFill>
-              <a:uFill>
-                <a:solidFill>
-                  <a:srgbClr val="ffffff"/>
-                </a:solidFill>
-              </a:uFill>
-              <a:latin typeface="Arial"/>
-              <a:ea typeface="Noto Sans CJK SC Regular"/>
-            </a:endParaRPr>
-          </a:p>
-          <a:p>
-            <a:pPr lvl="1" marL="432000" indent="-216000">
-              <a:lnSpc>
-                <a:spcPct val="100000"/>
-              </a:lnSpc>
-              <a:buClr>
-                <a:srgbClr val="000000"/>
-              </a:buClr>
-              <a:buSzPct val="45000"/>
-              <a:buFont typeface="Wingdings" charset="2"/>
-              <a:buChar char=""/>
-            </a:pPr>
-            <a:r>
-              <a:rPr b="0" lang="en-US" sz="3200" spc="-1" strike="noStrike">
-                <a:solidFill>
-                  <a:srgbClr val="000000"/>
-                </a:solidFill>
-                <a:uFill>
-                  <a:solidFill>
-                    <a:srgbClr val="ffffff"/>
-                  </a:solidFill>
-                </a:uFill>
-                <a:latin typeface="Arial"/>
-                <a:ea typeface="DejaVu Sans"/>
-              </a:rPr>
-              <a:t>Interactive as hands-on</a:t>
-            </a:r>
-            <a:endParaRPr b="0" lang="en-US" sz="3200" spc="-1" strike="noStrike">
-              <a:solidFill>
-                <a:srgbClr val="000000"/>
-              </a:solidFill>
-              <a:uFill>
-                <a:solidFill>
-                  <a:srgbClr val="ffffff"/>
-                </a:solidFill>
-              </a:uFill>
-              <a:latin typeface="Arial"/>
-              <a:ea typeface="Noto Sans CJK SC Regular"/>
-            </a:endParaRPr>
-          </a:p>
-          <a:p>
-            <a:pPr marL="343080" indent="-342720">
-              <a:lnSpc>
-                <a:spcPct val="100000"/>
-              </a:lnSpc>
-              <a:buClr>
-                <a:srgbClr val="000000"/>
-              </a:buClr>
-              <a:buFont typeface="StarSymbol"/>
-              <a:buChar char="-"/>
-            </a:pPr>
-            <a:r>
-              <a:rPr b="0" lang="en-US" sz="3200" spc="-1" strike="noStrike">
-                <a:solidFill>
-                  <a:srgbClr val="000000"/>
-                </a:solidFill>
-                <a:uFill>
-                  <a:solidFill>
-                    <a:srgbClr val="ffffff"/>
-                  </a:solidFill>
-                </a:uFill>
-                <a:latin typeface="Arial"/>
-                <a:ea typeface="DejaVu Sans"/>
-              </a:rPr>
-              <a:t>For developers/trainers</a:t>
-            </a:r>
-            <a:endParaRPr b="0" lang="en-US" sz="3200" spc="-1" strike="noStrike">
-              <a:solidFill>
-                <a:srgbClr val="000000"/>
-              </a:solidFill>
-              <a:uFill>
-                <a:solidFill>
-                  <a:srgbClr val="ffffff"/>
-                </a:solidFill>
-              </a:uFill>
-              <a:latin typeface="Arial"/>
-              <a:ea typeface="Noto Sans CJK SC Regular"/>
-            </a:endParaRPr>
-          </a:p>
-          <a:p>
-            <a:pPr lvl="1" marL="432000" indent="-216000">
-              <a:lnSpc>
-                <a:spcPct val="100000"/>
-              </a:lnSpc>
-              <a:buClr>
-                <a:srgbClr val="000000"/>
-              </a:buClr>
-              <a:buSzPct val="45000"/>
-              <a:buFont typeface="Wingdings" charset="2"/>
-              <a:buChar char=""/>
-            </a:pPr>
-            <a:r>
-              <a:rPr b="0" lang="en-US" sz="3200" spc="-1" strike="noStrike">
-                <a:solidFill>
-                  <a:srgbClr val="000000"/>
-                </a:solidFill>
-                <a:uFill>
-                  <a:solidFill>
-                    <a:srgbClr val="ffffff"/>
-                  </a:solidFill>
-                </a:uFill>
-                <a:latin typeface="Arial"/>
-                <a:ea typeface="DejaVu Sans"/>
-              </a:rPr>
-              <a:t>Easier than you can imagine</a:t>
-            </a:r>
-            <a:endParaRPr b="0" lang="en-US" sz="3200" spc="-1" strike="noStrike">
-              <a:solidFill>
-                <a:srgbClr val="000000"/>
-              </a:solidFill>
-              <a:uFill>
-                <a:solidFill>
-                  <a:srgbClr val="ffffff"/>
-                </a:solidFill>
-              </a:uFill>
-              <a:latin typeface="Arial"/>
-              <a:ea typeface="Noto Sans CJK SC Regular"/>
-            </a:endParaRPr>
-          </a:p>
-          <a:p>
-            <a:pPr>
-              <a:lnSpc>
-                <a:spcPct val="115000"/>
-              </a:lnSpc>
-            </a:pPr>
-            <a:r>
-              <a:rPr b="0" lang="en-US" sz="3200" spc="-1" strike="noStrike">
-                <a:solidFill>
-                  <a:srgbClr val="000000"/>
-                </a:solidFill>
-                <a:uFill>
-                  <a:solidFill>
-                    <a:srgbClr val="ffffff"/>
-                  </a:solidFill>
-                </a:uFill>
-                <a:latin typeface="Arial"/>
-                <a:ea typeface="DejaVu Sans"/>
-              </a:rPr>
-              <a:t>Two one week training courses on NGS-data analysis in 2016 with ~30 participants each</a:t>
-            </a:r>
-            <a:endParaRPr b="0" lang="en-US" sz="1800" spc="-1" strike="noStrike">
-              <a:solidFill>
-                <a:srgbClr val="000000"/>
-              </a:solidFill>
-              <a:uFill>
-                <a:solidFill>
-                  <a:srgbClr val="ffffff"/>
-                </a:solidFill>
-              </a:uFill>
-              <a:latin typeface="Arial"/>
-            </a:endParaRPr>
-          </a:p>
-          <a:p>
-            <a:pPr>
-              <a:lnSpc>
-                <a:spcPct val="115000"/>
-              </a:lnSpc>
-            </a:pPr>
-            <a:r>
-              <a:rPr b="0" lang="en-US" sz="3200" spc="-1" strike="noStrike">
-                <a:solidFill>
-                  <a:srgbClr val="000000"/>
-                </a:solidFill>
-                <a:uFill>
-                  <a:solidFill>
-                    <a:srgbClr val="ffffff"/>
+            <a:r>
+              <a:rPr lang="en-US" sz="3200" b="1" strike="noStrike" spc="-1" dirty="0" smtClean="0">
+                <a:solidFill>
+                  <a:srgbClr val="000000"/>
+                </a:solidFill>
+                <a:uFill>
+                  <a:solidFill>
+                    <a:srgbClr val="FFFFFF"/>
+                  </a:solidFill>
+                </a:uFill>
+                <a:latin typeface="Arial"/>
+                <a:ea typeface="DejaVu Sans"/>
+              </a:rPr>
+              <a:t>		</a:t>
+            </a:r>
+          </a:p>
+          <a:p>
+            <a:r>
+              <a:rPr lang="en-US" sz="3200" b="1" spc="-1" dirty="0">
+                <a:solidFill>
+                  <a:srgbClr val="000000"/>
+                </a:solidFill>
+                <a:uFill>
+                  <a:solidFill>
+                    <a:srgbClr val="FFFFFF"/>
+                  </a:solidFill>
+                </a:uFill>
+                <a:latin typeface="Arial"/>
+                <a:ea typeface="DejaVu Sans"/>
+              </a:rPr>
+              <a:t>	</a:t>
+            </a:r>
+            <a:r>
+              <a:rPr lang="en-US" sz="3200" b="1" spc="-1" dirty="0" smtClean="0">
+                <a:solidFill>
+                  <a:srgbClr val="000000"/>
+                </a:solidFill>
+                <a:uFill>
+                  <a:solidFill>
+                    <a:srgbClr val="FFFFFF"/>
+                  </a:solidFill>
+                </a:uFill>
+                <a:latin typeface="Arial"/>
+                <a:ea typeface="DejaVu Sans"/>
+              </a:rPr>
+              <a:t>	</a:t>
+            </a:r>
+            <a:r>
+              <a:rPr lang="en-US" sz="3200" b="1" strike="noStrike" spc="-1" dirty="0" smtClean="0">
+                <a:solidFill>
+                  <a:srgbClr val="000000"/>
+                </a:solidFill>
+                <a:uFill>
+                  <a:solidFill>
+                    <a:srgbClr val="FFFFFF"/>
+                  </a:solidFill>
+                </a:uFill>
+                <a:latin typeface="Arial"/>
+                <a:ea typeface="DejaVu Sans"/>
+              </a:rPr>
+              <a:t>2016 past and planned events</a:t>
+            </a:r>
+          </a:p>
+          <a:p>
+            <a:r>
+              <a:rPr lang="en-US" sz="3200" b="0" strike="noStrike" spc="-1" dirty="0" smtClean="0">
+                <a:solidFill>
+                  <a:srgbClr val="000000"/>
+                </a:solidFill>
+                <a:uFill>
+                  <a:solidFill>
+                    <a:srgbClr val="FFFFFF"/>
                   </a:solidFill>
                 </a:uFill>
                 <a:latin typeface="Arial"/>
@@ -5333,13 +6014,13 @@
               <a:t>06</a:t>
             </a:r>
             <a:r>
-              <a:rPr b="0" lang="en-US" sz="3200" spc="-1" strike="noStrike" baseline="101000">
-                <a:solidFill>
-                  <a:srgbClr val="000000"/>
-                </a:solidFill>
-                <a:uFill>
-                  <a:solidFill>
-                    <a:srgbClr val="ffffff"/>
+              <a:rPr lang="en-US" sz="3200" b="0" strike="noStrike" spc="-1" baseline="30000" dirty="0" smtClean="0">
+                <a:solidFill>
+                  <a:srgbClr val="000000"/>
+                </a:solidFill>
+                <a:uFill>
+                  <a:solidFill>
+                    <a:srgbClr val="FFFFFF"/>
                   </a:solidFill>
                 </a:uFill>
                 <a:latin typeface="Arial"/>
@@ -5348,28 +6029,28 @@
               <a:t>th</a:t>
             </a:r>
             <a:r>
-              <a:rPr b="0" lang="en-US" sz="3200" spc="-1" strike="noStrike">
-                <a:solidFill>
-                  <a:srgbClr val="000000"/>
-                </a:solidFill>
-                <a:uFill>
-                  <a:solidFill>
-                    <a:srgbClr val="ffffff"/>
-                  </a:solidFill>
-                </a:uFill>
-                <a:latin typeface="Arial"/>
-                <a:ea typeface="DejaVu Sans"/>
-              </a:rPr>
-              <a:t> – 07</a:t>
-            </a:r>
-            <a:r>
-              <a:rPr b="0" lang="en-US" sz="3200" spc="-1" strike="noStrike" baseline="101000">
-                <a:solidFill>
-                  <a:srgbClr val="000000"/>
-                </a:solidFill>
-                <a:uFill>
-                  <a:solidFill>
-                    <a:srgbClr val="ffffff"/>
+              <a:rPr lang="en-US" sz="3200" b="0" strike="noStrike" spc="-1" dirty="0" smtClean="0">
+                <a:solidFill>
+                  <a:srgbClr val="000000"/>
+                </a:solidFill>
+                <a:uFill>
+                  <a:solidFill>
+                    <a:srgbClr val="FFFFFF"/>
+                  </a:solidFill>
+                </a:uFill>
+                <a:latin typeface="Arial"/>
+                <a:ea typeface="DejaVu Sans"/>
+              </a:rPr>
+              <a:t> – 7</a:t>
+            </a:r>
+            <a:r>
+              <a:rPr lang="en-US" sz="3200" b="0" strike="noStrike" spc="-1" baseline="30000" dirty="0" smtClean="0">
+                <a:solidFill>
+                  <a:srgbClr val="000000"/>
+                </a:solidFill>
+                <a:uFill>
+                  <a:solidFill>
+                    <a:srgbClr val="FFFFFF"/>
                   </a:solidFill>
                 </a:uFill>
                 <a:latin typeface="Arial"/>
@@ -5378,46 +6059,56 @@
               <a:t>th</a:t>
             </a:r>
             <a:r>
-              <a:rPr b="0" lang="en-US" sz="3200" spc="-1" strike="noStrike">
-                <a:solidFill>
-                  <a:srgbClr val="000000"/>
-                </a:solidFill>
-                <a:uFill>
-                  <a:solidFill>
-                    <a:srgbClr val="ffffff"/>
-                  </a:solidFill>
-                </a:uFill>
-                <a:latin typeface="Arial"/>
-                <a:ea typeface="DejaVu Sans"/>
-              </a:rPr>
-              <a:t> Oct 2016 Swiss German Galaxy workshop</a:t>
-            </a:r>
-            <a:endParaRPr b="0" lang="en-US" sz="1800" spc="-1" strike="noStrike">
-              <a:solidFill>
-                <a:srgbClr val="000000"/>
-              </a:solidFill>
-              <a:uFill>
-                <a:solidFill>
-                  <a:srgbClr val="ffffff"/>
-                </a:solidFill>
-              </a:uFill>
-              <a:latin typeface="Arial"/>
-            </a:endParaRPr>
-          </a:p>
-          <a:p>
-            <a:pPr>
-              <a:lnSpc>
-                <a:spcPct val="115000"/>
-              </a:lnSpc>
-            </a:pPr>
-            <a:r>
-              <a:rPr b="0" lang="en-US" sz="3200" spc="-1" strike="noStrike">
-                <a:solidFill>
-                  <a:srgbClr val="000000"/>
-                </a:solidFill>
-                <a:uFill>
-                  <a:solidFill>
-                    <a:srgbClr val="ffffff"/>
+              <a:rPr lang="en-US" sz="3200" b="0" strike="noStrike" spc="-1" dirty="0" smtClean="0">
+                <a:solidFill>
+                  <a:srgbClr val="000000"/>
+                </a:solidFill>
+                <a:uFill>
+                  <a:solidFill>
+                    <a:srgbClr val="FFFFFF"/>
+                  </a:solidFill>
+                </a:uFill>
+                <a:latin typeface="Arial"/>
+                <a:ea typeface="DejaVu Sans"/>
+              </a:rPr>
+              <a:t> Oct </a:t>
+            </a:r>
+            <a:r>
+              <a:rPr lang="en-US" sz="3200" b="0" strike="noStrike" spc="-1" dirty="0">
+                <a:solidFill>
+                  <a:srgbClr val="000000"/>
+                </a:solidFill>
+                <a:uFill>
+                  <a:solidFill>
+                    <a:srgbClr val="FFFFFF"/>
+                  </a:solidFill>
+                </a:uFill>
+                <a:latin typeface="Arial"/>
+                <a:ea typeface="DejaVu Sans"/>
+              </a:rPr>
+              <a:t>2016 Swiss German Galaxy workshop</a:t>
+            </a:r>
+            <a:endParaRPr lang="en-US" sz="1800" b="0" strike="noStrike" spc="-1" dirty="0">
+              <a:solidFill>
+                <a:srgbClr val="000000"/>
+              </a:solidFill>
+              <a:uFill>
+                <a:solidFill>
+                  <a:srgbClr val="FFFFFF"/>
+                </a:solidFill>
+              </a:uFill>
+              <a:latin typeface="Arial"/>
+            </a:endParaRPr>
+          </a:p>
+          <a:p>
+            <a:r>
+              <a:rPr lang="en-US" sz="3200" b="0" strike="noStrike" spc="-1" dirty="0" smtClean="0">
+                <a:solidFill>
+                  <a:srgbClr val="000000"/>
+                </a:solidFill>
+                <a:uFill>
+                  <a:solidFill>
+                    <a:srgbClr val="FFFFFF"/>
                   </a:solidFill>
                 </a:uFill>
                 <a:latin typeface="Arial"/>
@@ -5426,28 +6117,43 @@
               <a:t>02</a:t>
             </a:r>
             <a:r>
-              <a:rPr b="0" lang="en-US" sz="3200" spc="-1" strike="noStrike" baseline="30000">
-                <a:solidFill>
-                  <a:srgbClr val="000000"/>
-                </a:solidFill>
-                <a:uFill>
-                  <a:solidFill>
-                    <a:srgbClr val="ffffff"/>
-                  </a:solidFill>
-                </a:uFill>
-                <a:latin typeface="Arial"/>
-                <a:ea typeface="DejaVu Sans"/>
-              </a:rPr>
-              <a:t>nd </a:t>
-            </a:r>
-            <a:r>
-              <a:rPr b="0" lang="en-US" sz="3200" spc="-1" strike="noStrike">
-                <a:solidFill>
-                  <a:srgbClr val="000000"/>
-                </a:solidFill>
-                <a:uFill>
-                  <a:solidFill>
-                    <a:srgbClr val="ffffff"/>
+              <a:rPr lang="en-US" sz="3200" b="0" strike="noStrike" spc="-1" baseline="30000" dirty="0" smtClean="0">
+                <a:solidFill>
+                  <a:srgbClr val="000000"/>
+                </a:solidFill>
+                <a:uFill>
+                  <a:solidFill>
+                    <a:srgbClr val="FFFFFF"/>
+                  </a:solidFill>
+                </a:uFill>
+                <a:latin typeface="Arial"/>
+                <a:ea typeface="DejaVu Sans"/>
+              </a:rPr>
+              <a:t>nd</a:t>
+            </a:r>
+            <a:r>
+              <a:rPr lang="en-US" sz="3200" spc="-1" dirty="0">
+                <a:solidFill>
+                  <a:srgbClr val="000000"/>
+                </a:solidFill>
+                <a:uFill>
+                  <a:solidFill>
+                    <a:srgbClr val="FFFFFF"/>
+                  </a:solidFill>
+                </a:uFill>
+                <a:latin typeface="Arial"/>
+                <a:ea typeface="DejaVu Sans"/>
+              </a:rPr>
+              <a:t> </a:t>
+            </a:r>
+            <a:r>
+              <a:rPr lang="en-US" sz="3200" spc="-1" dirty="0" smtClean="0">
+                <a:solidFill>
+                  <a:srgbClr val="000000"/>
+                </a:solidFill>
+                <a:uFill>
+                  <a:solidFill>
+                    <a:srgbClr val="FFFFFF"/>
                   </a:solidFill>
                 </a:uFill>
                 <a:latin typeface="Arial"/>
@@ -5456,13 +6162,13 @@
               <a:t>– 03</a:t>
             </a:r>
             <a:r>
-              <a:rPr b="0" lang="en-US" sz="3200" spc="-1" strike="noStrike" baseline="30000">
-                <a:solidFill>
-                  <a:srgbClr val="000000"/>
-                </a:solidFill>
-                <a:uFill>
-                  <a:solidFill>
-                    <a:srgbClr val="ffffff"/>
+              <a:rPr lang="en-US" sz="3200" spc="-1" baseline="30000" dirty="0" smtClean="0">
+                <a:solidFill>
+                  <a:srgbClr val="000000"/>
+                </a:solidFill>
+                <a:uFill>
+                  <a:solidFill>
+                    <a:srgbClr val="FFFFFF"/>
                   </a:solidFill>
                 </a:uFill>
                 <a:latin typeface="Arial"/>
@@ -5471,46 +6177,198 @@
               <a:t>rd</a:t>
             </a:r>
             <a:r>
-              <a:rPr b="0" lang="en-US" sz="3200" spc="-1" strike="noStrike">
-                <a:solidFill>
-                  <a:srgbClr val="000000"/>
-                </a:solidFill>
-                <a:uFill>
-                  <a:solidFill>
-                    <a:srgbClr val="ffffff"/>
-                  </a:solidFill>
-                </a:uFill>
-                <a:latin typeface="Arial"/>
-                <a:ea typeface="DejaVu Sans"/>
-              </a:rPr>
-              <a:t> Nov 2016  BioConda hackathon</a:t>
-            </a:r>
-            <a:endParaRPr b="0" lang="en-US" sz="1800" spc="-1" strike="noStrike">
-              <a:solidFill>
-                <a:srgbClr val="000000"/>
-              </a:solidFill>
-              <a:uFill>
-                <a:solidFill>
-                  <a:srgbClr val="ffffff"/>
-                </a:solidFill>
-              </a:uFill>
-              <a:latin typeface="Arial"/>
-            </a:endParaRPr>
-          </a:p>
-          <a:p>
-            <a:pPr>
-              <a:lnSpc>
-                <a:spcPct val="115000"/>
-              </a:lnSpc>
-            </a:pPr>
-            <a:r>
-              <a:rPr b="0" lang="en-US" sz="3200" spc="-1" strike="noStrike">
-                <a:solidFill>
-                  <a:srgbClr val="000000"/>
-                </a:solidFill>
-                <a:uFill>
-                  <a:solidFill>
-                    <a:srgbClr val="ffffff"/>
+              <a:rPr lang="en-US" sz="3200" spc="-1" dirty="0" smtClean="0">
+                <a:solidFill>
+                  <a:srgbClr val="000000"/>
+                </a:solidFill>
+                <a:uFill>
+                  <a:solidFill>
+                    <a:srgbClr val="FFFFFF"/>
+                  </a:solidFill>
+                </a:uFill>
+                <a:latin typeface="Arial"/>
+                <a:ea typeface="DejaVu Sans"/>
+              </a:rPr>
+              <a:t> </a:t>
+            </a:r>
+            <a:r>
+              <a:rPr lang="en-US" sz="3200" b="0" strike="noStrike" spc="-1" dirty="0" smtClean="0">
+                <a:solidFill>
+                  <a:srgbClr val="000000"/>
+                </a:solidFill>
+                <a:uFill>
+                  <a:solidFill>
+                    <a:srgbClr val="FFFFFF"/>
+                  </a:solidFill>
+                </a:uFill>
+                <a:latin typeface="Arial"/>
+                <a:ea typeface="DejaVu Sans"/>
+              </a:rPr>
+              <a:t>Nov </a:t>
+            </a:r>
+            <a:r>
+              <a:rPr lang="en-US" sz="3200" b="0" strike="noStrike" spc="-1" dirty="0">
+                <a:solidFill>
+                  <a:srgbClr val="000000"/>
+                </a:solidFill>
+                <a:uFill>
+                  <a:solidFill>
+                    <a:srgbClr val="FFFFFF"/>
+                  </a:solidFill>
+                </a:uFill>
+                <a:latin typeface="Arial"/>
+                <a:ea typeface="DejaVu Sans"/>
+              </a:rPr>
+              <a:t>2016  </a:t>
+            </a:r>
+            <a:r>
+              <a:rPr lang="en-US" sz="3200" b="0" strike="noStrike" spc="-1" dirty="0" err="1">
+                <a:solidFill>
+                  <a:srgbClr val="000000"/>
+                </a:solidFill>
+                <a:uFill>
+                  <a:solidFill>
+                    <a:srgbClr val="FFFFFF"/>
+                  </a:solidFill>
+                </a:uFill>
+                <a:latin typeface="Arial"/>
+                <a:ea typeface="DejaVu Sans"/>
+              </a:rPr>
+              <a:t>BioConda</a:t>
+            </a:r>
+            <a:r>
+              <a:rPr lang="en-US" sz="3200" b="0" strike="noStrike" spc="-1" dirty="0">
+                <a:solidFill>
+                  <a:srgbClr val="000000"/>
+                </a:solidFill>
+                <a:uFill>
+                  <a:solidFill>
+                    <a:srgbClr val="FFFFFF"/>
+                  </a:solidFill>
+                </a:uFill>
+                <a:latin typeface="Arial"/>
+                <a:ea typeface="DejaVu Sans"/>
+              </a:rPr>
+              <a:t> </a:t>
+            </a:r>
+            <a:r>
+              <a:rPr lang="en-US" sz="3200" b="0" strike="noStrike" spc="-1" dirty="0" smtClean="0">
+                <a:solidFill>
+                  <a:srgbClr val="000000"/>
+                </a:solidFill>
+                <a:uFill>
+                  <a:solidFill>
+                    <a:srgbClr val="FFFFFF"/>
+                  </a:solidFill>
+                </a:uFill>
+                <a:latin typeface="Arial"/>
+                <a:ea typeface="DejaVu Sans"/>
+              </a:rPr>
+              <a:t>hackathon</a:t>
+            </a:r>
+          </a:p>
+          <a:p>
+            <a:endParaRPr lang="en-US" sz="3200" spc="-1" dirty="0" smtClean="0">
+              <a:solidFill>
+                <a:srgbClr val="000000"/>
+              </a:solidFill>
+              <a:uFill>
+                <a:solidFill>
+                  <a:srgbClr val="FFFFFF"/>
+                </a:solidFill>
+              </a:uFill>
+              <a:latin typeface="Arial"/>
+            </a:endParaRPr>
+          </a:p>
+          <a:p>
+            <a:r>
+              <a:rPr lang="en-US" sz="3200" spc="-1" dirty="0">
+                <a:solidFill>
+                  <a:srgbClr val="000000"/>
+                </a:solidFill>
+                <a:uFill>
+                  <a:solidFill>
+                    <a:srgbClr val="FFFFFF"/>
+                  </a:solidFill>
+                </a:uFill>
+                <a:latin typeface="Arial"/>
+              </a:rPr>
+              <a:t>	</a:t>
+            </a:r>
+            <a:r>
+              <a:rPr lang="en-US" sz="3200" spc="-1" dirty="0" smtClean="0">
+                <a:solidFill>
+                  <a:srgbClr val="000000"/>
+                </a:solidFill>
+                <a:uFill>
+                  <a:solidFill>
+                    <a:srgbClr val="FFFFFF"/>
+                  </a:solidFill>
+                </a:uFill>
+                <a:latin typeface="Arial"/>
+              </a:rPr>
+              <a:t>	</a:t>
+            </a:r>
+            <a:r>
+              <a:rPr lang="en-US" sz="3200" b="1" spc="-1" dirty="0" smtClean="0">
+                <a:solidFill>
+                  <a:srgbClr val="000000"/>
+                </a:solidFill>
+                <a:uFill>
+                  <a:solidFill>
+                    <a:srgbClr val="FFFFFF"/>
+                  </a:solidFill>
+                </a:uFill>
+              </a:rPr>
+              <a:t>2017 </a:t>
+            </a:r>
+            <a:r>
+              <a:rPr lang="en-US" sz="3200" b="1" spc="-1" dirty="0">
+                <a:solidFill>
+                  <a:srgbClr val="000000"/>
+                </a:solidFill>
+                <a:uFill>
+                  <a:solidFill>
+                    <a:srgbClr val="FFFFFF"/>
+                  </a:solidFill>
+                </a:uFill>
+              </a:rPr>
+              <a:t>past and planned </a:t>
+            </a:r>
+            <a:r>
+              <a:rPr lang="en-US" sz="3200" b="1" spc="-1" dirty="0" smtClean="0">
+                <a:solidFill>
+                  <a:srgbClr val="000000"/>
+                </a:solidFill>
+                <a:uFill>
+                  <a:solidFill>
+                    <a:srgbClr val="FFFFFF"/>
+                  </a:solidFill>
+                </a:uFill>
+              </a:rPr>
+              <a:t>events</a:t>
+            </a:r>
+            <a:endParaRPr lang="en-US" sz="3200" spc="-1" dirty="0">
+              <a:solidFill>
+                <a:srgbClr val="000000"/>
+              </a:solidFill>
+              <a:uFill>
+                <a:solidFill>
+                  <a:srgbClr val="FFFFFF"/>
+                </a:solidFill>
+              </a:uFill>
+              <a:latin typeface="Arial"/>
+            </a:endParaRPr>
+          </a:p>
+          <a:p>
+            <a:r>
+              <a:rPr lang="en-US" sz="3200" b="0" strike="noStrike" spc="-1" dirty="0" smtClean="0">
+                <a:solidFill>
+                  <a:srgbClr val="000000"/>
+                </a:solidFill>
+                <a:uFill>
+                  <a:solidFill>
+                    <a:srgbClr val="FFFFFF"/>
                   </a:solidFill>
                 </a:uFill>
                 <a:latin typeface="Arial"/>
@@ -5519,13 +6377,13 @@
               <a:t>15</a:t>
             </a:r>
             <a:r>
-              <a:rPr b="0" lang="en-US" sz="3200" spc="-1" strike="noStrike" baseline="101000">
-                <a:solidFill>
-                  <a:srgbClr val="000000"/>
-                </a:solidFill>
-                <a:uFill>
-                  <a:solidFill>
-                    <a:srgbClr val="ffffff"/>
+              <a:rPr lang="en-US" sz="3200" b="0" strike="noStrike" spc="-1" baseline="30000" dirty="0" smtClean="0">
+                <a:solidFill>
+                  <a:srgbClr val="000000"/>
+                </a:solidFill>
+                <a:uFill>
+                  <a:solidFill>
+                    <a:srgbClr val="FFFFFF"/>
                   </a:solidFill>
                 </a:uFill>
                 <a:latin typeface="Arial"/>
@@ -5534,13 +6392,13 @@
               <a:t>th</a:t>
             </a:r>
             <a:r>
-              <a:rPr b="0" lang="en-US" sz="3200" spc="-1" strike="noStrike">
-                <a:solidFill>
-                  <a:srgbClr val="000000"/>
-                </a:solidFill>
-                <a:uFill>
-                  <a:solidFill>
-                    <a:srgbClr val="ffffff"/>
+              <a:rPr lang="en-US" sz="3200" b="0" strike="noStrike" spc="-1" dirty="0" smtClean="0">
+                <a:solidFill>
+                  <a:srgbClr val="000000"/>
+                </a:solidFill>
+                <a:uFill>
+                  <a:solidFill>
+                    <a:srgbClr val="FFFFFF"/>
                   </a:solidFill>
                 </a:uFill>
                 <a:latin typeface="Arial"/>
@@ -5549,13 +6407,13 @@
               <a:t> – 16</a:t>
             </a:r>
             <a:r>
-              <a:rPr b="0" lang="en-US" sz="3200" spc="-1" strike="noStrike" baseline="101000">
-                <a:solidFill>
-                  <a:srgbClr val="000000"/>
-                </a:solidFill>
-                <a:uFill>
-                  <a:solidFill>
-                    <a:srgbClr val="ffffff"/>
+              <a:rPr lang="en-US" sz="3200" b="0" strike="noStrike" spc="-1" baseline="30000" dirty="0" smtClean="0">
+                <a:solidFill>
+                  <a:srgbClr val="000000"/>
+                </a:solidFill>
+                <a:uFill>
+                  <a:solidFill>
+                    <a:srgbClr val="FFFFFF"/>
                   </a:solidFill>
                 </a:uFill>
                 <a:latin typeface="Arial"/>
@@ -5564,45 +6422,359 @@
               <a:t>th</a:t>
             </a:r>
             <a:r>
-              <a:rPr b="0" lang="en-US" sz="3200" spc="-1" strike="noStrike">
-                <a:solidFill>
-                  <a:srgbClr val="000000"/>
-                </a:solidFill>
-                <a:uFill>
-                  <a:solidFill>
-                    <a:srgbClr val="ffffff"/>
-                  </a:solidFill>
-                </a:uFill>
-                <a:latin typeface="Arial"/>
-                <a:ea typeface="DejaVu Sans"/>
-              </a:rPr>
-              <a:t> Dec 2016 Galaxy RNA-seq data analysis workshop</a:t>
-            </a:r>
-            <a:endParaRPr b="0" lang="en-US" sz="1800" spc="-1" strike="noStrike">
-              <a:solidFill>
-                <a:srgbClr val="000000"/>
-              </a:solidFill>
-              <a:uFill>
-                <a:solidFill>
-                  <a:srgbClr val="ffffff"/>
-                </a:solidFill>
-              </a:uFill>
-              <a:latin typeface="Arial"/>
-            </a:endParaRPr>
-          </a:p>
-          <a:p>
-            <a:pPr>
-              <a:lnSpc>
-                <a:spcPct val="100000"/>
-              </a:lnSpc>
-            </a:pPr>
-            <a:endParaRPr b="0" lang="en-US" sz="3200" spc="-1" strike="noStrike">
-              <a:solidFill>
-                <a:srgbClr val="000000"/>
-              </a:solidFill>
-              <a:uFill>
-                <a:solidFill>
-                  <a:srgbClr val="ffffff"/>
+              <a:rPr lang="en-US" sz="3200" b="0" strike="noStrike" spc="-1" dirty="0" smtClean="0">
+                <a:solidFill>
+                  <a:srgbClr val="000000"/>
+                </a:solidFill>
+                <a:uFill>
+                  <a:solidFill>
+                    <a:srgbClr val="FFFFFF"/>
+                  </a:solidFill>
+                </a:uFill>
+                <a:latin typeface="Arial"/>
+                <a:ea typeface="DejaVu Sans"/>
+              </a:rPr>
+              <a:t> Dec </a:t>
+            </a:r>
+            <a:r>
+              <a:rPr lang="en-US" sz="3200" b="0" strike="noStrike" spc="-1" dirty="0">
+                <a:solidFill>
+                  <a:srgbClr val="000000"/>
+                </a:solidFill>
+                <a:uFill>
+                  <a:solidFill>
+                    <a:srgbClr val="FFFFFF"/>
+                  </a:solidFill>
+                </a:uFill>
+                <a:latin typeface="Arial"/>
+                <a:ea typeface="DejaVu Sans"/>
+              </a:rPr>
+              <a:t>2016 Galaxy RNA-</a:t>
+            </a:r>
+            <a:r>
+              <a:rPr lang="en-US" sz="3200" b="0" strike="noStrike" spc="-1" dirty="0" err="1">
+                <a:solidFill>
+                  <a:srgbClr val="000000"/>
+                </a:solidFill>
+                <a:uFill>
+                  <a:solidFill>
+                    <a:srgbClr val="FFFFFF"/>
+                  </a:solidFill>
+                </a:uFill>
+                <a:latin typeface="Arial"/>
+                <a:ea typeface="DejaVu Sans"/>
+              </a:rPr>
+              <a:t>seq</a:t>
+            </a:r>
+            <a:r>
+              <a:rPr lang="en-US" sz="3200" b="0" strike="noStrike" spc="-1" dirty="0">
+                <a:solidFill>
+                  <a:srgbClr val="000000"/>
+                </a:solidFill>
+                <a:uFill>
+                  <a:solidFill>
+                    <a:srgbClr val="FFFFFF"/>
+                  </a:solidFill>
+                </a:uFill>
+                <a:latin typeface="Arial"/>
+                <a:ea typeface="DejaVu Sans"/>
+              </a:rPr>
+              <a:t> data analysis </a:t>
+            </a:r>
+            <a:r>
+              <a:rPr lang="en-US" sz="3200" b="0" strike="noStrike" spc="-1" dirty="0" smtClean="0">
+                <a:solidFill>
+                  <a:srgbClr val="000000"/>
+                </a:solidFill>
+                <a:uFill>
+                  <a:solidFill>
+                    <a:srgbClr val="FFFFFF"/>
+                  </a:solidFill>
+                </a:uFill>
+                <a:latin typeface="Arial"/>
+                <a:ea typeface="DejaVu Sans"/>
+              </a:rPr>
+              <a:t>workshop</a:t>
+            </a:r>
+          </a:p>
+          <a:p>
+            <a:r>
+              <a:rPr lang="en-US" sz="3200" dirty="0" smtClean="0"/>
+              <a:t>16</a:t>
+            </a:r>
+            <a:r>
+              <a:rPr lang="en-US" sz="3200" baseline="30000" dirty="0" smtClean="0"/>
+              <a:t>th </a:t>
+            </a:r>
+            <a:r>
+              <a:rPr lang="en-US" sz="3200" dirty="0"/>
+              <a:t>– 19</a:t>
+            </a:r>
+            <a:r>
+              <a:rPr lang="en-US" sz="3200" baseline="30000" dirty="0"/>
+              <a:t>th</a:t>
+            </a:r>
+            <a:r>
+              <a:rPr lang="en-US" sz="3200" dirty="0"/>
+              <a:t> Jan </a:t>
+            </a:r>
+            <a:r>
+              <a:rPr lang="en-US" sz="3200" dirty="0" smtClean="0"/>
+              <a:t>2017</a:t>
+            </a:r>
+            <a:r>
+              <a:rPr lang="de-DE" sz="3200" dirty="0" smtClean="0"/>
+              <a:t> </a:t>
+            </a:r>
+            <a:r>
+              <a:rPr lang="en-US" sz="3200" dirty="0" smtClean="0"/>
+              <a:t>European </a:t>
+            </a:r>
+            <a:r>
+              <a:rPr lang="en-US" sz="3200" dirty="0"/>
+              <a:t>Galaxy Developer </a:t>
+            </a:r>
+            <a:r>
+              <a:rPr lang="en-US" sz="3200" dirty="0" smtClean="0"/>
+              <a:t>workshop</a:t>
+            </a:r>
+            <a:r>
+              <a:rPr lang="de-DE" sz="3200" dirty="0" smtClean="0"/>
+              <a:t> </a:t>
+            </a:r>
+            <a:r>
+              <a:rPr lang="en-US" sz="3200" dirty="0" smtClean="0"/>
+              <a:t>Strasbourg</a:t>
+            </a:r>
+            <a:endParaRPr lang="de-DE" sz="3200" dirty="0"/>
+          </a:p>
+          <a:p>
+            <a:r>
+              <a:rPr lang="en-US" sz="3200" dirty="0" smtClean="0"/>
+              <a:t>13</a:t>
+            </a:r>
+            <a:r>
+              <a:rPr lang="en-US" sz="3200" baseline="30000" dirty="0" smtClean="0"/>
+              <a:t>th </a:t>
+            </a:r>
+            <a:r>
+              <a:rPr lang="en-US" sz="3200" dirty="0" smtClean="0"/>
+              <a:t>– 17</a:t>
+            </a:r>
+            <a:r>
+              <a:rPr lang="en-US" sz="3200" baseline="30000" dirty="0" smtClean="0"/>
+              <a:t>th</a:t>
+            </a:r>
+            <a:r>
+              <a:rPr lang="en-US" sz="3200" dirty="0" smtClean="0"/>
+              <a:t> Feb 2017 Galaxy HTS data analysis workshop</a:t>
+            </a:r>
+            <a:r>
+              <a:rPr lang="de-DE" sz="3200" dirty="0"/>
+              <a:t> </a:t>
+            </a:r>
+            <a:r>
+              <a:rPr lang="en-US" sz="3200" dirty="0" smtClean="0"/>
+              <a:t>Freiburg</a:t>
+            </a:r>
+          </a:p>
+          <a:p>
+            <a:r>
+              <a:rPr lang="en-US" sz="3200" spc="-1" dirty="0" smtClean="0">
+                <a:solidFill>
+                  <a:srgbClr val="000000"/>
+                </a:solidFill>
+                <a:uFill>
+                  <a:solidFill>
+                    <a:srgbClr val="FFFFFF"/>
+                  </a:solidFill>
+                </a:uFill>
+              </a:rPr>
+              <a:t>4</a:t>
+            </a:r>
+            <a:r>
+              <a:rPr lang="en-US" sz="3200" spc="-1" baseline="30000" dirty="0" smtClean="0">
+                <a:solidFill>
+                  <a:srgbClr val="000000"/>
+                </a:solidFill>
+                <a:uFill>
+                  <a:solidFill>
+                    <a:srgbClr val="FFFFFF"/>
+                  </a:solidFill>
+                </a:uFill>
+              </a:rPr>
+              <a:t>th</a:t>
+            </a:r>
+            <a:r>
+              <a:rPr lang="en-US" sz="3200" spc="-1" dirty="0" smtClean="0">
+                <a:solidFill>
+                  <a:srgbClr val="000000"/>
+                </a:solidFill>
+                <a:uFill>
+                  <a:solidFill>
+                    <a:srgbClr val="FFFFFF"/>
+                  </a:solidFill>
+                </a:uFill>
+              </a:rPr>
+              <a:t> – 5</a:t>
+            </a:r>
+            <a:r>
+              <a:rPr lang="en-US" sz="3200" spc="-1" baseline="30000" dirty="0" smtClean="0">
+                <a:solidFill>
+                  <a:srgbClr val="000000"/>
+                </a:solidFill>
+                <a:uFill>
+                  <a:solidFill>
+                    <a:srgbClr val="FFFFFF"/>
+                  </a:solidFill>
+                </a:uFill>
+              </a:rPr>
+              <a:t>th</a:t>
+            </a:r>
+            <a:r>
+              <a:rPr lang="en-US" sz="3200" spc="-1" dirty="0" smtClean="0">
+                <a:solidFill>
+                  <a:srgbClr val="000000"/>
+                </a:solidFill>
+                <a:uFill>
+                  <a:solidFill>
+                    <a:srgbClr val="FFFFFF"/>
+                  </a:solidFill>
+                </a:uFill>
+              </a:rPr>
+              <a:t> Apr 2017 ELIXIR – </a:t>
+            </a:r>
+            <a:r>
+              <a:rPr lang="en-US" sz="3200" spc="-1" dirty="0" err="1" smtClean="0">
+                <a:solidFill>
+                  <a:srgbClr val="000000"/>
+                </a:solidFill>
+                <a:uFill>
+                  <a:solidFill>
+                    <a:srgbClr val="FFFFFF"/>
+                  </a:solidFill>
+                </a:uFill>
+              </a:rPr>
+              <a:t>de.NBI</a:t>
+            </a:r>
+            <a:r>
+              <a:rPr lang="en-US" sz="3200" spc="-1" dirty="0" smtClean="0">
+                <a:solidFill>
+                  <a:srgbClr val="000000"/>
+                </a:solidFill>
+                <a:uFill>
+                  <a:solidFill>
+                    <a:srgbClr val="FFFFFF"/>
+                  </a:solidFill>
+                </a:uFill>
+              </a:rPr>
+              <a:t> AAI workshop</a:t>
+            </a:r>
+            <a:endParaRPr lang="en-US" sz="3200" dirty="0" smtClean="0"/>
+          </a:p>
+          <a:p>
+            <a:r>
+              <a:rPr lang="en-US" sz="3200" dirty="0" smtClean="0"/>
+              <a:t>14</a:t>
+            </a:r>
+            <a:r>
+              <a:rPr lang="en-US" sz="3200" baseline="30000" dirty="0" smtClean="0"/>
+              <a:t>th </a:t>
+            </a:r>
+            <a:r>
+              <a:rPr lang="en-US" sz="3200" dirty="0"/>
+              <a:t>– </a:t>
+            </a:r>
+            <a:r>
+              <a:rPr lang="en-US" sz="3200" dirty="0" smtClean="0"/>
+              <a:t>18</a:t>
+            </a:r>
+            <a:r>
+              <a:rPr lang="en-US" sz="3200" baseline="30000" dirty="0" smtClean="0"/>
+              <a:t>th</a:t>
+            </a:r>
+            <a:r>
+              <a:rPr lang="en-US" sz="3200" dirty="0" smtClean="0"/>
+              <a:t> </a:t>
+            </a:r>
+            <a:r>
+              <a:rPr lang="en-US" sz="3200" dirty="0"/>
+              <a:t>Sep </a:t>
+            </a:r>
+            <a:r>
+              <a:rPr lang="en-US" sz="3200" dirty="0" smtClean="0"/>
+              <a:t>2017 Galaxy </a:t>
+            </a:r>
+            <a:r>
+              <a:rPr lang="en-US" sz="3200" dirty="0"/>
+              <a:t>HTS data analysis </a:t>
+            </a:r>
+            <a:r>
+              <a:rPr lang="en-US" sz="3200" dirty="0" smtClean="0"/>
+              <a:t>workshop Freiburg</a:t>
+            </a:r>
+            <a:endParaRPr lang="de-DE" sz="3200" dirty="0"/>
+          </a:p>
+          <a:p>
+            <a:endParaRPr lang="en-US" sz="3200" spc="-1" dirty="0">
+              <a:solidFill>
+                <a:srgbClr val="000000"/>
+              </a:solidFill>
+              <a:uFill>
+                <a:solidFill>
+                  <a:srgbClr val="FFFFFF"/>
+                </a:solidFill>
+              </a:uFill>
+            </a:endParaRPr>
+          </a:p>
+          <a:p>
+            <a:endParaRPr lang="en-US" sz="3200" b="0" strike="noStrike" spc="-1" dirty="0" smtClean="0">
+              <a:solidFill>
+                <a:srgbClr val="000000"/>
+              </a:solidFill>
+              <a:uFill>
+                <a:solidFill>
+                  <a:srgbClr val="FFFFFF"/>
+                </a:solidFill>
+              </a:uFill>
+              <a:latin typeface="Arial"/>
+              <a:ea typeface="DejaVu Sans"/>
+            </a:endParaRPr>
+          </a:p>
+          <a:p>
+            <a:endParaRPr lang="en-US" sz="1800" b="0" strike="noStrike" spc="-1" dirty="0" smtClean="0">
+              <a:solidFill>
+                <a:srgbClr val="000000"/>
+              </a:solidFill>
+              <a:uFill>
+                <a:solidFill>
+                  <a:srgbClr val="FFFFFF"/>
+                </a:solidFill>
+              </a:uFill>
+              <a:latin typeface="Arial"/>
+            </a:endParaRPr>
+          </a:p>
+          <a:p>
+            <a:endParaRPr lang="en-US" sz="1800" b="0" strike="noStrike" spc="-1" dirty="0" smtClean="0">
+              <a:solidFill>
+                <a:srgbClr val="000000"/>
+              </a:solidFill>
+              <a:uFill>
+                <a:solidFill>
+                  <a:srgbClr val="FFFFFF"/>
+                </a:solidFill>
+              </a:uFill>
+              <a:latin typeface="Arial"/>
+            </a:endParaRPr>
+          </a:p>
+          <a:p>
+            <a:endParaRPr lang="en-US" sz="3200" b="0" strike="noStrike" spc="-1" dirty="0">
+              <a:solidFill>
+                <a:srgbClr val="000000"/>
+              </a:solidFill>
+              <a:uFill>
+                <a:solidFill>
+                  <a:srgbClr val="FFFFFF"/>
                 </a:solidFill>
               </a:uFill>
               <a:latin typeface="Arial"/>
@@ -5612,7 +6784,7 @@
       </p:sp>
       <p:pic>
         <p:nvPicPr>
-          <p:cNvPr id="75" name="" descr=""/>
+          <p:cNvPr id="75" name="Grafik 74"/>
           <p:cNvPicPr/>
           <p:nvPr/>
         </p:nvPicPr>
@@ -5635,7 +6807,7 @@
       </p:pic>
       <p:pic>
         <p:nvPicPr>
-          <p:cNvPr id="76" name="" descr=""/>
+          <p:cNvPr id="76" name="Grafik 75"/>
           <p:cNvPicPr/>
           <p:nvPr/>
         </p:nvPicPr>
@@ -5645,8 +6817,8 @@
         </p:blipFill>
         <p:spPr>
           <a:xfrm>
-            <a:off x="23317200" y="19933920"/>
-            <a:ext cx="4973040" cy="3291840"/>
+            <a:off x="23157000" y="20025360"/>
+            <a:ext cx="4973040" cy="3200400"/>
           </a:xfrm>
           <a:prstGeom prst="rect">
             <a:avLst/>
@@ -5664,7 +6836,7 @@
         </p:nvSpPr>
         <p:spPr>
           <a:xfrm>
-            <a:off x="16550640" y="24963120"/>
+            <a:off x="16606620" y="25019660"/>
             <a:ext cx="11795760" cy="3555720"/>
           </a:xfrm>
           <a:prstGeom prst="rect">
@@ -5676,182 +6848,57 @@
           </a:ln>
         </p:spPr>
         <p:txBody>
-          <a:bodyPr lIns="90000" rIns="90000" tIns="45000" bIns="45000"/>
-          <a:p>
-            <a:r>
-              <a:rPr b="0" lang="en-US" sz="3200" spc="-1" strike="noStrike">
-                <a:solidFill>
-                  <a:srgbClr val="000000"/>
-                </a:solidFill>
-                <a:uFill>
-                  <a:solidFill>
-                    <a:srgbClr val="ffffff"/>
-                  </a:solidFill>
-                </a:uFill>
-                <a:latin typeface="Arial"/>
-              </a:rPr>
-              <a:t>And a lot more:</a:t>
-            </a:r>
-            <a:endParaRPr b="0" lang="en-US" sz="3200" spc="-1" strike="noStrike">
-              <a:solidFill>
-                <a:srgbClr val="000000"/>
-              </a:solidFill>
-              <a:uFill>
-                <a:solidFill>
-                  <a:srgbClr val="ffffff"/>
-                </a:solidFill>
-              </a:uFill>
-              <a:latin typeface="Arial"/>
-            </a:endParaRPr>
-          </a:p>
-          <a:p>
-            <a:pPr marL="216000" indent="-216000">
-              <a:buClr>
-                <a:srgbClr val="000000"/>
-              </a:buClr>
-              <a:buSzPct val="45000"/>
-              <a:buFont typeface="Wingdings" charset="2"/>
-              <a:buChar char=""/>
-            </a:pPr>
-            <a:r>
-              <a:rPr b="0" lang="en-US" sz="3200" spc="-1" strike="noStrike">
-                <a:solidFill>
-                  <a:srgbClr val="000000"/>
-                </a:solidFill>
-                <a:uFill>
-                  <a:solidFill>
-                    <a:srgbClr val="ffffff"/>
-                  </a:solidFill>
-                </a:uFill>
-                <a:latin typeface="Arial"/>
-              </a:rPr>
-              <a:t>RSS-Reader</a:t>
-            </a:r>
-            <a:endParaRPr b="0" lang="en-US" sz="3200" spc="-1" strike="noStrike">
-              <a:solidFill>
-                <a:srgbClr val="000000"/>
-              </a:solidFill>
-              <a:uFill>
-                <a:solidFill>
-                  <a:srgbClr val="ffffff"/>
-                </a:solidFill>
-              </a:uFill>
-              <a:latin typeface="Arial"/>
-            </a:endParaRPr>
-          </a:p>
-          <a:p>
-            <a:pPr marL="216000" indent="-216000">
-              <a:buClr>
-                <a:srgbClr val="000000"/>
-              </a:buClr>
-              <a:buSzPct val="45000"/>
-              <a:buFont typeface="Wingdings" charset="2"/>
-              <a:buChar char=""/>
-            </a:pPr>
-            <a:r>
-              <a:rPr b="0" lang="en-US" sz="3200" spc="-1" strike="noStrike">
-                <a:solidFill>
-                  <a:srgbClr val="000000"/>
-                </a:solidFill>
-                <a:uFill>
-                  <a:solidFill>
-                    <a:srgbClr val="ffffff"/>
-                  </a:solidFill>
-                </a:uFill>
-                <a:latin typeface="Arial"/>
-              </a:rPr>
-              <a:t>Pubmed</a:t>
-            </a:r>
-            <a:endParaRPr b="0" lang="en-US" sz="3200" spc="-1" strike="noStrike">
-              <a:solidFill>
-                <a:srgbClr val="000000"/>
-              </a:solidFill>
-              <a:uFill>
-                <a:solidFill>
-                  <a:srgbClr val="ffffff"/>
-                </a:solidFill>
-              </a:uFill>
-              <a:latin typeface="Arial"/>
-            </a:endParaRPr>
-          </a:p>
-          <a:p>
-            <a:pPr marL="216000" indent="-216000">
-              <a:buClr>
-                <a:srgbClr val="000000"/>
-              </a:buClr>
-              <a:buSzPct val="45000"/>
-              <a:buFont typeface="Wingdings" charset="2"/>
-              <a:buChar char=""/>
-            </a:pPr>
-            <a:r>
-              <a:rPr b="0" lang="en-US" sz="3200" spc="-1" strike="noStrike">
-                <a:solidFill>
-                  <a:srgbClr val="000000"/>
-                </a:solidFill>
-                <a:uFill>
-                  <a:solidFill>
-                    <a:srgbClr val="ffffff"/>
-                  </a:solidFill>
-                </a:uFill>
-                <a:latin typeface="Arial"/>
-              </a:rPr>
-              <a:t>Tool prediction</a:t>
-            </a:r>
-            <a:endParaRPr b="0" lang="en-US" sz="3200" spc="-1" strike="noStrike">
-              <a:solidFill>
-                <a:srgbClr val="000000"/>
-              </a:solidFill>
-              <a:uFill>
-                <a:solidFill>
-                  <a:srgbClr val="ffffff"/>
-                </a:solidFill>
-              </a:uFill>
-              <a:latin typeface="Arial"/>
-            </a:endParaRPr>
-          </a:p>
-          <a:p>
-            <a:pPr marL="216000" indent="-216000">
-              <a:buClr>
-                <a:srgbClr val="000000"/>
-              </a:buClr>
-              <a:buSzPct val="45000"/>
-              <a:buFont typeface="Wingdings" charset="2"/>
-              <a:buChar char=""/>
-            </a:pPr>
-            <a:r>
-              <a:rPr b="0" lang="en-US" sz="3200" spc="-1" strike="noStrike">
-                <a:solidFill>
-                  <a:srgbClr val="000000"/>
-                </a:solidFill>
-                <a:uFill>
-                  <a:solidFill>
-                    <a:srgbClr val="ffffff"/>
-                  </a:solidFill>
-                </a:uFill>
-                <a:latin typeface="Arial"/>
-              </a:rPr>
-              <a:t>Runtime graphs </a:t>
-            </a:r>
-            <a:endParaRPr b="0" lang="en-US" sz="3200" spc="-1" strike="noStrike">
-              <a:solidFill>
-                <a:srgbClr val="000000"/>
-              </a:solidFill>
-              <a:uFill>
-                <a:solidFill>
-                  <a:srgbClr val="ffffff"/>
-                </a:solidFill>
-              </a:uFill>
-              <a:latin typeface="Arial"/>
-            </a:endParaRPr>
-          </a:p>
-          <a:p>
-            <a:endParaRPr b="0" lang="en-US" sz="3200" spc="-1" strike="noStrike">
-              <a:solidFill>
-                <a:srgbClr val="000000"/>
-              </a:solidFill>
-              <a:uFill>
-                <a:solidFill>
-                  <a:srgbClr val="ffffff"/>
+          <a:bodyPr lIns="90000" tIns="45000" rIns="90000" bIns="45000"/>
+          <a:lstStyle/>
+          <a:p>
+            <a:r>
+              <a:rPr lang="en-US" sz="3200" b="0" strike="noStrike" spc="-1" dirty="0">
+                <a:solidFill>
+                  <a:srgbClr val="000000"/>
+                </a:solidFill>
+                <a:uFill>
+                  <a:solidFill>
+                    <a:srgbClr val="FFFFFF"/>
+                  </a:solidFill>
+                </a:uFill>
+                <a:latin typeface="Arial"/>
+              </a:rPr>
+              <a:t>And a lot more</a:t>
+            </a:r>
+            <a:r>
+              <a:rPr lang="en-US" sz="3200" b="0" strike="noStrike" spc="-1" dirty="0" smtClean="0">
+                <a:solidFill>
+                  <a:srgbClr val="000000"/>
+                </a:solidFill>
+                <a:uFill>
+                  <a:solidFill>
+                    <a:srgbClr val="FFFFFF"/>
+                  </a:solidFill>
+                </a:uFill>
+                <a:latin typeface="Arial"/>
+              </a:rPr>
+              <a:t>: RSS-Reader, PubMed recommendations, Tool recommendation, Runtime graphs … (leave a post-it with your ideas!) </a:t>
+            </a:r>
+            <a:endParaRPr lang="en-US" sz="3200" b="0" strike="noStrike" spc="-1" dirty="0">
+              <a:solidFill>
+                <a:srgbClr val="000000"/>
+              </a:solidFill>
+              <a:uFill>
+                <a:solidFill>
+                  <a:srgbClr val="FFFFFF"/>
+                </a:solidFill>
+              </a:uFill>
+              <a:latin typeface="Arial"/>
+            </a:endParaRPr>
+          </a:p>
+          <a:p>
+            <a:endParaRPr lang="en-US" sz="3200" b="0" strike="noStrike" spc="-1" dirty="0">
+              <a:solidFill>
+                <a:srgbClr val="000000"/>
+              </a:solidFill>
+              <a:uFill>
+                <a:solidFill>
+                  <a:srgbClr val="FFFFFF"/>
                 </a:solidFill>
               </a:uFill>
               <a:latin typeface="Arial"/>
@@ -5861,7 +6908,7 @@
       </p:sp>
       <p:pic>
         <p:nvPicPr>
-          <p:cNvPr id="78" name="" descr=""/>
+          <p:cNvPr id="78" name="Grafik 77"/>
           <p:cNvPicPr/>
           <p:nvPr/>
         </p:nvPicPr>
@@ -5871,8 +6918,8 @@
         </p:blipFill>
         <p:spPr>
           <a:xfrm>
-            <a:off x="17647920" y="36758880"/>
-            <a:ext cx="6070680" cy="2377440"/>
+            <a:off x="25296654" y="38338375"/>
+            <a:ext cx="4570566" cy="1789955"/>
           </a:xfrm>
           <a:prstGeom prst="rect">
             <a:avLst/>
@@ -5884,7 +6931,7 @@
       </p:pic>
       <p:pic>
         <p:nvPicPr>
-          <p:cNvPr id="79" name="" descr=""/>
+          <p:cNvPr id="79" name="Grafik 78"/>
           <p:cNvPicPr/>
           <p:nvPr/>
         </p:nvPicPr>
@@ -5894,7 +6941,7 @@
         </p:blipFill>
         <p:spPr>
           <a:xfrm>
-            <a:off x="25054560" y="36118800"/>
+            <a:off x="26004750" y="32839511"/>
             <a:ext cx="3931920" cy="3931920"/>
           </a:xfrm>
           <a:prstGeom prst="rect">
@@ -5907,7 +6954,7 @@
       </p:pic>
       <p:pic>
         <p:nvPicPr>
-          <p:cNvPr id="80" name="" descr=""/>
+          <p:cNvPr id="80" name="Grafik 79"/>
           <p:cNvPicPr/>
           <p:nvPr/>
         </p:nvPicPr>
@@ -5917,8 +6964,8 @@
         </p:blipFill>
         <p:spPr>
           <a:xfrm>
-            <a:off x="25091640" y="29368800"/>
-            <a:ext cx="3437640" cy="3458160"/>
+            <a:off x="25866798" y="29149560"/>
+            <a:ext cx="3257160" cy="3201506"/>
           </a:xfrm>
           <a:prstGeom prst="rect">
             <a:avLst/>
@@ -5930,7 +6977,7 @@
       </p:pic>
       <p:pic>
         <p:nvPicPr>
-          <p:cNvPr id="81" name="" descr=""/>
+          <p:cNvPr id="81" name="Grafik 80"/>
           <p:cNvPicPr/>
           <p:nvPr/>
         </p:nvPicPr>
@@ -5953,7 +7000,7 @@
       </p:pic>
       <p:pic>
         <p:nvPicPr>
-          <p:cNvPr id="82" name="" descr=""/>
+          <p:cNvPr id="82" name="Grafik 81"/>
           <p:cNvPicPr/>
           <p:nvPr/>
         </p:nvPicPr>
@@ -5974,8 +7021,177 @@
           </a:ln>
         </p:spPr>
       </p:pic>
+      <p:sp>
+        <p:nvSpPr>
+          <p:cNvPr id="2" name="Textfeld 1"/>
+          <p:cNvSpPr txBox="1"/>
+          <p:nvPr/>
+        </p:nvSpPr>
+        <p:spPr>
+          <a:xfrm>
+            <a:off x="15136813" y="39382675"/>
+            <a:ext cx="10062370" cy="1077218"/>
+          </a:xfrm>
+          <a:prstGeom prst="rect">
+            <a:avLst/>
+          </a:prstGeom>
+          <a:noFill/>
+        </p:spPr>
+        <p:txBody>
+          <a:bodyPr wrap="none" rtlCol="0">
+            <a:spAutoFit/>
+          </a:bodyPr>
+          <a:lstStyle/>
+          <a:p>
+            <a:r>
+              <a:rPr lang="de-DE" sz="3200" b="1" dirty="0" smtClean="0"/>
+              <a:t>Hands-on </a:t>
+            </a:r>
+            <a:r>
+              <a:rPr lang="de-DE" sz="3200" b="1" dirty="0" err="1" smtClean="0"/>
+              <a:t>training</a:t>
+            </a:r>
+            <a:r>
+              <a:rPr lang="de-DE" sz="3200" b="1" dirty="0" smtClean="0"/>
+              <a:t> material </a:t>
+            </a:r>
+            <a:r>
+              <a:rPr lang="de-DE" sz="3200" b="1" dirty="0" err="1" smtClean="0"/>
+              <a:t>for</a:t>
+            </a:r>
+            <a:r>
+              <a:rPr lang="de-DE" sz="3200" b="1" dirty="0" smtClean="0"/>
+              <a:t> </a:t>
+            </a:r>
+            <a:r>
+              <a:rPr lang="de-DE" sz="3200" b="1" dirty="0" err="1" smtClean="0"/>
+              <a:t>self-study</a:t>
+            </a:r>
+            <a:r>
+              <a:rPr lang="de-DE" sz="3200" b="1" dirty="0" smtClean="0"/>
+              <a:t> </a:t>
+            </a:r>
+            <a:r>
+              <a:rPr lang="de-DE" sz="3200" b="1" dirty="0" err="1" smtClean="0"/>
+              <a:t>available</a:t>
+            </a:r>
+            <a:r>
+              <a:rPr lang="de-DE" sz="3200" b="1" dirty="0" smtClean="0"/>
+              <a:t>:</a:t>
+            </a:r>
+          </a:p>
+          <a:p>
+            <a:r>
+              <a:rPr lang="de-DE" sz="3200" dirty="0" smtClean="0"/>
+              <a:t>https://bgruening.github.io/training-material</a:t>
+            </a:r>
+            <a:endParaRPr lang="de-DE" sz="3200" dirty="0"/>
+          </a:p>
+        </p:txBody>
+      </p:sp>
+      <p:pic>
+        <p:nvPicPr>
+          <p:cNvPr id="6" name="Grafik 5"/>
+          <p:cNvPicPr>
+            <a:picLocks noChangeAspect="1"/>
+          </p:cNvPicPr>
+          <p:nvPr/>
+        </p:nvPicPr>
+        <p:blipFill>
+          <a:blip r:embed="rId21">
+            <a:extLst>
+              <a:ext uri="{28A0092B-C50C-407E-A947-70E740481C1C}">
+                <a14:useLocalDpi xmlns:a14="http://schemas.microsoft.com/office/drawing/2010/main" val="0"/>
+              </a:ext>
+            </a:extLst>
+          </a:blip>
+          <a:stretch>
+            <a:fillRect/>
+          </a:stretch>
+        </p:blipFill>
+        <p:spPr>
+          <a:xfrm>
+            <a:off x="2813086" y="32839511"/>
+            <a:ext cx="10527090" cy="4984064"/>
+          </a:xfrm>
+          <a:prstGeom prst="rect">
+            <a:avLst/>
+          </a:prstGeom>
+        </p:spPr>
+      </p:pic>
+      <p:sp>
+        <p:nvSpPr>
+          <p:cNvPr id="7" name="Textfeld 6"/>
+          <p:cNvSpPr txBox="1"/>
+          <p:nvPr/>
+        </p:nvSpPr>
+        <p:spPr>
+          <a:xfrm>
+            <a:off x="1126126" y="31604593"/>
+            <a:ext cx="11432938" cy="1077218"/>
+          </a:xfrm>
+          <a:prstGeom prst="rect">
+            <a:avLst/>
+          </a:prstGeom>
+          <a:noFill/>
+        </p:spPr>
+        <p:txBody>
+          <a:bodyPr wrap="none" rtlCol="0">
+            <a:spAutoFit/>
+          </a:bodyPr>
+          <a:lstStyle/>
+          <a:p>
+            <a:r>
+              <a:rPr lang="de-DE" sz="3200" b="1" dirty="0" err="1" smtClean="0"/>
+              <a:t>Galaxy</a:t>
+            </a:r>
+            <a:r>
+              <a:rPr lang="de-DE" sz="3200" b="1" dirty="0" smtClean="0"/>
+              <a:t>-Docker-</a:t>
+            </a:r>
+            <a:r>
+              <a:rPr lang="de-DE" sz="3200" b="1" dirty="0" err="1" smtClean="0"/>
+              <a:t>Epigenetics</a:t>
+            </a:r>
+            <a:r>
+              <a:rPr lang="de-DE" sz="3200" b="1" dirty="0" smtClean="0"/>
+              <a:t>: </a:t>
+            </a:r>
+            <a:r>
+              <a:rPr lang="de-DE" sz="3200" dirty="0" smtClean="0"/>
+              <a:t>Portable </a:t>
+            </a:r>
+            <a:r>
+              <a:rPr lang="de-DE" sz="3200" dirty="0" err="1" smtClean="0"/>
+              <a:t>data</a:t>
+            </a:r>
+            <a:r>
+              <a:rPr lang="de-DE" sz="3200" dirty="0" smtClean="0"/>
+              <a:t> </a:t>
+            </a:r>
+            <a:r>
+              <a:rPr lang="de-DE" sz="3200" dirty="0" err="1" smtClean="0"/>
+              <a:t>analysis</a:t>
+            </a:r>
+            <a:r>
+              <a:rPr lang="de-DE" sz="3200" dirty="0" smtClean="0"/>
+              <a:t> in a box!</a:t>
+            </a:r>
+          </a:p>
+          <a:p>
+            <a:r>
+              <a:rPr lang="de-DE" sz="3200" dirty="0" smtClean="0"/>
+              <a:t>https://github.com/bgruening/docker-galaxy-epigenetic</a:t>
+            </a:r>
+            <a:endParaRPr lang="de-DE" sz="3200" dirty="0"/>
+          </a:p>
+        </p:txBody>
+      </p:sp>
     </p:spTree>
   </p:cSld>
+  <p:clrMapOvr>
+    <a:masterClrMapping/>
+  </p:clrMapOvr>
   <p:timing>
     <p:tnLst>
       <p:par>
@@ -5984,14 +7200,14 @@
             <p:seq>
               <p:cTn id="2" nodeType="mainSeq"/>
               <p:prevCondLst>
-                <p:cond delay="0" evt="onPrev">
+                <p:cond evt="onPrev" delay="0">
                   <p:tgtEl>
                     <p:sldTgt/>
                   </p:tgtEl>
                 </p:cond>
               </p:prevCondLst>
               <p:nextCondLst>
-                <p:cond delay="0" evt="onNext">
+                <p:cond evt="onNext" delay="0">
                   <p:tgtEl>
                     <p:sldTgt/>
                   </p:tgtEl>
@@ -6226,5 +7442,7 @@
       </a:bgFillStyleLst>
     </a:fmtScheme>
   </a:themeElements>
+  <a:objectDefaults/>
+  <a:extraClrSchemeLst/>
 </a:theme>
 </file>
--- a/rbc_sab-berlin_2016/Poster_deNBI-epi_SAB-Meeting_2016.pptx
+++ b/rbc_sab-berlin_2016/Poster_deNBI-epi_SAB-Meeting_2016.pptx
@@ -2128,50 +2128,6 @@
       </p:sp>
       <p:sp>
         <p:nvSpPr>
-          <p:cNvPr id="40" name="CustomShape 4"/>
-          <p:cNvSpPr/>
-          <p:nvPr/>
-        </p:nvSpPr>
-        <p:spPr>
-          <a:xfrm>
-            <a:off x="18298800" y="41622480"/>
-            <a:ext cx="718200" cy="482760"/>
-          </a:xfrm>
-          <a:prstGeom prst="rightArrow">
-            <a:avLst>
-              <a:gd name="adj1" fmla="val 50000"/>
-              <a:gd name="adj2" fmla="val 50000"/>
-            </a:avLst>
-          </a:prstGeom>
-          <a:ln>
-            <a:solidFill>
-              <a:srgbClr val="DDDEDF"/>
-            </a:solidFill>
-            <a:round/>
-          </a:ln>
-          <a:effectLst>
-            <a:outerShdw blurRad="40000" dist="23000" dir="5400000" rotWithShape="0">
-              <a:srgbClr val="000000">
-                <a:alpha val="35000"/>
-              </a:srgbClr>
-            </a:outerShdw>
-          </a:effectLst>
-        </p:spPr>
-        <p:style>
-          <a:lnRef idx="1">
-            <a:schemeClr val="accent1"/>
-          </a:lnRef>
-          <a:fillRef idx="3">
-            <a:schemeClr val="accent1"/>
-          </a:fillRef>
-          <a:effectRef idx="2">
-            <a:schemeClr val="accent1"/>
-          </a:effectRef>
-          <a:fontRef idx="minor"/>
-        </p:style>
-      </p:sp>
-      <p:sp>
-        <p:nvSpPr>
           <p:cNvPr id="41" name="CustomShape 5"/>
           <p:cNvSpPr/>
           <p:nvPr/>
@@ -2346,7 +2302,7 @@
               </a:lnSpc>
             </a:pPr>
             <a:r>
-              <a:rPr lang="en-US" sz="7200" b="1" strike="noStrike" spc="-1">
+              <a:rPr lang="en-US" sz="7200" b="1" strike="noStrike" spc="-1" dirty="0">
                 <a:solidFill>
                   <a:srgbClr val="FFFFFF"/>
                 </a:solidFill>
@@ -2360,7 +2316,7 @@
               </a:rPr>
               <a:t>RNA Bioinformatics Center</a:t>
             </a:r>
-            <a:endParaRPr lang="en-US" sz="1800" b="0" strike="noStrike" spc="-1">
+            <a:endParaRPr lang="en-US" sz="1800" b="0" strike="noStrike" spc="-1" dirty="0">
               <a:solidFill>
                 <a:srgbClr val="000000"/>
               </a:solidFill>
@@ -2379,7 +2335,7 @@
               </a:lnSpc>
             </a:pPr>
             <a:r>
-              <a:rPr lang="en-US" sz="7200" b="1" strike="noStrike" spc="-1">
+              <a:rPr lang="en-US" sz="7200" b="1" strike="noStrike" spc="-1" dirty="0">
                 <a:solidFill>
                   <a:srgbClr val="FFFFFF"/>
                 </a:solidFill>
@@ -2393,7 +2349,7 @@
               </a:rPr>
               <a:t>University of Freiburg</a:t>
             </a:r>
-            <a:endParaRPr lang="en-US" sz="1800" b="0" strike="noStrike" spc="-1">
+            <a:endParaRPr lang="en-US" sz="1800" b="0" strike="noStrike" spc="-1" dirty="0">
               <a:solidFill>
                 <a:srgbClr val="000000"/>
               </a:solidFill>
@@ -2412,21 +2368,36 @@
               </a:lnSpc>
             </a:pPr>
             <a:r>
-              <a:rPr lang="en-US" sz="7200" b="1" strike="noStrike" spc="-1">
-                <a:solidFill>
-                  <a:srgbClr val="FFFFFF"/>
-                </a:solidFill>
-                <a:uFill>
-                  <a:solidFill>
-                    <a:srgbClr val="FFFFFF"/>
-                  </a:solidFill>
-                </a:uFill>
-                <a:latin typeface="Arial"/>
-                <a:ea typeface="DejaVu Sans"/>
-              </a:rPr>
-              <a:t>Chair of Prof. Rolf Backofen</a:t>
-            </a:r>
-            <a:endParaRPr lang="en-US" sz="1800" b="0" strike="noStrike" spc="-1">
+              <a:rPr lang="en-US" sz="7200" b="1" strike="noStrike" spc="-1" dirty="0">
+                <a:solidFill>
+                  <a:srgbClr val="FFFFFF"/>
+                </a:solidFill>
+                <a:uFill>
+                  <a:solidFill>
+                    <a:srgbClr val="FFFFFF"/>
+                  </a:solidFill>
+                </a:uFill>
+                <a:latin typeface="Arial"/>
+                <a:ea typeface="DejaVu Sans"/>
+              </a:rPr>
+              <a:t>Chair of </a:t>
+            </a:r>
+            <a:r>
+              <a:rPr lang="en-US" sz="7200" b="1" spc="-1" dirty="0" smtClean="0">
+                <a:solidFill>
+                  <a:srgbClr val="FFFFFF"/>
+                </a:solidFill>
+                <a:uFill>
+                  <a:solidFill>
+                    <a:srgbClr val="FFFFFF"/>
+                  </a:solidFill>
+                </a:uFill>
+                <a:latin typeface="Arial"/>
+                <a:ea typeface="DejaVu Sans"/>
+              </a:rPr>
+              <a:t>Bioinformatics</a:t>
+            </a:r>
+            <a:endParaRPr lang="en-US" sz="1800" b="0" strike="noStrike" spc="-1" dirty="0">
               <a:solidFill>
                 <a:srgbClr val="000000"/>
               </a:solidFill>
@@ -2481,6 +2452,51 @@
               </a:lnSpc>
             </a:pPr>
             <a:r>
+              <a:rPr lang="en-US" sz="4000" b="0" strike="noStrike" spc="-1" dirty="0" err="1" smtClean="0">
+                <a:solidFill>
+                  <a:srgbClr val="FFFFFF"/>
+                </a:solidFill>
+                <a:uFill>
+                  <a:solidFill>
+                    <a:srgbClr val="FFFFFF"/>
+                  </a:solidFill>
+                </a:uFill>
+                <a:latin typeface="Arial"/>
+                <a:ea typeface="DejaVu Sans"/>
+              </a:rPr>
+              <a:t>Björn</a:t>
+            </a:r>
+            <a:r>
+              <a:rPr lang="en-US" sz="4000" b="0" strike="noStrike" spc="-1" dirty="0" smtClean="0">
+                <a:solidFill>
+                  <a:srgbClr val="FFFFFF"/>
+                </a:solidFill>
+                <a:uFill>
+                  <a:solidFill>
+                    <a:srgbClr val="FFFFFF"/>
+                  </a:solidFill>
+                </a:uFill>
+                <a:latin typeface="Arial"/>
+                <a:ea typeface="DejaVu Sans"/>
+              </a:rPr>
+              <a:t> </a:t>
+            </a:r>
+            <a:r>
+              <a:rPr lang="en-US" sz="4000" b="0" strike="noStrike" spc="-1" dirty="0" err="1" smtClean="0">
+                <a:solidFill>
+                  <a:srgbClr val="FFFFFF"/>
+                </a:solidFill>
+                <a:uFill>
+                  <a:solidFill>
+                    <a:srgbClr val="FFFFFF"/>
+                  </a:solidFill>
+                </a:uFill>
+                <a:latin typeface="Arial"/>
+                <a:ea typeface="DejaVu Sans"/>
+              </a:rPr>
+              <a:t>Grüning</a:t>
+            </a:r>
+            <a:r>
               <a:rPr lang="en-US" sz="4000" b="0" strike="noStrike" spc="-1" dirty="0">
                 <a:solidFill>
                   <a:srgbClr val="FFFFFF"/>
@@ -2493,10 +2509,25 @@
                 <a:latin typeface="Arial"/>
                 <a:ea typeface="DejaVu Sans"/>
               </a:rPr>
-              <a:t>Rolf </a:t>
-            </a:r>
-            <a:r>
-              <a:rPr lang="en-US" sz="4000" b="0" strike="noStrike" spc="-1" dirty="0" err="1">
+              <a:t>, Joachim </a:t>
+            </a:r>
+            <a:r>
+              <a:rPr lang="en-US" sz="4000" b="0" strike="noStrike" spc="-1" dirty="0" smtClean="0">
+                <a:solidFill>
+                  <a:srgbClr val="FFFFFF"/>
+                </a:solidFill>
+                <a:uFill>
+                  <a:solidFill>
+                    <a:srgbClr val="FFFFFF"/>
+                  </a:solidFill>
+                </a:uFill>
+                <a:latin typeface="Arial"/>
+                <a:ea typeface="DejaVu Sans"/>
+              </a:rPr>
+              <a:t>Wolff, Rolf </a:t>
+            </a:r>
+            <a:r>
+              <a:rPr lang="en-US" sz="4000" b="0" strike="noStrike" spc="-1" dirty="0" err="1" smtClean="0">
                 <a:solidFill>
                   <a:srgbClr val="FFFFFF"/>
                 </a:solidFill>
@@ -2509,81 +2540,6 @@
                 <a:ea typeface="DejaVu Sans"/>
               </a:rPr>
               <a:t>Backofen</a:t>
-            </a:r>
-            <a:r>
-              <a:rPr lang="en-US" sz="4000" b="0" strike="noStrike" spc="-1" dirty="0">
-                <a:solidFill>
-                  <a:srgbClr val="FFFFFF"/>
-                </a:solidFill>
-                <a:uFill>
-                  <a:solidFill>
-                    <a:srgbClr val="FFFFFF"/>
-                  </a:solidFill>
-                </a:uFill>
-                <a:latin typeface="Arial"/>
-                <a:ea typeface="DejaVu Sans"/>
-              </a:rPr>
-              <a:t>, </a:t>
-            </a:r>
-            <a:r>
-              <a:rPr lang="en-US" sz="4000" b="0" strike="noStrike" spc="-1" dirty="0" err="1" smtClean="0">
-                <a:solidFill>
-                  <a:srgbClr val="FFFFFF"/>
-                </a:solidFill>
-                <a:uFill>
-                  <a:solidFill>
-                    <a:srgbClr val="FFFFFF"/>
-                  </a:solidFill>
-                </a:uFill>
-                <a:latin typeface="Arial"/>
-                <a:ea typeface="DejaVu Sans"/>
-              </a:rPr>
-              <a:t>Björn</a:t>
-            </a:r>
-            <a:r>
-              <a:rPr lang="en-US" sz="4000" b="0" strike="noStrike" spc="-1" dirty="0" smtClean="0">
-                <a:solidFill>
-                  <a:srgbClr val="FFFFFF"/>
-                </a:solidFill>
-                <a:uFill>
-                  <a:solidFill>
-                    <a:srgbClr val="FFFFFF"/>
-                  </a:solidFill>
-                </a:uFill>
-                <a:latin typeface="Arial"/>
-                <a:ea typeface="DejaVu Sans"/>
-              </a:rPr>
-              <a:t> </a:t>
-            </a:r>
-            <a:r>
-              <a:rPr lang="en-US" sz="4000" b="0" strike="noStrike" spc="-1" dirty="0" err="1" smtClean="0">
-                <a:solidFill>
-                  <a:srgbClr val="FFFFFF"/>
-                </a:solidFill>
-                <a:uFill>
-                  <a:solidFill>
-                    <a:srgbClr val="FFFFFF"/>
-                  </a:solidFill>
-                </a:uFill>
-                <a:latin typeface="Arial"/>
-                <a:ea typeface="DejaVu Sans"/>
-              </a:rPr>
-              <a:t>Grüning</a:t>
-            </a:r>
-            <a:r>
-              <a:rPr lang="en-US" sz="4000" b="0" strike="noStrike" spc="-1" dirty="0">
-                <a:solidFill>
-                  <a:srgbClr val="FFFFFF"/>
-                </a:solidFill>
-                <a:uFill>
-                  <a:solidFill>
-                    <a:srgbClr val="FFFFFF"/>
-                  </a:solidFill>
-                </a:uFill>
-                <a:latin typeface="Arial"/>
-                <a:ea typeface="DejaVu Sans"/>
-              </a:rPr>
-              <a:t>, Joachim Wolff</a:t>
             </a:r>
             <a:endParaRPr lang="en-US" sz="1800" b="0" strike="noStrike" spc="-1" dirty="0">
               <a:solidFill>
@@ -2911,21 +2867,81 @@
               </a:lnSpc>
             </a:pPr>
             <a:r>
-              <a:rPr lang="en-US" sz="6000" b="1" strike="noStrike" spc="-1">
-                <a:solidFill>
-                  <a:srgbClr val="FFFFFF"/>
-                </a:solidFill>
-                <a:uFill>
-                  <a:solidFill>
-                    <a:srgbClr val="FFFFFF"/>
-                  </a:solidFill>
-                </a:uFill>
-                <a:latin typeface="Arial"/>
-                <a:ea typeface="DejaVu Sans"/>
-              </a:rPr>
-              <a:t>Short description of the project</a:t>
-            </a:r>
-            <a:endParaRPr lang="en-US" sz="1800" b="0" strike="noStrike" spc="-1">
+              <a:rPr lang="en-US" sz="6000" b="1" spc="-1" dirty="0" smtClean="0">
+                <a:solidFill>
+                  <a:srgbClr val="FFFFFF"/>
+                </a:solidFill>
+                <a:uFill>
+                  <a:solidFill>
+                    <a:srgbClr val="FFFFFF"/>
+                  </a:solidFill>
+                </a:uFill>
+                <a:latin typeface="Arial"/>
+                <a:ea typeface="DejaVu Sans"/>
+              </a:rPr>
+              <a:t> D</a:t>
+            </a:r>
+            <a:r>
+              <a:rPr lang="en-US" sz="6000" b="1" strike="noStrike" spc="-1" dirty="0" smtClean="0">
+                <a:solidFill>
+                  <a:srgbClr val="FFFFFF"/>
+                </a:solidFill>
+                <a:uFill>
+                  <a:solidFill>
+                    <a:srgbClr val="FFFFFF"/>
+                  </a:solidFill>
+                </a:uFill>
+                <a:latin typeface="Arial"/>
+                <a:ea typeface="DejaVu Sans"/>
+              </a:rPr>
+              <a:t>escription </a:t>
+            </a:r>
+            <a:r>
+              <a:rPr lang="en-US" sz="6000" b="1" strike="noStrike" spc="-1" dirty="0">
+                <a:solidFill>
+                  <a:srgbClr val="FFFFFF"/>
+                </a:solidFill>
+                <a:uFill>
+                  <a:solidFill>
+                    <a:srgbClr val="FFFFFF"/>
+                  </a:solidFill>
+                </a:uFill>
+                <a:latin typeface="Arial"/>
+                <a:ea typeface="DejaVu Sans"/>
+              </a:rPr>
+              <a:t>of </a:t>
+            </a:r>
+            <a:r>
+              <a:rPr lang="en-US" sz="6000" b="1" spc="-1" dirty="0" err="1" smtClean="0">
+                <a:solidFill>
+                  <a:srgbClr val="FFFFFF"/>
+                </a:solidFill>
+                <a:uFill>
+                  <a:solidFill>
+                    <a:srgbClr val="FFFFFF"/>
+                  </a:solidFill>
+                </a:uFill>
+                <a:latin typeface="Arial"/>
+                <a:ea typeface="DejaVu Sans"/>
+              </a:rPr>
+              <a:t>de.NBI</a:t>
+            </a:r>
+            <a:r>
+              <a:rPr lang="en-US" sz="6000" b="1" spc="-1" dirty="0" smtClean="0">
+                <a:solidFill>
+                  <a:srgbClr val="FFFFFF"/>
+                </a:solidFill>
+                <a:uFill>
+                  <a:solidFill>
+                    <a:srgbClr val="FFFFFF"/>
+                  </a:solidFill>
+                </a:uFill>
+                <a:latin typeface="Arial"/>
+                <a:ea typeface="DejaVu Sans"/>
+              </a:rPr>
+              <a:t>-epi</a:t>
+            </a:r>
+            <a:endParaRPr lang="en-US" sz="1800" b="0" strike="noStrike" spc="-1" dirty="0">
               <a:solidFill>
                 <a:srgbClr val="000000"/>
               </a:solidFill>
@@ -2947,7 +2963,7 @@
         </p:nvSpPr>
         <p:spPr>
           <a:xfrm>
-            <a:off x="16205400" y="28074600"/>
+            <a:off x="16508610" y="26033430"/>
             <a:ext cx="12598200" cy="1003320"/>
           </a:xfrm>
           <a:prstGeom prst="rect">
@@ -2982,21 +2998,66 @@
               </a:lnSpc>
             </a:pPr>
             <a:r>
-              <a:rPr lang="en-US" sz="6000" b="1" strike="noStrike" spc="-1">
-                <a:solidFill>
-                  <a:srgbClr val="FFFFFF"/>
-                </a:solidFill>
-                <a:uFill>
-                  <a:solidFill>
-                    <a:srgbClr val="FFFFFF"/>
-                  </a:solidFill>
-                </a:uFill>
-                <a:latin typeface="Arial"/>
-                <a:ea typeface="DejaVu Sans"/>
-              </a:rPr>
-              <a:t>de.NBI training and education</a:t>
-            </a:r>
-            <a:endParaRPr lang="en-US" sz="1800" b="0" strike="noStrike" spc="-1">
+              <a:rPr lang="en-US" sz="6000" b="1" strike="noStrike" spc="-1" dirty="0" smtClean="0">
+                <a:solidFill>
+                  <a:srgbClr val="FFFFFF"/>
+                </a:solidFill>
+                <a:uFill>
+                  <a:solidFill>
+                    <a:srgbClr val="FFFFFF"/>
+                  </a:solidFill>
+                </a:uFill>
+                <a:latin typeface="Arial"/>
+                <a:ea typeface="DejaVu Sans"/>
+              </a:rPr>
+              <a:t> </a:t>
+            </a:r>
+            <a:r>
+              <a:rPr lang="en-US" sz="6000" b="1" strike="noStrike" spc="-1" dirty="0" err="1" smtClean="0">
+                <a:solidFill>
+                  <a:srgbClr val="FFFFFF"/>
+                </a:solidFill>
+                <a:uFill>
+                  <a:solidFill>
+                    <a:srgbClr val="FFFFFF"/>
+                  </a:solidFill>
+                </a:uFill>
+                <a:latin typeface="Arial"/>
+                <a:ea typeface="DejaVu Sans"/>
+              </a:rPr>
+              <a:t>de.NBI</a:t>
+            </a:r>
+            <a:r>
+              <a:rPr lang="en-US" sz="6000" b="1" strike="noStrike" spc="-1" dirty="0" smtClean="0">
+                <a:solidFill>
+                  <a:srgbClr val="FFFFFF"/>
+                </a:solidFill>
+                <a:uFill>
+                  <a:solidFill>
+                    <a:srgbClr val="FFFFFF"/>
+                  </a:solidFill>
+                </a:uFill>
+                <a:latin typeface="Arial"/>
+                <a:ea typeface="DejaVu Sans"/>
+              </a:rPr>
+              <a:t> </a:t>
+            </a:r>
+            <a:r>
+              <a:rPr lang="en-US" sz="6000" b="1" strike="noStrike" spc="-1" dirty="0">
+                <a:solidFill>
+                  <a:srgbClr val="FFFFFF"/>
+                </a:solidFill>
+                <a:uFill>
+                  <a:solidFill>
+                    <a:srgbClr val="FFFFFF"/>
+                  </a:solidFill>
+                </a:uFill>
+                <a:latin typeface="Arial"/>
+                <a:ea typeface="DejaVu Sans"/>
+              </a:rPr>
+              <a:t>training and education</a:t>
+            </a:r>
+            <a:endParaRPr lang="en-US" sz="1800" b="0" strike="noStrike" spc="-1" dirty="0">
               <a:solidFill>
                 <a:srgbClr val="000000"/>
               </a:solidFill>
@@ -3018,7 +3079,7 @@
         </p:nvSpPr>
         <p:spPr>
           <a:xfrm>
-            <a:off x="1427820" y="22454820"/>
+            <a:off x="1230706" y="22033020"/>
             <a:ext cx="12598200" cy="1003320"/>
           </a:xfrm>
           <a:prstGeom prst="rect">
@@ -3053,6 +3114,21 @@
               </a:lnSpc>
             </a:pPr>
             <a:r>
+              <a:rPr lang="en-US" sz="6000" b="1" strike="noStrike" spc="-1" dirty="0" smtClean="0">
+                <a:solidFill>
+                  <a:srgbClr val="FFFFFF"/>
+                </a:solidFill>
+                <a:uFill>
+                  <a:solidFill>
+                    <a:srgbClr val="FFFFFF"/>
+                  </a:solidFill>
+                </a:uFill>
+                <a:latin typeface="Arial"/>
+                <a:ea typeface="DejaVu Sans"/>
+              </a:rPr>
+              <a:t> Community </a:t>
+            </a:r>
+            <a:r>
               <a:rPr lang="en-US" sz="6000" b="1" strike="noStrike" spc="-1" dirty="0">
                 <a:solidFill>
                   <a:srgbClr val="FFFFFF"/>
@@ -3065,7 +3141,7 @@
                 <a:latin typeface="Arial"/>
                 <a:ea typeface="DejaVu Sans"/>
               </a:rPr>
-              <a:t>Community based infrastructure   </a:t>
+              <a:t>based infrastructure   </a:t>
             </a:r>
             <a:endParaRPr lang="en-US" sz="1800" b="0" strike="noStrike" spc="-1" dirty="0">
               <a:solidFill>
@@ -3089,7 +3165,7 @@
         </p:nvSpPr>
         <p:spPr>
           <a:xfrm>
-            <a:off x="1177094" y="37836715"/>
+            <a:off x="1008766" y="37836715"/>
             <a:ext cx="12598200" cy="1003320"/>
           </a:xfrm>
           <a:prstGeom prst="rect">
@@ -3124,19 +3200,19 @@
               </a:lnSpc>
             </a:pPr>
             <a:r>
-              <a:rPr lang="en-US" sz="6000" b="1" strike="noStrike" spc="-1" dirty="0">
-                <a:solidFill>
-                  <a:srgbClr val="FFFFFF"/>
-                </a:solidFill>
-                <a:uFill>
-                  <a:solidFill>
-                    <a:srgbClr val="FFFFFF"/>
-                  </a:solidFill>
-                </a:uFill>
-                <a:latin typeface="Arial"/>
-                <a:ea typeface="DejaVu Sans"/>
-              </a:rPr>
-              <a:t>Publications </a:t>
+              <a:rPr lang="en-US" sz="6000" b="1" strike="noStrike" spc="-1" dirty="0" smtClean="0">
+                <a:solidFill>
+                  <a:srgbClr val="FFFFFF"/>
+                </a:solidFill>
+                <a:uFill>
+                  <a:solidFill>
+                    <a:srgbClr val="FFFFFF"/>
+                  </a:solidFill>
+                </a:uFill>
+                <a:latin typeface="Arial"/>
+                <a:ea typeface="DejaVu Sans"/>
+              </a:rPr>
+              <a:t> Publications </a:t>
             </a:r>
             <a:endParaRPr lang="en-US" sz="1800" b="0" strike="noStrike" spc="-1" dirty="0">
               <a:solidFill>
@@ -3719,22 +3795,7 @@
               </a:lnSpc>
             </a:pPr>
             <a:r>
-              <a:rPr lang="en-US" sz="6000" b="1" strike="noStrike" spc="-1">
-                <a:solidFill>
-                  <a:srgbClr val="FFFFFF"/>
-                </a:solidFill>
-                <a:uFill>
-                  <a:solidFill>
-                    <a:srgbClr val="FFFFFF"/>
-                  </a:solidFill>
-                </a:uFill>
-                <a:latin typeface="Arial"/>
-                <a:ea typeface="DejaVu Sans"/>
-              </a:rPr>
-              <a:t>de.NBI services   </a:t>
-            </a:r>
-            <a:r>
-              <a:rPr lang="en-US" sz="4000" b="1" strike="noStrike" spc="-1">
+              <a:rPr lang="en-US" sz="6000" b="1" strike="noStrike" spc="-1" dirty="0" smtClean="0">
                 <a:solidFill>
                   <a:srgbClr val="FFFFFF"/>
                 </a:solidFill>
@@ -3748,7 +3809,67 @@
               </a:rPr>
               <a:t> </a:t>
             </a:r>
-            <a:endParaRPr lang="en-US" sz="1800" b="0" strike="noStrike" spc="-1">
+            <a:r>
+              <a:rPr lang="en-US" sz="6000" b="1" strike="noStrike" spc="-1" dirty="0" err="1" smtClean="0">
+                <a:solidFill>
+                  <a:srgbClr val="FFFFFF"/>
+                </a:solidFill>
+                <a:uFill>
+                  <a:solidFill>
+                    <a:srgbClr val="FFFFFF"/>
+                  </a:solidFill>
+                </a:uFill>
+                <a:latin typeface="Arial"/>
+                <a:ea typeface="DejaVu Sans"/>
+              </a:rPr>
+              <a:t>de.NBI</a:t>
+            </a:r>
+            <a:r>
+              <a:rPr lang="en-US" sz="6000" b="1" strike="noStrike" spc="-1" dirty="0" smtClean="0">
+                <a:solidFill>
+                  <a:srgbClr val="FFFFFF"/>
+                </a:solidFill>
+                <a:uFill>
+                  <a:solidFill>
+                    <a:srgbClr val="FFFFFF"/>
+                  </a:solidFill>
+                </a:uFill>
+                <a:latin typeface="Arial"/>
+                <a:ea typeface="DejaVu Sans"/>
+              </a:rPr>
+              <a:t> </a:t>
+            </a:r>
+            <a:r>
+              <a:rPr lang="en-US" sz="6000" b="1" strike="noStrike" spc="-1" dirty="0">
+                <a:solidFill>
+                  <a:srgbClr val="FFFFFF"/>
+                </a:solidFill>
+                <a:uFill>
+                  <a:solidFill>
+                    <a:srgbClr val="FFFFFF"/>
+                  </a:solidFill>
+                </a:uFill>
+                <a:latin typeface="Arial"/>
+                <a:ea typeface="DejaVu Sans"/>
+              </a:rPr>
+              <a:t>services   </a:t>
+            </a:r>
+            <a:r>
+              <a:rPr lang="en-US" sz="4000" b="1" strike="noStrike" spc="-1" dirty="0">
+                <a:solidFill>
+                  <a:srgbClr val="FFFFFF"/>
+                </a:solidFill>
+                <a:uFill>
+                  <a:solidFill>
+                    <a:srgbClr val="FFFFFF"/>
+                  </a:solidFill>
+                </a:uFill>
+                <a:latin typeface="Arial"/>
+                <a:ea typeface="DejaVu Sans"/>
+              </a:rPr>
+              <a:t> </a:t>
+            </a:r>
+            <a:endParaRPr lang="en-US" sz="1800" b="0" strike="noStrike" spc="-1" dirty="0">
               <a:solidFill>
                 <a:srgbClr val="000000"/>
               </a:solidFill>
@@ -3848,7 +3969,7 @@
         </p:nvSpPr>
         <p:spPr>
           <a:xfrm>
-            <a:off x="1280160" y="11704320"/>
+            <a:off x="1230706" y="11688480"/>
             <a:ext cx="12525840" cy="1644480"/>
           </a:xfrm>
           <a:prstGeom prst="rect">
@@ -3875,7 +3996,7 @@
           <a:bodyPr lIns="90000" tIns="45000" rIns="90000" bIns="45000"/>
           <a:lstStyle/>
           <a:p>
-            <a:pPr>
+            <a:pPr algn="just">
               <a:lnSpc>
                 <a:spcPct val="100000"/>
               </a:lnSpc>
@@ -3926,6 +4047,21 @@
               <a:t>-epi project in Freiburg offers </a:t>
             </a:r>
             <a:r>
+              <a:rPr lang="en-US" sz="3200" b="1" strike="noStrike" spc="-1" dirty="0" err="1" smtClean="0">
+                <a:solidFill>
+                  <a:srgbClr val="000000"/>
+                </a:solidFill>
+                <a:uFill>
+                  <a:solidFill>
+                    <a:srgbClr val="FFFFFF"/>
+                  </a:solidFill>
+                </a:uFill>
+                <a:latin typeface="Arial"/>
+                <a:ea typeface="DejaVu Sans"/>
+              </a:rPr>
+              <a:t>visualisation</a:t>
+            </a:r>
+            <a:r>
               <a:rPr lang="en-US" sz="3200" b="1" strike="noStrike" spc="-1" dirty="0">
                 <a:solidFill>
                   <a:srgbClr val="000000"/>
@@ -3938,7 +4074,52 @@
                 <a:latin typeface="Arial"/>
                 <a:ea typeface="DejaVu Sans"/>
               </a:rPr>
-              <a:t>visualization, normalization and quality assessment of epigenetic datasets</a:t>
+              <a:t>, </a:t>
+            </a:r>
+            <a:r>
+              <a:rPr lang="en-US" sz="3200" b="1" strike="noStrike" spc="-1" dirty="0" err="1" smtClean="0">
+                <a:solidFill>
+                  <a:srgbClr val="000000"/>
+                </a:solidFill>
+                <a:uFill>
+                  <a:solidFill>
+                    <a:srgbClr val="FFFFFF"/>
+                  </a:solidFill>
+                </a:uFill>
+                <a:latin typeface="Arial"/>
+                <a:ea typeface="DejaVu Sans"/>
+              </a:rPr>
+              <a:t>normalisation</a:t>
+            </a:r>
+            <a:r>
+              <a:rPr lang="en-US" sz="3200" b="1" strike="noStrike" spc="-1" dirty="0" smtClean="0">
+                <a:solidFill>
+                  <a:srgbClr val="000000"/>
+                </a:solidFill>
+                <a:uFill>
+                  <a:solidFill>
+                    <a:srgbClr val="FFFFFF"/>
+                  </a:solidFill>
+                </a:uFill>
+                <a:latin typeface="Arial"/>
+                <a:ea typeface="DejaVu Sans"/>
+              </a:rPr>
+              <a:t> </a:t>
+            </a:r>
+            <a:r>
+              <a:rPr lang="en-US" sz="3200" b="1" strike="noStrike" spc="-1" dirty="0">
+                <a:solidFill>
+                  <a:srgbClr val="000000"/>
+                </a:solidFill>
+                <a:uFill>
+                  <a:solidFill>
+                    <a:srgbClr val="FFFFFF"/>
+                  </a:solidFill>
+                </a:uFill>
+                <a:latin typeface="Arial"/>
+                <a:ea typeface="DejaVu Sans"/>
+              </a:rPr>
+              <a:t>and quality assessment of epigenetic datasets</a:t>
             </a:r>
             <a:r>
               <a:rPr lang="en-US" sz="3200" b="0" strike="noStrike" spc="-1" dirty="0">
@@ -4013,7 +4194,7 @@
                 <a:latin typeface="Arial"/>
                 <a:ea typeface="DejaVu Sans"/>
               </a:rPr>
-              <a:t>bisulfite sequencing analysis pipeline</a:t>
+              <a:t>bisulfite sequencing analysis pipelines</a:t>
             </a:r>
             <a:r>
               <a:rPr lang="en-US" sz="3200" b="0" strike="noStrike" spc="-1" dirty="0">
@@ -4028,7 +4209,7 @@
                 <a:latin typeface="Arial"/>
                 <a:ea typeface="DejaVu Sans"/>
               </a:rPr>
-              <a:t>s into Galaxy.</a:t>
+              <a:t> into Galaxy.</a:t>
             </a:r>
             <a:endParaRPr lang="en-US" sz="1800" b="0" strike="noStrike" spc="-1" dirty="0">
               <a:solidFill>
@@ -4125,7 +4306,7 @@
         </p:blipFill>
         <p:spPr>
           <a:xfrm>
-            <a:off x="5519206" y="23717640"/>
+            <a:off x="5586440" y="23245320"/>
             <a:ext cx="3809880" cy="822240"/>
           </a:xfrm>
           <a:prstGeom prst="rect">
@@ -4148,7 +4329,7 @@
         </p:blipFill>
         <p:spPr>
           <a:xfrm>
-            <a:off x="1126126" y="23865960"/>
+            <a:off x="1193360" y="23393640"/>
             <a:ext cx="3373920" cy="547920"/>
           </a:xfrm>
           <a:prstGeom prst="rect">
@@ -4167,7 +4348,7 @@
         </p:nvSpPr>
         <p:spPr>
           <a:xfrm>
-            <a:off x="16517160" y="31177080"/>
+            <a:off x="16517160" y="30739574"/>
             <a:ext cx="12103560" cy="2926080"/>
           </a:xfrm>
           <a:prstGeom prst="rect">
@@ -4226,6 +4407,7 @@
           <a:bodyPr lIns="90000" tIns="45000" rIns="90000" bIns="45000"/>
           <a:lstStyle/>
           <a:p>
+            <a:pPr algn="just"/>
             <a:r>
               <a:rPr lang="en-US" sz="3200" b="0" strike="noStrike" spc="-1" dirty="0">
                 <a:solidFill>
@@ -4239,22 +4421,22 @@
                 <a:latin typeface="Arial"/>
                 <a:ea typeface="DejaVu Sans"/>
               </a:rPr>
-              <a:t>Maintenance and Integration of software into Galaxy to provide easy access for </a:t>
-            </a:r>
-            <a:r>
-              <a:rPr lang="en-US" sz="3200" b="0" strike="noStrike" spc="-1" dirty="0" err="1">
-                <a:solidFill>
-                  <a:srgbClr val="000000"/>
-                </a:solidFill>
-                <a:uFill>
-                  <a:solidFill>
-                    <a:srgbClr val="FFFFFF"/>
-                  </a:solidFill>
-                </a:uFill>
-                <a:latin typeface="Arial"/>
-                <a:ea typeface="DejaVu Sans"/>
-              </a:rPr>
-              <a:t>epigentic</a:t>
+              <a:t>Maintenance and </a:t>
+            </a:r>
+            <a:r>
+              <a:rPr lang="en-US" sz="3200" b="0" strike="noStrike" spc="-1" dirty="0" smtClean="0">
+                <a:solidFill>
+                  <a:srgbClr val="000000"/>
+                </a:solidFill>
+                <a:uFill>
+                  <a:solidFill>
+                    <a:srgbClr val="FFFFFF"/>
+                  </a:solidFill>
+                </a:uFill>
+                <a:latin typeface="Arial"/>
+                <a:ea typeface="DejaVu Sans"/>
+              </a:rPr>
+              <a:t>integration </a:t>
             </a:r>
             <a:r>
               <a:rPr lang="en-US" sz="3200" b="0" strike="noStrike" spc="-1" dirty="0">
@@ -4269,7 +4451,37 @@
                 <a:latin typeface="Arial"/>
                 <a:ea typeface="DejaVu Sans"/>
               </a:rPr>
-              <a:t> analysis software:</a:t>
+              <a:t>of software into Galaxy to provide easy access for </a:t>
+            </a:r>
+            <a:r>
+              <a:rPr lang="en-US" sz="3200" b="0" strike="noStrike" spc="-1" dirty="0" smtClean="0">
+                <a:solidFill>
+                  <a:srgbClr val="000000"/>
+                </a:solidFill>
+                <a:uFill>
+                  <a:solidFill>
+                    <a:srgbClr val="FFFFFF"/>
+                  </a:solidFill>
+                </a:uFill>
+                <a:latin typeface="Arial"/>
+                <a:ea typeface="DejaVu Sans"/>
+              </a:rPr>
+              <a:t>epigenetic </a:t>
+            </a:r>
+            <a:r>
+              <a:rPr lang="en-US" sz="3200" b="0" strike="noStrike" spc="-1" dirty="0">
+                <a:solidFill>
+                  <a:srgbClr val="000000"/>
+                </a:solidFill>
+                <a:uFill>
+                  <a:solidFill>
+                    <a:srgbClr val="FFFFFF"/>
+                  </a:solidFill>
+                </a:uFill>
+                <a:latin typeface="Arial"/>
+                <a:ea typeface="DejaVu Sans"/>
+              </a:rPr>
+              <a:t>analysis software:</a:t>
             </a:r>
             <a:endParaRPr lang="en-US" sz="1800" b="0" strike="noStrike" spc="-1" dirty="0">
               <a:solidFill>
@@ -4284,6 +4496,7 @@
             </a:endParaRPr>
           </a:p>
           <a:p>
+            <a:pPr algn="just"/>
             <a:endParaRPr lang="en-US" sz="1800" b="0" strike="noStrike" spc="-1" dirty="0">
               <a:solidFill>
                 <a:srgbClr val="000000"/>
@@ -4297,7 +4510,7 @@
             </a:endParaRPr>
           </a:p>
           <a:p>
-            <a:pPr marL="216000" indent="-214560">
+            <a:pPr marL="216000" indent="-214560" algn="just">
               <a:buClr>
                 <a:srgbClr val="000000"/>
               </a:buClr>
@@ -4347,7 +4560,7 @@
             </a:endParaRPr>
           </a:p>
           <a:p>
-            <a:pPr marL="216000" indent="-214560">
+            <a:pPr marL="216000" indent="-214560" algn="just">
               <a:buClr>
                 <a:srgbClr val="000000"/>
               </a:buClr>
@@ -4397,7 +4610,7 @@
             </a:endParaRPr>
           </a:p>
           <a:p>
-            <a:pPr marL="216000" indent="-214560">
+            <a:pPr marL="216000" indent="-214560" algn="just">
               <a:buClr>
                 <a:srgbClr val="000000"/>
               </a:buClr>
@@ -4447,7 +4660,7 @@
             </a:endParaRPr>
           </a:p>
           <a:p>
-            <a:pPr marL="216000" indent="-214560">
+            <a:pPr marL="216000" indent="-214560" algn="just">
               <a:buClr>
                 <a:srgbClr val="000000"/>
               </a:buClr>
@@ -4497,7 +4710,7 @@
             </a:endParaRPr>
           </a:p>
           <a:p>
-            <a:pPr marL="216000" indent="-214560">
+            <a:pPr marL="216000" indent="-214560" algn="just">
               <a:buClr>
                 <a:srgbClr val="000000"/>
               </a:buClr>
@@ -4547,7 +4760,7 @@
             </a:endParaRPr>
           </a:p>
           <a:p>
-            <a:pPr marL="216000" indent="-214560">
+            <a:pPr marL="216000" indent="-214560" algn="just">
               <a:buClr>
                 <a:srgbClr val="000000"/>
               </a:buClr>
@@ -4570,7 +4783,7 @@
               <a:t> </a:t>
             </a:r>
             <a:r>
-              <a:rPr lang="en-US" sz="3200" b="0" strike="noStrike" spc="-1" dirty="0" err="1">
+              <a:rPr lang="en-US" sz="3200" b="0" strike="noStrike" spc="-1" dirty="0" err="1" smtClean="0">
                 <a:solidFill>
                   <a:srgbClr val="000000"/>
                 </a:solidFill>
@@ -4584,7 +4797,7 @@
               </a:rPr>
               <a:t>PileOMeth</a:t>
             </a:r>
-            <a:endParaRPr lang="en-US" sz="1800" b="0" strike="noStrike" spc="-1" dirty="0">
+            <a:endParaRPr lang="en-US" sz="3200" b="0" strike="noStrike" spc="-1" dirty="0" smtClean="0">
               <a:solidFill>
                 <a:srgbClr val="000000"/>
               </a:solidFill>
@@ -4594,10 +4807,11 @@
                 </a:solidFill>
               </a:uFill>
               <a:latin typeface="Arial"/>
+              <a:ea typeface="DejaVu Sans"/>
             </a:endParaRPr>
           </a:p>
           <a:p>
-            <a:pPr marL="216000" indent="-214560">
+            <a:pPr marL="216000" indent="-214560" algn="just">
               <a:buClr>
                 <a:srgbClr val="000000"/>
               </a:buClr>
@@ -4605,19 +4819,46 @@
               <a:buChar char=""/>
             </a:pPr>
             <a:r>
-              <a:rPr lang="en-US" sz="3200" b="0" strike="noStrike" spc="-1" dirty="0">
-                <a:solidFill>
-                  <a:srgbClr val="000000"/>
-                </a:solidFill>
-                <a:uFill>
-                  <a:solidFill>
-                    <a:srgbClr val="FFFFFF"/>
-                  </a:solidFill>
-                </a:uFill>
-                <a:latin typeface="Arial"/>
-                <a:ea typeface="DejaVu Sans"/>
-              </a:rPr>
-              <a:t> Beacons</a:t>
+              <a:rPr lang="en-US" sz="3200" spc="-1" dirty="0">
+                <a:solidFill>
+                  <a:srgbClr val="000000"/>
+                </a:solidFill>
+                <a:uFill>
+                  <a:solidFill>
+                    <a:srgbClr val="FFFFFF"/>
+                  </a:solidFill>
+                </a:uFill>
+                <a:latin typeface="Arial"/>
+              </a:rPr>
+              <a:t> </a:t>
+            </a:r>
+            <a:r>
+              <a:rPr lang="en-US" sz="3200" spc="-1" dirty="0" err="1">
+                <a:solidFill>
+                  <a:srgbClr val="000000"/>
+                </a:solidFill>
+                <a:uFill>
+                  <a:solidFill>
+                    <a:srgbClr val="FFFFFF"/>
+                  </a:solidFill>
+                </a:uFill>
+                <a:latin typeface="Arial"/>
+              </a:rPr>
+              <a:t>M</a:t>
+            </a:r>
+            <a:r>
+              <a:rPr lang="en-US" sz="3200" spc="-1" dirty="0" err="1" smtClean="0">
+                <a:solidFill>
+                  <a:srgbClr val="000000"/>
+                </a:solidFill>
+                <a:uFill>
+                  <a:solidFill>
+                    <a:srgbClr val="FFFFFF"/>
+                  </a:solidFill>
+                </a:uFill>
+                <a:latin typeface="Arial"/>
+              </a:rPr>
+              <a:t>ethtools</a:t>
             </a:r>
             <a:endParaRPr lang="en-US" sz="1800" b="0" strike="noStrike" spc="-1" dirty="0">
               <a:solidFill>
@@ -4632,6 +4873,28 @@
             </a:endParaRPr>
           </a:p>
           <a:p>
+            <a:pPr marL="216000" indent="-214560" algn="just">
+              <a:buClr>
+                <a:srgbClr val="000000"/>
+              </a:buClr>
+              <a:buFont typeface="Symbol"/>
+              <a:buChar char=""/>
+            </a:pPr>
+            <a:r>
+              <a:rPr lang="en-US" sz="3200" b="0" strike="noStrike" spc="-1" dirty="0">
+                <a:solidFill>
+                  <a:srgbClr val="000000"/>
+                </a:solidFill>
+                <a:uFill>
+                  <a:solidFill>
+                    <a:srgbClr val="FFFFFF"/>
+                  </a:solidFill>
+                </a:uFill>
+                <a:latin typeface="Arial"/>
+                <a:ea typeface="DejaVu Sans"/>
+              </a:rPr>
+              <a:t> Beacons</a:t>
+            </a:r>
             <a:endParaRPr lang="en-US" sz="1800" b="0" strike="noStrike" spc="-1" dirty="0">
               <a:solidFill>
                 <a:srgbClr val="000000"/>
@@ -4645,6 +4908,7 @@
             </a:endParaRPr>
           </a:p>
           <a:p>
+            <a:pPr algn="just"/>
             <a:endParaRPr lang="en-US" sz="1800" b="0" strike="noStrike" spc="-1" dirty="0">
               <a:solidFill>
                 <a:srgbClr val="000000"/>
@@ -4658,6 +4922,7 @@
             </a:endParaRPr>
           </a:p>
           <a:p>
+            <a:pPr algn="just"/>
             <a:endParaRPr lang="en-US" sz="1800" b="0" strike="noStrike" spc="-1" dirty="0">
               <a:solidFill>
                 <a:srgbClr val="000000"/>
@@ -4671,6 +4936,21 @@
             </a:endParaRPr>
           </a:p>
           <a:p>
+            <a:pPr algn="just"/>
+            <a:endParaRPr lang="en-US" sz="1800" b="0" strike="noStrike" spc="-1" dirty="0">
+              <a:solidFill>
+                <a:srgbClr val="000000"/>
+              </a:solidFill>
+              <a:uFill>
+                <a:solidFill>
+                  <a:srgbClr val="FFFFFF"/>
+                </a:solidFill>
+              </a:uFill>
+              <a:latin typeface="Arial"/>
+            </a:endParaRPr>
+          </a:p>
+          <a:p>
+            <a:pPr algn="just"/>
             <a:endParaRPr lang="en-US" sz="3200" b="0" strike="noStrike" spc="-1" dirty="0" smtClean="0">
               <a:solidFill>
                 <a:srgbClr val="000000"/>
@@ -4685,6 +4965,7 @@
             </a:endParaRPr>
           </a:p>
           <a:p>
+            <a:pPr algn="just"/>
             <a:endParaRPr lang="en-US" sz="3200" b="0" strike="noStrike" spc="-1" dirty="0" smtClean="0">
               <a:solidFill>
                 <a:srgbClr val="000000"/>
@@ -4699,20 +4980,7 @@
             </a:endParaRPr>
           </a:p>
           <a:p>
-            <a:endParaRPr lang="en-US" sz="3200" spc="-1" dirty="0">
-              <a:solidFill>
-                <a:srgbClr val="000000"/>
-              </a:solidFill>
-              <a:uFill>
-                <a:solidFill>
-                  <a:srgbClr val="FFFFFF"/>
-                </a:solidFill>
-              </a:uFill>
-              <a:latin typeface="Arial"/>
-              <a:ea typeface="DejaVu Sans"/>
-            </a:endParaRPr>
-          </a:p>
-          <a:p>
+            <a:pPr algn="just"/>
             <a:r>
               <a:rPr lang="en-US" sz="3200" b="0" strike="noStrike" spc="-1" dirty="0" smtClean="0">
                 <a:solidFill>
@@ -4756,7 +5024,37 @@
                 <a:latin typeface="Arial"/>
                 <a:ea typeface="DejaVu Sans"/>
               </a:rPr>
-              <a:t> as playground for SIG-2 and SIG-4 with Gamification:</a:t>
+              <a:t> as playground for SIG-2 and SIG-4 with </a:t>
+            </a:r>
+            <a:r>
+              <a:rPr lang="en-US" sz="3200" b="0" strike="noStrike" spc="-1" dirty="0" smtClean="0">
+                <a:solidFill>
+                  <a:srgbClr val="000000"/>
+                </a:solidFill>
+                <a:uFill>
+                  <a:solidFill>
+                    <a:srgbClr val="FFFFFF"/>
+                  </a:solidFill>
+                </a:uFill>
+                <a:latin typeface="Arial"/>
+                <a:ea typeface="DejaVu Sans"/>
+              </a:rPr>
+              <a:t>gamification</a:t>
+            </a:r>
+            <a:r>
+              <a:rPr lang="en-US" sz="3200" b="0" strike="noStrike" spc="-1" dirty="0">
+                <a:solidFill>
+                  <a:srgbClr val="000000"/>
+                </a:solidFill>
+                <a:uFill>
+                  <a:solidFill>
+                    <a:srgbClr val="FFFFFF"/>
+                  </a:solidFill>
+                </a:uFill>
+                <a:latin typeface="Arial"/>
+                <a:ea typeface="DejaVu Sans"/>
+              </a:rPr>
+              <a:t>:</a:t>
             </a:r>
             <a:endParaRPr lang="en-US" sz="1800" b="0" strike="noStrike" spc="-1" dirty="0">
               <a:solidFill>
@@ -4784,7 +5082,7 @@
         </p:blipFill>
         <p:spPr>
           <a:xfrm>
-            <a:off x="10427086" y="23809080"/>
+            <a:off x="10642080" y="23336760"/>
             <a:ext cx="3016800" cy="680400"/>
           </a:xfrm>
           <a:prstGeom prst="rect">
@@ -4803,8 +5101,8 @@
         </p:nvSpPr>
         <p:spPr>
           <a:xfrm>
-            <a:off x="1008766" y="25272120"/>
-            <a:ext cx="4205520" cy="5184000"/>
+            <a:off x="1099800" y="24330428"/>
+            <a:ext cx="4119120" cy="5184000"/>
           </a:xfrm>
           <a:prstGeom prst="rect">
             <a:avLst/>
@@ -4830,6 +5128,52 @@
           <a:bodyPr lIns="90000" tIns="45000" rIns="90000" bIns="45000"/>
           <a:lstStyle/>
           <a:p>
+            <a:pPr algn="just"/>
+            <a:r>
+              <a:rPr lang="en-US" sz="3200" b="0" strike="noStrike" spc="-1" dirty="0" err="1" smtClean="0">
+                <a:solidFill>
+                  <a:srgbClr val="000000"/>
+                </a:solidFill>
+                <a:uFill>
+                  <a:solidFill>
+                    <a:srgbClr val="FFFFFF"/>
+                  </a:solidFill>
+                </a:uFill>
+                <a:latin typeface="Arial"/>
+                <a:ea typeface="DejaVu Sans"/>
+              </a:rPr>
+              <a:t>BioConda</a:t>
+            </a:r>
+            <a:r>
+              <a:rPr lang="en-US" sz="3200" b="0" strike="noStrike" spc="-1" dirty="0" smtClean="0">
+                <a:solidFill>
+                  <a:srgbClr val="000000"/>
+                </a:solidFill>
+                <a:uFill>
+                  <a:solidFill>
+                    <a:srgbClr val="FFFFFF"/>
+                  </a:solidFill>
+                </a:uFill>
+                <a:latin typeface="Arial"/>
+                <a:ea typeface="DejaVu Sans"/>
+              </a:rPr>
+              <a:t> </a:t>
+            </a:r>
+            <a:r>
+              <a:rPr lang="en-US" sz="3200" b="0" strike="noStrike" spc="-1" dirty="0">
+                <a:solidFill>
+                  <a:srgbClr val="000000"/>
+                </a:solidFill>
+                <a:uFill>
+                  <a:solidFill>
+                    <a:srgbClr val="FFFFFF"/>
+                  </a:solidFill>
+                </a:uFill>
+                <a:latin typeface="Arial"/>
+                <a:ea typeface="DejaVu Sans"/>
+              </a:rPr>
+              <a:t>is a </a:t>
+            </a:r>
             <a:r>
               <a:rPr lang="en-US" sz="3200" b="0" strike="noStrike" spc="-1" dirty="0" err="1">
                 <a:solidFill>
@@ -4843,7 +5187,7 @@
                 <a:latin typeface="Arial"/>
                 <a:ea typeface="DejaVu Sans"/>
               </a:rPr>
-              <a:t>Bioconda</a:t>
+              <a:t>conda</a:t>
             </a:r>
             <a:r>
               <a:rPr lang="en-US" sz="3200" b="0" strike="noStrike" spc="-1" dirty="0">
@@ -4858,22 +5202,40 @@
                 <a:latin typeface="Arial"/>
                 <a:ea typeface="DejaVu Sans"/>
               </a:rPr>
-              <a:t> is a </a:t>
-            </a:r>
-            <a:r>
-              <a:rPr lang="en-US" sz="3200" b="0" strike="noStrike" spc="-1" dirty="0" err="1">
-                <a:solidFill>
-                  <a:srgbClr val="000000"/>
-                </a:solidFill>
-                <a:uFill>
-                  <a:solidFill>
-                    <a:srgbClr val="FFFFFF"/>
-                  </a:solidFill>
-                </a:uFill>
-                <a:latin typeface="Arial"/>
-                <a:ea typeface="DejaVu Sans"/>
-              </a:rPr>
-              <a:t>conda</a:t>
+              <a:t> channel </a:t>
+            </a:r>
+            <a:r>
+              <a:rPr lang="en-US" sz="3200" b="0" strike="noStrike" spc="-1" dirty="0" smtClean="0">
+                <a:solidFill>
+                  <a:srgbClr val="000000"/>
+                </a:solidFill>
+                <a:uFill>
+                  <a:solidFill>
+                    <a:srgbClr val="FFFFFF"/>
+                  </a:solidFill>
+                </a:uFill>
+                <a:latin typeface="Arial"/>
+                <a:ea typeface="DejaVu Sans"/>
+              </a:rPr>
+              <a:t>which</a:t>
+            </a:r>
+          </a:p>
+          <a:p>
+            <a:pPr algn="just"/>
+            <a:r>
+              <a:rPr lang="en-US" sz="3200" b="0" strike="noStrike" spc="-1" dirty="0" smtClean="0">
+                <a:solidFill>
+                  <a:srgbClr val="000000"/>
+                </a:solidFill>
+                <a:uFill>
+                  <a:solidFill>
+                    <a:srgbClr val="FFFFFF"/>
+                  </a:solidFill>
+                </a:uFill>
+                <a:latin typeface="Arial"/>
+                <a:ea typeface="DejaVu Sans"/>
+              </a:rPr>
+              <a:t>provides </a:t>
             </a:r>
             <a:r>
               <a:rPr lang="en-US" sz="3200" b="0" strike="noStrike" spc="-1" dirty="0">
@@ -4888,7 +5250,7 @@
                 <a:latin typeface="Arial"/>
                 <a:ea typeface="DejaVu Sans"/>
               </a:rPr>
-              <a:t> channel which provides software for biomedical research.</a:t>
+              <a:t>software for biomedical research.</a:t>
             </a:r>
             <a:endParaRPr lang="en-US" sz="1800" b="0" strike="noStrike" spc="-1" dirty="0">
               <a:solidFill>
@@ -4903,6 +5265,7 @@
             </a:endParaRPr>
           </a:p>
           <a:p>
+            <a:pPr algn="just"/>
             <a:r>
               <a:rPr lang="en-US" sz="3200" b="0" strike="noStrike" spc="-1" dirty="0">
                 <a:solidFill>
@@ -4952,7 +5315,52 @@
                 <a:latin typeface="Arial"/>
                 <a:ea typeface="DejaVu Sans"/>
               </a:rPr>
-              <a:t> 8600 commits on GitHub</a:t>
+              <a:t> </a:t>
+            </a:r>
+            <a:r>
+              <a:rPr lang="en-US" sz="3200" b="0" strike="noStrike" spc="-1" dirty="0" smtClean="0">
+                <a:solidFill>
+                  <a:srgbClr val="000000"/>
+                </a:solidFill>
+                <a:uFill>
+                  <a:solidFill>
+                    <a:srgbClr val="FFFFFF"/>
+                  </a:solidFill>
+                </a:uFill>
+                <a:latin typeface="Arial"/>
+                <a:ea typeface="DejaVu Sans"/>
+              </a:rPr>
+              <a:t>8,600 </a:t>
+            </a:r>
+            <a:r>
+              <a:rPr lang="en-US" sz="3200" b="0" strike="noStrike" spc="-1" dirty="0">
+                <a:solidFill>
+                  <a:srgbClr val="000000"/>
+                </a:solidFill>
+                <a:uFill>
+                  <a:solidFill>
+                    <a:srgbClr val="FFFFFF"/>
+                  </a:solidFill>
+                </a:uFill>
+                <a:latin typeface="Arial"/>
+                <a:ea typeface="DejaVu Sans"/>
+              </a:rPr>
+              <a:t>commits </a:t>
+            </a:r>
+            <a:r>
+              <a:rPr lang="en-US" sz="3200" b="0" strike="noStrike" spc="-1" dirty="0" smtClean="0">
+                <a:solidFill>
+                  <a:srgbClr val="000000"/>
+                </a:solidFill>
+                <a:uFill>
+                  <a:solidFill>
+                    <a:srgbClr val="FFFFFF"/>
+                  </a:solidFill>
+                </a:uFill>
+                <a:latin typeface="Arial"/>
+                <a:ea typeface="DejaVu Sans"/>
+              </a:rPr>
+              <a:t>on GitHub</a:t>
             </a:r>
             <a:endParaRPr lang="en-US" sz="1800" b="0" strike="noStrike" spc="-1" dirty="0">
               <a:solidFill>
@@ -4967,7 +5375,7 @@
             </a:endParaRPr>
           </a:p>
           <a:p>
-            <a:pPr marL="216000" indent="-215280">
+            <a:pPr marL="216000" indent="-215280" algn="just">
               <a:buClr>
                 <a:srgbClr val="000000"/>
               </a:buClr>
@@ -5003,7 +5411,7 @@
             </a:endParaRPr>
           </a:p>
           <a:p>
-            <a:pPr marL="216000" indent="-215280">
+            <a:pPr marL="216000" indent="-215280" algn="just">
               <a:buClr>
                 <a:srgbClr val="000000"/>
               </a:buClr>
@@ -5024,7 +5432,37 @@
                 <a:latin typeface="Arial"/>
                 <a:ea typeface="DejaVu Sans"/>
               </a:rPr>
-              <a:t> &gt; 1800 packages</a:t>
+              <a:t> &gt; </a:t>
+            </a:r>
+            <a:r>
+              <a:rPr lang="en-US" sz="3200" b="0" strike="noStrike" spc="-1" dirty="0" smtClean="0">
+                <a:solidFill>
+                  <a:srgbClr val="000000"/>
+                </a:solidFill>
+                <a:uFill>
+                  <a:solidFill>
+                    <a:srgbClr val="FFFFFF"/>
+                  </a:solidFill>
+                </a:uFill>
+                <a:latin typeface="Arial"/>
+                <a:ea typeface="DejaVu Sans"/>
+              </a:rPr>
+              <a:t>1,800 </a:t>
+            </a:r>
+            <a:r>
+              <a:rPr lang="en-US" sz="3200" b="0" strike="noStrike" spc="-1" dirty="0">
+                <a:solidFill>
+                  <a:srgbClr val="000000"/>
+                </a:solidFill>
+                <a:uFill>
+                  <a:solidFill>
+                    <a:srgbClr val="FFFFFF"/>
+                  </a:solidFill>
+                </a:uFill>
+                <a:latin typeface="Arial"/>
+                <a:ea typeface="DejaVu Sans"/>
+              </a:rPr>
+              <a:t>packages</a:t>
             </a:r>
             <a:endParaRPr lang="en-US" sz="1800" b="0" strike="noStrike" spc="-1" dirty="0">
               <a:solidFill>
@@ -5048,8 +5486,8 @@
         </p:nvSpPr>
         <p:spPr>
           <a:xfrm>
-            <a:off x="5215006" y="25272120"/>
-            <a:ext cx="4629600" cy="5394240"/>
+            <a:off x="5450782" y="24353056"/>
+            <a:ext cx="4664176" cy="5394240"/>
           </a:xfrm>
           <a:prstGeom prst="rect">
             <a:avLst/>
@@ -5103,7 +5541,37 @@
                 <a:latin typeface="Arial"/>
                 <a:ea typeface="DejaVu Sans"/>
               </a:rPr>
-              <a:t> provides system-agnostic executable environments for bioinformatics software.</a:t>
+              <a:t> provides system-agnostic </a:t>
+            </a:r>
+            <a:r>
+              <a:rPr lang="en-US" sz="3200" b="0" strike="noStrike" spc="-1" dirty="0" smtClean="0">
+                <a:solidFill>
+                  <a:srgbClr val="000000"/>
+                </a:solidFill>
+                <a:uFill>
+                  <a:solidFill>
+                    <a:srgbClr val="FFFFFF"/>
+                  </a:solidFill>
+                </a:uFill>
+                <a:latin typeface="Arial"/>
+                <a:ea typeface="DejaVu Sans"/>
+              </a:rPr>
+              <a:t>executable environments </a:t>
+            </a:r>
+            <a:r>
+              <a:rPr lang="en-US" sz="3200" b="0" strike="noStrike" spc="-1" dirty="0">
+                <a:solidFill>
+                  <a:srgbClr val="000000"/>
+                </a:solidFill>
+                <a:uFill>
+                  <a:solidFill>
+                    <a:srgbClr val="FFFFFF"/>
+                  </a:solidFill>
+                </a:uFill>
+                <a:latin typeface="Arial"/>
+                <a:ea typeface="DejaVu Sans"/>
+              </a:rPr>
+              <a:t>for bioinformatics software.</a:t>
             </a:r>
             <a:endParaRPr lang="en-US" sz="1800" b="0" strike="noStrike" spc="-1" dirty="0">
               <a:solidFill>
@@ -5118,6 +5586,7 @@
             </a:endParaRPr>
           </a:p>
           <a:p>
+            <a:pPr algn="just"/>
             <a:endParaRPr lang="en-US" sz="1800" b="0" strike="noStrike" spc="-1" dirty="0">
               <a:solidFill>
                 <a:srgbClr val="000000"/>
@@ -5131,7 +5600,7 @@
             </a:endParaRPr>
           </a:p>
           <a:p>
-            <a:pPr marL="216000" indent="-215280">
+            <a:pPr marL="216000" indent="-215280" algn="just">
               <a:buClr>
                 <a:srgbClr val="000000"/>
               </a:buClr>
@@ -5152,7 +5621,52 @@
                 <a:latin typeface="Arial"/>
                 <a:ea typeface="DejaVu Sans"/>
               </a:rPr>
-              <a:t> based on Docker &amp; </a:t>
+              <a:t> </a:t>
+            </a:r>
+            <a:r>
+              <a:rPr lang="en-US" sz="3200" b="0" strike="noStrike" spc="-1" dirty="0" smtClean="0">
+                <a:solidFill>
+                  <a:srgbClr val="000000"/>
+                </a:solidFill>
+                <a:uFill>
+                  <a:solidFill>
+                    <a:srgbClr val="FFFFFF"/>
+                  </a:solidFill>
+                </a:uFill>
+                <a:latin typeface="Arial"/>
+                <a:ea typeface="DejaVu Sans"/>
+              </a:rPr>
+              <a:t>Based </a:t>
+            </a:r>
+            <a:r>
+              <a:rPr lang="en-US" sz="3200" b="0" strike="noStrike" spc="-1" dirty="0">
+                <a:solidFill>
+                  <a:srgbClr val="000000"/>
+                </a:solidFill>
+                <a:uFill>
+                  <a:solidFill>
+                    <a:srgbClr val="FFFFFF"/>
+                  </a:solidFill>
+                </a:uFill>
+                <a:latin typeface="Arial"/>
+                <a:ea typeface="DejaVu Sans"/>
+              </a:rPr>
+              <a:t>on </a:t>
+            </a:r>
+            <a:r>
+              <a:rPr lang="en-US" sz="3200" b="0" strike="noStrike" spc="-1" dirty="0" smtClean="0">
+                <a:solidFill>
+                  <a:srgbClr val="000000"/>
+                </a:solidFill>
+                <a:uFill>
+                  <a:solidFill>
+                    <a:srgbClr val="FFFFFF"/>
+                  </a:solidFill>
+                </a:uFill>
+                <a:latin typeface="Arial"/>
+                <a:ea typeface="DejaVu Sans"/>
+              </a:rPr>
+              <a:t>Docker &amp; </a:t>
             </a:r>
             <a:r>
               <a:rPr lang="en-US" sz="3200" b="0" strike="noStrike" spc="-1" dirty="0" err="1">
@@ -5182,7 +5696,7 @@
             </a:endParaRPr>
           </a:p>
           <a:p>
-            <a:pPr marL="216000" indent="-215280">
+            <a:pPr marL="216000" indent="-215280" algn="just">
               <a:buClr>
                 <a:srgbClr val="000000"/>
               </a:buClr>
@@ -5203,7 +5717,37 @@
                 <a:latin typeface="Arial"/>
                 <a:ea typeface="DejaVu Sans"/>
               </a:rPr>
-              <a:t> &gt; 1800 Images</a:t>
+              <a:t> &gt; </a:t>
+            </a:r>
+            <a:r>
+              <a:rPr lang="en-US" sz="3200" b="0" strike="noStrike" spc="-1" dirty="0" smtClean="0">
+                <a:solidFill>
+                  <a:srgbClr val="000000"/>
+                </a:solidFill>
+                <a:uFill>
+                  <a:solidFill>
+                    <a:srgbClr val="FFFFFF"/>
+                  </a:solidFill>
+                </a:uFill>
+                <a:latin typeface="Arial"/>
+                <a:ea typeface="DejaVu Sans"/>
+              </a:rPr>
+              <a:t>1,800 </a:t>
+            </a:r>
+            <a:r>
+              <a:rPr lang="en-US" sz="3200" b="0" strike="noStrike" spc="-1" dirty="0">
+                <a:solidFill>
+                  <a:srgbClr val="000000"/>
+                </a:solidFill>
+                <a:uFill>
+                  <a:solidFill>
+                    <a:srgbClr val="FFFFFF"/>
+                  </a:solidFill>
+                </a:uFill>
+                <a:latin typeface="Arial"/>
+                <a:ea typeface="DejaVu Sans"/>
+              </a:rPr>
+              <a:t>Images</a:t>
             </a:r>
             <a:endParaRPr lang="en-US" sz="1800" b="0" strike="noStrike" spc="-1" dirty="0">
               <a:solidFill>
@@ -5239,7 +5783,37 @@
                 <a:latin typeface="Arial"/>
                 <a:ea typeface="DejaVu Sans"/>
               </a:rPr>
-              <a:t> automatic builds from </a:t>
+              <a:t> </a:t>
+            </a:r>
+            <a:r>
+              <a:rPr lang="en-US" sz="3200" b="0" strike="noStrike" spc="-1" dirty="0" smtClean="0">
+                <a:solidFill>
+                  <a:srgbClr val="000000"/>
+                </a:solidFill>
+                <a:uFill>
+                  <a:solidFill>
+                    <a:srgbClr val="FFFFFF"/>
+                  </a:solidFill>
+                </a:uFill>
+                <a:latin typeface="Arial"/>
+                <a:ea typeface="DejaVu Sans"/>
+              </a:rPr>
+              <a:t>Automatic builds </a:t>
+            </a:r>
+            <a:r>
+              <a:rPr lang="en-US" sz="3200" b="0" strike="noStrike" spc="-1" dirty="0">
+                <a:solidFill>
+                  <a:srgbClr val="000000"/>
+                </a:solidFill>
+                <a:uFill>
+                  <a:solidFill>
+                    <a:srgbClr val="FFFFFF"/>
+                  </a:solidFill>
+                </a:uFill>
+                <a:latin typeface="Arial"/>
+                <a:ea typeface="DejaVu Sans"/>
+              </a:rPr>
+              <a:t>from </a:t>
             </a:r>
             <a:r>
               <a:rPr lang="en-US" sz="3200" b="0" strike="noStrike" spc="-1" dirty="0" err="1">
@@ -5278,8 +5852,8 @@
         </p:nvSpPr>
         <p:spPr>
           <a:xfrm>
-            <a:off x="10078606" y="25363560"/>
-            <a:ext cx="4554000" cy="5783400"/>
+            <a:off x="10443240" y="24376148"/>
+            <a:ext cx="4201882" cy="5092560"/>
           </a:xfrm>
           <a:prstGeom prst="rect">
             <a:avLst/>
@@ -5305,6 +5879,7 @@
           <a:bodyPr lIns="90000" tIns="45000" rIns="90000" bIns="45000"/>
           <a:lstStyle/>
           <a:p>
+            <a:pPr algn="just"/>
             <a:r>
               <a:rPr lang="en-US" sz="3200" b="0" strike="noStrike" spc="-1" dirty="0">
                 <a:solidFill>
@@ -5333,6 +5908,7 @@
             </a:endParaRPr>
           </a:p>
           <a:p>
+            <a:pPr algn="just"/>
             <a:endParaRPr lang="en-US" sz="1800" b="0" strike="noStrike" spc="-1" dirty="0">
               <a:solidFill>
                 <a:srgbClr val="000000"/>
@@ -5346,7 +5922,7 @@
             </a:endParaRPr>
           </a:p>
           <a:p>
-            <a:pPr marL="216000" indent="-215280">
+            <a:pPr marL="216000" indent="-215280" algn="just">
               <a:buClr>
                 <a:srgbClr val="000000"/>
               </a:buClr>
@@ -5367,7 +5943,37 @@
                 <a:latin typeface="Arial"/>
                 <a:ea typeface="DejaVu Sans"/>
               </a:rPr>
-              <a:t> 25550 commits</a:t>
+              <a:t> </a:t>
+            </a:r>
+            <a:r>
+              <a:rPr lang="en-US" sz="3200" b="0" strike="noStrike" spc="-1" dirty="0" smtClean="0">
+                <a:solidFill>
+                  <a:srgbClr val="000000"/>
+                </a:solidFill>
+                <a:uFill>
+                  <a:solidFill>
+                    <a:srgbClr val="FFFFFF"/>
+                  </a:solidFill>
+                </a:uFill>
+                <a:latin typeface="Arial"/>
+                <a:ea typeface="DejaVu Sans"/>
+              </a:rPr>
+              <a:t>25,550 </a:t>
+            </a:r>
+            <a:r>
+              <a:rPr lang="en-US" sz="3200" b="0" strike="noStrike" spc="-1" dirty="0">
+                <a:solidFill>
+                  <a:srgbClr val="000000"/>
+                </a:solidFill>
+                <a:uFill>
+                  <a:solidFill>
+                    <a:srgbClr val="FFFFFF"/>
+                  </a:solidFill>
+                </a:uFill>
+                <a:latin typeface="Arial"/>
+                <a:ea typeface="DejaVu Sans"/>
+              </a:rPr>
+              <a:t>commits</a:t>
             </a:r>
             <a:endParaRPr lang="en-US" sz="1800" b="0" strike="noStrike" spc="-1" dirty="0">
               <a:solidFill>
@@ -5382,7 +5988,7 @@
             </a:endParaRPr>
           </a:p>
           <a:p>
-            <a:pPr marL="216000" indent="-215280">
+            <a:pPr marL="216000" indent="-215280" algn="just">
               <a:buClr>
                 <a:srgbClr val="000000"/>
               </a:buClr>
@@ -5418,7 +6024,7 @@
             </a:endParaRPr>
           </a:p>
           <a:p>
-            <a:pPr marL="216000" indent="-215280">
+            <a:pPr marL="216000" indent="-215280" algn="just">
               <a:buClr>
                 <a:srgbClr val="000000"/>
               </a:buClr>
@@ -5439,10 +6045,176 @@
                 <a:latin typeface="Arial"/>
                 <a:ea typeface="DejaVu Sans"/>
               </a:rPr>
-              <a:t> One of the biggest Galaxy instances available for </a:t>
-            </a:r>
-            <a:r>
-              <a:rPr lang="en-US" sz="3200" b="0" strike="noStrike" spc="-1" dirty="0" err="1">
+              <a:t> One of </a:t>
+            </a:r>
+            <a:r>
+              <a:rPr lang="en-US" sz="3200" b="0" strike="noStrike" spc="-1" dirty="0" smtClean="0">
+                <a:solidFill>
+                  <a:srgbClr val="000000"/>
+                </a:solidFill>
+                <a:uFill>
+                  <a:solidFill>
+                    <a:srgbClr val="FFFFFF"/>
+                  </a:solidFill>
+                </a:uFill>
+                <a:latin typeface="Arial"/>
+                <a:ea typeface="DejaVu Sans"/>
+              </a:rPr>
+              <a:t>the biggest </a:t>
+            </a:r>
+          </a:p>
+          <a:p>
+            <a:pPr marL="720" algn="just">
+              <a:buClr>
+                <a:srgbClr val="000000"/>
+              </a:buClr>
+              <a:buSzPct val="45000"/>
+            </a:pPr>
+            <a:r>
+              <a:rPr lang="en-US" sz="3200" spc="-1" dirty="0">
+                <a:solidFill>
+                  <a:srgbClr val="000000"/>
+                </a:solidFill>
+                <a:uFill>
+                  <a:solidFill>
+                    <a:srgbClr val="FFFFFF"/>
+                  </a:solidFill>
+                </a:uFill>
+                <a:latin typeface="Arial"/>
+                <a:ea typeface="DejaVu Sans"/>
+              </a:rPr>
+              <a:t> </a:t>
+            </a:r>
+            <a:r>
+              <a:rPr lang="en-US" sz="3200" spc="-1" dirty="0" smtClean="0">
+                <a:solidFill>
+                  <a:srgbClr val="000000"/>
+                </a:solidFill>
+                <a:uFill>
+                  <a:solidFill>
+                    <a:srgbClr val="FFFFFF"/>
+                  </a:solidFill>
+                </a:uFill>
+                <a:latin typeface="Arial"/>
+                <a:ea typeface="DejaVu Sans"/>
+              </a:rPr>
+              <a:t>  </a:t>
+            </a:r>
+            <a:r>
+              <a:rPr lang="en-US" sz="3200" b="0" strike="noStrike" spc="-1" dirty="0" smtClean="0">
+                <a:solidFill>
+                  <a:srgbClr val="000000"/>
+                </a:solidFill>
+                <a:uFill>
+                  <a:solidFill>
+                    <a:srgbClr val="FFFFFF"/>
+                  </a:solidFill>
+                </a:uFill>
+                <a:latin typeface="Arial"/>
+                <a:ea typeface="DejaVu Sans"/>
+              </a:rPr>
+              <a:t>Galaxy </a:t>
+            </a:r>
+            <a:r>
+              <a:rPr lang="en-US" sz="3200" b="0" strike="noStrike" spc="-1" dirty="0">
+                <a:solidFill>
+                  <a:srgbClr val="000000"/>
+                </a:solidFill>
+                <a:uFill>
+                  <a:solidFill>
+                    <a:srgbClr val="FFFFFF"/>
+                  </a:solidFill>
+                </a:uFill>
+                <a:latin typeface="Arial"/>
+                <a:ea typeface="DejaVu Sans"/>
+              </a:rPr>
+              <a:t>instances </a:t>
+            </a:r>
+            <a:r>
+              <a:rPr lang="en-US" sz="3200" b="0" strike="noStrike" spc="-1" dirty="0" smtClean="0">
+                <a:solidFill>
+                  <a:srgbClr val="000000"/>
+                </a:solidFill>
+                <a:uFill>
+                  <a:solidFill>
+                    <a:srgbClr val="FFFFFF"/>
+                  </a:solidFill>
+                </a:uFill>
+                <a:latin typeface="Arial"/>
+                <a:ea typeface="DejaVu Sans"/>
+              </a:rPr>
+              <a:t> </a:t>
+            </a:r>
+          </a:p>
+          <a:p>
+            <a:pPr marL="720" algn="just">
+              <a:buClr>
+                <a:srgbClr val="000000"/>
+              </a:buClr>
+              <a:buSzPct val="45000"/>
+            </a:pPr>
+            <a:r>
+              <a:rPr lang="en-US" sz="3200" spc="-1" dirty="0">
+                <a:solidFill>
+                  <a:srgbClr val="000000"/>
+                </a:solidFill>
+                <a:uFill>
+                  <a:solidFill>
+                    <a:srgbClr val="FFFFFF"/>
+                  </a:solidFill>
+                </a:uFill>
+                <a:latin typeface="Arial"/>
+                <a:ea typeface="DejaVu Sans"/>
+              </a:rPr>
+              <a:t> </a:t>
+            </a:r>
+            <a:r>
+              <a:rPr lang="en-US" sz="3200" spc="-1" dirty="0" smtClean="0">
+                <a:solidFill>
+                  <a:srgbClr val="000000"/>
+                </a:solidFill>
+                <a:uFill>
+                  <a:solidFill>
+                    <a:srgbClr val="FFFFFF"/>
+                  </a:solidFill>
+                </a:uFill>
+                <a:latin typeface="Arial"/>
+                <a:ea typeface="DejaVu Sans"/>
+              </a:rPr>
+              <a:t>  </a:t>
+            </a:r>
+            <a:r>
+              <a:rPr lang="en-US" sz="3200" b="0" strike="noStrike" spc="-1" dirty="0" smtClean="0">
+                <a:solidFill>
+                  <a:srgbClr val="000000"/>
+                </a:solidFill>
+                <a:uFill>
+                  <a:solidFill>
+                    <a:srgbClr val="FFFFFF"/>
+                  </a:solidFill>
+                </a:uFill>
+                <a:latin typeface="Arial"/>
+                <a:ea typeface="DejaVu Sans"/>
+              </a:rPr>
+              <a:t>available </a:t>
+            </a:r>
+            <a:r>
+              <a:rPr lang="en-US" sz="3200" b="0" strike="noStrike" spc="-1" dirty="0">
+                <a:solidFill>
+                  <a:srgbClr val="000000"/>
+                </a:solidFill>
+                <a:uFill>
+                  <a:solidFill>
+                    <a:srgbClr val="FFFFFF"/>
+                  </a:solidFill>
+                </a:uFill>
+                <a:latin typeface="Arial"/>
+                <a:ea typeface="DejaVu Sans"/>
+              </a:rPr>
+              <a:t>for </a:t>
+            </a:r>
+            <a:r>
+              <a:rPr lang="en-US" sz="3200" b="0" strike="noStrike" spc="-1" dirty="0" err="1" smtClean="0">
                 <a:solidFill>
                   <a:srgbClr val="000000"/>
                 </a:solidFill>
@@ -5457,21 +6229,6 @@
               <a:t>de.NBI</a:t>
             </a:r>
             <a:r>
-              <a:rPr lang="en-US" sz="3200" b="0" strike="noStrike" spc="-1" dirty="0">
-                <a:solidFill>
-                  <a:srgbClr val="000000"/>
-                </a:solidFill>
-                <a:uFill>
-                  <a:solidFill>
-                    <a:srgbClr val="FFFFFF"/>
-                  </a:solidFill>
-                </a:uFill>
-                <a:latin typeface="Arial"/>
-                <a:ea typeface="DejaVu Sans"/>
-              </a:rPr>
-              <a:t>: http://</a:t>
-            </a:r>
-            <a:r>
               <a:rPr lang="en-US" sz="3200" b="0" strike="noStrike" spc="-1" dirty="0" smtClean="0">
                 <a:solidFill>
                   <a:srgbClr val="000000"/>
@@ -5484,19 +6241,8 @@
                 <a:latin typeface="Arial"/>
                 <a:ea typeface="DejaVu Sans"/>
               </a:rPr>
-              <a:t>galaxy.uni-freiburg.de</a:t>
-            </a:r>
-            <a:endParaRPr lang="en-US" sz="1800" b="0" strike="noStrike" spc="-1" dirty="0">
-              <a:solidFill>
-                <a:srgbClr val="000000"/>
-              </a:solidFill>
-              <a:uFill>
-                <a:solidFill>
-                  <a:srgbClr val="FFFFFF"/>
-                </a:solidFill>
-              </a:uFill>
-              <a:latin typeface="Arial"/>
-            </a:endParaRPr>
+              <a:t>  </a:t>
+            </a:r>
           </a:p>
         </p:txBody>
       </p:sp>
@@ -5508,8 +6254,8 @@
         </p:nvSpPr>
         <p:spPr>
           <a:xfrm>
-            <a:off x="16733520" y="23682960"/>
-            <a:ext cx="5303160" cy="1109520"/>
+            <a:off x="16452500" y="23336760"/>
+            <a:ext cx="5669882" cy="1109520"/>
           </a:xfrm>
           <a:prstGeom prst="rect">
             <a:avLst/>
@@ -5535,7 +6281,7 @@
           <a:bodyPr lIns="90000" tIns="45000" rIns="90000" bIns="45000"/>
           <a:lstStyle/>
           <a:p>
-            <a:pPr>
+            <a:pPr algn="just">
               <a:lnSpc>
                 <a:spcPct val="100000"/>
               </a:lnSpc>
@@ -5577,8 +6323,8 @@
         </p:nvSpPr>
         <p:spPr>
           <a:xfrm>
-            <a:off x="23500440" y="23682960"/>
-            <a:ext cx="5211720" cy="857880"/>
+            <a:off x="24050252" y="23271120"/>
+            <a:ext cx="5083380" cy="746040"/>
           </a:xfrm>
           <a:prstGeom prst="rect">
             <a:avLst/>
@@ -5604,7 +6350,7 @@
           <a:bodyPr lIns="90000" tIns="45000" rIns="90000" bIns="45000"/>
           <a:lstStyle/>
           <a:p>
-            <a:pPr>
+            <a:pPr algn="just">
               <a:lnSpc>
                 <a:spcPct val="100000"/>
               </a:lnSpc>
@@ -5646,8 +6392,8 @@
         </p:nvSpPr>
         <p:spPr>
           <a:xfrm>
-            <a:off x="16367760" y="29352240"/>
-            <a:ext cx="9499038" cy="10763640"/>
+            <a:off x="16452500" y="27153252"/>
+            <a:ext cx="9959910" cy="2419613"/>
           </a:xfrm>
           <a:prstGeom prst="rect">
             <a:avLst/>
@@ -5673,6 +6419,7 @@
           <a:bodyPr lIns="90000" tIns="45000" rIns="90000" bIns="45000"/>
           <a:lstStyle/>
           <a:p>
+            <a:pPr algn="just"/>
             <a:r>
               <a:rPr lang="en-US" sz="3200" b="0" strike="noStrike" spc="-1" dirty="0">
                 <a:solidFill>
@@ -5717,7 +6464,7 @@
             </a:endParaRPr>
           </a:p>
           <a:p>
-            <a:pPr marL="457560" indent="-457200">
+            <a:pPr marL="457560" indent="-457200" algn="just">
               <a:buClr>
                 <a:srgbClr val="000000"/>
               </a:buClr>
@@ -5831,7 +6578,7 @@
             </a:r>
           </a:p>
           <a:p>
-            <a:pPr marL="360">
+            <a:pPr marL="360" algn="just">
               <a:buClr>
                 <a:srgbClr val="000000"/>
               </a:buClr>
@@ -5868,7 +6615,7 @@
             </a:r>
           </a:p>
           <a:p>
-            <a:pPr marL="457560" indent="-457200">
+            <a:pPr marL="457560" indent="-457200" algn="just">
               <a:buClr>
                 <a:srgbClr val="000000"/>
               </a:buClr>
@@ -5918,86 +6665,8 @@
                 <a:latin typeface="Arial"/>
                 <a:ea typeface="DejaVu Sans"/>
               </a:rPr>
-              <a:t>: Dead simple to create!</a:t>
-            </a:r>
-            <a:endParaRPr lang="en-US" sz="3200" b="0" strike="noStrike" spc="-1" dirty="0">
-              <a:solidFill>
-                <a:srgbClr val="000000"/>
-              </a:solidFill>
-              <a:uFill>
-                <a:solidFill>
-                  <a:srgbClr val="FFFFFF"/>
-                </a:solidFill>
-              </a:uFill>
-              <a:latin typeface="Arial"/>
-              <a:ea typeface="Noto Sans CJK SC Regular"/>
-            </a:endParaRPr>
-          </a:p>
-          <a:p>
-            <a:r>
-              <a:rPr lang="en-US" sz="3200" b="1" strike="noStrike" spc="-1" dirty="0" smtClean="0">
-                <a:solidFill>
-                  <a:srgbClr val="000000"/>
-                </a:solidFill>
-                <a:uFill>
-                  <a:solidFill>
-                    <a:srgbClr val="FFFFFF"/>
-                  </a:solidFill>
-                </a:uFill>
-                <a:latin typeface="Arial"/>
-                <a:ea typeface="DejaVu Sans"/>
-              </a:rPr>
-              <a:t>		</a:t>
-            </a:r>
-          </a:p>
-          <a:p>
-            <a:r>
-              <a:rPr lang="en-US" sz="3200" b="1" spc="-1" dirty="0">
-                <a:solidFill>
-                  <a:srgbClr val="000000"/>
-                </a:solidFill>
-                <a:uFill>
-                  <a:solidFill>
-                    <a:srgbClr val="FFFFFF"/>
-                  </a:solidFill>
-                </a:uFill>
-                <a:latin typeface="Arial"/>
-                <a:ea typeface="DejaVu Sans"/>
-              </a:rPr>
-              <a:t>	</a:t>
-            </a:r>
-            <a:r>
-              <a:rPr lang="en-US" sz="3200" b="1" spc="-1" dirty="0" smtClean="0">
-                <a:solidFill>
-                  <a:srgbClr val="000000"/>
-                </a:solidFill>
-                <a:uFill>
-                  <a:solidFill>
-                    <a:srgbClr val="FFFFFF"/>
-                  </a:solidFill>
-                </a:uFill>
-                <a:latin typeface="Arial"/>
-                <a:ea typeface="DejaVu Sans"/>
-              </a:rPr>
-              <a:t>	</a:t>
-            </a:r>
-            <a:r>
-              <a:rPr lang="en-US" sz="3200" b="1" strike="noStrike" spc="-1" dirty="0" smtClean="0">
-                <a:solidFill>
-                  <a:srgbClr val="000000"/>
-                </a:solidFill>
-                <a:uFill>
-                  <a:solidFill>
-                    <a:srgbClr val="FFFFFF"/>
-                  </a:solidFill>
-                </a:uFill>
-                <a:latin typeface="Arial"/>
-                <a:ea typeface="DejaVu Sans"/>
-              </a:rPr>
-              <a:t>2016 past and planned events</a:t>
-            </a:r>
-          </a:p>
-          <a:p>
+              <a:t>: Dead simple to create</a:t>
+            </a:r>
             <a:r>
               <a:rPr lang="en-US" sz="3200" b="0" strike="noStrike" spc="-1" dirty="0" smtClean="0">
                 <a:solidFill>
@@ -6011,763 +6680,8 @@
                 <a:latin typeface="Arial"/>
                 <a:ea typeface="DejaVu Sans"/>
               </a:rPr>
-              <a:t>06</a:t>
-            </a:r>
-            <a:r>
-              <a:rPr lang="en-US" sz="3200" b="0" strike="noStrike" spc="-1" baseline="30000" dirty="0" smtClean="0">
-                <a:solidFill>
-                  <a:srgbClr val="000000"/>
-                </a:solidFill>
-                <a:uFill>
-                  <a:solidFill>
-                    <a:srgbClr val="FFFFFF"/>
-                  </a:solidFill>
-                </a:uFill>
-                <a:latin typeface="Arial"/>
-                <a:ea typeface="DejaVu Sans"/>
-              </a:rPr>
-              <a:t>th</a:t>
-            </a:r>
-            <a:r>
-              <a:rPr lang="en-US" sz="3200" b="0" strike="noStrike" spc="-1" dirty="0" smtClean="0">
-                <a:solidFill>
-                  <a:srgbClr val="000000"/>
-                </a:solidFill>
-                <a:uFill>
-                  <a:solidFill>
-                    <a:srgbClr val="FFFFFF"/>
-                  </a:solidFill>
-                </a:uFill>
-                <a:latin typeface="Arial"/>
-                <a:ea typeface="DejaVu Sans"/>
-              </a:rPr>
-              <a:t> – 7</a:t>
-            </a:r>
-            <a:r>
-              <a:rPr lang="en-US" sz="3200" b="0" strike="noStrike" spc="-1" baseline="30000" dirty="0" smtClean="0">
-                <a:solidFill>
-                  <a:srgbClr val="000000"/>
-                </a:solidFill>
-                <a:uFill>
-                  <a:solidFill>
-                    <a:srgbClr val="FFFFFF"/>
-                  </a:solidFill>
-                </a:uFill>
-                <a:latin typeface="Arial"/>
-                <a:ea typeface="DejaVu Sans"/>
-              </a:rPr>
-              <a:t>th</a:t>
-            </a:r>
-            <a:r>
-              <a:rPr lang="en-US" sz="3200" b="0" strike="noStrike" spc="-1" dirty="0" smtClean="0">
-                <a:solidFill>
-                  <a:srgbClr val="000000"/>
-                </a:solidFill>
-                <a:uFill>
-                  <a:solidFill>
-                    <a:srgbClr val="FFFFFF"/>
-                  </a:solidFill>
-                </a:uFill>
-                <a:latin typeface="Arial"/>
-                <a:ea typeface="DejaVu Sans"/>
-              </a:rPr>
-              <a:t> Oct </a:t>
-            </a:r>
-            <a:r>
-              <a:rPr lang="en-US" sz="3200" b="0" strike="noStrike" spc="-1" dirty="0">
-                <a:solidFill>
-                  <a:srgbClr val="000000"/>
-                </a:solidFill>
-                <a:uFill>
-                  <a:solidFill>
-                    <a:srgbClr val="FFFFFF"/>
-                  </a:solidFill>
-                </a:uFill>
-                <a:latin typeface="Arial"/>
-                <a:ea typeface="DejaVu Sans"/>
-              </a:rPr>
-              <a:t>2016 Swiss German Galaxy workshop</a:t>
-            </a:r>
-            <a:endParaRPr lang="en-US" sz="1800" b="0" strike="noStrike" spc="-1" dirty="0">
-              <a:solidFill>
-                <a:srgbClr val="000000"/>
-              </a:solidFill>
-              <a:uFill>
-                <a:solidFill>
-                  <a:srgbClr val="FFFFFF"/>
-                </a:solidFill>
-              </a:uFill>
-              <a:latin typeface="Arial"/>
-            </a:endParaRPr>
-          </a:p>
-          <a:p>
-            <a:r>
-              <a:rPr lang="en-US" sz="3200" b="0" strike="noStrike" spc="-1" dirty="0" smtClean="0">
-                <a:solidFill>
-                  <a:srgbClr val="000000"/>
-                </a:solidFill>
-                <a:uFill>
-                  <a:solidFill>
-                    <a:srgbClr val="FFFFFF"/>
-                  </a:solidFill>
-                </a:uFill>
-                <a:latin typeface="Arial"/>
-                <a:ea typeface="DejaVu Sans"/>
-              </a:rPr>
-              <a:t>02</a:t>
-            </a:r>
-            <a:r>
-              <a:rPr lang="en-US" sz="3200" b="0" strike="noStrike" spc="-1" baseline="30000" dirty="0" smtClean="0">
-                <a:solidFill>
-                  <a:srgbClr val="000000"/>
-                </a:solidFill>
-                <a:uFill>
-                  <a:solidFill>
-                    <a:srgbClr val="FFFFFF"/>
-                  </a:solidFill>
-                </a:uFill>
-                <a:latin typeface="Arial"/>
-                <a:ea typeface="DejaVu Sans"/>
-              </a:rPr>
-              <a:t>nd</a:t>
-            </a:r>
-            <a:r>
-              <a:rPr lang="en-US" sz="3200" spc="-1" dirty="0">
-                <a:solidFill>
-                  <a:srgbClr val="000000"/>
-                </a:solidFill>
-                <a:uFill>
-                  <a:solidFill>
-                    <a:srgbClr val="FFFFFF"/>
-                  </a:solidFill>
-                </a:uFill>
-                <a:latin typeface="Arial"/>
-                <a:ea typeface="DejaVu Sans"/>
-              </a:rPr>
-              <a:t> </a:t>
-            </a:r>
-            <a:r>
-              <a:rPr lang="en-US" sz="3200" spc="-1" dirty="0" smtClean="0">
-                <a:solidFill>
-                  <a:srgbClr val="000000"/>
-                </a:solidFill>
-                <a:uFill>
-                  <a:solidFill>
-                    <a:srgbClr val="FFFFFF"/>
-                  </a:solidFill>
-                </a:uFill>
-                <a:latin typeface="Arial"/>
-                <a:ea typeface="DejaVu Sans"/>
-              </a:rPr>
-              <a:t>– 03</a:t>
-            </a:r>
-            <a:r>
-              <a:rPr lang="en-US" sz="3200" spc="-1" baseline="30000" dirty="0" smtClean="0">
-                <a:solidFill>
-                  <a:srgbClr val="000000"/>
-                </a:solidFill>
-                <a:uFill>
-                  <a:solidFill>
-                    <a:srgbClr val="FFFFFF"/>
-                  </a:solidFill>
-                </a:uFill>
-                <a:latin typeface="Arial"/>
-                <a:ea typeface="DejaVu Sans"/>
-              </a:rPr>
-              <a:t>rd</a:t>
-            </a:r>
-            <a:r>
-              <a:rPr lang="en-US" sz="3200" spc="-1" dirty="0" smtClean="0">
-                <a:solidFill>
-                  <a:srgbClr val="000000"/>
-                </a:solidFill>
-                <a:uFill>
-                  <a:solidFill>
-                    <a:srgbClr val="FFFFFF"/>
-                  </a:solidFill>
-                </a:uFill>
-                <a:latin typeface="Arial"/>
-                <a:ea typeface="DejaVu Sans"/>
-              </a:rPr>
-              <a:t> </a:t>
-            </a:r>
-            <a:r>
-              <a:rPr lang="en-US" sz="3200" b="0" strike="noStrike" spc="-1" dirty="0" smtClean="0">
-                <a:solidFill>
-                  <a:srgbClr val="000000"/>
-                </a:solidFill>
-                <a:uFill>
-                  <a:solidFill>
-                    <a:srgbClr val="FFFFFF"/>
-                  </a:solidFill>
-                </a:uFill>
-                <a:latin typeface="Arial"/>
-                <a:ea typeface="DejaVu Sans"/>
-              </a:rPr>
-              <a:t>Nov </a:t>
-            </a:r>
-            <a:r>
-              <a:rPr lang="en-US" sz="3200" b="0" strike="noStrike" spc="-1" dirty="0">
-                <a:solidFill>
-                  <a:srgbClr val="000000"/>
-                </a:solidFill>
-                <a:uFill>
-                  <a:solidFill>
-                    <a:srgbClr val="FFFFFF"/>
-                  </a:solidFill>
-                </a:uFill>
-                <a:latin typeface="Arial"/>
-                <a:ea typeface="DejaVu Sans"/>
-              </a:rPr>
-              <a:t>2016  </a:t>
-            </a:r>
-            <a:r>
-              <a:rPr lang="en-US" sz="3200" b="0" strike="noStrike" spc="-1" dirty="0" err="1">
-                <a:solidFill>
-                  <a:srgbClr val="000000"/>
-                </a:solidFill>
-                <a:uFill>
-                  <a:solidFill>
-                    <a:srgbClr val="FFFFFF"/>
-                  </a:solidFill>
-                </a:uFill>
-                <a:latin typeface="Arial"/>
-                <a:ea typeface="DejaVu Sans"/>
-              </a:rPr>
-              <a:t>BioConda</a:t>
-            </a:r>
-            <a:r>
-              <a:rPr lang="en-US" sz="3200" b="0" strike="noStrike" spc="-1" dirty="0">
-                <a:solidFill>
-                  <a:srgbClr val="000000"/>
-                </a:solidFill>
-                <a:uFill>
-                  <a:solidFill>
-                    <a:srgbClr val="FFFFFF"/>
-                  </a:solidFill>
-                </a:uFill>
-                <a:latin typeface="Arial"/>
-                <a:ea typeface="DejaVu Sans"/>
-              </a:rPr>
-              <a:t> </a:t>
-            </a:r>
-            <a:r>
-              <a:rPr lang="en-US" sz="3200" b="0" strike="noStrike" spc="-1" dirty="0" smtClean="0">
-                <a:solidFill>
-                  <a:srgbClr val="000000"/>
-                </a:solidFill>
-                <a:uFill>
-                  <a:solidFill>
-                    <a:srgbClr val="FFFFFF"/>
-                  </a:solidFill>
-                </a:uFill>
-                <a:latin typeface="Arial"/>
-                <a:ea typeface="DejaVu Sans"/>
-              </a:rPr>
-              <a:t>hackathon</a:t>
-            </a:r>
-          </a:p>
-          <a:p>
-            <a:endParaRPr lang="en-US" sz="3200" spc="-1" dirty="0" smtClean="0">
-              <a:solidFill>
-                <a:srgbClr val="000000"/>
-              </a:solidFill>
-              <a:uFill>
-                <a:solidFill>
-                  <a:srgbClr val="FFFFFF"/>
-                </a:solidFill>
-              </a:uFill>
-              <a:latin typeface="Arial"/>
-            </a:endParaRPr>
-          </a:p>
-          <a:p>
-            <a:r>
-              <a:rPr lang="en-US" sz="3200" spc="-1" dirty="0">
-                <a:solidFill>
-                  <a:srgbClr val="000000"/>
-                </a:solidFill>
-                <a:uFill>
-                  <a:solidFill>
-                    <a:srgbClr val="FFFFFF"/>
-                  </a:solidFill>
-                </a:uFill>
-                <a:latin typeface="Arial"/>
-              </a:rPr>
-              <a:t>	</a:t>
-            </a:r>
-            <a:r>
-              <a:rPr lang="en-US" sz="3200" spc="-1" dirty="0" smtClean="0">
-                <a:solidFill>
-                  <a:srgbClr val="000000"/>
-                </a:solidFill>
-                <a:uFill>
-                  <a:solidFill>
-                    <a:srgbClr val="FFFFFF"/>
-                  </a:solidFill>
-                </a:uFill>
-                <a:latin typeface="Arial"/>
-              </a:rPr>
-              <a:t>	</a:t>
-            </a:r>
-            <a:r>
-              <a:rPr lang="en-US" sz="3200" b="1" spc="-1" dirty="0" smtClean="0">
-                <a:solidFill>
-                  <a:srgbClr val="000000"/>
-                </a:solidFill>
-                <a:uFill>
-                  <a:solidFill>
-                    <a:srgbClr val="FFFFFF"/>
-                  </a:solidFill>
-                </a:uFill>
-              </a:rPr>
-              <a:t>2017 </a:t>
-            </a:r>
-            <a:r>
-              <a:rPr lang="en-US" sz="3200" b="1" spc="-1" dirty="0">
-                <a:solidFill>
-                  <a:srgbClr val="000000"/>
-                </a:solidFill>
-                <a:uFill>
-                  <a:solidFill>
-                    <a:srgbClr val="FFFFFF"/>
-                  </a:solidFill>
-                </a:uFill>
-              </a:rPr>
-              <a:t>past and planned </a:t>
-            </a:r>
-            <a:r>
-              <a:rPr lang="en-US" sz="3200" b="1" spc="-1" dirty="0" smtClean="0">
-                <a:solidFill>
-                  <a:srgbClr val="000000"/>
-                </a:solidFill>
-                <a:uFill>
-                  <a:solidFill>
-                    <a:srgbClr val="FFFFFF"/>
-                  </a:solidFill>
-                </a:uFill>
-              </a:rPr>
-              <a:t>events</a:t>
-            </a:r>
-            <a:endParaRPr lang="en-US" sz="3200" spc="-1" dirty="0">
-              <a:solidFill>
-                <a:srgbClr val="000000"/>
-              </a:solidFill>
-              <a:uFill>
-                <a:solidFill>
-                  <a:srgbClr val="FFFFFF"/>
-                </a:solidFill>
-              </a:uFill>
-              <a:latin typeface="Arial"/>
-            </a:endParaRPr>
-          </a:p>
-          <a:p>
-            <a:r>
-              <a:rPr lang="en-US" sz="3200" b="0" strike="noStrike" spc="-1" dirty="0" smtClean="0">
-                <a:solidFill>
-                  <a:srgbClr val="000000"/>
-                </a:solidFill>
-                <a:uFill>
-                  <a:solidFill>
-                    <a:srgbClr val="FFFFFF"/>
-                  </a:solidFill>
-                </a:uFill>
-                <a:latin typeface="Arial"/>
-                <a:ea typeface="DejaVu Sans"/>
-              </a:rPr>
-              <a:t>15</a:t>
-            </a:r>
-            <a:r>
-              <a:rPr lang="en-US" sz="3200" b="0" strike="noStrike" spc="-1" baseline="30000" dirty="0" smtClean="0">
-                <a:solidFill>
-                  <a:srgbClr val="000000"/>
-                </a:solidFill>
-                <a:uFill>
-                  <a:solidFill>
-                    <a:srgbClr val="FFFFFF"/>
-                  </a:solidFill>
-                </a:uFill>
-                <a:latin typeface="Arial"/>
-                <a:ea typeface="DejaVu Sans"/>
-              </a:rPr>
-              <a:t>th</a:t>
-            </a:r>
-            <a:r>
-              <a:rPr lang="en-US" sz="3200" b="0" strike="noStrike" spc="-1" dirty="0" smtClean="0">
-                <a:solidFill>
-                  <a:srgbClr val="000000"/>
-                </a:solidFill>
-                <a:uFill>
-                  <a:solidFill>
-                    <a:srgbClr val="FFFFFF"/>
-                  </a:solidFill>
-                </a:uFill>
-                <a:latin typeface="Arial"/>
-                <a:ea typeface="DejaVu Sans"/>
-              </a:rPr>
-              <a:t> – 16</a:t>
-            </a:r>
-            <a:r>
-              <a:rPr lang="en-US" sz="3200" b="0" strike="noStrike" spc="-1" baseline="30000" dirty="0" smtClean="0">
-                <a:solidFill>
-                  <a:srgbClr val="000000"/>
-                </a:solidFill>
-                <a:uFill>
-                  <a:solidFill>
-                    <a:srgbClr val="FFFFFF"/>
-                  </a:solidFill>
-                </a:uFill>
-                <a:latin typeface="Arial"/>
-                <a:ea typeface="DejaVu Sans"/>
-              </a:rPr>
-              <a:t>th</a:t>
-            </a:r>
-            <a:r>
-              <a:rPr lang="en-US" sz="3200" b="0" strike="noStrike" spc="-1" dirty="0" smtClean="0">
-                <a:solidFill>
-                  <a:srgbClr val="000000"/>
-                </a:solidFill>
-                <a:uFill>
-                  <a:solidFill>
-                    <a:srgbClr val="FFFFFF"/>
-                  </a:solidFill>
-                </a:uFill>
-                <a:latin typeface="Arial"/>
-                <a:ea typeface="DejaVu Sans"/>
-              </a:rPr>
-              <a:t> Dec </a:t>
-            </a:r>
-            <a:r>
-              <a:rPr lang="en-US" sz="3200" b="0" strike="noStrike" spc="-1" dirty="0">
-                <a:solidFill>
-                  <a:srgbClr val="000000"/>
-                </a:solidFill>
-                <a:uFill>
-                  <a:solidFill>
-                    <a:srgbClr val="FFFFFF"/>
-                  </a:solidFill>
-                </a:uFill>
-                <a:latin typeface="Arial"/>
-                <a:ea typeface="DejaVu Sans"/>
-              </a:rPr>
-              <a:t>2016 Galaxy RNA-</a:t>
-            </a:r>
-            <a:r>
-              <a:rPr lang="en-US" sz="3200" b="0" strike="noStrike" spc="-1" dirty="0" err="1">
-                <a:solidFill>
-                  <a:srgbClr val="000000"/>
-                </a:solidFill>
-                <a:uFill>
-                  <a:solidFill>
-                    <a:srgbClr val="FFFFFF"/>
-                  </a:solidFill>
-                </a:uFill>
-                <a:latin typeface="Arial"/>
-                <a:ea typeface="DejaVu Sans"/>
-              </a:rPr>
-              <a:t>seq</a:t>
-            </a:r>
-            <a:r>
-              <a:rPr lang="en-US" sz="3200" b="0" strike="noStrike" spc="-1" dirty="0">
-                <a:solidFill>
-                  <a:srgbClr val="000000"/>
-                </a:solidFill>
-                <a:uFill>
-                  <a:solidFill>
-                    <a:srgbClr val="FFFFFF"/>
-                  </a:solidFill>
-                </a:uFill>
-                <a:latin typeface="Arial"/>
-                <a:ea typeface="DejaVu Sans"/>
-              </a:rPr>
-              <a:t> data analysis </a:t>
-            </a:r>
-            <a:r>
-              <a:rPr lang="en-US" sz="3200" b="0" strike="noStrike" spc="-1" dirty="0" smtClean="0">
-                <a:solidFill>
-                  <a:srgbClr val="000000"/>
-                </a:solidFill>
-                <a:uFill>
-                  <a:solidFill>
-                    <a:srgbClr val="FFFFFF"/>
-                  </a:solidFill>
-                </a:uFill>
-                <a:latin typeface="Arial"/>
-                <a:ea typeface="DejaVu Sans"/>
-              </a:rPr>
-              <a:t>workshop</a:t>
-            </a:r>
-          </a:p>
-          <a:p>
-            <a:r>
-              <a:rPr lang="en-US" sz="3200" dirty="0" smtClean="0"/>
-              <a:t>16</a:t>
-            </a:r>
-            <a:r>
-              <a:rPr lang="en-US" sz="3200" baseline="30000" dirty="0" smtClean="0"/>
-              <a:t>th </a:t>
-            </a:r>
-            <a:r>
-              <a:rPr lang="en-US" sz="3200" dirty="0"/>
-              <a:t>– 19</a:t>
-            </a:r>
-            <a:r>
-              <a:rPr lang="en-US" sz="3200" baseline="30000" dirty="0"/>
-              <a:t>th</a:t>
-            </a:r>
-            <a:r>
-              <a:rPr lang="en-US" sz="3200" dirty="0"/>
-              <a:t> Jan </a:t>
-            </a:r>
-            <a:r>
-              <a:rPr lang="en-US" sz="3200" dirty="0" smtClean="0"/>
-              <a:t>2017</a:t>
-            </a:r>
-            <a:r>
-              <a:rPr lang="de-DE" sz="3200" dirty="0" smtClean="0"/>
-              <a:t> </a:t>
-            </a:r>
-            <a:r>
-              <a:rPr lang="en-US" sz="3200" dirty="0" smtClean="0"/>
-              <a:t>European </a:t>
-            </a:r>
-            <a:r>
-              <a:rPr lang="en-US" sz="3200" dirty="0"/>
-              <a:t>Galaxy Developer </a:t>
-            </a:r>
-            <a:r>
-              <a:rPr lang="en-US" sz="3200" dirty="0" smtClean="0"/>
-              <a:t>workshop</a:t>
-            </a:r>
-            <a:r>
-              <a:rPr lang="de-DE" sz="3200" dirty="0" smtClean="0"/>
-              <a:t> </a:t>
-            </a:r>
-            <a:r>
-              <a:rPr lang="en-US" sz="3200" dirty="0" smtClean="0"/>
-              <a:t>Strasbourg</a:t>
-            </a:r>
-            <a:endParaRPr lang="de-DE" sz="3200" dirty="0"/>
-          </a:p>
-          <a:p>
-            <a:r>
-              <a:rPr lang="en-US" sz="3200" dirty="0" smtClean="0"/>
-              <a:t>13</a:t>
-            </a:r>
-            <a:r>
-              <a:rPr lang="en-US" sz="3200" baseline="30000" dirty="0" smtClean="0"/>
-              <a:t>th </a:t>
-            </a:r>
-            <a:r>
-              <a:rPr lang="en-US" sz="3200" dirty="0" smtClean="0"/>
-              <a:t>– 17</a:t>
-            </a:r>
-            <a:r>
-              <a:rPr lang="en-US" sz="3200" baseline="30000" dirty="0" smtClean="0"/>
-              <a:t>th</a:t>
-            </a:r>
-            <a:r>
-              <a:rPr lang="en-US" sz="3200" dirty="0" smtClean="0"/>
-              <a:t> Feb 2017 Galaxy HTS data analysis workshop</a:t>
-            </a:r>
-            <a:r>
-              <a:rPr lang="de-DE" sz="3200" dirty="0"/>
-              <a:t> </a:t>
-            </a:r>
-            <a:r>
-              <a:rPr lang="en-US" sz="3200" dirty="0" smtClean="0"/>
-              <a:t>Freiburg</a:t>
-            </a:r>
-          </a:p>
-          <a:p>
-            <a:r>
-              <a:rPr lang="en-US" sz="3200" spc="-1" dirty="0" smtClean="0">
-                <a:solidFill>
-                  <a:srgbClr val="000000"/>
-                </a:solidFill>
-                <a:uFill>
-                  <a:solidFill>
-                    <a:srgbClr val="FFFFFF"/>
-                  </a:solidFill>
-                </a:uFill>
-              </a:rPr>
-              <a:t>4</a:t>
-            </a:r>
-            <a:r>
-              <a:rPr lang="en-US" sz="3200" spc="-1" baseline="30000" dirty="0" smtClean="0">
-                <a:solidFill>
-                  <a:srgbClr val="000000"/>
-                </a:solidFill>
-                <a:uFill>
-                  <a:solidFill>
-                    <a:srgbClr val="FFFFFF"/>
-                  </a:solidFill>
-                </a:uFill>
-              </a:rPr>
-              <a:t>th</a:t>
-            </a:r>
-            <a:r>
-              <a:rPr lang="en-US" sz="3200" spc="-1" dirty="0" smtClean="0">
-                <a:solidFill>
-                  <a:srgbClr val="000000"/>
-                </a:solidFill>
-                <a:uFill>
-                  <a:solidFill>
-                    <a:srgbClr val="FFFFFF"/>
-                  </a:solidFill>
-                </a:uFill>
-              </a:rPr>
-              <a:t> – 5</a:t>
-            </a:r>
-            <a:r>
-              <a:rPr lang="en-US" sz="3200" spc="-1" baseline="30000" dirty="0" smtClean="0">
-                <a:solidFill>
-                  <a:srgbClr val="000000"/>
-                </a:solidFill>
-                <a:uFill>
-                  <a:solidFill>
-                    <a:srgbClr val="FFFFFF"/>
-                  </a:solidFill>
-                </a:uFill>
-              </a:rPr>
-              <a:t>th</a:t>
-            </a:r>
-            <a:r>
-              <a:rPr lang="en-US" sz="3200" spc="-1" dirty="0" smtClean="0">
-                <a:solidFill>
-                  <a:srgbClr val="000000"/>
-                </a:solidFill>
-                <a:uFill>
-                  <a:solidFill>
-                    <a:srgbClr val="FFFFFF"/>
-                  </a:solidFill>
-                </a:uFill>
-              </a:rPr>
-              <a:t> Apr 2017 ELIXIR – </a:t>
-            </a:r>
-            <a:r>
-              <a:rPr lang="en-US" sz="3200" spc="-1" dirty="0" err="1" smtClean="0">
-                <a:solidFill>
-                  <a:srgbClr val="000000"/>
-                </a:solidFill>
-                <a:uFill>
-                  <a:solidFill>
-                    <a:srgbClr val="FFFFFF"/>
-                  </a:solidFill>
-                </a:uFill>
-              </a:rPr>
-              <a:t>de.NBI</a:t>
-            </a:r>
-            <a:r>
-              <a:rPr lang="en-US" sz="3200" spc="-1" dirty="0" smtClean="0">
-                <a:solidFill>
-                  <a:srgbClr val="000000"/>
-                </a:solidFill>
-                <a:uFill>
-                  <a:solidFill>
-                    <a:srgbClr val="FFFFFF"/>
-                  </a:solidFill>
-                </a:uFill>
-              </a:rPr>
-              <a:t> AAI workshop</a:t>
-            </a:r>
-            <a:endParaRPr lang="en-US" sz="3200" dirty="0" smtClean="0"/>
-          </a:p>
-          <a:p>
-            <a:r>
-              <a:rPr lang="en-US" sz="3200" dirty="0" smtClean="0"/>
-              <a:t>14</a:t>
-            </a:r>
-            <a:r>
-              <a:rPr lang="en-US" sz="3200" baseline="30000" dirty="0" smtClean="0"/>
-              <a:t>th </a:t>
-            </a:r>
-            <a:r>
-              <a:rPr lang="en-US" sz="3200" dirty="0"/>
-              <a:t>– </a:t>
-            </a:r>
-            <a:r>
-              <a:rPr lang="en-US" sz="3200" dirty="0" smtClean="0"/>
-              <a:t>18</a:t>
-            </a:r>
-            <a:r>
-              <a:rPr lang="en-US" sz="3200" baseline="30000" dirty="0" smtClean="0"/>
-              <a:t>th</a:t>
-            </a:r>
-            <a:r>
-              <a:rPr lang="en-US" sz="3200" dirty="0" smtClean="0"/>
-              <a:t> </a:t>
-            </a:r>
-            <a:r>
-              <a:rPr lang="en-US" sz="3200" dirty="0"/>
-              <a:t>Sep </a:t>
-            </a:r>
-            <a:r>
-              <a:rPr lang="en-US" sz="3200" dirty="0" smtClean="0"/>
-              <a:t>2017 Galaxy </a:t>
-            </a:r>
-            <a:r>
-              <a:rPr lang="en-US" sz="3200" dirty="0"/>
-              <a:t>HTS data analysis </a:t>
-            </a:r>
-            <a:r>
-              <a:rPr lang="en-US" sz="3200" dirty="0" smtClean="0"/>
-              <a:t>workshop Freiburg</a:t>
-            </a:r>
-            <a:endParaRPr lang="de-DE" sz="3200" dirty="0"/>
-          </a:p>
-          <a:p>
-            <a:endParaRPr lang="en-US" sz="3200" spc="-1" dirty="0">
-              <a:solidFill>
-                <a:srgbClr val="000000"/>
-              </a:solidFill>
-              <a:uFill>
-                <a:solidFill>
-                  <a:srgbClr val="FFFFFF"/>
-                </a:solidFill>
-              </a:uFill>
-            </a:endParaRPr>
-          </a:p>
-          <a:p>
-            <a:endParaRPr lang="en-US" sz="3200" b="0" strike="noStrike" spc="-1" dirty="0" smtClean="0">
-              <a:solidFill>
-                <a:srgbClr val="000000"/>
-              </a:solidFill>
-              <a:uFill>
-                <a:solidFill>
-                  <a:srgbClr val="FFFFFF"/>
-                </a:solidFill>
-              </a:uFill>
-              <a:latin typeface="Arial"/>
-              <a:ea typeface="DejaVu Sans"/>
-            </a:endParaRPr>
-          </a:p>
-          <a:p>
-            <a:endParaRPr lang="en-US" sz="1800" b="0" strike="noStrike" spc="-1" dirty="0" smtClean="0">
-              <a:solidFill>
-                <a:srgbClr val="000000"/>
-              </a:solidFill>
-              <a:uFill>
-                <a:solidFill>
-                  <a:srgbClr val="FFFFFF"/>
-                </a:solidFill>
-              </a:uFill>
-              <a:latin typeface="Arial"/>
-            </a:endParaRPr>
-          </a:p>
-          <a:p>
-            <a:endParaRPr lang="en-US" sz="1800" b="0" strike="noStrike" spc="-1" dirty="0" smtClean="0">
-              <a:solidFill>
-                <a:srgbClr val="000000"/>
-              </a:solidFill>
-              <a:uFill>
-                <a:solidFill>
-                  <a:srgbClr val="FFFFFF"/>
-                </a:solidFill>
-              </a:uFill>
-              <a:latin typeface="Arial"/>
-            </a:endParaRPr>
-          </a:p>
-          <a:p>
+              <a:t>!</a:t>
+            </a:r>
             <a:endParaRPr lang="en-US" sz="3200" b="0" strike="noStrike" spc="-1" dirty="0">
               <a:solidFill>
                 <a:srgbClr val="000000"/>
@@ -6817,7 +6731,7 @@
         </p:blipFill>
         <p:spPr>
           <a:xfrm>
-            <a:off x="23157000" y="20025360"/>
+            <a:off x="24133770" y="20001498"/>
             <a:ext cx="4973040" cy="3200400"/>
           </a:xfrm>
           <a:prstGeom prst="rect">
@@ -6836,8 +6750,8 @@
         </p:nvSpPr>
         <p:spPr>
           <a:xfrm>
-            <a:off x="16606620" y="25019660"/>
-            <a:ext cx="11795760" cy="3555720"/>
+            <a:off x="16510960" y="24718218"/>
+            <a:ext cx="12653460" cy="1426750"/>
           </a:xfrm>
           <a:prstGeom prst="rect">
             <a:avLst/>
@@ -6851,6 +6765,7 @@
           <a:bodyPr lIns="90000" tIns="45000" rIns="90000" bIns="45000"/>
           <a:lstStyle/>
           <a:p>
+            <a:pPr algn="just"/>
             <a:r>
               <a:rPr lang="en-US" sz="3200" b="0" strike="noStrike" spc="-1" dirty="0">
                 <a:solidFill>
@@ -6877,7 +6792,91 @@
                 </a:uFill>
                 <a:latin typeface="Arial"/>
               </a:rPr>
-              <a:t>: RSS-Reader, PubMed recommendations, Tool recommendation, Runtime graphs … (leave a post-it with your ideas!) </a:t>
+              <a:t>: RSS-Reader, PubMed recommendations, </a:t>
+            </a:r>
+            <a:r>
+              <a:rPr lang="en-US" sz="3200" b="0" strike="noStrike" spc="-1" dirty="0" smtClean="0">
+                <a:solidFill>
+                  <a:srgbClr val="000000"/>
+                </a:solidFill>
+                <a:uFill>
+                  <a:solidFill>
+                    <a:srgbClr val="FFFFFF"/>
+                  </a:solidFill>
+                </a:uFill>
+                <a:latin typeface="Arial"/>
+              </a:rPr>
+              <a:t>tool </a:t>
+            </a:r>
+            <a:r>
+              <a:rPr lang="en-US" sz="3200" b="0" strike="noStrike" spc="-1" dirty="0" smtClean="0">
+                <a:solidFill>
+                  <a:srgbClr val="000000"/>
+                </a:solidFill>
+                <a:uFill>
+                  <a:solidFill>
+                    <a:srgbClr val="FFFFFF"/>
+                  </a:solidFill>
+                </a:uFill>
+                <a:latin typeface="Arial"/>
+              </a:rPr>
+              <a:t>recommendation, </a:t>
+            </a:r>
+            <a:r>
+              <a:rPr lang="en-US" sz="3200" b="0" strike="noStrike" spc="-1" dirty="0" smtClean="0">
+                <a:solidFill>
+                  <a:srgbClr val="000000"/>
+                </a:solidFill>
+                <a:uFill>
+                  <a:solidFill>
+                    <a:srgbClr val="FFFFFF"/>
+                  </a:solidFill>
+                </a:uFill>
+                <a:latin typeface="Arial"/>
+              </a:rPr>
+              <a:t>runtime graphs… </a:t>
+            </a:r>
+            <a:r>
+              <a:rPr lang="en-US" sz="3200" b="0" strike="noStrike" spc="-1" dirty="0" smtClean="0">
+                <a:solidFill>
+                  <a:srgbClr val="000000"/>
+                </a:solidFill>
+                <a:uFill>
+                  <a:solidFill>
+                    <a:srgbClr val="FFFFFF"/>
+                  </a:solidFill>
+                </a:uFill>
+                <a:latin typeface="Arial"/>
+              </a:rPr>
+              <a:t>(leave a </a:t>
+            </a:r>
+            <a:r>
+              <a:rPr lang="en-US" sz="3200" b="0" strike="noStrike" spc="-1" dirty="0" smtClean="0">
+                <a:solidFill>
+                  <a:srgbClr val="000000"/>
+                </a:solidFill>
+                <a:uFill>
+                  <a:solidFill>
+                    <a:srgbClr val="FFFFFF"/>
+                  </a:solidFill>
+                </a:uFill>
+                <a:latin typeface="Arial"/>
+              </a:rPr>
+              <a:t>Post-it </a:t>
+            </a:r>
+            <a:r>
+              <a:rPr lang="en-US" sz="3200" b="0" strike="noStrike" spc="-1" dirty="0" smtClean="0">
+                <a:solidFill>
+                  <a:srgbClr val="000000"/>
+                </a:solidFill>
+                <a:uFill>
+                  <a:solidFill>
+                    <a:srgbClr val="FFFFFF"/>
+                  </a:solidFill>
+                </a:uFill>
+                <a:latin typeface="Arial"/>
+              </a:rPr>
+              <a:t>with your ideas!) </a:t>
             </a:r>
             <a:endParaRPr lang="en-US" sz="3200" b="0" strike="noStrike" spc="-1" dirty="0">
               <a:solidFill>
@@ -6892,6 +6891,7 @@
             </a:endParaRPr>
           </a:p>
           <a:p>
+            <a:pPr algn="just"/>
             <a:endParaRPr lang="en-US" sz="3200" b="0" strike="noStrike" spc="-1" dirty="0">
               <a:solidFill>
                 <a:srgbClr val="000000"/>
@@ -6918,8 +6918,8 @@
         </p:blipFill>
         <p:spPr>
           <a:xfrm>
-            <a:off x="25296654" y="38338375"/>
-            <a:ext cx="4570566" cy="1789955"/>
+            <a:off x="16721145" y="38163822"/>
+            <a:ext cx="6863175" cy="2687802"/>
           </a:xfrm>
           <a:prstGeom prst="rect">
             <a:avLst/>
@@ -6941,8 +6941,8 @@
         </p:blipFill>
         <p:spPr>
           <a:xfrm>
-            <a:off x="26004750" y="32839511"/>
-            <a:ext cx="3931920" cy="3931920"/>
+            <a:off x="24934112" y="36459852"/>
+            <a:ext cx="4259008" cy="4348788"/>
           </a:xfrm>
           <a:prstGeom prst="rect">
             <a:avLst/>
@@ -6964,8 +6964,8 @@
         </p:blipFill>
         <p:spPr>
           <a:xfrm>
-            <a:off x="25866798" y="29149560"/>
-            <a:ext cx="3257160" cy="3201506"/>
+            <a:off x="26007480" y="27095258"/>
+            <a:ext cx="2727382" cy="2680780"/>
           </a:xfrm>
           <a:prstGeom prst="rect">
             <a:avLst/>
@@ -6987,7 +6987,7 @@
         </p:blipFill>
         <p:spPr>
           <a:xfrm>
-            <a:off x="1371600" y="14331240"/>
+            <a:off x="1217520" y="14331240"/>
             <a:ext cx="12435840" cy="7431480"/>
           </a:xfrm>
           <a:prstGeom prst="rect">
@@ -7010,7 +7010,7 @@
         </p:blipFill>
         <p:spPr>
           <a:xfrm>
-            <a:off x="20848320" y="12728160"/>
+            <a:off x="20597760" y="12728160"/>
             <a:ext cx="8595360" cy="5730120"/>
           </a:xfrm>
           <a:prstGeom prst="rect">
@@ -7029,7 +7029,7 @@
         </p:nvSpPr>
         <p:spPr>
           <a:xfrm>
-            <a:off x="15136813" y="39382675"/>
+            <a:off x="16452500" y="35087370"/>
             <a:ext cx="10062370" cy="1077218"/>
           </a:xfrm>
           <a:prstGeom prst="rect">
@@ -7043,6 +7043,7 @@
           </a:bodyPr>
           <a:lstStyle/>
           <a:p>
+            <a:pPr algn="just"/>
             <a:r>
               <a:rPr lang="de-DE" sz="3200" b="1" dirty="0" smtClean="0"/>
               <a:t>Hands-on </a:t>
@@ -7081,6 +7082,7 @@
             </a:r>
           </a:p>
           <a:p>
+            <a:pPr algn="just"/>
             <a:r>
               <a:rPr lang="de-DE" sz="3200" dirty="0" smtClean="0"/>
               <a:t>https://bgruening.github.io/training-material</a:t>
@@ -7111,7 +7113,7 @@
         </p:blipFill>
         <p:spPr>
           <a:xfrm>
-            <a:off x="2813086" y="32839511"/>
+            <a:off x="2766240" y="32204798"/>
             <a:ext cx="10527090" cy="4984064"/>
           </a:xfrm>
           <a:prstGeom prst="rect">
@@ -7127,8 +7129,8 @@
         </p:nvSpPr>
         <p:spPr>
           <a:xfrm>
-            <a:off x="1126126" y="31604593"/>
-            <a:ext cx="11432938" cy="1077218"/>
+            <a:off x="1230706" y="30126224"/>
+            <a:ext cx="12600854" cy="3046988"/>
           </a:xfrm>
           <a:prstGeom prst="rect">
             <a:avLst/>
@@ -7136,27 +7138,50 @@
           <a:noFill/>
         </p:spPr>
         <p:txBody>
-          <a:bodyPr wrap="none" rtlCol="0">
+          <a:bodyPr wrap="square" rtlCol="0">
             <a:spAutoFit/>
           </a:bodyPr>
           <a:lstStyle/>
           <a:p>
+            <a:pPr algn="just"/>
+            <a:r>
+              <a:rPr lang="de-DE" sz="3200" b="1" dirty="0" smtClean="0"/>
+              <a:t>The </a:t>
+            </a:r>
             <a:r>
               <a:rPr lang="de-DE" sz="3200" b="1" dirty="0" err="1" smtClean="0"/>
               <a:t>Galaxy</a:t>
             </a:r>
             <a:r>
               <a:rPr lang="de-DE" sz="3200" b="1" dirty="0" smtClean="0"/>
-              <a:t>-Docker-</a:t>
-            </a:r>
-            <a:r>
-              <a:rPr lang="de-DE" sz="3200" b="1" dirty="0" err="1" smtClean="0"/>
-              <a:t>Epigenetics</a:t>
-            </a:r>
-            <a:r>
-              <a:rPr lang="de-DE" sz="3200" b="1" dirty="0" smtClean="0"/>
-              <a:t>: </a:t>
-            </a:r>
+              <a:t> Docker Project</a:t>
+            </a:r>
+          </a:p>
+          <a:p>
+            <a:pPr algn="just"/>
+            <a:r>
+              <a:rPr lang="en-US" sz="3200" dirty="0"/>
+              <a:t>The Galaxy Docker Image is an easy distributable full-fledged </a:t>
+            </a:r>
+            <a:r>
+              <a:rPr lang="en-US" sz="3200" dirty="0" smtClean="0"/>
+              <a:t>Galaxy installation</a:t>
+            </a:r>
+            <a:r>
+              <a:rPr lang="en-US" sz="3200" dirty="0"/>
+              <a:t>, that can be used for testing, teaching and presenting new tools and </a:t>
+            </a:r>
+            <a:r>
+              <a:rPr lang="en-US" sz="3200" dirty="0" smtClean="0"/>
+              <a:t>features. </a:t>
+            </a:r>
+          </a:p>
+          <a:p>
+            <a:pPr algn="just"/>
+            <a:endParaRPr lang="en-US" sz="3200" dirty="0" smtClean="0"/>
+          </a:p>
+          <a:p>
+            <a:pPr algn="just"/>
             <a:r>
               <a:rPr lang="de-DE" sz="3200" dirty="0" smtClean="0"/>
               <a:t>Portable </a:t>
@@ -7175,18 +7200,2011 @@
             </a:r>
             <a:r>
               <a:rPr lang="de-DE" sz="3200" dirty="0" smtClean="0"/>
-              <a:t> in a box!</a:t>
-            </a:r>
-          </a:p>
-          <a:p>
+              <a:t> in a box</a:t>
+            </a:r>
             <a:r>
               <a:rPr lang="de-DE" sz="3200" dirty="0" smtClean="0"/>
-              <a:t>https://github.com/bgruening/docker-galaxy-epigenetic</a:t>
-            </a:r>
-            <a:endParaRPr lang="de-DE" sz="3200" dirty="0"/>
+              <a:t>!</a:t>
+            </a:r>
+            <a:endParaRPr lang="de-DE" sz="3200" dirty="0" smtClean="0"/>
           </a:p>
         </p:txBody>
       </p:sp>
+      <p:sp>
+        <p:nvSpPr>
+          <p:cNvPr id="3" name="Rechteck 2"/>
+          <p:cNvSpPr/>
+          <p:nvPr/>
+        </p:nvSpPr>
+        <p:spPr>
+          <a:xfrm>
+            <a:off x="2669593" y="37223410"/>
+            <a:ext cx="7582525" cy="461665"/>
+          </a:xfrm>
+          <a:prstGeom prst="rect">
+            <a:avLst/>
+          </a:prstGeom>
+        </p:spPr>
+        <p:txBody>
+          <a:bodyPr wrap="none">
+            <a:spAutoFit/>
+          </a:bodyPr>
+          <a:lstStyle/>
+          <a:p>
+            <a:r>
+              <a:rPr lang="de-DE" sz="2400" dirty="0"/>
+              <a:t>https://github.com/bgruening/docker-galaxy-epigenetic</a:t>
+            </a:r>
+            <a:endParaRPr lang="de-DE" sz="2400" dirty="0"/>
+          </a:p>
+        </p:txBody>
+      </p:sp>
+      <p:pic>
+        <p:nvPicPr>
+          <p:cNvPr id="4" name="Grafik 3"/>
+          <p:cNvPicPr>
+            <a:picLocks noChangeAspect="1"/>
+          </p:cNvPicPr>
+          <p:nvPr/>
+        </p:nvPicPr>
+        <p:blipFill>
+          <a:blip r:embed="rId22" cstate="print">
+            <a:extLst>
+              <a:ext uri="{28A0092B-C50C-407E-A947-70E740481C1C}">
+                <a14:useLocalDpi xmlns:a14="http://schemas.microsoft.com/office/drawing/2010/main" val="0"/>
+              </a:ext>
+            </a:extLst>
+          </a:blip>
+          <a:stretch>
+            <a:fillRect/>
+          </a:stretch>
+        </p:blipFill>
+        <p:spPr>
+          <a:xfrm>
+            <a:off x="16554960" y="36399277"/>
+            <a:ext cx="2410380" cy="1385969"/>
+          </a:xfrm>
+          <a:prstGeom prst="rect">
+            <a:avLst/>
+          </a:prstGeom>
+        </p:spPr>
+      </p:pic>
+      <p:pic>
+        <p:nvPicPr>
+          <p:cNvPr id="5" name="Grafik 4"/>
+          <p:cNvPicPr>
+            <a:picLocks noChangeAspect="1"/>
+          </p:cNvPicPr>
+          <p:nvPr/>
+        </p:nvPicPr>
+        <p:blipFill>
+          <a:blip r:embed="rId23" cstate="print">
+            <a:extLst>
+              <a:ext uri="{28A0092B-C50C-407E-A947-70E740481C1C}">
+                <a14:useLocalDpi xmlns:a14="http://schemas.microsoft.com/office/drawing/2010/main" val="0"/>
+              </a:ext>
+            </a:extLst>
+          </a:blip>
+          <a:stretch>
+            <a:fillRect/>
+          </a:stretch>
+        </p:blipFill>
+        <p:spPr>
+          <a:xfrm>
+            <a:off x="19405230" y="36399277"/>
+            <a:ext cx="1192530" cy="1653540"/>
+          </a:xfrm>
+          <a:prstGeom prst="rect">
+            <a:avLst/>
+          </a:prstGeom>
+        </p:spPr>
+      </p:pic>
+      <p:sp>
+        <p:nvSpPr>
+          <p:cNvPr id="8" name="Textfeld 7"/>
+          <p:cNvSpPr txBox="1"/>
+          <p:nvPr/>
+        </p:nvSpPr>
+        <p:spPr>
+          <a:xfrm>
+            <a:off x="10026016" y="29252818"/>
+            <a:ext cx="5366178" cy="523220"/>
+          </a:xfrm>
+          <a:prstGeom prst="rect">
+            <a:avLst/>
+          </a:prstGeom>
+          <a:noFill/>
+        </p:spPr>
+        <p:txBody>
+          <a:bodyPr wrap="square" rtlCol="0">
+            <a:spAutoFit/>
+          </a:bodyPr>
+          <a:lstStyle/>
+          <a:p>
+            <a:r>
+              <a:rPr lang="en-US" sz="2800" b="1" spc="-1" dirty="0">
+                <a:solidFill>
+                  <a:srgbClr val="000000"/>
+                </a:solidFill>
+                <a:uFill>
+                  <a:solidFill>
+                    <a:srgbClr val="FFFFFF"/>
+                  </a:solidFill>
+                </a:uFill>
+              </a:rPr>
+              <a:t> http://galaxy.uni-freiburg.de</a:t>
+            </a:r>
+            <a:endParaRPr lang="de-DE" sz="2800" b="1" dirty="0"/>
+          </a:p>
+        </p:txBody>
+      </p:sp>
+      <p:sp>
+        <p:nvSpPr>
+          <p:cNvPr id="9" name="Textfeld 8"/>
+          <p:cNvSpPr txBox="1"/>
+          <p:nvPr/>
+        </p:nvSpPr>
+        <p:spPr>
+          <a:xfrm>
+            <a:off x="20668082" y="36483157"/>
+            <a:ext cx="3404438" cy="1569660"/>
+          </a:xfrm>
+          <a:prstGeom prst="rect">
+            <a:avLst/>
+          </a:prstGeom>
+          <a:noFill/>
+        </p:spPr>
+        <p:txBody>
+          <a:bodyPr wrap="square" rtlCol="0">
+            <a:spAutoFit/>
+          </a:bodyPr>
+          <a:lstStyle/>
+          <a:p>
+            <a:pPr algn="ctr"/>
+            <a:r>
+              <a:rPr lang="de-DE" sz="2400" dirty="0" smtClean="0"/>
+              <a:t>Global Organisation </a:t>
+            </a:r>
+            <a:r>
+              <a:rPr lang="de-DE" sz="2400" dirty="0" err="1" smtClean="0"/>
+              <a:t>for</a:t>
+            </a:r>
+            <a:r>
+              <a:rPr lang="de-DE" sz="2400" dirty="0" smtClean="0"/>
+              <a:t> </a:t>
+            </a:r>
+            <a:r>
+              <a:rPr lang="de-DE" sz="2400" dirty="0" err="1" smtClean="0"/>
+              <a:t>Bioinformatics</a:t>
+            </a:r>
+            <a:r>
+              <a:rPr lang="de-DE" sz="2400" dirty="0" smtClean="0"/>
+              <a:t> Learning, Education &amp; Training</a:t>
+            </a:r>
+            <a:endParaRPr lang="de-DE" sz="2400" dirty="0"/>
+          </a:p>
+        </p:txBody>
+      </p:sp>
+      <p:graphicFrame>
+        <p:nvGraphicFramePr>
+          <p:cNvPr id="10" name="Tabelle 9"/>
+          <p:cNvGraphicFramePr>
+            <a:graphicFrameLocks noGrp="1"/>
+          </p:cNvGraphicFramePr>
+          <p:nvPr>
+            <p:extLst>
+              <p:ext uri="{D42A27DB-BD31-4B8C-83A1-F6EECF244321}">
+                <p14:modId xmlns:p14="http://schemas.microsoft.com/office/powerpoint/2010/main" val="3267441245"/>
+              </p:ext>
+            </p:extLst>
+          </p:nvPr>
+        </p:nvGraphicFramePr>
+        <p:xfrm>
+          <a:off x="16486455" y="29514428"/>
+          <a:ext cx="12988185" cy="5240992"/>
+        </p:xfrm>
+        <a:graphic>
+          <a:graphicData uri="http://schemas.openxmlformats.org/drawingml/2006/table">
+            <a:tbl>
+              <a:tblPr firstRow="1" bandRow="1">
+                <a:tableStyleId>{5940675A-B579-460E-94D1-54222C63F5DA}</a:tableStyleId>
+              </a:tblPr>
+              <a:tblGrid>
+                <a:gridCol w="3555137"/>
+                <a:gridCol w="7272808"/>
+                <a:gridCol w="2160240"/>
+              </a:tblGrid>
+              <a:tr h="576064">
+                <a:tc gridSpan="3">
+                  <a:txBody>
+                    <a:bodyPr/>
+                    <a:lstStyle/>
+                    <a:p>
+                      <a:pPr marL="0" marR="0" indent="0" algn="ctr" defTabSz="914400" eaLnBrk="1" fontAlgn="auto" latinLnBrk="0" hangingPunct="1">
+                        <a:lnSpc>
+                          <a:spcPct val="100000"/>
+                        </a:lnSpc>
+                        <a:spcBef>
+                          <a:spcPts val="0"/>
+                        </a:spcBef>
+                        <a:spcAft>
+                          <a:spcPts val="0"/>
+                        </a:spcAft>
+                        <a:buClrTx/>
+                        <a:buSzTx/>
+                        <a:buFontTx/>
+                        <a:buNone/>
+                        <a:tabLst/>
+                        <a:defRPr/>
+                      </a:pPr>
+                      <a:r>
+                        <a:rPr lang="en-US" sz="2800" b="1" strike="noStrike" spc="-1" dirty="0" smtClean="0">
+                          <a:solidFill>
+                            <a:srgbClr val="000000"/>
+                          </a:solidFill>
+                          <a:uFill>
+                            <a:solidFill>
+                              <a:srgbClr val="FFFFFF"/>
+                            </a:solidFill>
+                          </a:uFill>
+                          <a:latin typeface="+mn-lt"/>
+                          <a:ea typeface="+mn-ea"/>
+                        </a:rPr>
+                        <a:t>2016 past and planned events</a:t>
+                      </a:r>
+                    </a:p>
+                  </a:txBody>
+                  <a:tcPr>
+                    <a:lnL w="12700" cmpd="sng">
+                      <a:noFill/>
+                    </a:lnL>
+                    <a:lnR w="12700" cmpd="sng">
+                      <a:noFill/>
+                    </a:lnR>
+                    <a:lnT w="12700" cmpd="sng">
+                      <a:noFill/>
+                    </a:lnT>
+                    <a:lnB w="12700" cmpd="sng">
+                      <a:noFill/>
+                    </a:lnB>
+                    <a:lnTlToBr w="12700" cmpd="sng">
+                      <a:noFill/>
+                      <a:prstDash val="solid"/>
+                    </a:lnTlToBr>
+                    <a:lnBlToTr w="12700" cmpd="sng">
+                      <a:noFill/>
+                      <a:prstDash val="solid"/>
+                    </a:lnBlToTr>
+                  </a:tcPr>
+                </a:tc>
+                <a:tc hMerge="1">
+                  <a:txBody>
+                    <a:bodyPr/>
+                    <a:lstStyle/>
+                    <a:p>
+                      <a:endParaRPr lang="de-DE"/>
+                    </a:p>
+                  </a:txBody>
+                  <a:tcPr/>
+                </a:tc>
+                <a:tc hMerge="1">
+                  <a:txBody>
+                    <a:bodyPr/>
+                    <a:lstStyle/>
+                    <a:p>
+                      <a:endParaRPr lang="de-DE"/>
+                    </a:p>
+                  </a:txBody>
+                  <a:tcPr/>
+                </a:tc>
+              </a:tr>
+              <a:tr h="370840">
+                <a:tc>
+                  <a:txBody>
+                    <a:bodyPr/>
+                    <a:lstStyle/>
+                    <a:p>
+                      <a:pPr algn="l"/>
+                      <a:r>
+                        <a:rPr lang="en-US" sz="2800" b="0" strike="noStrike" spc="-1" dirty="0" smtClean="0">
+                          <a:solidFill>
+                            <a:srgbClr val="000000"/>
+                          </a:solidFill>
+                          <a:uFill>
+                            <a:solidFill>
+                              <a:srgbClr val="FFFFFF"/>
+                            </a:solidFill>
+                          </a:uFill>
+                          <a:latin typeface="+mn-lt"/>
+                          <a:ea typeface="+mn-ea"/>
+                        </a:rPr>
+                        <a:t>06</a:t>
+                      </a:r>
+                      <a:r>
+                        <a:rPr lang="en-US" sz="2800" b="0" strike="noStrike" spc="-1" baseline="30000" dirty="0" smtClean="0">
+                          <a:solidFill>
+                            <a:srgbClr val="000000"/>
+                          </a:solidFill>
+                          <a:uFill>
+                            <a:solidFill>
+                              <a:srgbClr val="FFFFFF"/>
+                            </a:solidFill>
+                          </a:uFill>
+                          <a:latin typeface="+mn-lt"/>
+                          <a:ea typeface="+mn-ea"/>
+                        </a:rPr>
+                        <a:t>th</a:t>
+                      </a:r>
+                      <a:r>
+                        <a:rPr lang="en-US" sz="2800" b="0" strike="noStrike" spc="-1" dirty="0" smtClean="0">
+                          <a:solidFill>
+                            <a:srgbClr val="000000"/>
+                          </a:solidFill>
+                          <a:uFill>
+                            <a:solidFill>
+                              <a:srgbClr val="FFFFFF"/>
+                            </a:solidFill>
+                          </a:uFill>
+                          <a:latin typeface="+mn-lt"/>
+                          <a:ea typeface="+mn-ea"/>
+                        </a:rPr>
+                        <a:t> – 7</a:t>
+                      </a:r>
+                      <a:r>
+                        <a:rPr lang="en-US" sz="2800" b="0" strike="noStrike" spc="-1" baseline="30000" dirty="0" smtClean="0">
+                          <a:solidFill>
+                            <a:srgbClr val="000000"/>
+                          </a:solidFill>
+                          <a:uFill>
+                            <a:solidFill>
+                              <a:srgbClr val="FFFFFF"/>
+                            </a:solidFill>
+                          </a:uFill>
+                          <a:latin typeface="+mn-lt"/>
+                          <a:ea typeface="+mn-ea"/>
+                        </a:rPr>
+                        <a:t>th</a:t>
+                      </a:r>
+                      <a:r>
+                        <a:rPr lang="en-US" sz="2800" b="0" strike="noStrike" spc="-1" dirty="0" smtClean="0">
+                          <a:solidFill>
+                            <a:srgbClr val="000000"/>
+                          </a:solidFill>
+                          <a:uFill>
+                            <a:solidFill>
+                              <a:srgbClr val="FFFFFF"/>
+                            </a:solidFill>
+                          </a:uFill>
+                          <a:latin typeface="+mn-lt"/>
+                          <a:ea typeface="+mn-ea"/>
+                        </a:rPr>
+                        <a:t> Oct 2016 </a:t>
+                      </a:r>
+                      <a:endParaRPr lang="de-DE" sz="2800" dirty="0"/>
+                    </a:p>
+                  </a:txBody>
+                  <a:tcPr>
+                    <a:lnL w="12700" cmpd="sng">
+                      <a:noFill/>
+                    </a:lnL>
+                    <a:lnR w="12700" cmpd="sng">
+                      <a:noFill/>
+                    </a:lnR>
+                    <a:lnT w="12700" cmpd="sng">
+                      <a:noFill/>
+                    </a:lnT>
+                    <a:lnB w="12700" cmpd="sng">
+                      <a:noFill/>
+                    </a:lnB>
+                    <a:lnTlToBr w="12700" cmpd="sng">
+                      <a:noFill/>
+                      <a:prstDash val="solid"/>
+                    </a:lnTlToBr>
+                    <a:lnBlToTr w="12700" cmpd="sng">
+                      <a:noFill/>
+                      <a:prstDash val="solid"/>
+                    </a:lnBlToTr>
+                  </a:tcPr>
+                </a:tc>
+                <a:tc>
+                  <a:txBody>
+                    <a:bodyPr/>
+                    <a:lstStyle/>
+                    <a:p>
+                      <a:pPr algn="l"/>
+                      <a:r>
+                        <a:rPr lang="en-US" sz="2800" b="0" strike="noStrike" spc="-1" dirty="0" smtClean="0">
+                          <a:solidFill>
+                            <a:srgbClr val="000000"/>
+                          </a:solidFill>
+                          <a:uFill>
+                            <a:solidFill>
+                              <a:srgbClr val="FFFFFF"/>
+                            </a:solidFill>
+                          </a:uFill>
+                          <a:latin typeface="+mn-lt"/>
+                          <a:ea typeface="+mn-ea"/>
+                        </a:rPr>
+                        <a:t>Swiss German Galaxy workshop</a:t>
+                      </a:r>
+                      <a:endParaRPr lang="de-DE" sz="2800" dirty="0"/>
+                    </a:p>
+                  </a:txBody>
+                  <a:tcPr>
+                    <a:lnL w="12700" cmpd="sng">
+                      <a:noFill/>
+                    </a:lnL>
+                    <a:lnR w="12700" cmpd="sng">
+                      <a:noFill/>
+                    </a:lnR>
+                    <a:lnT w="12700" cmpd="sng">
+                      <a:noFill/>
+                    </a:lnT>
+                    <a:lnB w="12700" cmpd="sng">
+                      <a:noFill/>
+                    </a:lnB>
+                    <a:lnTlToBr w="12700" cmpd="sng">
+                      <a:noFill/>
+                      <a:prstDash val="solid"/>
+                    </a:lnTlToBr>
+                    <a:lnBlToTr w="12700" cmpd="sng">
+                      <a:noFill/>
+                      <a:prstDash val="solid"/>
+                    </a:lnBlToTr>
+                  </a:tcPr>
+                </a:tc>
+                <a:tc>
+                  <a:txBody>
+                    <a:bodyPr/>
+                    <a:lstStyle/>
+                    <a:p>
+                      <a:pPr algn="l"/>
+                      <a:r>
+                        <a:rPr lang="de-DE" sz="2800" dirty="0" smtClean="0"/>
+                        <a:t>Freiburg</a:t>
+                      </a:r>
+                      <a:endParaRPr lang="de-DE" sz="2800" dirty="0"/>
+                    </a:p>
+                  </a:txBody>
+                  <a:tcPr>
+                    <a:lnL w="12700" cmpd="sng">
+                      <a:noFill/>
+                    </a:lnL>
+                    <a:lnR w="12700" cmpd="sng">
+                      <a:noFill/>
+                    </a:lnR>
+                    <a:lnT w="12700" cmpd="sng">
+                      <a:noFill/>
+                    </a:lnT>
+                    <a:lnB w="12700" cmpd="sng">
+                      <a:noFill/>
+                    </a:lnB>
+                    <a:lnTlToBr w="12700" cmpd="sng">
+                      <a:noFill/>
+                      <a:prstDash val="solid"/>
+                    </a:lnTlToBr>
+                    <a:lnBlToTr w="12700" cmpd="sng">
+                      <a:noFill/>
+                      <a:prstDash val="solid"/>
+                    </a:lnBlToTr>
+                  </a:tcPr>
+                </a:tc>
+              </a:tr>
+              <a:tr h="370840">
+                <a:tc>
+                  <a:txBody>
+                    <a:bodyPr/>
+                    <a:lstStyle/>
+                    <a:p>
+                      <a:pPr algn="l"/>
+                      <a:r>
+                        <a:rPr lang="en-US" sz="2800" spc="-1" dirty="0" smtClean="0">
+                          <a:solidFill>
+                            <a:srgbClr val="000000"/>
+                          </a:solidFill>
+                          <a:uFill>
+                            <a:solidFill>
+                              <a:srgbClr val="FFFFFF"/>
+                            </a:solidFill>
+                          </a:uFill>
+                          <a:latin typeface="+mn-lt"/>
+                        </a:rPr>
+                        <a:t>24</a:t>
+                      </a:r>
+                      <a:r>
+                        <a:rPr lang="en-US" sz="2800" spc="-1" baseline="30000" dirty="0" smtClean="0">
+                          <a:solidFill>
+                            <a:srgbClr val="000000"/>
+                          </a:solidFill>
+                          <a:uFill>
+                            <a:solidFill>
+                              <a:srgbClr val="FFFFFF"/>
+                            </a:solidFill>
+                          </a:uFill>
+                          <a:latin typeface="+mn-lt"/>
+                        </a:rPr>
+                        <a:t>th</a:t>
+                      </a:r>
+                      <a:r>
+                        <a:rPr lang="en-US" sz="2800" spc="-1" dirty="0" smtClean="0">
+                          <a:solidFill>
+                            <a:srgbClr val="000000"/>
+                          </a:solidFill>
+                          <a:uFill>
+                            <a:solidFill>
+                              <a:srgbClr val="FFFFFF"/>
+                            </a:solidFill>
+                          </a:uFill>
+                          <a:latin typeface="+mn-lt"/>
+                        </a:rPr>
+                        <a:t> – 26</a:t>
+                      </a:r>
+                      <a:r>
+                        <a:rPr lang="en-US" sz="2800" spc="-1" baseline="30000" dirty="0" smtClean="0">
+                          <a:solidFill>
+                            <a:srgbClr val="000000"/>
+                          </a:solidFill>
+                          <a:uFill>
+                            <a:solidFill>
+                              <a:srgbClr val="FFFFFF"/>
+                            </a:solidFill>
+                          </a:uFill>
+                          <a:latin typeface="+mn-lt"/>
+                        </a:rPr>
+                        <a:t>th</a:t>
+                      </a:r>
+                      <a:r>
+                        <a:rPr lang="en-US" sz="2800" spc="-1" dirty="0" smtClean="0">
+                          <a:solidFill>
+                            <a:srgbClr val="000000"/>
+                          </a:solidFill>
+                          <a:uFill>
+                            <a:solidFill>
+                              <a:srgbClr val="FFFFFF"/>
+                            </a:solidFill>
+                          </a:uFill>
+                          <a:latin typeface="+mn-lt"/>
+                        </a:rPr>
+                        <a:t> Oct 2016 </a:t>
+                      </a:r>
+                      <a:endParaRPr lang="de-DE" sz="2800" dirty="0"/>
+                    </a:p>
+                  </a:txBody>
+                  <a:tcPr>
+                    <a:lnL w="12700" cmpd="sng">
+                      <a:noFill/>
+                    </a:lnL>
+                    <a:lnR w="12700" cmpd="sng">
+                      <a:noFill/>
+                    </a:lnR>
+                    <a:lnT w="12700" cmpd="sng">
+                      <a:noFill/>
+                    </a:lnT>
+                    <a:lnB w="12700" cmpd="sng">
+                      <a:noFill/>
+                    </a:lnB>
+                    <a:lnTlToBr w="12700" cmpd="sng">
+                      <a:noFill/>
+                      <a:prstDash val="solid"/>
+                    </a:lnTlToBr>
+                    <a:lnBlToTr w="12700" cmpd="sng">
+                      <a:noFill/>
+                      <a:prstDash val="solid"/>
+                    </a:lnBlToTr>
+                  </a:tcPr>
+                </a:tc>
+                <a:tc>
+                  <a:txBody>
+                    <a:bodyPr/>
+                    <a:lstStyle/>
+                    <a:p>
+                      <a:pPr algn="l"/>
+                      <a:r>
+                        <a:rPr lang="en-US" sz="2800" spc="-1" dirty="0" smtClean="0">
+                          <a:solidFill>
+                            <a:srgbClr val="000000"/>
+                          </a:solidFill>
+                          <a:uFill>
+                            <a:solidFill>
+                              <a:srgbClr val="FFFFFF"/>
+                            </a:solidFill>
+                          </a:uFill>
+                          <a:latin typeface="+mn-lt"/>
+                        </a:rPr>
+                        <a:t>CHARME, </a:t>
+                      </a:r>
+                      <a:r>
+                        <a:rPr lang="en-US" sz="2800" spc="-1" dirty="0" err="1" smtClean="0">
+                          <a:solidFill>
+                            <a:srgbClr val="000000"/>
+                          </a:solidFill>
+                          <a:uFill>
+                            <a:solidFill>
+                              <a:srgbClr val="FFFFFF"/>
+                            </a:solidFill>
+                          </a:uFill>
+                          <a:latin typeface="+mn-lt"/>
+                        </a:rPr>
+                        <a:t>EMBnet</a:t>
+                      </a:r>
+                      <a:r>
+                        <a:rPr lang="en-US" sz="2800" spc="-1" dirty="0" smtClean="0">
+                          <a:solidFill>
+                            <a:srgbClr val="000000"/>
+                          </a:solidFill>
+                          <a:uFill>
+                            <a:solidFill>
+                              <a:srgbClr val="FFFFFF"/>
+                            </a:solidFill>
+                          </a:uFill>
+                          <a:latin typeface="+mn-lt"/>
+                        </a:rPr>
+                        <a:t> and NETTAB</a:t>
+                      </a:r>
+                      <a:r>
+                        <a:rPr lang="en-US" sz="2800" spc="-1" baseline="0" dirty="0" smtClean="0">
+                          <a:solidFill>
+                            <a:srgbClr val="000000"/>
+                          </a:solidFill>
+                          <a:uFill>
+                            <a:solidFill>
+                              <a:srgbClr val="FFFFFF"/>
+                            </a:solidFill>
+                          </a:uFill>
+                          <a:latin typeface="+mn-lt"/>
+                        </a:rPr>
+                        <a:t> W</a:t>
+                      </a:r>
+                      <a:r>
+                        <a:rPr lang="en-US" sz="2800" spc="-1" dirty="0" smtClean="0">
+                          <a:solidFill>
+                            <a:srgbClr val="000000"/>
+                          </a:solidFill>
+                          <a:uFill>
+                            <a:solidFill>
+                              <a:srgbClr val="FFFFFF"/>
+                            </a:solidFill>
+                          </a:uFill>
+                          <a:latin typeface="+mn-lt"/>
+                        </a:rPr>
+                        <a:t>orkshop</a:t>
+                      </a:r>
+                      <a:endParaRPr lang="de-DE" sz="2800" dirty="0"/>
+                    </a:p>
+                  </a:txBody>
+                  <a:tcPr>
+                    <a:lnL w="12700" cmpd="sng">
+                      <a:noFill/>
+                    </a:lnL>
+                    <a:lnR w="12700" cmpd="sng">
+                      <a:noFill/>
+                    </a:lnR>
+                    <a:lnT w="12700" cmpd="sng">
+                      <a:noFill/>
+                    </a:lnT>
+                    <a:lnB w="12700" cmpd="sng">
+                      <a:noFill/>
+                    </a:lnB>
+                    <a:lnTlToBr w="12700" cmpd="sng">
+                      <a:noFill/>
+                      <a:prstDash val="solid"/>
+                    </a:lnTlToBr>
+                    <a:lnBlToTr w="12700" cmpd="sng">
+                      <a:noFill/>
+                      <a:prstDash val="solid"/>
+                    </a:lnBlToTr>
+                  </a:tcPr>
+                </a:tc>
+                <a:tc>
+                  <a:txBody>
+                    <a:bodyPr/>
+                    <a:lstStyle/>
+                    <a:p>
+                      <a:pPr marL="0" marR="0" indent="0" algn="l" defTabSz="914400" eaLnBrk="1" fontAlgn="auto" latinLnBrk="0" hangingPunct="1">
+                        <a:lnSpc>
+                          <a:spcPct val="100000"/>
+                        </a:lnSpc>
+                        <a:spcBef>
+                          <a:spcPts val="0"/>
+                        </a:spcBef>
+                        <a:spcAft>
+                          <a:spcPts val="0"/>
+                        </a:spcAft>
+                        <a:buClrTx/>
+                        <a:buSzTx/>
+                        <a:buFontTx/>
+                        <a:buNone/>
+                        <a:tabLst/>
+                        <a:defRPr/>
+                      </a:pPr>
+                      <a:r>
+                        <a:rPr lang="en-US" sz="2800" spc="-1" dirty="0" smtClean="0">
+                          <a:solidFill>
+                            <a:srgbClr val="000000"/>
+                          </a:solidFill>
+                          <a:uFill>
+                            <a:solidFill>
+                              <a:srgbClr val="FFFFFF"/>
+                            </a:solidFill>
+                          </a:uFill>
+                          <a:latin typeface="+mn-lt"/>
+                        </a:rPr>
+                        <a:t>Rome</a:t>
+                      </a:r>
+                      <a:endParaRPr lang="en-US" sz="2800" b="0" strike="noStrike" spc="-1" dirty="0" smtClean="0">
+                        <a:solidFill>
+                          <a:srgbClr val="000000"/>
+                        </a:solidFill>
+                        <a:uFill>
+                          <a:solidFill>
+                            <a:srgbClr val="FFFFFF"/>
+                          </a:solidFill>
+                        </a:uFill>
+                        <a:latin typeface="+mn-lt"/>
+                      </a:endParaRPr>
+                    </a:p>
+                  </a:txBody>
+                  <a:tcPr>
+                    <a:lnL w="12700" cmpd="sng">
+                      <a:noFill/>
+                    </a:lnL>
+                    <a:lnR w="12700" cmpd="sng">
+                      <a:noFill/>
+                    </a:lnR>
+                    <a:lnT w="12700" cmpd="sng">
+                      <a:noFill/>
+                    </a:lnT>
+                    <a:lnB w="12700" cmpd="sng">
+                      <a:noFill/>
+                    </a:lnB>
+                    <a:lnTlToBr w="12700" cmpd="sng">
+                      <a:noFill/>
+                      <a:prstDash val="solid"/>
+                    </a:lnTlToBr>
+                    <a:lnBlToTr w="12700" cmpd="sng">
+                      <a:noFill/>
+                      <a:prstDash val="solid"/>
+                    </a:lnBlToTr>
+                  </a:tcPr>
+                </a:tc>
+              </a:tr>
+              <a:tr h="370840">
+                <a:tc>
+                  <a:txBody>
+                    <a:bodyPr/>
+                    <a:lstStyle/>
+                    <a:p>
+                      <a:pPr algn="l"/>
+                      <a:r>
+                        <a:rPr lang="en-US" sz="2800" b="0" strike="noStrike" spc="-1" dirty="0" smtClean="0">
+                          <a:solidFill>
+                            <a:srgbClr val="000000"/>
+                          </a:solidFill>
+                          <a:uFill>
+                            <a:solidFill>
+                              <a:srgbClr val="FFFFFF"/>
+                            </a:solidFill>
+                          </a:uFill>
+                          <a:latin typeface="+mn-lt"/>
+                          <a:ea typeface="+mn-ea"/>
+                        </a:rPr>
+                        <a:t>02</a:t>
+                      </a:r>
+                      <a:r>
+                        <a:rPr lang="en-US" sz="2800" b="0" strike="noStrike" spc="-1" baseline="30000" dirty="0" smtClean="0">
+                          <a:solidFill>
+                            <a:srgbClr val="000000"/>
+                          </a:solidFill>
+                          <a:uFill>
+                            <a:solidFill>
+                              <a:srgbClr val="FFFFFF"/>
+                            </a:solidFill>
+                          </a:uFill>
+                          <a:latin typeface="+mn-lt"/>
+                          <a:ea typeface="+mn-ea"/>
+                        </a:rPr>
+                        <a:t>nd</a:t>
+                      </a:r>
+                      <a:r>
+                        <a:rPr lang="en-US" sz="2800" spc="-1" dirty="0" smtClean="0">
+                          <a:solidFill>
+                            <a:srgbClr val="000000"/>
+                          </a:solidFill>
+                          <a:uFill>
+                            <a:solidFill>
+                              <a:srgbClr val="FFFFFF"/>
+                            </a:solidFill>
+                          </a:uFill>
+                          <a:latin typeface="+mn-lt"/>
+                          <a:ea typeface="+mn-ea"/>
+                        </a:rPr>
+                        <a:t> – 03</a:t>
+                      </a:r>
+                      <a:r>
+                        <a:rPr lang="en-US" sz="2800" spc="-1" baseline="30000" dirty="0" smtClean="0">
+                          <a:solidFill>
+                            <a:srgbClr val="000000"/>
+                          </a:solidFill>
+                          <a:uFill>
+                            <a:solidFill>
+                              <a:srgbClr val="FFFFFF"/>
+                            </a:solidFill>
+                          </a:uFill>
+                          <a:latin typeface="+mn-lt"/>
+                          <a:ea typeface="+mn-ea"/>
+                        </a:rPr>
+                        <a:t>rd</a:t>
+                      </a:r>
+                      <a:r>
+                        <a:rPr lang="en-US" sz="2800" spc="-1" dirty="0" smtClean="0">
+                          <a:solidFill>
+                            <a:srgbClr val="000000"/>
+                          </a:solidFill>
+                          <a:uFill>
+                            <a:solidFill>
+                              <a:srgbClr val="FFFFFF"/>
+                            </a:solidFill>
+                          </a:uFill>
+                          <a:latin typeface="+mn-lt"/>
+                          <a:ea typeface="+mn-ea"/>
+                        </a:rPr>
+                        <a:t> </a:t>
+                      </a:r>
+                      <a:r>
+                        <a:rPr lang="en-US" sz="2800" b="0" strike="noStrike" spc="-1" dirty="0" smtClean="0">
+                          <a:solidFill>
+                            <a:srgbClr val="000000"/>
+                          </a:solidFill>
+                          <a:uFill>
+                            <a:solidFill>
+                              <a:srgbClr val="FFFFFF"/>
+                            </a:solidFill>
+                          </a:uFill>
+                          <a:latin typeface="+mn-lt"/>
+                          <a:ea typeface="+mn-ea"/>
+                        </a:rPr>
+                        <a:t>Nov 2016 </a:t>
+                      </a:r>
+                      <a:endParaRPr lang="de-DE" sz="2800" dirty="0"/>
+                    </a:p>
+                  </a:txBody>
+                  <a:tcPr>
+                    <a:lnL w="12700" cmpd="sng">
+                      <a:noFill/>
+                    </a:lnL>
+                    <a:lnR w="12700" cmpd="sng">
+                      <a:noFill/>
+                    </a:lnR>
+                    <a:lnT w="12700" cmpd="sng">
+                      <a:noFill/>
+                    </a:lnT>
+                    <a:lnB w="12700" cmpd="sng">
+                      <a:noFill/>
+                    </a:lnB>
+                    <a:lnTlToBr w="12700" cmpd="sng">
+                      <a:noFill/>
+                      <a:prstDash val="solid"/>
+                    </a:lnTlToBr>
+                    <a:lnBlToTr w="12700" cmpd="sng">
+                      <a:noFill/>
+                      <a:prstDash val="solid"/>
+                    </a:lnBlToTr>
+                  </a:tcPr>
+                </a:tc>
+                <a:tc>
+                  <a:txBody>
+                    <a:bodyPr/>
+                    <a:lstStyle/>
+                    <a:p>
+                      <a:pPr marL="0" marR="0" indent="0" algn="l" defTabSz="914400" eaLnBrk="1" fontAlgn="auto" latinLnBrk="0" hangingPunct="1">
+                        <a:lnSpc>
+                          <a:spcPct val="100000"/>
+                        </a:lnSpc>
+                        <a:spcBef>
+                          <a:spcPts val="0"/>
+                        </a:spcBef>
+                        <a:spcAft>
+                          <a:spcPts val="0"/>
+                        </a:spcAft>
+                        <a:buClrTx/>
+                        <a:buSzTx/>
+                        <a:buFontTx/>
+                        <a:buNone/>
+                        <a:tabLst/>
+                        <a:defRPr/>
+                      </a:pPr>
+                      <a:r>
+                        <a:rPr lang="en-US" sz="2800" b="0" strike="noStrike" spc="-1" dirty="0" err="1" smtClean="0">
+                          <a:solidFill>
+                            <a:srgbClr val="000000"/>
+                          </a:solidFill>
+                          <a:uFill>
+                            <a:solidFill>
+                              <a:srgbClr val="FFFFFF"/>
+                            </a:solidFill>
+                          </a:uFill>
+                          <a:latin typeface="+mn-lt"/>
+                          <a:ea typeface="+mn-ea"/>
+                        </a:rPr>
+                        <a:t>BioConda</a:t>
+                      </a:r>
+                      <a:r>
+                        <a:rPr lang="en-US" sz="2800" b="0" strike="noStrike" spc="-1" dirty="0" smtClean="0">
+                          <a:solidFill>
+                            <a:srgbClr val="000000"/>
+                          </a:solidFill>
+                          <a:uFill>
+                            <a:solidFill>
+                              <a:srgbClr val="FFFFFF"/>
+                            </a:solidFill>
+                          </a:uFill>
+                          <a:latin typeface="+mn-lt"/>
+                          <a:ea typeface="+mn-ea"/>
+                        </a:rPr>
+                        <a:t> hackathon</a:t>
+                      </a:r>
+                    </a:p>
+                  </a:txBody>
+                  <a:tcPr>
+                    <a:lnL w="12700" cmpd="sng">
+                      <a:noFill/>
+                    </a:lnL>
+                    <a:lnR w="12700" cmpd="sng">
+                      <a:noFill/>
+                    </a:lnR>
+                    <a:lnT w="12700" cmpd="sng">
+                      <a:noFill/>
+                    </a:lnT>
+                    <a:lnB w="12700" cmpd="sng">
+                      <a:noFill/>
+                    </a:lnB>
+                    <a:lnTlToBr w="12700" cmpd="sng">
+                      <a:noFill/>
+                      <a:prstDash val="solid"/>
+                    </a:lnTlToBr>
+                    <a:lnBlToTr w="12700" cmpd="sng">
+                      <a:noFill/>
+                      <a:prstDash val="solid"/>
+                    </a:lnBlToTr>
+                  </a:tcPr>
+                </a:tc>
+                <a:tc>
+                  <a:txBody>
+                    <a:bodyPr/>
+                    <a:lstStyle/>
+                    <a:p>
+                      <a:pPr algn="l"/>
+                      <a:r>
+                        <a:rPr lang="de-DE" sz="2800" dirty="0" smtClean="0"/>
+                        <a:t>Freiburg</a:t>
+                      </a:r>
+                      <a:endParaRPr lang="de-DE" sz="2800" dirty="0"/>
+                    </a:p>
+                  </a:txBody>
+                  <a:tcPr>
+                    <a:lnL w="12700" cmpd="sng">
+                      <a:noFill/>
+                    </a:lnL>
+                    <a:lnR w="12700" cmpd="sng">
+                      <a:noFill/>
+                    </a:lnR>
+                    <a:lnT w="12700" cmpd="sng">
+                      <a:noFill/>
+                    </a:lnT>
+                    <a:lnB w="12700" cmpd="sng">
+                      <a:noFill/>
+                    </a:lnB>
+                    <a:lnTlToBr w="12700" cmpd="sng">
+                      <a:noFill/>
+                      <a:prstDash val="solid"/>
+                    </a:lnTlToBr>
+                    <a:lnBlToTr w="12700" cmpd="sng">
+                      <a:noFill/>
+                      <a:prstDash val="solid"/>
+                    </a:lnBlToTr>
+                  </a:tcPr>
+                </a:tc>
+              </a:tr>
+              <a:tr h="370840">
+                <a:tc>
+                  <a:txBody>
+                    <a:bodyPr/>
+                    <a:lstStyle/>
+                    <a:p>
+                      <a:pPr algn="l"/>
+                      <a:r>
+                        <a:rPr lang="en-US" sz="2800" spc="-1" dirty="0" smtClean="0">
+                          <a:solidFill>
+                            <a:srgbClr val="000000"/>
+                          </a:solidFill>
+                          <a:uFill>
+                            <a:solidFill>
+                              <a:srgbClr val="FFFFFF"/>
+                            </a:solidFill>
+                          </a:uFill>
+                        </a:rPr>
+                        <a:t>15</a:t>
+                      </a:r>
+                      <a:r>
+                        <a:rPr lang="en-US" sz="2800" spc="-1" baseline="30000" dirty="0" smtClean="0">
+                          <a:solidFill>
+                            <a:srgbClr val="000000"/>
+                          </a:solidFill>
+                          <a:uFill>
+                            <a:solidFill>
+                              <a:srgbClr val="FFFFFF"/>
+                            </a:solidFill>
+                          </a:uFill>
+                        </a:rPr>
+                        <a:t>th</a:t>
+                      </a:r>
+                      <a:r>
+                        <a:rPr lang="en-US" sz="2800" spc="-1" dirty="0" smtClean="0">
+                          <a:solidFill>
+                            <a:srgbClr val="000000"/>
+                          </a:solidFill>
+                          <a:uFill>
+                            <a:solidFill>
+                              <a:srgbClr val="FFFFFF"/>
+                            </a:solidFill>
+                          </a:uFill>
+                        </a:rPr>
+                        <a:t> – 16</a:t>
+                      </a:r>
+                      <a:r>
+                        <a:rPr lang="en-US" sz="2800" spc="-1" baseline="30000" dirty="0" smtClean="0">
+                          <a:solidFill>
+                            <a:srgbClr val="000000"/>
+                          </a:solidFill>
+                          <a:uFill>
+                            <a:solidFill>
+                              <a:srgbClr val="FFFFFF"/>
+                            </a:solidFill>
+                          </a:uFill>
+                        </a:rPr>
+                        <a:t>th</a:t>
+                      </a:r>
+                      <a:r>
+                        <a:rPr lang="en-US" sz="2800" spc="-1" dirty="0" smtClean="0">
+                          <a:solidFill>
+                            <a:srgbClr val="000000"/>
+                          </a:solidFill>
+                          <a:uFill>
+                            <a:solidFill>
+                              <a:srgbClr val="FFFFFF"/>
+                            </a:solidFill>
+                          </a:uFill>
+                        </a:rPr>
+                        <a:t> Dec 2016 </a:t>
+                      </a:r>
+                      <a:endParaRPr lang="de-DE" sz="2800" dirty="0"/>
+                    </a:p>
+                  </a:txBody>
+                  <a:tcPr>
+                    <a:lnL w="12700" cmpd="sng">
+                      <a:noFill/>
+                    </a:lnL>
+                    <a:lnR w="12700" cmpd="sng">
+                      <a:noFill/>
+                    </a:lnR>
+                    <a:lnT w="12700" cmpd="sng">
+                      <a:noFill/>
+                    </a:lnT>
+                    <a:lnB w="12700" cmpd="sng">
+                      <a:noFill/>
+                    </a:lnB>
+                    <a:lnTlToBr w="12700" cmpd="sng">
+                      <a:noFill/>
+                      <a:prstDash val="solid"/>
+                    </a:lnTlToBr>
+                    <a:lnBlToTr w="12700" cmpd="sng">
+                      <a:noFill/>
+                      <a:prstDash val="solid"/>
+                    </a:lnBlToTr>
+                  </a:tcPr>
+                </a:tc>
+                <a:tc>
+                  <a:txBody>
+                    <a:bodyPr/>
+                    <a:lstStyle/>
+                    <a:p>
+                      <a:pPr algn="l"/>
+                      <a:r>
+                        <a:rPr lang="en-US" sz="2800" spc="-1" dirty="0" smtClean="0">
+                          <a:solidFill>
+                            <a:srgbClr val="000000"/>
+                          </a:solidFill>
+                          <a:uFill>
+                            <a:solidFill>
+                              <a:srgbClr val="FFFFFF"/>
+                            </a:solidFill>
+                          </a:uFill>
+                        </a:rPr>
+                        <a:t>Galaxy RNA-</a:t>
+                      </a:r>
+                      <a:r>
+                        <a:rPr lang="en-US" sz="2800" spc="-1" dirty="0" err="1" smtClean="0">
+                          <a:solidFill>
+                            <a:srgbClr val="000000"/>
+                          </a:solidFill>
+                          <a:uFill>
+                            <a:solidFill>
+                              <a:srgbClr val="FFFFFF"/>
+                            </a:solidFill>
+                          </a:uFill>
+                        </a:rPr>
+                        <a:t>seq</a:t>
+                      </a:r>
+                      <a:r>
+                        <a:rPr lang="en-US" sz="2800" spc="-1" dirty="0" smtClean="0">
+                          <a:solidFill>
+                            <a:srgbClr val="000000"/>
+                          </a:solidFill>
+                          <a:uFill>
+                            <a:solidFill>
+                              <a:srgbClr val="FFFFFF"/>
+                            </a:solidFill>
+                          </a:uFill>
+                        </a:rPr>
+                        <a:t> data</a:t>
+                      </a:r>
+                      <a:r>
+                        <a:rPr lang="en-US" sz="2800" spc="-1" baseline="0" dirty="0" smtClean="0">
+                          <a:solidFill>
+                            <a:srgbClr val="000000"/>
+                          </a:solidFill>
+                          <a:uFill>
+                            <a:solidFill>
+                              <a:srgbClr val="FFFFFF"/>
+                            </a:solidFill>
+                          </a:uFill>
+                        </a:rPr>
+                        <a:t> </a:t>
+                      </a:r>
+                      <a:r>
+                        <a:rPr lang="en-US" sz="2800" spc="-1" dirty="0" smtClean="0">
+                          <a:solidFill>
+                            <a:srgbClr val="000000"/>
+                          </a:solidFill>
+                          <a:uFill>
+                            <a:solidFill>
+                              <a:srgbClr val="FFFFFF"/>
+                            </a:solidFill>
+                          </a:uFill>
+                        </a:rPr>
+                        <a:t>analysis workshop</a:t>
+                      </a:r>
+                    </a:p>
+                  </a:txBody>
+                  <a:tcPr>
+                    <a:lnL w="12700" cmpd="sng">
+                      <a:noFill/>
+                    </a:lnL>
+                    <a:lnR w="12700" cmpd="sng">
+                      <a:noFill/>
+                    </a:lnR>
+                    <a:lnT w="12700" cmpd="sng">
+                      <a:noFill/>
+                    </a:lnT>
+                    <a:lnB w="12700" cmpd="sng">
+                      <a:noFill/>
+                    </a:lnB>
+                    <a:lnTlToBr w="12700" cmpd="sng">
+                      <a:noFill/>
+                      <a:prstDash val="solid"/>
+                    </a:lnTlToBr>
+                    <a:lnBlToTr w="12700" cmpd="sng">
+                      <a:noFill/>
+                      <a:prstDash val="solid"/>
+                    </a:lnBlToTr>
+                  </a:tcPr>
+                </a:tc>
+                <a:tc>
+                  <a:txBody>
+                    <a:bodyPr/>
+                    <a:lstStyle/>
+                    <a:p>
+                      <a:pPr algn="l"/>
+                      <a:r>
+                        <a:rPr lang="de-DE" sz="2800" dirty="0" smtClean="0"/>
+                        <a:t>Freiburg</a:t>
+                      </a:r>
+                      <a:endParaRPr lang="de-DE" sz="2800" dirty="0"/>
+                    </a:p>
+                  </a:txBody>
+                  <a:tcPr>
+                    <a:lnL w="12700" cmpd="sng">
+                      <a:noFill/>
+                    </a:lnL>
+                    <a:lnR w="12700" cmpd="sng">
+                      <a:noFill/>
+                    </a:lnR>
+                    <a:lnT w="12700" cmpd="sng">
+                      <a:noFill/>
+                    </a:lnT>
+                    <a:lnB w="12700" cmpd="sng">
+                      <a:noFill/>
+                    </a:lnB>
+                    <a:lnTlToBr w="12700" cmpd="sng">
+                      <a:noFill/>
+                      <a:prstDash val="solid"/>
+                    </a:lnTlToBr>
+                    <a:lnBlToTr w="12700" cmpd="sng">
+                      <a:noFill/>
+                      <a:prstDash val="solid"/>
+                    </a:lnBlToTr>
+                  </a:tcPr>
+                </a:tc>
+              </a:tr>
+              <a:tr h="519648">
+                <a:tc gridSpan="3">
+                  <a:txBody>
+                    <a:bodyPr/>
+                    <a:lstStyle/>
+                    <a:p>
+                      <a:pPr marL="0" marR="0" indent="0" algn="ctr" defTabSz="914400" eaLnBrk="1" fontAlgn="auto" latinLnBrk="0" hangingPunct="1">
+                        <a:lnSpc>
+                          <a:spcPct val="100000"/>
+                        </a:lnSpc>
+                        <a:spcBef>
+                          <a:spcPts val="0"/>
+                        </a:spcBef>
+                        <a:spcAft>
+                          <a:spcPts val="0"/>
+                        </a:spcAft>
+                        <a:buClrTx/>
+                        <a:buSzTx/>
+                        <a:buFontTx/>
+                        <a:buNone/>
+                        <a:tabLst/>
+                        <a:defRPr/>
+                      </a:pPr>
+                      <a:r>
+                        <a:rPr lang="en-US" sz="2800" b="1" spc="-1" dirty="0" smtClean="0">
+                          <a:solidFill>
+                            <a:srgbClr val="000000"/>
+                          </a:solidFill>
+                          <a:uFill>
+                            <a:solidFill>
+                              <a:srgbClr val="FFFFFF"/>
+                            </a:solidFill>
+                          </a:uFill>
+                        </a:rPr>
+                        <a:t>2017 planned events</a:t>
+                      </a:r>
+                      <a:endParaRPr lang="en-US" sz="2800" spc="-1" dirty="0" smtClean="0">
+                        <a:solidFill>
+                          <a:srgbClr val="000000"/>
+                        </a:solidFill>
+                        <a:uFill>
+                          <a:solidFill>
+                            <a:srgbClr val="FFFFFF"/>
+                          </a:solidFill>
+                        </a:uFill>
+                        <a:latin typeface="+mn-lt"/>
+                      </a:endParaRPr>
+                    </a:p>
+                  </a:txBody>
+                  <a:tcPr>
+                    <a:lnL w="12700" cmpd="sng">
+                      <a:noFill/>
+                    </a:lnL>
+                    <a:lnR w="12700" cmpd="sng">
+                      <a:noFill/>
+                    </a:lnR>
+                    <a:lnT w="12700" cmpd="sng">
+                      <a:noFill/>
+                    </a:lnT>
+                    <a:lnB w="12700" cmpd="sng">
+                      <a:noFill/>
+                    </a:lnB>
+                    <a:lnTlToBr w="12700" cmpd="sng">
+                      <a:noFill/>
+                      <a:prstDash val="solid"/>
+                    </a:lnTlToBr>
+                    <a:lnBlToTr w="12700" cmpd="sng">
+                      <a:noFill/>
+                      <a:prstDash val="solid"/>
+                    </a:lnBlToTr>
+                  </a:tcPr>
+                </a:tc>
+                <a:tc hMerge="1">
+                  <a:txBody>
+                    <a:bodyPr/>
+                    <a:lstStyle/>
+                    <a:p>
+                      <a:endParaRPr lang="de-DE"/>
+                    </a:p>
+                  </a:txBody>
+                  <a:tcPr/>
+                </a:tc>
+                <a:tc hMerge="1">
+                  <a:txBody>
+                    <a:bodyPr/>
+                    <a:lstStyle/>
+                    <a:p>
+                      <a:endParaRPr lang="de-DE"/>
+                    </a:p>
+                  </a:txBody>
+                  <a:tcPr/>
+                </a:tc>
+              </a:tr>
+              <a:tr h="370840">
+                <a:tc>
+                  <a:txBody>
+                    <a:bodyPr/>
+                    <a:lstStyle/>
+                    <a:p>
+                      <a:pPr algn="l"/>
+                      <a:r>
+                        <a:rPr lang="en-US" sz="2800" dirty="0" smtClean="0"/>
+                        <a:t>16</a:t>
+                      </a:r>
+                      <a:r>
+                        <a:rPr lang="en-US" sz="2800" baseline="30000" dirty="0" smtClean="0"/>
+                        <a:t>th </a:t>
+                      </a:r>
+                      <a:r>
+                        <a:rPr lang="en-US" sz="2800" dirty="0" smtClean="0"/>
+                        <a:t>– 19</a:t>
+                      </a:r>
+                      <a:r>
+                        <a:rPr lang="en-US" sz="2800" baseline="30000" dirty="0" smtClean="0"/>
+                        <a:t>th</a:t>
+                      </a:r>
+                      <a:r>
+                        <a:rPr lang="en-US" sz="2800" dirty="0" smtClean="0"/>
+                        <a:t> Jan 2017</a:t>
+                      </a:r>
+                      <a:endParaRPr lang="de-DE" sz="2800" dirty="0"/>
+                    </a:p>
+                  </a:txBody>
+                  <a:tcPr>
+                    <a:lnL w="12700" cmpd="sng">
+                      <a:noFill/>
+                    </a:lnL>
+                    <a:lnR w="12700" cmpd="sng">
+                      <a:noFill/>
+                    </a:lnR>
+                    <a:lnT w="12700" cmpd="sng">
+                      <a:noFill/>
+                    </a:lnT>
+                    <a:lnB w="12700" cmpd="sng">
+                      <a:noFill/>
+                    </a:lnB>
+                    <a:lnTlToBr w="12700" cmpd="sng">
+                      <a:noFill/>
+                      <a:prstDash val="solid"/>
+                    </a:lnTlToBr>
+                    <a:lnBlToTr w="12700" cmpd="sng">
+                      <a:noFill/>
+                      <a:prstDash val="solid"/>
+                    </a:lnBlToTr>
+                  </a:tcPr>
+                </a:tc>
+                <a:tc>
+                  <a:txBody>
+                    <a:bodyPr/>
+                    <a:lstStyle/>
+                    <a:p>
+                      <a:pPr algn="l"/>
+                      <a:r>
+                        <a:rPr lang="en-US" sz="2800" dirty="0" smtClean="0"/>
+                        <a:t>European Galaxy Developer workshop</a:t>
+                      </a:r>
+                      <a:endParaRPr lang="de-DE" sz="2800" dirty="0"/>
+                    </a:p>
+                  </a:txBody>
+                  <a:tcPr>
+                    <a:lnL w="12700" cmpd="sng">
+                      <a:noFill/>
+                    </a:lnL>
+                    <a:lnR w="12700" cmpd="sng">
+                      <a:noFill/>
+                    </a:lnR>
+                    <a:lnT w="12700" cmpd="sng">
+                      <a:noFill/>
+                    </a:lnT>
+                    <a:lnB w="12700" cmpd="sng">
+                      <a:noFill/>
+                    </a:lnB>
+                    <a:lnTlToBr w="12700" cmpd="sng">
+                      <a:noFill/>
+                      <a:prstDash val="solid"/>
+                    </a:lnTlToBr>
+                    <a:lnBlToTr w="12700" cmpd="sng">
+                      <a:noFill/>
+                      <a:prstDash val="solid"/>
+                    </a:lnBlToTr>
+                  </a:tcPr>
+                </a:tc>
+                <a:tc>
+                  <a:txBody>
+                    <a:bodyPr/>
+                    <a:lstStyle/>
+                    <a:p>
+                      <a:pPr algn="l"/>
+                      <a:r>
+                        <a:rPr lang="en-US" sz="2800" dirty="0" smtClean="0"/>
+                        <a:t>Strasbourg</a:t>
+                      </a:r>
+                      <a:endParaRPr lang="de-DE" sz="2800" dirty="0"/>
+                    </a:p>
+                  </a:txBody>
+                  <a:tcPr>
+                    <a:lnL w="12700" cmpd="sng">
+                      <a:noFill/>
+                    </a:lnL>
+                    <a:lnR w="12700" cmpd="sng">
+                      <a:noFill/>
+                    </a:lnR>
+                    <a:lnT w="12700" cmpd="sng">
+                      <a:noFill/>
+                    </a:lnT>
+                    <a:lnB w="12700" cmpd="sng">
+                      <a:noFill/>
+                    </a:lnB>
+                    <a:lnTlToBr w="12700" cmpd="sng">
+                      <a:noFill/>
+                      <a:prstDash val="solid"/>
+                    </a:lnTlToBr>
+                    <a:lnBlToTr w="12700" cmpd="sng">
+                      <a:noFill/>
+                      <a:prstDash val="solid"/>
+                    </a:lnBlToTr>
+                  </a:tcPr>
+                </a:tc>
+              </a:tr>
+              <a:tr h="370840">
+                <a:tc>
+                  <a:txBody>
+                    <a:bodyPr/>
+                    <a:lstStyle/>
+                    <a:p>
+                      <a:pPr algn="l"/>
+                      <a:r>
+                        <a:rPr lang="en-US" sz="2800" dirty="0" smtClean="0"/>
+                        <a:t>13</a:t>
+                      </a:r>
+                      <a:r>
+                        <a:rPr lang="en-US" sz="2800" baseline="30000" dirty="0" smtClean="0"/>
+                        <a:t>th </a:t>
+                      </a:r>
+                      <a:r>
+                        <a:rPr lang="en-US" sz="2800" dirty="0" smtClean="0"/>
+                        <a:t>– 17</a:t>
+                      </a:r>
+                      <a:r>
+                        <a:rPr lang="en-US" sz="2800" baseline="30000" dirty="0" smtClean="0"/>
+                        <a:t>th</a:t>
+                      </a:r>
+                      <a:r>
+                        <a:rPr lang="en-US" sz="2800" dirty="0" smtClean="0"/>
+                        <a:t> Feb 2017 </a:t>
+                      </a:r>
+                      <a:endParaRPr lang="de-DE" sz="2800" dirty="0"/>
+                    </a:p>
+                  </a:txBody>
+                  <a:tcPr>
+                    <a:lnL w="12700" cmpd="sng">
+                      <a:noFill/>
+                    </a:lnL>
+                    <a:lnR w="12700" cmpd="sng">
+                      <a:noFill/>
+                    </a:lnR>
+                    <a:lnT w="12700" cmpd="sng">
+                      <a:noFill/>
+                    </a:lnT>
+                    <a:lnB w="12700" cmpd="sng">
+                      <a:noFill/>
+                    </a:lnB>
+                    <a:lnTlToBr w="12700" cmpd="sng">
+                      <a:noFill/>
+                      <a:prstDash val="solid"/>
+                    </a:lnTlToBr>
+                    <a:lnBlToTr w="12700" cmpd="sng">
+                      <a:noFill/>
+                      <a:prstDash val="solid"/>
+                    </a:lnBlToTr>
+                  </a:tcPr>
+                </a:tc>
+                <a:tc>
+                  <a:txBody>
+                    <a:bodyPr/>
+                    <a:lstStyle/>
+                    <a:p>
+                      <a:pPr algn="l"/>
+                      <a:r>
+                        <a:rPr lang="en-US" sz="2800" dirty="0" smtClean="0"/>
+                        <a:t>Galaxy HTS data analysis workshop</a:t>
+                      </a:r>
+                      <a:r>
+                        <a:rPr lang="de-DE" sz="2800" dirty="0" smtClean="0"/>
+                        <a:t> </a:t>
+                      </a:r>
+                      <a:endParaRPr lang="de-DE" sz="2800" dirty="0"/>
+                    </a:p>
+                  </a:txBody>
+                  <a:tcPr>
+                    <a:lnL w="12700" cmpd="sng">
+                      <a:noFill/>
+                    </a:lnL>
+                    <a:lnR w="12700" cmpd="sng">
+                      <a:noFill/>
+                    </a:lnR>
+                    <a:lnT w="12700" cmpd="sng">
+                      <a:noFill/>
+                    </a:lnT>
+                    <a:lnB w="12700" cmpd="sng">
+                      <a:noFill/>
+                    </a:lnB>
+                    <a:lnTlToBr w="12700" cmpd="sng">
+                      <a:noFill/>
+                      <a:prstDash val="solid"/>
+                    </a:lnTlToBr>
+                    <a:lnBlToTr w="12700" cmpd="sng">
+                      <a:noFill/>
+                      <a:prstDash val="solid"/>
+                    </a:lnBlToTr>
+                  </a:tcPr>
+                </a:tc>
+                <a:tc>
+                  <a:txBody>
+                    <a:bodyPr/>
+                    <a:lstStyle/>
+                    <a:p>
+                      <a:pPr algn="l"/>
+                      <a:r>
+                        <a:rPr lang="de-DE" sz="2800" dirty="0" smtClean="0"/>
+                        <a:t>Freiburg</a:t>
+                      </a:r>
+                      <a:endParaRPr lang="de-DE" sz="2800" dirty="0"/>
+                    </a:p>
+                  </a:txBody>
+                  <a:tcPr>
+                    <a:lnL w="12700" cmpd="sng">
+                      <a:noFill/>
+                    </a:lnL>
+                    <a:lnR w="12700" cmpd="sng">
+                      <a:noFill/>
+                    </a:lnR>
+                    <a:lnT w="12700" cmpd="sng">
+                      <a:noFill/>
+                    </a:lnT>
+                    <a:lnB w="12700" cmpd="sng">
+                      <a:noFill/>
+                    </a:lnB>
+                    <a:lnTlToBr w="12700" cmpd="sng">
+                      <a:noFill/>
+                      <a:prstDash val="solid"/>
+                    </a:lnTlToBr>
+                    <a:lnBlToTr w="12700" cmpd="sng">
+                      <a:noFill/>
+                      <a:prstDash val="solid"/>
+                    </a:lnBlToTr>
+                  </a:tcPr>
+                </a:tc>
+              </a:tr>
+              <a:tr h="370840">
+                <a:tc>
+                  <a:txBody>
+                    <a:bodyPr/>
+                    <a:lstStyle/>
+                    <a:p>
+                      <a:pPr algn="l"/>
+                      <a:r>
+                        <a:rPr lang="en-US" sz="2800" spc="-1" dirty="0" smtClean="0">
+                          <a:solidFill>
+                            <a:srgbClr val="000000"/>
+                          </a:solidFill>
+                          <a:uFill>
+                            <a:solidFill>
+                              <a:srgbClr val="FFFFFF"/>
+                            </a:solidFill>
+                          </a:uFill>
+                        </a:rPr>
+                        <a:t>4</a:t>
+                      </a:r>
+                      <a:r>
+                        <a:rPr lang="en-US" sz="2800" spc="-1" baseline="30000" dirty="0" smtClean="0">
+                          <a:solidFill>
+                            <a:srgbClr val="000000"/>
+                          </a:solidFill>
+                          <a:uFill>
+                            <a:solidFill>
+                              <a:srgbClr val="FFFFFF"/>
+                            </a:solidFill>
+                          </a:uFill>
+                        </a:rPr>
+                        <a:t>th</a:t>
+                      </a:r>
+                      <a:r>
+                        <a:rPr lang="en-US" sz="2800" spc="-1" dirty="0" smtClean="0">
+                          <a:solidFill>
+                            <a:srgbClr val="000000"/>
+                          </a:solidFill>
+                          <a:uFill>
+                            <a:solidFill>
+                              <a:srgbClr val="FFFFFF"/>
+                            </a:solidFill>
+                          </a:uFill>
+                        </a:rPr>
+                        <a:t> – 5</a:t>
+                      </a:r>
+                      <a:r>
+                        <a:rPr lang="en-US" sz="2800" spc="-1" baseline="30000" dirty="0" smtClean="0">
+                          <a:solidFill>
+                            <a:srgbClr val="000000"/>
+                          </a:solidFill>
+                          <a:uFill>
+                            <a:solidFill>
+                              <a:srgbClr val="FFFFFF"/>
+                            </a:solidFill>
+                          </a:uFill>
+                        </a:rPr>
+                        <a:t>th</a:t>
+                      </a:r>
+                      <a:r>
+                        <a:rPr lang="en-US" sz="2800" spc="-1" dirty="0" smtClean="0">
+                          <a:solidFill>
+                            <a:srgbClr val="000000"/>
+                          </a:solidFill>
+                          <a:uFill>
+                            <a:solidFill>
+                              <a:srgbClr val="FFFFFF"/>
+                            </a:solidFill>
+                          </a:uFill>
+                        </a:rPr>
+                        <a:t> Apr 2017 </a:t>
+                      </a:r>
+                      <a:endParaRPr lang="de-DE" sz="2800" dirty="0"/>
+                    </a:p>
+                  </a:txBody>
+                  <a:tcPr>
+                    <a:lnL w="12700" cmpd="sng">
+                      <a:noFill/>
+                    </a:lnL>
+                    <a:lnR w="12700" cmpd="sng">
+                      <a:noFill/>
+                    </a:lnR>
+                    <a:lnT w="12700" cmpd="sng">
+                      <a:noFill/>
+                    </a:lnT>
+                    <a:lnB w="12700" cmpd="sng">
+                      <a:noFill/>
+                    </a:lnB>
+                    <a:lnTlToBr w="12700" cmpd="sng">
+                      <a:noFill/>
+                      <a:prstDash val="solid"/>
+                    </a:lnTlToBr>
+                    <a:lnBlToTr w="12700" cmpd="sng">
+                      <a:noFill/>
+                      <a:prstDash val="solid"/>
+                    </a:lnBlToTr>
+                  </a:tcPr>
+                </a:tc>
+                <a:tc>
+                  <a:txBody>
+                    <a:bodyPr/>
+                    <a:lstStyle/>
+                    <a:p>
+                      <a:pPr marL="0" marR="0" indent="0" algn="l" defTabSz="914400" eaLnBrk="1" fontAlgn="auto" latinLnBrk="0" hangingPunct="1">
+                        <a:lnSpc>
+                          <a:spcPct val="100000"/>
+                        </a:lnSpc>
+                        <a:spcBef>
+                          <a:spcPts val="0"/>
+                        </a:spcBef>
+                        <a:spcAft>
+                          <a:spcPts val="0"/>
+                        </a:spcAft>
+                        <a:buClrTx/>
+                        <a:buSzTx/>
+                        <a:buFontTx/>
+                        <a:buNone/>
+                        <a:tabLst/>
+                        <a:defRPr/>
+                      </a:pPr>
+                      <a:r>
+                        <a:rPr lang="en-US" sz="2800" spc="-1" dirty="0" smtClean="0">
+                          <a:solidFill>
+                            <a:srgbClr val="000000"/>
+                          </a:solidFill>
+                          <a:uFill>
+                            <a:solidFill>
+                              <a:srgbClr val="FFFFFF"/>
+                            </a:solidFill>
+                          </a:uFill>
+                        </a:rPr>
+                        <a:t>ELIXIR – </a:t>
+                      </a:r>
+                      <a:r>
+                        <a:rPr lang="en-US" sz="2800" spc="-1" dirty="0" err="1" smtClean="0">
+                          <a:solidFill>
+                            <a:srgbClr val="000000"/>
+                          </a:solidFill>
+                          <a:uFill>
+                            <a:solidFill>
+                              <a:srgbClr val="FFFFFF"/>
+                            </a:solidFill>
+                          </a:uFill>
+                        </a:rPr>
+                        <a:t>de.NBI</a:t>
+                      </a:r>
+                      <a:r>
+                        <a:rPr lang="en-US" sz="2800" spc="-1" dirty="0" smtClean="0">
+                          <a:solidFill>
+                            <a:srgbClr val="000000"/>
+                          </a:solidFill>
+                          <a:uFill>
+                            <a:solidFill>
+                              <a:srgbClr val="FFFFFF"/>
+                            </a:solidFill>
+                          </a:uFill>
+                        </a:rPr>
+                        <a:t> AAI workshop</a:t>
+                      </a:r>
+                      <a:endParaRPr lang="en-US" sz="2800" dirty="0" smtClean="0"/>
+                    </a:p>
+                  </a:txBody>
+                  <a:tcPr>
+                    <a:lnL w="12700" cmpd="sng">
+                      <a:noFill/>
+                    </a:lnL>
+                    <a:lnR w="12700" cmpd="sng">
+                      <a:noFill/>
+                    </a:lnR>
+                    <a:lnT w="12700" cmpd="sng">
+                      <a:noFill/>
+                    </a:lnT>
+                    <a:lnB w="12700" cmpd="sng">
+                      <a:noFill/>
+                    </a:lnB>
+                    <a:lnTlToBr w="12700" cmpd="sng">
+                      <a:noFill/>
+                      <a:prstDash val="solid"/>
+                    </a:lnTlToBr>
+                    <a:lnBlToTr w="12700" cmpd="sng">
+                      <a:noFill/>
+                      <a:prstDash val="solid"/>
+                    </a:lnBlToTr>
+                  </a:tcPr>
+                </a:tc>
+                <a:tc>
+                  <a:txBody>
+                    <a:bodyPr/>
+                    <a:lstStyle/>
+                    <a:p>
+                      <a:pPr algn="l"/>
+                      <a:r>
+                        <a:rPr lang="de-DE" sz="2800" dirty="0" smtClean="0"/>
+                        <a:t>Freiburg</a:t>
+                      </a:r>
+                      <a:endParaRPr lang="de-DE" sz="2800" dirty="0"/>
+                    </a:p>
+                  </a:txBody>
+                  <a:tcPr>
+                    <a:lnL w="12700" cmpd="sng">
+                      <a:noFill/>
+                    </a:lnL>
+                    <a:lnR w="12700" cmpd="sng">
+                      <a:noFill/>
+                    </a:lnR>
+                    <a:lnT w="12700" cmpd="sng">
+                      <a:noFill/>
+                    </a:lnT>
+                    <a:lnB w="12700" cmpd="sng">
+                      <a:noFill/>
+                    </a:lnB>
+                    <a:lnTlToBr w="12700" cmpd="sng">
+                      <a:noFill/>
+                      <a:prstDash val="solid"/>
+                    </a:lnTlToBr>
+                    <a:lnBlToTr w="12700" cmpd="sng">
+                      <a:noFill/>
+                      <a:prstDash val="solid"/>
+                    </a:lnBlToTr>
+                  </a:tcPr>
+                </a:tc>
+              </a:tr>
+              <a:tr h="149736">
+                <a:tc>
+                  <a:txBody>
+                    <a:bodyPr/>
+                    <a:lstStyle/>
+                    <a:p>
+                      <a:pPr algn="l"/>
+                      <a:r>
+                        <a:rPr lang="en-US" sz="2800" dirty="0" smtClean="0"/>
+                        <a:t>14</a:t>
+                      </a:r>
+                      <a:r>
+                        <a:rPr lang="en-US" sz="2800" baseline="30000" dirty="0" smtClean="0"/>
+                        <a:t>th </a:t>
+                      </a:r>
+                      <a:r>
+                        <a:rPr lang="en-US" sz="2800" dirty="0" smtClean="0"/>
+                        <a:t>– 18</a:t>
+                      </a:r>
+                      <a:r>
+                        <a:rPr lang="en-US" sz="2800" baseline="30000" dirty="0" smtClean="0"/>
+                        <a:t>th</a:t>
+                      </a:r>
+                      <a:r>
+                        <a:rPr lang="en-US" sz="2800" dirty="0" smtClean="0"/>
+                        <a:t> Sep 2017 </a:t>
+                      </a:r>
+                      <a:endParaRPr lang="de-DE" sz="2800" dirty="0"/>
+                    </a:p>
+                  </a:txBody>
+                  <a:tcPr>
+                    <a:lnL w="12700" cmpd="sng">
+                      <a:noFill/>
+                    </a:lnL>
+                    <a:lnR w="12700" cmpd="sng">
+                      <a:noFill/>
+                    </a:lnR>
+                    <a:lnT w="12700" cmpd="sng">
+                      <a:noFill/>
+                    </a:lnT>
+                    <a:lnB w="12700" cmpd="sng">
+                      <a:noFill/>
+                    </a:lnB>
+                    <a:lnTlToBr w="12700" cmpd="sng">
+                      <a:noFill/>
+                      <a:prstDash val="solid"/>
+                    </a:lnTlToBr>
+                    <a:lnBlToTr w="12700" cmpd="sng">
+                      <a:noFill/>
+                      <a:prstDash val="solid"/>
+                    </a:lnBlToTr>
+                  </a:tcPr>
+                </a:tc>
+                <a:tc>
+                  <a:txBody>
+                    <a:bodyPr/>
+                    <a:lstStyle/>
+                    <a:p>
+                      <a:pPr algn="l"/>
+                      <a:r>
+                        <a:rPr lang="en-US" sz="2800" dirty="0" smtClean="0"/>
+                        <a:t>Galaxy HTS data analysis</a:t>
+                      </a:r>
+                      <a:r>
+                        <a:rPr lang="en-US" sz="2800" baseline="0" dirty="0" smtClean="0"/>
+                        <a:t> </a:t>
+                      </a:r>
+                      <a:r>
+                        <a:rPr lang="en-US" sz="2800" dirty="0" smtClean="0"/>
+                        <a:t>workshop </a:t>
+                      </a:r>
+                      <a:endParaRPr lang="de-DE" sz="2800" dirty="0"/>
+                    </a:p>
+                  </a:txBody>
+                  <a:tcPr>
+                    <a:lnL w="12700" cmpd="sng">
+                      <a:noFill/>
+                    </a:lnL>
+                    <a:lnR w="12700" cmpd="sng">
+                      <a:noFill/>
+                    </a:lnR>
+                    <a:lnT w="12700" cmpd="sng">
+                      <a:noFill/>
+                    </a:lnT>
+                    <a:lnB w="12700" cmpd="sng">
+                      <a:noFill/>
+                    </a:lnB>
+                    <a:lnTlToBr w="12700" cmpd="sng">
+                      <a:noFill/>
+                      <a:prstDash val="solid"/>
+                    </a:lnTlToBr>
+                    <a:lnBlToTr w="12700" cmpd="sng">
+                      <a:noFill/>
+                      <a:prstDash val="solid"/>
+                    </a:lnBlToTr>
+                  </a:tcPr>
+                </a:tc>
+                <a:tc>
+                  <a:txBody>
+                    <a:bodyPr/>
+                    <a:lstStyle/>
+                    <a:p>
+                      <a:pPr algn="l"/>
+                      <a:r>
+                        <a:rPr lang="de-DE" sz="2800" dirty="0" smtClean="0"/>
+                        <a:t>Freiburg</a:t>
+                      </a:r>
+                      <a:endParaRPr lang="de-DE" sz="2800" dirty="0"/>
+                    </a:p>
+                  </a:txBody>
+                  <a:tcPr>
+                    <a:lnL w="12700" cmpd="sng">
+                      <a:noFill/>
+                    </a:lnL>
+                    <a:lnR w="12700" cmpd="sng">
+                      <a:noFill/>
+                    </a:lnR>
+                    <a:lnT w="12700" cmpd="sng">
+                      <a:noFill/>
+                    </a:lnT>
+                    <a:lnB w="12700" cmpd="sng">
+                      <a:noFill/>
+                    </a:lnB>
+                    <a:lnTlToBr w="12700" cmpd="sng">
+                      <a:noFill/>
+                      <a:prstDash val="solid"/>
+                    </a:lnTlToBr>
+                    <a:lnBlToTr w="12700" cmpd="sng">
+                      <a:noFill/>
+                      <a:prstDash val="solid"/>
+                    </a:lnBlToTr>
+                  </a:tcPr>
+                </a:tc>
+              </a:tr>
+            </a:tbl>
+          </a:graphicData>
+        </a:graphic>
+      </p:graphicFrame>
+      <p:cxnSp>
+        <p:nvCxnSpPr>
+          <p:cNvPr id="12" name="Gerade Verbindung 11"/>
+          <p:cNvCxnSpPr/>
+          <p:nvPr/>
+        </p:nvCxnSpPr>
+        <p:spPr>
+          <a:xfrm flipH="1">
+            <a:off x="5305320" y="24067560"/>
+            <a:ext cx="28260" cy="4827122"/>
+          </a:xfrm>
+          <a:prstGeom prst="line">
+            <a:avLst/>
+          </a:prstGeom>
+        </p:spPr>
+        <p:style>
+          <a:lnRef idx="1">
+            <a:schemeClr val="dk1"/>
+          </a:lnRef>
+          <a:fillRef idx="0">
+            <a:schemeClr val="dk1"/>
+          </a:fillRef>
+          <a:effectRef idx="0">
+            <a:schemeClr val="dk1"/>
+          </a:effectRef>
+          <a:fontRef idx="minor">
+            <a:schemeClr val="tx1"/>
+          </a:fontRef>
+        </p:style>
+      </p:cxnSp>
+      <p:cxnSp>
+        <p:nvCxnSpPr>
+          <p:cNvPr id="84" name="Gerade Verbindung 83"/>
+          <p:cNvCxnSpPr/>
+          <p:nvPr/>
+        </p:nvCxnSpPr>
+        <p:spPr>
+          <a:xfrm flipH="1">
+            <a:off x="10191474" y="24067560"/>
+            <a:ext cx="28260" cy="4827122"/>
+          </a:xfrm>
+          <a:prstGeom prst="line">
+            <a:avLst/>
+          </a:prstGeom>
+        </p:spPr>
+        <p:style>
+          <a:lnRef idx="1">
+            <a:schemeClr val="dk1"/>
+          </a:lnRef>
+          <a:fillRef idx="0">
+            <a:schemeClr val="dk1"/>
+          </a:fillRef>
+          <a:effectRef idx="0">
+            <a:schemeClr val="dk1"/>
+          </a:effectRef>
+          <a:fontRef idx="minor">
+            <a:schemeClr val="tx1"/>
+          </a:fontRef>
+        </p:style>
+      </p:cxnSp>
     </p:spTree>
   </p:cSld>
   <p:clrMapOvr>
